--- a/readme.pptx
+++ b/readme.pptx
@@ -16,13 +16,13 @@
     <p:sldId id="263" r:id="rId7"/>
     <p:sldId id="264" r:id="rId8"/>
     <p:sldId id="296" r:id="rId9"/>
-    <p:sldId id="298" r:id="rId10"/>
-    <p:sldId id="299" r:id="rId11"/>
-    <p:sldId id="300" r:id="rId12"/>
-    <p:sldId id="301" r:id="rId13"/>
-    <p:sldId id="302" r:id="rId14"/>
-    <p:sldId id="303" r:id="rId15"/>
-    <p:sldId id="304" r:id="rId16"/>
+    <p:sldId id="304" r:id="rId10"/>
+    <p:sldId id="298" r:id="rId11"/>
+    <p:sldId id="299" r:id="rId12"/>
+    <p:sldId id="300" r:id="rId13"/>
+    <p:sldId id="301" r:id="rId14"/>
+    <p:sldId id="302" r:id="rId15"/>
+    <p:sldId id="303" r:id="rId16"/>
     <p:sldId id="266" r:id="rId17"/>
     <p:sldId id="267" r:id="rId18"/>
     <p:sldId id="268" r:id="rId19"/>
@@ -154,7 +154,7 @@
   </p:defaultTextStyle>
   <p:extLst>
     <p:ext uri="{EFAFB233-063F-42B5-8137-9DF3F51BA10A}">
-      <p15:sldGuideLst xmlns:p15="http://schemas.microsoft.com/office/powerpoint/2012/main" xmlns=""/>
+      <p15:sldGuideLst xmlns="" xmlns:p15="http://schemas.microsoft.com/office/powerpoint/2012/main"/>
     </p:ext>
   </p:extLst>
 </p:presentation>
@@ -242,7 +242,7 @@
           <a:p>
             <a:fld id="{3EBE19CC-9519-4C5F-A78F-AFC3EB8C266D}" type="datetimeFigureOut">
               <a:rPr lang="en-IN" smtClean="0"/>
-              <a:t>16-05-2021</a:t>
+              <a:t>20-05-2021</a:t>
             </a:fld>
             <a:endParaRPr lang="en-IN"/>
           </a:p>
@@ -532,7 +532,7 @@
           <p:cNvPr id="2" name="Title 1">
             <a:extLst>
               <a:ext uri="{FF2B5EF4-FFF2-40B4-BE49-F238E27FC236}">
-                <a16:creationId xmlns:a16="http://schemas.microsoft.com/office/drawing/2014/main" xmlns="" id="{AD6677EC-8707-4820-BADA-C8D002623C77}"/>
+                <a16:creationId xmlns="" xmlns:a16="http://schemas.microsoft.com/office/drawing/2014/main" id="{AD6677EC-8707-4820-BADA-C8D002623C77}"/>
               </a:ext>
             </a:extLst>
           </p:cNvPr>
@@ -570,7 +570,7 @@
           <p:cNvPr id="3" name="Subtitle 2">
             <a:extLst>
               <a:ext uri="{FF2B5EF4-FFF2-40B4-BE49-F238E27FC236}">
-                <a16:creationId xmlns:a16="http://schemas.microsoft.com/office/drawing/2014/main" xmlns="" id="{254CA423-B559-4D4C-A990-FC9123A2D2E4}"/>
+                <a16:creationId xmlns="" xmlns:a16="http://schemas.microsoft.com/office/drawing/2014/main" id="{254CA423-B559-4D4C-A990-FC9123A2D2E4}"/>
               </a:ext>
             </a:extLst>
           </p:cNvPr>
@@ -641,7 +641,7 @@
           <p:cNvPr id="4" name="Date Placeholder 3">
             <a:extLst>
               <a:ext uri="{FF2B5EF4-FFF2-40B4-BE49-F238E27FC236}">
-                <a16:creationId xmlns:a16="http://schemas.microsoft.com/office/drawing/2014/main" xmlns="" id="{13ABF47C-6BE7-481F-AB05-B52FBC9877B2}"/>
+                <a16:creationId xmlns="" xmlns:a16="http://schemas.microsoft.com/office/drawing/2014/main" id="{13ABF47C-6BE7-481F-AB05-B52FBC9877B2}"/>
               </a:ext>
             </a:extLst>
           </p:cNvPr>
@@ -659,7 +659,7 @@
           <a:p>
             <a:fld id="{95B38DEA-F89A-499A-81D4-0F17E13A0F54}" type="datetime1">
               <a:rPr lang="en-IN" smtClean="0"/>
-              <a:t>16-05-2021</a:t>
+              <a:t>20-05-2021</a:t>
             </a:fld>
             <a:endParaRPr lang="en-IN"/>
           </a:p>
@@ -670,7 +670,7 @@
           <p:cNvPr id="5" name="Footer Placeholder 4">
             <a:extLst>
               <a:ext uri="{FF2B5EF4-FFF2-40B4-BE49-F238E27FC236}">
-                <a16:creationId xmlns:a16="http://schemas.microsoft.com/office/drawing/2014/main" xmlns="" id="{CDB0413F-8EF5-4D34-BD5B-3C522BCECAD9}"/>
+                <a16:creationId xmlns="" xmlns:a16="http://schemas.microsoft.com/office/drawing/2014/main" id="{CDB0413F-8EF5-4D34-BD5B-3C522BCECAD9}"/>
               </a:ext>
             </a:extLst>
           </p:cNvPr>
@@ -699,7 +699,7 @@
           <p:cNvPr id="6" name="Slide Number Placeholder 5">
             <a:extLst>
               <a:ext uri="{FF2B5EF4-FFF2-40B4-BE49-F238E27FC236}">
-                <a16:creationId xmlns:a16="http://schemas.microsoft.com/office/drawing/2014/main" xmlns="" id="{3F3B31F8-E781-4D49-A386-D0041E93058C}"/>
+                <a16:creationId xmlns="" xmlns:a16="http://schemas.microsoft.com/office/drawing/2014/main" id="{3F3B31F8-E781-4D49-A386-D0041E93058C}"/>
               </a:ext>
             </a:extLst>
           </p:cNvPr>
@@ -758,7 +758,7 @@
           <p:cNvPr id="2" name="Title 1">
             <a:extLst>
               <a:ext uri="{FF2B5EF4-FFF2-40B4-BE49-F238E27FC236}">
-                <a16:creationId xmlns:a16="http://schemas.microsoft.com/office/drawing/2014/main" xmlns="" id="{2213ED4C-2D41-4FDA-ACD9-CF186DD3C3CA}"/>
+                <a16:creationId xmlns="" xmlns:a16="http://schemas.microsoft.com/office/drawing/2014/main" id="{2213ED4C-2D41-4FDA-ACD9-CF186DD3C3CA}"/>
               </a:ext>
             </a:extLst>
           </p:cNvPr>
@@ -787,7 +787,7 @@
           <p:cNvPr id="3" name="Vertical Text Placeholder 2">
             <a:extLst>
               <a:ext uri="{FF2B5EF4-FFF2-40B4-BE49-F238E27FC236}">
-                <a16:creationId xmlns:a16="http://schemas.microsoft.com/office/drawing/2014/main" xmlns="" id="{8E0B6A18-318A-4D0E-8ED7-59987F342179}"/>
+                <a16:creationId xmlns="" xmlns:a16="http://schemas.microsoft.com/office/drawing/2014/main" id="{8E0B6A18-318A-4D0E-8ED7-59987F342179}"/>
               </a:ext>
             </a:extLst>
           </p:cNvPr>
@@ -845,7 +845,7 @@
           <p:cNvPr id="4" name="Date Placeholder 3">
             <a:extLst>
               <a:ext uri="{FF2B5EF4-FFF2-40B4-BE49-F238E27FC236}">
-                <a16:creationId xmlns:a16="http://schemas.microsoft.com/office/drawing/2014/main" xmlns="" id="{EB20B605-C292-4D14-8912-8251D314F350}"/>
+                <a16:creationId xmlns="" xmlns:a16="http://schemas.microsoft.com/office/drawing/2014/main" id="{EB20B605-C292-4D14-8912-8251D314F350}"/>
               </a:ext>
             </a:extLst>
           </p:cNvPr>
@@ -863,7 +863,7 @@
           <a:p>
             <a:fld id="{52CB48DB-8752-4EC9-AEF1-132D60C612E3}" type="datetime1">
               <a:rPr lang="en-IN" smtClean="0"/>
-              <a:t>16-05-2021</a:t>
+              <a:t>20-05-2021</a:t>
             </a:fld>
             <a:endParaRPr lang="en-IN"/>
           </a:p>
@@ -874,7 +874,7 @@
           <p:cNvPr id="5" name="Footer Placeholder 4">
             <a:extLst>
               <a:ext uri="{FF2B5EF4-FFF2-40B4-BE49-F238E27FC236}">
-                <a16:creationId xmlns:a16="http://schemas.microsoft.com/office/drawing/2014/main" xmlns="" id="{0D230557-72CD-41CF-A4E5-A9B64FF15213}"/>
+                <a16:creationId xmlns="" xmlns:a16="http://schemas.microsoft.com/office/drawing/2014/main" id="{0D230557-72CD-41CF-A4E5-A9B64FF15213}"/>
               </a:ext>
             </a:extLst>
           </p:cNvPr>
@@ -903,7 +903,7 @@
           <p:cNvPr id="6" name="Slide Number Placeholder 5">
             <a:extLst>
               <a:ext uri="{FF2B5EF4-FFF2-40B4-BE49-F238E27FC236}">
-                <a16:creationId xmlns:a16="http://schemas.microsoft.com/office/drawing/2014/main" xmlns="" id="{2FE1D16F-C026-46E0-A7C9-F83599048AE0}"/>
+                <a16:creationId xmlns="" xmlns:a16="http://schemas.microsoft.com/office/drawing/2014/main" id="{2FE1D16F-C026-46E0-A7C9-F83599048AE0}"/>
               </a:ext>
             </a:extLst>
           </p:cNvPr>
@@ -962,7 +962,7 @@
           <p:cNvPr id="2" name="Vertical Title 1">
             <a:extLst>
               <a:ext uri="{FF2B5EF4-FFF2-40B4-BE49-F238E27FC236}">
-                <a16:creationId xmlns:a16="http://schemas.microsoft.com/office/drawing/2014/main" xmlns="" id="{8469DE12-C071-4A7D-8AE5-91FA861BC220}"/>
+                <a16:creationId xmlns="" xmlns:a16="http://schemas.microsoft.com/office/drawing/2014/main" id="{8469DE12-C071-4A7D-8AE5-91FA861BC220}"/>
               </a:ext>
             </a:extLst>
           </p:cNvPr>
@@ -996,7 +996,7 @@
           <p:cNvPr id="3" name="Vertical Text Placeholder 2">
             <a:extLst>
               <a:ext uri="{FF2B5EF4-FFF2-40B4-BE49-F238E27FC236}">
-                <a16:creationId xmlns:a16="http://schemas.microsoft.com/office/drawing/2014/main" xmlns="" id="{358265D5-5610-4284-BF94-42B608C74901}"/>
+                <a16:creationId xmlns="" xmlns:a16="http://schemas.microsoft.com/office/drawing/2014/main" id="{358265D5-5610-4284-BF94-42B608C74901}"/>
               </a:ext>
             </a:extLst>
           </p:cNvPr>
@@ -1059,7 +1059,7 @@
           <p:cNvPr id="4" name="Date Placeholder 3">
             <a:extLst>
               <a:ext uri="{FF2B5EF4-FFF2-40B4-BE49-F238E27FC236}">
-                <a16:creationId xmlns:a16="http://schemas.microsoft.com/office/drawing/2014/main" xmlns="" id="{306AA223-7897-4BD9-A6D1-A15242652B24}"/>
+                <a16:creationId xmlns="" xmlns:a16="http://schemas.microsoft.com/office/drawing/2014/main" id="{306AA223-7897-4BD9-A6D1-A15242652B24}"/>
               </a:ext>
             </a:extLst>
           </p:cNvPr>
@@ -1077,7 +1077,7 @@
           <a:p>
             <a:fld id="{20E4919B-0840-418F-81E8-D1EAC9FB2BFE}" type="datetime1">
               <a:rPr lang="en-IN" smtClean="0"/>
-              <a:t>16-05-2021</a:t>
+              <a:t>20-05-2021</a:t>
             </a:fld>
             <a:endParaRPr lang="en-IN"/>
           </a:p>
@@ -1088,7 +1088,7 @@
           <p:cNvPr id="5" name="Footer Placeholder 4">
             <a:extLst>
               <a:ext uri="{FF2B5EF4-FFF2-40B4-BE49-F238E27FC236}">
-                <a16:creationId xmlns:a16="http://schemas.microsoft.com/office/drawing/2014/main" xmlns="" id="{449AFCD7-05C4-4EFD-9123-53F406BD522A}"/>
+                <a16:creationId xmlns="" xmlns:a16="http://schemas.microsoft.com/office/drawing/2014/main" id="{449AFCD7-05C4-4EFD-9123-53F406BD522A}"/>
               </a:ext>
             </a:extLst>
           </p:cNvPr>
@@ -1117,7 +1117,7 @@
           <p:cNvPr id="6" name="Slide Number Placeholder 5">
             <a:extLst>
               <a:ext uri="{FF2B5EF4-FFF2-40B4-BE49-F238E27FC236}">
-                <a16:creationId xmlns:a16="http://schemas.microsoft.com/office/drawing/2014/main" xmlns="" id="{0E1416BD-B766-4C6F-9275-FD4ACE1EE922}"/>
+                <a16:creationId xmlns="" xmlns:a16="http://schemas.microsoft.com/office/drawing/2014/main" id="{0E1416BD-B766-4C6F-9275-FD4ACE1EE922}"/>
               </a:ext>
             </a:extLst>
           </p:cNvPr>
@@ -1176,7 +1176,7 @@
           <p:cNvPr id="2" name="Title 1">
             <a:extLst>
               <a:ext uri="{FF2B5EF4-FFF2-40B4-BE49-F238E27FC236}">
-                <a16:creationId xmlns:a16="http://schemas.microsoft.com/office/drawing/2014/main" xmlns="" id="{A82538AA-70C7-403B-9DCD-1DCB5FC6C1D3}"/>
+                <a16:creationId xmlns="" xmlns:a16="http://schemas.microsoft.com/office/drawing/2014/main" id="{A82538AA-70C7-403B-9DCD-1DCB5FC6C1D3}"/>
               </a:ext>
             </a:extLst>
           </p:cNvPr>
@@ -1205,7 +1205,7 @@
           <p:cNvPr id="3" name="Content Placeholder 2">
             <a:extLst>
               <a:ext uri="{FF2B5EF4-FFF2-40B4-BE49-F238E27FC236}">
-                <a16:creationId xmlns:a16="http://schemas.microsoft.com/office/drawing/2014/main" xmlns="" id="{1821E538-2875-4884-8011-6C623ABE5F26}"/>
+                <a16:creationId xmlns="" xmlns:a16="http://schemas.microsoft.com/office/drawing/2014/main" id="{1821E538-2875-4884-8011-6C623ABE5F26}"/>
               </a:ext>
             </a:extLst>
           </p:cNvPr>
@@ -1263,7 +1263,7 @@
           <p:cNvPr id="4" name="Date Placeholder 3">
             <a:extLst>
               <a:ext uri="{FF2B5EF4-FFF2-40B4-BE49-F238E27FC236}">
-                <a16:creationId xmlns:a16="http://schemas.microsoft.com/office/drawing/2014/main" xmlns="" id="{7F1CCF97-3F8D-4BE3-B3F4-704CF465CA7B}"/>
+                <a16:creationId xmlns="" xmlns:a16="http://schemas.microsoft.com/office/drawing/2014/main" id="{7F1CCF97-3F8D-4BE3-B3F4-704CF465CA7B}"/>
               </a:ext>
             </a:extLst>
           </p:cNvPr>
@@ -1281,7 +1281,7 @@
           <a:p>
             <a:fld id="{14A56409-1144-459D-8580-EF29D8BAED4A}" type="datetime1">
               <a:rPr lang="en-IN" smtClean="0"/>
-              <a:t>16-05-2021</a:t>
+              <a:t>20-05-2021</a:t>
             </a:fld>
             <a:endParaRPr lang="en-IN"/>
           </a:p>
@@ -1292,7 +1292,7 @@
           <p:cNvPr id="5" name="Footer Placeholder 4">
             <a:extLst>
               <a:ext uri="{FF2B5EF4-FFF2-40B4-BE49-F238E27FC236}">
-                <a16:creationId xmlns:a16="http://schemas.microsoft.com/office/drawing/2014/main" xmlns="" id="{8FCA0885-0058-4DCE-B0D8-A392309ED5F6}"/>
+                <a16:creationId xmlns="" xmlns:a16="http://schemas.microsoft.com/office/drawing/2014/main" id="{8FCA0885-0058-4DCE-B0D8-A392309ED5F6}"/>
               </a:ext>
             </a:extLst>
           </p:cNvPr>
@@ -1321,7 +1321,7 @@
           <p:cNvPr id="6" name="Slide Number Placeholder 5">
             <a:extLst>
               <a:ext uri="{FF2B5EF4-FFF2-40B4-BE49-F238E27FC236}">
-                <a16:creationId xmlns:a16="http://schemas.microsoft.com/office/drawing/2014/main" xmlns="" id="{12630807-4DF9-41CF-8A31-3107A20D42A5}"/>
+                <a16:creationId xmlns="" xmlns:a16="http://schemas.microsoft.com/office/drawing/2014/main" id="{12630807-4DF9-41CF-8A31-3107A20D42A5}"/>
               </a:ext>
             </a:extLst>
           </p:cNvPr>
@@ -1380,7 +1380,7 @@
           <p:cNvPr id="2" name="Title 1">
             <a:extLst>
               <a:ext uri="{FF2B5EF4-FFF2-40B4-BE49-F238E27FC236}">
-                <a16:creationId xmlns:a16="http://schemas.microsoft.com/office/drawing/2014/main" xmlns="" id="{9CFEB71D-02FC-48B4-A779-ADFE40687401}"/>
+                <a16:creationId xmlns="" xmlns:a16="http://schemas.microsoft.com/office/drawing/2014/main" id="{9CFEB71D-02FC-48B4-A779-ADFE40687401}"/>
               </a:ext>
             </a:extLst>
           </p:cNvPr>
@@ -1418,7 +1418,7 @@
           <p:cNvPr id="3" name="Text Placeholder 2">
             <a:extLst>
               <a:ext uri="{FF2B5EF4-FFF2-40B4-BE49-F238E27FC236}">
-                <a16:creationId xmlns:a16="http://schemas.microsoft.com/office/drawing/2014/main" xmlns="" id="{A1083A76-206C-445B-88AB-6EA74EA88133}"/>
+                <a16:creationId xmlns="" xmlns:a16="http://schemas.microsoft.com/office/drawing/2014/main" id="{A1083A76-206C-445B-88AB-6EA74EA88133}"/>
               </a:ext>
             </a:extLst>
           </p:cNvPr>
@@ -1543,7 +1543,7 @@
           <p:cNvPr id="4" name="Date Placeholder 3">
             <a:extLst>
               <a:ext uri="{FF2B5EF4-FFF2-40B4-BE49-F238E27FC236}">
-                <a16:creationId xmlns:a16="http://schemas.microsoft.com/office/drawing/2014/main" xmlns="" id="{B948F319-72EC-4826-9DD2-EF3EA0136035}"/>
+                <a16:creationId xmlns="" xmlns:a16="http://schemas.microsoft.com/office/drawing/2014/main" id="{B948F319-72EC-4826-9DD2-EF3EA0136035}"/>
               </a:ext>
             </a:extLst>
           </p:cNvPr>
@@ -1561,7 +1561,7 @@
           <a:p>
             <a:fld id="{67926871-090A-4D31-A9C1-76DEC3805894}" type="datetime1">
               <a:rPr lang="en-IN" smtClean="0"/>
-              <a:t>16-05-2021</a:t>
+              <a:t>20-05-2021</a:t>
             </a:fld>
             <a:endParaRPr lang="en-IN"/>
           </a:p>
@@ -1572,7 +1572,7 @@
           <p:cNvPr id="5" name="Footer Placeholder 4">
             <a:extLst>
               <a:ext uri="{FF2B5EF4-FFF2-40B4-BE49-F238E27FC236}">
-                <a16:creationId xmlns:a16="http://schemas.microsoft.com/office/drawing/2014/main" xmlns="" id="{BABA8B88-7AB1-4668-B759-ED40AF13F292}"/>
+                <a16:creationId xmlns="" xmlns:a16="http://schemas.microsoft.com/office/drawing/2014/main" id="{BABA8B88-7AB1-4668-B759-ED40AF13F292}"/>
               </a:ext>
             </a:extLst>
           </p:cNvPr>
@@ -1601,7 +1601,7 @@
           <p:cNvPr id="6" name="Slide Number Placeholder 5">
             <a:extLst>
               <a:ext uri="{FF2B5EF4-FFF2-40B4-BE49-F238E27FC236}">
-                <a16:creationId xmlns:a16="http://schemas.microsoft.com/office/drawing/2014/main" xmlns="" id="{CCB6E71B-F180-4BD9-81AD-DA4B1CFA38B8}"/>
+                <a16:creationId xmlns="" xmlns:a16="http://schemas.microsoft.com/office/drawing/2014/main" id="{CCB6E71B-F180-4BD9-81AD-DA4B1CFA38B8}"/>
               </a:ext>
             </a:extLst>
           </p:cNvPr>
@@ -1660,7 +1660,7 @@
           <p:cNvPr id="2" name="Title 1">
             <a:extLst>
               <a:ext uri="{FF2B5EF4-FFF2-40B4-BE49-F238E27FC236}">
-                <a16:creationId xmlns:a16="http://schemas.microsoft.com/office/drawing/2014/main" xmlns="" id="{E47950D1-0BC5-4433-9307-0C1090AF42FD}"/>
+                <a16:creationId xmlns="" xmlns:a16="http://schemas.microsoft.com/office/drawing/2014/main" id="{E47950D1-0BC5-4433-9307-0C1090AF42FD}"/>
               </a:ext>
             </a:extLst>
           </p:cNvPr>
@@ -1689,7 +1689,7 @@
           <p:cNvPr id="3" name="Content Placeholder 2">
             <a:extLst>
               <a:ext uri="{FF2B5EF4-FFF2-40B4-BE49-F238E27FC236}">
-                <a16:creationId xmlns:a16="http://schemas.microsoft.com/office/drawing/2014/main" xmlns="" id="{9D7D2B18-603C-40A0-AAAC-676EE2654956}"/>
+                <a16:creationId xmlns="" xmlns:a16="http://schemas.microsoft.com/office/drawing/2014/main" id="{9D7D2B18-603C-40A0-AAAC-676EE2654956}"/>
               </a:ext>
             </a:extLst>
           </p:cNvPr>
@@ -1752,7 +1752,7 @@
           <p:cNvPr id="4" name="Content Placeholder 3">
             <a:extLst>
               <a:ext uri="{FF2B5EF4-FFF2-40B4-BE49-F238E27FC236}">
-                <a16:creationId xmlns:a16="http://schemas.microsoft.com/office/drawing/2014/main" xmlns="" id="{154421C5-CFEF-4155-AB5E-010A7A9A6686}"/>
+                <a16:creationId xmlns="" xmlns:a16="http://schemas.microsoft.com/office/drawing/2014/main" id="{154421C5-CFEF-4155-AB5E-010A7A9A6686}"/>
               </a:ext>
             </a:extLst>
           </p:cNvPr>
@@ -1815,7 +1815,7 @@
           <p:cNvPr id="5" name="Date Placeholder 4">
             <a:extLst>
               <a:ext uri="{FF2B5EF4-FFF2-40B4-BE49-F238E27FC236}">
-                <a16:creationId xmlns:a16="http://schemas.microsoft.com/office/drawing/2014/main" xmlns="" id="{9D14BCF1-40CD-4789-8B4C-1D20A8E3304C}"/>
+                <a16:creationId xmlns="" xmlns:a16="http://schemas.microsoft.com/office/drawing/2014/main" id="{9D14BCF1-40CD-4789-8B4C-1D20A8E3304C}"/>
               </a:ext>
             </a:extLst>
           </p:cNvPr>
@@ -1833,7 +1833,7 @@
           <a:p>
             <a:fld id="{7F9657E2-E3D3-4B4C-9FD7-7329F62A123B}" type="datetime1">
               <a:rPr lang="en-IN" smtClean="0"/>
-              <a:t>16-05-2021</a:t>
+              <a:t>20-05-2021</a:t>
             </a:fld>
             <a:endParaRPr lang="en-IN"/>
           </a:p>
@@ -1844,7 +1844,7 @@
           <p:cNvPr id="6" name="Footer Placeholder 5">
             <a:extLst>
               <a:ext uri="{FF2B5EF4-FFF2-40B4-BE49-F238E27FC236}">
-                <a16:creationId xmlns:a16="http://schemas.microsoft.com/office/drawing/2014/main" xmlns="" id="{E4922A8D-303B-4526-80C4-42AED2713A8B}"/>
+                <a16:creationId xmlns="" xmlns:a16="http://schemas.microsoft.com/office/drawing/2014/main" id="{E4922A8D-303B-4526-80C4-42AED2713A8B}"/>
               </a:ext>
             </a:extLst>
           </p:cNvPr>
@@ -1873,7 +1873,7 @@
           <p:cNvPr id="7" name="Slide Number Placeholder 6">
             <a:extLst>
               <a:ext uri="{FF2B5EF4-FFF2-40B4-BE49-F238E27FC236}">
-                <a16:creationId xmlns:a16="http://schemas.microsoft.com/office/drawing/2014/main" xmlns="" id="{E3C30F65-B743-42C4-8ABC-09B079346975}"/>
+                <a16:creationId xmlns="" xmlns:a16="http://schemas.microsoft.com/office/drawing/2014/main" id="{E3C30F65-B743-42C4-8ABC-09B079346975}"/>
               </a:ext>
             </a:extLst>
           </p:cNvPr>
@@ -1932,7 +1932,7 @@
           <p:cNvPr id="2" name="Title 1">
             <a:extLst>
               <a:ext uri="{FF2B5EF4-FFF2-40B4-BE49-F238E27FC236}">
-                <a16:creationId xmlns:a16="http://schemas.microsoft.com/office/drawing/2014/main" xmlns="" id="{41595C1A-15C2-48ED-B0F8-BAA935B81F5E}"/>
+                <a16:creationId xmlns="" xmlns:a16="http://schemas.microsoft.com/office/drawing/2014/main" id="{41595C1A-15C2-48ED-B0F8-BAA935B81F5E}"/>
               </a:ext>
             </a:extLst>
           </p:cNvPr>
@@ -1966,7 +1966,7 @@
           <p:cNvPr id="3" name="Text Placeholder 2">
             <a:extLst>
               <a:ext uri="{FF2B5EF4-FFF2-40B4-BE49-F238E27FC236}">
-                <a16:creationId xmlns:a16="http://schemas.microsoft.com/office/drawing/2014/main" xmlns="" id="{03F02048-7C2A-4B08-BF76-13F8E88F3C86}"/>
+                <a16:creationId xmlns="" xmlns:a16="http://schemas.microsoft.com/office/drawing/2014/main" id="{03F02048-7C2A-4B08-BF76-13F8E88F3C86}"/>
               </a:ext>
             </a:extLst>
           </p:cNvPr>
@@ -2037,7 +2037,7 @@
           <p:cNvPr id="4" name="Content Placeholder 3">
             <a:extLst>
               <a:ext uri="{FF2B5EF4-FFF2-40B4-BE49-F238E27FC236}">
-                <a16:creationId xmlns:a16="http://schemas.microsoft.com/office/drawing/2014/main" xmlns="" id="{5B11E60C-383E-4752-AAC7-4D0B3FA81780}"/>
+                <a16:creationId xmlns="" xmlns:a16="http://schemas.microsoft.com/office/drawing/2014/main" id="{5B11E60C-383E-4752-AAC7-4D0B3FA81780}"/>
               </a:ext>
             </a:extLst>
           </p:cNvPr>
@@ -2100,7 +2100,7 @@
           <p:cNvPr id="5" name="Text Placeholder 4">
             <a:extLst>
               <a:ext uri="{FF2B5EF4-FFF2-40B4-BE49-F238E27FC236}">
-                <a16:creationId xmlns:a16="http://schemas.microsoft.com/office/drawing/2014/main" xmlns="" id="{66B61BD6-6302-4813-867C-D0AAEEE20034}"/>
+                <a16:creationId xmlns="" xmlns:a16="http://schemas.microsoft.com/office/drawing/2014/main" id="{66B61BD6-6302-4813-867C-D0AAEEE20034}"/>
               </a:ext>
             </a:extLst>
           </p:cNvPr>
@@ -2171,7 +2171,7 @@
           <p:cNvPr id="6" name="Content Placeholder 5">
             <a:extLst>
               <a:ext uri="{FF2B5EF4-FFF2-40B4-BE49-F238E27FC236}">
-                <a16:creationId xmlns:a16="http://schemas.microsoft.com/office/drawing/2014/main" xmlns="" id="{2DF16956-D767-410D-AAFD-FBDA7772B667}"/>
+                <a16:creationId xmlns="" xmlns:a16="http://schemas.microsoft.com/office/drawing/2014/main" id="{2DF16956-D767-410D-AAFD-FBDA7772B667}"/>
               </a:ext>
             </a:extLst>
           </p:cNvPr>
@@ -2234,7 +2234,7 @@
           <p:cNvPr id="7" name="Date Placeholder 6">
             <a:extLst>
               <a:ext uri="{FF2B5EF4-FFF2-40B4-BE49-F238E27FC236}">
-                <a16:creationId xmlns:a16="http://schemas.microsoft.com/office/drawing/2014/main" xmlns="" id="{96D7FCDA-4AC0-4681-AE6C-03F9DBAEEE60}"/>
+                <a16:creationId xmlns="" xmlns:a16="http://schemas.microsoft.com/office/drawing/2014/main" id="{96D7FCDA-4AC0-4681-AE6C-03F9DBAEEE60}"/>
               </a:ext>
             </a:extLst>
           </p:cNvPr>
@@ -2252,7 +2252,7 @@
           <a:p>
             <a:fld id="{664F21D5-2AAA-408A-910B-555FC11A1CF7}" type="datetime1">
               <a:rPr lang="en-IN" smtClean="0"/>
-              <a:t>16-05-2021</a:t>
+              <a:t>20-05-2021</a:t>
             </a:fld>
             <a:endParaRPr lang="en-IN"/>
           </a:p>
@@ -2263,7 +2263,7 @@
           <p:cNvPr id="8" name="Footer Placeholder 7">
             <a:extLst>
               <a:ext uri="{FF2B5EF4-FFF2-40B4-BE49-F238E27FC236}">
-                <a16:creationId xmlns:a16="http://schemas.microsoft.com/office/drawing/2014/main" xmlns="" id="{3BD46444-BBA5-497F-AA32-5A16AAB20EA5}"/>
+                <a16:creationId xmlns="" xmlns:a16="http://schemas.microsoft.com/office/drawing/2014/main" id="{3BD46444-BBA5-497F-AA32-5A16AAB20EA5}"/>
               </a:ext>
             </a:extLst>
           </p:cNvPr>
@@ -2292,7 +2292,7 @@
           <p:cNvPr id="9" name="Slide Number Placeholder 8">
             <a:extLst>
               <a:ext uri="{FF2B5EF4-FFF2-40B4-BE49-F238E27FC236}">
-                <a16:creationId xmlns:a16="http://schemas.microsoft.com/office/drawing/2014/main" xmlns="" id="{5835D463-682D-4A5C-A63F-C5813E57712C}"/>
+                <a16:creationId xmlns="" xmlns:a16="http://schemas.microsoft.com/office/drawing/2014/main" id="{5835D463-682D-4A5C-A63F-C5813E57712C}"/>
               </a:ext>
             </a:extLst>
           </p:cNvPr>
@@ -2351,7 +2351,7 @@
           <p:cNvPr id="2" name="Title 1">
             <a:extLst>
               <a:ext uri="{FF2B5EF4-FFF2-40B4-BE49-F238E27FC236}">
-                <a16:creationId xmlns:a16="http://schemas.microsoft.com/office/drawing/2014/main" xmlns="" id="{18014203-0E89-4589-AC9B-7CBB8ACFEB0E}"/>
+                <a16:creationId xmlns="" xmlns:a16="http://schemas.microsoft.com/office/drawing/2014/main" id="{18014203-0E89-4589-AC9B-7CBB8ACFEB0E}"/>
               </a:ext>
             </a:extLst>
           </p:cNvPr>
@@ -2380,7 +2380,7 @@
           <p:cNvPr id="3" name="Date Placeholder 2">
             <a:extLst>
               <a:ext uri="{FF2B5EF4-FFF2-40B4-BE49-F238E27FC236}">
-                <a16:creationId xmlns:a16="http://schemas.microsoft.com/office/drawing/2014/main" xmlns="" id="{EA1A5BE8-6563-4A9B-A9DF-E921E64FDBCD}"/>
+                <a16:creationId xmlns="" xmlns:a16="http://schemas.microsoft.com/office/drawing/2014/main" id="{EA1A5BE8-6563-4A9B-A9DF-E921E64FDBCD}"/>
               </a:ext>
             </a:extLst>
           </p:cNvPr>
@@ -2398,7 +2398,7 @@
           <a:p>
             <a:fld id="{F356A824-9512-4355-9382-9A341080930D}" type="datetime1">
               <a:rPr lang="en-IN" smtClean="0"/>
-              <a:t>16-05-2021</a:t>
+              <a:t>20-05-2021</a:t>
             </a:fld>
             <a:endParaRPr lang="en-IN"/>
           </a:p>
@@ -2409,7 +2409,7 @@
           <p:cNvPr id="4" name="Footer Placeholder 3">
             <a:extLst>
               <a:ext uri="{FF2B5EF4-FFF2-40B4-BE49-F238E27FC236}">
-                <a16:creationId xmlns:a16="http://schemas.microsoft.com/office/drawing/2014/main" xmlns="" id="{9A1CE8E4-E1B6-4FCC-BE1D-B60BD1B1B01D}"/>
+                <a16:creationId xmlns="" xmlns:a16="http://schemas.microsoft.com/office/drawing/2014/main" id="{9A1CE8E4-E1B6-4FCC-BE1D-B60BD1B1B01D}"/>
               </a:ext>
             </a:extLst>
           </p:cNvPr>
@@ -2438,7 +2438,7 @@
           <p:cNvPr id="5" name="Slide Number Placeholder 4">
             <a:extLst>
               <a:ext uri="{FF2B5EF4-FFF2-40B4-BE49-F238E27FC236}">
-                <a16:creationId xmlns:a16="http://schemas.microsoft.com/office/drawing/2014/main" xmlns="" id="{5C17A080-59BF-4690-930A-E3838C1219EC}"/>
+                <a16:creationId xmlns="" xmlns:a16="http://schemas.microsoft.com/office/drawing/2014/main" id="{5C17A080-59BF-4690-930A-E3838C1219EC}"/>
               </a:ext>
             </a:extLst>
           </p:cNvPr>
@@ -2497,7 +2497,7 @@
           <p:cNvPr id="2" name="Date Placeholder 1">
             <a:extLst>
               <a:ext uri="{FF2B5EF4-FFF2-40B4-BE49-F238E27FC236}">
-                <a16:creationId xmlns:a16="http://schemas.microsoft.com/office/drawing/2014/main" xmlns="" id="{EEBC0457-3BA2-4C45-88B7-E219D4272972}"/>
+                <a16:creationId xmlns="" xmlns:a16="http://schemas.microsoft.com/office/drawing/2014/main" id="{EEBC0457-3BA2-4C45-88B7-E219D4272972}"/>
               </a:ext>
             </a:extLst>
           </p:cNvPr>
@@ -2515,7 +2515,7 @@
           <a:p>
             <a:fld id="{61D5D980-7089-4CCA-A615-7CE5DE2E0A24}" type="datetime1">
               <a:rPr lang="en-IN" smtClean="0"/>
-              <a:t>16-05-2021</a:t>
+              <a:t>20-05-2021</a:t>
             </a:fld>
             <a:endParaRPr lang="en-IN"/>
           </a:p>
@@ -2526,7 +2526,7 @@
           <p:cNvPr id="3" name="Footer Placeholder 2">
             <a:extLst>
               <a:ext uri="{FF2B5EF4-FFF2-40B4-BE49-F238E27FC236}">
-                <a16:creationId xmlns:a16="http://schemas.microsoft.com/office/drawing/2014/main" xmlns="" id="{3BDC4564-BA34-4AF2-87DE-426509FD1319}"/>
+                <a16:creationId xmlns="" xmlns:a16="http://schemas.microsoft.com/office/drawing/2014/main" id="{3BDC4564-BA34-4AF2-87DE-426509FD1319}"/>
               </a:ext>
             </a:extLst>
           </p:cNvPr>
@@ -2555,7 +2555,7 @@
           <p:cNvPr id="4" name="Slide Number Placeholder 3">
             <a:extLst>
               <a:ext uri="{FF2B5EF4-FFF2-40B4-BE49-F238E27FC236}">
-                <a16:creationId xmlns:a16="http://schemas.microsoft.com/office/drawing/2014/main" xmlns="" id="{6771982A-07E2-45C5-A479-D2B8CF937139}"/>
+                <a16:creationId xmlns="" xmlns:a16="http://schemas.microsoft.com/office/drawing/2014/main" id="{6771982A-07E2-45C5-A479-D2B8CF937139}"/>
               </a:ext>
             </a:extLst>
           </p:cNvPr>
@@ -2614,7 +2614,7 @@
           <p:cNvPr id="2" name="Title 1">
             <a:extLst>
               <a:ext uri="{FF2B5EF4-FFF2-40B4-BE49-F238E27FC236}">
-                <a16:creationId xmlns:a16="http://schemas.microsoft.com/office/drawing/2014/main" xmlns="" id="{C906415D-865A-4910-87F5-700C462242D4}"/>
+                <a16:creationId xmlns="" xmlns:a16="http://schemas.microsoft.com/office/drawing/2014/main" id="{C906415D-865A-4910-87F5-700C462242D4}"/>
               </a:ext>
             </a:extLst>
           </p:cNvPr>
@@ -2652,7 +2652,7 @@
           <p:cNvPr id="3" name="Content Placeholder 2">
             <a:extLst>
               <a:ext uri="{FF2B5EF4-FFF2-40B4-BE49-F238E27FC236}">
-                <a16:creationId xmlns:a16="http://schemas.microsoft.com/office/drawing/2014/main" xmlns="" id="{57825CFD-6151-4A9A-928C-5B14495EE293}"/>
+                <a16:creationId xmlns="" xmlns:a16="http://schemas.microsoft.com/office/drawing/2014/main" id="{57825CFD-6151-4A9A-928C-5B14495EE293}"/>
               </a:ext>
             </a:extLst>
           </p:cNvPr>
@@ -2743,7 +2743,7 @@
           <p:cNvPr id="4" name="Text Placeholder 3">
             <a:extLst>
               <a:ext uri="{FF2B5EF4-FFF2-40B4-BE49-F238E27FC236}">
-                <a16:creationId xmlns:a16="http://schemas.microsoft.com/office/drawing/2014/main" xmlns="" id="{2DD50256-14A9-4760-867F-54FFAC07EE4D}"/>
+                <a16:creationId xmlns="" xmlns:a16="http://schemas.microsoft.com/office/drawing/2014/main" id="{2DD50256-14A9-4760-867F-54FFAC07EE4D}"/>
               </a:ext>
             </a:extLst>
           </p:cNvPr>
@@ -2814,7 +2814,7 @@
           <p:cNvPr id="5" name="Date Placeholder 4">
             <a:extLst>
               <a:ext uri="{FF2B5EF4-FFF2-40B4-BE49-F238E27FC236}">
-                <a16:creationId xmlns:a16="http://schemas.microsoft.com/office/drawing/2014/main" xmlns="" id="{AD30F158-1CCF-4187-B626-F3C2F7B23D97}"/>
+                <a16:creationId xmlns="" xmlns:a16="http://schemas.microsoft.com/office/drawing/2014/main" id="{AD30F158-1CCF-4187-B626-F3C2F7B23D97}"/>
               </a:ext>
             </a:extLst>
           </p:cNvPr>
@@ -2832,7 +2832,7 @@
           <a:p>
             <a:fld id="{BCBBCC49-34F1-4143-A247-5BD173D4A05B}" type="datetime1">
               <a:rPr lang="en-IN" smtClean="0"/>
-              <a:t>16-05-2021</a:t>
+              <a:t>20-05-2021</a:t>
             </a:fld>
             <a:endParaRPr lang="en-IN"/>
           </a:p>
@@ -2843,7 +2843,7 @@
           <p:cNvPr id="6" name="Footer Placeholder 5">
             <a:extLst>
               <a:ext uri="{FF2B5EF4-FFF2-40B4-BE49-F238E27FC236}">
-                <a16:creationId xmlns:a16="http://schemas.microsoft.com/office/drawing/2014/main" xmlns="" id="{4512C3F2-F875-4CB4-9457-F9A1515D0EC7}"/>
+                <a16:creationId xmlns="" xmlns:a16="http://schemas.microsoft.com/office/drawing/2014/main" id="{4512C3F2-F875-4CB4-9457-F9A1515D0EC7}"/>
               </a:ext>
             </a:extLst>
           </p:cNvPr>
@@ -2872,7 +2872,7 @@
           <p:cNvPr id="7" name="Slide Number Placeholder 6">
             <a:extLst>
               <a:ext uri="{FF2B5EF4-FFF2-40B4-BE49-F238E27FC236}">
-                <a16:creationId xmlns:a16="http://schemas.microsoft.com/office/drawing/2014/main" xmlns="" id="{AA3CE853-B5FE-4227-AF0F-664B0F6ED8B7}"/>
+                <a16:creationId xmlns="" xmlns:a16="http://schemas.microsoft.com/office/drawing/2014/main" id="{AA3CE853-B5FE-4227-AF0F-664B0F6ED8B7}"/>
               </a:ext>
             </a:extLst>
           </p:cNvPr>
@@ -2931,7 +2931,7 @@
           <p:cNvPr id="2" name="Title 1">
             <a:extLst>
               <a:ext uri="{FF2B5EF4-FFF2-40B4-BE49-F238E27FC236}">
-                <a16:creationId xmlns:a16="http://schemas.microsoft.com/office/drawing/2014/main" xmlns="" id="{80D99D6D-E397-499B-80A1-FCCB8CD81661}"/>
+                <a16:creationId xmlns="" xmlns:a16="http://schemas.microsoft.com/office/drawing/2014/main" id="{80D99D6D-E397-499B-80A1-FCCB8CD81661}"/>
               </a:ext>
             </a:extLst>
           </p:cNvPr>
@@ -2969,7 +2969,7 @@
           <p:cNvPr id="3" name="Picture Placeholder 2">
             <a:extLst>
               <a:ext uri="{FF2B5EF4-FFF2-40B4-BE49-F238E27FC236}">
-                <a16:creationId xmlns:a16="http://schemas.microsoft.com/office/drawing/2014/main" xmlns="" id="{56722E0C-C01F-432B-9A07-4394593E69CC}"/>
+                <a16:creationId xmlns="" xmlns:a16="http://schemas.microsoft.com/office/drawing/2014/main" id="{56722E0C-C01F-432B-9A07-4394593E69CC}"/>
               </a:ext>
             </a:extLst>
           </p:cNvPr>
@@ -3036,7 +3036,7 @@
           <p:cNvPr id="4" name="Text Placeholder 3">
             <a:extLst>
               <a:ext uri="{FF2B5EF4-FFF2-40B4-BE49-F238E27FC236}">
-                <a16:creationId xmlns:a16="http://schemas.microsoft.com/office/drawing/2014/main" xmlns="" id="{EBA23BD5-F29F-48AE-A588-72C8B39B7160}"/>
+                <a16:creationId xmlns="" xmlns:a16="http://schemas.microsoft.com/office/drawing/2014/main" id="{EBA23BD5-F29F-48AE-A588-72C8B39B7160}"/>
               </a:ext>
             </a:extLst>
           </p:cNvPr>
@@ -3107,7 +3107,7 @@
           <p:cNvPr id="5" name="Date Placeholder 4">
             <a:extLst>
               <a:ext uri="{FF2B5EF4-FFF2-40B4-BE49-F238E27FC236}">
-                <a16:creationId xmlns:a16="http://schemas.microsoft.com/office/drawing/2014/main" xmlns="" id="{DB18EA2F-8D4B-4FFD-8168-B65B7F82DF86}"/>
+                <a16:creationId xmlns="" xmlns:a16="http://schemas.microsoft.com/office/drawing/2014/main" id="{DB18EA2F-8D4B-4FFD-8168-B65B7F82DF86}"/>
               </a:ext>
             </a:extLst>
           </p:cNvPr>
@@ -3125,7 +3125,7 @@
           <a:p>
             <a:fld id="{2D62E49B-383D-4FEF-83E3-8391B88BD48A}" type="datetime1">
               <a:rPr lang="en-IN" smtClean="0"/>
-              <a:t>16-05-2021</a:t>
+              <a:t>20-05-2021</a:t>
             </a:fld>
             <a:endParaRPr lang="en-IN"/>
           </a:p>
@@ -3136,7 +3136,7 @@
           <p:cNvPr id="6" name="Footer Placeholder 5">
             <a:extLst>
               <a:ext uri="{FF2B5EF4-FFF2-40B4-BE49-F238E27FC236}">
-                <a16:creationId xmlns:a16="http://schemas.microsoft.com/office/drawing/2014/main" xmlns="" id="{8AA3483C-4BE1-456C-A6A4-4239387D691F}"/>
+                <a16:creationId xmlns="" xmlns:a16="http://schemas.microsoft.com/office/drawing/2014/main" id="{8AA3483C-4BE1-456C-A6A4-4239387D691F}"/>
               </a:ext>
             </a:extLst>
           </p:cNvPr>
@@ -3165,7 +3165,7 @@
           <p:cNvPr id="7" name="Slide Number Placeholder 6">
             <a:extLst>
               <a:ext uri="{FF2B5EF4-FFF2-40B4-BE49-F238E27FC236}">
-                <a16:creationId xmlns:a16="http://schemas.microsoft.com/office/drawing/2014/main" xmlns="" id="{7C032B66-311F-43C3-A0AB-4512D5F17D69}"/>
+                <a16:creationId xmlns="" xmlns:a16="http://schemas.microsoft.com/office/drawing/2014/main" id="{7C032B66-311F-43C3-A0AB-4512D5F17D69}"/>
               </a:ext>
             </a:extLst>
           </p:cNvPr>
@@ -3229,7 +3229,7 @@
           <p:cNvPr id="2" name="Title Placeholder 1">
             <a:extLst>
               <a:ext uri="{FF2B5EF4-FFF2-40B4-BE49-F238E27FC236}">
-                <a16:creationId xmlns:a16="http://schemas.microsoft.com/office/drawing/2014/main" xmlns="" id="{1AE5B7F7-712F-49D6-9569-DF86C5A96A89}"/>
+                <a16:creationId xmlns="" xmlns:a16="http://schemas.microsoft.com/office/drawing/2014/main" id="{1AE5B7F7-712F-49D6-9569-DF86C5A96A89}"/>
               </a:ext>
             </a:extLst>
           </p:cNvPr>
@@ -3268,7 +3268,7 @@
           <p:cNvPr id="3" name="Text Placeholder 2">
             <a:extLst>
               <a:ext uri="{FF2B5EF4-FFF2-40B4-BE49-F238E27FC236}">
-                <a16:creationId xmlns:a16="http://schemas.microsoft.com/office/drawing/2014/main" xmlns="" id="{B9F23EA2-C30F-43FD-A4C2-02AE6A315DB8}"/>
+                <a16:creationId xmlns="" xmlns:a16="http://schemas.microsoft.com/office/drawing/2014/main" id="{B9F23EA2-C30F-43FD-A4C2-02AE6A315DB8}"/>
               </a:ext>
             </a:extLst>
           </p:cNvPr>
@@ -3336,7 +3336,7 @@
           <p:cNvPr id="4" name="Date Placeholder 3">
             <a:extLst>
               <a:ext uri="{FF2B5EF4-FFF2-40B4-BE49-F238E27FC236}">
-                <a16:creationId xmlns:a16="http://schemas.microsoft.com/office/drawing/2014/main" xmlns="" id="{52CE41F2-C832-43D8-B69F-F49E7AADEF6E}"/>
+                <a16:creationId xmlns="" xmlns:a16="http://schemas.microsoft.com/office/drawing/2014/main" id="{52CE41F2-C832-43D8-B69F-F49E7AADEF6E}"/>
               </a:ext>
             </a:extLst>
           </p:cNvPr>
@@ -3372,7 +3372,7 @@
           <a:p>
             <a:fld id="{95403040-39FF-48B5-9AA8-D98B49EA5B67}" type="datetime1">
               <a:rPr lang="en-IN" smtClean="0"/>
-              <a:t>16-05-2021</a:t>
+              <a:t>20-05-2021</a:t>
             </a:fld>
             <a:endParaRPr lang="en-IN"/>
           </a:p>
@@ -3383,7 +3383,7 @@
           <p:cNvPr id="5" name="Footer Placeholder 4">
             <a:extLst>
               <a:ext uri="{FF2B5EF4-FFF2-40B4-BE49-F238E27FC236}">
-                <a16:creationId xmlns:a16="http://schemas.microsoft.com/office/drawing/2014/main" xmlns="" id="{16C0C3F3-C749-4F32-9EA1-BDF5BCF5F2D1}"/>
+                <a16:creationId xmlns="" xmlns:a16="http://schemas.microsoft.com/office/drawing/2014/main" id="{16C0C3F3-C749-4F32-9EA1-BDF5BCF5F2D1}"/>
               </a:ext>
             </a:extLst>
           </p:cNvPr>
@@ -3430,7 +3430,7 @@
           <p:cNvPr id="6" name="Slide Number Placeholder 5">
             <a:extLst>
               <a:ext uri="{FF2B5EF4-FFF2-40B4-BE49-F238E27FC236}">
-                <a16:creationId xmlns:a16="http://schemas.microsoft.com/office/drawing/2014/main" xmlns="" id="{DF4FB91D-C6B8-421D-81EB-651EAD2A8364}"/>
+                <a16:creationId xmlns="" xmlns:a16="http://schemas.microsoft.com/office/drawing/2014/main" id="{DF4FB91D-C6B8-421D-81EB-651EAD2A8364}"/>
               </a:ext>
             </a:extLst>
           </p:cNvPr>
@@ -3799,7 +3799,7 @@
           <p:cNvPr id="2" name="Title 1">
             <a:extLst>
               <a:ext uri="{FF2B5EF4-FFF2-40B4-BE49-F238E27FC236}">
-                <a16:creationId xmlns:a16="http://schemas.microsoft.com/office/drawing/2014/main" xmlns="" id="{0B983FEF-B0DF-4375-9F52-1D18A58B79C9}"/>
+                <a16:creationId xmlns="" xmlns:a16="http://schemas.microsoft.com/office/drawing/2014/main" id="{0B983FEF-B0DF-4375-9F52-1D18A58B79C9}"/>
               </a:ext>
             </a:extLst>
           </p:cNvPr>
@@ -3839,7 +3839,7 @@
           <p:cNvPr id="3" name="Subtitle 2">
             <a:extLst>
               <a:ext uri="{FF2B5EF4-FFF2-40B4-BE49-F238E27FC236}">
-                <a16:creationId xmlns:a16="http://schemas.microsoft.com/office/drawing/2014/main" xmlns="" id="{1A2A60DB-2279-441D-8885-2771CB5128AF}"/>
+                <a16:creationId xmlns="" xmlns:a16="http://schemas.microsoft.com/office/drawing/2014/main" id="{1A2A60DB-2279-441D-8885-2771CB5128AF}"/>
               </a:ext>
             </a:extLst>
           </p:cNvPr>
@@ -3878,7 +3878,7 @@
           <p:cNvPr id="4" name="Footer Placeholder 3">
             <a:extLst>
               <a:ext uri="{FF2B5EF4-FFF2-40B4-BE49-F238E27FC236}">
-                <a16:creationId xmlns:a16="http://schemas.microsoft.com/office/drawing/2014/main" xmlns="" id="{2508C9A7-6855-4D15-8EB4-41AA058C5DD7}"/>
+                <a16:creationId xmlns="" xmlns:a16="http://schemas.microsoft.com/office/drawing/2014/main" id="{2508C9A7-6855-4D15-8EB4-41AA058C5DD7}"/>
               </a:ext>
             </a:extLst>
           </p:cNvPr>
@@ -3907,7 +3907,7 @@
           <p:cNvPr id="5" name="Slide Number Placeholder 4">
             <a:extLst>
               <a:ext uri="{FF2B5EF4-FFF2-40B4-BE49-F238E27FC236}">
-                <a16:creationId xmlns:a16="http://schemas.microsoft.com/office/drawing/2014/main" xmlns="" id="{00F6A3EF-20DA-497B-A31B-F0824C635938}"/>
+                <a16:creationId xmlns="" xmlns:a16="http://schemas.microsoft.com/office/drawing/2014/main" id="{00F6A3EF-20DA-497B-A31B-F0824C635938}"/>
               </a:ext>
             </a:extLst>
           </p:cNvPr>
@@ -3973,7 +3973,7 @@
           <p:cNvPr id="2" name="Title 1">
             <a:extLst>
               <a:ext uri="{FF2B5EF4-FFF2-40B4-BE49-F238E27FC236}">
-                <a16:creationId xmlns:a16="http://schemas.microsoft.com/office/drawing/2014/main" xmlns="" id="{9F53C0E6-5CA5-48E1-B370-E678425399F4}"/>
+                <a16:creationId xmlns="" xmlns:a16="http://schemas.microsoft.com/office/drawing/2014/main" id="{9F53C0E6-5CA5-48E1-B370-E678425399F4}"/>
               </a:ext>
             </a:extLst>
           </p:cNvPr>
@@ -4007,7 +4007,7 @@
           <p:cNvPr id="3" name="Content Placeholder 2">
             <a:extLst>
               <a:ext uri="{FF2B5EF4-FFF2-40B4-BE49-F238E27FC236}">
-                <a16:creationId xmlns:a16="http://schemas.microsoft.com/office/drawing/2014/main" xmlns="" id="{F0A4581A-26B3-40E7-A945-90C4D9B58292}"/>
+                <a16:creationId xmlns="" xmlns:a16="http://schemas.microsoft.com/office/drawing/2014/main" id="{F0A4581A-26B3-40E7-A945-90C4D9B58292}"/>
               </a:ext>
             </a:extLst>
           </p:cNvPr>
@@ -4042,9 +4042,67 @@
             </a:pPr>
             <a:r>
               <a:rPr lang="en-IN" sz="2000" dirty="0" smtClean="0"/>
-              <a:t>Following is the architecture of our Neural Network with Attention Mechanism for Image Captioning (similar to Classical Encoder / Decoder architecture but with an additional layer of Attention Mechanism):</a:t>
-            </a:r>
-            <a:endParaRPr lang="en-IN" sz="2000" dirty="0"/>
+              <a:t>With Attention Mechanism for Image Captioning, the image is first divided into n parts and we compute representation of each part (representation of each part is denoted by h</a:t>
+            </a:r>
+            <a:r>
+              <a:rPr lang="en-IN" sz="2000" baseline="-25000" dirty="0" smtClean="0"/>
+              <a:t>1</a:t>
+            </a:r>
+            <a:r>
+              <a:rPr lang="en-IN" sz="2000" dirty="0" smtClean="0"/>
+              <a:t>, h</a:t>
+            </a:r>
+            <a:r>
+              <a:rPr lang="en-IN" sz="2000" baseline="-25000" dirty="0" smtClean="0"/>
+              <a:t>2</a:t>
+            </a:r>
+            <a:r>
+              <a:rPr lang="en-IN" sz="2000" dirty="0" smtClean="0"/>
+              <a:t>, h</a:t>
+            </a:r>
+            <a:r>
+              <a:rPr lang="en-IN" sz="2000" baseline="-25000" dirty="0" smtClean="0"/>
+              <a:t>3</a:t>
+            </a:r>
+            <a:r>
+              <a:rPr lang="en-IN" sz="2000" dirty="0" smtClean="0"/>
+              <a:t>, …, </a:t>
+            </a:r>
+            <a:r>
+              <a:rPr lang="en-IN" sz="2000" dirty="0" err="1" smtClean="0"/>
+              <a:t>h</a:t>
+            </a:r>
+            <a:r>
+              <a:rPr lang="en-IN" sz="2000" baseline="-25000" dirty="0" err="1" smtClean="0"/>
+              <a:t>n</a:t>
+            </a:r>
+            <a:r>
+              <a:rPr lang="en-IN" sz="2000" dirty="0" smtClean="0"/>
+              <a:t>)</a:t>
+            </a:r>
+            <a:r>
+              <a:rPr lang="en-IN" sz="2000" dirty="0"/>
+              <a:t> </a:t>
+            </a:r>
+            <a:r>
+              <a:rPr lang="en-IN" sz="2000" dirty="0" smtClean="0"/>
+              <a:t>by a CNN (Convolutional Neural Network).</a:t>
+            </a:r>
+          </a:p>
+          <a:p>
+            <a:pPr marL="457200" lvl="1" indent="0" algn="just">
+              <a:lnSpc>
+                <a:spcPct val="100000"/>
+              </a:lnSpc>
+              <a:spcBef>
+                <a:spcPts val="0"/>
+              </a:spcBef>
+              <a:buNone/>
+            </a:pPr>
+            <a:r>
+              <a:rPr lang="en-IN" sz="2000" dirty="0" smtClean="0"/>
+              <a:t>When the RNN (Recurrent Neural Network) is generating a new word, the Attention Mechanism focuses on the relevant part of the image. So, the decoder uses the specific parts of input image while generating a new (or next) word. Following is the example:</a:t>
+            </a:r>
           </a:p>
         </p:txBody>
       </p:sp>
@@ -4053,7 +4111,7 @@
           <p:cNvPr id="4" name="Footer Placeholder 3">
             <a:extLst>
               <a:ext uri="{FF2B5EF4-FFF2-40B4-BE49-F238E27FC236}">
-                <a16:creationId xmlns:a16="http://schemas.microsoft.com/office/drawing/2014/main" xmlns="" id="{540972A1-4BB3-4D04-B4DF-C76BA9B5CAD8}"/>
+                <a16:creationId xmlns="" xmlns:a16="http://schemas.microsoft.com/office/drawing/2014/main" id="{540972A1-4BB3-4D04-B4DF-C76BA9B5CAD8}"/>
               </a:ext>
             </a:extLst>
           </p:cNvPr>
@@ -4082,7 +4140,7 @@
           <p:cNvPr id="5" name="Slide Number Placeholder 4">
             <a:extLst>
               <a:ext uri="{FF2B5EF4-FFF2-40B4-BE49-F238E27FC236}">
-                <a16:creationId xmlns:a16="http://schemas.microsoft.com/office/drawing/2014/main" xmlns="" id="{23B5C741-F1AB-463E-B229-974B2924B065}"/>
+                <a16:creationId xmlns="" xmlns:a16="http://schemas.microsoft.com/office/drawing/2014/main" id="{23B5C741-F1AB-463E-B229-974B2924B065}"/>
               </a:ext>
             </a:extLst>
           </p:cNvPr>
@@ -4101,6 +4159,222 @@
             <a:fld id="{EC53106F-9B43-4B1F-BCB9-D94FA7734D96}" type="slidenum">
               <a:rPr lang="en-IN" smtClean="0"/>
               <a:t>10</a:t>
+            </a:fld>
+            <a:endParaRPr lang="en-IN"/>
+          </a:p>
+        </p:txBody>
+      </p:sp>
+      <p:pic>
+        <p:nvPicPr>
+          <p:cNvPr id="1026" name="Picture 2" descr="Z:\ImageCaptioning_AttentionMech.png"/>
+          <p:cNvPicPr>
+            <a:picLocks noChangeAspect="1" noChangeArrowheads="1"/>
+          </p:cNvPicPr>
+          <p:nvPr/>
+        </p:nvPicPr>
+        <p:blipFill>
+          <a:blip r:embed="rId2">
+            <a:extLst>
+              <a:ext uri="{28A0092B-C50C-407E-A947-70E740481C1C}">
+                <a14:useLocalDpi xmlns:a14="http://schemas.microsoft.com/office/drawing/2010/main" val="0"/>
+              </a:ext>
+            </a:extLst>
+          </a:blip>
+          <a:srcRect/>
+          <a:stretch>
+            <a:fillRect/>
+          </a:stretch>
+        </p:blipFill>
+        <p:spPr bwMode="auto">
+          <a:xfrm>
+            <a:off x="1021080" y="3139440"/>
+            <a:ext cx="10226040" cy="3261360"/>
+          </a:xfrm>
+          <a:prstGeom prst="rect">
+            <a:avLst/>
+          </a:prstGeom>
+          <a:noFill/>
+          <a:extLst>
+            <a:ext uri="{909E8E84-426E-40DD-AFC4-6F175D3DCCD1}">
+              <a14:hiddenFill xmlns:a14="http://schemas.microsoft.com/office/drawing/2010/main">
+                <a:solidFill>
+                  <a:srgbClr val="FFFFFF"/>
+                </a:solidFill>
+              </a14:hiddenFill>
+            </a:ext>
+          </a:extLst>
+        </p:spPr>
+      </p:pic>
+    </p:spTree>
+    <p:extLst>
+      <p:ext uri="{BB962C8B-B14F-4D97-AF65-F5344CB8AC3E}">
+        <p14:creationId xmlns:p14="http://schemas.microsoft.com/office/powerpoint/2010/main" val="1159519437"/>
+      </p:ext>
+    </p:extLst>
+  </p:cSld>
+  <p:clrMapOvr>
+    <a:masterClrMapping/>
+  </p:clrMapOvr>
+  <p:timing>
+    <p:tnLst>
+      <p:par>
+        <p:cTn id="1" dur="indefinite" restart="never" nodeType="tmRoot"/>
+      </p:par>
+    </p:tnLst>
+  </p:timing>
+</p:sld>
+</file>
+
+<file path=ppt/slides/slide11.xml><?xml version="1.0" encoding="utf-8"?>
+<p:sld xmlns:a="http://schemas.openxmlformats.org/drawingml/2006/main" xmlns:r="http://schemas.openxmlformats.org/officeDocument/2006/relationships" xmlns:p="http://schemas.openxmlformats.org/presentationml/2006/main">
+  <p:cSld>
+    <p:spTree>
+      <p:nvGrpSpPr>
+        <p:cNvPr id="1" name=""/>
+        <p:cNvGrpSpPr/>
+        <p:nvPr/>
+      </p:nvGrpSpPr>
+      <p:grpSpPr>
+        <a:xfrm>
+          <a:off x="0" y="0"/>
+          <a:ext cx="0" cy="0"/>
+          <a:chOff x="0" y="0"/>
+          <a:chExt cx="0" cy="0"/>
+        </a:xfrm>
+      </p:grpSpPr>
+      <p:sp>
+        <p:nvSpPr>
+          <p:cNvPr id="2" name="Title 1">
+            <a:extLst>
+              <a:ext uri="{FF2B5EF4-FFF2-40B4-BE49-F238E27FC236}">
+                <a16:creationId xmlns="" xmlns:a16="http://schemas.microsoft.com/office/drawing/2014/main" id="{9F53C0E6-5CA5-48E1-B370-E678425399F4}"/>
+              </a:ext>
+            </a:extLst>
+          </p:cNvPr>
+          <p:cNvSpPr>
+            <a:spLocks noGrp="1"/>
+          </p:cNvSpPr>
+          <p:nvPr>
+            <p:ph type="title"/>
+          </p:nvPr>
+        </p:nvSpPr>
+        <p:spPr>
+          <a:xfrm>
+            <a:off x="838200" y="365125"/>
+            <a:ext cx="10515600" cy="827571"/>
+          </a:xfrm>
+        </p:spPr>
+        <p:txBody>
+          <a:bodyPr/>
+          <a:lstStyle/>
+          <a:p>
+            <a:r>
+              <a:rPr lang="en-IN" dirty="0" smtClean="0"/>
+              <a:t>Attention Mechanism…</a:t>
+            </a:r>
+            <a:endParaRPr lang="en-IN" dirty="0"/>
+          </a:p>
+        </p:txBody>
+      </p:sp>
+      <p:sp>
+        <p:nvSpPr>
+          <p:cNvPr id="3" name="Content Placeholder 2">
+            <a:extLst>
+              <a:ext uri="{FF2B5EF4-FFF2-40B4-BE49-F238E27FC236}">
+                <a16:creationId xmlns="" xmlns:a16="http://schemas.microsoft.com/office/drawing/2014/main" id="{F0A4581A-26B3-40E7-A945-90C4D9B58292}"/>
+              </a:ext>
+            </a:extLst>
+          </p:cNvPr>
+          <p:cNvSpPr>
+            <a:spLocks noGrp="1"/>
+          </p:cNvSpPr>
+          <p:nvPr>
+            <p:ph idx="1"/>
+          </p:nvPr>
+        </p:nvSpPr>
+        <p:spPr>
+          <a:xfrm>
+            <a:off x="838200" y="1192696"/>
+            <a:ext cx="10515600" cy="4984267"/>
+          </a:xfrm>
+        </p:spPr>
+        <p:txBody>
+          <a:bodyPr>
+            <a:normAutofit/>
+          </a:bodyPr>
+          <a:lstStyle/>
+          <a:p>
+            <a:pPr algn="just">
+              <a:lnSpc>
+                <a:spcPct val="100000"/>
+              </a:lnSpc>
+              <a:spcBef>
+                <a:spcPts val="0"/>
+              </a:spcBef>
+              <a:buFont typeface="Wingdings" panose="05000000000000000000" pitchFamily="2" charset="2"/>
+              <a:buChar char="Ø"/>
+            </a:pPr>
+            <a:r>
+              <a:rPr lang="en-IN" sz="2000" dirty="0" smtClean="0"/>
+              <a:t>Following is the architecture of our Neural Network with Attention Mechanism for Image Captioning (similar to Classical Encoder / Decoder architecture but with an additional layer of Attention Mechanism AM):</a:t>
+            </a:r>
+            <a:endParaRPr lang="en-IN" sz="2000" dirty="0"/>
+          </a:p>
+        </p:txBody>
+      </p:sp>
+      <p:sp>
+        <p:nvSpPr>
+          <p:cNvPr id="4" name="Footer Placeholder 3">
+            <a:extLst>
+              <a:ext uri="{FF2B5EF4-FFF2-40B4-BE49-F238E27FC236}">
+                <a16:creationId xmlns="" xmlns:a16="http://schemas.microsoft.com/office/drawing/2014/main" id="{540972A1-4BB3-4D04-B4DF-C76BA9B5CAD8}"/>
+              </a:ext>
+            </a:extLst>
+          </p:cNvPr>
+          <p:cNvSpPr>
+            <a:spLocks noGrp="1"/>
+          </p:cNvSpPr>
+          <p:nvPr>
+            <p:ph type="ftr" sz="quarter" idx="11"/>
+          </p:nvPr>
+        </p:nvSpPr>
+        <p:spPr/>
+        <p:txBody>
+          <a:bodyPr/>
+          <a:lstStyle/>
+          <a:p>
+            <a:r>
+              <a:rPr lang="en-US"/>
+              <a:t>Sanjay Singh | san.singhsanjay@gmail.com</a:t>
+            </a:r>
+            <a:endParaRPr lang="en-IN"/>
+          </a:p>
+        </p:txBody>
+      </p:sp>
+      <p:sp>
+        <p:nvSpPr>
+          <p:cNvPr id="5" name="Slide Number Placeholder 4">
+            <a:extLst>
+              <a:ext uri="{FF2B5EF4-FFF2-40B4-BE49-F238E27FC236}">
+                <a16:creationId xmlns="" xmlns:a16="http://schemas.microsoft.com/office/drawing/2014/main" id="{23B5C741-F1AB-463E-B229-974B2924B065}"/>
+              </a:ext>
+            </a:extLst>
+          </p:cNvPr>
+          <p:cNvSpPr>
+            <a:spLocks noGrp="1"/>
+          </p:cNvSpPr>
+          <p:nvPr>
+            <p:ph type="sldNum" sz="quarter" idx="12"/>
+          </p:nvPr>
+        </p:nvSpPr>
+        <p:spPr/>
+        <p:txBody>
+          <a:bodyPr/>
+          <a:lstStyle/>
+          <a:p>
+            <a:fld id="{EC53106F-9B43-4B1F-BCB9-D94FA7734D96}" type="slidenum">
+              <a:rPr lang="en-IN" smtClean="0"/>
+              <a:t>11</a:t>
             </a:fld>
             <a:endParaRPr lang="en-IN"/>
           </a:p>
@@ -6484,340 +6758,6 @@
 </p:sld>
 </file>
 
-<file path=ppt/slides/slide11.xml><?xml version="1.0" encoding="utf-8"?>
-<p:sld xmlns:a="http://schemas.openxmlformats.org/drawingml/2006/main" xmlns:r="http://schemas.openxmlformats.org/officeDocument/2006/relationships" xmlns:p="http://schemas.openxmlformats.org/presentationml/2006/main">
-  <p:cSld>
-    <p:spTree>
-      <p:nvGrpSpPr>
-        <p:cNvPr id="1" name=""/>
-        <p:cNvGrpSpPr/>
-        <p:nvPr/>
-      </p:nvGrpSpPr>
-      <p:grpSpPr>
-        <a:xfrm>
-          <a:off x="0" y="0"/>
-          <a:ext cx="0" cy="0"/>
-          <a:chOff x="0" y="0"/>
-          <a:chExt cx="0" cy="0"/>
-        </a:xfrm>
-      </p:grpSpPr>
-      <p:sp>
-        <p:nvSpPr>
-          <p:cNvPr id="2" name="Title 1">
-            <a:extLst>
-              <a:ext uri="{FF2B5EF4-FFF2-40B4-BE49-F238E27FC236}">
-                <a16:creationId xmlns:a16="http://schemas.microsoft.com/office/drawing/2014/main" xmlns="" id="{9F53C0E6-5CA5-48E1-B370-E678425399F4}"/>
-              </a:ext>
-            </a:extLst>
-          </p:cNvPr>
-          <p:cNvSpPr>
-            <a:spLocks noGrp="1"/>
-          </p:cNvSpPr>
-          <p:nvPr>
-            <p:ph type="title"/>
-          </p:nvPr>
-        </p:nvSpPr>
-        <p:spPr>
-          <a:xfrm>
-            <a:off x="838200" y="365125"/>
-            <a:ext cx="10515600" cy="827571"/>
-          </a:xfrm>
-        </p:spPr>
-        <p:txBody>
-          <a:bodyPr/>
-          <a:lstStyle/>
-          <a:p>
-            <a:r>
-              <a:rPr lang="en-IN" dirty="0" smtClean="0"/>
-              <a:t>Attention Mechanism…</a:t>
-            </a:r>
-            <a:endParaRPr lang="en-IN" dirty="0"/>
-          </a:p>
-        </p:txBody>
-      </p:sp>
-      <p:sp>
-        <p:nvSpPr>
-          <p:cNvPr id="3" name="Content Placeholder 2">
-            <a:extLst>
-              <a:ext uri="{FF2B5EF4-FFF2-40B4-BE49-F238E27FC236}">
-                <a16:creationId xmlns:a16="http://schemas.microsoft.com/office/drawing/2014/main" xmlns="" id="{F0A4581A-26B3-40E7-A945-90C4D9B58292}"/>
-              </a:ext>
-            </a:extLst>
-          </p:cNvPr>
-          <p:cNvSpPr>
-            <a:spLocks noGrp="1"/>
-          </p:cNvSpPr>
-          <p:nvPr>
-            <p:ph idx="1"/>
-          </p:nvPr>
-        </p:nvSpPr>
-        <p:spPr>
-          <a:xfrm>
-            <a:off x="838200" y="1192696"/>
-            <a:ext cx="10515600" cy="4984267"/>
-          </a:xfrm>
-        </p:spPr>
-        <p:txBody>
-          <a:bodyPr anchor="ctr">
-            <a:normAutofit/>
-          </a:bodyPr>
-          <a:lstStyle/>
-          <a:p>
-            <a:pPr algn="just">
-              <a:lnSpc>
-                <a:spcPct val="100000"/>
-              </a:lnSpc>
-              <a:spcBef>
-                <a:spcPts val="0"/>
-              </a:spcBef>
-              <a:buFont typeface="Wingdings" panose="05000000000000000000" pitchFamily="2" charset="2"/>
-              <a:buChar char="Ø"/>
-            </a:pPr>
-            <a:r>
-              <a:rPr lang="en-IN" sz="2000" dirty="0" smtClean="0"/>
-              <a:t>Following is how this advanced solution works:</a:t>
-            </a:r>
-          </a:p>
-          <a:p>
-            <a:pPr marL="457200" lvl="1" indent="0" algn="just">
-              <a:lnSpc>
-                <a:spcPct val="100000"/>
-              </a:lnSpc>
-              <a:spcBef>
-                <a:spcPts val="0"/>
-              </a:spcBef>
-              <a:buNone/>
-            </a:pPr>
-            <a:r>
-              <a:rPr lang="en-IN" sz="2000" dirty="0" smtClean="0"/>
-              <a:t>If network has predicted </a:t>
-            </a:r>
-            <a:r>
-              <a:rPr lang="en-IN" sz="2000" dirty="0" err="1" smtClean="0"/>
-              <a:t>i</a:t>
-            </a:r>
-            <a:r>
-              <a:rPr lang="en-IN" sz="2000" dirty="0" smtClean="0"/>
-              <a:t> words, then the hidden state of LSTM would be h</a:t>
-            </a:r>
-            <a:r>
-              <a:rPr lang="en-IN" sz="2000" baseline="-25000" dirty="0" smtClean="0"/>
-              <a:t>i</a:t>
-            </a:r>
-            <a:r>
-              <a:rPr lang="en-IN" sz="2000" dirty="0" smtClean="0"/>
-              <a:t>. This h</a:t>
-            </a:r>
-            <a:r>
-              <a:rPr lang="en-IN" sz="2000" baseline="-25000" dirty="0" smtClean="0"/>
-              <a:t>i</a:t>
-            </a:r>
-            <a:r>
-              <a:rPr lang="en-IN" sz="2000" dirty="0" smtClean="0"/>
-              <a:t> would be passed to the AM (i.e., Attention Mechanism) which will select the relevant part of the image by using hi as context and pass this relevant part of image (say, </a:t>
-            </a:r>
-            <a:r>
-              <a:rPr lang="en-IN" sz="2000" dirty="0" err="1" smtClean="0"/>
-              <a:t>z</a:t>
-            </a:r>
-            <a:r>
-              <a:rPr lang="en-IN" sz="2000" baseline="-25000" dirty="0" err="1" smtClean="0"/>
-              <a:t>i</a:t>
-            </a:r>
-            <a:r>
-              <a:rPr lang="en-IN" sz="2000" dirty="0" smtClean="0"/>
-              <a:t>) to LSTM to predict the next word which will make the hidden state of LSTM as h</a:t>
-            </a:r>
-            <a:r>
-              <a:rPr lang="en-IN" sz="2000" baseline="-25000" dirty="0" smtClean="0"/>
-              <a:t>i+1</a:t>
-            </a:r>
-            <a:r>
-              <a:rPr lang="en-IN" sz="2000" dirty="0" smtClean="0"/>
-              <a:t>.</a:t>
-            </a:r>
-            <a:endParaRPr lang="en-IN" sz="2000" dirty="0"/>
-          </a:p>
-          <a:p>
-            <a:pPr algn="just">
-              <a:lnSpc>
-                <a:spcPct val="100000"/>
-              </a:lnSpc>
-              <a:spcBef>
-                <a:spcPts val="0"/>
-              </a:spcBef>
-              <a:buFont typeface="Wingdings" pitchFamily="2" charset="2"/>
-              <a:buChar char="Ø"/>
-            </a:pPr>
-            <a:r>
-              <a:rPr lang="en-IN" sz="2000" dirty="0" smtClean="0"/>
-              <a:t>There are two types of Attention Mechanism:</a:t>
-            </a:r>
-          </a:p>
-          <a:p>
-            <a:pPr marL="800100" lvl="1" indent="-342900" algn="just">
-              <a:lnSpc>
-                <a:spcPct val="100000"/>
-              </a:lnSpc>
-              <a:spcBef>
-                <a:spcPts val="0"/>
-              </a:spcBef>
-              <a:buFont typeface="+mj-lt"/>
-              <a:buAutoNum type="arabicPeriod"/>
-            </a:pPr>
-            <a:r>
-              <a:rPr lang="en-IN" sz="2000" dirty="0" smtClean="0"/>
-              <a:t>Global Attention Mechanism (aka </a:t>
-            </a:r>
-            <a:r>
-              <a:rPr lang="en-IN" sz="2000" dirty="0" err="1" smtClean="0"/>
-              <a:t>Luong’s</a:t>
-            </a:r>
-            <a:r>
-              <a:rPr lang="en-IN" sz="2000" dirty="0" smtClean="0"/>
-              <a:t> Attention): Attention is placed on all source position.</a:t>
-            </a:r>
-          </a:p>
-          <a:p>
-            <a:pPr marL="800100" lvl="1" indent="-342900" algn="just">
-              <a:lnSpc>
-                <a:spcPct val="100000"/>
-              </a:lnSpc>
-              <a:spcBef>
-                <a:spcPts val="0"/>
-              </a:spcBef>
-              <a:buFont typeface="+mj-lt"/>
-              <a:buAutoNum type="arabicPeriod"/>
-            </a:pPr>
-            <a:r>
-              <a:rPr lang="en-IN" sz="2000" dirty="0" smtClean="0"/>
-              <a:t>Local Attention Mechanism (aka </a:t>
-            </a:r>
-            <a:r>
-              <a:rPr lang="en-IN" sz="2000" dirty="0" err="1" smtClean="0"/>
-              <a:t>Bahdanu’s</a:t>
-            </a:r>
-            <a:r>
-              <a:rPr lang="en-IN" sz="2000" dirty="0" smtClean="0"/>
-              <a:t> Attention): Attention is placed only on a few source positions.</a:t>
-            </a:r>
-          </a:p>
-          <a:p>
-            <a:pPr algn="just">
-              <a:lnSpc>
-                <a:spcPct val="100000"/>
-              </a:lnSpc>
-              <a:spcBef>
-                <a:spcPts val="0"/>
-              </a:spcBef>
-              <a:buFont typeface="Wingdings" pitchFamily="2" charset="2"/>
-              <a:buChar char="Ø"/>
-            </a:pPr>
-            <a:r>
-              <a:rPr lang="en-IN" sz="2000" dirty="0" smtClean="0"/>
-              <a:t>Both the types of Attention Mechanisms differ from the classical Encoder/Decoder architecture only in the decoding phase due to presence of AM (i.e., Attention Mechanism layer).</a:t>
-            </a:r>
-          </a:p>
-          <a:p>
-            <a:pPr algn="just">
-              <a:lnSpc>
-                <a:spcPct val="100000"/>
-              </a:lnSpc>
-              <a:spcBef>
-                <a:spcPts val="0"/>
-              </a:spcBef>
-              <a:buFont typeface="Wingdings" pitchFamily="2" charset="2"/>
-              <a:buChar char="Ø"/>
-            </a:pPr>
-            <a:r>
-              <a:rPr lang="en-IN" sz="2000" dirty="0" smtClean="0"/>
-              <a:t>Both Global and Local Attention Mechanism </a:t>
-            </a:r>
-            <a:r>
-              <a:rPr lang="en-IN" sz="2000" dirty="0" smtClean="0"/>
-              <a:t>differ in the way that they compute context vector (aka thought vector, i.e., the output of Encoder), can be represented by c(t).</a:t>
-            </a:r>
-          </a:p>
-        </p:txBody>
-      </p:sp>
-      <p:sp>
-        <p:nvSpPr>
-          <p:cNvPr id="4" name="Footer Placeholder 3">
-            <a:extLst>
-              <a:ext uri="{FF2B5EF4-FFF2-40B4-BE49-F238E27FC236}">
-                <a16:creationId xmlns:a16="http://schemas.microsoft.com/office/drawing/2014/main" xmlns="" id="{540972A1-4BB3-4D04-B4DF-C76BA9B5CAD8}"/>
-              </a:ext>
-            </a:extLst>
-          </p:cNvPr>
-          <p:cNvSpPr>
-            <a:spLocks noGrp="1"/>
-          </p:cNvSpPr>
-          <p:nvPr>
-            <p:ph type="ftr" sz="quarter" idx="11"/>
-          </p:nvPr>
-        </p:nvSpPr>
-        <p:spPr/>
-        <p:txBody>
-          <a:bodyPr/>
-          <a:lstStyle/>
-          <a:p>
-            <a:r>
-              <a:rPr lang="en-US"/>
-              <a:t>Sanjay Singh | san.singhsanjay@gmail.com</a:t>
-            </a:r>
-            <a:endParaRPr lang="en-IN"/>
-          </a:p>
-        </p:txBody>
-      </p:sp>
-      <p:sp>
-        <p:nvSpPr>
-          <p:cNvPr id="5" name="Slide Number Placeholder 4">
-            <a:extLst>
-              <a:ext uri="{FF2B5EF4-FFF2-40B4-BE49-F238E27FC236}">
-                <a16:creationId xmlns:a16="http://schemas.microsoft.com/office/drawing/2014/main" xmlns="" id="{23B5C741-F1AB-463E-B229-974B2924B065}"/>
-              </a:ext>
-            </a:extLst>
-          </p:cNvPr>
-          <p:cNvSpPr>
-            <a:spLocks noGrp="1"/>
-          </p:cNvSpPr>
-          <p:nvPr>
-            <p:ph type="sldNum" sz="quarter" idx="12"/>
-          </p:nvPr>
-        </p:nvSpPr>
-        <p:spPr/>
-        <p:txBody>
-          <a:bodyPr/>
-          <a:lstStyle/>
-          <a:p>
-            <a:fld id="{EC53106F-9B43-4B1F-BCB9-D94FA7734D96}" type="slidenum">
-              <a:rPr lang="en-IN" smtClean="0"/>
-              <a:t>11</a:t>
-            </a:fld>
-            <a:endParaRPr lang="en-IN"/>
-          </a:p>
-        </p:txBody>
-      </p:sp>
-    </p:spTree>
-    <p:extLst>
-      <p:ext uri="{BB962C8B-B14F-4D97-AF65-F5344CB8AC3E}">
-        <p14:creationId xmlns:p14="http://schemas.microsoft.com/office/powerpoint/2010/main" val="3945517244"/>
-      </p:ext>
-    </p:extLst>
-  </p:cSld>
-  <p:clrMapOvr>
-    <a:masterClrMapping/>
-  </p:clrMapOvr>
-  <p:timing>
-    <p:tnLst>
-      <p:par>
-        <p:cTn id="1" dur="indefinite" restart="never" nodeType="tmRoot"/>
-      </p:par>
-    </p:tnLst>
-  </p:timing>
-</p:sld>
-</file>
-
 <file path=ppt/slides/slide12.xml><?xml version="1.0" encoding="utf-8"?>
 <p:sld xmlns:a="http://schemas.openxmlformats.org/drawingml/2006/main" xmlns:r="http://schemas.openxmlformats.org/officeDocument/2006/relationships" xmlns:p="http://schemas.openxmlformats.org/presentationml/2006/main">
   <p:cSld>
@@ -6840,7 +6780,7 @@
           <p:cNvPr id="2" name="Title 1">
             <a:extLst>
               <a:ext uri="{FF2B5EF4-FFF2-40B4-BE49-F238E27FC236}">
-                <a16:creationId xmlns:a16="http://schemas.microsoft.com/office/drawing/2014/main" xmlns="" id="{9F53C0E6-5CA5-48E1-B370-E678425399F4}"/>
+                <a16:creationId xmlns="" xmlns:a16="http://schemas.microsoft.com/office/drawing/2014/main" id="{9F53C0E6-5CA5-48E1-B370-E678425399F4}"/>
               </a:ext>
             </a:extLst>
           </p:cNvPr>
@@ -6874,7 +6814,7 @@
           <p:cNvPr id="3" name="Content Placeholder 2">
             <a:extLst>
               <a:ext uri="{FF2B5EF4-FFF2-40B4-BE49-F238E27FC236}">
-                <a16:creationId xmlns:a16="http://schemas.microsoft.com/office/drawing/2014/main" xmlns="" id="{F0A4581A-26B3-40E7-A945-90C4D9B58292}"/>
+                <a16:creationId xmlns="" xmlns:a16="http://schemas.microsoft.com/office/drawing/2014/main" id="{F0A4581A-26B3-40E7-A945-90C4D9B58292}"/>
               </a:ext>
             </a:extLst>
           </p:cNvPr>
@@ -6892,7 +6832,7 @@
           </a:xfrm>
         </p:spPr>
         <p:txBody>
-          <a:bodyPr>
+          <a:bodyPr anchor="ctr">
             <a:normAutofit/>
           </a:bodyPr>
           <a:lstStyle/>
@@ -6909,15 +6849,7 @@
             </a:pPr>
             <a:r>
               <a:rPr lang="en-IN" sz="2000" dirty="0" smtClean="0"/>
-              <a:t>Global Attention (i.e., </a:t>
-            </a:r>
-            <a:r>
-              <a:rPr lang="en-IN" sz="2000" dirty="0" err="1" smtClean="0"/>
-              <a:t>Luong’s</a:t>
-            </a:r>
-            <a:r>
-              <a:rPr lang="en-IN" sz="2000" dirty="0" smtClean="0"/>
-              <a:t> Attention) takes into consideration all encoder hidden states to derive the context vector c(t).</a:t>
+              <a:t>Following is how this advanced solution works:</a:t>
             </a:r>
           </a:p>
           <a:p>
@@ -6932,23 +6864,61 @@
             </a:pPr>
             <a:r>
               <a:rPr lang="en-IN" sz="2000" dirty="0" smtClean="0"/>
-              <a:t>This can be further simplified as in case of Neural Machine Translation, Global Attention focuses on all source side words to derive all target words. Similarly, in case of Image Captioning Global Attention considers all divided parts of input image to generate the caption (or textual description) for image.</a:t>
-            </a:r>
-          </a:p>
-          <a:p>
-            <a:pPr marL="457200" lvl="1" indent="0" algn="just">
-              <a:lnSpc>
-                <a:spcPct val="100000"/>
-              </a:lnSpc>
-              <a:spcBef>
-                <a:spcPts val="0"/>
-              </a:spcBef>
-              <a:buNone/>
-            </a:pPr>
+              <a:t>If network has predicted </a:t>
+            </a:r>
+            <a:r>
+              <a:rPr lang="en-IN" sz="2000" dirty="0" err="1" smtClean="0"/>
+              <a:t>i</a:t>
+            </a:r>
             <a:r>
               <a:rPr lang="en-IN" sz="2000" dirty="0" smtClean="0"/>
-              <a:t>Thus, it is computationally very expensive and is impractical when translating for long sentences.</a:t>
-            </a:r>
+              <a:t> words, then the hidden state of LSTM would be h</a:t>
+            </a:r>
+            <a:r>
+              <a:rPr lang="en-IN" sz="2000" baseline="-25000" dirty="0" smtClean="0"/>
+              <a:t>i</a:t>
+            </a:r>
+            <a:r>
+              <a:rPr lang="en-IN" sz="2000" dirty="0" smtClean="0"/>
+              <a:t>. This h</a:t>
+            </a:r>
+            <a:r>
+              <a:rPr lang="en-IN" sz="2000" baseline="-25000" dirty="0" smtClean="0"/>
+              <a:t>i</a:t>
+            </a:r>
+            <a:r>
+              <a:rPr lang="en-IN" sz="2000" dirty="0" smtClean="0"/>
+              <a:t> would be passed to the AM (i.e., Attention Mechanism) which will select the relevant part of the image by using h</a:t>
+            </a:r>
+            <a:r>
+              <a:rPr lang="en-IN" sz="2000" baseline="-25000" dirty="0" smtClean="0"/>
+              <a:t>i</a:t>
+            </a:r>
+            <a:r>
+              <a:rPr lang="en-IN" sz="2000" dirty="0" smtClean="0"/>
+              <a:t> as context and pass this relevant part of image (say, </a:t>
+            </a:r>
+            <a:r>
+              <a:rPr lang="en-IN" sz="2000" dirty="0" err="1" smtClean="0"/>
+              <a:t>z</a:t>
+            </a:r>
+            <a:r>
+              <a:rPr lang="en-IN" sz="2000" baseline="-25000" dirty="0" err="1" smtClean="0"/>
+              <a:t>i</a:t>
+            </a:r>
+            <a:r>
+              <a:rPr lang="en-IN" sz="2000" dirty="0" smtClean="0"/>
+              <a:t>) to LSTM to predict the next word which will make the hidden state of LSTM as h</a:t>
+            </a:r>
+            <a:r>
+              <a:rPr lang="en-IN" sz="2000" baseline="-25000" dirty="0" smtClean="0"/>
+              <a:t>i+1</a:t>
+            </a:r>
+            <a:r>
+              <a:rPr lang="en-IN" sz="2000" dirty="0" smtClean="0"/>
+              <a:t>.</a:t>
+            </a:r>
+            <a:endParaRPr lang="en-IN" sz="2000" dirty="0"/>
           </a:p>
           <a:p>
             <a:pPr algn="just">
@@ -6963,7 +6933,47 @@
             </a:pPr>
             <a:r>
               <a:rPr lang="en-IN" sz="2000" dirty="0" smtClean="0"/>
-              <a:t>Therefore, we will see implementation of only Local Attention (i.e., </a:t>
+              <a:t>There are two types of Attention Mechanism:</a:t>
+            </a:r>
+          </a:p>
+          <a:p>
+            <a:pPr marL="800100" lvl="1" indent="-342900" algn="just">
+              <a:lnSpc>
+                <a:spcPct val="100000"/>
+              </a:lnSpc>
+              <a:spcBef>
+                <a:spcPts val="0"/>
+              </a:spcBef>
+              <a:buFont typeface="+mj-lt"/>
+              <a:buAutoNum type="arabicPeriod"/>
+            </a:pPr>
+            <a:r>
+              <a:rPr lang="en-IN" sz="2000" dirty="0" smtClean="0"/>
+              <a:t>Global Attention Mechanism (aka </a:t>
+            </a:r>
+            <a:r>
+              <a:rPr lang="en-IN" sz="2000" dirty="0" err="1" smtClean="0"/>
+              <a:t>Luong’s</a:t>
+            </a:r>
+            <a:r>
+              <a:rPr lang="en-IN" sz="2000" dirty="0" smtClean="0"/>
+              <a:t> Attention): Attention is placed on all source position.</a:t>
+            </a:r>
+          </a:p>
+          <a:p>
+            <a:pPr marL="800100" lvl="1" indent="-342900" algn="just">
+              <a:lnSpc>
+                <a:spcPct val="100000"/>
+              </a:lnSpc>
+              <a:spcBef>
+                <a:spcPts val="0"/>
+              </a:spcBef>
+              <a:buFont typeface="+mj-lt"/>
+              <a:buAutoNum type="arabicPeriod"/>
+            </a:pPr>
+            <a:r>
+              <a:rPr lang="en-IN" sz="2000" dirty="0" smtClean="0"/>
+              <a:t>Local Attention Mechanism (aka </a:t>
             </a:r>
             <a:r>
               <a:rPr lang="en-IN" sz="2000" dirty="0" err="1" smtClean="0"/>
@@ -6971,7 +6981,7 @@
             </a:r>
             <a:r>
               <a:rPr lang="en-IN" sz="2000" dirty="0" smtClean="0"/>
-              <a:t> Attention).</a:t>
+              <a:t> Attention): Attention is placed only on a few source positions.</a:t>
             </a:r>
           </a:p>
           <a:p>
@@ -6987,85 +6997,23 @@
             </a:pPr>
             <a:r>
               <a:rPr lang="en-IN" sz="2000" dirty="0" smtClean="0"/>
-              <a:t>Local Attention (or </a:t>
-            </a:r>
-            <a:r>
-              <a:rPr lang="en-IN" sz="2000" dirty="0" err="1" smtClean="0"/>
-              <a:t>Bahdanu’s</a:t>
-            </a:r>
-            <a:r>
-              <a:rPr lang="en-IN" sz="2000" dirty="0" smtClean="0"/>
-              <a:t> Attention):</a:t>
-            </a:r>
-          </a:p>
-          <a:p>
-            <a:pPr marL="457200" lvl="1" indent="0" algn="just">
+              <a:t>Both the types of Attention Mechanisms differ from the classical Encoder / Decoder architecture only in the decoding phase due to presence of AM (i.e., Attention Mechanism layer).</a:t>
+            </a:r>
+          </a:p>
+          <a:p>
+            <a:pPr algn="just">
               <a:lnSpc>
                 <a:spcPct val="100000"/>
               </a:lnSpc>
               <a:spcBef>
                 <a:spcPts val="0"/>
               </a:spcBef>
-              <a:buNone/>
+              <a:buFont typeface="Wingdings" pitchFamily="2" charset="2"/>
+              <a:buChar char="Ø"/>
             </a:pPr>
             <a:r>
               <a:rPr lang="en-IN" sz="2000" dirty="0" smtClean="0"/>
-              <a:t>Suppose, we have divided our input image into an input sequence of 5 parts. Now, before we start decoding, we first need to encode the input sequence into a set of internal states (h</a:t>
-            </a:r>
-            <a:r>
-              <a:rPr lang="en-IN" sz="2000" baseline="-25000" dirty="0" smtClean="0"/>
-              <a:t>1</a:t>
-            </a:r>
-            <a:r>
-              <a:rPr lang="en-IN" sz="2000" dirty="0" smtClean="0"/>
-              <a:t>, h</a:t>
-            </a:r>
-            <a:r>
-              <a:rPr lang="en-IN" sz="2000" baseline="-25000" dirty="0" smtClean="0"/>
-              <a:t>2</a:t>
-            </a:r>
-            <a:r>
-              <a:rPr lang="en-IN" sz="2000" dirty="0" smtClean="0"/>
-              <a:t>, h</a:t>
-            </a:r>
-            <a:r>
-              <a:rPr lang="en-IN" sz="2000" baseline="-25000" dirty="0" smtClean="0"/>
-              <a:t>3</a:t>
-            </a:r>
-            <a:r>
-              <a:rPr lang="en-IN" sz="2000" dirty="0" smtClean="0"/>
-              <a:t>, h</a:t>
-            </a:r>
-            <a:r>
-              <a:rPr lang="en-IN" sz="2000" baseline="-25000" dirty="0" smtClean="0"/>
-              <a:t>4</a:t>
-            </a:r>
-            <a:r>
-              <a:rPr lang="en-IN" sz="2000" dirty="0" smtClean="0"/>
-              <a:t>, h</a:t>
-            </a:r>
-            <a:r>
-              <a:rPr lang="en-IN" sz="2000" baseline="-25000" dirty="0" smtClean="0"/>
-              <a:t>5</a:t>
-            </a:r>
-            <a:r>
-              <a:rPr lang="en-IN" sz="2000" dirty="0" smtClean="0"/>
-              <a:t>).</a:t>
-            </a:r>
-          </a:p>
-          <a:p>
-            <a:pPr marL="457200" lvl="1" indent="0" algn="just">
-              <a:lnSpc>
-                <a:spcPct val="100000"/>
-              </a:lnSpc>
-              <a:spcBef>
-                <a:spcPts val="0"/>
-              </a:spcBef>
-              <a:buNone/>
-            </a:pPr>
-            <a:r>
-              <a:rPr lang="en-IN" sz="2000" dirty="0" smtClean="0"/>
-              <a:t>Now, the next word in the output sequence is dependent on the current state of the decoder as well as on the hidden state of the encoder. Thus, at each time step, we consider these two things and follow the below steps:</a:t>
+              <a:t>Both Global and Local Attention Mechanism differ in the way that they compute context vector (aka thought vector, i.e., the output of Encoder), can be represented by c(t).</a:t>
             </a:r>
           </a:p>
         </p:txBody>
@@ -7075,7 +7023,7 @@
           <p:cNvPr id="4" name="Footer Placeholder 3">
             <a:extLst>
               <a:ext uri="{FF2B5EF4-FFF2-40B4-BE49-F238E27FC236}">
-                <a16:creationId xmlns:a16="http://schemas.microsoft.com/office/drawing/2014/main" xmlns="" id="{540972A1-4BB3-4D04-B4DF-C76BA9B5CAD8}"/>
+                <a16:creationId xmlns="" xmlns:a16="http://schemas.microsoft.com/office/drawing/2014/main" id="{540972A1-4BB3-4D04-B4DF-C76BA9B5CAD8}"/>
               </a:ext>
             </a:extLst>
           </p:cNvPr>
@@ -7104,7 +7052,7 @@
           <p:cNvPr id="5" name="Slide Number Placeholder 4">
             <a:extLst>
               <a:ext uri="{FF2B5EF4-FFF2-40B4-BE49-F238E27FC236}">
-                <a16:creationId xmlns:a16="http://schemas.microsoft.com/office/drawing/2014/main" xmlns="" id="{23B5C741-F1AB-463E-B229-974B2924B065}"/>
+                <a16:creationId xmlns="" xmlns:a16="http://schemas.microsoft.com/office/drawing/2014/main" id="{23B5C741-F1AB-463E-B229-974B2924B065}"/>
               </a:ext>
             </a:extLst>
           </p:cNvPr>
@@ -7131,7 +7079,7 @@
     </p:spTree>
     <p:extLst>
       <p:ext uri="{BB962C8B-B14F-4D97-AF65-F5344CB8AC3E}">
-        <p14:creationId xmlns:p14="http://schemas.microsoft.com/office/powerpoint/2010/main" val="1550099548"/>
+        <p14:creationId xmlns:p14="http://schemas.microsoft.com/office/powerpoint/2010/main" val="3945517244"/>
       </p:ext>
     </p:extLst>
   </p:cSld>
@@ -7170,7 +7118,7 @@
           <p:cNvPr id="2" name="Title 1">
             <a:extLst>
               <a:ext uri="{FF2B5EF4-FFF2-40B4-BE49-F238E27FC236}">
-                <a16:creationId xmlns:a16="http://schemas.microsoft.com/office/drawing/2014/main" xmlns="" id="{9F53C0E6-5CA5-48E1-B370-E678425399F4}"/>
+                <a16:creationId xmlns="" xmlns:a16="http://schemas.microsoft.com/office/drawing/2014/main" id="{9F53C0E6-5CA5-48E1-B370-E678425399F4}"/>
               </a:ext>
             </a:extLst>
           </p:cNvPr>
@@ -7204,7 +7152,7 @@
           <p:cNvPr id="3" name="Content Placeholder 2">
             <a:extLst>
               <a:ext uri="{FF2B5EF4-FFF2-40B4-BE49-F238E27FC236}">
-                <a16:creationId xmlns:a16="http://schemas.microsoft.com/office/drawing/2014/main" xmlns="" id="{F0A4581A-26B3-40E7-A945-90C4D9B58292}"/>
+                <a16:creationId xmlns="" xmlns:a16="http://schemas.microsoft.com/office/drawing/2014/main" id="{F0A4581A-26B3-40E7-A945-90C4D9B58292}"/>
               </a:ext>
             </a:extLst>
           </p:cNvPr>
@@ -7227,6 +7175,30 @@
           </a:bodyPr>
           <a:lstStyle/>
           <a:p>
+            <a:pPr algn="just">
+              <a:lnSpc>
+                <a:spcPct val="100000"/>
+              </a:lnSpc>
+              <a:spcBef>
+                <a:spcPts val="0"/>
+              </a:spcBef>
+              <a:buFont typeface="Wingdings" panose="05000000000000000000" pitchFamily="2" charset="2"/>
+              <a:buChar char="Ø"/>
+            </a:pPr>
+            <a:r>
+              <a:rPr lang="en-IN" sz="2000" dirty="0" smtClean="0"/>
+              <a:t>Global Attention (i.e., </a:t>
+            </a:r>
+            <a:r>
+              <a:rPr lang="en-IN" sz="2000" dirty="0" err="1" smtClean="0"/>
+              <a:t>Luong’s</a:t>
+            </a:r>
+            <a:r>
+              <a:rPr lang="en-IN" sz="2000" dirty="0" smtClean="0"/>
+              <a:t> Attention) takes into consideration all encoder hidden states to derive the context vector c(t).</a:t>
+            </a:r>
+          </a:p>
+          <a:p>
             <a:pPr marL="457200" lvl="1" indent="0" algn="just">
               <a:lnSpc>
                 <a:spcPct val="100000"/>
@@ -7238,23 +7210,7 @@
             </a:pPr>
             <a:r>
               <a:rPr lang="en-IN" sz="2000" dirty="0" smtClean="0"/>
-              <a:t>We want our decoder to pay more attention to the states h</a:t>
-            </a:r>
-            <a:r>
-              <a:rPr lang="en-IN" sz="2000" baseline="-25000" dirty="0" smtClean="0"/>
-              <a:t>1</a:t>
-            </a:r>
-            <a:r>
-              <a:rPr lang="en-IN" sz="2000" dirty="0" smtClean="0"/>
-              <a:t> and h</a:t>
-            </a:r>
-            <a:r>
-              <a:rPr lang="en-IN" sz="2000" baseline="-25000" dirty="0" smtClean="0"/>
-              <a:t>2</a:t>
-            </a:r>
-            <a:r>
-              <a:rPr lang="en-IN" sz="2000" dirty="0" smtClean="0"/>
-              <a:t> (assume) while paying less attention to the remaining states of the encoder. For this reason, we train a feed forward neural network which will learn to identify relevant encoder states by generating a high score for the states for which attention is to be paid while low score for the states which are to be ignored. </a:t>
+              <a:t>This can be further simplified as in case of Neural Machine Translation, Global Attention focuses on all source side words to derive all target words. Similarly in case of Image Captioning, Global Attention considers all divided parts of input image to generate the caption (or textual description) for image.</a:t>
             </a:r>
           </a:p>
           <a:p>
@@ -7269,167 +7225,55 @@
             </a:pPr>
             <a:r>
               <a:rPr lang="en-IN" sz="2000" dirty="0" smtClean="0"/>
-              <a:t>Let s</a:t>
-            </a:r>
-            <a:r>
-              <a:rPr lang="en-IN" sz="2000" baseline="-25000" dirty="0" smtClean="0"/>
-              <a:t>1</a:t>
-            </a:r>
+              <a:t>Thus, it is computationally very expensive and is impractical when translating for long sentences.</a:t>
+            </a:r>
+          </a:p>
+          <a:p>
+            <a:pPr algn="just">
+              <a:lnSpc>
+                <a:spcPct val="100000"/>
+              </a:lnSpc>
+              <a:spcBef>
+                <a:spcPts val="0"/>
+              </a:spcBef>
+              <a:buFont typeface="Wingdings" pitchFamily="2" charset="2"/>
+              <a:buChar char="Ø"/>
+            </a:pPr>
             <a:r>
               <a:rPr lang="en-IN" sz="2000" dirty="0" smtClean="0"/>
-              <a:t>, s</a:t>
-            </a:r>
-            <a:r>
-              <a:rPr lang="en-IN" sz="2000" baseline="-25000" dirty="0" smtClean="0"/>
-              <a:t>2</a:t>
+              <a:t>Therefore, we will see implementation of only Local Attention (i.e., </a:t>
+            </a:r>
+            <a:r>
+              <a:rPr lang="en-IN" sz="2000" dirty="0" err="1" smtClean="0"/>
+              <a:t>Bahdanu’s</a:t>
             </a:r>
             <a:r>
               <a:rPr lang="en-IN" sz="2000" dirty="0" smtClean="0"/>
-              <a:t>, s</a:t>
-            </a:r>
-            <a:r>
-              <a:rPr lang="en-IN" sz="2000" baseline="-25000" dirty="0" smtClean="0"/>
-              <a:t>3</a:t>
-            </a:r>
+              <a:t> Attention).</a:t>
+            </a:r>
+          </a:p>
+          <a:p>
+            <a:pPr algn="just">
+              <a:lnSpc>
+                <a:spcPct val="100000"/>
+              </a:lnSpc>
+              <a:spcBef>
+                <a:spcPts val="0"/>
+              </a:spcBef>
+              <a:buFont typeface="Wingdings" pitchFamily="2" charset="2"/>
+              <a:buChar char="Ø"/>
+            </a:pPr>
             <a:r>
               <a:rPr lang="en-IN" sz="2000" dirty="0" smtClean="0"/>
-              <a:t>, s</a:t>
-            </a:r>
-            <a:r>
-              <a:rPr lang="en-IN" sz="2000" baseline="-25000" dirty="0" smtClean="0"/>
-              <a:t>4</a:t>
+              <a:t>Local Attention (or </a:t>
+            </a:r>
+            <a:r>
+              <a:rPr lang="en-IN" sz="2000" dirty="0" err="1" smtClean="0"/>
+              <a:t>Bahdanu’s</a:t>
             </a:r>
             <a:r>
               <a:rPr lang="en-IN" sz="2000" dirty="0" smtClean="0"/>
-              <a:t>, s</a:t>
-            </a:r>
-            <a:r>
-              <a:rPr lang="en-IN" sz="2000" baseline="-25000" dirty="0" smtClean="0"/>
-              <a:t>5</a:t>
-            </a:r>
-            <a:r>
-              <a:rPr lang="en-IN" sz="2000" dirty="0" smtClean="0"/>
-              <a:t> be the scores generated for the states h</a:t>
-            </a:r>
-            <a:r>
-              <a:rPr lang="en-IN" sz="2000" baseline="-25000" dirty="0" smtClean="0"/>
-              <a:t>1</a:t>
-            </a:r>
-            <a:r>
-              <a:rPr lang="en-IN" sz="2000" dirty="0" smtClean="0"/>
-              <a:t>, h</a:t>
-            </a:r>
-            <a:r>
-              <a:rPr lang="en-IN" sz="2000" baseline="-25000" dirty="0" smtClean="0"/>
-              <a:t>2</a:t>
-            </a:r>
-            <a:r>
-              <a:rPr lang="en-IN" sz="2000" dirty="0" smtClean="0"/>
-              <a:t>, h</a:t>
-            </a:r>
-            <a:r>
-              <a:rPr lang="en-IN" sz="2000" baseline="-25000" dirty="0" smtClean="0"/>
-              <a:t>3</a:t>
-            </a:r>
-            <a:r>
-              <a:rPr lang="en-IN" sz="2000" dirty="0" smtClean="0"/>
-              <a:t>, h</a:t>
-            </a:r>
-            <a:r>
-              <a:rPr lang="en-IN" sz="2000" baseline="-25000" dirty="0" smtClean="0"/>
-              <a:t>4</a:t>
-            </a:r>
-            <a:r>
-              <a:rPr lang="en-IN" sz="2000" dirty="0" smtClean="0"/>
-              <a:t>, h</a:t>
-            </a:r>
-            <a:r>
-              <a:rPr lang="en-IN" sz="2000" baseline="-25000" dirty="0" smtClean="0"/>
-              <a:t>5</a:t>
-            </a:r>
-            <a:r>
-              <a:rPr lang="en-IN" sz="2000" dirty="0" smtClean="0"/>
-              <a:t>. Since, we want to pay attention to h</a:t>
-            </a:r>
-            <a:r>
-              <a:rPr lang="en-IN" sz="2000" baseline="-25000" dirty="0" smtClean="0"/>
-              <a:t>1</a:t>
-            </a:r>
-            <a:r>
-              <a:rPr lang="en-IN" sz="2000" dirty="0" smtClean="0"/>
-              <a:t> and h</a:t>
-            </a:r>
-            <a:r>
-              <a:rPr lang="en-IN" sz="2000" baseline="-25000" dirty="0" smtClean="0"/>
-              <a:t>2</a:t>
-            </a:r>
-            <a:r>
-              <a:rPr lang="en-IN" sz="2000" dirty="0" smtClean="0"/>
-              <a:t> (assume) and ignore (h</a:t>
-            </a:r>
-            <a:r>
-              <a:rPr lang="en-IN" sz="2000" baseline="-25000" dirty="0" smtClean="0"/>
-              <a:t>3</a:t>
-            </a:r>
-            <a:r>
-              <a:rPr lang="en-IN" sz="2000" dirty="0" smtClean="0"/>
-              <a:t>, h</a:t>
-            </a:r>
-            <a:r>
-              <a:rPr lang="en-IN" sz="2000" baseline="-25000" dirty="0" smtClean="0"/>
-              <a:t>4</a:t>
-            </a:r>
-            <a:r>
-              <a:rPr lang="en-IN" sz="2000" dirty="0" smtClean="0"/>
-              <a:t>, h</a:t>
-            </a:r>
-            <a:r>
-              <a:rPr lang="en-IN" sz="2000" baseline="-25000" dirty="0" smtClean="0"/>
-              <a:t>5</a:t>
-            </a:r>
-            <a:r>
-              <a:rPr lang="en-IN" sz="2000" dirty="0" smtClean="0"/>
-              <a:t>), thus s</a:t>
-            </a:r>
-            <a:r>
-              <a:rPr lang="en-IN" sz="2000" baseline="-25000" dirty="0" smtClean="0"/>
-              <a:t>1</a:t>
-            </a:r>
-            <a:r>
-              <a:rPr lang="en-IN" sz="2000" dirty="0" smtClean="0"/>
-              <a:t> and s</a:t>
-            </a:r>
-            <a:r>
-              <a:rPr lang="en-IN" sz="2000" baseline="-25000" dirty="0" smtClean="0"/>
-              <a:t>2</a:t>
-            </a:r>
-            <a:r>
-              <a:rPr lang="en-IN" sz="2000" dirty="0" smtClean="0"/>
-              <a:t> will be high while (s</a:t>
-            </a:r>
-            <a:r>
-              <a:rPr lang="en-IN" sz="2000" baseline="-25000" dirty="0" smtClean="0"/>
-              <a:t>3</a:t>
-            </a:r>
-            <a:r>
-              <a:rPr lang="en-IN" sz="2000" dirty="0" smtClean="0"/>
-              <a:t>, s</a:t>
-            </a:r>
-            <a:r>
-              <a:rPr lang="en-IN" sz="2000" baseline="-25000" dirty="0" smtClean="0"/>
-              <a:t>4</a:t>
-            </a:r>
-            <a:r>
-              <a:rPr lang="en-IN" sz="2000" dirty="0" smtClean="0"/>
-              <a:t>, s</a:t>
-            </a:r>
-            <a:r>
-              <a:rPr lang="en-IN" sz="2000" baseline="-25000" dirty="0" smtClean="0"/>
-              <a:t>5</a:t>
-            </a:r>
-            <a:r>
-              <a:rPr lang="en-IN" sz="2000" dirty="0" smtClean="0"/>
-              <a:t>) are relatively low.</a:t>
+              <a:t> Attention):</a:t>
             </a:r>
           </a:p>
           <a:p>
@@ -7444,15 +7288,7 @@
             </a:pPr>
             <a:r>
               <a:rPr lang="en-IN" sz="2000" dirty="0" smtClean="0"/>
-              <a:t>Once these scores are generated, we apply a </a:t>
-            </a:r>
-            <a:r>
-              <a:rPr lang="en-IN" sz="2000" dirty="0" err="1" smtClean="0"/>
-              <a:t>softmax</a:t>
-            </a:r>
-            <a:r>
-              <a:rPr lang="en-IN" sz="2000" dirty="0" smtClean="0"/>
-              <a:t> on these scores to produce the attention weights (e</a:t>
+              <a:t>Suppose, we have divided our input image into an input sequence of 5 parts. Now, before we start decoding, we first need to encode the input sequence into a set of internal states (h</a:t>
             </a:r>
             <a:r>
               <a:rPr lang="en-IN" sz="2000" baseline="-25000" dirty="0" smtClean="0"/>
@@ -7460,7 +7296,7 @@
             </a:r>
             <a:r>
               <a:rPr lang="en-IN" sz="2000" dirty="0" smtClean="0"/>
-              <a:t>, e</a:t>
+              <a:t>, h</a:t>
             </a:r>
             <a:r>
               <a:rPr lang="en-IN" sz="2000" baseline="-25000" dirty="0" smtClean="0"/>
@@ -7468,7 +7304,7 @@
             </a:r>
             <a:r>
               <a:rPr lang="en-IN" sz="2000" dirty="0" smtClean="0"/>
-              <a:t>, e</a:t>
+              <a:t>, h</a:t>
             </a:r>
             <a:r>
               <a:rPr lang="en-IN" sz="2000" baseline="-25000" dirty="0" smtClean="0"/>
@@ -7476,7 +7312,7 @@
             </a:r>
             <a:r>
               <a:rPr lang="en-IN" sz="2000" dirty="0" smtClean="0"/>
-              <a:t>, e</a:t>
+              <a:t>, h</a:t>
             </a:r>
             <a:r>
               <a:rPr lang="en-IN" sz="2000" baseline="-25000" dirty="0" smtClean="0"/>
@@ -7484,7 +7320,7 @@
             </a:r>
             <a:r>
               <a:rPr lang="en-IN" sz="2000" dirty="0" smtClean="0"/>
-              <a:t>, e</a:t>
+              <a:t>, h</a:t>
             </a:r>
             <a:r>
               <a:rPr lang="en-IN" sz="2000" baseline="-25000" dirty="0" smtClean="0"/>
@@ -7507,259 +7343,8 @@
             </a:pPr>
             <a:r>
               <a:rPr lang="en-IN" sz="2000" dirty="0" smtClean="0"/>
-              <a:t>The advantage of applying </a:t>
-            </a:r>
-            <a:r>
-              <a:rPr lang="en-IN" sz="2000" dirty="0" err="1" smtClean="0"/>
-              <a:t>softmax</a:t>
-            </a:r>
-            <a:r>
-              <a:rPr lang="en-IN" sz="2000" dirty="0" smtClean="0"/>
-              <a:t> is as below:</a:t>
-            </a:r>
-          </a:p>
-          <a:p>
-            <a:pPr marL="914400" lvl="1" indent="-457200" algn="just">
-              <a:lnSpc>
-                <a:spcPct val="100000"/>
-              </a:lnSpc>
-              <a:spcBef>
-                <a:spcPts val="0"/>
-              </a:spcBef>
-              <a:buFont typeface="+mj-lt"/>
-              <a:buAutoNum type="arabicPeriod"/>
-            </a:pPr>
-            <a:r>
-              <a:rPr lang="en-IN" sz="2000" dirty="0" smtClean="0"/>
-              <a:t>All the weights lie between 0 and 1, i.e., (e</a:t>
-            </a:r>
-            <a:r>
-              <a:rPr lang="en-IN" sz="2000" baseline="-25000" dirty="0" smtClean="0"/>
-              <a:t>1</a:t>
-            </a:r>
-            <a:r>
-              <a:rPr lang="en-IN" sz="2000" dirty="0" smtClean="0"/>
-              <a:t>, e</a:t>
-            </a:r>
-            <a:r>
-              <a:rPr lang="en-IN" sz="2000" baseline="-25000" dirty="0" smtClean="0"/>
-              <a:t>2</a:t>
-            </a:r>
-            <a:r>
-              <a:rPr lang="en-IN" sz="2000" dirty="0" smtClean="0"/>
-              <a:t>, e</a:t>
-            </a:r>
-            <a:r>
-              <a:rPr lang="en-IN" sz="2000" baseline="-25000" dirty="0" smtClean="0"/>
-              <a:t>3</a:t>
-            </a:r>
-            <a:r>
-              <a:rPr lang="en-IN" sz="2000" dirty="0" smtClean="0"/>
-              <a:t>, e</a:t>
-            </a:r>
-            <a:r>
-              <a:rPr lang="en-IN" sz="2000" baseline="-25000" dirty="0" smtClean="0"/>
-              <a:t>4</a:t>
-            </a:r>
-            <a:r>
-              <a:rPr lang="en-IN" sz="2000" dirty="0" smtClean="0"/>
-              <a:t>, e</a:t>
-            </a:r>
-            <a:r>
-              <a:rPr lang="en-IN" sz="2000" baseline="-25000" dirty="0" smtClean="0"/>
-              <a:t>5</a:t>
-            </a:r>
-            <a:r>
-              <a:rPr lang="en-IN" sz="2000" dirty="0" smtClean="0"/>
-              <a:t>) </a:t>
-            </a:r>
-            <a:r>
-              <a:rPr lang="el-GR" sz="2000" dirty="0" smtClean="0"/>
-              <a:t>ϵ</a:t>
-            </a:r>
-            <a:r>
-              <a:rPr lang="en-US" sz="2000" dirty="0" smtClean="0"/>
-              <a:t> [0, 1].</a:t>
-            </a:r>
-          </a:p>
-          <a:p>
-            <a:pPr marL="914400" lvl="1" indent="-457200" algn="just">
-              <a:lnSpc>
-                <a:spcPct val="100000"/>
-              </a:lnSpc>
-              <a:spcBef>
-                <a:spcPts val="0"/>
-              </a:spcBef>
-              <a:buFont typeface="+mj-lt"/>
-              <a:buAutoNum type="arabicPeriod"/>
-            </a:pPr>
-            <a:r>
-              <a:rPr lang="en-US" sz="2000" dirty="0" smtClean="0"/>
-              <a:t>All the weights sum to 1, i.e., e</a:t>
-            </a:r>
-            <a:r>
-              <a:rPr lang="en-US" sz="2000" baseline="-25000" dirty="0" smtClean="0"/>
-              <a:t>1</a:t>
-            </a:r>
-            <a:r>
-              <a:rPr lang="en-US" sz="2000" dirty="0" smtClean="0"/>
-              <a:t> + e</a:t>
-            </a:r>
-            <a:r>
-              <a:rPr lang="en-US" sz="2000" baseline="-25000" dirty="0" smtClean="0"/>
-              <a:t>2</a:t>
-            </a:r>
-            <a:r>
-              <a:rPr lang="en-US" sz="2000" dirty="0" smtClean="0"/>
-              <a:t> + e</a:t>
-            </a:r>
-            <a:r>
-              <a:rPr lang="en-US" sz="2000" baseline="-25000" dirty="0" smtClean="0"/>
-              <a:t>3</a:t>
-            </a:r>
-            <a:r>
-              <a:rPr lang="en-US" sz="2000" dirty="0" smtClean="0"/>
-              <a:t> + e</a:t>
-            </a:r>
-            <a:r>
-              <a:rPr lang="en-US" sz="2000" baseline="-25000" dirty="0" smtClean="0"/>
-              <a:t>4</a:t>
-            </a:r>
-            <a:r>
-              <a:rPr lang="en-US" sz="2000" dirty="0" smtClean="0"/>
-              <a:t> + e</a:t>
-            </a:r>
-            <a:r>
-              <a:rPr lang="en-US" sz="2000" baseline="-25000" dirty="0" smtClean="0"/>
-              <a:t>5</a:t>
-            </a:r>
-            <a:r>
-              <a:rPr lang="en-US" sz="2000" dirty="0" smtClean="0"/>
-              <a:t> = 1.</a:t>
-            </a:r>
-          </a:p>
-          <a:p>
-            <a:pPr marL="457200" lvl="1" indent="0" algn="just">
-              <a:lnSpc>
-                <a:spcPct val="100000"/>
-              </a:lnSpc>
-              <a:spcBef>
-                <a:spcPts val="0"/>
-              </a:spcBef>
-              <a:buNone/>
-            </a:pPr>
-            <a:r>
-              <a:rPr lang="en-US" sz="2000" dirty="0" smtClean="0"/>
-              <a:t>Suppose, following are the values of attention weights:</a:t>
-            </a:r>
-          </a:p>
-          <a:p>
-            <a:pPr marL="457200" lvl="1" indent="0" algn="just">
-              <a:lnSpc>
-                <a:spcPct val="100000"/>
-              </a:lnSpc>
-              <a:spcBef>
-                <a:spcPts val="0"/>
-              </a:spcBef>
-              <a:buNone/>
-            </a:pPr>
-            <a:endParaRPr lang="en-IN" sz="2000" dirty="0" smtClean="0"/>
-          </a:p>
-          <a:p>
-            <a:pPr marL="457200" lvl="1" indent="0" algn="just">
-              <a:lnSpc>
-                <a:spcPct val="100000"/>
-              </a:lnSpc>
-              <a:spcBef>
-                <a:spcPts val="0"/>
-              </a:spcBef>
-              <a:buNone/>
-            </a:pPr>
-            <a:r>
-              <a:rPr lang="en-IN" sz="2000" dirty="0" smtClean="0"/>
-              <a:t>Thus, due to large values of e</a:t>
-            </a:r>
-            <a:r>
-              <a:rPr lang="en-IN" sz="2000" baseline="-25000" dirty="0" smtClean="0"/>
-              <a:t>1</a:t>
-            </a:r>
-            <a:r>
-              <a:rPr lang="en-IN" sz="2000" dirty="0" smtClean="0"/>
-              <a:t> and e</a:t>
-            </a:r>
-            <a:r>
-              <a:rPr lang="en-IN" sz="2000" baseline="-25000" dirty="0" smtClean="0"/>
-              <a:t>2</a:t>
-            </a:r>
-            <a:r>
-              <a:rPr lang="en-IN" sz="2000" dirty="0" smtClean="0"/>
-              <a:t>, attention will be on h</a:t>
-            </a:r>
-            <a:r>
-              <a:rPr lang="en-IN" sz="2000" baseline="-25000" dirty="0" smtClean="0"/>
-              <a:t>1</a:t>
-            </a:r>
-            <a:r>
-              <a:rPr lang="en-IN" sz="2000" dirty="0" smtClean="0"/>
-              <a:t> and h</a:t>
-            </a:r>
-            <a:r>
-              <a:rPr lang="en-IN" sz="2000" baseline="-25000" dirty="0" smtClean="0"/>
-              <a:t>2</a:t>
-            </a:r>
-            <a:r>
-              <a:rPr lang="en-IN" sz="2000" dirty="0" smtClean="0"/>
-              <a:t>, others (i.e., h</a:t>
-            </a:r>
-            <a:r>
-              <a:rPr lang="en-IN" sz="2000" baseline="-25000" dirty="0" smtClean="0"/>
-              <a:t>3</a:t>
-            </a:r>
-            <a:r>
-              <a:rPr lang="en-IN" sz="2000" dirty="0" smtClean="0"/>
-              <a:t>, h</a:t>
-            </a:r>
-            <a:r>
-              <a:rPr lang="en-IN" sz="2000" baseline="-25000" dirty="0" smtClean="0"/>
-              <a:t>4</a:t>
-            </a:r>
-            <a:r>
-              <a:rPr lang="en-IN" sz="2000" dirty="0" smtClean="0"/>
-              <a:t>, h</a:t>
-            </a:r>
-            <a:r>
-              <a:rPr lang="en-IN" sz="2000" baseline="-25000" dirty="0" smtClean="0"/>
-              <a:t>5</a:t>
-            </a:r>
-            <a:r>
-              <a:rPr lang="en-IN" sz="2000" dirty="0" smtClean="0"/>
-              <a:t>) will be ignored due to small values of (e</a:t>
-            </a:r>
-            <a:r>
-              <a:rPr lang="en-IN" sz="2000" baseline="-25000" dirty="0" smtClean="0"/>
-              <a:t>3</a:t>
-            </a:r>
-            <a:r>
-              <a:rPr lang="en-IN" sz="2000" dirty="0" smtClean="0"/>
-              <a:t>, e</a:t>
-            </a:r>
-            <a:r>
-              <a:rPr lang="en-IN" sz="2000" baseline="-25000" dirty="0" smtClean="0"/>
-              <a:t>4</a:t>
-            </a:r>
-            <a:r>
-              <a:rPr lang="en-IN" sz="2000" dirty="0" smtClean="0"/>
-              <a:t>, e</a:t>
-            </a:r>
-            <a:r>
-              <a:rPr lang="en-IN" sz="2000" baseline="-25000" dirty="0" smtClean="0"/>
-              <a:t>5</a:t>
-            </a:r>
-            <a:r>
-              <a:rPr lang="en-IN" sz="2000" dirty="0" smtClean="0"/>
-              <a:t>).</a:t>
-            </a:r>
-            <a:endParaRPr lang="en-IN" sz="2000" dirty="0"/>
+              <a:t>Now, the next word in the output sequence is dependent on the current state of the decoder as well as on the hidden state of the encoder. Thus, at each time step, we consider these two things and follow the below steps:</a:t>
+            </a:r>
           </a:p>
         </p:txBody>
       </p:sp>
@@ -7768,7 +7353,7 @@
           <p:cNvPr id="4" name="Footer Placeholder 3">
             <a:extLst>
               <a:ext uri="{FF2B5EF4-FFF2-40B4-BE49-F238E27FC236}">
-                <a16:creationId xmlns:a16="http://schemas.microsoft.com/office/drawing/2014/main" xmlns="" id="{540972A1-4BB3-4D04-B4DF-C76BA9B5CAD8}"/>
+                <a16:creationId xmlns="" xmlns:a16="http://schemas.microsoft.com/office/drawing/2014/main" id="{540972A1-4BB3-4D04-B4DF-C76BA9B5CAD8}"/>
               </a:ext>
             </a:extLst>
           </p:cNvPr>
@@ -7797,7 +7382,7 @@
           <p:cNvPr id="5" name="Slide Number Placeholder 4">
             <a:extLst>
               <a:ext uri="{FF2B5EF4-FFF2-40B4-BE49-F238E27FC236}">
-                <a16:creationId xmlns:a16="http://schemas.microsoft.com/office/drawing/2014/main" xmlns="" id="{23B5C741-F1AB-463E-B229-974B2924B065}"/>
+                <a16:creationId xmlns="" xmlns:a16="http://schemas.microsoft.com/office/drawing/2014/main" id="{23B5C741-F1AB-463E-B229-974B2924B065}"/>
               </a:ext>
             </a:extLst>
           </p:cNvPr>
@@ -7816,6 +7401,699 @@
             <a:fld id="{EC53106F-9B43-4B1F-BCB9-D94FA7734D96}" type="slidenum">
               <a:rPr lang="en-IN" smtClean="0"/>
               <a:t>13</a:t>
+            </a:fld>
+            <a:endParaRPr lang="en-IN"/>
+          </a:p>
+        </p:txBody>
+      </p:sp>
+    </p:spTree>
+    <p:extLst>
+      <p:ext uri="{BB962C8B-B14F-4D97-AF65-F5344CB8AC3E}">
+        <p14:creationId xmlns:p14="http://schemas.microsoft.com/office/powerpoint/2010/main" val="1550099548"/>
+      </p:ext>
+    </p:extLst>
+  </p:cSld>
+  <p:clrMapOvr>
+    <a:masterClrMapping/>
+  </p:clrMapOvr>
+  <p:timing>
+    <p:tnLst>
+      <p:par>
+        <p:cTn id="1" dur="indefinite" restart="never" nodeType="tmRoot"/>
+      </p:par>
+    </p:tnLst>
+  </p:timing>
+</p:sld>
+</file>
+
+<file path=ppt/slides/slide14.xml><?xml version="1.0" encoding="utf-8"?>
+<p:sld xmlns:a="http://schemas.openxmlformats.org/drawingml/2006/main" xmlns:r="http://schemas.openxmlformats.org/officeDocument/2006/relationships" xmlns:p="http://schemas.openxmlformats.org/presentationml/2006/main">
+  <p:cSld>
+    <p:spTree>
+      <p:nvGrpSpPr>
+        <p:cNvPr id="1" name=""/>
+        <p:cNvGrpSpPr/>
+        <p:nvPr/>
+      </p:nvGrpSpPr>
+      <p:grpSpPr>
+        <a:xfrm>
+          <a:off x="0" y="0"/>
+          <a:ext cx="0" cy="0"/>
+          <a:chOff x="0" y="0"/>
+          <a:chExt cx="0" cy="0"/>
+        </a:xfrm>
+      </p:grpSpPr>
+      <p:sp>
+        <p:nvSpPr>
+          <p:cNvPr id="2" name="Title 1">
+            <a:extLst>
+              <a:ext uri="{FF2B5EF4-FFF2-40B4-BE49-F238E27FC236}">
+                <a16:creationId xmlns="" xmlns:a16="http://schemas.microsoft.com/office/drawing/2014/main" id="{9F53C0E6-5CA5-48E1-B370-E678425399F4}"/>
+              </a:ext>
+            </a:extLst>
+          </p:cNvPr>
+          <p:cNvSpPr>
+            <a:spLocks noGrp="1"/>
+          </p:cNvSpPr>
+          <p:nvPr>
+            <p:ph type="title"/>
+          </p:nvPr>
+        </p:nvSpPr>
+        <p:spPr>
+          <a:xfrm>
+            <a:off x="838200" y="365125"/>
+            <a:ext cx="10515600" cy="827571"/>
+          </a:xfrm>
+        </p:spPr>
+        <p:txBody>
+          <a:bodyPr/>
+          <a:lstStyle/>
+          <a:p>
+            <a:r>
+              <a:rPr lang="en-IN" dirty="0" smtClean="0"/>
+              <a:t>Attention Mechanism…</a:t>
+            </a:r>
+            <a:endParaRPr lang="en-IN" dirty="0"/>
+          </a:p>
+        </p:txBody>
+      </p:sp>
+      <p:sp>
+        <p:nvSpPr>
+          <p:cNvPr id="3" name="Content Placeholder 2">
+            <a:extLst>
+              <a:ext uri="{FF2B5EF4-FFF2-40B4-BE49-F238E27FC236}">
+                <a16:creationId xmlns="" xmlns:a16="http://schemas.microsoft.com/office/drawing/2014/main" id="{F0A4581A-26B3-40E7-A945-90C4D9B58292}"/>
+              </a:ext>
+            </a:extLst>
+          </p:cNvPr>
+          <p:cNvSpPr>
+            <a:spLocks noGrp="1"/>
+          </p:cNvSpPr>
+          <p:nvPr>
+            <p:ph idx="1"/>
+          </p:nvPr>
+        </p:nvSpPr>
+        <p:spPr>
+          <a:xfrm>
+            <a:off x="838200" y="1192696"/>
+            <a:ext cx="10515600" cy="4984267"/>
+          </a:xfrm>
+        </p:spPr>
+        <p:txBody>
+          <a:bodyPr>
+            <a:normAutofit/>
+          </a:bodyPr>
+          <a:lstStyle/>
+          <a:p>
+            <a:pPr marL="457200" lvl="1" indent="0" algn="just">
+              <a:lnSpc>
+                <a:spcPct val="100000"/>
+              </a:lnSpc>
+              <a:spcBef>
+                <a:spcPts val="0"/>
+              </a:spcBef>
+              <a:buNone/>
+            </a:pPr>
+            <a:r>
+              <a:rPr lang="en-IN" sz="2000" dirty="0" smtClean="0"/>
+              <a:t>We want our decoder to pay more attention to the states h</a:t>
+            </a:r>
+            <a:r>
+              <a:rPr lang="en-IN" sz="2000" baseline="-25000" dirty="0" smtClean="0"/>
+              <a:t>1</a:t>
+            </a:r>
+            <a:r>
+              <a:rPr lang="en-IN" sz="2000" dirty="0" smtClean="0"/>
+              <a:t> and h</a:t>
+            </a:r>
+            <a:r>
+              <a:rPr lang="en-IN" sz="2000" baseline="-25000" dirty="0" smtClean="0"/>
+              <a:t>2</a:t>
+            </a:r>
+            <a:r>
+              <a:rPr lang="en-IN" sz="2000" dirty="0" smtClean="0"/>
+              <a:t> (assume) while paying less attention to the remaining states of the encoder. For this reason, we train a feed forward neural network which will learn to identify relevant encoder states by generating a high score for the states for which attention is to be paid while low score for the states which are to be ignored. </a:t>
+            </a:r>
+          </a:p>
+          <a:p>
+            <a:pPr marL="457200" lvl="1" indent="0" algn="just">
+              <a:lnSpc>
+                <a:spcPct val="100000"/>
+              </a:lnSpc>
+              <a:spcBef>
+                <a:spcPts val="0"/>
+              </a:spcBef>
+              <a:buNone/>
+            </a:pPr>
+            <a:r>
+              <a:rPr lang="en-IN" sz="2000" dirty="0" smtClean="0"/>
+              <a:t>Let s</a:t>
+            </a:r>
+            <a:r>
+              <a:rPr lang="en-IN" sz="2000" baseline="-25000" dirty="0" smtClean="0"/>
+              <a:t>1</a:t>
+            </a:r>
+            <a:r>
+              <a:rPr lang="en-IN" sz="2000" dirty="0" smtClean="0"/>
+              <a:t>, s</a:t>
+            </a:r>
+            <a:r>
+              <a:rPr lang="en-IN" sz="2000" baseline="-25000" dirty="0" smtClean="0"/>
+              <a:t>2</a:t>
+            </a:r>
+            <a:r>
+              <a:rPr lang="en-IN" sz="2000" dirty="0" smtClean="0"/>
+              <a:t>, s</a:t>
+            </a:r>
+            <a:r>
+              <a:rPr lang="en-IN" sz="2000" baseline="-25000" dirty="0" smtClean="0"/>
+              <a:t>3</a:t>
+            </a:r>
+            <a:r>
+              <a:rPr lang="en-IN" sz="2000" dirty="0" smtClean="0"/>
+              <a:t>, s</a:t>
+            </a:r>
+            <a:r>
+              <a:rPr lang="en-IN" sz="2000" baseline="-25000" dirty="0" smtClean="0"/>
+              <a:t>4</a:t>
+            </a:r>
+            <a:r>
+              <a:rPr lang="en-IN" sz="2000" dirty="0" smtClean="0"/>
+              <a:t>, s</a:t>
+            </a:r>
+            <a:r>
+              <a:rPr lang="en-IN" sz="2000" baseline="-25000" dirty="0" smtClean="0"/>
+              <a:t>5</a:t>
+            </a:r>
+            <a:r>
+              <a:rPr lang="en-IN" sz="2000" dirty="0" smtClean="0"/>
+              <a:t> be the scores generated for the states h</a:t>
+            </a:r>
+            <a:r>
+              <a:rPr lang="en-IN" sz="2000" baseline="-25000" dirty="0" smtClean="0"/>
+              <a:t>1</a:t>
+            </a:r>
+            <a:r>
+              <a:rPr lang="en-IN" sz="2000" dirty="0" smtClean="0"/>
+              <a:t>, h</a:t>
+            </a:r>
+            <a:r>
+              <a:rPr lang="en-IN" sz="2000" baseline="-25000" dirty="0" smtClean="0"/>
+              <a:t>2</a:t>
+            </a:r>
+            <a:r>
+              <a:rPr lang="en-IN" sz="2000" dirty="0" smtClean="0"/>
+              <a:t>, h</a:t>
+            </a:r>
+            <a:r>
+              <a:rPr lang="en-IN" sz="2000" baseline="-25000" dirty="0" smtClean="0"/>
+              <a:t>3</a:t>
+            </a:r>
+            <a:r>
+              <a:rPr lang="en-IN" sz="2000" dirty="0" smtClean="0"/>
+              <a:t>, h</a:t>
+            </a:r>
+            <a:r>
+              <a:rPr lang="en-IN" sz="2000" baseline="-25000" dirty="0" smtClean="0"/>
+              <a:t>4</a:t>
+            </a:r>
+            <a:r>
+              <a:rPr lang="en-IN" sz="2000" dirty="0" smtClean="0"/>
+              <a:t>, h</a:t>
+            </a:r>
+            <a:r>
+              <a:rPr lang="en-IN" sz="2000" baseline="-25000" dirty="0" smtClean="0"/>
+              <a:t>5</a:t>
+            </a:r>
+            <a:r>
+              <a:rPr lang="en-IN" sz="2000" dirty="0" smtClean="0"/>
+              <a:t>. Since, we want to pay attention to h</a:t>
+            </a:r>
+            <a:r>
+              <a:rPr lang="en-IN" sz="2000" baseline="-25000" dirty="0" smtClean="0"/>
+              <a:t>1</a:t>
+            </a:r>
+            <a:r>
+              <a:rPr lang="en-IN" sz="2000" dirty="0" smtClean="0"/>
+              <a:t> and h</a:t>
+            </a:r>
+            <a:r>
+              <a:rPr lang="en-IN" sz="2000" baseline="-25000" dirty="0" smtClean="0"/>
+              <a:t>2</a:t>
+            </a:r>
+            <a:r>
+              <a:rPr lang="en-IN" sz="2000" dirty="0" smtClean="0"/>
+              <a:t> (assume) and ignore (h</a:t>
+            </a:r>
+            <a:r>
+              <a:rPr lang="en-IN" sz="2000" baseline="-25000" dirty="0" smtClean="0"/>
+              <a:t>3</a:t>
+            </a:r>
+            <a:r>
+              <a:rPr lang="en-IN" sz="2000" dirty="0" smtClean="0"/>
+              <a:t>, h</a:t>
+            </a:r>
+            <a:r>
+              <a:rPr lang="en-IN" sz="2000" baseline="-25000" dirty="0" smtClean="0"/>
+              <a:t>4</a:t>
+            </a:r>
+            <a:r>
+              <a:rPr lang="en-IN" sz="2000" dirty="0" smtClean="0"/>
+              <a:t>, h</a:t>
+            </a:r>
+            <a:r>
+              <a:rPr lang="en-IN" sz="2000" baseline="-25000" dirty="0" smtClean="0"/>
+              <a:t>5</a:t>
+            </a:r>
+            <a:r>
+              <a:rPr lang="en-IN" sz="2000" dirty="0" smtClean="0"/>
+              <a:t>), thus s</a:t>
+            </a:r>
+            <a:r>
+              <a:rPr lang="en-IN" sz="2000" baseline="-25000" dirty="0" smtClean="0"/>
+              <a:t>1</a:t>
+            </a:r>
+            <a:r>
+              <a:rPr lang="en-IN" sz="2000" dirty="0" smtClean="0"/>
+              <a:t> and s</a:t>
+            </a:r>
+            <a:r>
+              <a:rPr lang="en-IN" sz="2000" baseline="-25000" dirty="0" smtClean="0"/>
+              <a:t>2</a:t>
+            </a:r>
+            <a:r>
+              <a:rPr lang="en-IN" sz="2000" dirty="0" smtClean="0"/>
+              <a:t> will be high while (s</a:t>
+            </a:r>
+            <a:r>
+              <a:rPr lang="en-IN" sz="2000" baseline="-25000" dirty="0" smtClean="0"/>
+              <a:t>3</a:t>
+            </a:r>
+            <a:r>
+              <a:rPr lang="en-IN" sz="2000" dirty="0" smtClean="0"/>
+              <a:t>, s</a:t>
+            </a:r>
+            <a:r>
+              <a:rPr lang="en-IN" sz="2000" baseline="-25000" dirty="0" smtClean="0"/>
+              <a:t>4</a:t>
+            </a:r>
+            <a:r>
+              <a:rPr lang="en-IN" sz="2000" dirty="0" smtClean="0"/>
+              <a:t>, s</a:t>
+            </a:r>
+            <a:r>
+              <a:rPr lang="en-IN" sz="2000" baseline="-25000" dirty="0" smtClean="0"/>
+              <a:t>5</a:t>
+            </a:r>
+            <a:r>
+              <a:rPr lang="en-IN" sz="2000" dirty="0" smtClean="0"/>
+              <a:t>) are relatively low.</a:t>
+            </a:r>
+          </a:p>
+          <a:p>
+            <a:pPr marL="457200" lvl="1" indent="0" algn="just">
+              <a:lnSpc>
+                <a:spcPct val="100000"/>
+              </a:lnSpc>
+              <a:spcBef>
+                <a:spcPts val="0"/>
+              </a:spcBef>
+              <a:buNone/>
+            </a:pPr>
+            <a:r>
+              <a:rPr lang="en-IN" sz="2000" dirty="0" smtClean="0"/>
+              <a:t>Once these scores are generated, we apply a </a:t>
+            </a:r>
+            <a:r>
+              <a:rPr lang="en-IN" sz="2000" dirty="0" err="1" smtClean="0"/>
+              <a:t>softmax</a:t>
+            </a:r>
+            <a:r>
+              <a:rPr lang="en-IN" sz="2000" dirty="0" smtClean="0"/>
+              <a:t> on these scores to produce the attention weights (e</a:t>
+            </a:r>
+            <a:r>
+              <a:rPr lang="en-IN" sz="2000" baseline="-25000" dirty="0" smtClean="0"/>
+              <a:t>1</a:t>
+            </a:r>
+            <a:r>
+              <a:rPr lang="en-IN" sz="2000" dirty="0" smtClean="0"/>
+              <a:t>, e</a:t>
+            </a:r>
+            <a:r>
+              <a:rPr lang="en-IN" sz="2000" baseline="-25000" dirty="0" smtClean="0"/>
+              <a:t>2</a:t>
+            </a:r>
+            <a:r>
+              <a:rPr lang="en-IN" sz="2000" dirty="0" smtClean="0"/>
+              <a:t>, e</a:t>
+            </a:r>
+            <a:r>
+              <a:rPr lang="en-IN" sz="2000" baseline="-25000" dirty="0" smtClean="0"/>
+              <a:t>3</a:t>
+            </a:r>
+            <a:r>
+              <a:rPr lang="en-IN" sz="2000" dirty="0" smtClean="0"/>
+              <a:t>, e</a:t>
+            </a:r>
+            <a:r>
+              <a:rPr lang="en-IN" sz="2000" baseline="-25000" dirty="0" smtClean="0"/>
+              <a:t>4</a:t>
+            </a:r>
+            <a:r>
+              <a:rPr lang="en-IN" sz="2000" dirty="0" smtClean="0"/>
+              <a:t>, e</a:t>
+            </a:r>
+            <a:r>
+              <a:rPr lang="en-IN" sz="2000" baseline="-25000" dirty="0" smtClean="0"/>
+              <a:t>5</a:t>
+            </a:r>
+            <a:r>
+              <a:rPr lang="en-IN" sz="2000" dirty="0" smtClean="0"/>
+              <a:t>).</a:t>
+            </a:r>
+          </a:p>
+          <a:p>
+            <a:pPr marL="457200" lvl="1" indent="0" algn="just">
+              <a:lnSpc>
+                <a:spcPct val="100000"/>
+              </a:lnSpc>
+              <a:spcBef>
+                <a:spcPts val="0"/>
+              </a:spcBef>
+              <a:buNone/>
+            </a:pPr>
+            <a:r>
+              <a:rPr lang="en-IN" sz="2000" dirty="0" smtClean="0"/>
+              <a:t>The advantage of applying </a:t>
+            </a:r>
+            <a:r>
+              <a:rPr lang="en-IN" sz="2000" dirty="0" err="1" smtClean="0"/>
+              <a:t>softmax</a:t>
+            </a:r>
+            <a:r>
+              <a:rPr lang="en-IN" sz="2000" dirty="0" smtClean="0"/>
+              <a:t> is as below:</a:t>
+            </a:r>
+          </a:p>
+          <a:p>
+            <a:pPr marL="914400" lvl="1" indent="-457200" algn="just">
+              <a:lnSpc>
+                <a:spcPct val="100000"/>
+              </a:lnSpc>
+              <a:spcBef>
+                <a:spcPts val="0"/>
+              </a:spcBef>
+              <a:buFont typeface="+mj-lt"/>
+              <a:buAutoNum type="arabicPeriod"/>
+            </a:pPr>
+            <a:r>
+              <a:rPr lang="en-IN" sz="2000" dirty="0" smtClean="0"/>
+              <a:t>All the weights lie between 0 and 1, i.e., (e</a:t>
+            </a:r>
+            <a:r>
+              <a:rPr lang="en-IN" sz="2000" baseline="-25000" dirty="0" smtClean="0"/>
+              <a:t>1</a:t>
+            </a:r>
+            <a:r>
+              <a:rPr lang="en-IN" sz="2000" dirty="0" smtClean="0"/>
+              <a:t>, e</a:t>
+            </a:r>
+            <a:r>
+              <a:rPr lang="en-IN" sz="2000" baseline="-25000" dirty="0" smtClean="0"/>
+              <a:t>2</a:t>
+            </a:r>
+            <a:r>
+              <a:rPr lang="en-IN" sz="2000" dirty="0" smtClean="0"/>
+              <a:t>, e</a:t>
+            </a:r>
+            <a:r>
+              <a:rPr lang="en-IN" sz="2000" baseline="-25000" dirty="0" smtClean="0"/>
+              <a:t>3</a:t>
+            </a:r>
+            <a:r>
+              <a:rPr lang="en-IN" sz="2000" dirty="0" smtClean="0"/>
+              <a:t>, e</a:t>
+            </a:r>
+            <a:r>
+              <a:rPr lang="en-IN" sz="2000" baseline="-25000" dirty="0" smtClean="0"/>
+              <a:t>4</a:t>
+            </a:r>
+            <a:r>
+              <a:rPr lang="en-IN" sz="2000" dirty="0" smtClean="0"/>
+              <a:t>, e</a:t>
+            </a:r>
+            <a:r>
+              <a:rPr lang="en-IN" sz="2000" baseline="-25000" dirty="0" smtClean="0"/>
+              <a:t>5</a:t>
+            </a:r>
+            <a:r>
+              <a:rPr lang="en-IN" sz="2000" dirty="0" smtClean="0"/>
+              <a:t>) </a:t>
+            </a:r>
+            <a:r>
+              <a:rPr lang="el-GR" sz="2000" dirty="0" smtClean="0"/>
+              <a:t>ϵ</a:t>
+            </a:r>
+            <a:r>
+              <a:rPr lang="en-US" sz="2000" dirty="0" smtClean="0"/>
+              <a:t> [0, 1].</a:t>
+            </a:r>
+          </a:p>
+          <a:p>
+            <a:pPr marL="914400" lvl="1" indent="-457200" algn="just">
+              <a:lnSpc>
+                <a:spcPct val="100000"/>
+              </a:lnSpc>
+              <a:spcBef>
+                <a:spcPts val="0"/>
+              </a:spcBef>
+              <a:buFont typeface="+mj-lt"/>
+              <a:buAutoNum type="arabicPeriod"/>
+            </a:pPr>
+            <a:r>
+              <a:rPr lang="en-US" sz="2000" dirty="0" smtClean="0"/>
+              <a:t>All the weights sum to 1, i.e., e</a:t>
+            </a:r>
+            <a:r>
+              <a:rPr lang="en-US" sz="2000" baseline="-25000" dirty="0" smtClean="0"/>
+              <a:t>1</a:t>
+            </a:r>
+            <a:r>
+              <a:rPr lang="en-US" sz="2000" dirty="0" smtClean="0"/>
+              <a:t> + e</a:t>
+            </a:r>
+            <a:r>
+              <a:rPr lang="en-US" sz="2000" baseline="-25000" dirty="0" smtClean="0"/>
+              <a:t>2</a:t>
+            </a:r>
+            <a:r>
+              <a:rPr lang="en-US" sz="2000" dirty="0" smtClean="0"/>
+              <a:t> + e</a:t>
+            </a:r>
+            <a:r>
+              <a:rPr lang="en-US" sz="2000" baseline="-25000" dirty="0" smtClean="0"/>
+              <a:t>3</a:t>
+            </a:r>
+            <a:r>
+              <a:rPr lang="en-US" sz="2000" dirty="0" smtClean="0"/>
+              <a:t> + e</a:t>
+            </a:r>
+            <a:r>
+              <a:rPr lang="en-US" sz="2000" baseline="-25000" dirty="0" smtClean="0"/>
+              <a:t>4</a:t>
+            </a:r>
+            <a:r>
+              <a:rPr lang="en-US" sz="2000" dirty="0" smtClean="0"/>
+              <a:t> + e</a:t>
+            </a:r>
+            <a:r>
+              <a:rPr lang="en-US" sz="2000" baseline="-25000" dirty="0" smtClean="0"/>
+              <a:t>5</a:t>
+            </a:r>
+            <a:r>
+              <a:rPr lang="en-US" sz="2000" dirty="0" smtClean="0"/>
+              <a:t> = 1.</a:t>
+            </a:r>
+          </a:p>
+          <a:p>
+            <a:pPr marL="457200" lvl="1" indent="0" algn="just">
+              <a:lnSpc>
+                <a:spcPct val="100000"/>
+              </a:lnSpc>
+              <a:spcBef>
+                <a:spcPts val="0"/>
+              </a:spcBef>
+              <a:buNone/>
+            </a:pPr>
+            <a:r>
+              <a:rPr lang="en-US" sz="2000" dirty="0" smtClean="0"/>
+              <a:t>Suppose, following are the values of attention weights:</a:t>
+            </a:r>
+          </a:p>
+          <a:p>
+            <a:pPr marL="457200" lvl="1" indent="0" algn="just">
+              <a:lnSpc>
+                <a:spcPct val="100000"/>
+              </a:lnSpc>
+              <a:spcBef>
+                <a:spcPts val="0"/>
+              </a:spcBef>
+              <a:buNone/>
+            </a:pPr>
+            <a:endParaRPr lang="en-IN" sz="2000" dirty="0" smtClean="0"/>
+          </a:p>
+          <a:p>
+            <a:pPr marL="457200" lvl="1" indent="0" algn="just">
+              <a:lnSpc>
+                <a:spcPct val="100000"/>
+              </a:lnSpc>
+              <a:spcBef>
+                <a:spcPts val="0"/>
+              </a:spcBef>
+              <a:buNone/>
+            </a:pPr>
+            <a:r>
+              <a:rPr lang="en-IN" sz="2000" dirty="0" smtClean="0"/>
+              <a:t>Thus, due to large values of e</a:t>
+            </a:r>
+            <a:r>
+              <a:rPr lang="en-IN" sz="2000" baseline="-25000" dirty="0" smtClean="0"/>
+              <a:t>1</a:t>
+            </a:r>
+            <a:r>
+              <a:rPr lang="en-IN" sz="2000" dirty="0" smtClean="0"/>
+              <a:t> and e</a:t>
+            </a:r>
+            <a:r>
+              <a:rPr lang="en-IN" sz="2000" baseline="-25000" dirty="0" smtClean="0"/>
+              <a:t>2</a:t>
+            </a:r>
+            <a:r>
+              <a:rPr lang="en-IN" sz="2000" dirty="0" smtClean="0"/>
+              <a:t>, attention will be on h</a:t>
+            </a:r>
+            <a:r>
+              <a:rPr lang="en-IN" sz="2000" baseline="-25000" dirty="0" smtClean="0"/>
+              <a:t>1</a:t>
+            </a:r>
+            <a:r>
+              <a:rPr lang="en-IN" sz="2000" dirty="0" smtClean="0"/>
+              <a:t> and h</a:t>
+            </a:r>
+            <a:r>
+              <a:rPr lang="en-IN" sz="2000" baseline="-25000" dirty="0" smtClean="0"/>
+              <a:t>2</a:t>
+            </a:r>
+            <a:r>
+              <a:rPr lang="en-IN" sz="2000" dirty="0" smtClean="0"/>
+              <a:t>, others (i.e., h</a:t>
+            </a:r>
+            <a:r>
+              <a:rPr lang="en-IN" sz="2000" baseline="-25000" dirty="0" smtClean="0"/>
+              <a:t>3</a:t>
+            </a:r>
+            <a:r>
+              <a:rPr lang="en-IN" sz="2000" dirty="0" smtClean="0"/>
+              <a:t>, h</a:t>
+            </a:r>
+            <a:r>
+              <a:rPr lang="en-IN" sz="2000" baseline="-25000" dirty="0" smtClean="0"/>
+              <a:t>4</a:t>
+            </a:r>
+            <a:r>
+              <a:rPr lang="en-IN" sz="2000" dirty="0" smtClean="0"/>
+              <a:t>, h</a:t>
+            </a:r>
+            <a:r>
+              <a:rPr lang="en-IN" sz="2000" baseline="-25000" dirty="0" smtClean="0"/>
+              <a:t>5</a:t>
+            </a:r>
+            <a:r>
+              <a:rPr lang="en-IN" sz="2000" dirty="0" smtClean="0"/>
+              <a:t>) will be ignored due to small values of (e</a:t>
+            </a:r>
+            <a:r>
+              <a:rPr lang="en-IN" sz="2000" baseline="-25000" dirty="0" smtClean="0"/>
+              <a:t>3</a:t>
+            </a:r>
+            <a:r>
+              <a:rPr lang="en-IN" sz="2000" dirty="0" smtClean="0"/>
+              <a:t>, e</a:t>
+            </a:r>
+            <a:r>
+              <a:rPr lang="en-IN" sz="2000" baseline="-25000" dirty="0" smtClean="0"/>
+              <a:t>4</a:t>
+            </a:r>
+            <a:r>
+              <a:rPr lang="en-IN" sz="2000" dirty="0" smtClean="0"/>
+              <a:t>, e</a:t>
+            </a:r>
+            <a:r>
+              <a:rPr lang="en-IN" sz="2000" baseline="-25000" dirty="0" smtClean="0"/>
+              <a:t>5</a:t>
+            </a:r>
+            <a:r>
+              <a:rPr lang="en-IN" sz="2000" dirty="0" smtClean="0"/>
+              <a:t>).</a:t>
+            </a:r>
+            <a:endParaRPr lang="en-IN" sz="2000" dirty="0"/>
+          </a:p>
+        </p:txBody>
+      </p:sp>
+      <p:sp>
+        <p:nvSpPr>
+          <p:cNvPr id="4" name="Footer Placeholder 3">
+            <a:extLst>
+              <a:ext uri="{FF2B5EF4-FFF2-40B4-BE49-F238E27FC236}">
+                <a16:creationId xmlns="" xmlns:a16="http://schemas.microsoft.com/office/drawing/2014/main" id="{540972A1-4BB3-4D04-B4DF-C76BA9B5CAD8}"/>
+              </a:ext>
+            </a:extLst>
+          </p:cNvPr>
+          <p:cNvSpPr>
+            <a:spLocks noGrp="1"/>
+          </p:cNvSpPr>
+          <p:nvPr>
+            <p:ph type="ftr" sz="quarter" idx="11"/>
+          </p:nvPr>
+        </p:nvSpPr>
+        <p:spPr/>
+        <p:txBody>
+          <a:bodyPr/>
+          <a:lstStyle/>
+          <a:p>
+            <a:r>
+              <a:rPr lang="en-US"/>
+              <a:t>Sanjay Singh | san.singhsanjay@gmail.com</a:t>
+            </a:r>
+            <a:endParaRPr lang="en-IN"/>
+          </a:p>
+        </p:txBody>
+      </p:sp>
+      <p:sp>
+        <p:nvSpPr>
+          <p:cNvPr id="5" name="Slide Number Placeholder 4">
+            <a:extLst>
+              <a:ext uri="{FF2B5EF4-FFF2-40B4-BE49-F238E27FC236}">
+                <a16:creationId xmlns="" xmlns:a16="http://schemas.microsoft.com/office/drawing/2014/main" id="{23B5C741-F1AB-463E-B229-974B2924B065}"/>
+              </a:ext>
+            </a:extLst>
+          </p:cNvPr>
+          <p:cNvSpPr>
+            <a:spLocks noGrp="1"/>
+          </p:cNvSpPr>
+          <p:nvPr>
+            <p:ph type="sldNum" sz="quarter" idx="12"/>
+          </p:nvPr>
+        </p:nvSpPr>
+        <p:spPr/>
+        <p:txBody>
+          <a:bodyPr/>
+          <a:lstStyle/>
+          <a:p>
+            <a:fld id="{EC53106F-9B43-4B1F-BCB9-D94FA7734D96}" type="slidenum">
+              <a:rPr lang="en-IN" smtClean="0"/>
+              <a:t>14</a:t>
             </a:fld>
             <a:endParaRPr lang="en-IN"/>
           </a:p>
@@ -8113,7 +8391,7 @@
 </p:sld>
 </file>
 
-<file path=ppt/slides/slide14.xml><?xml version="1.0" encoding="utf-8"?>
+<file path=ppt/slides/slide15.xml><?xml version="1.0" encoding="utf-8"?>
 <p:sld xmlns:a="http://schemas.openxmlformats.org/drawingml/2006/main" xmlns:r="http://schemas.openxmlformats.org/officeDocument/2006/relationships" xmlns:p="http://schemas.openxmlformats.org/presentationml/2006/main">
   <p:cSld>
     <p:spTree>
@@ -8135,7 +8413,7 @@
           <p:cNvPr id="2" name="Title 1">
             <a:extLst>
               <a:ext uri="{FF2B5EF4-FFF2-40B4-BE49-F238E27FC236}">
-                <a16:creationId xmlns:a16="http://schemas.microsoft.com/office/drawing/2014/main" xmlns="" id="{9F53C0E6-5CA5-48E1-B370-E678425399F4}"/>
+                <a16:creationId xmlns="" xmlns:a16="http://schemas.microsoft.com/office/drawing/2014/main" id="{9F53C0E6-5CA5-48E1-B370-E678425399F4}"/>
               </a:ext>
             </a:extLst>
           </p:cNvPr>
@@ -8164,14 +8442,14 @@
           </a:p>
         </p:txBody>
       </p:sp>
-      <mc:AlternateContent xmlns:mc="http://schemas.openxmlformats.org/markup-compatibility/2006">
-        <mc:Choice xmlns:a14="http://schemas.microsoft.com/office/drawing/2010/main" Requires="a14">
+      <mc:AlternateContent xmlns:mc="http://schemas.openxmlformats.org/markup-compatibility/2006" xmlns:a14="http://schemas.microsoft.com/office/drawing/2010/main">
+        <mc:Choice Requires="a14">
           <p:sp>
             <p:nvSpPr>
               <p:cNvPr id="3" name="Content Placeholder 2">
                 <a:extLst>
                   <a:ext uri="{FF2B5EF4-FFF2-40B4-BE49-F238E27FC236}">
-                    <a16:creationId xmlns:a16="http://schemas.microsoft.com/office/drawing/2014/main" xmlns="" id="{F0A4581A-26B3-40E7-A945-90C4D9B58292}"/>
+                    <a16:creationId xmlns="" xmlns:a16="http://schemas.microsoft.com/office/drawing/2014/main" id="{F0A4581A-26B3-40E7-A945-90C4D9B58292}"/>
                   </a:ext>
                 </a:extLst>
               </p:cNvPr>
@@ -8189,7 +8467,7 @@
               </a:xfrm>
             </p:spPr>
             <p:txBody>
-              <a:bodyPr>
+              <a:bodyPr anchor="ctr">
                 <a:normAutofit/>
               </a:bodyPr>
               <a:lstStyle/>
@@ -8205,11 +8483,7 @@
                 </a:pPr>
                 <a:r>
                   <a:rPr lang="en-IN" sz="2000" dirty="0" smtClean="0"/>
-                  <a:t>Now, we will compute the context vector (or thought vector) which will be used by the decoder in order to predict (or generate) th</a:t>
-                </a:r>
-                <a:r>
-                  <a:rPr lang="en-IN" sz="2000" dirty="0" smtClean="0"/>
-                  <a:t>e next word in the sequence:</a:t>
+                  <a:t>Now, we will compute the context vector (or thought vector) which will be used by the decoder in order to predict (or generate) the next word in the sequence:</a:t>
                 </a:r>
               </a:p>
               <a:p>
@@ -8800,24 +9074,19 @@
                 </a:r>
                 <a:r>
                   <a:rPr lang="en-IN" sz="2000" dirty="0" smtClean="0"/>
-                  <a:t>&gt; token and we stop the </a:t>
+                  <a:t>&gt; token and we stop the generation process.</a:t>
                 </a:r>
-                <a:r>
-                  <a:rPr lang="en-IN" sz="2000" smtClean="0"/>
-                  <a:t>generation process.</a:t>
-                </a:r>
-                <a:endParaRPr lang="en-IN" sz="2000" dirty="0"/>
               </a:p>
             </p:txBody>
           </p:sp>
         </mc:Choice>
-        <mc:Fallback>
+        <mc:Fallback xmlns="">
           <p:sp>
             <p:nvSpPr>
               <p:cNvPr id="3" name="Content Placeholder 2">
                 <a:extLst>
                   <a:ext uri="{FF2B5EF4-FFF2-40B4-BE49-F238E27FC236}">
-                    <a16:creationId xmlns:a16="http://schemas.microsoft.com/office/drawing/2014/main" xmlns="" id="{F0A4581A-26B3-40E7-A945-90C4D9B58292}"/>
+                    <a16:creationId xmlns="" xmlns:a16="http://schemas.microsoft.com/office/drawing/2014/main" xmlns:a14="http://schemas.microsoft.com/office/drawing/2010/main" id="{F0A4581A-26B3-40E7-A945-90C4D9B58292}"/>
                   </a:ext>
                 </a:extLst>
               </p:cNvPr>
@@ -8836,7 +9105,7 @@
               <a:blipFill rotWithShape="1">
                 <a:blip r:embed="rId2"/>
                 <a:stretch>
-                  <a:fillRect t="-612" r="-580"/>
+                  <a:fillRect r="-580"/>
                 </a:stretch>
               </a:blipFill>
             </p:spPr>
@@ -8860,7 +9129,7 @@
           <p:cNvPr id="4" name="Footer Placeholder 3">
             <a:extLst>
               <a:ext uri="{FF2B5EF4-FFF2-40B4-BE49-F238E27FC236}">
-                <a16:creationId xmlns:a16="http://schemas.microsoft.com/office/drawing/2014/main" xmlns="" id="{540972A1-4BB3-4D04-B4DF-C76BA9B5CAD8}"/>
+                <a16:creationId xmlns="" xmlns:a16="http://schemas.microsoft.com/office/drawing/2014/main" id="{540972A1-4BB3-4D04-B4DF-C76BA9B5CAD8}"/>
               </a:ext>
             </a:extLst>
           </p:cNvPr>
@@ -8889,7 +9158,7 @@
           <p:cNvPr id="5" name="Slide Number Placeholder 4">
             <a:extLst>
               <a:ext uri="{FF2B5EF4-FFF2-40B4-BE49-F238E27FC236}">
-                <a16:creationId xmlns:a16="http://schemas.microsoft.com/office/drawing/2014/main" xmlns="" id="{23B5C741-F1AB-463E-B229-974B2924B065}"/>
+                <a16:creationId xmlns="" xmlns:a16="http://schemas.microsoft.com/office/drawing/2014/main" id="{23B5C741-F1AB-463E-B229-974B2924B065}"/>
               </a:ext>
             </a:extLst>
           </p:cNvPr>
@@ -8907,7 +9176,7 @@
           <a:p>
             <a:fld id="{EC53106F-9B43-4B1F-BCB9-D94FA7734D96}" type="slidenum">
               <a:rPr lang="en-IN" smtClean="0"/>
-              <a:t>14</a:t>
+              <a:t>15</a:t>
             </a:fld>
             <a:endParaRPr lang="en-IN"/>
           </a:p>
@@ -8917,179 +9186,6 @@
     <p:extLst>
       <p:ext uri="{BB962C8B-B14F-4D97-AF65-F5344CB8AC3E}">
         <p14:creationId xmlns:p14="http://schemas.microsoft.com/office/powerpoint/2010/main" val="4151103051"/>
-      </p:ext>
-    </p:extLst>
-  </p:cSld>
-  <p:clrMapOvr>
-    <a:masterClrMapping/>
-  </p:clrMapOvr>
-  <p:timing>
-    <p:tnLst>
-      <p:par>
-        <p:cTn id="1" dur="indefinite" restart="never" nodeType="tmRoot"/>
-      </p:par>
-    </p:tnLst>
-  </p:timing>
-</p:sld>
-</file>
-
-<file path=ppt/slides/slide15.xml><?xml version="1.0" encoding="utf-8"?>
-<p:sld xmlns:a="http://schemas.openxmlformats.org/drawingml/2006/main" xmlns:r="http://schemas.openxmlformats.org/officeDocument/2006/relationships" xmlns:p="http://schemas.openxmlformats.org/presentationml/2006/main">
-  <p:cSld>
-    <p:spTree>
-      <p:nvGrpSpPr>
-        <p:cNvPr id="1" name=""/>
-        <p:cNvGrpSpPr/>
-        <p:nvPr/>
-      </p:nvGrpSpPr>
-      <p:grpSpPr>
-        <a:xfrm>
-          <a:off x="0" y="0"/>
-          <a:ext cx="0" cy="0"/>
-          <a:chOff x="0" y="0"/>
-          <a:chExt cx="0" cy="0"/>
-        </a:xfrm>
-      </p:grpSpPr>
-      <p:sp>
-        <p:nvSpPr>
-          <p:cNvPr id="2" name="Title 1">
-            <a:extLst>
-              <a:ext uri="{FF2B5EF4-FFF2-40B4-BE49-F238E27FC236}">
-                <a16:creationId xmlns:a16="http://schemas.microsoft.com/office/drawing/2014/main" xmlns="" id="{9F53C0E6-5CA5-48E1-B370-E678425399F4}"/>
-              </a:ext>
-            </a:extLst>
-          </p:cNvPr>
-          <p:cNvSpPr>
-            <a:spLocks noGrp="1"/>
-          </p:cNvSpPr>
-          <p:nvPr>
-            <p:ph type="title"/>
-          </p:nvPr>
-        </p:nvSpPr>
-        <p:spPr>
-          <a:xfrm>
-            <a:off x="838200" y="365125"/>
-            <a:ext cx="10515600" cy="827571"/>
-          </a:xfrm>
-        </p:spPr>
-        <p:txBody>
-          <a:bodyPr/>
-          <a:lstStyle/>
-          <a:p>
-            <a:r>
-              <a:rPr lang="en-IN" dirty="0"/>
-              <a:t>Template</a:t>
-            </a:r>
-          </a:p>
-        </p:txBody>
-      </p:sp>
-      <p:sp>
-        <p:nvSpPr>
-          <p:cNvPr id="3" name="Content Placeholder 2">
-            <a:extLst>
-              <a:ext uri="{FF2B5EF4-FFF2-40B4-BE49-F238E27FC236}">
-                <a16:creationId xmlns:a16="http://schemas.microsoft.com/office/drawing/2014/main" xmlns="" id="{F0A4581A-26B3-40E7-A945-90C4D9B58292}"/>
-              </a:ext>
-            </a:extLst>
-          </p:cNvPr>
-          <p:cNvSpPr>
-            <a:spLocks noGrp="1"/>
-          </p:cNvSpPr>
-          <p:nvPr>
-            <p:ph idx="1"/>
-          </p:nvPr>
-        </p:nvSpPr>
-        <p:spPr>
-          <a:xfrm>
-            <a:off x="838200" y="1192696"/>
-            <a:ext cx="10515600" cy="4984267"/>
-          </a:xfrm>
-        </p:spPr>
-        <p:txBody>
-          <a:bodyPr>
-            <a:normAutofit/>
-          </a:bodyPr>
-          <a:lstStyle/>
-          <a:p>
-            <a:pPr algn="just">
-              <a:lnSpc>
-                <a:spcPct val="100000"/>
-              </a:lnSpc>
-              <a:spcBef>
-                <a:spcPts val="0"/>
-              </a:spcBef>
-              <a:buFont typeface="Wingdings" panose="05000000000000000000" pitchFamily="2" charset="2"/>
-              <a:buChar char="Ø"/>
-            </a:pPr>
-            <a:r>
-              <a:rPr lang="en-IN" sz="2000" dirty="0"/>
-              <a:t>Template</a:t>
-            </a:r>
-          </a:p>
-        </p:txBody>
-      </p:sp>
-      <p:sp>
-        <p:nvSpPr>
-          <p:cNvPr id="4" name="Footer Placeholder 3">
-            <a:extLst>
-              <a:ext uri="{FF2B5EF4-FFF2-40B4-BE49-F238E27FC236}">
-                <a16:creationId xmlns:a16="http://schemas.microsoft.com/office/drawing/2014/main" xmlns="" id="{540972A1-4BB3-4D04-B4DF-C76BA9B5CAD8}"/>
-              </a:ext>
-            </a:extLst>
-          </p:cNvPr>
-          <p:cNvSpPr>
-            <a:spLocks noGrp="1"/>
-          </p:cNvSpPr>
-          <p:nvPr>
-            <p:ph type="ftr" sz="quarter" idx="11"/>
-          </p:nvPr>
-        </p:nvSpPr>
-        <p:spPr/>
-        <p:txBody>
-          <a:bodyPr/>
-          <a:lstStyle/>
-          <a:p>
-            <a:r>
-              <a:rPr lang="en-US"/>
-              <a:t>Sanjay Singh | san.singhsanjay@gmail.com</a:t>
-            </a:r>
-            <a:endParaRPr lang="en-IN"/>
-          </a:p>
-        </p:txBody>
-      </p:sp>
-      <p:sp>
-        <p:nvSpPr>
-          <p:cNvPr id="5" name="Slide Number Placeholder 4">
-            <a:extLst>
-              <a:ext uri="{FF2B5EF4-FFF2-40B4-BE49-F238E27FC236}">
-                <a16:creationId xmlns:a16="http://schemas.microsoft.com/office/drawing/2014/main" xmlns="" id="{23B5C741-F1AB-463E-B229-974B2924B065}"/>
-              </a:ext>
-            </a:extLst>
-          </p:cNvPr>
-          <p:cNvSpPr>
-            <a:spLocks noGrp="1"/>
-          </p:cNvSpPr>
-          <p:nvPr>
-            <p:ph type="sldNum" sz="quarter" idx="12"/>
-          </p:nvPr>
-        </p:nvSpPr>
-        <p:spPr/>
-        <p:txBody>
-          <a:bodyPr/>
-          <a:lstStyle/>
-          <a:p>
-            <a:fld id="{EC53106F-9B43-4B1F-BCB9-D94FA7734D96}" type="slidenum">
-              <a:rPr lang="en-IN" smtClean="0"/>
-              <a:t>15</a:t>
-            </a:fld>
-            <a:endParaRPr lang="en-IN"/>
-          </a:p>
-        </p:txBody>
-      </p:sp>
-    </p:spTree>
-    <p:extLst>
-      <p:ext uri="{BB962C8B-B14F-4D97-AF65-F5344CB8AC3E}">
-        <p14:creationId xmlns:p14="http://schemas.microsoft.com/office/powerpoint/2010/main" val="3882608413"/>
       </p:ext>
     </p:extLst>
   </p:cSld>
@@ -9128,7 +9224,7 @@
           <p:cNvPr id="2" name="Title 1">
             <a:extLst>
               <a:ext uri="{FF2B5EF4-FFF2-40B4-BE49-F238E27FC236}">
-                <a16:creationId xmlns:a16="http://schemas.microsoft.com/office/drawing/2014/main" xmlns="" id="{9F53C0E6-5CA5-48E1-B370-E678425399F4}"/>
+                <a16:creationId xmlns="" xmlns:a16="http://schemas.microsoft.com/office/drawing/2014/main" id="{9F53C0E6-5CA5-48E1-B370-E678425399F4}"/>
               </a:ext>
             </a:extLst>
           </p:cNvPr>
@@ -9163,7 +9259,7 @@
               <p:cNvPr id="3" name="Content Placeholder 2">
                 <a:extLst>
                   <a:ext uri="{FF2B5EF4-FFF2-40B4-BE49-F238E27FC236}">
-                    <a16:creationId xmlns:a16="http://schemas.microsoft.com/office/drawing/2014/main" xmlns="" id="{F0A4581A-26B3-40E7-A945-90C4D9B58292}"/>
+                    <a16:creationId xmlns="" xmlns:a16="http://schemas.microsoft.com/office/drawing/2014/main" id="{F0A4581A-26B3-40E7-A945-90C4D9B58292}"/>
                   </a:ext>
                 </a:extLst>
               </p:cNvPr>
@@ -9904,7 +10000,7 @@
           <p:cNvPr id="4" name="Footer Placeholder 3">
             <a:extLst>
               <a:ext uri="{FF2B5EF4-FFF2-40B4-BE49-F238E27FC236}">
-                <a16:creationId xmlns:a16="http://schemas.microsoft.com/office/drawing/2014/main" xmlns="" id="{540972A1-4BB3-4D04-B4DF-C76BA9B5CAD8}"/>
+                <a16:creationId xmlns="" xmlns:a16="http://schemas.microsoft.com/office/drawing/2014/main" id="{540972A1-4BB3-4D04-B4DF-C76BA9B5CAD8}"/>
               </a:ext>
             </a:extLst>
           </p:cNvPr>
@@ -9933,7 +10029,7 @@
           <p:cNvPr id="5" name="Slide Number Placeholder 4">
             <a:extLst>
               <a:ext uri="{FF2B5EF4-FFF2-40B4-BE49-F238E27FC236}">
-                <a16:creationId xmlns:a16="http://schemas.microsoft.com/office/drawing/2014/main" xmlns="" id="{23B5C741-F1AB-463E-B229-974B2924B065}"/>
+                <a16:creationId xmlns="" xmlns:a16="http://schemas.microsoft.com/office/drawing/2014/main" id="{23B5C741-F1AB-463E-B229-974B2924B065}"/>
               </a:ext>
             </a:extLst>
           </p:cNvPr>
@@ -9999,7 +10095,7 @@
           <p:cNvPr id="2" name="Title 1">
             <a:extLst>
               <a:ext uri="{FF2B5EF4-FFF2-40B4-BE49-F238E27FC236}">
-                <a16:creationId xmlns:a16="http://schemas.microsoft.com/office/drawing/2014/main" xmlns="" id="{9F53C0E6-5CA5-48E1-B370-E678425399F4}"/>
+                <a16:creationId xmlns="" xmlns:a16="http://schemas.microsoft.com/office/drawing/2014/main" id="{9F53C0E6-5CA5-48E1-B370-E678425399F4}"/>
               </a:ext>
             </a:extLst>
           </p:cNvPr>
@@ -10034,7 +10130,7 @@
               <p:cNvPr id="3" name="Content Placeholder 2">
                 <a:extLst>
                   <a:ext uri="{FF2B5EF4-FFF2-40B4-BE49-F238E27FC236}">
-                    <a16:creationId xmlns:a16="http://schemas.microsoft.com/office/drawing/2014/main" xmlns="" id="{F0A4581A-26B3-40E7-A945-90C4D9B58292}"/>
+                    <a16:creationId xmlns="" xmlns:a16="http://schemas.microsoft.com/office/drawing/2014/main" id="{F0A4581A-26B3-40E7-A945-90C4D9B58292}"/>
                   </a:ext>
                 </a:extLst>
               </p:cNvPr>
@@ -10652,7 +10748,7 @@
           <p:cNvPr id="4" name="Footer Placeholder 3">
             <a:extLst>
               <a:ext uri="{FF2B5EF4-FFF2-40B4-BE49-F238E27FC236}">
-                <a16:creationId xmlns:a16="http://schemas.microsoft.com/office/drawing/2014/main" xmlns="" id="{540972A1-4BB3-4D04-B4DF-C76BA9B5CAD8}"/>
+                <a16:creationId xmlns="" xmlns:a16="http://schemas.microsoft.com/office/drawing/2014/main" id="{540972A1-4BB3-4D04-B4DF-C76BA9B5CAD8}"/>
               </a:ext>
             </a:extLst>
           </p:cNvPr>
@@ -10681,7 +10777,7 @@
           <p:cNvPr id="5" name="Slide Number Placeholder 4">
             <a:extLst>
               <a:ext uri="{FF2B5EF4-FFF2-40B4-BE49-F238E27FC236}">
-                <a16:creationId xmlns:a16="http://schemas.microsoft.com/office/drawing/2014/main" xmlns="" id="{23B5C741-F1AB-463E-B229-974B2924B065}"/>
+                <a16:creationId xmlns="" xmlns:a16="http://schemas.microsoft.com/office/drawing/2014/main" id="{23B5C741-F1AB-463E-B229-974B2924B065}"/>
               </a:ext>
             </a:extLst>
           </p:cNvPr>
@@ -10712,7 +10808,7 @@
               <p:cNvPr id="6" name="TextBox 5">
                 <a:extLst>
                   <a:ext uri="{FF2B5EF4-FFF2-40B4-BE49-F238E27FC236}">
-                    <a16:creationId xmlns:a16="http://schemas.microsoft.com/office/drawing/2014/main" xmlns="" id="{06515E04-E911-434E-B73D-C74090564F2D}"/>
+                    <a16:creationId xmlns="" xmlns:a16="http://schemas.microsoft.com/office/drawing/2014/main" id="{06515E04-E911-434E-B73D-C74090564F2D}"/>
                   </a:ext>
                 </a:extLst>
               </p:cNvPr>
@@ -11005,7 +11101,7 @@
               <p:cNvPr id="7" name="TextBox 6">
                 <a:extLst>
                   <a:ext uri="{FF2B5EF4-FFF2-40B4-BE49-F238E27FC236}">
-                    <a16:creationId xmlns:a16="http://schemas.microsoft.com/office/drawing/2014/main" xmlns="" id="{CA4377AD-0777-414C-BE82-54D482E0C00B}"/>
+                    <a16:creationId xmlns="" xmlns:a16="http://schemas.microsoft.com/office/drawing/2014/main" id="{CA4377AD-0777-414C-BE82-54D482E0C00B}"/>
                   </a:ext>
                 </a:extLst>
               </p:cNvPr>
@@ -11333,7 +11429,7 @@
           <p:cNvPr id="2" name="Title 1">
             <a:extLst>
               <a:ext uri="{FF2B5EF4-FFF2-40B4-BE49-F238E27FC236}">
-                <a16:creationId xmlns:a16="http://schemas.microsoft.com/office/drawing/2014/main" xmlns="" id="{9F53C0E6-5CA5-48E1-B370-E678425399F4}"/>
+                <a16:creationId xmlns="" xmlns:a16="http://schemas.microsoft.com/office/drawing/2014/main" id="{9F53C0E6-5CA5-48E1-B370-E678425399F4}"/>
               </a:ext>
             </a:extLst>
           </p:cNvPr>
@@ -11366,7 +11462,7 @@
           <p:cNvPr id="3" name="Content Placeholder 2">
             <a:extLst>
               <a:ext uri="{FF2B5EF4-FFF2-40B4-BE49-F238E27FC236}">
-                <a16:creationId xmlns:a16="http://schemas.microsoft.com/office/drawing/2014/main" xmlns="" id="{F0A4581A-26B3-40E7-A945-90C4D9B58292}"/>
+                <a16:creationId xmlns="" xmlns:a16="http://schemas.microsoft.com/office/drawing/2014/main" id="{F0A4581A-26B3-40E7-A945-90C4D9B58292}"/>
               </a:ext>
             </a:extLst>
           </p:cNvPr>
@@ -11575,7 +11671,7 @@
           <p:cNvPr id="4" name="Footer Placeholder 3">
             <a:extLst>
               <a:ext uri="{FF2B5EF4-FFF2-40B4-BE49-F238E27FC236}">
-                <a16:creationId xmlns:a16="http://schemas.microsoft.com/office/drawing/2014/main" xmlns="" id="{540972A1-4BB3-4D04-B4DF-C76BA9B5CAD8}"/>
+                <a16:creationId xmlns="" xmlns:a16="http://schemas.microsoft.com/office/drawing/2014/main" id="{540972A1-4BB3-4D04-B4DF-C76BA9B5CAD8}"/>
               </a:ext>
             </a:extLst>
           </p:cNvPr>
@@ -11604,7 +11700,7 @@
           <p:cNvPr id="5" name="Slide Number Placeholder 4">
             <a:extLst>
               <a:ext uri="{FF2B5EF4-FFF2-40B4-BE49-F238E27FC236}">
-                <a16:creationId xmlns:a16="http://schemas.microsoft.com/office/drawing/2014/main" xmlns="" id="{23B5C741-F1AB-463E-B229-974B2924B065}"/>
+                <a16:creationId xmlns="" xmlns:a16="http://schemas.microsoft.com/office/drawing/2014/main" id="{23B5C741-F1AB-463E-B229-974B2924B065}"/>
               </a:ext>
             </a:extLst>
           </p:cNvPr>
@@ -11635,7 +11731,7 @@
               <p:cNvPr id="6" name="TextBox 5">
                 <a:extLst>
                   <a:ext uri="{FF2B5EF4-FFF2-40B4-BE49-F238E27FC236}">
-                    <a16:creationId xmlns:a16="http://schemas.microsoft.com/office/drawing/2014/main" xmlns="" id="{3B7D199C-87B8-4A4A-8528-5D7137997D35}"/>
+                    <a16:creationId xmlns="" xmlns:a16="http://schemas.microsoft.com/office/drawing/2014/main" id="{3B7D199C-87B8-4A4A-8528-5D7137997D35}"/>
                   </a:ext>
                 </a:extLst>
               </p:cNvPr>
@@ -11896,7 +11992,7 @@
               <p:cNvPr id="7" name="TextBox 6">
                 <a:extLst>
                   <a:ext uri="{FF2B5EF4-FFF2-40B4-BE49-F238E27FC236}">
-                    <a16:creationId xmlns:a16="http://schemas.microsoft.com/office/drawing/2014/main" xmlns="" id="{A9E66421-BD90-4084-9F9B-6ABE27CAF5BD}"/>
+                    <a16:creationId xmlns="" xmlns:a16="http://schemas.microsoft.com/office/drawing/2014/main" id="{A9E66421-BD90-4084-9F9B-6ABE27CAF5BD}"/>
                   </a:ext>
                 </a:extLst>
               </p:cNvPr>
@@ -12217,7 +12313,7 @@
               <p:cNvPr id="8" name="TextBox 7">
                 <a:extLst>
                   <a:ext uri="{FF2B5EF4-FFF2-40B4-BE49-F238E27FC236}">
-                    <a16:creationId xmlns:a16="http://schemas.microsoft.com/office/drawing/2014/main" xmlns="" id="{1C685DB0-6F52-425A-A009-34864907B0A1}"/>
+                    <a16:creationId xmlns="" xmlns:a16="http://schemas.microsoft.com/office/drawing/2014/main" id="{1C685DB0-6F52-425A-A009-34864907B0A1}"/>
                   </a:ext>
                 </a:extLst>
               </p:cNvPr>
@@ -12490,7 +12586,7 @@
               <p:cNvPr id="9" name="TextBox 8">
                 <a:extLst>
                   <a:ext uri="{FF2B5EF4-FFF2-40B4-BE49-F238E27FC236}">
-                    <a16:creationId xmlns:a16="http://schemas.microsoft.com/office/drawing/2014/main" xmlns="" id="{3DAB24E0-EDF4-4C3C-8A39-C4846E7D141A}"/>
+                    <a16:creationId xmlns="" xmlns:a16="http://schemas.microsoft.com/office/drawing/2014/main" id="{3DAB24E0-EDF4-4C3C-8A39-C4846E7D141A}"/>
                   </a:ext>
                 </a:extLst>
               </p:cNvPr>
@@ -12846,7 +12942,7 @@
           <p:cNvPr id="2" name="Title 1">
             <a:extLst>
               <a:ext uri="{FF2B5EF4-FFF2-40B4-BE49-F238E27FC236}">
-                <a16:creationId xmlns:a16="http://schemas.microsoft.com/office/drawing/2014/main" xmlns="" id="{9F53C0E6-5CA5-48E1-B370-E678425399F4}"/>
+                <a16:creationId xmlns="" xmlns:a16="http://schemas.microsoft.com/office/drawing/2014/main" id="{9F53C0E6-5CA5-48E1-B370-E678425399F4}"/>
               </a:ext>
             </a:extLst>
           </p:cNvPr>
@@ -12881,7 +12977,7 @@
               <p:cNvPr id="3" name="Content Placeholder 2">
                 <a:extLst>
                   <a:ext uri="{FF2B5EF4-FFF2-40B4-BE49-F238E27FC236}">
-                    <a16:creationId xmlns:a16="http://schemas.microsoft.com/office/drawing/2014/main" xmlns="" id="{F0A4581A-26B3-40E7-A945-90C4D9B58292}"/>
+                    <a16:creationId xmlns="" xmlns:a16="http://schemas.microsoft.com/office/drawing/2014/main" id="{F0A4581A-26B3-40E7-A945-90C4D9B58292}"/>
                   </a:ext>
                 </a:extLst>
               </p:cNvPr>
@@ -13440,7 +13536,7 @@
           <p:cNvPr id="4" name="Footer Placeholder 3">
             <a:extLst>
               <a:ext uri="{FF2B5EF4-FFF2-40B4-BE49-F238E27FC236}">
-                <a16:creationId xmlns:a16="http://schemas.microsoft.com/office/drawing/2014/main" xmlns="" id="{540972A1-4BB3-4D04-B4DF-C76BA9B5CAD8}"/>
+                <a16:creationId xmlns="" xmlns:a16="http://schemas.microsoft.com/office/drawing/2014/main" id="{540972A1-4BB3-4D04-B4DF-C76BA9B5CAD8}"/>
               </a:ext>
             </a:extLst>
           </p:cNvPr>
@@ -13469,7 +13565,7 @@
           <p:cNvPr id="5" name="Slide Number Placeholder 4">
             <a:extLst>
               <a:ext uri="{FF2B5EF4-FFF2-40B4-BE49-F238E27FC236}">
-                <a16:creationId xmlns:a16="http://schemas.microsoft.com/office/drawing/2014/main" xmlns="" id="{23B5C741-F1AB-463E-B229-974B2924B065}"/>
+                <a16:creationId xmlns="" xmlns:a16="http://schemas.microsoft.com/office/drawing/2014/main" id="{23B5C741-F1AB-463E-B229-974B2924B065}"/>
               </a:ext>
             </a:extLst>
           </p:cNvPr>
@@ -13535,7 +13631,7 @@
           <p:cNvPr id="2" name="Title 1">
             <a:extLst>
               <a:ext uri="{FF2B5EF4-FFF2-40B4-BE49-F238E27FC236}">
-                <a16:creationId xmlns:a16="http://schemas.microsoft.com/office/drawing/2014/main" xmlns="" id="{9F53C0E6-5CA5-48E1-B370-E678425399F4}"/>
+                <a16:creationId xmlns="" xmlns:a16="http://schemas.microsoft.com/office/drawing/2014/main" id="{9F53C0E6-5CA5-48E1-B370-E678425399F4}"/>
               </a:ext>
             </a:extLst>
           </p:cNvPr>
@@ -13568,7 +13664,7 @@
           <p:cNvPr id="3" name="Content Placeholder 2">
             <a:extLst>
               <a:ext uri="{FF2B5EF4-FFF2-40B4-BE49-F238E27FC236}">
-                <a16:creationId xmlns:a16="http://schemas.microsoft.com/office/drawing/2014/main" xmlns="" id="{F0A4581A-26B3-40E7-A945-90C4D9B58292}"/>
+                <a16:creationId xmlns="" xmlns:a16="http://schemas.microsoft.com/office/drawing/2014/main" id="{F0A4581A-26B3-40E7-A945-90C4D9B58292}"/>
               </a:ext>
             </a:extLst>
           </p:cNvPr>
@@ -13737,7 +13833,7 @@
           <p:cNvPr id="5" name="Picture 4">
             <a:extLst>
               <a:ext uri="{FF2B5EF4-FFF2-40B4-BE49-F238E27FC236}">
-                <a16:creationId xmlns:a16="http://schemas.microsoft.com/office/drawing/2014/main" xmlns="" id="{7E47B480-A1F1-498C-A3D5-AA5E72134EDB}"/>
+                <a16:creationId xmlns="" xmlns:a16="http://schemas.microsoft.com/office/drawing/2014/main" id="{7E47B480-A1F1-498C-A3D5-AA5E72134EDB}"/>
               </a:ext>
             </a:extLst>
           </p:cNvPr>
@@ -13773,7 +13869,7 @@
           <p:cNvPr id="6" name="TextBox 5">
             <a:extLst>
               <a:ext uri="{FF2B5EF4-FFF2-40B4-BE49-F238E27FC236}">
-                <a16:creationId xmlns:a16="http://schemas.microsoft.com/office/drawing/2014/main" xmlns="" id="{6EA1B5B0-566F-495F-89A1-3DADA4C9C5D7}"/>
+                <a16:creationId xmlns="" xmlns:a16="http://schemas.microsoft.com/office/drawing/2014/main" id="{6EA1B5B0-566F-495F-89A1-3DADA4C9C5D7}"/>
               </a:ext>
             </a:extLst>
           </p:cNvPr>
@@ -13836,7 +13932,7 @@
           <p:cNvPr id="7" name="Footer Placeholder 6">
             <a:extLst>
               <a:ext uri="{FF2B5EF4-FFF2-40B4-BE49-F238E27FC236}">
-                <a16:creationId xmlns:a16="http://schemas.microsoft.com/office/drawing/2014/main" xmlns="" id="{40B3E9F5-CEA5-49AC-85C6-B8339B793AF9}"/>
+                <a16:creationId xmlns="" xmlns:a16="http://schemas.microsoft.com/office/drawing/2014/main" id="{40B3E9F5-CEA5-49AC-85C6-B8339B793AF9}"/>
               </a:ext>
             </a:extLst>
           </p:cNvPr>
@@ -13865,7 +13961,7 @@
           <p:cNvPr id="8" name="Slide Number Placeholder 7">
             <a:extLst>
               <a:ext uri="{FF2B5EF4-FFF2-40B4-BE49-F238E27FC236}">
-                <a16:creationId xmlns:a16="http://schemas.microsoft.com/office/drawing/2014/main" xmlns="" id="{8DD8198B-D92C-41F5-9CF3-3B55147EB73A}"/>
+                <a16:creationId xmlns="" xmlns:a16="http://schemas.microsoft.com/office/drawing/2014/main" id="{8DD8198B-D92C-41F5-9CF3-3B55147EB73A}"/>
               </a:ext>
             </a:extLst>
           </p:cNvPr>
@@ -13931,7 +14027,7 @@
           <p:cNvPr id="2" name="Title 1">
             <a:extLst>
               <a:ext uri="{FF2B5EF4-FFF2-40B4-BE49-F238E27FC236}">
-                <a16:creationId xmlns:a16="http://schemas.microsoft.com/office/drawing/2014/main" xmlns="" id="{9F53C0E6-5CA5-48E1-B370-E678425399F4}"/>
+                <a16:creationId xmlns="" xmlns:a16="http://schemas.microsoft.com/office/drawing/2014/main" id="{9F53C0E6-5CA5-48E1-B370-E678425399F4}"/>
               </a:ext>
             </a:extLst>
           </p:cNvPr>
@@ -13966,7 +14062,7 @@
               <p:cNvPr id="3" name="Content Placeholder 2">
                 <a:extLst>
                   <a:ext uri="{FF2B5EF4-FFF2-40B4-BE49-F238E27FC236}">
-                    <a16:creationId xmlns:a16="http://schemas.microsoft.com/office/drawing/2014/main" xmlns="" id="{F0A4581A-26B3-40E7-A945-90C4D9B58292}"/>
+                    <a16:creationId xmlns="" xmlns:a16="http://schemas.microsoft.com/office/drawing/2014/main" id="{F0A4581A-26B3-40E7-A945-90C4D9B58292}"/>
                   </a:ext>
                 </a:extLst>
               </p:cNvPr>
@@ -14391,7 +14487,7 @@
           <p:cNvPr id="4" name="Footer Placeholder 3">
             <a:extLst>
               <a:ext uri="{FF2B5EF4-FFF2-40B4-BE49-F238E27FC236}">
-                <a16:creationId xmlns:a16="http://schemas.microsoft.com/office/drawing/2014/main" xmlns="" id="{540972A1-4BB3-4D04-B4DF-C76BA9B5CAD8}"/>
+                <a16:creationId xmlns="" xmlns:a16="http://schemas.microsoft.com/office/drawing/2014/main" id="{540972A1-4BB3-4D04-B4DF-C76BA9B5CAD8}"/>
               </a:ext>
             </a:extLst>
           </p:cNvPr>
@@ -14420,7 +14516,7 @@
           <p:cNvPr id="5" name="Slide Number Placeholder 4">
             <a:extLst>
               <a:ext uri="{FF2B5EF4-FFF2-40B4-BE49-F238E27FC236}">
-                <a16:creationId xmlns:a16="http://schemas.microsoft.com/office/drawing/2014/main" xmlns="" id="{23B5C741-F1AB-463E-B229-974B2924B065}"/>
+                <a16:creationId xmlns="" xmlns:a16="http://schemas.microsoft.com/office/drawing/2014/main" id="{23B5C741-F1AB-463E-B229-974B2924B065}"/>
               </a:ext>
             </a:extLst>
           </p:cNvPr>
@@ -14449,7 +14545,7 @@
           <p:cNvPr id="6" name="Table 6">
             <a:extLst>
               <a:ext uri="{FF2B5EF4-FFF2-40B4-BE49-F238E27FC236}">
-                <a16:creationId xmlns:a16="http://schemas.microsoft.com/office/drawing/2014/main" xmlns="" id="{08CE9452-00C6-4E2F-AF96-8DB070484659}"/>
+                <a16:creationId xmlns="" xmlns:a16="http://schemas.microsoft.com/office/drawing/2014/main" id="{08CE9452-00C6-4E2F-AF96-8DB070484659}"/>
               </a:ext>
             </a:extLst>
           </p:cNvPr>
@@ -14483,14 +14579,14 @@
                 <a:gridCol w="613173">
                   <a:extLst>
                     <a:ext uri="{9D8B030D-6E8A-4147-A177-3AD203B41FA5}">
-                      <a16:colId xmlns:a16="http://schemas.microsoft.com/office/drawing/2014/main" xmlns="" val="953926796"/>
+                      <a16:colId xmlns="" xmlns:a16="http://schemas.microsoft.com/office/drawing/2014/main" val="953926796"/>
                     </a:ext>
                   </a:extLst>
                 </a:gridCol>
                 <a:gridCol w="9371236">
                   <a:extLst>
                     <a:ext uri="{9D8B030D-6E8A-4147-A177-3AD203B41FA5}">
-                      <a16:colId xmlns:a16="http://schemas.microsoft.com/office/drawing/2014/main" xmlns="" val="319029335"/>
+                      <a16:colId xmlns="" xmlns:a16="http://schemas.microsoft.com/office/drawing/2014/main" val="319029335"/>
                     </a:ext>
                   </a:extLst>
                 </a:gridCol>
@@ -14606,7 +14702,7 @@
                 </a:tc>
                 <a:extLst>
                   <a:ext uri="{0D108BD9-81ED-4DB2-BD59-A6C34878D82A}">
-                    <a16:rowId xmlns:a16="http://schemas.microsoft.com/office/drawing/2014/main" xmlns="" val="3454209587"/>
+                    <a16:rowId xmlns="" xmlns:a16="http://schemas.microsoft.com/office/drawing/2014/main" val="3454209587"/>
                   </a:ext>
                 </a:extLst>
               </a:tr>
@@ -14745,7 +14841,7 @@
                 </a:tc>
                 <a:extLst>
                   <a:ext uri="{0D108BD9-81ED-4DB2-BD59-A6C34878D82A}">
-                    <a16:rowId xmlns:a16="http://schemas.microsoft.com/office/drawing/2014/main" xmlns="" val="292879483"/>
+                    <a16:rowId xmlns="" xmlns:a16="http://schemas.microsoft.com/office/drawing/2014/main" val="292879483"/>
                   </a:ext>
                 </a:extLst>
               </a:tr>
@@ -14884,7 +14980,7 @@
                 </a:tc>
                 <a:extLst>
                   <a:ext uri="{0D108BD9-81ED-4DB2-BD59-A6C34878D82A}">
-                    <a16:rowId xmlns:a16="http://schemas.microsoft.com/office/drawing/2014/main" xmlns="" val="3295560409"/>
+                    <a16:rowId xmlns="" xmlns:a16="http://schemas.microsoft.com/office/drawing/2014/main" val="3295560409"/>
                   </a:ext>
                 </a:extLst>
               </a:tr>
@@ -14934,7 +15030,7 @@
           <p:cNvPr id="2" name="Title 1">
             <a:extLst>
               <a:ext uri="{FF2B5EF4-FFF2-40B4-BE49-F238E27FC236}">
-                <a16:creationId xmlns:a16="http://schemas.microsoft.com/office/drawing/2014/main" xmlns="" id="{9F53C0E6-5CA5-48E1-B370-E678425399F4}"/>
+                <a16:creationId xmlns="" xmlns:a16="http://schemas.microsoft.com/office/drawing/2014/main" id="{9F53C0E6-5CA5-48E1-B370-E678425399F4}"/>
               </a:ext>
             </a:extLst>
           </p:cNvPr>
@@ -14967,7 +15063,7 @@
           <p:cNvPr id="3" name="Content Placeholder 2">
             <a:extLst>
               <a:ext uri="{FF2B5EF4-FFF2-40B4-BE49-F238E27FC236}">
-                <a16:creationId xmlns:a16="http://schemas.microsoft.com/office/drawing/2014/main" xmlns="" id="{F0A4581A-26B3-40E7-A945-90C4D9B58292}"/>
+                <a16:creationId xmlns="" xmlns:a16="http://schemas.microsoft.com/office/drawing/2014/main" id="{F0A4581A-26B3-40E7-A945-90C4D9B58292}"/>
               </a:ext>
             </a:extLst>
           </p:cNvPr>
@@ -15195,7 +15291,7 @@
           <p:cNvPr id="4" name="Footer Placeholder 3">
             <a:extLst>
               <a:ext uri="{FF2B5EF4-FFF2-40B4-BE49-F238E27FC236}">
-                <a16:creationId xmlns:a16="http://schemas.microsoft.com/office/drawing/2014/main" xmlns="" id="{540972A1-4BB3-4D04-B4DF-C76BA9B5CAD8}"/>
+                <a16:creationId xmlns="" xmlns:a16="http://schemas.microsoft.com/office/drawing/2014/main" id="{540972A1-4BB3-4D04-B4DF-C76BA9B5CAD8}"/>
               </a:ext>
             </a:extLst>
           </p:cNvPr>
@@ -15224,7 +15320,7 @@
           <p:cNvPr id="5" name="Slide Number Placeholder 4">
             <a:extLst>
               <a:ext uri="{FF2B5EF4-FFF2-40B4-BE49-F238E27FC236}">
-                <a16:creationId xmlns:a16="http://schemas.microsoft.com/office/drawing/2014/main" xmlns="" id="{23B5C741-F1AB-463E-B229-974B2924B065}"/>
+                <a16:creationId xmlns="" xmlns:a16="http://schemas.microsoft.com/office/drawing/2014/main" id="{23B5C741-F1AB-463E-B229-974B2924B065}"/>
               </a:ext>
             </a:extLst>
           </p:cNvPr>
@@ -15290,7 +15386,7 @@
           <p:cNvPr id="2" name="Title 1">
             <a:extLst>
               <a:ext uri="{FF2B5EF4-FFF2-40B4-BE49-F238E27FC236}">
-                <a16:creationId xmlns:a16="http://schemas.microsoft.com/office/drawing/2014/main" xmlns="" id="{9F53C0E6-5CA5-48E1-B370-E678425399F4}"/>
+                <a16:creationId xmlns="" xmlns:a16="http://schemas.microsoft.com/office/drawing/2014/main" id="{9F53C0E6-5CA5-48E1-B370-E678425399F4}"/>
               </a:ext>
             </a:extLst>
           </p:cNvPr>
@@ -15323,7 +15419,7 @@
           <p:cNvPr id="6" name="Table 6">
             <a:extLst>
               <a:ext uri="{FF2B5EF4-FFF2-40B4-BE49-F238E27FC236}">
-                <a16:creationId xmlns:a16="http://schemas.microsoft.com/office/drawing/2014/main" xmlns="" id="{705F427A-9AF8-4A7C-A89C-A285216FCFA6}"/>
+                <a16:creationId xmlns="" xmlns:a16="http://schemas.microsoft.com/office/drawing/2014/main" id="{705F427A-9AF8-4A7C-A89C-A285216FCFA6}"/>
               </a:ext>
             </a:extLst>
           </p:cNvPr>
@@ -15353,49 +15449,49 @@
                 <a:gridCol w="1502228">
                   <a:extLst>
                     <a:ext uri="{9D8B030D-6E8A-4147-A177-3AD203B41FA5}">
-                      <a16:colId xmlns:a16="http://schemas.microsoft.com/office/drawing/2014/main" xmlns="" val="1059776522"/>
+                      <a16:colId xmlns="" xmlns:a16="http://schemas.microsoft.com/office/drawing/2014/main" val="1059776522"/>
                     </a:ext>
                   </a:extLst>
                 </a:gridCol>
                 <a:gridCol w="1502228">
                   <a:extLst>
                     <a:ext uri="{9D8B030D-6E8A-4147-A177-3AD203B41FA5}">
-                      <a16:colId xmlns:a16="http://schemas.microsoft.com/office/drawing/2014/main" xmlns="" val="51405990"/>
+                      <a16:colId xmlns="" xmlns:a16="http://schemas.microsoft.com/office/drawing/2014/main" val="51405990"/>
                     </a:ext>
                   </a:extLst>
                 </a:gridCol>
                 <a:gridCol w="1502228">
                   <a:extLst>
                     <a:ext uri="{9D8B030D-6E8A-4147-A177-3AD203B41FA5}">
-                      <a16:colId xmlns:a16="http://schemas.microsoft.com/office/drawing/2014/main" xmlns="" val="499077790"/>
+                      <a16:colId xmlns="" xmlns:a16="http://schemas.microsoft.com/office/drawing/2014/main" val="499077790"/>
                     </a:ext>
                   </a:extLst>
                 </a:gridCol>
                 <a:gridCol w="1502228">
                   <a:extLst>
                     <a:ext uri="{9D8B030D-6E8A-4147-A177-3AD203B41FA5}">
-                      <a16:colId xmlns:a16="http://schemas.microsoft.com/office/drawing/2014/main" xmlns="" val="1741106222"/>
+                      <a16:colId xmlns="" xmlns:a16="http://schemas.microsoft.com/office/drawing/2014/main" val="1741106222"/>
                     </a:ext>
                   </a:extLst>
                 </a:gridCol>
                 <a:gridCol w="1502228">
                   <a:extLst>
                     <a:ext uri="{9D8B030D-6E8A-4147-A177-3AD203B41FA5}">
-                      <a16:colId xmlns:a16="http://schemas.microsoft.com/office/drawing/2014/main" xmlns="" val="2560605016"/>
+                      <a16:colId xmlns="" xmlns:a16="http://schemas.microsoft.com/office/drawing/2014/main" val="2560605016"/>
                     </a:ext>
                   </a:extLst>
                 </a:gridCol>
                 <a:gridCol w="1502228">
                   <a:extLst>
                     <a:ext uri="{9D8B030D-6E8A-4147-A177-3AD203B41FA5}">
-                      <a16:colId xmlns:a16="http://schemas.microsoft.com/office/drawing/2014/main" xmlns="" val="1149909260"/>
+                      <a16:colId xmlns="" xmlns:a16="http://schemas.microsoft.com/office/drawing/2014/main" val="1149909260"/>
                     </a:ext>
                   </a:extLst>
                 </a:gridCol>
                 <a:gridCol w="1502228">
                   <a:extLst>
                     <a:ext uri="{9D8B030D-6E8A-4147-A177-3AD203B41FA5}">
-                      <a16:colId xmlns:a16="http://schemas.microsoft.com/office/drawing/2014/main" xmlns="" val="2441742596"/>
+                      <a16:colId xmlns="" xmlns:a16="http://schemas.microsoft.com/office/drawing/2014/main" val="2441742596"/>
                     </a:ext>
                   </a:extLst>
                 </a:gridCol>
@@ -15501,7 +15597,7 @@
                 </a:tc>
                 <a:extLst>
                   <a:ext uri="{0D108BD9-81ED-4DB2-BD59-A6C34878D82A}">
-                    <a16:rowId xmlns:a16="http://schemas.microsoft.com/office/drawing/2014/main" xmlns="" val="2130431935"/>
+                    <a16:rowId xmlns="" xmlns:a16="http://schemas.microsoft.com/office/drawing/2014/main" val="2130431935"/>
                   </a:ext>
                 </a:extLst>
               </a:tr>
@@ -15606,7 +15702,7 @@
                 </a:tc>
                 <a:extLst>
                   <a:ext uri="{0D108BD9-81ED-4DB2-BD59-A6C34878D82A}">
-                    <a16:rowId xmlns:a16="http://schemas.microsoft.com/office/drawing/2014/main" xmlns="" val="248642347"/>
+                    <a16:rowId xmlns="" xmlns:a16="http://schemas.microsoft.com/office/drawing/2014/main" val="248642347"/>
                   </a:ext>
                 </a:extLst>
               </a:tr>
@@ -15711,7 +15807,7 @@
                 </a:tc>
                 <a:extLst>
                   <a:ext uri="{0D108BD9-81ED-4DB2-BD59-A6C34878D82A}">
-                    <a16:rowId xmlns:a16="http://schemas.microsoft.com/office/drawing/2014/main" xmlns="" val="1130119694"/>
+                    <a16:rowId xmlns="" xmlns:a16="http://schemas.microsoft.com/office/drawing/2014/main" val="1130119694"/>
                   </a:ext>
                 </a:extLst>
               </a:tr>
@@ -15816,7 +15912,7 @@
                 </a:tc>
                 <a:extLst>
                   <a:ext uri="{0D108BD9-81ED-4DB2-BD59-A6C34878D82A}">
-                    <a16:rowId xmlns:a16="http://schemas.microsoft.com/office/drawing/2014/main" xmlns="" val="1111558667"/>
+                    <a16:rowId xmlns="" xmlns:a16="http://schemas.microsoft.com/office/drawing/2014/main" val="1111558667"/>
                   </a:ext>
                 </a:extLst>
               </a:tr>
@@ -15921,7 +16017,7 @@
                 </a:tc>
                 <a:extLst>
                   <a:ext uri="{0D108BD9-81ED-4DB2-BD59-A6C34878D82A}">
-                    <a16:rowId xmlns:a16="http://schemas.microsoft.com/office/drawing/2014/main" xmlns="" val="390475499"/>
+                    <a16:rowId xmlns="" xmlns:a16="http://schemas.microsoft.com/office/drawing/2014/main" val="390475499"/>
                   </a:ext>
                 </a:extLst>
               </a:tr>
@@ -16026,7 +16122,7 @@
                 </a:tc>
                 <a:extLst>
                   <a:ext uri="{0D108BD9-81ED-4DB2-BD59-A6C34878D82A}">
-                    <a16:rowId xmlns:a16="http://schemas.microsoft.com/office/drawing/2014/main" xmlns="" val="756342863"/>
+                    <a16:rowId xmlns="" xmlns:a16="http://schemas.microsoft.com/office/drawing/2014/main" val="756342863"/>
                   </a:ext>
                 </a:extLst>
               </a:tr>
@@ -16131,7 +16227,7 @@
                 </a:tc>
                 <a:extLst>
                   <a:ext uri="{0D108BD9-81ED-4DB2-BD59-A6C34878D82A}">
-                    <a16:rowId xmlns:a16="http://schemas.microsoft.com/office/drawing/2014/main" xmlns="" val="319341810"/>
+                    <a16:rowId xmlns="" xmlns:a16="http://schemas.microsoft.com/office/drawing/2014/main" val="319341810"/>
                   </a:ext>
                 </a:extLst>
               </a:tr>
@@ -16236,7 +16332,7 @@
                 </a:tc>
                 <a:extLst>
                   <a:ext uri="{0D108BD9-81ED-4DB2-BD59-A6C34878D82A}">
-                    <a16:rowId xmlns:a16="http://schemas.microsoft.com/office/drawing/2014/main" xmlns="" val="2497939862"/>
+                    <a16:rowId xmlns="" xmlns:a16="http://schemas.microsoft.com/office/drawing/2014/main" val="2497939862"/>
                   </a:ext>
                 </a:extLst>
               </a:tr>
@@ -16341,7 +16437,7 @@
                 </a:tc>
                 <a:extLst>
                   <a:ext uri="{0D108BD9-81ED-4DB2-BD59-A6C34878D82A}">
-                    <a16:rowId xmlns:a16="http://schemas.microsoft.com/office/drawing/2014/main" xmlns="" val="2181185807"/>
+                    <a16:rowId xmlns="" xmlns:a16="http://schemas.microsoft.com/office/drawing/2014/main" val="2181185807"/>
                   </a:ext>
                 </a:extLst>
               </a:tr>
@@ -16446,7 +16542,7 @@
                 </a:tc>
                 <a:extLst>
                   <a:ext uri="{0D108BD9-81ED-4DB2-BD59-A6C34878D82A}">
-                    <a16:rowId xmlns:a16="http://schemas.microsoft.com/office/drawing/2014/main" xmlns="" val="3843312928"/>
+                    <a16:rowId xmlns="" xmlns:a16="http://schemas.microsoft.com/office/drawing/2014/main" val="3843312928"/>
                   </a:ext>
                 </a:extLst>
               </a:tr>
@@ -16551,7 +16647,7 @@
                 </a:tc>
                 <a:extLst>
                   <a:ext uri="{0D108BD9-81ED-4DB2-BD59-A6C34878D82A}">
-                    <a16:rowId xmlns:a16="http://schemas.microsoft.com/office/drawing/2014/main" xmlns="" val="204907763"/>
+                    <a16:rowId xmlns="" xmlns:a16="http://schemas.microsoft.com/office/drawing/2014/main" val="204907763"/>
                   </a:ext>
                 </a:extLst>
               </a:tr>
@@ -16656,7 +16752,7 @@
                 </a:tc>
                 <a:extLst>
                   <a:ext uri="{0D108BD9-81ED-4DB2-BD59-A6C34878D82A}">
-                    <a16:rowId xmlns:a16="http://schemas.microsoft.com/office/drawing/2014/main" xmlns="" val="194616918"/>
+                    <a16:rowId xmlns="" xmlns:a16="http://schemas.microsoft.com/office/drawing/2014/main" val="194616918"/>
                   </a:ext>
                 </a:extLst>
               </a:tr>
@@ -16761,7 +16857,7 @@
                 </a:tc>
                 <a:extLst>
                   <a:ext uri="{0D108BD9-81ED-4DB2-BD59-A6C34878D82A}">
-                    <a16:rowId xmlns:a16="http://schemas.microsoft.com/office/drawing/2014/main" xmlns="" val="2388109032"/>
+                    <a16:rowId xmlns="" xmlns:a16="http://schemas.microsoft.com/office/drawing/2014/main" val="2388109032"/>
                   </a:ext>
                 </a:extLst>
               </a:tr>
@@ -16866,7 +16962,7 @@
                 </a:tc>
                 <a:extLst>
                   <a:ext uri="{0D108BD9-81ED-4DB2-BD59-A6C34878D82A}">
-                    <a16:rowId xmlns:a16="http://schemas.microsoft.com/office/drawing/2014/main" xmlns="" val="297863002"/>
+                    <a16:rowId xmlns="" xmlns:a16="http://schemas.microsoft.com/office/drawing/2014/main" val="297863002"/>
                   </a:ext>
                 </a:extLst>
               </a:tr>
@@ -16971,7 +17067,7 @@
                 </a:tc>
                 <a:extLst>
                   <a:ext uri="{0D108BD9-81ED-4DB2-BD59-A6C34878D82A}">
-                    <a16:rowId xmlns:a16="http://schemas.microsoft.com/office/drawing/2014/main" xmlns="" val="4134358320"/>
+                    <a16:rowId xmlns="" xmlns:a16="http://schemas.microsoft.com/office/drawing/2014/main" val="4134358320"/>
                   </a:ext>
                 </a:extLst>
               </a:tr>
@@ -17076,7 +17172,7 @@
                 </a:tc>
                 <a:extLst>
                   <a:ext uri="{0D108BD9-81ED-4DB2-BD59-A6C34878D82A}">
-                    <a16:rowId xmlns:a16="http://schemas.microsoft.com/office/drawing/2014/main" xmlns="" val="435795987"/>
+                    <a16:rowId xmlns="" xmlns:a16="http://schemas.microsoft.com/office/drawing/2014/main" val="435795987"/>
                   </a:ext>
                 </a:extLst>
               </a:tr>
@@ -17181,7 +17277,7 @@
                 </a:tc>
                 <a:extLst>
                   <a:ext uri="{0D108BD9-81ED-4DB2-BD59-A6C34878D82A}">
-                    <a16:rowId xmlns:a16="http://schemas.microsoft.com/office/drawing/2014/main" xmlns="" val="2374723660"/>
+                    <a16:rowId xmlns="" xmlns:a16="http://schemas.microsoft.com/office/drawing/2014/main" val="2374723660"/>
                   </a:ext>
                 </a:extLst>
               </a:tr>
@@ -17299,7 +17395,7 @@
                 </a:tc>
                 <a:extLst>
                   <a:ext uri="{0D108BD9-81ED-4DB2-BD59-A6C34878D82A}">
-                    <a16:rowId xmlns:a16="http://schemas.microsoft.com/office/drawing/2014/main" xmlns="" val="3169493604"/>
+                    <a16:rowId xmlns="" xmlns:a16="http://schemas.microsoft.com/office/drawing/2014/main" val="3169493604"/>
                   </a:ext>
                 </a:extLst>
               </a:tr>
@@ -17312,7 +17408,7 @@
           <p:cNvPr id="4" name="Footer Placeholder 3">
             <a:extLst>
               <a:ext uri="{FF2B5EF4-FFF2-40B4-BE49-F238E27FC236}">
-                <a16:creationId xmlns:a16="http://schemas.microsoft.com/office/drawing/2014/main" xmlns="" id="{540972A1-4BB3-4D04-B4DF-C76BA9B5CAD8}"/>
+                <a16:creationId xmlns="" xmlns:a16="http://schemas.microsoft.com/office/drawing/2014/main" id="{540972A1-4BB3-4D04-B4DF-C76BA9B5CAD8}"/>
               </a:ext>
             </a:extLst>
           </p:cNvPr>
@@ -17341,7 +17437,7 @@
           <p:cNvPr id="5" name="Slide Number Placeholder 4">
             <a:extLst>
               <a:ext uri="{FF2B5EF4-FFF2-40B4-BE49-F238E27FC236}">
-                <a16:creationId xmlns:a16="http://schemas.microsoft.com/office/drawing/2014/main" xmlns="" id="{23B5C741-F1AB-463E-B229-974B2924B065}"/>
+                <a16:creationId xmlns="" xmlns:a16="http://schemas.microsoft.com/office/drawing/2014/main" id="{23B5C741-F1AB-463E-B229-974B2924B065}"/>
               </a:ext>
             </a:extLst>
           </p:cNvPr>
@@ -17407,7 +17503,7 @@
           <p:cNvPr id="2" name="Title 1">
             <a:extLst>
               <a:ext uri="{FF2B5EF4-FFF2-40B4-BE49-F238E27FC236}">
-                <a16:creationId xmlns:a16="http://schemas.microsoft.com/office/drawing/2014/main" xmlns="" id="{9F53C0E6-5CA5-48E1-B370-E678425399F4}"/>
+                <a16:creationId xmlns="" xmlns:a16="http://schemas.microsoft.com/office/drawing/2014/main" id="{9F53C0E6-5CA5-48E1-B370-E678425399F4}"/>
               </a:ext>
             </a:extLst>
           </p:cNvPr>
@@ -17442,7 +17538,7 @@
               <p:cNvPr id="3" name="Content Placeholder 2">
                 <a:extLst>
                   <a:ext uri="{FF2B5EF4-FFF2-40B4-BE49-F238E27FC236}">
-                    <a16:creationId xmlns:a16="http://schemas.microsoft.com/office/drawing/2014/main" xmlns="" id="{F0A4581A-26B3-40E7-A945-90C4D9B58292}"/>
+                    <a16:creationId xmlns="" xmlns:a16="http://schemas.microsoft.com/office/drawing/2014/main" id="{F0A4581A-26B3-40E7-A945-90C4D9B58292}"/>
                   </a:ext>
                 </a:extLst>
               </p:cNvPr>
@@ -18227,7 +18323,7 @@
           <p:cNvPr id="4" name="Footer Placeholder 3">
             <a:extLst>
               <a:ext uri="{FF2B5EF4-FFF2-40B4-BE49-F238E27FC236}">
-                <a16:creationId xmlns:a16="http://schemas.microsoft.com/office/drawing/2014/main" xmlns="" id="{540972A1-4BB3-4D04-B4DF-C76BA9B5CAD8}"/>
+                <a16:creationId xmlns="" xmlns:a16="http://schemas.microsoft.com/office/drawing/2014/main" id="{540972A1-4BB3-4D04-B4DF-C76BA9B5CAD8}"/>
               </a:ext>
             </a:extLst>
           </p:cNvPr>
@@ -18256,7 +18352,7 @@
           <p:cNvPr id="5" name="Slide Number Placeholder 4">
             <a:extLst>
               <a:ext uri="{FF2B5EF4-FFF2-40B4-BE49-F238E27FC236}">
-                <a16:creationId xmlns:a16="http://schemas.microsoft.com/office/drawing/2014/main" xmlns="" id="{23B5C741-F1AB-463E-B229-974B2924B065}"/>
+                <a16:creationId xmlns="" xmlns:a16="http://schemas.microsoft.com/office/drawing/2014/main" id="{23B5C741-F1AB-463E-B229-974B2924B065}"/>
               </a:ext>
             </a:extLst>
           </p:cNvPr>
@@ -18322,7 +18418,7 @@
           <p:cNvPr id="2" name="Title 1">
             <a:extLst>
               <a:ext uri="{FF2B5EF4-FFF2-40B4-BE49-F238E27FC236}">
-                <a16:creationId xmlns:a16="http://schemas.microsoft.com/office/drawing/2014/main" xmlns="" id="{9F53C0E6-5CA5-48E1-B370-E678425399F4}"/>
+                <a16:creationId xmlns="" xmlns:a16="http://schemas.microsoft.com/office/drawing/2014/main" id="{9F53C0E6-5CA5-48E1-B370-E678425399F4}"/>
               </a:ext>
             </a:extLst>
           </p:cNvPr>
@@ -18355,7 +18451,7 @@
           <p:cNvPr id="3" name="Content Placeholder 2">
             <a:extLst>
               <a:ext uri="{FF2B5EF4-FFF2-40B4-BE49-F238E27FC236}">
-                <a16:creationId xmlns:a16="http://schemas.microsoft.com/office/drawing/2014/main" xmlns="" id="{F0A4581A-26B3-40E7-A945-90C4D9B58292}"/>
+                <a16:creationId xmlns="" xmlns:a16="http://schemas.microsoft.com/office/drawing/2014/main" id="{F0A4581A-26B3-40E7-A945-90C4D9B58292}"/>
               </a:ext>
             </a:extLst>
           </p:cNvPr>
@@ -18460,7 +18556,7 @@
           <p:cNvPr id="4" name="Footer Placeholder 3">
             <a:extLst>
               <a:ext uri="{FF2B5EF4-FFF2-40B4-BE49-F238E27FC236}">
-                <a16:creationId xmlns:a16="http://schemas.microsoft.com/office/drawing/2014/main" xmlns="" id="{540972A1-4BB3-4D04-B4DF-C76BA9B5CAD8}"/>
+                <a16:creationId xmlns="" xmlns:a16="http://schemas.microsoft.com/office/drawing/2014/main" id="{540972A1-4BB3-4D04-B4DF-C76BA9B5CAD8}"/>
               </a:ext>
             </a:extLst>
           </p:cNvPr>
@@ -18489,7 +18585,7 @@
           <p:cNvPr id="5" name="Slide Number Placeholder 4">
             <a:extLst>
               <a:ext uri="{FF2B5EF4-FFF2-40B4-BE49-F238E27FC236}">
-                <a16:creationId xmlns:a16="http://schemas.microsoft.com/office/drawing/2014/main" xmlns="" id="{23B5C741-F1AB-463E-B229-974B2924B065}"/>
+                <a16:creationId xmlns="" xmlns:a16="http://schemas.microsoft.com/office/drawing/2014/main" id="{23B5C741-F1AB-463E-B229-974B2924B065}"/>
               </a:ext>
             </a:extLst>
           </p:cNvPr>
@@ -18515,15 +18611,9 @@
       </p:sp>
       <p:pic>
         <p:nvPicPr>
-          <p:cNvPr id="7" name="Picture 6" descr="Chart, histogram&#10;&#10;Description automatically generated">
-            <a:extLst>
-              <a:ext uri="{FF2B5EF4-FFF2-40B4-BE49-F238E27FC236}">
-                <a16:creationId xmlns:a16="http://schemas.microsoft.com/office/drawing/2014/main" xmlns="" id="{C4C3E85A-6B66-4125-B46B-BE7517BF0EFB}"/>
-              </a:ext>
-            </a:extLst>
-          </p:cNvPr>
+          <p:cNvPr id="6" name="Picture 2" descr="Z:\no_of_imgs_in_total_train_test.png"/>
           <p:cNvPicPr>
-            <a:picLocks noChangeAspect="1"/>
+            <a:picLocks noChangeAspect="1" noChangeArrowheads="1"/>
           </p:cNvPicPr>
           <p:nvPr/>
         </p:nvPicPr>
@@ -18535,18 +18625,29 @@
               </a:ext>
             </a:extLst>
           </a:blip>
+          <a:srcRect/>
           <a:stretch>
             <a:fillRect/>
           </a:stretch>
         </p:blipFill>
-        <p:spPr>
+        <p:spPr bwMode="auto">
           <a:xfrm>
-            <a:off x="3238500" y="3443914"/>
-            <a:ext cx="5097117" cy="2912436"/>
+            <a:off x="2743200" y="3459480"/>
+            <a:ext cx="6172201" cy="3016885"/>
           </a:xfrm>
           <a:prstGeom prst="rect">
             <a:avLst/>
           </a:prstGeom>
+          <a:noFill/>
+          <a:extLst>
+            <a:ext uri="{909E8E84-426E-40DD-AFC4-6F175D3DCCD1}">
+              <a14:hiddenFill xmlns:a14="http://schemas.microsoft.com/office/drawing/2010/main">
+                <a:solidFill>
+                  <a:srgbClr val="FFFFFF"/>
+                </a:solidFill>
+              </a14:hiddenFill>
+            </a:ext>
+          </a:extLst>
         </p:spPr>
       </p:pic>
     </p:spTree>
@@ -18591,7 +18692,7 @@
           <p:cNvPr id="2" name="Title 1">
             <a:extLst>
               <a:ext uri="{FF2B5EF4-FFF2-40B4-BE49-F238E27FC236}">
-                <a16:creationId xmlns:a16="http://schemas.microsoft.com/office/drawing/2014/main" xmlns="" id="{9F53C0E6-5CA5-48E1-B370-E678425399F4}"/>
+                <a16:creationId xmlns="" xmlns:a16="http://schemas.microsoft.com/office/drawing/2014/main" id="{9F53C0E6-5CA5-48E1-B370-E678425399F4}"/>
               </a:ext>
             </a:extLst>
           </p:cNvPr>
@@ -18624,7 +18725,7 @@
           <p:cNvPr id="3" name="Content Placeholder 2">
             <a:extLst>
               <a:ext uri="{FF2B5EF4-FFF2-40B4-BE49-F238E27FC236}">
-                <a16:creationId xmlns:a16="http://schemas.microsoft.com/office/drawing/2014/main" xmlns="" id="{F0A4581A-26B3-40E7-A945-90C4D9B58292}"/>
+                <a16:creationId xmlns="" xmlns:a16="http://schemas.microsoft.com/office/drawing/2014/main" id="{F0A4581A-26B3-40E7-A945-90C4D9B58292}"/>
               </a:ext>
             </a:extLst>
           </p:cNvPr>
@@ -18723,7 +18824,15 @@
             </a:pPr>
             <a:r>
               <a:rPr lang="en-IN" sz="2000" dirty="0"/>
-              <a:t>Script “scripts/preprocessing.py” does following tasks:</a:t>
+              <a:t>Script “</a:t>
+            </a:r>
+            <a:r>
+              <a:rPr lang="en-IN" sz="2000" dirty="0" smtClean="0"/>
+              <a:t>scripts/preprocessing_train.py</a:t>
+            </a:r>
+            <a:r>
+              <a:rPr lang="en-IN" sz="2000" dirty="0"/>
+              <a:t>” does following tasks:</a:t>
             </a:r>
           </a:p>
           <a:p>
@@ -18829,7 +18938,7 @@
           <p:cNvPr id="4" name="Footer Placeholder 3">
             <a:extLst>
               <a:ext uri="{FF2B5EF4-FFF2-40B4-BE49-F238E27FC236}">
-                <a16:creationId xmlns:a16="http://schemas.microsoft.com/office/drawing/2014/main" xmlns="" id="{540972A1-4BB3-4D04-B4DF-C76BA9B5CAD8}"/>
+                <a16:creationId xmlns="" xmlns:a16="http://schemas.microsoft.com/office/drawing/2014/main" id="{540972A1-4BB3-4D04-B4DF-C76BA9B5CAD8}"/>
               </a:ext>
             </a:extLst>
           </p:cNvPr>
@@ -18858,7 +18967,7 @@
           <p:cNvPr id="5" name="Slide Number Placeholder 4">
             <a:extLst>
               <a:ext uri="{FF2B5EF4-FFF2-40B4-BE49-F238E27FC236}">
-                <a16:creationId xmlns:a16="http://schemas.microsoft.com/office/drawing/2014/main" xmlns="" id="{23B5C741-F1AB-463E-B229-974B2924B065}"/>
+                <a16:creationId xmlns="" xmlns:a16="http://schemas.microsoft.com/office/drawing/2014/main" id="{23B5C741-F1AB-463E-B229-974B2924B065}"/>
               </a:ext>
             </a:extLst>
           </p:cNvPr>
@@ -18924,7 +19033,7 @@
           <p:cNvPr id="2" name="Title 1">
             <a:extLst>
               <a:ext uri="{FF2B5EF4-FFF2-40B4-BE49-F238E27FC236}">
-                <a16:creationId xmlns:a16="http://schemas.microsoft.com/office/drawing/2014/main" xmlns="" id="{9F53C0E6-5CA5-48E1-B370-E678425399F4}"/>
+                <a16:creationId xmlns="" xmlns:a16="http://schemas.microsoft.com/office/drawing/2014/main" id="{9F53C0E6-5CA5-48E1-B370-E678425399F4}"/>
               </a:ext>
             </a:extLst>
           </p:cNvPr>
@@ -18957,7 +19066,7 @@
           <p:cNvPr id="3" name="Content Placeholder 2">
             <a:extLst>
               <a:ext uri="{FF2B5EF4-FFF2-40B4-BE49-F238E27FC236}">
-                <a16:creationId xmlns:a16="http://schemas.microsoft.com/office/drawing/2014/main" xmlns="" id="{F0A4581A-26B3-40E7-A945-90C4D9B58292}"/>
+                <a16:creationId xmlns="" xmlns:a16="http://schemas.microsoft.com/office/drawing/2014/main" id="{F0A4581A-26B3-40E7-A945-90C4D9B58292}"/>
               </a:ext>
             </a:extLst>
           </p:cNvPr>
@@ -18976,7 +19085,7 @@
         </p:spPr>
         <p:txBody>
           <a:bodyPr>
-            <a:normAutofit/>
+            <a:normAutofit lnSpcReduction="10000"/>
           </a:bodyPr>
           <a:lstStyle/>
           <a:p>
@@ -18991,8 +19100,16 @@
               <a:buAutoNum type="arabicPeriod" startAt="4"/>
             </a:pPr>
             <a:r>
-              <a:rPr lang="en-IN" sz="2000" dirty="0"/>
-              <a:t>Script “scripts/gen_image_features.csv” does following tasks:</a:t>
+              <a:rPr lang="en-IN" sz="2000" dirty="0" smtClean="0"/>
+              <a:t>Script “scripts/</a:t>
+            </a:r>
+            <a:r>
+              <a:rPr lang="en-IN" sz="2000" dirty="0" err="1" smtClean="0"/>
+              <a:t>preprocessing_val_test.npy</a:t>
+            </a:r>
+            <a:r>
+              <a:rPr lang="en-IN" sz="2000" dirty="0" smtClean="0"/>
+              <a:t>” does following tasks:</a:t>
             </a:r>
           </a:p>
           <a:p>
@@ -19007,8 +19124,12 @@
               <a:buAutoNum type="romanLcPeriod"/>
             </a:pPr>
             <a:r>
+              <a:rPr lang="en-IN" sz="1800" dirty="0" smtClean="0"/>
+              <a:t>This script reads val_image_caption.csv and test_image_caption.csv file</a:t>
+            </a:r>
+            <a:r>
               <a:rPr lang="en-IN" sz="1800" dirty="0"/>
-              <a:t>This script loads each image which is in Flickr_8k.trainImages.txt, resize it for the pre-trained model to generate bottleneck features (here, we have used InceptionV3, discussed in later slides).</a:t>
+              <a:t>. Extracts image filenames and their five captions (joint by “&lt;&gt;”).</a:t>
             </a:r>
           </a:p>
           <a:p>
@@ -19024,8 +19145,13 @@
             </a:pPr>
             <a:r>
               <a:rPr lang="en-IN" sz="1800" dirty="0"/>
-              <a:t>Then, it passes each of these images through our chosen pre-trained model (here it is InceptionV3) and generates bottleneck feature of dimension 2048. Script has done this task in chunks of size 1000, i.e., generated bottleneck feature and saved them with their image filenames for 1000 images. In this manner, it will save six csv files (because we have 6,000 file names in Flickr_8k.trainImages.txt file).</a:t>
-            </a:r>
+              <a:t>It takes out each caption of each image file and perform these operations: converts into lower case, removes all special characters, removes all single characters (like ‘a’, ‘s’, etc.) and removes numerical figures (such as ‘1’, ‘2’, etc.). This part is well known as Data Cleaning or Data Pre-processing</a:t>
+            </a:r>
+            <a:r>
+              <a:rPr lang="en-IN" sz="1800" dirty="0" smtClean="0"/>
+              <a:t>. This entire processing will be done by referring vocabulary.txt file as words not in vocabulary will be deleted from captions.</a:t>
+            </a:r>
+            <a:endParaRPr lang="en-IN" sz="1800" dirty="0"/>
           </a:p>
           <a:p>
             <a:pPr marL="914400" lvl="1" indent="-457200" algn="just">
@@ -19040,19 +19166,189 @@
             </a:pPr>
             <a:r>
               <a:rPr lang="en-IN" sz="1800" dirty="0"/>
-              <a:t>At last, we can run following code snippet to concatenate all six files generated in the last step:</a:t>
-            </a:r>
-          </a:p>
-          <a:p>
-            <a:pPr marL="914400" lvl="2" indent="0" algn="just">
+              <a:t>Then, it </a:t>
+            </a:r>
+            <a:r>
+              <a:rPr lang="en-IN" sz="1800" dirty="0" smtClean="0"/>
+              <a:t>joins </a:t>
+            </a:r>
+            <a:r>
+              <a:rPr lang="en-IN" sz="1800" dirty="0"/>
+              <a:t>them by “#” and save it with its image filename in file </a:t>
+            </a:r>
+            <a:r>
+              <a:rPr lang="en-IN" sz="1800" dirty="0" smtClean="0"/>
+              <a:t>val_image_caption_processed.csv and test_image_caption_processed.csv. </a:t>
+            </a:r>
+            <a:r>
+              <a:rPr lang="en-IN" sz="1800" dirty="0"/>
+              <a:t>“</a:t>
+            </a:r>
+            <a:r>
+              <a:rPr lang="en-IN" sz="1800" dirty="0" err="1"/>
+              <a:t>startseq</a:t>
+            </a:r>
+            <a:r>
+              <a:rPr lang="en-IN" sz="1800" dirty="0"/>
+              <a:t>” and “</a:t>
+            </a:r>
+            <a:r>
+              <a:rPr lang="en-IN" sz="1800" dirty="0" err="1"/>
+              <a:t>endseq</a:t>
+            </a:r>
+            <a:r>
+              <a:rPr lang="en-IN" sz="1800" dirty="0"/>
+              <a:t>” </a:t>
+            </a:r>
+            <a:r>
+              <a:rPr lang="en-IN" sz="1800" dirty="0" smtClean="0"/>
+              <a:t>special tokens are not required for validation and test data because we have to directly match with generated captions which will not have “</a:t>
+            </a:r>
+            <a:r>
+              <a:rPr lang="en-IN" sz="1800" dirty="0" err="1" smtClean="0"/>
+              <a:t>startseq</a:t>
+            </a:r>
+            <a:r>
+              <a:rPr lang="en-IN" sz="1800" dirty="0" smtClean="0"/>
+              <a:t>” and “</a:t>
+            </a:r>
+            <a:r>
+              <a:rPr lang="en-IN" sz="1800" dirty="0" err="1" smtClean="0"/>
+              <a:t>endseq</a:t>
+            </a:r>
+            <a:r>
+              <a:rPr lang="en-IN" sz="1800" dirty="0" smtClean="0"/>
+              <a:t>” tokens.</a:t>
+            </a:r>
+            <a:endParaRPr lang="en-IN" sz="1800" dirty="0"/>
+          </a:p>
+          <a:p>
+            <a:pPr marL="457200" indent="-457200" algn="just">
               <a:lnSpc>
                 <a:spcPct val="100000"/>
               </a:lnSpc>
               <a:spcBef>
                 <a:spcPts val="0"/>
               </a:spcBef>
-              <a:buNone/>
+              <a:buFont typeface="+mj-lt"/>
+              <a:buAutoNum type="arabicPeriod" startAt="4"/>
             </a:pPr>
+            <a:r>
+              <a:rPr lang="en-IN" sz="2000" dirty="0" smtClean="0"/>
+              <a:t>Script “scripts/gen_image_features.csv” does following tasks:</a:t>
+            </a:r>
+          </a:p>
+          <a:p>
+            <a:pPr marL="914400" lvl="1" indent="-457200" algn="just">
+              <a:lnSpc>
+                <a:spcPct val="100000"/>
+              </a:lnSpc>
+              <a:spcBef>
+                <a:spcPts val="0"/>
+              </a:spcBef>
+              <a:buFont typeface="+mj-lt"/>
+              <a:buAutoNum type="romanLcPeriod"/>
+            </a:pPr>
+            <a:r>
+              <a:rPr lang="en-IN" sz="1800" dirty="0" smtClean="0"/>
+              <a:t>This </a:t>
+            </a:r>
+            <a:r>
+              <a:rPr lang="en-IN" sz="1800" dirty="0"/>
+              <a:t>script loads each image which is in </a:t>
+            </a:r>
+            <a:r>
+              <a:rPr lang="en-IN" sz="1800" dirty="0" smtClean="0"/>
+              <a:t>train_image_caption_processed.csv, </a:t>
+            </a:r>
+            <a:r>
+              <a:rPr lang="en-IN" sz="1800" dirty="0"/>
+              <a:t>resize it for the pre-trained model to generate bottleneck features (here, we have used </a:t>
+            </a:r>
+            <a:r>
+              <a:rPr lang="en-IN" sz="1800" dirty="0" smtClean="0"/>
+              <a:t>VGG-16, </a:t>
+            </a:r>
+            <a:r>
+              <a:rPr lang="en-IN" sz="1800" dirty="0"/>
+              <a:t>discussed in later slides).</a:t>
+            </a:r>
+          </a:p>
+          <a:p>
+            <a:pPr marL="914400" lvl="1" indent="-457200" algn="just">
+              <a:lnSpc>
+                <a:spcPct val="100000"/>
+              </a:lnSpc>
+              <a:spcBef>
+                <a:spcPts val="0"/>
+              </a:spcBef>
+              <a:buFont typeface="+mj-lt"/>
+              <a:buAutoNum type="romanLcPeriod"/>
+            </a:pPr>
+            <a:r>
+              <a:rPr lang="en-IN" sz="1800" dirty="0"/>
+              <a:t>Then, it passes each of these images through our chosen pre-trained model (here it is </a:t>
+            </a:r>
+            <a:r>
+              <a:rPr lang="en-IN" sz="1800" dirty="0" smtClean="0"/>
+              <a:t>VGG-16) </a:t>
+            </a:r>
+            <a:r>
+              <a:rPr lang="en-IN" sz="1800" dirty="0"/>
+              <a:t>and generates bottleneck feature of dimension </a:t>
+            </a:r>
+            <a:r>
+              <a:rPr lang="en-IN" sz="1800" dirty="0" smtClean="0"/>
+              <a:t>(7, 7, 512). Then, script is reshaping it to (49, 512) and saving it as a </a:t>
+            </a:r>
+            <a:r>
+              <a:rPr lang="en-IN" sz="1800" dirty="0" err="1" smtClean="0"/>
+              <a:t>npy</a:t>
+            </a:r>
+            <a:r>
+              <a:rPr lang="en-IN" sz="1800" dirty="0" smtClean="0"/>
+              <a:t> file. Script </a:t>
+            </a:r>
+            <a:r>
+              <a:rPr lang="en-IN" sz="1800" dirty="0"/>
+              <a:t>has done this task </a:t>
+            </a:r>
+            <a:r>
+              <a:rPr lang="en-IN" sz="1800" dirty="0" smtClean="0"/>
+              <a:t>image by image, i.e., one image at a time. </a:t>
+            </a:r>
+            <a:r>
+              <a:rPr lang="en-IN" sz="1800" dirty="0"/>
+              <a:t>In this manner, it will save </a:t>
+            </a:r>
+            <a:r>
+              <a:rPr lang="en-IN" sz="1800" dirty="0" smtClean="0"/>
+              <a:t>6,000 </a:t>
+            </a:r>
+            <a:r>
+              <a:rPr lang="en-IN" sz="1800" dirty="0" err="1" smtClean="0"/>
+              <a:t>npy</a:t>
+            </a:r>
+            <a:r>
+              <a:rPr lang="en-IN" sz="1800" dirty="0" smtClean="0"/>
+              <a:t> </a:t>
+            </a:r>
+            <a:r>
+              <a:rPr lang="en-IN" sz="1800" dirty="0"/>
+              <a:t>files </a:t>
+            </a:r>
+            <a:r>
+              <a:rPr lang="en-IN" sz="1800" dirty="0" smtClean="0"/>
+              <a:t>(since </a:t>
+            </a:r>
+            <a:r>
+              <a:rPr lang="en-IN" sz="1800" dirty="0"/>
+              <a:t>we have 6,000 file names in Flickr_8k.trainImages.txt file</a:t>
+            </a:r>
+            <a:r>
+              <a:rPr lang="en-IN" sz="1800" dirty="0" smtClean="0"/>
+              <a:t>).</a:t>
+            </a:r>
             <a:endParaRPr lang="en-IN" sz="1600" dirty="0"/>
           </a:p>
         </p:txBody>
@@ -19062,7 +19358,7 @@
           <p:cNvPr id="4" name="Footer Placeholder 3">
             <a:extLst>
               <a:ext uri="{FF2B5EF4-FFF2-40B4-BE49-F238E27FC236}">
-                <a16:creationId xmlns:a16="http://schemas.microsoft.com/office/drawing/2014/main" xmlns="" id="{540972A1-4BB3-4D04-B4DF-C76BA9B5CAD8}"/>
+                <a16:creationId xmlns="" xmlns:a16="http://schemas.microsoft.com/office/drawing/2014/main" id="{540972A1-4BB3-4D04-B4DF-C76BA9B5CAD8}"/>
               </a:ext>
             </a:extLst>
           </p:cNvPr>
@@ -19091,7 +19387,7 @@
           <p:cNvPr id="5" name="Slide Number Placeholder 4">
             <a:extLst>
               <a:ext uri="{FF2B5EF4-FFF2-40B4-BE49-F238E27FC236}">
-                <a16:creationId xmlns:a16="http://schemas.microsoft.com/office/drawing/2014/main" xmlns="" id="{23B5C741-F1AB-463E-B229-974B2924B065}"/>
+                <a16:creationId xmlns="" xmlns:a16="http://schemas.microsoft.com/office/drawing/2014/main" id="{23B5C741-F1AB-463E-B229-974B2924B065}"/>
               </a:ext>
             </a:extLst>
           </p:cNvPr>
@@ -19115,1234 +19411,6 @@
           </a:p>
         </p:txBody>
       </p:sp>
-      <p:graphicFrame>
-        <p:nvGraphicFramePr>
-          <p:cNvPr id="6" name="Table 6">
-            <a:extLst>
-              <a:ext uri="{FF2B5EF4-FFF2-40B4-BE49-F238E27FC236}">
-                <a16:creationId xmlns:a16="http://schemas.microsoft.com/office/drawing/2014/main" xmlns="" id="{3708404E-0465-4362-9C24-B7FC57AE2CB7}"/>
-              </a:ext>
-            </a:extLst>
-          </p:cNvPr>
-          <p:cNvGraphicFramePr>
-            <a:graphicFrameLocks noGrp="1"/>
-          </p:cNvGraphicFramePr>
-          <p:nvPr>
-            <p:extLst>
-              <p:ext uri="{D42A27DB-BD31-4B8C-83A1-F6EECF244321}">
-                <p14:modId xmlns:p14="http://schemas.microsoft.com/office/powerpoint/2010/main" val="3836656056"/>
-              </p:ext>
-            </p:extLst>
-          </p:nvPr>
-        </p:nvGraphicFramePr>
-        <p:xfrm>
-          <a:off x="1842051" y="3438915"/>
-          <a:ext cx="9382539" cy="3017520"/>
-        </p:xfrm>
-        <a:graphic>
-          <a:graphicData uri="http://schemas.openxmlformats.org/drawingml/2006/table">
-            <a:tbl>
-              <a:tblPr bandRow="1">
-                <a:solidFill>
-                  <a:schemeClr val="accent3"/>
-                </a:solidFill>
-                <a:tableStyleId>{69C7853C-536D-4A76-A0AE-DD22124D55A5}</a:tableStyleId>
-              </a:tblPr>
-              <a:tblGrid>
-                <a:gridCol w="652698">
-                  <a:extLst>
-                    <a:ext uri="{9D8B030D-6E8A-4147-A177-3AD203B41FA5}">
-                      <a16:colId xmlns:a16="http://schemas.microsoft.com/office/drawing/2014/main" xmlns="" val="1025995593"/>
-                    </a:ext>
-                  </a:extLst>
-                </a:gridCol>
-                <a:gridCol w="8729841">
-                  <a:extLst>
-                    <a:ext uri="{9D8B030D-6E8A-4147-A177-3AD203B41FA5}">
-                      <a16:colId xmlns:a16="http://schemas.microsoft.com/office/drawing/2014/main" xmlns="" val="3397351854"/>
-                    </a:ext>
-                  </a:extLst>
-                </a:gridCol>
-              </a:tblGrid>
-              <a:tr h="243696">
-                <a:tc>
-                  <a:txBody>
-                    <a:bodyPr/>
-                    <a:lstStyle/>
-                    <a:p>
-                      <a:pPr algn="ctr"/>
-                      <a:r>
-                        <a:rPr lang="en-IN" sz="1600" i="1" dirty="0">
-                          <a:solidFill>
-                            <a:schemeClr val="accent1"/>
-                          </a:solidFill>
-                        </a:rPr>
-                        <a:t>1</a:t>
-                      </a:r>
-                    </a:p>
-                  </a:txBody>
-                  <a:tcPr>
-                    <a:lnL w="6350" cap="flat" cmpd="sng" algn="ctr">
-                      <a:noFill/>
-                      <a:prstDash val="solid"/>
-                      <a:miter lim="800000"/>
-                    </a:lnL>
-                    <a:lnR w="6350" cap="flat" cmpd="sng" algn="ctr">
-                      <a:noFill/>
-                      <a:prstDash val="solid"/>
-                      <a:miter lim="800000"/>
-                    </a:lnR>
-                    <a:lnT w="6350" cap="flat" cmpd="sng" algn="ctr">
-                      <a:noFill/>
-                      <a:prstDash val="solid"/>
-                      <a:miter lim="800000"/>
-                    </a:lnT>
-                    <a:lnB w="6350" cap="flat" cmpd="sng" algn="ctr">
-                      <a:noFill/>
-                      <a:prstDash val="solid"/>
-                      <a:miter lim="800000"/>
-                    </a:lnB>
-                    <a:lnTlToBr w="12700" cmpd="sng">
-                      <a:noFill/>
-                      <a:prstDash val="solid"/>
-                    </a:lnTlToBr>
-                    <a:lnBlToTr w="12700" cmpd="sng">
-                      <a:noFill/>
-                      <a:prstDash val="solid"/>
-                    </a:lnBlToTr>
-                    <a:solidFill>
-                      <a:schemeClr val="tx2"/>
-                    </a:solidFill>
-                  </a:tcPr>
-                </a:tc>
-                <a:tc>
-                  <a:txBody>
-                    <a:bodyPr/>
-                    <a:lstStyle/>
-                    <a:p>
-                      <a:r>
-                        <a:rPr lang="en-IN" sz="1600" i="1" dirty="0">
-                          <a:solidFill>
-                            <a:schemeClr val="bg1"/>
-                          </a:solidFill>
-                        </a:rPr>
-                        <a:t>import pandas as pd</a:t>
-                      </a:r>
-                    </a:p>
-                  </a:txBody>
-                  <a:tcPr>
-                    <a:lnL w="6350" cap="flat" cmpd="sng" algn="ctr">
-                      <a:noFill/>
-                      <a:prstDash val="solid"/>
-                      <a:miter lim="800000"/>
-                    </a:lnL>
-                    <a:lnR w="6350" cap="flat" cmpd="sng" algn="ctr">
-                      <a:noFill/>
-                      <a:prstDash val="solid"/>
-                      <a:miter lim="800000"/>
-                    </a:lnR>
-                    <a:lnT w="6350" cap="flat" cmpd="sng" algn="ctr">
-                      <a:noFill/>
-                      <a:prstDash val="solid"/>
-                      <a:miter lim="800000"/>
-                    </a:lnT>
-                    <a:lnB w="6350" cap="flat" cmpd="sng" algn="ctr">
-                      <a:noFill/>
-                      <a:prstDash val="solid"/>
-                      <a:miter lim="800000"/>
-                    </a:lnB>
-                    <a:lnTlToBr w="12700" cmpd="sng">
-                      <a:noFill/>
-                      <a:prstDash val="solid"/>
-                    </a:lnTlToBr>
-                    <a:lnBlToTr w="12700" cmpd="sng">
-                      <a:noFill/>
-                      <a:prstDash val="solid"/>
-                    </a:lnBlToTr>
-                    <a:solidFill>
-                      <a:schemeClr val="tx2"/>
-                    </a:solidFill>
-                  </a:tcPr>
-                </a:tc>
-                <a:extLst>
-                  <a:ext uri="{0D108BD9-81ED-4DB2-BD59-A6C34878D82A}">
-                    <a16:rowId xmlns:a16="http://schemas.microsoft.com/office/drawing/2014/main" xmlns="" val="2451917870"/>
-                  </a:ext>
-                </a:extLst>
-              </a:tr>
-              <a:tr h="243696">
-                <a:tc>
-                  <a:txBody>
-                    <a:bodyPr/>
-                    <a:lstStyle/>
-                    <a:p>
-                      <a:pPr algn="ctr"/>
-                      <a:r>
-                        <a:rPr lang="en-IN" sz="1600" i="1" dirty="0">
-                          <a:solidFill>
-                            <a:schemeClr val="accent1"/>
-                          </a:solidFill>
-                        </a:rPr>
-                        <a:t>2</a:t>
-                      </a:r>
-                    </a:p>
-                  </a:txBody>
-                  <a:tcPr>
-                    <a:lnL w="6350" cap="flat" cmpd="sng" algn="ctr">
-                      <a:noFill/>
-                      <a:prstDash val="solid"/>
-                      <a:miter lim="800000"/>
-                    </a:lnL>
-                    <a:lnR w="6350" cap="flat" cmpd="sng" algn="ctr">
-                      <a:noFill/>
-                      <a:prstDash val="solid"/>
-                      <a:miter lim="800000"/>
-                    </a:lnR>
-                    <a:lnT w="6350" cap="flat" cmpd="sng" algn="ctr">
-                      <a:noFill/>
-                      <a:prstDash val="solid"/>
-                      <a:miter lim="800000"/>
-                    </a:lnT>
-                    <a:lnB w="6350" cap="flat" cmpd="sng" algn="ctr">
-                      <a:noFill/>
-                      <a:prstDash val="solid"/>
-                      <a:miter lim="800000"/>
-                    </a:lnB>
-                    <a:lnTlToBr w="12700" cmpd="sng">
-                      <a:noFill/>
-                      <a:prstDash val="solid"/>
-                    </a:lnTlToBr>
-                    <a:lnBlToTr w="12700" cmpd="sng">
-                      <a:noFill/>
-                      <a:prstDash val="solid"/>
-                    </a:lnBlToTr>
-                    <a:solidFill>
-                      <a:schemeClr val="tx2"/>
-                    </a:solidFill>
-                  </a:tcPr>
-                </a:tc>
-                <a:tc>
-                  <a:txBody>
-                    <a:bodyPr/>
-                    <a:lstStyle/>
-                    <a:p>
-                      <a:r>
-                        <a:rPr lang="en-IN" sz="1600" i="1" dirty="0">
-                          <a:solidFill>
-                            <a:schemeClr val="bg1"/>
-                          </a:solidFill>
-                        </a:rPr>
-                        <a:t>data1 = </a:t>
-                      </a:r>
-                      <a:r>
-                        <a:rPr lang="en-IN" sz="1600" i="1" dirty="0" err="1">
-                          <a:solidFill>
-                            <a:schemeClr val="bg1"/>
-                          </a:solidFill>
-                        </a:rPr>
-                        <a:t>pd.read_csv</a:t>
-                      </a:r>
-                      <a:r>
-                        <a:rPr lang="en-IN" sz="1600" i="1" dirty="0">
-                          <a:solidFill>
-                            <a:schemeClr val="bg1"/>
-                          </a:solidFill>
-                        </a:rPr>
-                        <a:t>(“gen_image_vec_0_1000.csv”)</a:t>
-                      </a:r>
-                    </a:p>
-                  </a:txBody>
-                  <a:tcPr>
-                    <a:lnL w="6350" cap="flat" cmpd="sng" algn="ctr">
-                      <a:noFill/>
-                      <a:prstDash val="solid"/>
-                      <a:miter lim="800000"/>
-                    </a:lnL>
-                    <a:lnR w="6350" cap="flat" cmpd="sng" algn="ctr">
-                      <a:noFill/>
-                      <a:prstDash val="solid"/>
-                      <a:miter lim="800000"/>
-                    </a:lnR>
-                    <a:lnT w="6350" cap="flat" cmpd="sng" algn="ctr">
-                      <a:noFill/>
-                      <a:prstDash val="solid"/>
-                      <a:miter lim="800000"/>
-                    </a:lnT>
-                    <a:lnB w="6350" cap="flat" cmpd="sng" algn="ctr">
-                      <a:noFill/>
-                      <a:prstDash val="solid"/>
-                      <a:miter lim="800000"/>
-                    </a:lnB>
-                    <a:lnTlToBr w="12700" cmpd="sng">
-                      <a:noFill/>
-                      <a:prstDash val="solid"/>
-                    </a:lnTlToBr>
-                    <a:lnBlToTr w="12700" cmpd="sng">
-                      <a:noFill/>
-                      <a:prstDash val="solid"/>
-                    </a:lnBlToTr>
-                    <a:solidFill>
-                      <a:schemeClr val="tx2"/>
-                    </a:solidFill>
-                  </a:tcPr>
-                </a:tc>
-                <a:extLst>
-                  <a:ext uri="{0D108BD9-81ED-4DB2-BD59-A6C34878D82A}">
-                    <a16:rowId xmlns:a16="http://schemas.microsoft.com/office/drawing/2014/main" xmlns="" val="2102430626"/>
-                  </a:ext>
-                </a:extLst>
-              </a:tr>
-              <a:tr h="243696">
-                <a:tc>
-                  <a:txBody>
-                    <a:bodyPr/>
-                    <a:lstStyle/>
-                    <a:p>
-                      <a:pPr algn="ctr"/>
-                      <a:r>
-                        <a:rPr lang="en-IN" sz="1600" i="1" dirty="0">
-                          <a:solidFill>
-                            <a:schemeClr val="accent1"/>
-                          </a:solidFill>
-                        </a:rPr>
-                        <a:t>3</a:t>
-                      </a:r>
-                    </a:p>
-                  </a:txBody>
-                  <a:tcPr>
-                    <a:lnL w="6350" cap="flat" cmpd="sng" algn="ctr">
-                      <a:noFill/>
-                      <a:prstDash val="solid"/>
-                      <a:miter lim="800000"/>
-                    </a:lnL>
-                    <a:lnR w="6350" cap="flat" cmpd="sng" algn="ctr">
-                      <a:noFill/>
-                      <a:prstDash val="solid"/>
-                      <a:miter lim="800000"/>
-                    </a:lnR>
-                    <a:lnT w="6350" cap="flat" cmpd="sng" algn="ctr">
-                      <a:noFill/>
-                      <a:prstDash val="solid"/>
-                      <a:miter lim="800000"/>
-                    </a:lnT>
-                    <a:lnB w="6350" cap="flat" cmpd="sng" algn="ctr">
-                      <a:noFill/>
-                      <a:prstDash val="solid"/>
-                      <a:miter lim="800000"/>
-                    </a:lnB>
-                    <a:lnTlToBr w="12700" cmpd="sng">
-                      <a:noFill/>
-                      <a:prstDash val="solid"/>
-                    </a:lnTlToBr>
-                    <a:lnBlToTr w="12700" cmpd="sng">
-                      <a:noFill/>
-                      <a:prstDash val="solid"/>
-                    </a:lnBlToTr>
-                    <a:solidFill>
-                      <a:schemeClr val="tx2"/>
-                    </a:solidFill>
-                  </a:tcPr>
-                </a:tc>
-                <a:tc>
-                  <a:txBody>
-                    <a:bodyPr/>
-                    <a:lstStyle/>
-                    <a:p>
-                      <a:pPr marL="0" marR="0" lvl="0" indent="0" algn="l" defTabSz="914400" rtl="0" eaLnBrk="1" fontAlgn="auto" latinLnBrk="0" hangingPunct="1">
-                        <a:lnSpc>
-                          <a:spcPct val="100000"/>
-                        </a:lnSpc>
-                        <a:spcBef>
-                          <a:spcPts val="0"/>
-                        </a:spcBef>
-                        <a:spcAft>
-                          <a:spcPts val="0"/>
-                        </a:spcAft>
-                        <a:buClrTx/>
-                        <a:buSzTx/>
-                        <a:buFontTx/>
-                        <a:buNone/>
-                        <a:tabLst/>
-                        <a:defRPr/>
-                      </a:pPr>
-                      <a:r>
-                        <a:rPr lang="en-IN" sz="1600" i="1" dirty="0">
-                          <a:solidFill>
-                            <a:schemeClr val="bg1"/>
-                          </a:solidFill>
-                        </a:rPr>
-                        <a:t>data2 = </a:t>
-                      </a:r>
-                      <a:r>
-                        <a:rPr lang="en-IN" sz="1600" i="1" dirty="0" err="1">
-                          <a:solidFill>
-                            <a:schemeClr val="bg1"/>
-                          </a:solidFill>
-                        </a:rPr>
-                        <a:t>pd.read_csv</a:t>
-                      </a:r>
-                      <a:r>
-                        <a:rPr lang="en-IN" sz="1600" i="1" dirty="0">
-                          <a:solidFill>
-                            <a:schemeClr val="bg1"/>
-                          </a:solidFill>
-                        </a:rPr>
-                        <a:t>(“gen_image_vec_1000_2000.csv”)</a:t>
-                      </a:r>
-                    </a:p>
-                  </a:txBody>
-                  <a:tcPr>
-                    <a:lnL w="6350" cap="flat" cmpd="sng" algn="ctr">
-                      <a:noFill/>
-                      <a:prstDash val="solid"/>
-                      <a:miter lim="800000"/>
-                    </a:lnL>
-                    <a:lnR w="6350" cap="flat" cmpd="sng" algn="ctr">
-                      <a:noFill/>
-                      <a:prstDash val="solid"/>
-                      <a:miter lim="800000"/>
-                    </a:lnR>
-                    <a:lnT w="6350" cap="flat" cmpd="sng" algn="ctr">
-                      <a:noFill/>
-                      <a:prstDash val="solid"/>
-                      <a:miter lim="800000"/>
-                    </a:lnT>
-                    <a:lnB w="6350" cap="flat" cmpd="sng" algn="ctr">
-                      <a:noFill/>
-                      <a:prstDash val="solid"/>
-                      <a:miter lim="800000"/>
-                    </a:lnB>
-                    <a:lnTlToBr w="12700" cmpd="sng">
-                      <a:noFill/>
-                      <a:prstDash val="solid"/>
-                    </a:lnTlToBr>
-                    <a:lnBlToTr w="12700" cmpd="sng">
-                      <a:noFill/>
-                      <a:prstDash val="solid"/>
-                    </a:lnBlToTr>
-                    <a:solidFill>
-                      <a:schemeClr val="tx2"/>
-                    </a:solidFill>
-                  </a:tcPr>
-                </a:tc>
-                <a:extLst>
-                  <a:ext uri="{0D108BD9-81ED-4DB2-BD59-A6C34878D82A}">
-                    <a16:rowId xmlns:a16="http://schemas.microsoft.com/office/drawing/2014/main" xmlns="" val="2818840102"/>
-                  </a:ext>
-                </a:extLst>
-              </a:tr>
-              <a:tr h="243696">
-                <a:tc>
-                  <a:txBody>
-                    <a:bodyPr/>
-                    <a:lstStyle/>
-                    <a:p>
-                      <a:pPr algn="ctr"/>
-                      <a:r>
-                        <a:rPr lang="en-IN" sz="1600" i="1" dirty="0">
-                          <a:solidFill>
-                            <a:schemeClr val="accent1"/>
-                          </a:solidFill>
-                        </a:rPr>
-                        <a:t>4</a:t>
-                      </a:r>
-                    </a:p>
-                  </a:txBody>
-                  <a:tcPr>
-                    <a:lnL w="6350" cap="flat" cmpd="sng" algn="ctr">
-                      <a:noFill/>
-                      <a:prstDash val="solid"/>
-                      <a:miter lim="800000"/>
-                    </a:lnL>
-                    <a:lnR w="6350" cap="flat" cmpd="sng" algn="ctr">
-                      <a:noFill/>
-                      <a:prstDash val="solid"/>
-                      <a:miter lim="800000"/>
-                    </a:lnR>
-                    <a:lnT w="6350" cap="flat" cmpd="sng" algn="ctr">
-                      <a:noFill/>
-                      <a:prstDash val="solid"/>
-                      <a:miter lim="800000"/>
-                    </a:lnT>
-                    <a:lnB w="6350" cap="flat" cmpd="sng" algn="ctr">
-                      <a:noFill/>
-                      <a:prstDash val="solid"/>
-                      <a:miter lim="800000"/>
-                    </a:lnB>
-                    <a:lnTlToBr w="12700" cmpd="sng">
-                      <a:noFill/>
-                      <a:prstDash val="solid"/>
-                    </a:lnTlToBr>
-                    <a:lnBlToTr w="12700" cmpd="sng">
-                      <a:noFill/>
-                      <a:prstDash val="solid"/>
-                    </a:lnBlToTr>
-                    <a:solidFill>
-                      <a:schemeClr val="tx2"/>
-                    </a:solidFill>
-                  </a:tcPr>
-                </a:tc>
-                <a:tc>
-                  <a:txBody>
-                    <a:bodyPr/>
-                    <a:lstStyle/>
-                    <a:p>
-                      <a:pPr marL="0" marR="0" lvl="0" indent="0" algn="l" defTabSz="914400" rtl="0" eaLnBrk="1" fontAlgn="auto" latinLnBrk="0" hangingPunct="1">
-                        <a:lnSpc>
-                          <a:spcPct val="100000"/>
-                        </a:lnSpc>
-                        <a:spcBef>
-                          <a:spcPts val="0"/>
-                        </a:spcBef>
-                        <a:spcAft>
-                          <a:spcPts val="0"/>
-                        </a:spcAft>
-                        <a:buClrTx/>
-                        <a:buSzTx/>
-                        <a:buFontTx/>
-                        <a:buNone/>
-                        <a:tabLst/>
-                        <a:defRPr/>
-                      </a:pPr>
-                      <a:r>
-                        <a:rPr lang="en-IN" sz="1600" i="1" dirty="0">
-                          <a:solidFill>
-                            <a:schemeClr val="bg1"/>
-                          </a:solidFill>
-                        </a:rPr>
-                        <a:t>data3 = </a:t>
-                      </a:r>
-                      <a:r>
-                        <a:rPr lang="en-IN" sz="1600" i="1" dirty="0" err="1">
-                          <a:solidFill>
-                            <a:schemeClr val="bg1"/>
-                          </a:solidFill>
-                        </a:rPr>
-                        <a:t>pd.read_csv</a:t>
-                      </a:r>
-                      <a:r>
-                        <a:rPr lang="en-IN" sz="1600" i="1" dirty="0">
-                          <a:solidFill>
-                            <a:schemeClr val="bg1"/>
-                          </a:solidFill>
-                        </a:rPr>
-                        <a:t>(“gen_image_vec_2000_3000.csv”)</a:t>
-                      </a:r>
-                    </a:p>
-                  </a:txBody>
-                  <a:tcPr>
-                    <a:lnL w="6350" cap="flat" cmpd="sng" algn="ctr">
-                      <a:noFill/>
-                      <a:prstDash val="solid"/>
-                      <a:miter lim="800000"/>
-                    </a:lnL>
-                    <a:lnR w="6350" cap="flat" cmpd="sng" algn="ctr">
-                      <a:noFill/>
-                      <a:prstDash val="solid"/>
-                      <a:miter lim="800000"/>
-                    </a:lnR>
-                    <a:lnT w="6350" cap="flat" cmpd="sng" algn="ctr">
-                      <a:noFill/>
-                      <a:prstDash val="solid"/>
-                      <a:miter lim="800000"/>
-                    </a:lnT>
-                    <a:lnB w="6350" cap="flat" cmpd="sng" algn="ctr">
-                      <a:noFill/>
-                      <a:prstDash val="solid"/>
-                      <a:miter lim="800000"/>
-                    </a:lnB>
-                    <a:lnTlToBr w="12700" cmpd="sng">
-                      <a:noFill/>
-                      <a:prstDash val="solid"/>
-                    </a:lnTlToBr>
-                    <a:lnBlToTr w="12700" cmpd="sng">
-                      <a:noFill/>
-                      <a:prstDash val="solid"/>
-                    </a:lnBlToTr>
-                    <a:solidFill>
-                      <a:schemeClr val="tx2"/>
-                    </a:solidFill>
-                  </a:tcPr>
-                </a:tc>
-                <a:extLst>
-                  <a:ext uri="{0D108BD9-81ED-4DB2-BD59-A6C34878D82A}">
-                    <a16:rowId xmlns:a16="http://schemas.microsoft.com/office/drawing/2014/main" xmlns="" val="1961751626"/>
-                  </a:ext>
-                </a:extLst>
-              </a:tr>
-              <a:tr h="243696">
-                <a:tc>
-                  <a:txBody>
-                    <a:bodyPr/>
-                    <a:lstStyle/>
-                    <a:p>
-                      <a:pPr algn="ctr"/>
-                      <a:r>
-                        <a:rPr lang="en-IN" sz="1600" i="1" dirty="0">
-                          <a:solidFill>
-                            <a:schemeClr val="accent1"/>
-                          </a:solidFill>
-                        </a:rPr>
-                        <a:t>5</a:t>
-                      </a:r>
-                    </a:p>
-                  </a:txBody>
-                  <a:tcPr>
-                    <a:lnL w="6350" cap="flat" cmpd="sng" algn="ctr">
-                      <a:noFill/>
-                      <a:prstDash val="solid"/>
-                      <a:miter lim="800000"/>
-                    </a:lnL>
-                    <a:lnR w="6350" cap="flat" cmpd="sng" algn="ctr">
-                      <a:noFill/>
-                      <a:prstDash val="solid"/>
-                      <a:miter lim="800000"/>
-                    </a:lnR>
-                    <a:lnT w="6350" cap="flat" cmpd="sng" algn="ctr">
-                      <a:noFill/>
-                      <a:prstDash val="solid"/>
-                      <a:miter lim="800000"/>
-                    </a:lnT>
-                    <a:lnB w="6350" cap="flat" cmpd="sng" algn="ctr">
-                      <a:noFill/>
-                      <a:prstDash val="solid"/>
-                      <a:miter lim="800000"/>
-                    </a:lnB>
-                    <a:lnTlToBr w="12700" cmpd="sng">
-                      <a:noFill/>
-                      <a:prstDash val="solid"/>
-                    </a:lnTlToBr>
-                    <a:lnBlToTr w="12700" cmpd="sng">
-                      <a:noFill/>
-                      <a:prstDash val="solid"/>
-                    </a:lnBlToTr>
-                    <a:solidFill>
-                      <a:schemeClr val="tx2"/>
-                    </a:solidFill>
-                  </a:tcPr>
-                </a:tc>
-                <a:tc>
-                  <a:txBody>
-                    <a:bodyPr/>
-                    <a:lstStyle/>
-                    <a:p>
-                      <a:pPr marL="0" marR="0" lvl="0" indent="0" algn="l" defTabSz="914400" rtl="0" eaLnBrk="1" fontAlgn="auto" latinLnBrk="0" hangingPunct="1">
-                        <a:lnSpc>
-                          <a:spcPct val="100000"/>
-                        </a:lnSpc>
-                        <a:spcBef>
-                          <a:spcPts val="0"/>
-                        </a:spcBef>
-                        <a:spcAft>
-                          <a:spcPts val="0"/>
-                        </a:spcAft>
-                        <a:buClrTx/>
-                        <a:buSzTx/>
-                        <a:buFontTx/>
-                        <a:buNone/>
-                        <a:tabLst/>
-                        <a:defRPr/>
-                      </a:pPr>
-                      <a:r>
-                        <a:rPr lang="en-IN" sz="1600" i="1" dirty="0">
-                          <a:solidFill>
-                            <a:schemeClr val="bg1"/>
-                          </a:solidFill>
-                        </a:rPr>
-                        <a:t>data4 = </a:t>
-                      </a:r>
-                      <a:r>
-                        <a:rPr lang="en-IN" sz="1600" i="1" dirty="0" err="1">
-                          <a:solidFill>
-                            <a:schemeClr val="bg1"/>
-                          </a:solidFill>
-                        </a:rPr>
-                        <a:t>pd.read_csv</a:t>
-                      </a:r>
-                      <a:r>
-                        <a:rPr lang="en-IN" sz="1600" i="1" dirty="0">
-                          <a:solidFill>
-                            <a:schemeClr val="bg1"/>
-                          </a:solidFill>
-                        </a:rPr>
-                        <a:t>(“gen_image_vec_3000_4000.csv”)</a:t>
-                      </a:r>
-                    </a:p>
-                  </a:txBody>
-                  <a:tcPr>
-                    <a:lnL w="6350" cap="flat" cmpd="sng" algn="ctr">
-                      <a:noFill/>
-                      <a:prstDash val="solid"/>
-                      <a:miter lim="800000"/>
-                    </a:lnL>
-                    <a:lnR w="6350" cap="flat" cmpd="sng" algn="ctr">
-                      <a:noFill/>
-                      <a:prstDash val="solid"/>
-                      <a:miter lim="800000"/>
-                    </a:lnR>
-                    <a:lnT w="6350" cap="flat" cmpd="sng" algn="ctr">
-                      <a:noFill/>
-                      <a:prstDash val="solid"/>
-                      <a:miter lim="800000"/>
-                    </a:lnT>
-                    <a:lnB w="6350" cap="flat" cmpd="sng" algn="ctr">
-                      <a:noFill/>
-                      <a:prstDash val="solid"/>
-                      <a:miter lim="800000"/>
-                    </a:lnB>
-                    <a:lnTlToBr w="12700" cmpd="sng">
-                      <a:noFill/>
-                      <a:prstDash val="solid"/>
-                    </a:lnTlToBr>
-                    <a:lnBlToTr w="12700" cmpd="sng">
-                      <a:noFill/>
-                      <a:prstDash val="solid"/>
-                    </a:lnBlToTr>
-                    <a:solidFill>
-                      <a:schemeClr val="tx2"/>
-                    </a:solidFill>
-                  </a:tcPr>
-                </a:tc>
-                <a:extLst>
-                  <a:ext uri="{0D108BD9-81ED-4DB2-BD59-A6C34878D82A}">
-                    <a16:rowId xmlns:a16="http://schemas.microsoft.com/office/drawing/2014/main" xmlns="" val="1585524039"/>
-                  </a:ext>
-                </a:extLst>
-              </a:tr>
-              <a:tr h="243696">
-                <a:tc>
-                  <a:txBody>
-                    <a:bodyPr/>
-                    <a:lstStyle/>
-                    <a:p>
-                      <a:pPr algn="ctr"/>
-                      <a:r>
-                        <a:rPr lang="en-IN" sz="1600" i="1" dirty="0">
-                          <a:solidFill>
-                            <a:schemeClr val="accent1"/>
-                          </a:solidFill>
-                        </a:rPr>
-                        <a:t>6</a:t>
-                      </a:r>
-                    </a:p>
-                  </a:txBody>
-                  <a:tcPr>
-                    <a:lnL w="6350" cap="flat" cmpd="sng" algn="ctr">
-                      <a:noFill/>
-                      <a:prstDash val="solid"/>
-                      <a:miter lim="800000"/>
-                    </a:lnL>
-                    <a:lnR w="6350" cap="flat" cmpd="sng" algn="ctr">
-                      <a:noFill/>
-                      <a:prstDash val="solid"/>
-                      <a:miter lim="800000"/>
-                    </a:lnR>
-                    <a:lnT w="6350" cap="flat" cmpd="sng" algn="ctr">
-                      <a:noFill/>
-                      <a:prstDash val="solid"/>
-                      <a:miter lim="800000"/>
-                    </a:lnT>
-                    <a:lnB w="6350" cap="flat" cmpd="sng" algn="ctr">
-                      <a:noFill/>
-                      <a:prstDash val="solid"/>
-                      <a:miter lim="800000"/>
-                    </a:lnB>
-                    <a:lnTlToBr w="12700" cmpd="sng">
-                      <a:noFill/>
-                      <a:prstDash val="solid"/>
-                    </a:lnTlToBr>
-                    <a:lnBlToTr w="12700" cmpd="sng">
-                      <a:noFill/>
-                      <a:prstDash val="solid"/>
-                    </a:lnBlToTr>
-                    <a:solidFill>
-                      <a:schemeClr val="tx2"/>
-                    </a:solidFill>
-                  </a:tcPr>
-                </a:tc>
-                <a:tc>
-                  <a:txBody>
-                    <a:bodyPr/>
-                    <a:lstStyle/>
-                    <a:p>
-                      <a:pPr marL="0" marR="0" lvl="0" indent="0" algn="l" defTabSz="914400" rtl="0" eaLnBrk="1" fontAlgn="auto" latinLnBrk="0" hangingPunct="1">
-                        <a:lnSpc>
-                          <a:spcPct val="100000"/>
-                        </a:lnSpc>
-                        <a:spcBef>
-                          <a:spcPts val="0"/>
-                        </a:spcBef>
-                        <a:spcAft>
-                          <a:spcPts val="0"/>
-                        </a:spcAft>
-                        <a:buClrTx/>
-                        <a:buSzTx/>
-                        <a:buFontTx/>
-                        <a:buNone/>
-                        <a:tabLst/>
-                        <a:defRPr/>
-                      </a:pPr>
-                      <a:r>
-                        <a:rPr lang="en-IN" sz="1600" i="1" dirty="0">
-                          <a:solidFill>
-                            <a:schemeClr val="bg1"/>
-                          </a:solidFill>
-                        </a:rPr>
-                        <a:t>data5 = </a:t>
-                      </a:r>
-                      <a:r>
-                        <a:rPr lang="en-IN" sz="1600" i="1" dirty="0" err="1">
-                          <a:solidFill>
-                            <a:schemeClr val="bg1"/>
-                          </a:solidFill>
-                        </a:rPr>
-                        <a:t>pd.read_csv</a:t>
-                      </a:r>
-                      <a:r>
-                        <a:rPr lang="en-IN" sz="1600" i="1" dirty="0">
-                          <a:solidFill>
-                            <a:schemeClr val="bg1"/>
-                          </a:solidFill>
-                        </a:rPr>
-                        <a:t>(“gen_image_vec_4000_5000.csv”)</a:t>
-                      </a:r>
-                    </a:p>
-                  </a:txBody>
-                  <a:tcPr>
-                    <a:lnL w="6350" cap="flat" cmpd="sng" algn="ctr">
-                      <a:noFill/>
-                      <a:prstDash val="solid"/>
-                      <a:miter lim="800000"/>
-                    </a:lnL>
-                    <a:lnR w="6350" cap="flat" cmpd="sng" algn="ctr">
-                      <a:noFill/>
-                      <a:prstDash val="solid"/>
-                      <a:miter lim="800000"/>
-                    </a:lnR>
-                    <a:lnT w="6350" cap="flat" cmpd="sng" algn="ctr">
-                      <a:noFill/>
-                      <a:prstDash val="solid"/>
-                      <a:miter lim="800000"/>
-                    </a:lnT>
-                    <a:lnB w="6350" cap="flat" cmpd="sng" algn="ctr">
-                      <a:noFill/>
-                      <a:prstDash val="solid"/>
-                      <a:miter lim="800000"/>
-                    </a:lnB>
-                    <a:lnTlToBr w="12700" cmpd="sng">
-                      <a:noFill/>
-                      <a:prstDash val="solid"/>
-                    </a:lnTlToBr>
-                    <a:lnBlToTr w="12700" cmpd="sng">
-                      <a:noFill/>
-                      <a:prstDash val="solid"/>
-                    </a:lnBlToTr>
-                    <a:solidFill>
-                      <a:schemeClr val="tx2"/>
-                    </a:solidFill>
-                  </a:tcPr>
-                </a:tc>
-                <a:extLst>
-                  <a:ext uri="{0D108BD9-81ED-4DB2-BD59-A6C34878D82A}">
-                    <a16:rowId xmlns:a16="http://schemas.microsoft.com/office/drawing/2014/main" xmlns="" val="323600723"/>
-                  </a:ext>
-                </a:extLst>
-              </a:tr>
-              <a:tr h="243696">
-                <a:tc>
-                  <a:txBody>
-                    <a:bodyPr/>
-                    <a:lstStyle/>
-                    <a:p>
-                      <a:pPr algn="ctr"/>
-                      <a:r>
-                        <a:rPr lang="en-IN" sz="1600" i="1" dirty="0">
-                          <a:solidFill>
-                            <a:schemeClr val="accent1"/>
-                          </a:solidFill>
-                        </a:rPr>
-                        <a:t>7</a:t>
-                      </a:r>
-                    </a:p>
-                  </a:txBody>
-                  <a:tcPr>
-                    <a:lnL w="6350" cap="flat" cmpd="sng" algn="ctr">
-                      <a:noFill/>
-                      <a:prstDash val="solid"/>
-                      <a:miter lim="800000"/>
-                    </a:lnL>
-                    <a:lnR w="6350" cap="flat" cmpd="sng" algn="ctr">
-                      <a:noFill/>
-                      <a:prstDash val="solid"/>
-                      <a:miter lim="800000"/>
-                    </a:lnR>
-                    <a:lnT w="6350" cap="flat" cmpd="sng" algn="ctr">
-                      <a:noFill/>
-                      <a:prstDash val="solid"/>
-                      <a:miter lim="800000"/>
-                    </a:lnT>
-                    <a:lnB w="6350" cap="flat" cmpd="sng" algn="ctr">
-                      <a:noFill/>
-                      <a:prstDash val="solid"/>
-                      <a:miter lim="800000"/>
-                    </a:lnB>
-                    <a:lnTlToBr w="12700" cmpd="sng">
-                      <a:noFill/>
-                      <a:prstDash val="solid"/>
-                    </a:lnTlToBr>
-                    <a:lnBlToTr w="12700" cmpd="sng">
-                      <a:noFill/>
-                      <a:prstDash val="solid"/>
-                    </a:lnBlToTr>
-                    <a:solidFill>
-                      <a:schemeClr val="tx2"/>
-                    </a:solidFill>
-                  </a:tcPr>
-                </a:tc>
-                <a:tc>
-                  <a:txBody>
-                    <a:bodyPr/>
-                    <a:lstStyle/>
-                    <a:p>
-                      <a:pPr marL="0" marR="0" lvl="0" indent="0" algn="l" defTabSz="914400" rtl="0" eaLnBrk="1" fontAlgn="auto" latinLnBrk="0" hangingPunct="1">
-                        <a:lnSpc>
-                          <a:spcPct val="100000"/>
-                        </a:lnSpc>
-                        <a:spcBef>
-                          <a:spcPts val="0"/>
-                        </a:spcBef>
-                        <a:spcAft>
-                          <a:spcPts val="0"/>
-                        </a:spcAft>
-                        <a:buClrTx/>
-                        <a:buSzTx/>
-                        <a:buFontTx/>
-                        <a:buNone/>
-                        <a:tabLst/>
-                        <a:defRPr/>
-                      </a:pPr>
-                      <a:r>
-                        <a:rPr lang="en-IN" sz="1600" i="1" dirty="0">
-                          <a:solidFill>
-                            <a:schemeClr val="bg1"/>
-                          </a:solidFill>
-                        </a:rPr>
-                        <a:t>data6 = </a:t>
-                      </a:r>
-                      <a:r>
-                        <a:rPr lang="en-IN" sz="1600" i="1" dirty="0" err="1">
-                          <a:solidFill>
-                            <a:schemeClr val="bg1"/>
-                          </a:solidFill>
-                        </a:rPr>
-                        <a:t>pd.read_csv</a:t>
-                      </a:r>
-                      <a:r>
-                        <a:rPr lang="en-IN" sz="1600" i="1" dirty="0">
-                          <a:solidFill>
-                            <a:schemeClr val="bg1"/>
-                          </a:solidFill>
-                        </a:rPr>
-                        <a:t>(“gen_image_vec_5000_6000.csv”)</a:t>
-                      </a:r>
-                    </a:p>
-                  </a:txBody>
-                  <a:tcPr>
-                    <a:lnL w="6350" cap="flat" cmpd="sng" algn="ctr">
-                      <a:noFill/>
-                      <a:prstDash val="solid"/>
-                      <a:miter lim="800000"/>
-                    </a:lnL>
-                    <a:lnR w="6350" cap="flat" cmpd="sng" algn="ctr">
-                      <a:noFill/>
-                      <a:prstDash val="solid"/>
-                      <a:miter lim="800000"/>
-                    </a:lnR>
-                    <a:lnT w="6350" cap="flat" cmpd="sng" algn="ctr">
-                      <a:noFill/>
-                      <a:prstDash val="solid"/>
-                      <a:miter lim="800000"/>
-                    </a:lnT>
-                    <a:lnB w="6350" cap="flat" cmpd="sng" algn="ctr">
-                      <a:noFill/>
-                      <a:prstDash val="solid"/>
-                      <a:miter lim="800000"/>
-                    </a:lnB>
-                    <a:lnTlToBr w="12700" cmpd="sng">
-                      <a:noFill/>
-                      <a:prstDash val="solid"/>
-                    </a:lnTlToBr>
-                    <a:lnBlToTr w="12700" cmpd="sng">
-                      <a:noFill/>
-                      <a:prstDash val="solid"/>
-                    </a:lnBlToTr>
-                    <a:solidFill>
-                      <a:schemeClr val="tx2"/>
-                    </a:solidFill>
-                  </a:tcPr>
-                </a:tc>
-                <a:extLst>
-                  <a:ext uri="{0D108BD9-81ED-4DB2-BD59-A6C34878D82A}">
-                    <a16:rowId xmlns:a16="http://schemas.microsoft.com/office/drawing/2014/main" xmlns="" val="3508601488"/>
-                  </a:ext>
-                </a:extLst>
-              </a:tr>
-              <a:tr h="243696">
-                <a:tc>
-                  <a:txBody>
-                    <a:bodyPr/>
-                    <a:lstStyle/>
-                    <a:p>
-                      <a:pPr algn="ctr"/>
-                      <a:r>
-                        <a:rPr lang="en-IN" sz="1600" i="1" dirty="0">
-                          <a:solidFill>
-                            <a:schemeClr val="accent1"/>
-                          </a:solidFill>
-                        </a:rPr>
-                        <a:t>8</a:t>
-                      </a:r>
-                    </a:p>
-                  </a:txBody>
-                  <a:tcPr>
-                    <a:lnL w="6350" cap="flat" cmpd="sng" algn="ctr">
-                      <a:noFill/>
-                      <a:prstDash val="solid"/>
-                      <a:miter lim="800000"/>
-                    </a:lnL>
-                    <a:lnR w="6350" cap="flat" cmpd="sng" algn="ctr">
-                      <a:noFill/>
-                      <a:prstDash val="solid"/>
-                      <a:miter lim="800000"/>
-                    </a:lnR>
-                    <a:lnT w="6350" cap="flat" cmpd="sng" algn="ctr">
-                      <a:noFill/>
-                      <a:prstDash val="solid"/>
-                      <a:miter lim="800000"/>
-                    </a:lnT>
-                    <a:lnB w="6350" cap="flat" cmpd="sng" algn="ctr">
-                      <a:noFill/>
-                      <a:prstDash val="solid"/>
-                      <a:miter lim="800000"/>
-                    </a:lnB>
-                    <a:lnTlToBr w="12700" cmpd="sng">
-                      <a:noFill/>
-                      <a:prstDash val="solid"/>
-                    </a:lnTlToBr>
-                    <a:lnBlToTr w="12700" cmpd="sng">
-                      <a:noFill/>
-                      <a:prstDash val="solid"/>
-                    </a:lnBlToTr>
-                    <a:solidFill>
-                      <a:schemeClr val="tx2"/>
-                    </a:solidFill>
-                  </a:tcPr>
-                </a:tc>
-                <a:tc>
-                  <a:txBody>
-                    <a:bodyPr/>
-                    <a:lstStyle/>
-                    <a:p>
-                      <a:r>
-                        <a:rPr lang="en-IN" sz="1600" i="1" dirty="0">
-                          <a:solidFill>
-                            <a:schemeClr val="bg1"/>
-                          </a:solidFill>
-                        </a:rPr>
-                        <a:t>data = </a:t>
-                      </a:r>
-                      <a:r>
-                        <a:rPr lang="en-IN" sz="1600" i="1" dirty="0" err="1">
-                          <a:solidFill>
-                            <a:schemeClr val="bg1"/>
-                          </a:solidFill>
-                        </a:rPr>
-                        <a:t>pd.concat</a:t>
-                      </a:r>
-                      <a:r>
-                        <a:rPr lang="en-IN" sz="1600" i="1" dirty="0">
-                          <a:solidFill>
-                            <a:schemeClr val="bg1"/>
-                          </a:solidFill>
-                        </a:rPr>
-                        <a:t>([data1, data2, data3, data4, data5, data6]).</a:t>
-                      </a:r>
-                      <a:r>
-                        <a:rPr lang="en-IN" sz="1600" i="1" dirty="0" err="1">
-                          <a:solidFill>
-                            <a:schemeClr val="bg1"/>
-                          </a:solidFill>
-                        </a:rPr>
-                        <a:t>reset_index</a:t>
-                      </a:r>
-                      <a:r>
-                        <a:rPr lang="en-IN" sz="1600" i="1" dirty="0">
-                          <a:solidFill>
-                            <a:schemeClr val="bg1"/>
-                          </a:solidFill>
-                        </a:rPr>
-                        <a:t>(drop=True)</a:t>
-                      </a:r>
-                    </a:p>
-                  </a:txBody>
-                  <a:tcPr>
-                    <a:lnL w="6350" cap="flat" cmpd="sng" algn="ctr">
-                      <a:noFill/>
-                      <a:prstDash val="solid"/>
-                      <a:miter lim="800000"/>
-                    </a:lnL>
-                    <a:lnR w="6350" cap="flat" cmpd="sng" algn="ctr">
-                      <a:noFill/>
-                      <a:prstDash val="solid"/>
-                      <a:miter lim="800000"/>
-                    </a:lnR>
-                    <a:lnT w="6350" cap="flat" cmpd="sng" algn="ctr">
-                      <a:noFill/>
-                      <a:prstDash val="solid"/>
-                      <a:miter lim="800000"/>
-                    </a:lnT>
-                    <a:lnB w="6350" cap="flat" cmpd="sng" algn="ctr">
-                      <a:noFill/>
-                      <a:prstDash val="solid"/>
-                      <a:miter lim="800000"/>
-                    </a:lnB>
-                    <a:lnTlToBr w="12700" cmpd="sng">
-                      <a:noFill/>
-                      <a:prstDash val="solid"/>
-                    </a:lnTlToBr>
-                    <a:lnBlToTr w="12700" cmpd="sng">
-                      <a:noFill/>
-                      <a:prstDash val="solid"/>
-                    </a:lnBlToTr>
-                    <a:solidFill>
-                      <a:schemeClr val="tx2"/>
-                    </a:solidFill>
-                  </a:tcPr>
-                </a:tc>
-                <a:extLst>
-                  <a:ext uri="{0D108BD9-81ED-4DB2-BD59-A6C34878D82A}">
-                    <a16:rowId xmlns:a16="http://schemas.microsoft.com/office/drawing/2014/main" xmlns="" val="500996964"/>
-                  </a:ext>
-                </a:extLst>
-              </a:tr>
-              <a:tr h="243696">
-                <a:tc>
-                  <a:txBody>
-                    <a:bodyPr/>
-                    <a:lstStyle/>
-                    <a:p>
-                      <a:pPr algn="ctr"/>
-                      <a:r>
-                        <a:rPr lang="en-IN" sz="1600" i="1" dirty="0">
-                          <a:solidFill>
-                            <a:schemeClr val="accent1"/>
-                          </a:solidFill>
-                        </a:rPr>
-                        <a:t>9</a:t>
-                      </a:r>
-                    </a:p>
-                  </a:txBody>
-                  <a:tcPr>
-                    <a:lnL w="6350" cap="flat" cmpd="sng" algn="ctr">
-                      <a:noFill/>
-                      <a:prstDash val="solid"/>
-                      <a:miter lim="800000"/>
-                    </a:lnL>
-                    <a:lnR w="6350" cap="flat" cmpd="sng" algn="ctr">
-                      <a:noFill/>
-                      <a:prstDash val="solid"/>
-                      <a:miter lim="800000"/>
-                    </a:lnR>
-                    <a:lnT w="6350" cap="flat" cmpd="sng" algn="ctr">
-                      <a:noFill/>
-                      <a:prstDash val="solid"/>
-                      <a:miter lim="800000"/>
-                    </a:lnT>
-                    <a:lnB w="6350" cap="flat" cmpd="sng" algn="ctr">
-                      <a:noFill/>
-                      <a:prstDash val="solid"/>
-                      <a:miter lim="800000"/>
-                    </a:lnB>
-                    <a:lnTlToBr w="12700" cmpd="sng">
-                      <a:noFill/>
-                      <a:prstDash val="solid"/>
-                    </a:lnTlToBr>
-                    <a:lnBlToTr w="12700" cmpd="sng">
-                      <a:noFill/>
-                      <a:prstDash val="solid"/>
-                    </a:lnBlToTr>
-                    <a:solidFill>
-                      <a:schemeClr val="tx2"/>
-                    </a:solidFill>
-                  </a:tcPr>
-                </a:tc>
-                <a:tc>
-                  <a:txBody>
-                    <a:bodyPr/>
-                    <a:lstStyle/>
-                    <a:p>
-                      <a:r>
-                        <a:rPr lang="en-IN" sz="1600" i="1" dirty="0" err="1">
-                          <a:solidFill>
-                            <a:schemeClr val="bg1"/>
-                          </a:solidFill>
-                        </a:rPr>
-                        <a:t>data.to_csv</a:t>
-                      </a:r>
-                      <a:r>
-                        <a:rPr lang="en-IN" sz="1600" i="1" dirty="0">
-                          <a:solidFill>
-                            <a:schemeClr val="bg1"/>
-                          </a:solidFill>
-                        </a:rPr>
-                        <a:t>(“train_imagename_bottleneck_feat.csv”, index=False)</a:t>
-                      </a:r>
-                    </a:p>
-                  </a:txBody>
-                  <a:tcPr>
-                    <a:lnL w="6350" cap="flat" cmpd="sng" algn="ctr">
-                      <a:noFill/>
-                      <a:prstDash val="solid"/>
-                      <a:miter lim="800000"/>
-                    </a:lnL>
-                    <a:lnR w="6350" cap="flat" cmpd="sng" algn="ctr">
-                      <a:noFill/>
-                      <a:prstDash val="solid"/>
-                      <a:miter lim="800000"/>
-                    </a:lnR>
-                    <a:lnT w="6350" cap="flat" cmpd="sng" algn="ctr">
-                      <a:noFill/>
-                      <a:prstDash val="solid"/>
-                      <a:miter lim="800000"/>
-                    </a:lnT>
-                    <a:lnB w="6350" cap="flat" cmpd="sng" algn="ctr">
-                      <a:noFill/>
-                      <a:prstDash val="solid"/>
-                      <a:miter lim="800000"/>
-                    </a:lnB>
-                    <a:lnTlToBr w="12700" cmpd="sng">
-                      <a:noFill/>
-                      <a:prstDash val="solid"/>
-                    </a:lnTlToBr>
-                    <a:lnBlToTr w="12700" cmpd="sng">
-                      <a:noFill/>
-                      <a:prstDash val="solid"/>
-                    </a:lnBlToTr>
-                    <a:solidFill>
-                      <a:schemeClr val="tx2"/>
-                    </a:solidFill>
-                  </a:tcPr>
-                </a:tc>
-                <a:extLst>
-                  <a:ext uri="{0D108BD9-81ED-4DB2-BD59-A6C34878D82A}">
-                    <a16:rowId xmlns:a16="http://schemas.microsoft.com/office/drawing/2014/main" xmlns="" val="2211773331"/>
-                  </a:ext>
-                </a:extLst>
-              </a:tr>
-            </a:tbl>
-          </a:graphicData>
-        </a:graphic>
-      </p:graphicFrame>
     </p:spTree>
     <p:extLst>
       <p:ext uri="{BB962C8B-B14F-4D97-AF65-F5344CB8AC3E}">
@@ -20385,7 +19453,7 @@
           <p:cNvPr id="2" name="Title 1">
             <a:extLst>
               <a:ext uri="{FF2B5EF4-FFF2-40B4-BE49-F238E27FC236}">
-                <a16:creationId xmlns:a16="http://schemas.microsoft.com/office/drawing/2014/main" xmlns="" id="{9F53C0E6-5CA5-48E1-B370-E678425399F4}"/>
+                <a16:creationId xmlns="" xmlns:a16="http://schemas.microsoft.com/office/drawing/2014/main" id="{9F53C0E6-5CA5-48E1-B370-E678425399F4}"/>
               </a:ext>
             </a:extLst>
           </p:cNvPr>
@@ -20418,7 +19486,7 @@
           <p:cNvPr id="3" name="Content Placeholder 2">
             <a:extLst>
               <a:ext uri="{FF2B5EF4-FFF2-40B4-BE49-F238E27FC236}">
-                <a16:creationId xmlns:a16="http://schemas.microsoft.com/office/drawing/2014/main" xmlns="" id="{F0A4581A-26B3-40E7-A945-90C4D9B58292}"/>
+                <a16:creationId xmlns="" xmlns:a16="http://schemas.microsoft.com/office/drawing/2014/main" id="{F0A4581A-26B3-40E7-A945-90C4D9B58292}"/>
               </a:ext>
             </a:extLst>
           </p:cNvPr>
@@ -20449,7 +19517,7 @@
                 <a:spcPts val="0"/>
               </a:spcBef>
               <a:buFont typeface="+mj-lt"/>
-              <a:buAutoNum type="arabicPeriod" startAt="5"/>
+              <a:buAutoNum type="arabicPeriod" startAt="6"/>
             </a:pPr>
             <a:r>
               <a:rPr lang="en-IN" sz="2000" dirty="0"/>
@@ -20636,15 +19704,7 @@
             </a:r>
             <a:r>
               <a:rPr lang="en-IN" sz="1900" dirty="0"/>
-              <a:t>”. This variable is also of dictionary type but has </a:t>
-            </a:r>
-            <a:r>
-              <a:rPr lang="en-IN" sz="1900"/>
-              <a:t>line indices </a:t>
-            </a:r>
-            <a:r>
-              <a:rPr lang="en-IN" sz="1900" dirty="0"/>
-              <a:t>(from 0) as key and word as value. This variable will be helpful during inference.</a:t>
+              <a:t>”. This variable is also of dictionary type but has line indices (from 0) as key and word as value. This variable will be helpful during inference.</a:t>
             </a:r>
           </a:p>
           <a:p>
@@ -20686,7 +19746,7 @@
           <p:cNvPr id="4" name="Footer Placeholder 3">
             <a:extLst>
               <a:ext uri="{FF2B5EF4-FFF2-40B4-BE49-F238E27FC236}">
-                <a16:creationId xmlns:a16="http://schemas.microsoft.com/office/drawing/2014/main" xmlns="" id="{540972A1-4BB3-4D04-B4DF-C76BA9B5CAD8}"/>
+                <a16:creationId xmlns="" xmlns:a16="http://schemas.microsoft.com/office/drawing/2014/main" id="{540972A1-4BB3-4D04-B4DF-C76BA9B5CAD8}"/>
               </a:ext>
             </a:extLst>
           </p:cNvPr>
@@ -20715,7 +19775,7 @@
           <p:cNvPr id="5" name="Slide Number Placeholder 4">
             <a:extLst>
               <a:ext uri="{FF2B5EF4-FFF2-40B4-BE49-F238E27FC236}">
-                <a16:creationId xmlns:a16="http://schemas.microsoft.com/office/drawing/2014/main" xmlns="" id="{23B5C741-F1AB-463E-B229-974B2924B065}"/>
+                <a16:creationId xmlns="" xmlns:a16="http://schemas.microsoft.com/office/drawing/2014/main" id="{23B5C741-F1AB-463E-B229-974B2924B065}"/>
               </a:ext>
             </a:extLst>
           </p:cNvPr>
@@ -20744,7 +19804,7 @@
           <p:cNvPr id="6" name="Table 6">
             <a:extLst>
               <a:ext uri="{FF2B5EF4-FFF2-40B4-BE49-F238E27FC236}">
-                <a16:creationId xmlns:a16="http://schemas.microsoft.com/office/drawing/2014/main" xmlns="" id="{B5A67E9F-258D-4488-8F85-5457E84D83EF}"/>
+                <a16:creationId xmlns="" xmlns:a16="http://schemas.microsoft.com/office/drawing/2014/main" id="{B5A67E9F-258D-4488-8F85-5457E84D83EF}"/>
               </a:ext>
             </a:extLst>
           </p:cNvPr>
@@ -20773,14 +19833,14 @@
                 <a:gridCol w="4755874">
                   <a:extLst>
                     <a:ext uri="{9D8B030D-6E8A-4147-A177-3AD203B41FA5}">
-                      <a16:colId xmlns:a16="http://schemas.microsoft.com/office/drawing/2014/main" xmlns="" val="736955682"/>
+                      <a16:colId xmlns="" xmlns:a16="http://schemas.microsoft.com/office/drawing/2014/main" val="736955682"/>
                     </a:ext>
                   </a:extLst>
                 </a:gridCol>
                 <a:gridCol w="4755874">
                   <a:extLst>
                     <a:ext uri="{9D8B030D-6E8A-4147-A177-3AD203B41FA5}">
-                      <a16:colId xmlns:a16="http://schemas.microsoft.com/office/drawing/2014/main" xmlns="" val="637564705"/>
+                      <a16:colId xmlns="" xmlns:a16="http://schemas.microsoft.com/office/drawing/2014/main" val="637564705"/>
                     </a:ext>
                   </a:extLst>
                 </a:gridCol>
@@ -20862,7 +19922,7 @@
                 </a:tc>
                 <a:extLst>
                   <a:ext uri="{0D108BD9-81ED-4DB2-BD59-A6C34878D82A}">
-                    <a16:rowId xmlns:a16="http://schemas.microsoft.com/office/drawing/2014/main" xmlns="" val="2936873272"/>
+                    <a16:rowId xmlns="" xmlns:a16="http://schemas.microsoft.com/office/drawing/2014/main" val="2936873272"/>
                   </a:ext>
                 </a:extLst>
               </a:tr>
@@ -20939,7 +19999,7 @@
                 </a:tc>
                 <a:extLst>
                   <a:ext uri="{0D108BD9-81ED-4DB2-BD59-A6C34878D82A}">
-                    <a16:rowId xmlns:a16="http://schemas.microsoft.com/office/drawing/2014/main" xmlns="" val="2051995317"/>
+                    <a16:rowId xmlns="" xmlns:a16="http://schemas.microsoft.com/office/drawing/2014/main" val="2051995317"/>
                   </a:ext>
                 </a:extLst>
               </a:tr>
@@ -21013,7 +20073,7 @@
                 </a:tc>
                 <a:extLst>
                   <a:ext uri="{0D108BD9-81ED-4DB2-BD59-A6C34878D82A}">
-                    <a16:rowId xmlns:a16="http://schemas.microsoft.com/office/drawing/2014/main" xmlns="" val="3808994494"/>
+                    <a16:rowId xmlns="" xmlns:a16="http://schemas.microsoft.com/office/drawing/2014/main" val="3808994494"/>
                   </a:ext>
                 </a:extLst>
               </a:tr>
@@ -21063,7 +20123,7 @@
           <p:cNvPr id="2" name="Title 1">
             <a:extLst>
               <a:ext uri="{FF2B5EF4-FFF2-40B4-BE49-F238E27FC236}">
-                <a16:creationId xmlns:a16="http://schemas.microsoft.com/office/drawing/2014/main" xmlns="" id="{9F53C0E6-5CA5-48E1-B370-E678425399F4}"/>
+                <a16:creationId xmlns="" xmlns:a16="http://schemas.microsoft.com/office/drawing/2014/main" id="{9F53C0E6-5CA5-48E1-B370-E678425399F4}"/>
               </a:ext>
             </a:extLst>
           </p:cNvPr>
@@ -21096,7 +20156,7 @@
           <p:cNvPr id="3" name="Content Placeholder 2">
             <a:extLst>
               <a:ext uri="{FF2B5EF4-FFF2-40B4-BE49-F238E27FC236}">
-                <a16:creationId xmlns:a16="http://schemas.microsoft.com/office/drawing/2014/main" xmlns="" id="{F0A4581A-26B3-40E7-A945-90C4D9B58292}"/>
+                <a16:creationId xmlns="" xmlns:a16="http://schemas.microsoft.com/office/drawing/2014/main" id="{F0A4581A-26B3-40E7-A945-90C4D9B58292}"/>
               </a:ext>
             </a:extLst>
           </p:cNvPr>
@@ -21336,7 +20396,7 @@
           <p:cNvPr id="4" name="Footer Placeholder 3">
             <a:extLst>
               <a:ext uri="{FF2B5EF4-FFF2-40B4-BE49-F238E27FC236}">
-                <a16:creationId xmlns:a16="http://schemas.microsoft.com/office/drawing/2014/main" xmlns="" id="{540972A1-4BB3-4D04-B4DF-C76BA9B5CAD8}"/>
+                <a16:creationId xmlns="" xmlns:a16="http://schemas.microsoft.com/office/drawing/2014/main" id="{540972A1-4BB3-4D04-B4DF-C76BA9B5CAD8}"/>
               </a:ext>
             </a:extLst>
           </p:cNvPr>
@@ -21365,7 +20425,7 @@
           <p:cNvPr id="5" name="Slide Number Placeholder 4">
             <a:extLst>
               <a:ext uri="{FF2B5EF4-FFF2-40B4-BE49-F238E27FC236}">
-                <a16:creationId xmlns:a16="http://schemas.microsoft.com/office/drawing/2014/main" xmlns="" id="{23B5C741-F1AB-463E-B229-974B2924B065}"/>
+                <a16:creationId xmlns="" xmlns:a16="http://schemas.microsoft.com/office/drawing/2014/main" id="{23B5C741-F1AB-463E-B229-974B2924B065}"/>
               </a:ext>
             </a:extLst>
           </p:cNvPr>
@@ -21431,7 +20491,7 @@
           <p:cNvPr id="2" name="Title 1">
             <a:extLst>
               <a:ext uri="{FF2B5EF4-FFF2-40B4-BE49-F238E27FC236}">
-                <a16:creationId xmlns:a16="http://schemas.microsoft.com/office/drawing/2014/main" xmlns="" id="{9F53C0E6-5CA5-48E1-B370-E678425399F4}"/>
+                <a16:creationId xmlns="" xmlns:a16="http://schemas.microsoft.com/office/drawing/2014/main" id="{9F53C0E6-5CA5-48E1-B370-E678425399F4}"/>
               </a:ext>
             </a:extLst>
           </p:cNvPr>
@@ -21464,7 +20524,7 @@
           <p:cNvPr id="3" name="Content Placeholder 2">
             <a:extLst>
               <a:ext uri="{FF2B5EF4-FFF2-40B4-BE49-F238E27FC236}">
-                <a16:creationId xmlns:a16="http://schemas.microsoft.com/office/drawing/2014/main" xmlns="" id="{F0A4581A-26B3-40E7-A945-90C4D9B58292}"/>
+                <a16:creationId xmlns="" xmlns:a16="http://schemas.microsoft.com/office/drawing/2014/main" id="{F0A4581A-26B3-40E7-A945-90C4D9B58292}"/>
               </a:ext>
             </a:extLst>
           </p:cNvPr>
@@ -21643,7 +20703,15 @@
             </a:pPr>
             <a:r>
               <a:rPr lang="en-IN" sz="1800" dirty="0"/>
-              <a:t>Now, the 2048 dimensional bottleneck feature generated by a pre-trained model (InceptionV3, here) of above image is: [f</a:t>
+              <a:t>Now, the 2048 dimensional bottleneck feature generated by a pre-trained model </a:t>
+            </a:r>
+            <a:r>
+              <a:rPr lang="en-IN" sz="1800" dirty="0" smtClean="0"/>
+              <a:t>(VGG-16, </a:t>
+            </a:r>
+            <a:r>
+              <a:rPr lang="en-IN" sz="1800" dirty="0"/>
+              <a:t>here) of above image is: [f</a:t>
             </a:r>
             <a:r>
               <a:rPr lang="en-IN" sz="1800" baseline="-25000" dirty="0"/>
@@ -21775,7 +20843,7 @@
           <p:cNvPr id="4" name="Footer Placeholder 3">
             <a:extLst>
               <a:ext uri="{FF2B5EF4-FFF2-40B4-BE49-F238E27FC236}">
-                <a16:creationId xmlns:a16="http://schemas.microsoft.com/office/drawing/2014/main" xmlns="" id="{540972A1-4BB3-4D04-B4DF-C76BA9B5CAD8}"/>
+                <a16:creationId xmlns="" xmlns:a16="http://schemas.microsoft.com/office/drawing/2014/main" id="{540972A1-4BB3-4D04-B4DF-C76BA9B5CAD8}"/>
               </a:ext>
             </a:extLst>
           </p:cNvPr>
@@ -21804,7 +20872,7 @@
           <p:cNvPr id="5" name="Slide Number Placeholder 4">
             <a:extLst>
               <a:ext uri="{FF2B5EF4-FFF2-40B4-BE49-F238E27FC236}">
-                <a16:creationId xmlns:a16="http://schemas.microsoft.com/office/drawing/2014/main" xmlns="" id="{23B5C741-F1AB-463E-B229-974B2924B065}"/>
+                <a16:creationId xmlns="" xmlns:a16="http://schemas.microsoft.com/office/drawing/2014/main" id="{23B5C741-F1AB-463E-B229-974B2924B065}"/>
               </a:ext>
             </a:extLst>
           </p:cNvPr>
@@ -21833,7 +20901,7 @@
           <p:cNvPr id="7" name="Table 7">
             <a:extLst>
               <a:ext uri="{FF2B5EF4-FFF2-40B4-BE49-F238E27FC236}">
-                <a16:creationId xmlns:a16="http://schemas.microsoft.com/office/drawing/2014/main" xmlns="" id="{C1D7B18B-F719-4FA1-8099-62547C038289}"/>
+                <a16:creationId xmlns="" xmlns:a16="http://schemas.microsoft.com/office/drawing/2014/main" id="{C1D7B18B-F719-4FA1-8099-62547C038289}"/>
               </a:ext>
             </a:extLst>
           </p:cNvPr>
@@ -21862,14 +20930,14 @@
                 <a:gridCol w="4926497">
                   <a:extLst>
                     <a:ext uri="{9D8B030D-6E8A-4147-A177-3AD203B41FA5}">
-                      <a16:colId xmlns:a16="http://schemas.microsoft.com/office/drawing/2014/main" xmlns="" val="3034872970"/>
+                      <a16:colId xmlns="" xmlns:a16="http://schemas.microsoft.com/office/drawing/2014/main" val="3034872970"/>
                     </a:ext>
                   </a:extLst>
                 </a:gridCol>
                 <a:gridCol w="4598504">
                   <a:extLst>
                     <a:ext uri="{9D8B030D-6E8A-4147-A177-3AD203B41FA5}">
-                      <a16:colId xmlns:a16="http://schemas.microsoft.com/office/drawing/2014/main" xmlns="" val="2251918797"/>
+                      <a16:colId xmlns="" xmlns:a16="http://schemas.microsoft.com/office/drawing/2014/main" val="2251918797"/>
                     </a:ext>
                   </a:extLst>
                 </a:gridCol>
@@ -22011,7 +21079,7 @@
                 </a:tc>
                 <a:extLst>
                   <a:ext uri="{0D108BD9-81ED-4DB2-BD59-A6C34878D82A}">
-                    <a16:rowId xmlns:a16="http://schemas.microsoft.com/office/drawing/2014/main" xmlns="" val="2753114079"/>
+                    <a16:rowId xmlns="" xmlns:a16="http://schemas.microsoft.com/office/drawing/2014/main" val="2753114079"/>
                   </a:ext>
                 </a:extLst>
               </a:tr>
@@ -22152,7 +21220,7 @@
                 </a:tc>
                 <a:extLst>
                   <a:ext uri="{0D108BD9-81ED-4DB2-BD59-A6C34878D82A}">
-                    <a16:rowId xmlns:a16="http://schemas.microsoft.com/office/drawing/2014/main" xmlns="" val="769681522"/>
+                    <a16:rowId xmlns="" xmlns:a16="http://schemas.microsoft.com/office/drawing/2014/main" val="769681522"/>
                   </a:ext>
                 </a:extLst>
               </a:tr>
@@ -22274,7 +21342,7 @@
                 </a:tc>
                 <a:extLst>
                   <a:ext uri="{0D108BD9-81ED-4DB2-BD59-A6C34878D82A}">
-                    <a16:rowId xmlns:a16="http://schemas.microsoft.com/office/drawing/2014/main" xmlns="" val="647956420"/>
+                    <a16:rowId xmlns="" xmlns:a16="http://schemas.microsoft.com/office/drawing/2014/main" val="647956420"/>
                   </a:ext>
                 </a:extLst>
               </a:tr>
@@ -22287,7 +21355,7 @@
           <p:cNvPr id="9" name="Picture 8">
             <a:extLst>
               <a:ext uri="{FF2B5EF4-FFF2-40B4-BE49-F238E27FC236}">
-                <a16:creationId xmlns:a16="http://schemas.microsoft.com/office/drawing/2014/main" xmlns="" id="{E31162F2-89B2-4922-87BE-A47BDDD25745}"/>
+                <a16:creationId xmlns="" xmlns:a16="http://schemas.microsoft.com/office/drawing/2014/main" id="{E31162F2-89B2-4922-87BE-A47BDDD25745}"/>
               </a:ext>
             </a:extLst>
           </p:cNvPr>
@@ -22323,7 +21391,7 @@
           <p:cNvPr id="11" name="Table 11">
             <a:extLst>
               <a:ext uri="{FF2B5EF4-FFF2-40B4-BE49-F238E27FC236}">
-                <a16:creationId xmlns:a16="http://schemas.microsoft.com/office/drawing/2014/main" xmlns="" id="{BA7FDF9A-CB5A-4C69-B5F1-19EF9D82EEEA}"/>
+                <a16:creationId xmlns="" xmlns:a16="http://schemas.microsoft.com/office/drawing/2014/main" id="{BA7FDF9A-CB5A-4C69-B5F1-19EF9D82EEEA}"/>
               </a:ext>
             </a:extLst>
           </p:cNvPr>
@@ -22352,35 +21420,35 @@
                 <a:gridCol w="2087097">
                   <a:extLst>
                     <a:ext uri="{9D8B030D-6E8A-4147-A177-3AD203B41FA5}">
-                      <a16:colId xmlns:a16="http://schemas.microsoft.com/office/drawing/2014/main" xmlns="" val="1625993285"/>
+                      <a16:colId xmlns="" xmlns:a16="http://schemas.microsoft.com/office/drawing/2014/main" val="1625993285"/>
                     </a:ext>
                   </a:extLst>
                 </a:gridCol>
                 <a:gridCol w="2087097">
                   <a:extLst>
                     <a:ext uri="{9D8B030D-6E8A-4147-A177-3AD203B41FA5}">
-                      <a16:colId xmlns:a16="http://schemas.microsoft.com/office/drawing/2014/main" xmlns="" val="2002752227"/>
+                      <a16:colId xmlns="" xmlns:a16="http://schemas.microsoft.com/office/drawing/2014/main" val="2002752227"/>
                     </a:ext>
                   </a:extLst>
                 </a:gridCol>
                 <a:gridCol w="2087097">
                   <a:extLst>
                     <a:ext uri="{9D8B030D-6E8A-4147-A177-3AD203B41FA5}">
-                      <a16:colId xmlns:a16="http://schemas.microsoft.com/office/drawing/2014/main" xmlns="" val="1168972226"/>
+                      <a16:colId xmlns="" xmlns:a16="http://schemas.microsoft.com/office/drawing/2014/main" val="1168972226"/>
                     </a:ext>
                   </a:extLst>
                 </a:gridCol>
                 <a:gridCol w="2087097">
                   <a:extLst>
                     <a:ext uri="{9D8B030D-6E8A-4147-A177-3AD203B41FA5}">
-                      <a16:colId xmlns:a16="http://schemas.microsoft.com/office/drawing/2014/main" xmlns="" val="873165184"/>
+                      <a16:colId xmlns="" xmlns:a16="http://schemas.microsoft.com/office/drawing/2014/main" val="873165184"/>
                     </a:ext>
                   </a:extLst>
                 </a:gridCol>
                 <a:gridCol w="2087097">
                   <a:extLst>
                     <a:ext uri="{9D8B030D-6E8A-4147-A177-3AD203B41FA5}">
-                      <a16:colId xmlns:a16="http://schemas.microsoft.com/office/drawing/2014/main" xmlns="" val="1596955192"/>
+                      <a16:colId xmlns="" xmlns:a16="http://schemas.microsoft.com/office/drawing/2014/main" val="1596955192"/>
                     </a:ext>
                   </a:extLst>
                 </a:gridCol>
@@ -22579,7 +21647,7 @@
                 </a:tc>
                 <a:extLst>
                   <a:ext uri="{0D108BD9-81ED-4DB2-BD59-A6C34878D82A}">
-                    <a16:rowId xmlns:a16="http://schemas.microsoft.com/office/drawing/2014/main" xmlns="" val="1555510216"/>
+                    <a16:rowId xmlns="" xmlns:a16="http://schemas.microsoft.com/office/drawing/2014/main" val="1555510216"/>
                   </a:ext>
                 </a:extLst>
               </a:tr>
@@ -22761,7 +21829,7 @@
                 </a:tc>
                 <a:extLst>
                   <a:ext uri="{0D108BD9-81ED-4DB2-BD59-A6C34878D82A}">
-                    <a16:rowId xmlns:a16="http://schemas.microsoft.com/office/drawing/2014/main" xmlns="" val="1834948506"/>
+                    <a16:rowId xmlns="" xmlns:a16="http://schemas.microsoft.com/office/drawing/2014/main" val="1834948506"/>
                   </a:ext>
                 </a:extLst>
               </a:tr>
@@ -22774,7 +21842,7 @@
           <p:cNvPr id="13" name="Table 13">
             <a:extLst>
               <a:ext uri="{FF2B5EF4-FFF2-40B4-BE49-F238E27FC236}">
-                <a16:creationId xmlns:a16="http://schemas.microsoft.com/office/drawing/2014/main" xmlns="" id="{9F3A6247-5AAB-4C2D-B420-5D14AF0155D6}"/>
+                <a16:creationId xmlns="" xmlns:a16="http://schemas.microsoft.com/office/drawing/2014/main" id="{9F3A6247-5AAB-4C2D-B420-5D14AF0155D6}"/>
               </a:ext>
             </a:extLst>
           </p:cNvPr>
@@ -22803,21 +21871,21 @@
                 <a:gridCol w="3505200">
                   <a:extLst>
                     <a:ext uri="{9D8B030D-6E8A-4147-A177-3AD203B41FA5}">
-                      <a16:colId xmlns:a16="http://schemas.microsoft.com/office/drawing/2014/main" xmlns="" val="764850448"/>
+                      <a16:colId xmlns="" xmlns:a16="http://schemas.microsoft.com/office/drawing/2014/main" val="764850448"/>
                     </a:ext>
                   </a:extLst>
                 </a:gridCol>
                 <a:gridCol w="3505200">
                   <a:extLst>
                     <a:ext uri="{9D8B030D-6E8A-4147-A177-3AD203B41FA5}">
-                      <a16:colId xmlns:a16="http://schemas.microsoft.com/office/drawing/2014/main" xmlns="" val="348465865"/>
+                      <a16:colId xmlns="" xmlns:a16="http://schemas.microsoft.com/office/drawing/2014/main" val="348465865"/>
                     </a:ext>
                   </a:extLst>
                 </a:gridCol>
                 <a:gridCol w="3505200">
                   <a:extLst>
                     <a:ext uri="{9D8B030D-6E8A-4147-A177-3AD203B41FA5}">
-                      <a16:colId xmlns:a16="http://schemas.microsoft.com/office/drawing/2014/main" xmlns="" val="1848297289"/>
+                      <a16:colId xmlns="" xmlns:a16="http://schemas.microsoft.com/office/drawing/2014/main" val="1848297289"/>
                     </a:ext>
                   </a:extLst>
                 </a:gridCol>
@@ -22930,7 +21998,7 @@
                 </a:tc>
                 <a:extLst>
                   <a:ext uri="{0D108BD9-81ED-4DB2-BD59-A6C34878D82A}">
-                    <a16:rowId xmlns:a16="http://schemas.microsoft.com/office/drawing/2014/main" xmlns="" val="1174627282"/>
+                    <a16:rowId xmlns="" xmlns:a16="http://schemas.microsoft.com/office/drawing/2014/main" val="1174627282"/>
                   </a:ext>
                 </a:extLst>
               </a:tr>
@@ -23039,7 +22107,7 @@
                 </a:tc>
                 <a:extLst>
                   <a:ext uri="{0D108BD9-81ED-4DB2-BD59-A6C34878D82A}">
-                    <a16:rowId xmlns:a16="http://schemas.microsoft.com/office/drawing/2014/main" xmlns="" val="256008200"/>
+                    <a16:rowId xmlns="" xmlns:a16="http://schemas.microsoft.com/office/drawing/2014/main" val="256008200"/>
                   </a:ext>
                 </a:extLst>
               </a:tr>
@@ -23089,7 +22157,7 @@
           <p:cNvPr id="2" name="Title 1">
             <a:extLst>
               <a:ext uri="{FF2B5EF4-FFF2-40B4-BE49-F238E27FC236}">
-                <a16:creationId xmlns:a16="http://schemas.microsoft.com/office/drawing/2014/main" xmlns="" id="{9F53C0E6-5CA5-48E1-B370-E678425399F4}"/>
+                <a16:creationId xmlns="" xmlns:a16="http://schemas.microsoft.com/office/drawing/2014/main" id="{9F53C0E6-5CA5-48E1-B370-E678425399F4}"/>
               </a:ext>
             </a:extLst>
           </p:cNvPr>
@@ -23122,7 +22190,7 @@
           <p:cNvPr id="3" name="Content Placeholder 2">
             <a:extLst>
               <a:ext uri="{FF2B5EF4-FFF2-40B4-BE49-F238E27FC236}">
-                <a16:creationId xmlns:a16="http://schemas.microsoft.com/office/drawing/2014/main" xmlns="" id="{F0A4581A-26B3-40E7-A945-90C4D9B58292}"/>
+                <a16:creationId xmlns="" xmlns:a16="http://schemas.microsoft.com/office/drawing/2014/main" id="{F0A4581A-26B3-40E7-A945-90C4D9B58292}"/>
               </a:ext>
             </a:extLst>
           </p:cNvPr>
@@ -23192,7 +22260,7 @@
           <p:cNvPr id="5" name="Picture 4">
             <a:extLst>
               <a:ext uri="{FF2B5EF4-FFF2-40B4-BE49-F238E27FC236}">
-                <a16:creationId xmlns:a16="http://schemas.microsoft.com/office/drawing/2014/main" xmlns="" id="{542506C5-594F-4FC3-B982-7B2D2081C80A}"/>
+                <a16:creationId xmlns="" xmlns:a16="http://schemas.microsoft.com/office/drawing/2014/main" id="{542506C5-594F-4FC3-B982-7B2D2081C80A}"/>
               </a:ext>
             </a:extLst>
           </p:cNvPr>
@@ -23228,7 +22296,7 @@
           <p:cNvPr id="7" name="Picture 6" descr="A picture containing water, water sport, person, swimming&#10;&#10;Description automatically generated">
             <a:extLst>
               <a:ext uri="{FF2B5EF4-FFF2-40B4-BE49-F238E27FC236}">
-                <a16:creationId xmlns:a16="http://schemas.microsoft.com/office/drawing/2014/main" xmlns="" id="{ABD7B47D-412F-4992-9BE2-FAAB90A6BAAB}"/>
+                <a16:creationId xmlns="" xmlns:a16="http://schemas.microsoft.com/office/drawing/2014/main" id="{ABD7B47D-412F-4992-9BE2-FAAB90A6BAAB}"/>
               </a:ext>
             </a:extLst>
           </p:cNvPr>
@@ -23264,7 +22332,7 @@
           <p:cNvPr id="9" name="Picture 8">
             <a:extLst>
               <a:ext uri="{FF2B5EF4-FFF2-40B4-BE49-F238E27FC236}">
-                <a16:creationId xmlns:a16="http://schemas.microsoft.com/office/drawing/2014/main" xmlns="" id="{6130079B-30C8-49B7-B74B-5A068C293BFD}"/>
+                <a16:creationId xmlns="" xmlns:a16="http://schemas.microsoft.com/office/drawing/2014/main" id="{6130079B-30C8-49B7-B74B-5A068C293BFD}"/>
               </a:ext>
             </a:extLst>
           </p:cNvPr>
@@ -23300,7 +22368,7 @@
           <p:cNvPr id="11" name="Picture 10" descr="A picture containing grass, outdoor, dog, laying&#10;&#10;Description automatically generated">
             <a:extLst>
               <a:ext uri="{FF2B5EF4-FFF2-40B4-BE49-F238E27FC236}">
-                <a16:creationId xmlns:a16="http://schemas.microsoft.com/office/drawing/2014/main" xmlns="" id="{B79913C4-5023-4093-A009-858D9D59B49A}"/>
+                <a16:creationId xmlns="" xmlns:a16="http://schemas.microsoft.com/office/drawing/2014/main" id="{B79913C4-5023-4093-A009-858D9D59B49A}"/>
               </a:ext>
             </a:extLst>
           </p:cNvPr>
@@ -23336,7 +22404,7 @@
           <p:cNvPr id="13" name="Picture 12" descr="A picture containing water, sky, outdoor, boat&#10;&#10;Description automatically generated">
             <a:extLst>
               <a:ext uri="{FF2B5EF4-FFF2-40B4-BE49-F238E27FC236}">
-                <a16:creationId xmlns:a16="http://schemas.microsoft.com/office/drawing/2014/main" xmlns="" id="{B0637125-865D-425A-B7D3-A61F9B377DCF}"/>
+                <a16:creationId xmlns="" xmlns:a16="http://schemas.microsoft.com/office/drawing/2014/main" id="{B0637125-865D-425A-B7D3-A61F9B377DCF}"/>
               </a:ext>
             </a:extLst>
           </p:cNvPr>
@@ -23372,7 +22440,7 @@
           <p:cNvPr id="15" name="Picture 14" descr="A picture containing sky, skating, outdoor, person&#10;&#10;Description automatically generated">
             <a:extLst>
               <a:ext uri="{FF2B5EF4-FFF2-40B4-BE49-F238E27FC236}">
-                <a16:creationId xmlns:a16="http://schemas.microsoft.com/office/drawing/2014/main" xmlns="" id="{06B24696-E894-4ACA-A1DC-05A1C40010BA}"/>
+                <a16:creationId xmlns="" xmlns:a16="http://schemas.microsoft.com/office/drawing/2014/main" id="{06B24696-E894-4ACA-A1DC-05A1C40010BA}"/>
               </a:ext>
             </a:extLst>
           </p:cNvPr>
@@ -23408,7 +22476,7 @@
           <p:cNvPr id="16" name="Footer Placeholder 15">
             <a:extLst>
               <a:ext uri="{FF2B5EF4-FFF2-40B4-BE49-F238E27FC236}">
-                <a16:creationId xmlns:a16="http://schemas.microsoft.com/office/drawing/2014/main" xmlns="" id="{732C8F9E-F8B2-4651-BBCC-5E8DF86D3EDF}"/>
+                <a16:creationId xmlns="" xmlns:a16="http://schemas.microsoft.com/office/drawing/2014/main" id="{732C8F9E-F8B2-4651-BBCC-5E8DF86D3EDF}"/>
               </a:ext>
             </a:extLst>
           </p:cNvPr>
@@ -23437,7 +22505,7 @@
           <p:cNvPr id="17" name="Slide Number Placeholder 16">
             <a:extLst>
               <a:ext uri="{FF2B5EF4-FFF2-40B4-BE49-F238E27FC236}">
-                <a16:creationId xmlns:a16="http://schemas.microsoft.com/office/drawing/2014/main" xmlns="" id="{A890141F-F96D-4F04-9A91-C201B8C9334A}"/>
+                <a16:creationId xmlns="" xmlns:a16="http://schemas.microsoft.com/office/drawing/2014/main" id="{A890141F-F96D-4F04-9A91-C201B8C9334A}"/>
               </a:ext>
             </a:extLst>
           </p:cNvPr>
@@ -23503,7 +22571,7 @@
           <p:cNvPr id="2" name="Title 1">
             <a:extLst>
               <a:ext uri="{FF2B5EF4-FFF2-40B4-BE49-F238E27FC236}">
-                <a16:creationId xmlns:a16="http://schemas.microsoft.com/office/drawing/2014/main" xmlns="" id="{9F53C0E6-5CA5-48E1-B370-E678425399F4}"/>
+                <a16:creationId xmlns="" xmlns:a16="http://schemas.microsoft.com/office/drawing/2014/main" id="{9F53C0E6-5CA5-48E1-B370-E678425399F4}"/>
               </a:ext>
             </a:extLst>
           </p:cNvPr>
@@ -23536,7 +22604,7 @@
           <p:cNvPr id="3" name="Content Placeholder 2">
             <a:extLst>
               <a:ext uri="{FF2B5EF4-FFF2-40B4-BE49-F238E27FC236}">
-                <a16:creationId xmlns:a16="http://schemas.microsoft.com/office/drawing/2014/main" xmlns="" id="{F0A4581A-26B3-40E7-A945-90C4D9B58292}"/>
+                <a16:creationId xmlns="" xmlns:a16="http://schemas.microsoft.com/office/drawing/2014/main" id="{F0A4581A-26B3-40E7-A945-90C4D9B58292}"/>
               </a:ext>
             </a:extLst>
           </p:cNvPr>
@@ -23592,7 +22660,7 @@
           <p:cNvPr id="4" name="Footer Placeholder 3">
             <a:extLst>
               <a:ext uri="{FF2B5EF4-FFF2-40B4-BE49-F238E27FC236}">
-                <a16:creationId xmlns:a16="http://schemas.microsoft.com/office/drawing/2014/main" xmlns="" id="{540972A1-4BB3-4D04-B4DF-C76BA9B5CAD8}"/>
+                <a16:creationId xmlns="" xmlns:a16="http://schemas.microsoft.com/office/drawing/2014/main" id="{540972A1-4BB3-4D04-B4DF-C76BA9B5CAD8}"/>
               </a:ext>
             </a:extLst>
           </p:cNvPr>
@@ -23621,7 +22689,7 @@
           <p:cNvPr id="5" name="Slide Number Placeholder 4">
             <a:extLst>
               <a:ext uri="{FF2B5EF4-FFF2-40B4-BE49-F238E27FC236}">
-                <a16:creationId xmlns:a16="http://schemas.microsoft.com/office/drawing/2014/main" xmlns="" id="{23B5C741-F1AB-463E-B229-974B2924B065}"/>
+                <a16:creationId xmlns="" xmlns:a16="http://schemas.microsoft.com/office/drawing/2014/main" id="{23B5C741-F1AB-463E-B229-974B2924B065}"/>
               </a:ext>
             </a:extLst>
           </p:cNvPr>
@@ -23650,7 +22718,7 @@
           <p:cNvPr id="6" name="Table 6">
             <a:extLst>
               <a:ext uri="{FF2B5EF4-FFF2-40B4-BE49-F238E27FC236}">
-                <a16:creationId xmlns:a16="http://schemas.microsoft.com/office/drawing/2014/main" xmlns="" id="{C1E06144-0F57-4633-A8CE-E9F59E0D6DD7}"/>
+                <a16:creationId xmlns="" xmlns:a16="http://schemas.microsoft.com/office/drawing/2014/main" id="{C1E06144-0F57-4633-A8CE-E9F59E0D6DD7}"/>
               </a:ext>
             </a:extLst>
           </p:cNvPr>
@@ -23679,28 +22747,28 @@
                 <a:gridCol w="699052">
                   <a:extLst>
                     <a:ext uri="{9D8B030D-6E8A-4147-A177-3AD203B41FA5}">
-                      <a16:colId xmlns:a16="http://schemas.microsoft.com/office/drawing/2014/main" xmlns="" val="3249865570"/>
+                      <a16:colId xmlns="" xmlns:a16="http://schemas.microsoft.com/office/drawing/2014/main" val="3249865570"/>
                     </a:ext>
                   </a:extLst>
                 </a:gridCol>
                 <a:gridCol w="4041913">
                   <a:extLst>
                     <a:ext uri="{9D8B030D-6E8A-4147-A177-3AD203B41FA5}">
-                      <a16:colId xmlns:a16="http://schemas.microsoft.com/office/drawing/2014/main" xmlns="" val="371997466"/>
+                      <a16:colId xmlns="" xmlns:a16="http://schemas.microsoft.com/office/drawing/2014/main" val="371997466"/>
                     </a:ext>
                   </a:extLst>
                 </a:gridCol>
                 <a:gridCol w="3472070">
                   <a:extLst>
                     <a:ext uri="{9D8B030D-6E8A-4147-A177-3AD203B41FA5}">
-                      <a16:colId xmlns:a16="http://schemas.microsoft.com/office/drawing/2014/main" xmlns="" val="4110403680"/>
+                      <a16:colId xmlns="" xmlns:a16="http://schemas.microsoft.com/office/drawing/2014/main" val="4110403680"/>
                     </a:ext>
                   </a:extLst>
                 </a:gridCol>
                 <a:gridCol w="2302566">
                   <a:extLst>
                     <a:ext uri="{9D8B030D-6E8A-4147-A177-3AD203B41FA5}">
-                      <a16:colId xmlns:a16="http://schemas.microsoft.com/office/drawing/2014/main" xmlns="" val="619988004"/>
+                      <a16:colId xmlns="" xmlns:a16="http://schemas.microsoft.com/office/drawing/2014/main" val="619988004"/>
                     </a:ext>
                   </a:extLst>
                 </a:gridCol>
@@ -23768,7 +22836,7 @@
                 </a:tc>
                 <a:extLst>
                   <a:ext uri="{0D108BD9-81ED-4DB2-BD59-A6C34878D82A}">
-                    <a16:rowId xmlns:a16="http://schemas.microsoft.com/office/drawing/2014/main" xmlns="" val="1587460518"/>
+                    <a16:rowId xmlns="" xmlns:a16="http://schemas.microsoft.com/office/drawing/2014/main" val="1587460518"/>
                   </a:ext>
                 </a:extLst>
               </a:tr>
@@ -23872,7 +22940,7 @@
                 </a:tc>
                 <a:extLst>
                   <a:ext uri="{0D108BD9-81ED-4DB2-BD59-A6C34878D82A}">
-                    <a16:rowId xmlns:a16="http://schemas.microsoft.com/office/drawing/2014/main" xmlns="" val="1114464614"/>
+                    <a16:rowId xmlns="" xmlns:a16="http://schemas.microsoft.com/office/drawing/2014/main" val="1114464614"/>
                   </a:ext>
                 </a:extLst>
               </a:tr>
@@ -24009,7 +23077,7 @@
                 </a:tc>
                 <a:extLst>
                   <a:ext uri="{0D108BD9-81ED-4DB2-BD59-A6C34878D82A}">
-                    <a16:rowId xmlns:a16="http://schemas.microsoft.com/office/drawing/2014/main" xmlns="" val="1453760822"/>
+                    <a16:rowId xmlns="" xmlns:a16="http://schemas.microsoft.com/office/drawing/2014/main" val="1453760822"/>
                   </a:ext>
                 </a:extLst>
               </a:tr>
@@ -24146,7 +23214,7 @@
                 </a:tc>
                 <a:extLst>
                   <a:ext uri="{0D108BD9-81ED-4DB2-BD59-A6C34878D82A}">
-                    <a16:rowId xmlns:a16="http://schemas.microsoft.com/office/drawing/2014/main" xmlns="" val="1675485532"/>
+                    <a16:rowId xmlns="" xmlns:a16="http://schemas.microsoft.com/office/drawing/2014/main" val="1675485532"/>
                   </a:ext>
                 </a:extLst>
               </a:tr>
@@ -24291,7 +23359,7 @@
                 </a:tc>
                 <a:extLst>
                   <a:ext uri="{0D108BD9-81ED-4DB2-BD59-A6C34878D82A}">
-                    <a16:rowId xmlns:a16="http://schemas.microsoft.com/office/drawing/2014/main" xmlns="" val="3784564789"/>
+                    <a16:rowId xmlns="" xmlns:a16="http://schemas.microsoft.com/office/drawing/2014/main" val="3784564789"/>
                   </a:ext>
                 </a:extLst>
               </a:tr>
@@ -24428,7 +23496,7 @@
                 </a:tc>
                 <a:extLst>
                   <a:ext uri="{0D108BD9-81ED-4DB2-BD59-A6C34878D82A}">
-                    <a16:rowId xmlns:a16="http://schemas.microsoft.com/office/drawing/2014/main" xmlns="" val="1456887150"/>
+                    <a16:rowId xmlns="" xmlns:a16="http://schemas.microsoft.com/office/drawing/2014/main" val="1456887150"/>
                   </a:ext>
                 </a:extLst>
               </a:tr>
@@ -24565,7 +23633,7 @@
                 </a:tc>
                 <a:extLst>
                   <a:ext uri="{0D108BD9-81ED-4DB2-BD59-A6C34878D82A}">
-                    <a16:rowId xmlns:a16="http://schemas.microsoft.com/office/drawing/2014/main" xmlns="" val="1307625920"/>
+                    <a16:rowId xmlns="" xmlns:a16="http://schemas.microsoft.com/office/drawing/2014/main" val="1307625920"/>
                   </a:ext>
                 </a:extLst>
               </a:tr>
@@ -24702,7 +23770,7 @@
                 </a:tc>
                 <a:extLst>
                   <a:ext uri="{0D108BD9-81ED-4DB2-BD59-A6C34878D82A}">
-                    <a16:rowId xmlns:a16="http://schemas.microsoft.com/office/drawing/2014/main" xmlns="" val="3029769833"/>
+                    <a16:rowId xmlns="" xmlns:a16="http://schemas.microsoft.com/office/drawing/2014/main" val="3029769833"/>
                   </a:ext>
                 </a:extLst>
               </a:tr>
@@ -24847,7 +23915,7 @@
                 </a:tc>
                 <a:extLst>
                   <a:ext uri="{0D108BD9-81ED-4DB2-BD59-A6C34878D82A}">
-                    <a16:rowId xmlns:a16="http://schemas.microsoft.com/office/drawing/2014/main" xmlns="" val="4181254745"/>
+                    <a16:rowId xmlns="" xmlns:a16="http://schemas.microsoft.com/office/drawing/2014/main" val="4181254745"/>
                   </a:ext>
                 </a:extLst>
               </a:tr>
@@ -24984,7 +24052,7 @@
                 </a:tc>
                 <a:extLst>
                   <a:ext uri="{0D108BD9-81ED-4DB2-BD59-A6C34878D82A}">
-                    <a16:rowId xmlns:a16="http://schemas.microsoft.com/office/drawing/2014/main" xmlns="" val="2828916017"/>
+                    <a16:rowId xmlns="" xmlns:a16="http://schemas.microsoft.com/office/drawing/2014/main" val="2828916017"/>
                   </a:ext>
                 </a:extLst>
               </a:tr>
@@ -25121,7 +24189,7 @@
                 </a:tc>
                 <a:extLst>
                   <a:ext uri="{0D108BD9-81ED-4DB2-BD59-A6C34878D82A}">
-                    <a16:rowId xmlns:a16="http://schemas.microsoft.com/office/drawing/2014/main" xmlns="" val="45773675"/>
+                    <a16:rowId xmlns="" xmlns:a16="http://schemas.microsoft.com/office/drawing/2014/main" val="45773675"/>
                   </a:ext>
                 </a:extLst>
               </a:tr>
@@ -25258,7 +24326,7 @@
                 </a:tc>
                 <a:extLst>
                   <a:ext uri="{0D108BD9-81ED-4DB2-BD59-A6C34878D82A}">
-                    <a16:rowId xmlns:a16="http://schemas.microsoft.com/office/drawing/2014/main" xmlns="" val="4067745190"/>
+                    <a16:rowId xmlns="" xmlns:a16="http://schemas.microsoft.com/office/drawing/2014/main" val="4067745190"/>
                   </a:ext>
                 </a:extLst>
               </a:tr>
@@ -25395,7 +24463,7 @@
                 </a:tc>
                 <a:extLst>
                   <a:ext uri="{0D108BD9-81ED-4DB2-BD59-A6C34878D82A}">
-                    <a16:rowId xmlns:a16="http://schemas.microsoft.com/office/drawing/2014/main" xmlns="" val="705947826"/>
+                    <a16:rowId xmlns="" xmlns:a16="http://schemas.microsoft.com/office/drawing/2014/main" val="705947826"/>
                   </a:ext>
                 </a:extLst>
               </a:tr>
@@ -25445,7 +24513,7 @@
           <p:cNvPr id="2" name="Title 1">
             <a:extLst>
               <a:ext uri="{FF2B5EF4-FFF2-40B4-BE49-F238E27FC236}">
-                <a16:creationId xmlns:a16="http://schemas.microsoft.com/office/drawing/2014/main" xmlns="" id="{9F53C0E6-5CA5-48E1-B370-E678425399F4}"/>
+                <a16:creationId xmlns="" xmlns:a16="http://schemas.microsoft.com/office/drawing/2014/main" id="{9F53C0E6-5CA5-48E1-B370-E678425399F4}"/>
               </a:ext>
             </a:extLst>
           </p:cNvPr>
@@ -25478,7 +24546,7 @@
           <p:cNvPr id="6" name="Table 6">
             <a:extLst>
               <a:ext uri="{FF2B5EF4-FFF2-40B4-BE49-F238E27FC236}">
-                <a16:creationId xmlns:a16="http://schemas.microsoft.com/office/drawing/2014/main" xmlns="" id="{57899852-00E4-48D5-8493-D7C3F071DA03}"/>
+                <a16:creationId xmlns="" xmlns:a16="http://schemas.microsoft.com/office/drawing/2014/main" id="{57899852-00E4-48D5-8493-D7C3F071DA03}"/>
               </a:ext>
             </a:extLst>
           </p:cNvPr>
@@ -25508,28 +24576,28 @@
                 <a:gridCol w="659293">
                   <a:extLst>
                     <a:ext uri="{9D8B030D-6E8A-4147-A177-3AD203B41FA5}">
-                      <a16:colId xmlns:a16="http://schemas.microsoft.com/office/drawing/2014/main" xmlns="" val="3967142194"/>
+                      <a16:colId xmlns="" xmlns:a16="http://schemas.microsoft.com/office/drawing/2014/main" val="3967142194"/>
                     </a:ext>
                   </a:extLst>
                 </a:gridCol>
                 <a:gridCol w="4850295">
                   <a:extLst>
                     <a:ext uri="{9D8B030D-6E8A-4147-A177-3AD203B41FA5}">
-                      <a16:colId xmlns:a16="http://schemas.microsoft.com/office/drawing/2014/main" xmlns="" val="845744349"/>
+                      <a16:colId xmlns="" xmlns:a16="http://schemas.microsoft.com/office/drawing/2014/main" val="845744349"/>
                     </a:ext>
                   </a:extLst>
                 </a:gridCol>
                 <a:gridCol w="3286539">
                   <a:extLst>
                     <a:ext uri="{9D8B030D-6E8A-4147-A177-3AD203B41FA5}">
-                      <a16:colId xmlns:a16="http://schemas.microsoft.com/office/drawing/2014/main" xmlns="" val="3119492930"/>
+                      <a16:colId xmlns="" xmlns:a16="http://schemas.microsoft.com/office/drawing/2014/main" val="3119492930"/>
                     </a:ext>
                   </a:extLst>
                 </a:gridCol>
                 <a:gridCol w="1719469">
                   <a:extLst>
                     <a:ext uri="{9D8B030D-6E8A-4147-A177-3AD203B41FA5}">
-                      <a16:colId xmlns:a16="http://schemas.microsoft.com/office/drawing/2014/main" xmlns="" val="2461260376"/>
+                      <a16:colId xmlns="" xmlns:a16="http://schemas.microsoft.com/office/drawing/2014/main" val="2461260376"/>
                     </a:ext>
                   </a:extLst>
                 </a:gridCol>
@@ -25605,7 +24673,7 @@
                 </a:tc>
                 <a:extLst>
                   <a:ext uri="{0D108BD9-81ED-4DB2-BD59-A6C34878D82A}">
-                    <a16:rowId xmlns:a16="http://schemas.microsoft.com/office/drawing/2014/main" xmlns="" val="338402846"/>
+                    <a16:rowId xmlns="" xmlns:a16="http://schemas.microsoft.com/office/drawing/2014/main" val="338402846"/>
                   </a:ext>
                 </a:extLst>
               </a:tr>
@@ -25744,7 +24812,7 @@
                 </a:tc>
                 <a:extLst>
                   <a:ext uri="{0D108BD9-81ED-4DB2-BD59-A6C34878D82A}">
-                    <a16:rowId xmlns:a16="http://schemas.microsoft.com/office/drawing/2014/main" xmlns="" val="53499860"/>
+                    <a16:rowId xmlns="" xmlns:a16="http://schemas.microsoft.com/office/drawing/2014/main" val="53499860"/>
                   </a:ext>
                 </a:extLst>
               </a:tr>
@@ -25891,7 +24959,7 @@
                 </a:tc>
                 <a:extLst>
                   <a:ext uri="{0D108BD9-81ED-4DB2-BD59-A6C34878D82A}">
-                    <a16:rowId xmlns:a16="http://schemas.microsoft.com/office/drawing/2014/main" xmlns="" val="1809846653"/>
+                    <a16:rowId xmlns="" xmlns:a16="http://schemas.microsoft.com/office/drawing/2014/main" val="1809846653"/>
                   </a:ext>
                 </a:extLst>
               </a:tr>
@@ -26030,7 +25098,7 @@
                 </a:tc>
                 <a:extLst>
                   <a:ext uri="{0D108BD9-81ED-4DB2-BD59-A6C34878D82A}">
-                    <a16:rowId xmlns:a16="http://schemas.microsoft.com/office/drawing/2014/main" xmlns="" val="1274676589"/>
+                    <a16:rowId xmlns="" xmlns:a16="http://schemas.microsoft.com/office/drawing/2014/main" val="1274676589"/>
                   </a:ext>
                 </a:extLst>
               </a:tr>
@@ -26169,7 +25237,7 @@
                 </a:tc>
                 <a:extLst>
                   <a:ext uri="{0D108BD9-81ED-4DB2-BD59-A6C34878D82A}">
-                    <a16:rowId xmlns:a16="http://schemas.microsoft.com/office/drawing/2014/main" xmlns="" val="1630406459"/>
+                    <a16:rowId xmlns="" xmlns:a16="http://schemas.microsoft.com/office/drawing/2014/main" val="1630406459"/>
                   </a:ext>
                 </a:extLst>
               </a:tr>
@@ -26308,7 +25376,7 @@
                 </a:tc>
                 <a:extLst>
                   <a:ext uri="{0D108BD9-81ED-4DB2-BD59-A6C34878D82A}">
-                    <a16:rowId xmlns:a16="http://schemas.microsoft.com/office/drawing/2014/main" xmlns="" val="706789959"/>
+                    <a16:rowId xmlns="" xmlns:a16="http://schemas.microsoft.com/office/drawing/2014/main" val="706789959"/>
                   </a:ext>
                 </a:extLst>
               </a:tr>
@@ -26447,7 +25515,7 @@
                 </a:tc>
                 <a:extLst>
                   <a:ext uri="{0D108BD9-81ED-4DB2-BD59-A6C34878D82A}">
-                    <a16:rowId xmlns:a16="http://schemas.microsoft.com/office/drawing/2014/main" xmlns="" val="1355822850"/>
+                    <a16:rowId xmlns="" xmlns:a16="http://schemas.microsoft.com/office/drawing/2014/main" val="1355822850"/>
                   </a:ext>
                 </a:extLst>
               </a:tr>
@@ -26594,7 +25662,7 @@
                 </a:tc>
                 <a:extLst>
                   <a:ext uri="{0D108BD9-81ED-4DB2-BD59-A6C34878D82A}">
-                    <a16:rowId xmlns:a16="http://schemas.microsoft.com/office/drawing/2014/main" xmlns="" val="3995620060"/>
+                    <a16:rowId xmlns="" xmlns:a16="http://schemas.microsoft.com/office/drawing/2014/main" val="3995620060"/>
                   </a:ext>
                 </a:extLst>
               </a:tr>
@@ -26733,7 +25801,7 @@
                 </a:tc>
                 <a:extLst>
                   <a:ext uri="{0D108BD9-81ED-4DB2-BD59-A6C34878D82A}">
-                    <a16:rowId xmlns:a16="http://schemas.microsoft.com/office/drawing/2014/main" xmlns="" val="928072493"/>
+                    <a16:rowId xmlns="" xmlns:a16="http://schemas.microsoft.com/office/drawing/2014/main" val="928072493"/>
                   </a:ext>
                 </a:extLst>
               </a:tr>
@@ -26872,7 +25940,7 @@
                 </a:tc>
                 <a:extLst>
                   <a:ext uri="{0D108BD9-81ED-4DB2-BD59-A6C34878D82A}">
-                    <a16:rowId xmlns:a16="http://schemas.microsoft.com/office/drawing/2014/main" xmlns="" val="3507017606"/>
+                    <a16:rowId xmlns="" xmlns:a16="http://schemas.microsoft.com/office/drawing/2014/main" val="3507017606"/>
                   </a:ext>
                 </a:extLst>
               </a:tr>
@@ -27011,7 +26079,7 @@
                 </a:tc>
                 <a:extLst>
                   <a:ext uri="{0D108BD9-81ED-4DB2-BD59-A6C34878D82A}">
-                    <a16:rowId xmlns:a16="http://schemas.microsoft.com/office/drawing/2014/main" xmlns="" val="4140124172"/>
+                    <a16:rowId xmlns="" xmlns:a16="http://schemas.microsoft.com/office/drawing/2014/main" val="4140124172"/>
                   </a:ext>
                 </a:extLst>
               </a:tr>
@@ -27150,7 +26218,7 @@
                 </a:tc>
                 <a:extLst>
                   <a:ext uri="{0D108BD9-81ED-4DB2-BD59-A6C34878D82A}">
-                    <a16:rowId xmlns:a16="http://schemas.microsoft.com/office/drawing/2014/main" xmlns="" val="4284254439"/>
+                    <a16:rowId xmlns="" xmlns:a16="http://schemas.microsoft.com/office/drawing/2014/main" val="4284254439"/>
                   </a:ext>
                 </a:extLst>
               </a:tr>
@@ -27297,7 +26365,7 @@
                 </a:tc>
                 <a:extLst>
                   <a:ext uri="{0D108BD9-81ED-4DB2-BD59-A6C34878D82A}">
-                    <a16:rowId xmlns:a16="http://schemas.microsoft.com/office/drawing/2014/main" xmlns="" val="1615818627"/>
+                    <a16:rowId xmlns="" xmlns:a16="http://schemas.microsoft.com/office/drawing/2014/main" val="1615818627"/>
                   </a:ext>
                 </a:extLst>
               </a:tr>
@@ -27310,7 +26378,7 @@
           <p:cNvPr id="4" name="Footer Placeholder 3">
             <a:extLst>
               <a:ext uri="{FF2B5EF4-FFF2-40B4-BE49-F238E27FC236}">
-                <a16:creationId xmlns:a16="http://schemas.microsoft.com/office/drawing/2014/main" xmlns="" id="{540972A1-4BB3-4D04-B4DF-C76BA9B5CAD8}"/>
+                <a16:creationId xmlns="" xmlns:a16="http://schemas.microsoft.com/office/drawing/2014/main" id="{540972A1-4BB3-4D04-B4DF-C76BA9B5CAD8}"/>
               </a:ext>
             </a:extLst>
           </p:cNvPr>
@@ -27339,7 +26407,7 @@
           <p:cNvPr id="5" name="Slide Number Placeholder 4">
             <a:extLst>
               <a:ext uri="{FF2B5EF4-FFF2-40B4-BE49-F238E27FC236}">
-                <a16:creationId xmlns:a16="http://schemas.microsoft.com/office/drawing/2014/main" xmlns="" id="{23B5C741-F1AB-463E-B229-974B2924B065}"/>
+                <a16:creationId xmlns="" xmlns:a16="http://schemas.microsoft.com/office/drawing/2014/main" id="{23B5C741-F1AB-463E-B229-974B2924B065}"/>
               </a:ext>
             </a:extLst>
           </p:cNvPr>
@@ -27368,7 +26436,7 @@
           <p:cNvPr id="7" name="TextBox 6">
             <a:extLst>
               <a:ext uri="{FF2B5EF4-FFF2-40B4-BE49-F238E27FC236}">
-                <a16:creationId xmlns:a16="http://schemas.microsoft.com/office/drawing/2014/main" xmlns="" id="{D3EFAF3B-6ACA-4777-8366-4A6C243E7E2F}"/>
+                <a16:creationId xmlns="" xmlns:a16="http://schemas.microsoft.com/office/drawing/2014/main" id="{D3EFAF3B-6ACA-4777-8366-4A6C243E7E2F}"/>
               </a:ext>
             </a:extLst>
           </p:cNvPr>
@@ -27456,7 +26524,7 @@
           <p:cNvPr id="2" name="Title 1">
             <a:extLst>
               <a:ext uri="{FF2B5EF4-FFF2-40B4-BE49-F238E27FC236}">
-                <a16:creationId xmlns:a16="http://schemas.microsoft.com/office/drawing/2014/main" xmlns="" id="{9F53C0E6-5CA5-48E1-B370-E678425399F4}"/>
+                <a16:creationId xmlns="" xmlns:a16="http://schemas.microsoft.com/office/drawing/2014/main" id="{9F53C0E6-5CA5-48E1-B370-E678425399F4}"/>
               </a:ext>
             </a:extLst>
           </p:cNvPr>
@@ -27489,7 +26557,7 @@
           <p:cNvPr id="3" name="Content Placeholder 2">
             <a:extLst>
               <a:ext uri="{FF2B5EF4-FFF2-40B4-BE49-F238E27FC236}">
-                <a16:creationId xmlns:a16="http://schemas.microsoft.com/office/drawing/2014/main" xmlns="" id="{F0A4581A-26B3-40E7-A945-90C4D9B58292}"/>
+                <a16:creationId xmlns="" xmlns:a16="http://schemas.microsoft.com/office/drawing/2014/main" id="{F0A4581A-26B3-40E7-A945-90C4D9B58292}"/>
               </a:ext>
             </a:extLst>
           </p:cNvPr>
@@ -27520,7 +26588,7 @@
                 <a:spcPts val="0"/>
               </a:spcBef>
               <a:buFont typeface="+mj-lt"/>
-              <a:buAutoNum type="arabicPeriod" startAt="6"/>
+              <a:buAutoNum type="arabicPeriod" startAt="7"/>
             </a:pPr>
             <a:r>
               <a:rPr lang="en-IN" sz="1800" dirty="0"/>
@@ -27606,7 +26674,7 @@
           <p:cNvPr id="4" name="Footer Placeholder 3">
             <a:extLst>
               <a:ext uri="{FF2B5EF4-FFF2-40B4-BE49-F238E27FC236}">
-                <a16:creationId xmlns:a16="http://schemas.microsoft.com/office/drawing/2014/main" xmlns="" id="{540972A1-4BB3-4D04-B4DF-C76BA9B5CAD8}"/>
+                <a16:creationId xmlns="" xmlns:a16="http://schemas.microsoft.com/office/drawing/2014/main" id="{540972A1-4BB3-4D04-B4DF-C76BA9B5CAD8}"/>
               </a:ext>
             </a:extLst>
           </p:cNvPr>
@@ -27635,7 +26703,7 @@
           <p:cNvPr id="5" name="Slide Number Placeholder 4">
             <a:extLst>
               <a:ext uri="{FF2B5EF4-FFF2-40B4-BE49-F238E27FC236}">
-                <a16:creationId xmlns:a16="http://schemas.microsoft.com/office/drawing/2014/main" xmlns="" id="{23B5C741-F1AB-463E-B229-974B2924B065}"/>
+                <a16:creationId xmlns="" xmlns:a16="http://schemas.microsoft.com/office/drawing/2014/main" id="{23B5C741-F1AB-463E-B229-974B2924B065}"/>
               </a:ext>
             </a:extLst>
           </p:cNvPr>
@@ -27701,7 +26769,7 @@
           <p:cNvPr id="2" name="Title 1">
             <a:extLst>
               <a:ext uri="{FF2B5EF4-FFF2-40B4-BE49-F238E27FC236}">
-                <a16:creationId xmlns:a16="http://schemas.microsoft.com/office/drawing/2014/main" xmlns="" id="{9F53C0E6-5CA5-48E1-B370-E678425399F4}"/>
+                <a16:creationId xmlns="" xmlns:a16="http://schemas.microsoft.com/office/drawing/2014/main" id="{9F53C0E6-5CA5-48E1-B370-E678425399F4}"/>
               </a:ext>
             </a:extLst>
           </p:cNvPr>
@@ -27734,7 +26802,7 @@
           <p:cNvPr id="3" name="Content Placeholder 2">
             <a:extLst>
               <a:ext uri="{FF2B5EF4-FFF2-40B4-BE49-F238E27FC236}">
-                <a16:creationId xmlns:a16="http://schemas.microsoft.com/office/drawing/2014/main" xmlns="" id="{F0A4581A-26B3-40E7-A945-90C4D9B58292}"/>
+                <a16:creationId xmlns="" xmlns:a16="http://schemas.microsoft.com/office/drawing/2014/main" id="{F0A4581A-26B3-40E7-A945-90C4D9B58292}"/>
               </a:ext>
             </a:extLst>
           </p:cNvPr>
@@ -27784,8 +26852,12 @@
               <a:buAutoNum type="arabicPeriod"/>
             </a:pPr>
             <a:r>
+              <a:rPr lang="en-IN" sz="1800" dirty="0" smtClean="0"/>
+              <a:t>VGG-16: </a:t>
+            </a:r>
+            <a:r>
               <a:rPr lang="en-IN" sz="1800" dirty="0"/>
-              <a:t>InceptionV3: To generate bottleneck features for images.</a:t>
+              <a:t>To generate bottleneck features for images.</a:t>
             </a:r>
           </a:p>
           <a:p>
@@ -27820,9 +26892,10 @@
               <a:buChar char="Ø"/>
             </a:pPr>
             <a:r>
-              <a:rPr lang="en-IN" sz="2200" dirty="0"/>
-              <a:t>Inception V3:</a:t>
-            </a:r>
+              <a:rPr lang="en-IN" sz="2200" dirty="0" smtClean="0"/>
+              <a:t>VGG-16:</a:t>
+            </a:r>
+            <a:endParaRPr lang="en-IN" sz="2200" dirty="0"/>
           </a:p>
         </p:txBody>
       </p:sp>
@@ -27831,7 +26904,7 @@
           <p:cNvPr id="4" name="Footer Placeholder 3">
             <a:extLst>
               <a:ext uri="{FF2B5EF4-FFF2-40B4-BE49-F238E27FC236}">
-                <a16:creationId xmlns:a16="http://schemas.microsoft.com/office/drawing/2014/main" xmlns="" id="{540972A1-4BB3-4D04-B4DF-C76BA9B5CAD8}"/>
+                <a16:creationId xmlns="" xmlns:a16="http://schemas.microsoft.com/office/drawing/2014/main" id="{540972A1-4BB3-4D04-B4DF-C76BA9B5CAD8}"/>
               </a:ext>
             </a:extLst>
           </p:cNvPr>
@@ -27860,7 +26933,7 @@
           <p:cNvPr id="5" name="Slide Number Placeholder 4">
             <a:extLst>
               <a:ext uri="{FF2B5EF4-FFF2-40B4-BE49-F238E27FC236}">
-                <a16:creationId xmlns:a16="http://schemas.microsoft.com/office/drawing/2014/main" xmlns="" id="{23B5C741-F1AB-463E-B229-974B2924B065}"/>
+                <a16:creationId xmlns="" xmlns:a16="http://schemas.microsoft.com/office/drawing/2014/main" id="{23B5C741-F1AB-463E-B229-974B2924B065}"/>
               </a:ext>
             </a:extLst>
           </p:cNvPr>
@@ -27886,15 +26959,9 @@
       </p:sp>
       <p:pic>
         <p:nvPicPr>
-          <p:cNvPr id="7" name="Picture 6" descr="Table&#10;&#10;Description automatically generated">
-            <a:extLst>
-              <a:ext uri="{FF2B5EF4-FFF2-40B4-BE49-F238E27FC236}">
-                <a16:creationId xmlns:a16="http://schemas.microsoft.com/office/drawing/2014/main" xmlns="" id="{1253A37B-2D79-4AD6-846F-6D1D987D327F}"/>
-              </a:ext>
-            </a:extLst>
-          </p:cNvPr>
+          <p:cNvPr id="2050" name="Picture 2" descr="Z:\vgg16_architecture.png"/>
           <p:cNvPicPr>
-            <a:picLocks noChangeAspect="1"/>
+            <a:picLocks noChangeAspect="1" noChangeArrowheads="1"/>
           </p:cNvPicPr>
           <p:nvPr/>
         </p:nvPicPr>
@@ -27906,18 +26973,29 @@
               </a:ext>
             </a:extLst>
           </a:blip>
+          <a:srcRect/>
           <a:stretch>
             <a:fillRect/>
           </a:stretch>
         </p:blipFill>
-        <p:spPr>
+        <p:spPr bwMode="auto">
           <a:xfrm>
-            <a:off x="2720934" y="2239617"/>
-            <a:ext cx="5985743" cy="4248764"/>
+            <a:off x="1727835" y="2377440"/>
+            <a:ext cx="8620125" cy="3623310"/>
           </a:xfrm>
           <a:prstGeom prst="rect">
             <a:avLst/>
           </a:prstGeom>
+          <a:noFill/>
+          <a:extLst>
+            <a:ext uri="{909E8E84-426E-40DD-AFC4-6F175D3DCCD1}">
+              <a14:hiddenFill xmlns:a14="http://schemas.microsoft.com/office/drawing/2010/main">
+                <a:solidFill>
+                  <a:srgbClr val="FFFFFF"/>
+                </a:solidFill>
+              </a14:hiddenFill>
+            </a:ext>
+          </a:extLst>
         </p:spPr>
       </p:pic>
     </p:spTree>
@@ -27962,7 +27040,7 @@
           <p:cNvPr id="2" name="Title 1">
             <a:extLst>
               <a:ext uri="{FF2B5EF4-FFF2-40B4-BE49-F238E27FC236}">
-                <a16:creationId xmlns:a16="http://schemas.microsoft.com/office/drawing/2014/main" xmlns="" id="{9F53C0E6-5CA5-48E1-B370-E678425399F4}"/>
+                <a16:creationId xmlns="" xmlns:a16="http://schemas.microsoft.com/office/drawing/2014/main" id="{9F53C0E6-5CA5-48E1-B370-E678425399F4}"/>
               </a:ext>
             </a:extLst>
           </p:cNvPr>
@@ -27995,7 +27073,7 @@
           <p:cNvPr id="3" name="Content Placeholder 2">
             <a:extLst>
               <a:ext uri="{FF2B5EF4-FFF2-40B4-BE49-F238E27FC236}">
-                <a16:creationId xmlns:a16="http://schemas.microsoft.com/office/drawing/2014/main" xmlns="" id="{F0A4581A-26B3-40E7-A945-90C4D9B58292}"/>
+                <a16:creationId xmlns="" xmlns:a16="http://schemas.microsoft.com/office/drawing/2014/main" id="{F0A4581A-26B3-40E7-A945-90C4D9B58292}"/>
               </a:ext>
             </a:extLst>
           </p:cNvPr>
@@ -28215,7 +27293,7 @@
           <p:cNvPr id="4" name="Footer Placeholder 3">
             <a:extLst>
               <a:ext uri="{FF2B5EF4-FFF2-40B4-BE49-F238E27FC236}">
-                <a16:creationId xmlns:a16="http://schemas.microsoft.com/office/drawing/2014/main" xmlns="" id="{540972A1-4BB3-4D04-B4DF-C76BA9B5CAD8}"/>
+                <a16:creationId xmlns="" xmlns:a16="http://schemas.microsoft.com/office/drawing/2014/main" id="{540972A1-4BB3-4D04-B4DF-C76BA9B5CAD8}"/>
               </a:ext>
             </a:extLst>
           </p:cNvPr>
@@ -28244,7 +27322,7 @@
           <p:cNvPr id="5" name="Slide Number Placeholder 4">
             <a:extLst>
               <a:ext uri="{FF2B5EF4-FFF2-40B4-BE49-F238E27FC236}">
-                <a16:creationId xmlns:a16="http://schemas.microsoft.com/office/drawing/2014/main" xmlns="" id="{23B5C741-F1AB-463E-B229-974B2924B065}"/>
+                <a16:creationId xmlns="" xmlns:a16="http://schemas.microsoft.com/office/drawing/2014/main" id="{23B5C741-F1AB-463E-B229-974B2924B065}"/>
               </a:ext>
             </a:extLst>
           </p:cNvPr>
@@ -28273,7 +27351,7 @@
           <p:cNvPr id="7" name="Table 7">
             <a:extLst>
               <a:ext uri="{FF2B5EF4-FFF2-40B4-BE49-F238E27FC236}">
-                <a16:creationId xmlns:a16="http://schemas.microsoft.com/office/drawing/2014/main" xmlns="" id="{13889562-6D48-4151-A7F7-697C6BB79C94}"/>
+                <a16:creationId xmlns="" xmlns:a16="http://schemas.microsoft.com/office/drawing/2014/main" id="{13889562-6D48-4151-A7F7-697C6BB79C94}"/>
               </a:ext>
             </a:extLst>
           </p:cNvPr>
@@ -28302,42 +27380,42 @@
                 <a:gridCol w="895994">
                   <a:extLst>
                     <a:ext uri="{9D8B030D-6E8A-4147-A177-3AD203B41FA5}">
-                      <a16:colId xmlns:a16="http://schemas.microsoft.com/office/drawing/2014/main" xmlns="" val="3470491924"/>
+                      <a16:colId xmlns="" xmlns:a16="http://schemas.microsoft.com/office/drawing/2014/main" val="3470491924"/>
                     </a:ext>
                   </a:extLst>
                 </a:gridCol>
                 <a:gridCol w="895994">
                   <a:extLst>
                     <a:ext uri="{9D8B030D-6E8A-4147-A177-3AD203B41FA5}">
-                      <a16:colId xmlns:a16="http://schemas.microsoft.com/office/drawing/2014/main" xmlns="" val="2502966855"/>
+                      <a16:colId xmlns="" xmlns:a16="http://schemas.microsoft.com/office/drawing/2014/main" val="2502966855"/>
                     </a:ext>
                   </a:extLst>
                 </a:gridCol>
                 <a:gridCol w="895994">
                   <a:extLst>
                     <a:ext uri="{9D8B030D-6E8A-4147-A177-3AD203B41FA5}">
-                      <a16:colId xmlns:a16="http://schemas.microsoft.com/office/drawing/2014/main" xmlns="" val="1083158815"/>
+                      <a16:colId xmlns="" xmlns:a16="http://schemas.microsoft.com/office/drawing/2014/main" val="1083158815"/>
                     </a:ext>
                   </a:extLst>
                 </a:gridCol>
                 <a:gridCol w="895994">
                   <a:extLst>
                     <a:ext uri="{9D8B030D-6E8A-4147-A177-3AD203B41FA5}">
-                      <a16:colId xmlns:a16="http://schemas.microsoft.com/office/drawing/2014/main" xmlns="" val="4121210064"/>
+                      <a16:colId xmlns="" xmlns:a16="http://schemas.microsoft.com/office/drawing/2014/main" val="4121210064"/>
                     </a:ext>
                   </a:extLst>
                 </a:gridCol>
                 <a:gridCol w="895994">
                   <a:extLst>
                     <a:ext uri="{9D8B030D-6E8A-4147-A177-3AD203B41FA5}">
-                      <a16:colId xmlns:a16="http://schemas.microsoft.com/office/drawing/2014/main" xmlns="" val="141701959"/>
+                      <a16:colId xmlns="" xmlns:a16="http://schemas.microsoft.com/office/drawing/2014/main" val="141701959"/>
                     </a:ext>
                   </a:extLst>
                 </a:gridCol>
                 <a:gridCol w="895994">
                   <a:extLst>
                     <a:ext uri="{9D8B030D-6E8A-4147-A177-3AD203B41FA5}">
-                      <a16:colId xmlns:a16="http://schemas.microsoft.com/office/drawing/2014/main" xmlns="" val="3461793176"/>
+                      <a16:colId xmlns="" xmlns:a16="http://schemas.microsoft.com/office/drawing/2014/main" val="3461793176"/>
                     </a:ext>
                   </a:extLst>
                 </a:gridCol>
@@ -28426,7 +27504,7 @@
                 </a:tc>
                 <a:extLst>
                   <a:ext uri="{0D108BD9-81ED-4DB2-BD59-A6C34878D82A}">
-                    <a16:rowId xmlns:a16="http://schemas.microsoft.com/office/drawing/2014/main" xmlns="" val="2651531398"/>
+                    <a16:rowId xmlns="" xmlns:a16="http://schemas.microsoft.com/office/drawing/2014/main" val="2651531398"/>
                   </a:ext>
                 </a:extLst>
               </a:tr>
@@ -28517,7 +27595,7 @@
                 </a:tc>
                 <a:extLst>
                   <a:ext uri="{0D108BD9-81ED-4DB2-BD59-A6C34878D82A}">
-                    <a16:rowId xmlns:a16="http://schemas.microsoft.com/office/drawing/2014/main" xmlns="" val="3540775974"/>
+                    <a16:rowId xmlns="" xmlns:a16="http://schemas.microsoft.com/office/drawing/2014/main" val="3540775974"/>
                   </a:ext>
                 </a:extLst>
               </a:tr>
@@ -28608,7 +27686,7 @@
                 </a:tc>
                 <a:extLst>
                   <a:ext uri="{0D108BD9-81ED-4DB2-BD59-A6C34878D82A}">
-                    <a16:rowId xmlns:a16="http://schemas.microsoft.com/office/drawing/2014/main" xmlns="" val="2368716598"/>
+                    <a16:rowId xmlns="" xmlns:a16="http://schemas.microsoft.com/office/drawing/2014/main" val="2368716598"/>
                   </a:ext>
                 </a:extLst>
               </a:tr>
@@ -28699,7 +27777,7 @@
                 </a:tc>
                 <a:extLst>
                   <a:ext uri="{0D108BD9-81ED-4DB2-BD59-A6C34878D82A}">
-                    <a16:rowId xmlns:a16="http://schemas.microsoft.com/office/drawing/2014/main" xmlns="" val="3942807443"/>
+                    <a16:rowId xmlns="" xmlns:a16="http://schemas.microsoft.com/office/drawing/2014/main" val="3942807443"/>
                   </a:ext>
                 </a:extLst>
               </a:tr>
@@ -28790,7 +27868,7 @@
                 </a:tc>
                 <a:extLst>
                   <a:ext uri="{0D108BD9-81ED-4DB2-BD59-A6C34878D82A}">
-                    <a16:rowId xmlns:a16="http://schemas.microsoft.com/office/drawing/2014/main" xmlns="" val="1314220991"/>
+                    <a16:rowId xmlns="" xmlns:a16="http://schemas.microsoft.com/office/drawing/2014/main" val="1314220991"/>
                   </a:ext>
                 </a:extLst>
               </a:tr>
@@ -28881,7 +27959,7 @@
                 </a:tc>
                 <a:extLst>
                   <a:ext uri="{0D108BD9-81ED-4DB2-BD59-A6C34878D82A}">
-                    <a16:rowId xmlns:a16="http://schemas.microsoft.com/office/drawing/2014/main" xmlns="" val="2799734191"/>
+                    <a16:rowId xmlns="" xmlns:a16="http://schemas.microsoft.com/office/drawing/2014/main" val="2799734191"/>
                   </a:ext>
                 </a:extLst>
               </a:tr>
@@ -28894,7 +27972,7 @@
           <p:cNvPr id="8" name="TextBox 7">
             <a:extLst>
               <a:ext uri="{FF2B5EF4-FFF2-40B4-BE49-F238E27FC236}">
-                <a16:creationId xmlns:a16="http://schemas.microsoft.com/office/drawing/2014/main" xmlns="" id="{FA61114D-D3FC-4884-80F9-86AD98153890}"/>
+                <a16:creationId xmlns="" xmlns:a16="http://schemas.microsoft.com/office/drawing/2014/main" id="{FA61114D-D3FC-4884-80F9-86AD98153890}"/>
               </a:ext>
             </a:extLst>
           </p:cNvPr>
@@ -28964,7 +28042,7 @@
           <p:cNvPr id="2" name="Title 1">
             <a:extLst>
               <a:ext uri="{FF2B5EF4-FFF2-40B4-BE49-F238E27FC236}">
-                <a16:creationId xmlns:a16="http://schemas.microsoft.com/office/drawing/2014/main" xmlns="" id="{9F53C0E6-5CA5-48E1-B370-E678425399F4}"/>
+                <a16:creationId xmlns="" xmlns:a16="http://schemas.microsoft.com/office/drawing/2014/main" id="{9F53C0E6-5CA5-48E1-B370-E678425399F4}"/>
               </a:ext>
             </a:extLst>
           </p:cNvPr>
@@ -28997,7 +28075,7 @@
           <p:cNvPr id="3" name="Content Placeholder 2">
             <a:extLst>
               <a:ext uri="{FF2B5EF4-FFF2-40B4-BE49-F238E27FC236}">
-                <a16:creationId xmlns:a16="http://schemas.microsoft.com/office/drawing/2014/main" xmlns="" id="{F0A4581A-26B3-40E7-A945-90C4D9B58292}"/>
+                <a16:creationId xmlns="" xmlns:a16="http://schemas.microsoft.com/office/drawing/2014/main" id="{F0A4581A-26B3-40E7-A945-90C4D9B58292}"/>
               </a:ext>
             </a:extLst>
           </p:cNvPr>
@@ -29082,7 +28160,15 @@
             </a:pPr>
             <a:r>
               <a:rPr lang="en-IN" sz="2000" dirty="0"/>
-              <a:t>Pre-trained models used: 	1. InceptionV3		2. </a:t>
+              <a:t>Pre-trained models used: 	1. </a:t>
+            </a:r>
+            <a:r>
+              <a:rPr lang="en-IN" sz="2000" dirty="0" smtClean="0"/>
+              <a:t>VGG-16</a:t>
+            </a:r>
+            <a:r>
+              <a:rPr lang="en-IN" sz="2000" dirty="0"/>
+              <a:t>		2. </a:t>
             </a:r>
             <a:r>
               <a:rPr lang="en-IN" sz="2000" dirty="0" err="1"/>
@@ -29129,7 +28215,7 @@
           <p:cNvPr id="4" name="Footer Placeholder 3">
             <a:extLst>
               <a:ext uri="{FF2B5EF4-FFF2-40B4-BE49-F238E27FC236}">
-                <a16:creationId xmlns:a16="http://schemas.microsoft.com/office/drawing/2014/main" xmlns="" id="{540972A1-4BB3-4D04-B4DF-C76BA9B5CAD8}"/>
+                <a16:creationId xmlns="" xmlns:a16="http://schemas.microsoft.com/office/drawing/2014/main" id="{540972A1-4BB3-4D04-B4DF-C76BA9B5CAD8}"/>
               </a:ext>
             </a:extLst>
           </p:cNvPr>
@@ -29158,7 +28244,7 @@
           <p:cNvPr id="5" name="Slide Number Placeholder 4">
             <a:extLst>
               <a:ext uri="{FF2B5EF4-FFF2-40B4-BE49-F238E27FC236}">
-                <a16:creationId xmlns:a16="http://schemas.microsoft.com/office/drawing/2014/main" xmlns="" id="{23B5C741-F1AB-463E-B229-974B2924B065}"/>
+                <a16:creationId xmlns="" xmlns:a16="http://schemas.microsoft.com/office/drawing/2014/main" id="{23B5C741-F1AB-463E-B229-974B2924B065}"/>
               </a:ext>
             </a:extLst>
           </p:cNvPr>
@@ -29187,7 +28273,7 @@
           <p:cNvPr id="7" name="Picture 6" descr="A picture containing flower, plant&#10;&#10;Description automatically generated">
             <a:extLst>
               <a:ext uri="{FF2B5EF4-FFF2-40B4-BE49-F238E27FC236}">
-                <a16:creationId xmlns:a16="http://schemas.microsoft.com/office/drawing/2014/main" xmlns="" id="{E590613B-9711-44BB-88CD-E80C9F360942}"/>
+                <a16:creationId xmlns="" xmlns:a16="http://schemas.microsoft.com/office/drawing/2014/main" id="{E590613B-9711-44BB-88CD-E80C9F360942}"/>
               </a:ext>
             </a:extLst>
           </p:cNvPr>
@@ -29223,7 +28309,7 @@
           <p:cNvPr id="55" name="TextBox 54">
             <a:extLst>
               <a:ext uri="{FF2B5EF4-FFF2-40B4-BE49-F238E27FC236}">
-                <a16:creationId xmlns:a16="http://schemas.microsoft.com/office/drawing/2014/main" xmlns="" id="{ABC053D8-1D60-491C-8C05-8510DEC9846D}"/>
+                <a16:creationId xmlns="" xmlns:a16="http://schemas.microsoft.com/office/drawing/2014/main" id="{ABC053D8-1D60-491C-8C05-8510DEC9846D}"/>
               </a:ext>
             </a:extLst>
           </p:cNvPr>
@@ -29258,7 +28344,7 @@
           <p:cNvPr id="60" name="Rectangle: Rounded Corners 59">
             <a:extLst>
               <a:ext uri="{FF2B5EF4-FFF2-40B4-BE49-F238E27FC236}">
-                <a16:creationId xmlns:a16="http://schemas.microsoft.com/office/drawing/2014/main" xmlns="" id="{77262999-EA30-4547-BB0B-9605235117BD}"/>
+                <a16:creationId xmlns="" xmlns:a16="http://schemas.microsoft.com/office/drawing/2014/main" id="{77262999-EA30-4547-BB0B-9605235117BD}"/>
               </a:ext>
             </a:extLst>
           </p:cNvPr>
@@ -29305,7 +28391,7 @@
           <p:cNvPr id="61" name="Rectangle: Rounded Corners 60">
             <a:extLst>
               <a:ext uri="{FF2B5EF4-FFF2-40B4-BE49-F238E27FC236}">
-                <a16:creationId xmlns:a16="http://schemas.microsoft.com/office/drawing/2014/main" xmlns="" id="{0B5A71C4-686A-41F6-8026-EA717B20E47A}"/>
+                <a16:creationId xmlns="" xmlns:a16="http://schemas.microsoft.com/office/drawing/2014/main" id="{0B5A71C4-686A-41F6-8026-EA717B20E47A}"/>
               </a:ext>
             </a:extLst>
           </p:cNvPr>
@@ -29352,7 +28438,7 @@
           <p:cNvPr id="62" name="Cube 61">
             <a:extLst>
               <a:ext uri="{FF2B5EF4-FFF2-40B4-BE49-F238E27FC236}">
-                <a16:creationId xmlns:a16="http://schemas.microsoft.com/office/drawing/2014/main" xmlns="" id="{A50A7870-F043-458E-ADB3-CA407EC8C651}"/>
+                <a16:creationId xmlns="" xmlns:a16="http://schemas.microsoft.com/office/drawing/2014/main" id="{A50A7870-F043-458E-ADB3-CA407EC8C651}"/>
               </a:ext>
             </a:extLst>
           </p:cNvPr>
@@ -29390,9 +28476,10 @@
           <a:p>
             <a:pPr algn="ctr"/>
             <a:r>
-              <a:rPr lang="en-IN" dirty="0"/>
-              <a:t>InceptionV3</a:t>
-            </a:r>
+              <a:rPr lang="en-IN" dirty="0" smtClean="0"/>
+              <a:t>VGG-16</a:t>
+            </a:r>
+            <a:endParaRPr lang="en-IN" dirty="0"/>
           </a:p>
         </p:txBody>
       </p:sp>
@@ -29401,7 +28488,7 @@
           <p:cNvPr id="64" name="Straight Arrow Connector 63">
             <a:extLst>
               <a:ext uri="{FF2B5EF4-FFF2-40B4-BE49-F238E27FC236}">
-                <a16:creationId xmlns:a16="http://schemas.microsoft.com/office/drawing/2014/main" xmlns="" id="{9AAE4B16-278D-4463-98E3-CEC20EB645D6}"/>
+                <a16:creationId xmlns="" xmlns:a16="http://schemas.microsoft.com/office/drawing/2014/main" id="{9AAE4B16-278D-4463-98E3-CEC20EB645D6}"/>
               </a:ext>
             </a:extLst>
           </p:cNvPr>
@@ -29442,7 +28529,7 @@
           <p:cNvPr id="65" name="Oval 64">
             <a:extLst>
               <a:ext uri="{FF2B5EF4-FFF2-40B4-BE49-F238E27FC236}">
-                <a16:creationId xmlns:a16="http://schemas.microsoft.com/office/drawing/2014/main" xmlns="" id="{69B63072-9CAF-4C4D-9D55-18A9DA12FF78}"/>
+                <a16:creationId xmlns="" xmlns:a16="http://schemas.microsoft.com/office/drawing/2014/main" id="{69B63072-9CAF-4C4D-9D55-18A9DA12FF78}"/>
               </a:ext>
             </a:extLst>
           </p:cNvPr>
@@ -29489,7 +28576,7 @@
           <p:cNvPr id="67" name="Straight Arrow Connector 66">
             <a:extLst>
               <a:ext uri="{FF2B5EF4-FFF2-40B4-BE49-F238E27FC236}">
-                <a16:creationId xmlns:a16="http://schemas.microsoft.com/office/drawing/2014/main" xmlns="" id="{6FE0B3CA-BF63-4224-BB40-A60BA0CB3186}"/>
+                <a16:creationId xmlns="" xmlns:a16="http://schemas.microsoft.com/office/drawing/2014/main" id="{6FE0B3CA-BF63-4224-BB40-A60BA0CB3186}"/>
               </a:ext>
             </a:extLst>
           </p:cNvPr>
@@ -29530,7 +28617,7 @@
           <p:cNvPr id="68" name="Flowchart: Connector 67">
             <a:extLst>
               <a:ext uri="{FF2B5EF4-FFF2-40B4-BE49-F238E27FC236}">
-                <a16:creationId xmlns:a16="http://schemas.microsoft.com/office/drawing/2014/main" xmlns="" id="{52A4764B-AC85-461E-81C1-7E0DEFD128F9}"/>
+                <a16:creationId xmlns="" xmlns:a16="http://schemas.microsoft.com/office/drawing/2014/main" id="{52A4764B-AC85-461E-81C1-7E0DEFD128F9}"/>
               </a:ext>
             </a:extLst>
           </p:cNvPr>
@@ -29579,7 +28666,7 @@
           <p:cNvPr id="70" name="Straight Arrow Connector 69">
             <a:extLst>
               <a:ext uri="{FF2B5EF4-FFF2-40B4-BE49-F238E27FC236}">
-                <a16:creationId xmlns:a16="http://schemas.microsoft.com/office/drawing/2014/main" xmlns="" id="{9A524E1E-B8FA-49AD-A180-E17FB7703810}"/>
+                <a16:creationId xmlns="" xmlns:a16="http://schemas.microsoft.com/office/drawing/2014/main" id="{9A524E1E-B8FA-49AD-A180-E17FB7703810}"/>
               </a:ext>
             </a:extLst>
           </p:cNvPr>
@@ -29621,7 +28708,7 @@
           <p:cNvPr id="72" name="Straight Arrow Connector 71">
             <a:extLst>
               <a:ext uri="{FF2B5EF4-FFF2-40B4-BE49-F238E27FC236}">
-                <a16:creationId xmlns:a16="http://schemas.microsoft.com/office/drawing/2014/main" xmlns="" id="{41EED0A4-8D29-4A17-8402-C86AB5466503}"/>
+                <a16:creationId xmlns="" xmlns:a16="http://schemas.microsoft.com/office/drawing/2014/main" id="{41EED0A4-8D29-4A17-8402-C86AB5466503}"/>
               </a:ext>
             </a:extLst>
           </p:cNvPr>
@@ -29663,7 +28750,7 @@
           <p:cNvPr id="73" name="Rectangle 72">
             <a:extLst>
               <a:ext uri="{FF2B5EF4-FFF2-40B4-BE49-F238E27FC236}">
-                <a16:creationId xmlns:a16="http://schemas.microsoft.com/office/drawing/2014/main" xmlns="" id="{20B855DC-6E11-4F0F-B419-483C77840FB2}"/>
+                <a16:creationId xmlns="" xmlns:a16="http://schemas.microsoft.com/office/drawing/2014/main" id="{20B855DC-6E11-4F0F-B419-483C77840FB2}"/>
               </a:ext>
             </a:extLst>
           </p:cNvPr>
@@ -29722,7 +28809,7 @@
           <p:cNvPr id="75" name="Straight Arrow Connector 74">
             <a:extLst>
               <a:ext uri="{FF2B5EF4-FFF2-40B4-BE49-F238E27FC236}">
-                <a16:creationId xmlns:a16="http://schemas.microsoft.com/office/drawing/2014/main" xmlns="" id="{B308EC2E-A589-41CD-8D54-0886B5E9C26E}"/>
+                <a16:creationId xmlns="" xmlns:a16="http://schemas.microsoft.com/office/drawing/2014/main" id="{B308EC2E-A589-41CD-8D54-0886B5E9C26E}"/>
               </a:ext>
             </a:extLst>
           </p:cNvPr>
@@ -29764,7 +28851,7 @@
           <p:cNvPr id="87" name="Straight Arrow Connector 86">
             <a:extLst>
               <a:ext uri="{FF2B5EF4-FFF2-40B4-BE49-F238E27FC236}">
-                <a16:creationId xmlns:a16="http://schemas.microsoft.com/office/drawing/2014/main" xmlns="" id="{0F3E3441-B224-4F9D-A90B-48CA8F2DF3D1}"/>
+                <a16:creationId xmlns="" xmlns:a16="http://schemas.microsoft.com/office/drawing/2014/main" id="{0F3E3441-B224-4F9D-A90B-48CA8F2DF3D1}"/>
               </a:ext>
             </a:extLst>
           </p:cNvPr>
@@ -29805,7 +28892,7 @@
           <p:cNvPr id="90" name="Oval 89">
             <a:extLst>
               <a:ext uri="{FF2B5EF4-FFF2-40B4-BE49-F238E27FC236}">
-                <a16:creationId xmlns:a16="http://schemas.microsoft.com/office/drawing/2014/main" xmlns="" id="{AB3B930A-2C71-4545-8622-114E3E812C90}"/>
+                <a16:creationId xmlns="" xmlns:a16="http://schemas.microsoft.com/office/drawing/2014/main" id="{AB3B930A-2C71-4545-8622-114E3E812C90}"/>
               </a:ext>
             </a:extLst>
           </p:cNvPr>
@@ -29852,7 +28939,7 @@
           <p:cNvPr id="91" name="TextBox 90">
             <a:extLst>
               <a:ext uri="{FF2B5EF4-FFF2-40B4-BE49-F238E27FC236}">
-                <a16:creationId xmlns:a16="http://schemas.microsoft.com/office/drawing/2014/main" xmlns="" id="{6CDE4D12-2455-480E-A996-1006C85A1C98}"/>
+                <a16:creationId xmlns="" xmlns:a16="http://schemas.microsoft.com/office/drawing/2014/main" id="{6CDE4D12-2455-480E-A996-1006C85A1C98}"/>
               </a:ext>
             </a:extLst>
           </p:cNvPr>
@@ -29888,7 +28975,7 @@
           <p:cNvPr id="6" name="Table 7">
             <a:extLst>
               <a:ext uri="{FF2B5EF4-FFF2-40B4-BE49-F238E27FC236}">
-                <a16:creationId xmlns:a16="http://schemas.microsoft.com/office/drawing/2014/main" xmlns="" id="{96F9D78C-9CE6-4E8B-8138-21F7DC5A3D47}"/>
+                <a16:creationId xmlns="" xmlns:a16="http://schemas.microsoft.com/office/drawing/2014/main" id="{96F9D78C-9CE6-4E8B-8138-21F7DC5A3D47}"/>
               </a:ext>
             </a:extLst>
           </p:cNvPr>
@@ -29917,14 +29004,14 @@
                 <a:gridCol w="4915664">
                   <a:extLst>
                     <a:ext uri="{9D8B030D-6E8A-4147-A177-3AD203B41FA5}">
-                      <a16:colId xmlns:a16="http://schemas.microsoft.com/office/drawing/2014/main" xmlns="" val="343336883"/>
+                      <a16:colId xmlns="" xmlns:a16="http://schemas.microsoft.com/office/drawing/2014/main" val="343336883"/>
                     </a:ext>
                   </a:extLst>
                 </a:gridCol>
                 <a:gridCol w="5562600">
                   <a:extLst>
                     <a:ext uri="{9D8B030D-6E8A-4147-A177-3AD203B41FA5}">
-                      <a16:colId xmlns:a16="http://schemas.microsoft.com/office/drawing/2014/main" xmlns="" val="1847998"/>
+                      <a16:colId xmlns="" xmlns:a16="http://schemas.microsoft.com/office/drawing/2014/main" val="1847998"/>
                     </a:ext>
                   </a:extLst>
                 </a:gridCol>
@@ -30014,7 +29101,7 @@
                 </a:tc>
                 <a:extLst>
                   <a:ext uri="{0D108BD9-81ED-4DB2-BD59-A6C34878D82A}">
-                    <a16:rowId xmlns:a16="http://schemas.microsoft.com/office/drawing/2014/main" xmlns="" val="3841246588"/>
+                    <a16:rowId xmlns="" xmlns:a16="http://schemas.microsoft.com/office/drawing/2014/main" val="3841246588"/>
                   </a:ext>
                 </a:extLst>
               </a:tr>
@@ -30107,7 +29194,7 @@
                 </a:tc>
                 <a:extLst>
                   <a:ext uri="{0D108BD9-81ED-4DB2-BD59-A6C34878D82A}">
-                    <a16:rowId xmlns:a16="http://schemas.microsoft.com/office/drawing/2014/main" xmlns="" val="529798467"/>
+                    <a16:rowId xmlns="" xmlns:a16="http://schemas.microsoft.com/office/drawing/2014/main" val="529798467"/>
                   </a:ext>
                 </a:extLst>
               </a:tr>
@@ -30157,7 +29244,7 @@
           <p:cNvPr id="2" name="Title 1">
             <a:extLst>
               <a:ext uri="{FF2B5EF4-FFF2-40B4-BE49-F238E27FC236}">
-                <a16:creationId xmlns:a16="http://schemas.microsoft.com/office/drawing/2014/main" xmlns="" id="{9F53C0E6-5CA5-48E1-B370-E678425399F4}"/>
+                <a16:creationId xmlns="" xmlns:a16="http://schemas.microsoft.com/office/drawing/2014/main" id="{9F53C0E6-5CA5-48E1-B370-E678425399F4}"/>
               </a:ext>
             </a:extLst>
           </p:cNvPr>
@@ -30190,7 +29277,7 @@
           <p:cNvPr id="3" name="Content Placeholder 2">
             <a:extLst>
               <a:ext uri="{FF2B5EF4-FFF2-40B4-BE49-F238E27FC236}">
-                <a16:creationId xmlns:a16="http://schemas.microsoft.com/office/drawing/2014/main" xmlns="" id="{F0A4581A-26B3-40E7-A945-90C4D9B58292}"/>
+                <a16:creationId xmlns="" xmlns:a16="http://schemas.microsoft.com/office/drawing/2014/main" id="{F0A4581A-26B3-40E7-A945-90C4D9B58292}"/>
               </a:ext>
             </a:extLst>
           </p:cNvPr>
@@ -30427,7 +29514,7 @@
           <p:cNvPr id="4" name="Footer Placeholder 3">
             <a:extLst>
               <a:ext uri="{FF2B5EF4-FFF2-40B4-BE49-F238E27FC236}">
-                <a16:creationId xmlns:a16="http://schemas.microsoft.com/office/drawing/2014/main" xmlns="" id="{540972A1-4BB3-4D04-B4DF-C76BA9B5CAD8}"/>
+                <a16:creationId xmlns="" xmlns:a16="http://schemas.microsoft.com/office/drawing/2014/main" id="{540972A1-4BB3-4D04-B4DF-C76BA9B5CAD8}"/>
               </a:ext>
             </a:extLst>
           </p:cNvPr>
@@ -30456,7 +29543,7 @@
           <p:cNvPr id="5" name="Slide Number Placeholder 4">
             <a:extLst>
               <a:ext uri="{FF2B5EF4-FFF2-40B4-BE49-F238E27FC236}">
-                <a16:creationId xmlns:a16="http://schemas.microsoft.com/office/drawing/2014/main" xmlns="" id="{23B5C741-F1AB-463E-B229-974B2924B065}"/>
+                <a16:creationId xmlns="" xmlns:a16="http://schemas.microsoft.com/office/drawing/2014/main" id="{23B5C741-F1AB-463E-B229-974B2924B065}"/>
               </a:ext>
             </a:extLst>
           </p:cNvPr>
@@ -30485,7 +29572,7 @@
           <p:cNvPr id="6" name="Table 6">
             <a:extLst>
               <a:ext uri="{FF2B5EF4-FFF2-40B4-BE49-F238E27FC236}">
-                <a16:creationId xmlns:a16="http://schemas.microsoft.com/office/drawing/2014/main" xmlns="" id="{A3F1691A-8B2D-4A44-AE82-EFC7DA8C4460}"/>
+                <a16:creationId xmlns="" xmlns:a16="http://schemas.microsoft.com/office/drawing/2014/main" id="{A3F1691A-8B2D-4A44-AE82-EFC7DA8C4460}"/>
               </a:ext>
             </a:extLst>
           </p:cNvPr>
@@ -30514,14 +29601,14 @@
                 <a:gridCol w="697948">
                   <a:extLst>
                     <a:ext uri="{9D8B030D-6E8A-4147-A177-3AD203B41FA5}">
-                      <a16:colId xmlns:a16="http://schemas.microsoft.com/office/drawing/2014/main" xmlns="" val="1162103489"/>
+                      <a16:colId xmlns="" xmlns:a16="http://schemas.microsoft.com/office/drawing/2014/main" val="1162103489"/>
                     </a:ext>
                   </a:extLst>
                 </a:gridCol>
                 <a:gridCol w="9511748">
                   <a:extLst>
                     <a:ext uri="{9D8B030D-6E8A-4147-A177-3AD203B41FA5}">
-                      <a16:colId xmlns:a16="http://schemas.microsoft.com/office/drawing/2014/main" xmlns="" val="1404304497"/>
+                      <a16:colId xmlns="" xmlns:a16="http://schemas.microsoft.com/office/drawing/2014/main" val="1404304497"/>
                     </a:ext>
                   </a:extLst>
                 </a:gridCol>
@@ -30613,7 +29700,7 @@
                 </a:tc>
                 <a:extLst>
                   <a:ext uri="{0D108BD9-81ED-4DB2-BD59-A6C34878D82A}">
-                    <a16:rowId xmlns:a16="http://schemas.microsoft.com/office/drawing/2014/main" xmlns="" val="2808972098"/>
+                    <a16:rowId xmlns="" xmlns:a16="http://schemas.microsoft.com/office/drawing/2014/main" val="2808972098"/>
                   </a:ext>
                 </a:extLst>
               </a:tr>
@@ -30704,7 +29791,7 @@
                 </a:tc>
                 <a:extLst>
                   <a:ext uri="{0D108BD9-81ED-4DB2-BD59-A6C34878D82A}">
-                    <a16:rowId xmlns:a16="http://schemas.microsoft.com/office/drawing/2014/main" xmlns="" val="3567420632"/>
+                    <a16:rowId xmlns="" xmlns:a16="http://schemas.microsoft.com/office/drawing/2014/main" val="3567420632"/>
                   </a:ext>
                 </a:extLst>
               </a:tr>
@@ -30811,7 +29898,7 @@
                 </a:tc>
                 <a:extLst>
                   <a:ext uri="{0D108BD9-81ED-4DB2-BD59-A6C34878D82A}">
-                    <a16:rowId xmlns:a16="http://schemas.microsoft.com/office/drawing/2014/main" xmlns="" val="836116413"/>
+                    <a16:rowId xmlns="" xmlns:a16="http://schemas.microsoft.com/office/drawing/2014/main" val="836116413"/>
                   </a:ext>
                 </a:extLst>
               </a:tr>
@@ -30918,7 +30005,7 @@
                 </a:tc>
                 <a:extLst>
                   <a:ext uri="{0D108BD9-81ED-4DB2-BD59-A6C34878D82A}">
-                    <a16:rowId xmlns:a16="http://schemas.microsoft.com/office/drawing/2014/main" xmlns="" val="2969834672"/>
+                    <a16:rowId xmlns="" xmlns:a16="http://schemas.microsoft.com/office/drawing/2014/main" val="2969834672"/>
                   </a:ext>
                 </a:extLst>
               </a:tr>
@@ -31057,7 +30144,7 @@
                 </a:tc>
                 <a:extLst>
                   <a:ext uri="{0D108BD9-81ED-4DB2-BD59-A6C34878D82A}">
-                    <a16:rowId xmlns:a16="http://schemas.microsoft.com/office/drawing/2014/main" xmlns="" val="1656653220"/>
+                    <a16:rowId xmlns="" xmlns:a16="http://schemas.microsoft.com/office/drawing/2014/main" val="1656653220"/>
                   </a:ext>
                 </a:extLst>
               </a:tr>
@@ -31164,7 +30251,7 @@
                 </a:tc>
                 <a:extLst>
                   <a:ext uri="{0D108BD9-81ED-4DB2-BD59-A6C34878D82A}">
-                    <a16:rowId xmlns:a16="http://schemas.microsoft.com/office/drawing/2014/main" xmlns="" val="2452347896"/>
+                    <a16:rowId xmlns="" xmlns:a16="http://schemas.microsoft.com/office/drawing/2014/main" val="2452347896"/>
                   </a:ext>
                 </a:extLst>
               </a:tr>
@@ -31271,7 +30358,7 @@
                 </a:tc>
                 <a:extLst>
                   <a:ext uri="{0D108BD9-81ED-4DB2-BD59-A6C34878D82A}">
-                    <a16:rowId xmlns:a16="http://schemas.microsoft.com/office/drawing/2014/main" xmlns="" val="3414279275"/>
+                    <a16:rowId xmlns="" xmlns:a16="http://schemas.microsoft.com/office/drawing/2014/main" val="3414279275"/>
                   </a:ext>
                 </a:extLst>
               </a:tr>
@@ -31378,7 +30465,7 @@
                 </a:tc>
                 <a:extLst>
                   <a:ext uri="{0D108BD9-81ED-4DB2-BD59-A6C34878D82A}">
-                    <a16:rowId xmlns:a16="http://schemas.microsoft.com/office/drawing/2014/main" xmlns="" val="1358162665"/>
+                    <a16:rowId xmlns="" xmlns:a16="http://schemas.microsoft.com/office/drawing/2014/main" val="1358162665"/>
                   </a:ext>
                 </a:extLst>
               </a:tr>
@@ -31501,7 +30588,7 @@
                 </a:tc>
                 <a:extLst>
                   <a:ext uri="{0D108BD9-81ED-4DB2-BD59-A6C34878D82A}">
-                    <a16:rowId xmlns:a16="http://schemas.microsoft.com/office/drawing/2014/main" xmlns="" val="2621379218"/>
+                    <a16:rowId xmlns="" xmlns:a16="http://schemas.microsoft.com/office/drawing/2014/main" val="2621379218"/>
                   </a:ext>
                 </a:extLst>
               </a:tr>
@@ -31640,7 +30727,7 @@
                 </a:tc>
                 <a:extLst>
                   <a:ext uri="{0D108BD9-81ED-4DB2-BD59-A6C34878D82A}">
-                    <a16:rowId xmlns:a16="http://schemas.microsoft.com/office/drawing/2014/main" xmlns="" val="1382211798"/>
+                    <a16:rowId xmlns="" xmlns:a16="http://schemas.microsoft.com/office/drawing/2014/main" val="1382211798"/>
                   </a:ext>
                 </a:extLst>
               </a:tr>
@@ -31747,7 +30834,7 @@
                 </a:tc>
                 <a:extLst>
                   <a:ext uri="{0D108BD9-81ED-4DB2-BD59-A6C34878D82A}">
-                    <a16:rowId xmlns:a16="http://schemas.microsoft.com/office/drawing/2014/main" xmlns="" val="3697084328"/>
+                    <a16:rowId xmlns="" xmlns:a16="http://schemas.microsoft.com/office/drawing/2014/main" val="3697084328"/>
                   </a:ext>
                 </a:extLst>
               </a:tr>
@@ -31760,7 +30847,7 @@
           <p:cNvPr id="8" name="Table 8">
             <a:extLst>
               <a:ext uri="{FF2B5EF4-FFF2-40B4-BE49-F238E27FC236}">
-                <a16:creationId xmlns:a16="http://schemas.microsoft.com/office/drawing/2014/main" xmlns="" id="{123D2D9B-81AD-4CC5-897D-814333C9F26F}"/>
+                <a16:creationId xmlns="" xmlns:a16="http://schemas.microsoft.com/office/drawing/2014/main" id="{123D2D9B-81AD-4CC5-897D-814333C9F26F}"/>
               </a:ext>
             </a:extLst>
           </p:cNvPr>
@@ -31789,14 +30876,14 @@
                 <a:gridCol w="644940">
                   <a:extLst>
                     <a:ext uri="{9D8B030D-6E8A-4147-A177-3AD203B41FA5}">
-                      <a16:colId xmlns:a16="http://schemas.microsoft.com/office/drawing/2014/main" xmlns="" val="1219564251"/>
+                      <a16:colId xmlns="" xmlns:a16="http://schemas.microsoft.com/office/drawing/2014/main" val="1219564251"/>
                     </a:ext>
                   </a:extLst>
                 </a:gridCol>
                 <a:gridCol w="9564756">
                   <a:extLst>
                     <a:ext uri="{9D8B030D-6E8A-4147-A177-3AD203B41FA5}">
-                      <a16:colId xmlns:a16="http://schemas.microsoft.com/office/drawing/2014/main" xmlns="" val="1977103877"/>
+                      <a16:colId xmlns="" xmlns:a16="http://schemas.microsoft.com/office/drawing/2014/main" val="1977103877"/>
                     </a:ext>
                   </a:extLst>
                 </a:gridCol>
@@ -31928,7 +31015,7 @@
                 </a:tc>
                 <a:extLst>
                   <a:ext uri="{0D108BD9-81ED-4DB2-BD59-A6C34878D82A}">
-                    <a16:rowId xmlns:a16="http://schemas.microsoft.com/office/drawing/2014/main" xmlns="" val="4165908067"/>
+                    <a16:rowId xmlns="" xmlns:a16="http://schemas.microsoft.com/office/drawing/2014/main" val="4165908067"/>
                   </a:ext>
                 </a:extLst>
               </a:tr>
@@ -32027,7 +31114,7 @@
                 </a:tc>
                 <a:extLst>
                   <a:ext uri="{0D108BD9-81ED-4DB2-BD59-A6C34878D82A}">
-                    <a16:rowId xmlns:a16="http://schemas.microsoft.com/office/drawing/2014/main" xmlns="" val="3137430908"/>
+                    <a16:rowId xmlns="" xmlns:a16="http://schemas.microsoft.com/office/drawing/2014/main" val="3137430908"/>
                   </a:ext>
                 </a:extLst>
               </a:tr>
@@ -32077,7 +31164,7 @@
           <p:cNvPr id="2" name="Title 1">
             <a:extLst>
               <a:ext uri="{FF2B5EF4-FFF2-40B4-BE49-F238E27FC236}">
-                <a16:creationId xmlns:a16="http://schemas.microsoft.com/office/drawing/2014/main" xmlns="" id="{9F53C0E6-5CA5-48E1-B370-E678425399F4}"/>
+                <a16:creationId xmlns="" xmlns:a16="http://schemas.microsoft.com/office/drawing/2014/main" id="{9F53C0E6-5CA5-48E1-B370-E678425399F4}"/>
               </a:ext>
             </a:extLst>
           </p:cNvPr>
@@ -32110,7 +31197,7 @@
           <p:cNvPr id="3" name="Content Placeholder 2">
             <a:extLst>
               <a:ext uri="{FF2B5EF4-FFF2-40B4-BE49-F238E27FC236}">
-                <a16:creationId xmlns:a16="http://schemas.microsoft.com/office/drawing/2014/main" xmlns="" id="{F0A4581A-26B3-40E7-A945-90C4D9B58292}"/>
+                <a16:creationId xmlns="" xmlns:a16="http://schemas.microsoft.com/office/drawing/2014/main" id="{F0A4581A-26B3-40E7-A945-90C4D9B58292}"/>
               </a:ext>
             </a:extLst>
           </p:cNvPr>
@@ -32155,7 +31242,7 @@
           <p:cNvPr id="4" name="Footer Placeholder 3">
             <a:extLst>
               <a:ext uri="{FF2B5EF4-FFF2-40B4-BE49-F238E27FC236}">
-                <a16:creationId xmlns:a16="http://schemas.microsoft.com/office/drawing/2014/main" xmlns="" id="{540972A1-4BB3-4D04-B4DF-C76BA9B5CAD8}"/>
+                <a16:creationId xmlns="" xmlns:a16="http://schemas.microsoft.com/office/drawing/2014/main" id="{540972A1-4BB3-4D04-B4DF-C76BA9B5CAD8}"/>
               </a:ext>
             </a:extLst>
           </p:cNvPr>
@@ -32184,7 +31271,7 @@
           <p:cNvPr id="5" name="Slide Number Placeholder 4">
             <a:extLst>
               <a:ext uri="{FF2B5EF4-FFF2-40B4-BE49-F238E27FC236}">
-                <a16:creationId xmlns:a16="http://schemas.microsoft.com/office/drawing/2014/main" xmlns="" id="{23B5C741-F1AB-463E-B229-974B2924B065}"/>
+                <a16:creationId xmlns="" xmlns:a16="http://schemas.microsoft.com/office/drawing/2014/main" id="{23B5C741-F1AB-463E-B229-974B2924B065}"/>
               </a:ext>
             </a:extLst>
           </p:cNvPr>
@@ -32213,7 +31300,7 @@
           <p:cNvPr id="7" name="Picture 6">
             <a:extLst>
               <a:ext uri="{FF2B5EF4-FFF2-40B4-BE49-F238E27FC236}">
-                <a16:creationId xmlns:a16="http://schemas.microsoft.com/office/drawing/2014/main" xmlns="" id="{673CC656-0F93-4E6D-8891-D773305E53DF}"/>
+                <a16:creationId xmlns="" xmlns:a16="http://schemas.microsoft.com/office/drawing/2014/main" id="{673CC656-0F93-4E6D-8891-D773305E53DF}"/>
               </a:ext>
             </a:extLst>
           </p:cNvPr>
@@ -32286,7 +31373,7 @@
           <p:cNvPr id="2" name="Title 1">
             <a:extLst>
               <a:ext uri="{FF2B5EF4-FFF2-40B4-BE49-F238E27FC236}">
-                <a16:creationId xmlns:a16="http://schemas.microsoft.com/office/drawing/2014/main" xmlns="" id="{9F53C0E6-5CA5-48E1-B370-E678425399F4}"/>
+                <a16:creationId xmlns="" xmlns:a16="http://schemas.microsoft.com/office/drawing/2014/main" id="{9F53C0E6-5CA5-48E1-B370-E678425399F4}"/>
               </a:ext>
             </a:extLst>
           </p:cNvPr>
@@ -32319,7 +31406,7 @@
           <p:cNvPr id="3" name="Content Placeholder 2">
             <a:extLst>
               <a:ext uri="{FF2B5EF4-FFF2-40B4-BE49-F238E27FC236}">
-                <a16:creationId xmlns:a16="http://schemas.microsoft.com/office/drawing/2014/main" xmlns="" id="{F0A4581A-26B3-40E7-A945-90C4D9B58292}"/>
+                <a16:creationId xmlns="" xmlns:a16="http://schemas.microsoft.com/office/drawing/2014/main" id="{F0A4581A-26B3-40E7-A945-90C4D9B58292}"/>
               </a:ext>
             </a:extLst>
           </p:cNvPr>
@@ -32699,7 +31786,7 @@
           <p:cNvPr id="4" name="Footer Placeholder 3">
             <a:extLst>
               <a:ext uri="{FF2B5EF4-FFF2-40B4-BE49-F238E27FC236}">
-                <a16:creationId xmlns:a16="http://schemas.microsoft.com/office/drawing/2014/main" xmlns="" id="{540972A1-4BB3-4D04-B4DF-C76BA9B5CAD8}"/>
+                <a16:creationId xmlns="" xmlns:a16="http://schemas.microsoft.com/office/drawing/2014/main" id="{540972A1-4BB3-4D04-B4DF-C76BA9B5CAD8}"/>
               </a:ext>
             </a:extLst>
           </p:cNvPr>
@@ -32728,7 +31815,7 @@
           <p:cNvPr id="5" name="Slide Number Placeholder 4">
             <a:extLst>
               <a:ext uri="{FF2B5EF4-FFF2-40B4-BE49-F238E27FC236}">
-                <a16:creationId xmlns:a16="http://schemas.microsoft.com/office/drawing/2014/main" xmlns="" id="{23B5C741-F1AB-463E-B229-974B2924B065}"/>
+                <a16:creationId xmlns="" xmlns:a16="http://schemas.microsoft.com/office/drawing/2014/main" id="{23B5C741-F1AB-463E-B229-974B2924B065}"/>
               </a:ext>
             </a:extLst>
           </p:cNvPr>
@@ -32794,7 +31881,7 @@
           <p:cNvPr id="2" name="Title 1">
             <a:extLst>
               <a:ext uri="{FF2B5EF4-FFF2-40B4-BE49-F238E27FC236}">
-                <a16:creationId xmlns:a16="http://schemas.microsoft.com/office/drawing/2014/main" xmlns="" id="{9F53C0E6-5CA5-48E1-B370-E678425399F4}"/>
+                <a16:creationId xmlns="" xmlns:a16="http://schemas.microsoft.com/office/drawing/2014/main" id="{9F53C0E6-5CA5-48E1-B370-E678425399F4}"/>
               </a:ext>
             </a:extLst>
           </p:cNvPr>
@@ -32827,7 +31914,7 @@
           <p:cNvPr id="3" name="Content Placeholder 2">
             <a:extLst>
               <a:ext uri="{FF2B5EF4-FFF2-40B4-BE49-F238E27FC236}">
-                <a16:creationId xmlns:a16="http://schemas.microsoft.com/office/drawing/2014/main" xmlns="" id="{F0A4581A-26B3-40E7-A945-90C4D9B58292}"/>
+                <a16:creationId xmlns="" xmlns:a16="http://schemas.microsoft.com/office/drawing/2014/main" id="{F0A4581A-26B3-40E7-A945-90C4D9B58292}"/>
               </a:ext>
             </a:extLst>
           </p:cNvPr>
@@ -32917,7 +32004,7 @@
           <p:cNvPr id="4" name="Footer Placeholder 3">
             <a:extLst>
               <a:ext uri="{FF2B5EF4-FFF2-40B4-BE49-F238E27FC236}">
-                <a16:creationId xmlns:a16="http://schemas.microsoft.com/office/drawing/2014/main" xmlns="" id="{540972A1-4BB3-4D04-B4DF-C76BA9B5CAD8}"/>
+                <a16:creationId xmlns="" xmlns:a16="http://schemas.microsoft.com/office/drawing/2014/main" id="{540972A1-4BB3-4D04-B4DF-C76BA9B5CAD8}"/>
               </a:ext>
             </a:extLst>
           </p:cNvPr>
@@ -32946,7 +32033,7 @@
           <p:cNvPr id="5" name="Slide Number Placeholder 4">
             <a:extLst>
               <a:ext uri="{FF2B5EF4-FFF2-40B4-BE49-F238E27FC236}">
-                <a16:creationId xmlns:a16="http://schemas.microsoft.com/office/drawing/2014/main" xmlns="" id="{23B5C741-F1AB-463E-B229-974B2924B065}"/>
+                <a16:creationId xmlns="" xmlns:a16="http://schemas.microsoft.com/office/drawing/2014/main" id="{23B5C741-F1AB-463E-B229-974B2924B065}"/>
               </a:ext>
             </a:extLst>
           </p:cNvPr>
@@ -33012,7 +32099,7 @@
           <p:cNvPr id="2" name="Title 1">
             <a:extLst>
               <a:ext uri="{FF2B5EF4-FFF2-40B4-BE49-F238E27FC236}">
-                <a16:creationId xmlns:a16="http://schemas.microsoft.com/office/drawing/2014/main" xmlns="" id="{9F53C0E6-5CA5-48E1-B370-E678425399F4}"/>
+                <a16:creationId xmlns="" xmlns:a16="http://schemas.microsoft.com/office/drawing/2014/main" id="{9F53C0E6-5CA5-48E1-B370-E678425399F4}"/>
               </a:ext>
             </a:extLst>
           </p:cNvPr>
@@ -33045,7 +32132,7 @@
           <p:cNvPr id="3" name="Content Placeholder 2">
             <a:extLst>
               <a:ext uri="{FF2B5EF4-FFF2-40B4-BE49-F238E27FC236}">
-                <a16:creationId xmlns:a16="http://schemas.microsoft.com/office/drawing/2014/main" xmlns="" id="{F0A4581A-26B3-40E7-A945-90C4D9B58292}"/>
+                <a16:creationId xmlns="" xmlns:a16="http://schemas.microsoft.com/office/drawing/2014/main" id="{F0A4581A-26B3-40E7-A945-90C4D9B58292}"/>
               </a:ext>
             </a:extLst>
           </p:cNvPr>
@@ -33167,7 +32254,7 @@
           <p:cNvPr id="4" name="Footer Placeholder 3">
             <a:extLst>
               <a:ext uri="{FF2B5EF4-FFF2-40B4-BE49-F238E27FC236}">
-                <a16:creationId xmlns:a16="http://schemas.microsoft.com/office/drawing/2014/main" xmlns="" id="{780A2A81-6CFC-4314-AE6C-461D31C0090B}"/>
+                <a16:creationId xmlns="" xmlns:a16="http://schemas.microsoft.com/office/drawing/2014/main" id="{780A2A81-6CFC-4314-AE6C-461D31C0090B}"/>
               </a:ext>
             </a:extLst>
           </p:cNvPr>
@@ -33196,7 +32283,7 @@
           <p:cNvPr id="5" name="Slide Number Placeholder 4">
             <a:extLst>
               <a:ext uri="{FF2B5EF4-FFF2-40B4-BE49-F238E27FC236}">
-                <a16:creationId xmlns:a16="http://schemas.microsoft.com/office/drawing/2014/main" xmlns="" id="{9E8E60AF-E24D-4DCD-9F0A-9E70670E60FF}"/>
+                <a16:creationId xmlns="" xmlns:a16="http://schemas.microsoft.com/office/drawing/2014/main" id="{9E8E60AF-E24D-4DCD-9F0A-9E70670E60FF}"/>
               </a:ext>
             </a:extLst>
           </p:cNvPr>
@@ -33262,7 +32349,7 @@
           <p:cNvPr id="2" name="Title 1">
             <a:extLst>
               <a:ext uri="{FF2B5EF4-FFF2-40B4-BE49-F238E27FC236}">
-                <a16:creationId xmlns:a16="http://schemas.microsoft.com/office/drawing/2014/main" xmlns="" id="{9F53C0E6-5CA5-48E1-B370-E678425399F4}"/>
+                <a16:creationId xmlns="" xmlns:a16="http://schemas.microsoft.com/office/drawing/2014/main" id="{9F53C0E6-5CA5-48E1-B370-E678425399F4}"/>
               </a:ext>
             </a:extLst>
           </p:cNvPr>
@@ -33295,7 +32382,7 @@
           <p:cNvPr id="3" name="Content Placeholder 2">
             <a:extLst>
               <a:ext uri="{FF2B5EF4-FFF2-40B4-BE49-F238E27FC236}">
-                <a16:creationId xmlns:a16="http://schemas.microsoft.com/office/drawing/2014/main" xmlns="" id="{F0A4581A-26B3-40E7-A945-90C4D9B58292}"/>
+                <a16:creationId xmlns="" xmlns:a16="http://schemas.microsoft.com/office/drawing/2014/main" id="{F0A4581A-26B3-40E7-A945-90C4D9B58292}"/>
               </a:ext>
             </a:extLst>
           </p:cNvPr>
@@ -33340,7 +32427,7 @@
           <p:cNvPr id="4" name="Footer Placeholder 3">
             <a:extLst>
               <a:ext uri="{FF2B5EF4-FFF2-40B4-BE49-F238E27FC236}">
-                <a16:creationId xmlns:a16="http://schemas.microsoft.com/office/drawing/2014/main" xmlns="" id="{540972A1-4BB3-4D04-B4DF-C76BA9B5CAD8}"/>
+                <a16:creationId xmlns="" xmlns:a16="http://schemas.microsoft.com/office/drawing/2014/main" id="{540972A1-4BB3-4D04-B4DF-C76BA9B5CAD8}"/>
               </a:ext>
             </a:extLst>
           </p:cNvPr>
@@ -33369,7 +32456,7 @@
           <p:cNvPr id="5" name="Slide Number Placeholder 4">
             <a:extLst>
               <a:ext uri="{FF2B5EF4-FFF2-40B4-BE49-F238E27FC236}">
-                <a16:creationId xmlns:a16="http://schemas.microsoft.com/office/drawing/2014/main" xmlns="" id="{23B5C741-F1AB-463E-B229-974B2924B065}"/>
+                <a16:creationId xmlns="" xmlns:a16="http://schemas.microsoft.com/office/drawing/2014/main" id="{23B5C741-F1AB-463E-B229-974B2924B065}"/>
               </a:ext>
             </a:extLst>
           </p:cNvPr>
@@ -33398,7 +32485,7 @@
           <p:cNvPr id="7" name="Picture 6">
             <a:extLst>
               <a:ext uri="{FF2B5EF4-FFF2-40B4-BE49-F238E27FC236}">
-                <a16:creationId xmlns:a16="http://schemas.microsoft.com/office/drawing/2014/main" xmlns="" id="{A69F92CE-D8BB-4F8F-BED3-BE4B00B6FDCF}"/>
+                <a16:creationId xmlns="" xmlns:a16="http://schemas.microsoft.com/office/drawing/2014/main" id="{A69F92CE-D8BB-4F8F-BED3-BE4B00B6FDCF}"/>
               </a:ext>
             </a:extLst>
           </p:cNvPr>
@@ -33434,7 +32521,7 @@
           <p:cNvPr id="11" name="Picture 10" descr="A picture containing person, wall, indoor, child&#10;&#10;Description automatically generated">
             <a:extLst>
               <a:ext uri="{FF2B5EF4-FFF2-40B4-BE49-F238E27FC236}">
-                <a16:creationId xmlns:a16="http://schemas.microsoft.com/office/drawing/2014/main" xmlns="" id="{E85BACB2-A5BB-474E-A39E-7419AFD7E1B7}"/>
+                <a16:creationId xmlns="" xmlns:a16="http://schemas.microsoft.com/office/drawing/2014/main" id="{E85BACB2-A5BB-474E-A39E-7419AFD7E1B7}"/>
               </a:ext>
             </a:extLst>
           </p:cNvPr>
@@ -33470,7 +32557,7 @@
           <p:cNvPr id="18" name="TextBox 17">
             <a:extLst>
               <a:ext uri="{FF2B5EF4-FFF2-40B4-BE49-F238E27FC236}">
-                <a16:creationId xmlns:a16="http://schemas.microsoft.com/office/drawing/2014/main" xmlns="" id="{3FEC41C2-3C84-4FD0-B6FD-AE2D345AF0FC}"/>
+                <a16:creationId xmlns="" xmlns:a16="http://schemas.microsoft.com/office/drawing/2014/main" id="{3FEC41C2-3C84-4FD0-B6FD-AE2D345AF0FC}"/>
               </a:ext>
             </a:extLst>
           </p:cNvPr>
@@ -33711,7 +32798,7 @@
           <p:cNvPr id="19" name="TextBox 18">
             <a:extLst>
               <a:ext uri="{FF2B5EF4-FFF2-40B4-BE49-F238E27FC236}">
-                <a16:creationId xmlns:a16="http://schemas.microsoft.com/office/drawing/2014/main" xmlns="" id="{9D506DFE-D00D-462C-89D8-9F7ECAB1A062}"/>
+                <a16:creationId xmlns="" xmlns:a16="http://schemas.microsoft.com/office/drawing/2014/main" id="{9D506DFE-D00D-462C-89D8-9F7ECAB1A062}"/>
               </a:ext>
             </a:extLst>
           </p:cNvPr>
@@ -33785,7 +32872,7 @@
           <p:cNvPr id="2" name="Title 1">
             <a:extLst>
               <a:ext uri="{FF2B5EF4-FFF2-40B4-BE49-F238E27FC236}">
-                <a16:creationId xmlns:a16="http://schemas.microsoft.com/office/drawing/2014/main" xmlns="" id="{9F53C0E6-5CA5-48E1-B370-E678425399F4}"/>
+                <a16:creationId xmlns="" xmlns:a16="http://schemas.microsoft.com/office/drawing/2014/main" id="{9F53C0E6-5CA5-48E1-B370-E678425399F4}"/>
               </a:ext>
             </a:extLst>
           </p:cNvPr>
@@ -33818,7 +32905,7 @@
           <p:cNvPr id="7" name="Content Placeholder 6" descr="A picture containing building, outdoor, harp&#10;&#10;Description automatically generated">
             <a:extLst>
               <a:ext uri="{FF2B5EF4-FFF2-40B4-BE49-F238E27FC236}">
-                <a16:creationId xmlns:a16="http://schemas.microsoft.com/office/drawing/2014/main" xmlns="" id="{071422BC-1756-4A99-A340-F876519AC6DC}"/>
+                <a16:creationId xmlns="" xmlns:a16="http://schemas.microsoft.com/office/drawing/2014/main" id="{071422BC-1756-4A99-A340-F876519AC6DC}"/>
               </a:ext>
             </a:extLst>
           </p:cNvPr>
@@ -33853,7 +32940,7 @@
           <p:cNvPr id="4" name="Footer Placeholder 3">
             <a:extLst>
               <a:ext uri="{FF2B5EF4-FFF2-40B4-BE49-F238E27FC236}">
-                <a16:creationId xmlns:a16="http://schemas.microsoft.com/office/drawing/2014/main" xmlns="" id="{540972A1-4BB3-4D04-B4DF-C76BA9B5CAD8}"/>
+                <a16:creationId xmlns="" xmlns:a16="http://schemas.microsoft.com/office/drawing/2014/main" id="{540972A1-4BB3-4D04-B4DF-C76BA9B5CAD8}"/>
               </a:ext>
             </a:extLst>
           </p:cNvPr>
@@ -33882,7 +32969,7 @@
           <p:cNvPr id="5" name="Slide Number Placeholder 4">
             <a:extLst>
               <a:ext uri="{FF2B5EF4-FFF2-40B4-BE49-F238E27FC236}">
-                <a16:creationId xmlns:a16="http://schemas.microsoft.com/office/drawing/2014/main" xmlns="" id="{23B5C741-F1AB-463E-B229-974B2924B065}"/>
+                <a16:creationId xmlns="" xmlns:a16="http://schemas.microsoft.com/office/drawing/2014/main" id="{23B5C741-F1AB-463E-B229-974B2924B065}"/>
               </a:ext>
             </a:extLst>
           </p:cNvPr>
@@ -33911,7 +32998,7 @@
           <p:cNvPr id="9" name="Picture 8">
             <a:extLst>
               <a:ext uri="{FF2B5EF4-FFF2-40B4-BE49-F238E27FC236}">
-                <a16:creationId xmlns:a16="http://schemas.microsoft.com/office/drawing/2014/main" xmlns="" id="{C665D5C7-EC65-483C-9EE9-FC1A29BA45F9}"/>
+                <a16:creationId xmlns="" xmlns:a16="http://schemas.microsoft.com/office/drawing/2014/main" id="{C665D5C7-EC65-483C-9EE9-FC1A29BA45F9}"/>
               </a:ext>
             </a:extLst>
           </p:cNvPr>
@@ -33947,7 +33034,7 @@
           <p:cNvPr id="10" name="TextBox 9">
             <a:extLst>
               <a:ext uri="{FF2B5EF4-FFF2-40B4-BE49-F238E27FC236}">
-                <a16:creationId xmlns:a16="http://schemas.microsoft.com/office/drawing/2014/main" xmlns="" id="{B8D32FAB-7CB5-4038-A21C-2294BE6A3393}"/>
+                <a16:creationId xmlns="" xmlns:a16="http://schemas.microsoft.com/office/drawing/2014/main" id="{B8D32FAB-7CB5-4038-A21C-2294BE6A3393}"/>
               </a:ext>
             </a:extLst>
           </p:cNvPr>
@@ -34076,7 +33163,7 @@
           <p:cNvPr id="11" name="TextBox 10">
             <a:extLst>
               <a:ext uri="{FF2B5EF4-FFF2-40B4-BE49-F238E27FC236}">
-                <a16:creationId xmlns:a16="http://schemas.microsoft.com/office/drawing/2014/main" xmlns="" id="{8075A81C-67B3-4C54-AEB6-BB5EB0B41157}"/>
+                <a16:creationId xmlns="" xmlns:a16="http://schemas.microsoft.com/office/drawing/2014/main" id="{8075A81C-67B3-4C54-AEB6-BB5EB0B41157}"/>
               </a:ext>
             </a:extLst>
           </p:cNvPr>
@@ -34150,7 +33237,7 @@
           <p:cNvPr id="2" name="Title 1">
             <a:extLst>
               <a:ext uri="{FF2B5EF4-FFF2-40B4-BE49-F238E27FC236}">
-                <a16:creationId xmlns:a16="http://schemas.microsoft.com/office/drawing/2014/main" xmlns="" id="{9F53C0E6-5CA5-48E1-B370-E678425399F4}"/>
+                <a16:creationId xmlns="" xmlns:a16="http://schemas.microsoft.com/office/drawing/2014/main" id="{9F53C0E6-5CA5-48E1-B370-E678425399F4}"/>
               </a:ext>
             </a:extLst>
           </p:cNvPr>
@@ -34183,7 +33270,7 @@
           <p:cNvPr id="3" name="Content Placeholder 2">
             <a:extLst>
               <a:ext uri="{FF2B5EF4-FFF2-40B4-BE49-F238E27FC236}">
-                <a16:creationId xmlns:a16="http://schemas.microsoft.com/office/drawing/2014/main" xmlns="" id="{F0A4581A-26B3-40E7-A945-90C4D9B58292}"/>
+                <a16:creationId xmlns="" xmlns:a16="http://schemas.microsoft.com/office/drawing/2014/main" id="{F0A4581A-26B3-40E7-A945-90C4D9B58292}"/>
               </a:ext>
             </a:extLst>
           </p:cNvPr>
@@ -34240,7 +33327,7 @@
           <p:cNvPr id="4" name="Footer Placeholder 3">
             <a:extLst>
               <a:ext uri="{FF2B5EF4-FFF2-40B4-BE49-F238E27FC236}">
-                <a16:creationId xmlns:a16="http://schemas.microsoft.com/office/drawing/2014/main" xmlns="" id="{540972A1-4BB3-4D04-B4DF-C76BA9B5CAD8}"/>
+                <a16:creationId xmlns="" xmlns:a16="http://schemas.microsoft.com/office/drawing/2014/main" id="{540972A1-4BB3-4D04-B4DF-C76BA9B5CAD8}"/>
               </a:ext>
             </a:extLst>
           </p:cNvPr>
@@ -34269,7 +33356,7 @@
           <p:cNvPr id="5" name="Slide Number Placeholder 4">
             <a:extLst>
               <a:ext uri="{FF2B5EF4-FFF2-40B4-BE49-F238E27FC236}">
-                <a16:creationId xmlns:a16="http://schemas.microsoft.com/office/drawing/2014/main" xmlns="" id="{23B5C741-F1AB-463E-B229-974B2924B065}"/>
+                <a16:creationId xmlns="" xmlns:a16="http://schemas.microsoft.com/office/drawing/2014/main" id="{23B5C741-F1AB-463E-B229-974B2924B065}"/>
               </a:ext>
             </a:extLst>
           </p:cNvPr>
@@ -34335,7 +33422,7 @@
           <p:cNvPr id="2" name="Title 1">
             <a:extLst>
               <a:ext uri="{FF2B5EF4-FFF2-40B4-BE49-F238E27FC236}">
-                <a16:creationId xmlns:a16="http://schemas.microsoft.com/office/drawing/2014/main" xmlns="" id="{9F53C0E6-5CA5-48E1-B370-E678425399F4}"/>
+                <a16:creationId xmlns="" xmlns:a16="http://schemas.microsoft.com/office/drawing/2014/main" id="{9F53C0E6-5CA5-48E1-B370-E678425399F4}"/>
               </a:ext>
             </a:extLst>
           </p:cNvPr>
@@ -34368,7 +33455,7 @@
           <p:cNvPr id="3" name="Content Placeholder 2">
             <a:extLst>
               <a:ext uri="{FF2B5EF4-FFF2-40B4-BE49-F238E27FC236}">
-                <a16:creationId xmlns:a16="http://schemas.microsoft.com/office/drawing/2014/main" xmlns="" id="{F0A4581A-26B3-40E7-A945-90C4D9B58292}"/>
+                <a16:creationId xmlns="" xmlns:a16="http://schemas.microsoft.com/office/drawing/2014/main" id="{F0A4581A-26B3-40E7-A945-90C4D9B58292}"/>
               </a:ext>
             </a:extLst>
           </p:cNvPr>
@@ -34466,7 +33553,7 @@
           <p:cNvPr id="4" name="Footer Placeholder 3">
             <a:extLst>
               <a:ext uri="{FF2B5EF4-FFF2-40B4-BE49-F238E27FC236}">
-                <a16:creationId xmlns:a16="http://schemas.microsoft.com/office/drawing/2014/main" xmlns="" id="{540972A1-4BB3-4D04-B4DF-C76BA9B5CAD8}"/>
+                <a16:creationId xmlns="" xmlns:a16="http://schemas.microsoft.com/office/drawing/2014/main" id="{540972A1-4BB3-4D04-B4DF-C76BA9B5CAD8}"/>
               </a:ext>
             </a:extLst>
           </p:cNvPr>
@@ -34495,7 +33582,7 @@
           <p:cNvPr id="5" name="Slide Number Placeholder 4">
             <a:extLst>
               <a:ext uri="{FF2B5EF4-FFF2-40B4-BE49-F238E27FC236}">
-                <a16:creationId xmlns:a16="http://schemas.microsoft.com/office/drawing/2014/main" xmlns="" id="{23B5C741-F1AB-463E-B229-974B2924B065}"/>
+                <a16:creationId xmlns="" xmlns:a16="http://schemas.microsoft.com/office/drawing/2014/main" id="{23B5C741-F1AB-463E-B229-974B2924B065}"/>
               </a:ext>
             </a:extLst>
           </p:cNvPr>
@@ -34561,7 +33648,7 @@
           <p:cNvPr id="2" name="Title 1">
             <a:extLst>
               <a:ext uri="{FF2B5EF4-FFF2-40B4-BE49-F238E27FC236}">
-                <a16:creationId xmlns:a16="http://schemas.microsoft.com/office/drawing/2014/main" xmlns="" id="{9F53C0E6-5CA5-48E1-B370-E678425399F4}"/>
+                <a16:creationId xmlns="" xmlns:a16="http://schemas.microsoft.com/office/drawing/2014/main" id="{9F53C0E6-5CA5-48E1-B370-E678425399F4}"/>
               </a:ext>
             </a:extLst>
           </p:cNvPr>
@@ -34594,7 +33681,7 @@
           <p:cNvPr id="3" name="Content Placeholder 2">
             <a:extLst>
               <a:ext uri="{FF2B5EF4-FFF2-40B4-BE49-F238E27FC236}">
-                <a16:creationId xmlns:a16="http://schemas.microsoft.com/office/drawing/2014/main" xmlns="" id="{F0A4581A-26B3-40E7-A945-90C4D9B58292}"/>
+                <a16:creationId xmlns="" xmlns:a16="http://schemas.microsoft.com/office/drawing/2014/main" id="{F0A4581A-26B3-40E7-A945-90C4D9B58292}"/>
               </a:ext>
             </a:extLst>
           </p:cNvPr>
@@ -34663,7 +33750,7 @@
           <p:cNvPr id="4" name="Footer Placeholder 3">
             <a:extLst>
               <a:ext uri="{FF2B5EF4-FFF2-40B4-BE49-F238E27FC236}">
-                <a16:creationId xmlns:a16="http://schemas.microsoft.com/office/drawing/2014/main" xmlns="" id="{540972A1-4BB3-4D04-B4DF-C76BA9B5CAD8}"/>
+                <a16:creationId xmlns="" xmlns:a16="http://schemas.microsoft.com/office/drawing/2014/main" id="{540972A1-4BB3-4D04-B4DF-C76BA9B5CAD8}"/>
               </a:ext>
             </a:extLst>
           </p:cNvPr>
@@ -34692,7 +33779,7 @@
           <p:cNvPr id="5" name="Slide Number Placeholder 4">
             <a:extLst>
               <a:ext uri="{FF2B5EF4-FFF2-40B4-BE49-F238E27FC236}">
-                <a16:creationId xmlns:a16="http://schemas.microsoft.com/office/drawing/2014/main" xmlns="" id="{23B5C741-F1AB-463E-B229-974B2924B065}"/>
+                <a16:creationId xmlns="" xmlns:a16="http://schemas.microsoft.com/office/drawing/2014/main" id="{23B5C741-F1AB-463E-B229-974B2924B065}"/>
               </a:ext>
             </a:extLst>
           </p:cNvPr>
@@ -34758,7 +33845,7 @@
           <p:cNvPr id="2" name="Title 1">
             <a:extLst>
               <a:ext uri="{FF2B5EF4-FFF2-40B4-BE49-F238E27FC236}">
-                <a16:creationId xmlns:a16="http://schemas.microsoft.com/office/drawing/2014/main" xmlns="" id="{9F53C0E6-5CA5-48E1-B370-E678425399F4}"/>
+                <a16:creationId xmlns="" xmlns:a16="http://schemas.microsoft.com/office/drawing/2014/main" id="{9F53C0E6-5CA5-48E1-B370-E678425399F4}"/>
               </a:ext>
             </a:extLst>
           </p:cNvPr>
@@ -34791,7 +33878,7 @@
           <p:cNvPr id="3" name="Content Placeholder 2">
             <a:extLst>
               <a:ext uri="{FF2B5EF4-FFF2-40B4-BE49-F238E27FC236}">
-                <a16:creationId xmlns:a16="http://schemas.microsoft.com/office/drawing/2014/main" xmlns="" id="{F0A4581A-26B3-40E7-A945-90C4D9B58292}"/>
+                <a16:creationId xmlns="" xmlns:a16="http://schemas.microsoft.com/office/drawing/2014/main" id="{F0A4581A-26B3-40E7-A945-90C4D9B58292}"/>
               </a:ext>
             </a:extLst>
           </p:cNvPr>
@@ -34836,7 +33923,7 @@
           <p:cNvPr id="4" name="Footer Placeholder 3">
             <a:extLst>
               <a:ext uri="{FF2B5EF4-FFF2-40B4-BE49-F238E27FC236}">
-                <a16:creationId xmlns:a16="http://schemas.microsoft.com/office/drawing/2014/main" xmlns="" id="{540972A1-4BB3-4D04-B4DF-C76BA9B5CAD8}"/>
+                <a16:creationId xmlns="" xmlns:a16="http://schemas.microsoft.com/office/drawing/2014/main" id="{540972A1-4BB3-4D04-B4DF-C76BA9B5CAD8}"/>
               </a:ext>
             </a:extLst>
           </p:cNvPr>
@@ -34865,7 +33952,7 @@
           <p:cNvPr id="5" name="Slide Number Placeholder 4">
             <a:extLst>
               <a:ext uri="{FF2B5EF4-FFF2-40B4-BE49-F238E27FC236}">
-                <a16:creationId xmlns:a16="http://schemas.microsoft.com/office/drawing/2014/main" xmlns="" id="{23B5C741-F1AB-463E-B229-974B2924B065}"/>
+                <a16:creationId xmlns="" xmlns:a16="http://schemas.microsoft.com/office/drawing/2014/main" id="{23B5C741-F1AB-463E-B229-974B2924B065}"/>
               </a:ext>
             </a:extLst>
           </p:cNvPr>
@@ -34931,7 +34018,7 @@
           <p:cNvPr id="2" name="TextBox 1">
             <a:extLst>
               <a:ext uri="{FF2B5EF4-FFF2-40B4-BE49-F238E27FC236}">
-                <a16:creationId xmlns:a16="http://schemas.microsoft.com/office/drawing/2014/main" xmlns="" id="{55FF0394-BE0D-4E73-AB74-CAA9CAD678A5}"/>
+                <a16:creationId xmlns="" xmlns:a16="http://schemas.microsoft.com/office/drawing/2014/main" id="{55FF0394-BE0D-4E73-AB74-CAA9CAD678A5}"/>
               </a:ext>
             </a:extLst>
           </p:cNvPr>
@@ -34966,7 +34053,7 @@
           <p:cNvPr id="3" name="Footer Placeholder 2">
             <a:extLst>
               <a:ext uri="{FF2B5EF4-FFF2-40B4-BE49-F238E27FC236}">
-                <a16:creationId xmlns:a16="http://schemas.microsoft.com/office/drawing/2014/main" xmlns="" id="{B10B3E08-E062-4DBA-9E4C-84B030193A6F}"/>
+                <a16:creationId xmlns="" xmlns:a16="http://schemas.microsoft.com/office/drawing/2014/main" id="{B10B3E08-E062-4DBA-9E4C-84B030193A6F}"/>
               </a:ext>
             </a:extLst>
           </p:cNvPr>
@@ -34995,7 +34082,7 @@
           <p:cNvPr id="4" name="Slide Number Placeholder 3">
             <a:extLst>
               <a:ext uri="{FF2B5EF4-FFF2-40B4-BE49-F238E27FC236}">
-                <a16:creationId xmlns:a16="http://schemas.microsoft.com/office/drawing/2014/main" xmlns="" id="{AB5D1752-A6EE-4332-87E5-C5378F033BA1}"/>
+                <a16:creationId xmlns="" xmlns:a16="http://schemas.microsoft.com/office/drawing/2014/main" id="{AB5D1752-A6EE-4332-87E5-C5378F033BA1}"/>
               </a:ext>
             </a:extLst>
           </p:cNvPr>
@@ -35061,7 +34148,7 @@
           <p:cNvPr id="2" name="Title 1">
             <a:extLst>
               <a:ext uri="{FF2B5EF4-FFF2-40B4-BE49-F238E27FC236}">
-                <a16:creationId xmlns:a16="http://schemas.microsoft.com/office/drawing/2014/main" xmlns="" id="{9F53C0E6-5CA5-48E1-B370-E678425399F4}"/>
+                <a16:creationId xmlns="" xmlns:a16="http://schemas.microsoft.com/office/drawing/2014/main" id="{9F53C0E6-5CA5-48E1-B370-E678425399F4}"/>
               </a:ext>
             </a:extLst>
           </p:cNvPr>
@@ -35094,7 +34181,7 @@
           <p:cNvPr id="3" name="Content Placeholder 2">
             <a:extLst>
               <a:ext uri="{FF2B5EF4-FFF2-40B4-BE49-F238E27FC236}">
-                <a16:creationId xmlns:a16="http://schemas.microsoft.com/office/drawing/2014/main" xmlns="" id="{F0A4581A-26B3-40E7-A945-90C4D9B58292}"/>
+                <a16:creationId xmlns="" xmlns:a16="http://schemas.microsoft.com/office/drawing/2014/main" id="{F0A4581A-26B3-40E7-A945-90C4D9B58292}"/>
               </a:ext>
             </a:extLst>
           </p:cNvPr>
@@ -35293,7 +34380,7 @@
           <p:cNvPr id="4" name="Footer Placeholder 3">
             <a:extLst>
               <a:ext uri="{FF2B5EF4-FFF2-40B4-BE49-F238E27FC236}">
-                <a16:creationId xmlns:a16="http://schemas.microsoft.com/office/drawing/2014/main" xmlns="" id="{C1F0C447-1F28-4C0D-AB8A-70ED6532C551}"/>
+                <a16:creationId xmlns="" xmlns:a16="http://schemas.microsoft.com/office/drawing/2014/main" id="{C1F0C447-1F28-4C0D-AB8A-70ED6532C551}"/>
               </a:ext>
             </a:extLst>
           </p:cNvPr>
@@ -35322,7 +34409,7 @@
           <p:cNvPr id="5" name="Slide Number Placeholder 4">
             <a:extLst>
               <a:ext uri="{FF2B5EF4-FFF2-40B4-BE49-F238E27FC236}">
-                <a16:creationId xmlns:a16="http://schemas.microsoft.com/office/drawing/2014/main" xmlns="" id="{D8A98920-A7D1-40AB-8422-7F76D9A74450}"/>
+                <a16:creationId xmlns="" xmlns:a16="http://schemas.microsoft.com/office/drawing/2014/main" id="{D8A98920-A7D1-40AB-8422-7F76D9A74450}"/>
               </a:ext>
             </a:extLst>
           </p:cNvPr>
@@ -35388,7 +34475,7 @@
           <p:cNvPr id="2" name="Title 1">
             <a:extLst>
               <a:ext uri="{FF2B5EF4-FFF2-40B4-BE49-F238E27FC236}">
-                <a16:creationId xmlns:a16="http://schemas.microsoft.com/office/drawing/2014/main" xmlns="" id="{9F53C0E6-5CA5-48E1-B370-E678425399F4}"/>
+                <a16:creationId xmlns="" xmlns:a16="http://schemas.microsoft.com/office/drawing/2014/main" id="{9F53C0E6-5CA5-48E1-B370-E678425399F4}"/>
               </a:ext>
             </a:extLst>
           </p:cNvPr>
@@ -35421,7 +34508,7 @@
           <p:cNvPr id="3" name="Content Placeholder 2">
             <a:extLst>
               <a:ext uri="{FF2B5EF4-FFF2-40B4-BE49-F238E27FC236}">
-                <a16:creationId xmlns:a16="http://schemas.microsoft.com/office/drawing/2014/main" xmlns="" id="{F0A4581A-26B3-40E7-A945-90C4D9B58292}"/>
+                <a16:creationId xmlns="" xmlns:a16="http://schemas.microsoft.com/office/drawing/2014/main" id="{F0A4581A-26B3-40E7-A945-90C4D9B58292}"/>
               </a:ext>
             </a:extLst>
           </p:cNvPr>
@@ -35622,7 +34709,7 @@
           <p:cNvPr id="4" name="Footer Placeholder 3">
             <a:extLst>
               <a:ext uri="{FF2B5EF4-FFF2-40B4-BE49-F238E27FC236}">
-                <a16:creationId xmlns:a16="http://schemas.microsoft.com/office/drawing/2014/main" xmlns="" id="{468DB02D-8EA4-498F-B683-EA0654CD2170}"/>
+                <a16:creationId xmlns="" xmlns:a16="http://schemas.microsoft.com/office/drawing/2014/main" id="{468DB02D-8EA4-498F-B683-EA0654CD2170}"/>
               </a:ext>
             </a:extLst>
           </p:cNvPr>
@@ -35651,7 +34738,7 @@
           <p:cNvPr id="5" name="Slide Number Placeholder 4">
             <a:extLst>
               <a:ext uri="{FF2B5EF4-FFF2-40B4-BE49-F238E27FC236}">
-                <a16:creationId xmlns:a16="http://schemas.microsoft.com/office/drawing/2014/main" xmlns="" id="{6D5A5A2A-7919-4717-A349-4EC0FC1119D4}"/>
+                <a16:creationId xmlns="" xmlns:a16="http://schemas.microsoft.com/office/drawing/2014/main" id="{6D5A5A2A-7919-4717-A349-4EC0FC1119D4}"/>
               </a:ext>
             </a:extLst>
           </p:cNvPr>
@@ -35717,7 +34804,7 @@
           <p:cNvPr id="2" name="Title 1">
             <a:extLst>
               <a:ext uri="{FF2B5EF4-FFF2-40B4-BE49-F238E27FC236}">
-                <a16:creationId xmlns:a16="http://schemas.microsoft.com/office/drawing/2014/main" xmlns="" id="{9F53C0E6-5CA5-48E1-B370-E678425399F4}"/>
+                <a16:creationId xmlns="" xmlns:a16="http://schemas.microsoft.com/office/drawing/2014/main" id="{9F53C0E6-5CA5-48E1-B370-E678425399F4}"/>
               </a:ext>
             </a:extLst>
           </p:cNvPr>
@@ -35750,7 +34837,7 @@
           <p:cNvPr id="3" name="Content Placeholder 2">
             <a:extLst>
               <a:ext uri="{FF2B5EF4-FFF2-40B4-BE49-F238E27FC236}">
-                <a16:creationId xmlns:a16="http://schemas.microsoft.com/office/drawing/2014/main" xmlns="" id="{F0A4581A-26B3-40E7-A945-90C4D9B58292}"/>
+                <a16:creationId xmlns="" xmlns:a16="http://schemas.microsoft.com/office/drawing/2014/main" id="{F0A4581A-26B3-40E7-A945-90C4D9B58292}"/>
               </a:ext>
             </a:extLst>
           </p:cNvPr>
@@ -35873,7 +34960,7 @@
           <p:cNvPr id="4" name="Footer Placeholder 3">
             <a:extLst>
               <a:ext uri="{FF2B5EF4-FFF2-40B4-BE49-F238E27FC236}">
-                <a16:creationId xmlns:a16="http://schemas.microsoft.com/office/drawing/2014/main" xmlns="" id="{B97B25CD-0BD4-4D74-9919-A088ED2230BC}"/>
+                <a16:creationId xmlns="" xmlns:a16="http://schemas.microsoft.com/office/drawing/2014/main" id="{B97B25CD-0BD4-4D74-9919-A088ED2230BC}"/>
               </a:ext>
             </a:extLst>
           </p:cNvPr>
@@ -35902,7 +34989,7 @@
           <p:cNvPr id="5" name="Slide Number Placeholder 4">
             <a:extLst>
               <a:ext uri="{FF2B5EF4-FFF2-40B4-BE49-F238E27FC236}">
-                <a16:creationId xmlns:a16="http://schemas.microsoft.com/office/drawing/2014/main" xmlns="" id="{26052105-53FA-4F13-AD4C-C4FE4A2E522F}"/>
+                <a16:creationId xmlns="" xmlns:a16="http://schemas.microsoft.com/office/drawing/2014/main" id="{26052105-53FA-4F13-AD4C-C4FE4A2E522F}"/>
               </a:ext>
             </a:extLst>
           </p:cNvPr>
@@ -35968,7 +35055,7 @@
           <p:cNvPr id="2" name="Title 1">
             <a:extLst>
               <a:ext uri="{FF2B5EF4-FFF2-40B4-BE49-F238E27FC236}">
-                <a16:creationId xmlns:a16="http://schemas.microsoft.com/office/drawing/2014/main" xmlns="" id="{9F53C0E6-5CA5-48E1-B370-E678425399F4}"/>
+                <a16:creationId xmlns="" xmlns:a16="http://schemas.microsoft.com/office/drawing/2014/main" id="{9F53C0E6-5CA5-48E1-B370-E678425399F4}"/>
               </a:ext>
             </a:extLst>
           </p:cNvPr>
@@ -36002,7 +35089,7 @@
           <p:cNvPr id="3" name="Content Placeholder 2">
             <a:extLst>
               <a:ext uri="{FF2B5EF4-FFF2-40B4-BE49-F238E27FC236}">
-                <a16:creationId xmlns:a16="http://schemas.microsoft.com/office/drawing/2014/main" xmlns="" id="{F0A4581A-26B3-40E7-A945-90C4D9B58292}"/>
+                <a16:creationId xmlns="" xmlns:a16="http://schemas.microsoft.com/office/drawing/2014/main" id="{F0A4581A-26B3-40E7-A945-90C4D9B58292}"/>
               </a:ext>
             </a:extLst>
           </p:cNvPr>
@@ -36113,7 +35200,7 @@
             </a:pPr>
             <a:r>
               <a:rPr lang="en-IN" sz="2000" dirty="0" smtClean="0"/>
-              <a:t>The attention mechanism is a complex cognitive ability that human possess. When people receive information, they consciously ignore some of the secondary information. This ability of self selection is called Attention.</a:t>
+              <a:t>Attention mechanism is a complex cognitive ability that human possess. When people receive information, they consciously ignore some of the secondary information. This ability of self selection is called Attention.</a:t>
             </a:r>
           </a:p>
           <a:p>
@@ -36129,7 +35216,7 @@
             </a:pPr>
             <a:r>
               <a:rPr lang="en-IN" sz="2000" dirty="0" smtClean="0"/>
-              <a:t>The Attention Mechanism allows the neural networks to have the ability to focus on its subset of inputs to select specific features.</a:t>
+              <a:t>Attention Mechanism allows the neural networks to have the ability to focus on its subset of inputs to select specific features.</a:t>
             </a:r>
           </a:p>
           <a:p>
@@ -36145,7 +35232,7 @@
             </a:pPr>
             <a:r>
               <a:rPr lang="en-IN" sz="2000" dirty="0" smtClean="0"/>
-              <a:t>Neural Network architecture with Attention Mechanism for Image Captioning is also an Encoder / Decoder but with an additional layer, called as Attention Mechanism.</a:t>
+              <a:t>Neural Network architecture with Attention Mechanism for Image Captioning is also an Encoder / Decoder like classical Encoder / Decoder solution but with an additional layer, called as Attention Mechanism.</a:t>
             </a:r>
           </a:p>
         </p:txBody>
@@ -36155,7 +35242,7 @@
           <p:cNvPr id="4" name="Footer Placeholder 3">
             <a:extLst>
               <a:ext uri="{FF2B5EF4-FFF2-40B4-BE49-F238E27FC236}">
-                <a16:creationId xmlns:a16="http://schemas.microsoft.com/office/drawing/2014/main" xmlns="" id="{540972A1-4BB3-4D04-B4DF-C76BA9B5CAD8}"/>
+                <a16:creationId xmlns="" xmlns:a16="http://schemas.microsoft.com/office/drawing/2014/main" id="{540972A1-4BB3-4D04-B4DF-C76BA9B5CAD8}"/>
               </a:ext>
             </a:extLst>
           </p:cNvPr>
@@ -36184,7 +35271,7 @@
           <p:cNvPr id="5" name="Slide Number Placeholder 4">
             <a:extLst>
               <a:ext uri="{FF2B5EF4-FFF2-40B4-BE49-F238E27FC236}">
-                <a16:creationId xmlns:a16="http://schemas.microsoft.com/office/drawing/2014/main" xmlns="" id="{23B5C741-F1AB-463E-B229-974B2924B065}"/>
+                <a16:creationId xmlns="" xmlns:a16="http://schemas.microsoft.com/office/drawing/2014/main" id="{23B5C741-F1AB-463E-B229-974B2924B065}"/>
               </a:ext>
             </a:extLst>
           </p:cNvPr>
@@ -36250,7 +35337,7 @@
           <p:cNvPr id="2" name="Title 1">
             <a:extLst>
               <a:ext uri="{FF2B5EF4-FFF2-40B4-BE49-F238E27FC236}">
-                <a16:creationId xmlns:a16="http://schemas.microsoft.com/office/drawing/2014/main" xmlns="" id="{9F53C0E6-5CA5-48E1-B370-E678425399F4}"/>
+                <a16:creationId xmlns="" xmlns:a16="http://schemas.microsoft.com/office/drawing/2014/main" id="{9F53C0E6-5CA5-48E1-B370-E678425399F4}"/>
               </a:ext>
             </a:extLst>
           </p:cNvPr>
@@ -36284,7 +35371,7 @@
           <p:cNvPr id="3" name="Content Placeholder 2">
             <a:extLst>
               <a:ext uri="{FF2B5EF4-FFF2-40B4-BE49-F238E27FC236}">
-                <a16:creationId xmlns:a16="http://schemas.microsoft.com/office/drawing/2014/main" xmlns="" id="{F0A4581A-26B3-40E7-A945-90C4D9B58292}"/>
+                <a16:creationId xmlns="" xmlns:a16="http://schemas.microsoft.com/office/drawing/2014/main" id="{F0A4581A-26B3-40E7-A945-90C4D9B58292}"/>
               </a:ext>
             </a:extLst>
           </p:cNvPr>
@@ -36319,52 +35406,86 @@
             </a:pPr>
             <a:r>
               <a:rPr lang="en-IN" sz="2000" dirty="0" smtClean="0"/>
-              <a:t>With Attention Mechanism for Image Captioning, the image is first divided into n parts and we compute representation of each part (representation of each part is denoted by h</a:t>
-            </a:r>
-            <a:r>
-              <a:rPr lang="en-IN" sz="2000" baseline="-25000" dirty="0" smtClean="0"/>
-              <a:t>1</a:t>
-            </a:r>
-            <a:r>
-              <a:rPr lang="en-IN" sz="2000" dirty="0" smtClean="0"/>
-              <a:t>, h</a:t>
-            </a:r>
-            <a:r>
-              <a:rPr lang="en-IN" sz="2000" baseline="-25000" dirty="0" smtClean="0"/>
-              <a:t>2</a:t>
-            </a:r>
-            <a:r>
-              <a:rPr lang="en-IN" sz="2000" dirty="0" smtClean="0"/>
-              <a:t>, h</a:t>
-            </a:r>
-            <a:r>
-              <a:rPr lang="en-IN" sz="2000" baseline="-25000" dirty="0" smtClean="0"/>
-              <a:t>3</a:t>
-            </a:r>
-            <a:r>
-              <a:rPr lang="en-IN" sz="2000" dirty="0" smtClean="0"/>
-              <a:t>, …, </a:t>
-            </a:r>
-            <a:r>
-              <a:rPr lang="en-IN" sz="2000" dirty="0" err="1" smtClean="0"/>
-              <a:t>h</a:t>
-            </a:r>
-            <a:r>
-              <a:rPr lang="en-IN" sz="2000" baseline="-25000" dirty="0" err="1" smtClean="0"/>
-              <a:t>n</a:t>
-            </a:r>
-            <a:r>
-              <a:rPr lang="en-IN" sz="2000" dirty="0" smtClean="0"/>
-              <a:t>)</a:t>
-            </a:r>
-            <a:r>
-              <a:rPr lang="en-IN" sz="2000" dirty="0"/>
-              <a:t> </a:t>
-            </a:r>
-            <a:r>
-              <a:rPr lang="en-IN" sz="2000" dirty="0" smtClean="0"/>
-              <a:t>by a CNN (Convolutional Neural Network).</a:t>
-            </a:r>
+              <a:t>Attention Mechanism was actually developed for Neural Machine Translation (i.e., translating text from one natural language to another). For this, Attention Mechanism gets text in one natural language and translate it into another natural language, as depicted below:</a:t>
+            </a:r>
+          </a:p>
+          <a:p>
+            <a:pPr algn="just">
+              <a:lnSpc>
+                <a:spcPct val="100000"/>
+              </a:lnSpc>
+              <a:spcBef>
+                <a:spcPts val="0"/>
+              </a:spcBef>
+              <a:buFont typeface="Wingdings" panose="05000000000000000000" pitchFamily="2" charset="2"/>
+              <a:buChar char="Ø"/>
+            </a:pPr>
+            <a:endParaRPr lang="en-IN" sz="2000" dirty="0"/>
+          </a:p>
+          <a:p>
+            <a:pPr algn="just">
+              <a:lnSpc>
+                <a:spcPct val="100000"/>
+              </a:lnSpc>
+              <a:spcBef>
+                <a:spcPts val="0"/>
+              </a:spcBef>
+              <a:buFont typeface="Wingdings" panose="05000000000000000000" pitchFamily="2" charset="2"/>
+              <a:buChar char="Ø"/>
+            </a:pPr>
+            <a:endParaRPr lang="en-IN" sz="2000" dirty="0" smtClean="0"/>
+          </a:p>
+          <a:p>
+            <a:pPr algn="just">
+              <a:lnSpc>
+                <a:spcPct val="100000"/>
+              </a:lnSpc>
+              <a:spcBef>
+                <a:spcPts val="0"/>
+              </a:spcBef>
+              <a:buFont typeface="Wingdings" panose="05000000000000000000" pitchFamily="2" charset="2"/>
+              <a:buChar char="Ø"/>
+            </a:pPr>
+            <a:endParaRPr lang="en-IN" sz="2000" dirty="0"/>
+          </a:p>
+          <a:p>
+            <a:pPr algn="just">
+              <a:lnSpc>
+                <a:spcPct val="100000"/>
+              </a:lnSpc>
+              <a:spcBef>
+                <a:spcPts val="0"/>
+              </a:spcBef>
+              <a:buFont typeface="Wingdings" panose="05000000000000000000" pitchFamily="2" charset="2"/>
+              <a:buChar char="Ø"/>
+            </a:pPr>
+            <a:endParaRPr lang="en-IN" sz="2000" dirty="0" smtClean="0"/>
+          </a:p>
+          <a:p>
+            <a:pPr algn="just">
+              <a:lnSpc>
+                <a:spcPct val="100000"/>
+              </a:lnSpc>
+              <a:spcBef>
+                <a:spcPts val="0"/>
+              </a:spcBef>
+              <a:buFont typeface="Wingdings" panose="05000000000000000000" pitchFamily="2" charset="2"/>
+              <a:buChar char="Ø"/>
+            </a:pPr>
+            <a:endParaRPr lang="en-IN" sz="2000" dirty="0" smtClean="0"/>
+          </a:p>
+          <a:p>
+            <a:pPr algn="just">
+              <a:lnSpc>
+                <a:spcPct val="100000"/>
+              </a:lnSpc>
+              <a:spcBef>
+                <a:spcPts val="0"/>
+              </a:spcBef>
+              <a:buFont typeface="Wingdings" panose="05000000000000000000" pitchFamily="2" charset="2"/>
+              <a:buChar char="Ø"/>
+            </a:pPr>
+            <a:endParaRPr lang="en-IN" sz="2000" dirty="0"/>
           </a:p>
           <a:p>
             <a:pPr marL="457200" lvl="1" indent="0" algn="just">
@@ -36378,7 +35499,24 @@
             </a:pPr>
             <a:r>
               <a:rPr lang="en-IN" sz="2000" dirty="0" smtClean="0"/>
-              <a:t>When the RNN (Recurrent Neural Network) is generating a new word, the Attention Mechanism focuses on the relevant part of the image. So, the decoder uses the specific parts of input image while generating a new (or next) word. Following is the example:</a:t>
+              <a:t>Thus, in case of Neural Machine Translation, input and output, both are text.</a:t>
+            </a:r>
+            <a:endParaRPr lang="en-IN" sz="2000" dirty="0"/>
+          </a:p>
+          <a:p>
+            <a:pPr algn="just">
+              <a:lnSpc>
+                <a:spcPct val="100000"/>
+              </a:lnSpc>
+              <a:spcBef>
+                <a:spcPts val="0"/>
+              </a:spcBef>
+              <a:buFont typeface="Wingdings" pitchFamily="2" charset="2"/>
+              <a:buChar char="Ø"/>
+            </a:pPr>
+            <a:r>
+              <a:rPr lang="en-IN" sz="2000" dirty="0" smtClean="0"/>
+              <a:t>Whereas, in case of Image Captioning, input is an image and output is text. That’s why Attention Mechanism was modified to take an image as input. This modified version of Attention Mechanism is known as Visual Attention Mechanism because it takes an image as input.</a:t>
             </a:r>
           </a:p>
         </p:txBody>
@@ -36388,7 +35526,7 @@
           <p:cNvPr id="4" name="Footer Placeholder 3">
             <a:extLst>
               <a:ext uri="{FF2B5EF4-FFF2-40B4-BE49-F238E27FC236}">
-                <a16:creationId xmlns:a16="http://schemas.microsoft.com/office/drawing/2014/main" xmlns="" id="{540972A1-4BB3-4D04-B4DF-C76BA9B5CAD8}"/>
+                <a16:creationId xmlns="" xmlns:a16="http://schemas.microsoft.com/office/drawing/2014/main" id="{540972A1-4BB3-4D04-B4DF-C76BA9B5CAD8}"/>
               </a:ext>
             </a:extLst>
           </p:cNvPr>
@@ -36417,7 +35555,7 @@
           <p:cNvPr id="5" name="Slide Number Placeholder 4">
             <a:extLst>
               <a:ext uri="{FF2B5EF4-FFF2-40B4-BE49-F238E27FC236}">
-                <a16:creationId xmlns:a16="http://schemas.microsoft.com/office/drawing/2014/main" xmlns="" id="{23B5C741-F1AB-463E-B229-974B2924B065}"/>
+                <a16:creationId xmlns="" xmlns:a16="http://schemas.microsoft.com/office/drawing/2014/main" id="{23B5C741-F1AB-463E-B229-974B2924B065}"/>
               </a:ext>
             </a:extLst>
           </p:cNvPr>
@@ -36441,9 +35579,83 @@
           </a:p>
         </p:txBody>
       </p:sp>
+      <p:sp>
+        <p:nvSpPr>
+          <p:cNvPr id="6" name="Cube 5"/>
+          <p:cNvSpPr/>
+          <p:nvPr/>
+        </p:nvSpPr>
+        <p:spPr>
+          <a:xfrm>
+            <a:off x="4495800" y="2208276"/>
+            <a:ext cx="2407920" cy="1708404"/>
+          </a:xfrm>
+          <a:prstGeom prst="cube">
+            <a:avLst/>
+          </a:prstGeom>
+        </p:spPr>
+        <p:style>
+          <a:lnRef idx="2">
+            <a:schemeClr val="accent1">
+              <a:shade val="50000"/>
+            </a:schemeClr>
+          </a:lnRef>
+          <a:fillRef idx="1">
+            <a:schemeClr val="accent1"/>
+          </a:fillRef>
+          <a:effectRef idx="0">
+            <a:schemeClr val="accent1"/>
+          </a:effectRef>
+          <a:fontRef idx="minor">
+            <a:schemeClr val="lt1"/>
+          </a:fontRef>
+        </p:style>
+        <p:txBody>
+          <a:bodyPr rtlCol="0" anchor="ctr"/>
+          <a:lstStyle/>
+          <a:p>
+            <a:pPr algn="ctr"/>
+            <a:r>
+              <a:rPr lang="en-US" dirty="0" smtClean="0"/>
+              <a:t>Neural Machine Translation with Attention Mechanism</a:t>
+            </a:r>
+            <a:endParaRPr lang="en-GB" dirty="0"/>
+          </a:p>
+        </p:txBody>
+      </p:sp>
+      <p:sp>
+        <p:nvSpPr>
+          <p:cNvPr id="7" name="TextBox 6"/>
+          <p:cNvSpPr txBox="1"/>
+          <p:nvPr/>
+        </p:nvSpPr>
+        <p:spPr>
+          <a:xfrm>
+            <a:off x="1310641" y="2708535"/>
+            <a:ext cx="2499359" cy="707886"/>
+          </a:xfrm>
+          <a:prstGeom prst="rect">
+            <a:avLst/>
+          </a:prstGeom>
+          <a:noFill/>
+        </p:spPr>
+        <p:txBody>
+          <a:bodyPr wrap="square" rtlCol="0">
+            <a:spAutoFit/>
+          </a:bodyPr>
+          <a:lstStyle/>
+          <a:p>
+            <a:r>
+              <a:rPr lang="en-US" sz="2000" dirty="0" smtClean="0"/>
+              <a:t>A dog is running fast over the beach.</a:t>
+            </a:r>
+            <a:endParaRPr lang="en-GB" sz="2000" dirty="0"/>
+          </a:p>
+        </p:txBody>
+      </p:sp>
       <p:pic>
         <p:nvPicPr>
-          <p:cNvPr id="1026" name="Picture 2" descr="Z:\ImageCaptioning_AttentionMech.png"/>
+          <p:cNvPr id="1027" name="Picture 3" descr="Z:\translation.png"/>
           <p:cNvPicPr>
             <a:picLocks noChangeAspect="1" noChangeArrowheads="1"/>
           </p:cNvPicPr>
@@ -36464,8 +35676,8 @@
         </p:blipFill>
         <p:spPr bwMode="auto">
           <a:xfrm>
-            <a:off x="1021080" y="3139440"/>
-            <a:ext cx="10226040" cy="3261360"/>
+            <a:off x="7534275" y="2844931"/>
+            <a:ext cx="3920118" cy="414903"/>
           </a:xfrm>
           <a:prstGeom prst="rect">
             <a:avLst/>
@@ -36482,10 +35694,286 @@
           </a:extLst>
         </p:spPr>
       </p:pic>
+      <p:sp>
+        <p:nvSpPr>
+          <p:cNvPr id="9" name="Right Arrow 8"/>
+          <p:cNvSpPr/>
+          <p:nvPr/>
+        </p:nvSpPr>
+        <p:spPr>
+          <a:xfrm>
+            <a:off x="3611880" y="2820162"/>
+            <a:ext cx="848106" cy="484632"/>
+          </a:xfrm>
+          <a:prstGeom prst="rightArrow">
+            <a:avLst/>
+          </a:prstGeom>
+        </p:spPr>
+        <p:style>
+          <a:lnRef idx="2">
+            <a:schemeClr val="accent1">
+              <a:shade val="50000"/>
+            </a:schemeClr>
+          </a:lnRef>
+          <a:fillRef idx="1">
+            <a:schemeClr val="accent1"/>
+          </a:fillRef>
+          <a:effectRef idx="0">
+            <a:schemeClr val="accent1"/>
+          </a:effectRef>
+          <a:fontRef idx="minor">
+            <a:schemeClr val="lt1"/>
+          </a:fontRef>
+        </p:style>
+        <p:txBody>
+          <a:bodyPr rtlCol="0" anchor="ctr"/>
+          <a:lstStyle/>
+          <a:p>
+            <a:pPr algn="ctr"/>
+            <a:endParaRPr lang="en-GB"/>
+          </a:p>
+        </p:txBody>
+      </p:sp>
+      <p:sp>
+        <p:nvSpPr>
+          <p:cNvPr id="12" name="Right Arrow 11"/>
+          <p:cNvSpPr/>
+          <p:nvPr/>
+        </p:nvSpPr>
+        <p:spPr>
+          <a:xfrm>
+            <a:off x="6916293" y="2810066"/>
+            <a:ext cx="617982" cy="484632"/>
+          </a:xfrm>
+          <a:prstGeom prst="rightArrow">
+            <a:avLst/>
+          </a:prstGeom>
+        </p:spPr>
+        <p:style>
+          <a:lnRef idx="2">
+            <a:schemeClr val="accent1">
+              <a:shade val="50000"/>
+            </a:schemeClr>
+          </a:lnRef>
+          <a:fillRef idx="1">
+            <a:schemeClr val="accent1"/>
+          </a:fillRef>
+          <a:effectRef idx="0">
+            <a:schemeClr val="accent1"/>
+          </a:effectRef>
+          <a:fontRef idx="minor">
+            <a:schemeClr val="lt1"/>
+          </a:fontRef>
+        </p:style>
+        <p:txBody>
+          <a:bodyPr rtlCol="0" anchor="ctr"/>
+          <a:lstStyle/>
+          <a:p>
+            <a:pPr algn="ctr"/>
+            <a:endParaRPr lang="en-GB"/>
+          </a:p>
+        </p:txBody>
+      </p:sp>
+      <p:sp>
+        <p:nvSpPr>
+          <p:cNvPr id="13" name="Cube 12"/>
+          <p:cNvSpPr/>
+          <p:nvPr/>
+        </p:nvSpPr>
+        <p:spPr>
+          <a:xfrm>
+            <a:off x="4701540" y="5242560"/>
+            <a:ext cx="1996440" cy="1097280"/>
+          </a:xfrm>
+          <a:prstGeom prst="cube">
+            <a:avLst/>
+          </a:prstGeom>
+        </p:spPr>
+        <p:style>
+          <a:lnRef idx="2">
+            <a:schemeClr val="accent1">
+              <a:shade val="50000"/>
+            </a:schemeClr>
+          </a:lnRef>
+          <a:fillRef idx="1">
+            <a:schemeClr val="accent1"/>
+          </a:fillRef>
+          <a:effectRef idx="0">
+            <a:schemeClr val="accent1"/>
+          </a:effectRef>
+          <a:fontRef idx="minor">
+            <a:schemeClr val="lt1"/>
+          </a:fontRef>
+        </p:style>
+        <p:txBody>
+          <a:bodyPr rtlCol="0" anchor="ctr"/>
+          <a:lstStyle/>
+          <a:p>
+            <a:pPr algn="ctr"/>
+            <a:r>
+              <a:rPr lang="en-US" dirty="0" smtClean="0"/>
+              <a:t>Visual Attention Mechanism</a:t>
+            </a:r>
+            <a:endParaRPr lang="en-GB" dirty="0"/>
+          </a:p>
+        </p:txBody>
+      </p:sp>
+      <p:pic>
+        <p:nvPicPr>
+          <p:cNvPr id="1028" name="Picture 4" descr="Z:\asia_market_feat.jpg"/>
+          <p:cNvPicPr>
+            <a:picLocks noChangeAspect="1" noChangeArrowheads="1"/>
+          </p:cNvPicPr>
+          <p:nvPr/>
+        </p:nvPicPr>
+        <p:blipFill>
+          <a:blip r:embed="rId3" cstate="print">
+            <a:extLst>
+              <a:ext uri="{28A0092B-C50C-407E-A947-70E740481C1C}">
+                <a14:useLocalDpi xmlns:a14="http://schemas.microsoft.com/office/drawing/2010/main" val="0"/>
+              </a:ext>
+            </a:extLst>
+          </a:blip>
+          <a:srcRect/>
+          <a:stretch>
+            <a:fillRect/>
+          </a:stretch>
+        </p:blipFill>
+        <p:spPr bwMode="auto">
+          <a:xfrm>
+            <a:off x="1528191" y="5334000"/>
+            <a:ext cx="2083689" cy="1077770"/>
+          </a:xfrm>
+          <a:prstGeom prst="rect">
+            <a:avLst/>
+          </a:prstGeom>
+          <a:noFill/>
+          <a:extLst>
+            <a:ext uri="{909E8E84-426E-40DD-AFC4-6F175D3DCCD1}">
+              <a14:hiddenFill xmlns:a14="http://schemas.microsoft.com/office/drawing/2010/main">
+                <a:solidFill>
+                  <a:srgbClr val="FFFFFF"/>
+                </a:solidFill>
+              </a14:hiddenFill>
+            </a:ext>
+          </a:extLst>
+        </p:spPr>
+      </p:pic>
+      <p:sp>
+        <p:nvSpPr>
+          <p:cNvPr id="10" name="TextBox 9"/>
+          <p:cNvSpPr txBox="1"/>
+          <p:nvPr/>
+        </p:nvSpPr>
+        <p:spPr>
+          <a:xfrm>
+            <a:off x="7534276" y="5518942"/>
+            <a:ext cx="3920118" cy="707886"/>
+          </a:xfrm>
+          <a:prstGeom prst="rect">
+            <a:avLst/>
+          </a:prstGeom>
+          <a:noFill/>
+        </p:spPr>
+        <p:txBody>
+          <a:bodyPr wrap="square" rtlCol="0">
+            <a:spAutoFit/>
+          </a:bodyPr>
+          <a:lstStyle/>
+          <a:p>
+            <a:pPr algn="just"/>
+            <a:r>
+              <a:rPr lang="en-US" sz="2000" dirty="0" smtClean="0"/>
+              <a:t>A smiling man is sitting in his vegetable shop</a:t>
+            </a:r>
+            <a:endParaRPr lang="en-GB" sz="2000" dirty="0"/>
+          </a:p>
+        </p:txBody>
+      </p:sp>
+      <p:sp>
+        <p:nvSpPr>
+          <p:cNvPr id="16" name="Right Arrow 15"/>
+          <p:cNvSpPr/>
+          <p:nvPr/>
+        </p:nvSpPr>
+        <p:spPr>
+          <a:xfrm>
+            <a:off x="3611880" y="5630569"/>
+            <a:ext cx="1071753" cy="484632"/>
+          </a:xfrm>
+          <a:prstGeom prst="rightArrow">
+            <a:avLst/>
+          </a:prstGeom>
+        </p:spPr>
+        <p:style>
+          <a:lnRef idx="2">
+            <a:schemeClr val="accent1">
+              <a:shade val="50000"/>
+            </a:schemeClr>
+          </a:lnRef>
+          <a:fillRef idx="1">
+            <a:schemeClr val="accent1"/>
+          </a:fillRef>
+          <a:effectRef idx="0">
+            <a:schemeClr val="accent1"/>
+          </a:effectRef>
+          <a:fontRef idx="minor">
+            <a:schemeClr val="lt1"/>
+          </a:fontRef>
+        </p:style>
+        <p:txBody>
+          <a:bodyPr rtlCol="0" anchor="ctr"/>
+          <a:lstStyle/>
+          <a:p>
+            <a:pPr algn="ctr"/>
+            <a:endParaRPr lang="en-GB"/>
+          </a:p>
+        </p:txBody>
+      </p:sp>
+      <p:sp>
+        <p:nvSpPr>
+          <p:cNvPr id="17" name="Right Arrow 16"/>
+          <p:cNvSpPr/>
+          <p:nvPr/>
+        </p:nvSpPr>
+        <p:spPr>
+          <a:xfrm>
+            <a:off x="6697980" y="5548884"/>
+            <a:ext cx="836296" cy="484632"/>
+          </a:xfrm>
+          <a:prstGeom prst="rightArrow">
+            <a:avLst/>
+          </a:prstGeom>
+        </p:spPr>
+        <p:style>
+          <a:lnRef idx="2">
+            <a:schemeClr val="accent1">
+              <a:shade val="50000"/>
+            </a:schemeClr>
+          </a:lnRef>
+          <a:fillRef idx="1">
+            <a:schemeClr val="accent1"/>
+          </a:fillRef>
+          <a:effectRef idx="0">
+            <a:schemeClr val="accent1"/>
+          </a:effectRef>
+          <a:fontRef idx="minor">
+            <a:schemeClr val="lt1"/>
+          </a:fontRef>
+        </p:style>
+        <p:txBody>
+          <a:bodyPr rtlCol="0" anchor="ctr"/>
+          <a:lstStyle/>
+          <a:p>
+            <a:pPr algn="ctr"/>
+            <a:endParaRPr lang="en-GB"/>
+          </a:p>
+        </p:txBody>
+      </p:sp>
     </p:spTree>
     <p:extLst>
       <p:ext uri="{BB962C8B-B14F-4D97-AF65-F5344CB8AC3E}">
-        <p14:creationId xmlns:p14="http://schemas.microsoft.com/office/powerpoint/2010/main" val="1159519437"/>
+        <p14:creationId xmlns:p14="http://schemas.microsoft.com/office/powerpoint/2010/main" val="3882608413"/>
       </p:ext>
     </p:extLst>
   </p:cSld>
@@ -36791,7 +36279,7 @@
   <a:extraClrSchemeLst/>
   <a:extLst>
     <a:ext uri="{05A4C25C-085E-4340-85A3-A5531E510DB2}">
-      <thm15:themeFamily xmlns:thm15="http://schemas.microsoft.com/office/thememl/2012/main" xmlns="" name="Office Theme" id="{62F939B6-93AF-4DB8-9C6B-D6C7DFDC589F}" vid="{4A3C46E8-61CC-4603-A589-7422A47A8E4A}"/>
+      <thm15:themeFamily xmlns="" xmlns:thm15="http://schemas.microsoft.com/office/thememl/2012/main" name="Office Theme" id="{62F939B6-93AF-4DB8-9C6B-D6C7DFDC589F}" vid="{4A3C46E8-61CC-4603-A589-7422A47A8E4A}"/>
     </a:ext>
   </a:extLst>
 </a:theme>
@@ -37086,7 +36574,7 @@
   <a:extraClrSchemeLst/>
   <a:extLst>
     <a:ext uri="{05A4C25C-085E-4340-85A3-A5531E510DB2}">
-      <thm15:themeFamily xmlns:thm15="http://schemas.microsoft.com/office/thememl/2012/main" xmlns="" name="Office Theme" id="{62F939B6-93AF-4DB8-9C6B-D6C7DFDC589F}" vid="{4A3C46E8-61CC-4603-A589-7422A47A8E4A}"/>
+      <thm15:themeFamily xmlns="" xmlns:thm15="http://schemas.microsoft.com/office/thememl/2012/main" name="Office Theme" id="{62F939B6-93AF-4DB8-9C6B-D6C7DFDC589F}" vid="{4A3C46E8-61CC-4603-A589-7422A47A8E4A}"/>
     </a:ext>
   </a:extLst>
 </a:theme>

--- a/readme.pptx
+++ b/readme.pptx
@@ -41,12 +41,12 @@
     <p:sldId id="280" r:id="rId32"/>
     <p:sldId id="290" r:id="rId33"/>
     <p:sldId id="284" r:id="rId34"/>
-    <p:sldId id="289" r:id="rId35"/>
-    <p:sldId id="282" r:id="rId36"/>
-    <p:sldId id="283" r:id="rId37"/>
-    <p:sldId id="285" r:id="rId38"/>
-    <p:sldId id="287" r:id="rId39"/>
-    <p:sldId id="288" r:id="rId40"/>
+    <p:sldId id="282" r:id="rId35"/>
+    <p:sldId id="283" r:id="rId36"/>
+    <p:sldId id="285" r:id="rId37"/>
+    <p:sldId id="287" r:id="rId38"/>
+    <p:sldId id="288" r:id="rId39"/>
+    <p:sldId id="305" r:id="rId40"/>
     <p:sldId id="291" r:id="rId41"/>
     <p:sldId id="292" r:id="rId42"/>
     <p:sldId id="293" r:id="rId43"/>
@@ -242,7 +242,7 @@
           <a:p>
             <a:fld id="{3EBE19CC-9519-4C5F-A78F-AFC3EB8C266D}" type="datetimeFigureOut">
               <a:rPr lang="en-IN" smtClean="0"/>
-              <a:t>20-05-2021</a:t>
+              <a:t>25-05-2021</a:t>
             </a:fld>
             <a:endParaRPr lang="en-IN"/>
           </a:p>
@@ -659,7 +659,7 @@
           <a:p>
             <a:fld id="{95B38DEA-F89A-499A-81D4-0F17E13A0F54}" type="datetime1">
               <a:rPr lang="en-IN" smtClean="0"/>
-              <a:t>20-05-2021</a:t>
+              <a:t>25-05-2021</a:t>
             </a:fld>
             <a:endParaRPr lang="en-IN"/>
           </a:p>
@@ -863,7 +863,7 @@
           <a:p>
             <a:fld id="{52CB48DB-8752-4EC9-AEF1-132D60C612E3}" type="datetime1">
               <a:rPr lang="en-IN" smtClean="0"/>
-              <a:t>20-05-2021</a:t>
+              <a:t>25-05-2021</a:t>
             </a:fld>
             <a:endParaRPr lang="en-IN"/>
           </a:p>
@@ -1077,7 +1077,7 @@
           <a:p>
             <a:fld id="{20E4919B-0840-418F-81E8-D1EAC9FB2BFE}" type="datetime1">
               <a:rPr lang="en-IN" smtClean="0"/>
-              <a:t>20-05-2021</a:t>
+              <a:t>25-05-2021</a:t>
             </a:fld>
             <a:endParaRPr lang="en-IN"/>
           </a:p>
@@ -1281,7 +1281,7 @@
           <a:p>
             <a:fld id="{14A56409-1144-459D-8580-EF29D8BAED4A}" type="datetime1">
               <a:rPr lang="en-IN" smtClean="0"/>
-              <a:t>20-05-2021</a:t>
+              <a:t>25-05-2021</a:t>
             </a:fld>
             <a:endParaRPr lang="en-IN"/>
           </a:p>
@@ -1561,7 +1561,7 @@
           <a:p>
             <a:fld id="{67926871-090A-4D31-A9C1-76DEC3805894}" type="datetime1">
               <a:rPr lang="en-IN" smtClean="0"/>
-              <a:t>20-05-2021</a:t>
+              <a:t>25-05-2021</a:t>
             </a:fld>
             <a:endParaRPr lang="en-IN"/>
           </a:p>
@@ -1833,7 +1833,7 @@
           <a:p>
             <a:fld id="{7F9657E2-E3D3-4B4C-9FD7-7329F62A123B}" type="datetime1">
               <a:rPr lang="en-IN" smtClean="0"/>
-              <a:t>20-05-2021</a:t>
+              <a:t>25-05-2021</a:t>
             </a:fld>
             <a:endParaRPr lang="en-IN"/>
           </a:p>
@@ -2252,7 +2252,7 @@
           <a:p>
             <a:fld id="{664F21D5-2AAA-408A-910B-555FC11A1CF7}" type="datetime1">
               <a:rPr lang="en-IN" smtClean="0"/>
-              <a:t>20-05-2021</a:t>
+              <a:t>25-05-2021</a:t>
             </a:fld>
             <a:endParaRPr lang="en-IN"/>
           </a:p>
@@ -2398,7 +2398,7 @@
           <a:p>
             <a:fld id="{F356A824-9512-4355-9382-9A341080930D}" type="datetime1">
               <a:rPr lang="en-IN" smtClean="0"/>
-              <a:t>20-05-2021</a:t>
+              <a:t>25-05-2021</a:t>
             </a:fld>
             <a:endParaRPr lang="en-IN"/>
           </a:p>
@@ -2515,7 +2515,7 @@
           <a:p>
             <a:fld id="{61D5D980-7089-4CCA-A615-7CE5DE2E0A24}" type="datetime1">
               <a:rPr lang="en-IN" smtClean="0"/>
-              <a:t>20-05-2021</a:t>
+              <a:t>25-05-2021</a:t>
             </a:fld>
             <a:endParaRPr lang="en-IN"/>
           </a:p>
@@ -2832,7 +2832,7 @@
           <a:p>
             <a:fld id="{BCBBCC49-34F1-4143-A247-5BD173D4A05B}" type="datetime1">
               <a:rPr lang="en-IN" smtClean="0"/>
-              <a:t>20-05-2021</a:t>
+              <a:t>25-05-2021</a:t>
             </a:fld>
             <a:endParaRPr lang="en-IN"/>
           </a:p>
@@ -3125,7 +3125,7 @@
           <a:p>
             <a:fld id="{2D62E49B-383D-4FEF-83E3-8391B88BD48A}" type="datetime1">
               <a:rPr lang="en-IN" smtClean="0"/>
-              <a:t>20-05-2021</a:t>
+              <a:t>25-05-2021</a:t>
             </a:fld>
             <a:endParaRPr lang="en-IN"/>
           </a:p>
@@ -3372,7 +3372,7 @@
           <a:p>
             <a:fld id="{95403040-39FF-48B5-9AA8-D98B49EA5B67}" type="datetime1">
               <a:rPr lang="en-IN" smtClean="0"/>
-              <a:t>20-05-2021</a:t>
+              <a:t>25-05-2021</a:t>
             </a:fld>
             <a:endParaRPr lang="en-IN"/>
           </a:p>
@@ -4457,11 +4457,7 @@
           <a:lstStyle/>
           <a:p>
             <a:pPr algn="ctr"/>
-            <a:r>
-              <a:rPr lang="en-US" dirty="0" smtClean="0"/>
-              <a:t>VGG-16</a:t>
-            </a:r>
-            <a:endParaRPr lang="en-GB" dirty="0"/>
+            <a:endParaRPr lang="en-GB" sz="1500" dirty="0"/>
           </a:p>
         </p:txBody>
       </p:sp>
@@ -6733,6 +6729,36 @@
             <a:r>
               <a:rPr lang="en-US" dirty="0" smtClean="0"/>
               <a:t>”</a:t>
+            </a:r>
+            <a:endParaRPr lang="en-GB" dirty="0"/>
+          </a:p>
+        </p:txBody>
+      </p:sp>
+      <p:sp>
+        <p:nvSpPr>
+          <p:cNvPr id="8" name="TextBox 7"/>
+          <p:cNvSpPr txBox="1"/>
+          <p:nvPr/>
+        </p:nvSpPr>
+        <p:spPr>
+          <a:xfrm>
+            <a:off x="4658675" y="4647532"/>
+            <a:ext cx="1320170" cy="369332"/>
+          </a:xfrm>
+          <a:prstGeom prst="rect">
+            <a:avLst/>
+          </a:prstGeom>
+          <a:noFill/>
+        </p:spPr>
+        <p:txBody>
+          <a:bodyPr wrap="none" rtlCol="0">
+            <a:spAutoFit/>
+          </a:bodyPr>
+          <a:lstStyle/>
+          <a:p>
+            <a:r>
+              <a:rPr lang="en-US" dirty="0" smtClean="0"/>
+              <a:t>InceptionV3</a:t>
             </a:r>
             <a:endParaRPr lang="en-GB" dirty="0"/>
           </a:p>
@@ -19085,7 +19111,7 @@
         </p:spPr>
         <p:txBody>
           <a:bodyPr>
-            <a:normAutofit lnSpcReduction="10000"/>
+            <a:normAutofit fontScale="92500"/>
           </a:bodyPr>
           <a:lstStyle/>
           <a:p>
@@ -19267,7 +19293,7 @@
             </a:r>
             <a:r>
               <a:rPr lang="en-IN" sz="1800" dirty="0" smtClean="0"/>
-              <a:t>VGG-16, </a:t>
+              <a:t>InceptionV3, </a:t>
             </a:r>
             <a:r>
               <a:rPr lang="en-IN" sz="1800" dirty="0"/>
@@ -19291,7 +19317,7 @@
             </a:r>
             <a:r>
               <a:rPr lang="en-IN" sz="1800" dirty="0" smtClean="0"/>
-              <a:t>VGG-16) </a:t>
+              <a:t>InceptionV3) </a:t>
             </a:r>
             <a:r>
               <a:rPr lang="en-IN" sz="1800" dirty="0"/>
@@ -20707,7 +20733,7 @@
             </a:r>
             <a:r>
               <a:rPr lang="en-IN" sz="1800" dirty="0" smtClean="0"/>
-              <a:t>(VGG-16, </a:t>
+              <a:t>(InceptionV3, </a:t>
             </a:r>
             <a:r>
               <a:rPr lang="en-IN" sz="1800" dirty="0"/>
@@ -26837,63 +26863,11 @@
             </a:pPr>
             <a:r>
               <a:rPr lang="en-IN" sz="2000" dirty="0"/>
-              <a:t>We are using two pre-trained models in this project:</a:t>
-            </a:r>
-          </a:p>
-          <a:p>
-            <a:pPr marL="800100" lvl="1" indent="-342900" algn="just">
-              <a:lnSpc>
-                <a:spcPct val="100000"/>
-              </a:lnSpc>
-              <a:spcBef>
-                <a:spcPts val="0"/>
-              </a:spcBef>
-              <a:buFont typeface="+mj-lt"/>
-              <a:buAutoNum type="arabicPeriod"/>
-            </a:pPr>
-            <a:r>
-              <a:rPr lang="en-IN" sz="1800" dirty="0" smtClean="0"/>
-              <a:t>VGG-16: </a:t>
-            </a:r>
-            <a:r>
-              <a:rPr lang="en-IN" sz="1800" dirty="0"/>
-              <a:t>To generate bottleneck features for images.</a:t>
-            </a:r>
-          </a:p>
-          <a:p>
-            <a:pPr marL="800100" lvl="1" indent="-342900" algn="just">
-              <a:lnSpc>
-                <a:spcPct val="100000"/>
-              </a:lnSpc>
-              <a:spcBef>
-                <a:spcPts val="0"/>
-              </a:spcBef>
-              <a:buFont typeface="+mj-lt"/>
-              <a:buAutoNum type="arabicPeriod"/>
-            </a:pPr>
-            <a:r>
-              <a:rPr lang="en-IN" sz="1800" dirty="0" err="1"/>
-              <a:t>GloVe</a:t>
-            </a:r>
-            <a:r>
-              <a:rPr lang="en-IN" sz="1800" dirty="0"/>
-              <a:t>: To generate word embeddings for captions.</a:t>
-            </a:r>
-          </a:p>
-          <a:p>
-            <a:pPr algn="just">
-              <a:lnSpc>
-                <a:spcPct val="100000"/>
-              </a:lnSpc>
-              <a:spcBef>
-                <a:spcPts val="0"/>
-              </a:spcBef>
-              <a:buFont typeface="Wingdings" panose="05000000000000000000" pitchFamily="2" charset="2"/>
-              <a:buChar char="Ø"/>
-            </a:pPr>
-            <a:r>
-              <a:rPr lang="en-IN" sz="2200" dirty="0" smtClean="0"/>
-              <a:t>VGG-16:</a:t>
+              <a:t>We </a:t>
+            </a:r>
+            <a:r>
+              <a:rPr lang="en-IN" sz="2000" dirty="0" smtClean="0"/>
+              <a:t>use one pre-trained model to generate bottleneck features of images: InceptionV3:</a:t>
             </a:r>
             <a:endParaRPr lang="en-IN" sz="2200" dirty="0"/>
           </a:p>
@@ -26959,7 +26933,7 @@
       </p:sp>
       <p:pic>
         <p:nvPicPr>
-          <p:cNvPr id="2050" name="Picture 2" descr="Z:\vgg16_architecture.png"/>
+          <p:cNvPr id="1026" name="Picture 2" descr="Z:\inceptionV2.png"/>
           <p:cNvPicPr>
             <a:picLocks noChangeAspect="1" noChangeArrowheads="1"/>
           </p:cNvPicPr>
@@ -26980,8 +26954,8 @@
         </p:blipFill>
         <p:spPr bwMode="auto">
           <a:xfrm>
-            <a:off x="1727835" y="2377440"/>
-            <a:ext cx="8620125" cy="3623310"/>
+            <a:off x="2714625" y="1532071"/>
+            <a:ext cx="6734175" cy="4840154"/>
           </a:xfrm>
           <a:prstGeom prst="rect">
             <a:avLst/>
@@ -27063,7 +27037,7 @@
           <a:p>
             <a:r>
               <a:rPr lang="en-IN" dirty="0"/>
-              <a:t>Pre-Trained Models…</a:t>
+              <a:t>Training &amp; Neural Networks Specific</a:t>
             </a:r>
           </a:p>
         </p:txBody>
@@ -27107,16 +27081,20 @@
               <a:buChar char="Ø"/>
             </a:pPr>
             <a:r>
+              <a:rPr lang="en-IN" sz="2000" dirty="0"/>
+              <a:t>Neural Network Framework: </a:t>
+            </a:r>
+            <a:r>
               <a:rPr lang="en-IN" sz="2000" dirty="0" err="1"/>
-              <a:t>GloVe</a:t>
+              <a:t>Keras</a:t>
             </a:r>
             <a:r>
               <a:rPr lang="en-IN" sz="2000" dirty="0"/>
-              <a:t> (Global Vectors):</a:t>
-            </a:r>
-          </a:p>
-          <a:p>
-            <a:pPr lvl="1" algn="just">
+              <a:t> (version: 2.4.3)</a:t>
+            </a:r>
+          </a:p>
+          <a:p>
+            <a:pPr algn="just">
               <a:lnSpc>
                 <a:spcPct val="100000"/>
               </a:lnSpc>
@@ -27124,24 +27102,12 @@
                 <a:spcPts val="0"/>
               </a:spcBef>
               <a:buFont typeface="Wingdings" panose="05000000000000000000" pitchFamily="2" charset="2"/>
-              <a:buChar char="§"/>
+              <a:buChar char="Ø"/>
             </a:pPr>
-            <a:r>
-              <a:rPr lang="en-IN" sz="1800" dirty="0" err="1"/>
-              <a:t>GloVe</a:t>
-            </a:r>
-            <a:r>
-              <a:rPr lang="en-IN" sz="1800" dirty="0"/>
-              <a:t> is a word vector technique and an Unsupervised </a:t>
-            </a:r>
-            <a:r>
-              <a:rPr lang="en-IN" sz="1800"/>
-              <a:t>Learning algorithm.</a:t>
-            </a:r>
-            <a:endParaRPr lang="en-IN" sz="1800" dirty="0"/>
-          </a:p>
-          <a:p>
-            <a:pPr lvl="1" algn="just">
+            <a:endParaRPr lang="en-IN" sz="2000" dirty="0"/>
+          </a:p>
+          <a:p>
+            <a:pPr algn="just">
               <a:lnSpc>
                 <a:spcPct val="100000"/>
               </a:lnSpc>
@@ -27149,23 +27115,12 @@
                 <a:spcPts val="0"/>
               </a:spcBef>
               <a:buFont typeface="Wingdings" panose="05000000000000000000" pitchFamily="2" charset="2"/>
-              <a:buChar char="§"/>
+              <a:buChar char="Ø"/>
             </a:pPr>
-            <a:r>
-              <a:rPr lang="en-IN" sz="1800" dirty="0"/>
-              <a:t>Word Vectors put words to a nice vector space where similar words cluster together and different words </a:t>
-            </a:r>
-            <a:r>
-              <a:rPr lang="en-IN" sz="1800" dirty="0" err="1"/>
-              <a:t>repet</a:t>
-            </a:r>
-            <a:r>
-              <a:rPr lang="en-IN" sz="1800" dirty="0"/>
-              <a:t>.</a:t>
-            </a:r>
-          </a:p>
-          <a:p>
-            <a:pPr lvl="1" algn="just">
+            <a:endParaRPr lang="en-IN" sz="2000" dirty="0"/>
+          </a:p>
+          <a:p>
+            <a:pPr algn="just">
               <a:lnSpc>
                 <a:spcPct val="100000"/>
               </a:lnSpc>
@@ -27173,31 +27128,27 @@
                 <a:spcPts val="0"/>
               </a:spcBef>
               <a:buFont typeface="Wingdings" panose="05000000000000000000" pitchFamily="2" charset="2"/>
-              <a:buChar char="§"/>
+              <a:buChar char="Ø"/>
             </a:pPr>
             <a:r>
-              <a:rPr lang="en-IN" sz="1800" dirty="0"/>
-              <a:t>The advantage of </a:t>
-            </a:r>
-            <a:r>
-              <a:rPr lang="en-IN" sz="1800" dirty="0" err="1"/>
-              <a:t>GloVe</a:t>
-            </a:r>
-            <a:r>
-              <a:rPr lang="en-IN" sz="1800" dirty="0"/>
-              <a:t> is that unlike Word2Vec, </a:t>
-            </a:r>
-            <a:r>
-              <a:rPr lang="en-IN" sz="1800" dirty="0" err="1"/>
-              <a:t>GloVe</a:t>
-            </a:r>
-            <a:r>
-              <a:rPr lang="en-IN" sz="1800" dirty="0"/>
-              <a:t> doesn’t rely just on local statistics (i.e., local context information of words), but it incorporates global statistics (word co-occurrence) to obtain word vectors.</a:t>
-            </a:r>
-          </a:p>
-          <a:p>
-            <a:pPr lvl="1" algn="just">
+              <a:rPr lang="en-IN" sz="2000" dirty="0"/>
+              <a:t>Pre-trained </a:t>
+            </a:r>
+            <a:r>
+              <a:rPr lang="en-IN" sz="2000" dirty="0" smtClean="0"/>
+              <a:t>model </a:t>
+            </a:r>
+            <a:r>
+              <a:rPr lang="en-IN" sz="2000" dirty="0"/>
+              <a:t>used: 	1. </a:t>
+            </a:r>
+            <a:r>
+              <a:rPr lang="en-IN" sz="2000" dirty="0" smtClean="0"/>
+              <a:t>InceptionV3</a:t>
+            </a:r>
+          </a:p>
+          <a:p>
+            <a:pPr algn="just">
               <a:lnSpc>
                 <a:spcPct val="100000"/>
               </a:lnSpc>
@@ -27205,23 +27156,15 @@
                 <a:spcPts val="0"/>
               </a:spcBef>
               <a:buFont typeface="Wingdings" panose="05000000000000000000" pitchFamily="2" charset="2"/>
-              <a:buChar char="§"/>
+              <a:buChar char="Ø"/>
             </a:pPr>
             <a:r>
-              <a:rPr lang="en-IN" sz="1800" dirty="0"/>
-              <a:t>Thus, </a:t>
-            </a:r>
-            <a:r>
-              <a:rPr lang="en-IN" sz="1800" dirty="0" err="1"/>
-              <a:t>GloVe</a:t>
-            </a:r>
-            <a:r>
-              <a:rPr lang="en-IN" sz="1800" dirty="0"/>
-              <a:t> captures both, global and local statistics of a corpus in order to come up with word vectors.</a:t>
-            </a:r>
-          </a:p>
-          <a:p>
-            <a:pPr lvl="1" algn="just">
+              <a:rPr lang="en-IN" sz="2000" dirty="0" smtClean="0"/>
+              <a:t>It is clear from the previous tables (X and Y) that the data is time-series based where sequence matters a lot (as it builds context of captions, every next word is dependent on the current word), thus RNN with LSTM (Long Short Term Memory) cells is used here.</a:t>
+            </a:r>
+          </a:p>
+          <a:p>
+            <a:pPr algn="just">
               <a:lnSpc>
                 <a:spcPct val="100000"/>
               </a:lnSpc>
@@ -27229,61 +27172,15 @@
                 <a:spcPts val="0"/>
               </a:spcBef>
               <a:buFont typeface="Wingdings" panose="05000000000000000000" pitchFamily="2" charset="2"/>
-              <a:buChar char="§"/>
+              <a:buChar char="Ø"/>
             </a:pPr>
             <a:r>
-              <a:rPr lang="en-IN" sz="1800" dirty="0" err="1"/>
-              <a:t>GloVe</a:t>
-            </a:r>
-            <a:r>
-              <a:rPr lang="en-IN" sz="1800" dirty="0"/>
-              <a:t> method is built on an important method: Co-occurrence Matrix. </a:t>
-            </a:r>
-          </a:p>
-          <a:p>
-            <a:pPr lvl="1" algn="just">
-              <a:lnSpc>
-                <a:spcPct val="100000"/>
-              </a:lnSpc>
-              <a:spcBef>
-                <a:spcPts val="0"/>
-              </a:spcBef>
-              <a:buFont typeface="Wingdings" panose="05000000000000000000" pitchFamily="2" charset="2"/>
-              <a:buChar char="§"/>
-            </a:pPr>
-            <a:r>
-              <a:rPr lang="en-IN" sz="1800" dirty="0"/>
-              <a:t>Co-occurrence Matrix is very helpful to derive semantic relationships. Following is an example:</a:t>
-            </a:r>
-          </a:p>
-          <a:p>
-            <a:pPr marL="1371600" lvl="3" indent="0" algn="just">
-              <a:lnSpc>
-                <a:spcPct val="100000"/>
-              </a:lnSpc>
-              <a:spcBef>
-                <a:spcPts val="0"/>
-              </a:spcBef>
-              <a:buNone/>
-            </a:pPr>
-            <a:r>
-              <a:rPr lang="en-IN" dirty="0"/>
-              <a:t>“the cat sat on the mat”</a:t>
-            </a:r>
-          </a:p>
-          <a:p>
-            <a:pPr marL="914400" lvl="2" indent="0" algn="just">
-              <a:lnSpc>
-                <a:spcPct val="100000"/>
-              </a:lnSpc>
-              <a:spcBef>
-                <a:spcPts val="0"/>
-              </a:spcBef>
-              <a:buNone/>
-            </a:pPr>
-            <a:r>
-              <a:rPr lang="en-IN" sz="1800" dirty="0"/>
-              <a:t>Co-occurrence Matrix is:</a:t>
+              <a:rPr lang="en-IN" sz="2000" dirty="0" smtClean="0"/>
+              <a:t>As </a:t>
+            </a:r>
+            <a:r>
+              <a:rPr lang="en-IN" sz="2000" dirty="0"/>
+              <a:t>it is said earlier that the classical Encoder-Decoder solution is implemented here. Following is the architecture of this solution:</a:t>
             </a:r>
           </a:p>
         </p:txBody>
@@ -27341,928 +27238,6 @@
             <a:fld id="{EC53106F-9B43-4B1F-BCB9-D94FA7734D96}" type="slidenum">
               <a:rPr lang="en-IN" smtClean="0"/>
               <a:t>34</a:t>
-            </a:fld>
-            <a:endParaRPr lang="en-IN"/>
-          </a:p>
-        </p:txBody>
-      </p:sp>
-      <p:graphicFrame>
-        <p:nvGraphicFramePr>
-          <p:cNvPr id="7" name="Table 7">
-            <a:extLst>
-              <a:ext uri="{FF2B5EF4-FFF2-40B4-BE49-F238E27FC236}">
-                <a16:creationId xmlns="" xmlns:a16="http://schemas.microsoft.com/office/drawing/2014/main" id="{13889562-6D48-4151-A7F7-697C6BB79C94}"/>
-              </a:ext>
-            </a:extLst>
-          </p:cNvPr>
-          <p:cNvGraphicFramePr>
-            <a:graphicFrameLocks noGrp="1"/>
-          </p:cNvGraphicFramePr>
-          <p:nvPr>
-            <p:extLst>
-              <p:ext uri="{D42A27DB-BD31-4B8C-83A1-F6EECF244321}">
-                <p14:modId xmlns:p14="http://schemas.microsoft.com/office/powerpoint/2010/main" val="2729671298"/>
-              </p:ext>
-            </p:extLst>
-          </p:nvPr>
-        </p:nvGraphicFramePr>
-        <p:xfrm>
-          <a:off x="5977836" y="4344670"/>
-          <a:ext cx="5375964" cy="2011680"/>
-        </p:xfrm>
-        <a:graphic>
-          <a:graphicData uri="http://schemas.openxmlformats.org/drawingml/2006/table">
-            <a:tbl>
-              <a:tblPr bandRow="1">
-                <a:tableStyleId>{5C22544A-7EE6-4342-B048-85BDC9FD1C3A}</a:tableStyleId>
-              </a:tblPr>
-              <a:tblGrid>
-                <a:gridCol w="895994">
-                  <a:extLst>
-                    <a:ext uri="{9D8B030D-6E8A-4147-A177-3AD203B41FA5}">
-                      <a16:colId xmlns="" xmlns:a16="http://schemas.microsoft.com/office/drawing/2014/main" val="3470491924"/>
-                    </a:ext>
-                  </a:extLst>
-                </a:gridCol>
-                <a:gridCol w="895994">
-                  <a:extLst>
-                    <a:ext uri="{9D8B030D-6E8A-4147-A177-3AD203B41FA5}">
-                      <a16:colId xmlns="" xmlns:a16="http://schemas.microsoft.com/office/drawing/2014/main" val="2502966855"/>
-                    </a:ext>
-                  </a:extLst>
-                </a:gridCol>
-                <a:gridCol w="895994">
-                  <a:extLst>
-                    <a:ext uri="{9D8B030D-6E8A-4147-A177-3AD203B41FA5}">
-                      <a16:colId xmlns="" xmlns:a16="http://schemas.microsoft.com/office/drawing/2014/main" val="1083158815"/>
-                    </a:ext>
-                  </a:extLst>
-                </a:gridCol>
-                <a:gridCol w="895994">
-                  <a:extLst>
-                    <a:ext uri="{9D8B030D-6E8A-4147-A177-3AD203B41FA5}">
-                      <a16:colId xmlns="" xmlns:a16="http://schemas.microsoft.com/office/drawing/2014/main" val="4121210064"/>
-                    </a:ext>
-                  </a:extLst>
-                </a:gridCol>
-                <a:gridCol w="895994">
-                  <a:extLst>
-                    <a:ext uri="{9D8B030D-6E8A-4147-A177-3AD203B41FA5}">
-                      <a16:colId xmlns="" xmlns:a16="http://schemas.microsoft.com/office/drawing/2014/main" val="141701959"/>
-                    </a:ext>
-                  </a:extLst>
-                </a:gridCol>
-                <a:gridCol w="895994">
-                  <a:extLst>
-                    <a:ext uri="{9D8B030D-6E8A-4147-A177-3AD203B41FA5}">
-                      <a16:colId xmlns="" xmlns:a16="http://schemas.microsoft.com/office/drawing/2014/main" val="3461793176"/>
-                    </a:ext>
-                  </a:extLst>
-                </a:gridCol>
-              </a:tblGrid>
-              <a:tr h="165702">
-                <a:tc>
-                  <a:txBody>
-                    <a:bodyPr/>
-                    <a:lstStyle/>
-                    <a:p>
-                      <a:pPr algn="ctr"/>
-                      <a:endParaRPr lang="en-IN" sz="1600" dirty="0"/>
-                    </a:p>
-                  </a:txBody>
-                  <a:tcPr anchor="ctr"/>
-                </a:tc>
-                <a:tc>
-                  <a:txBody>
-                    <a:bodyPr/>
-                    <a:lstStyle/>
-                    <a:p>
-                      <a:pPr algn="ctr"/>
-                      <a:r>
-                        <a:rPr lang="en-IN" sz="1600" dirty="0"/>
-                        <a:t>“the”</a:t>
-                      </a:r>
-                    </a:p>
-                  </a:txBody>
-                  <a:tcPr anchor="ctr"/>
-                </a:tc>
-                <a:tc>
-                  <a:txBody>
-                    <a:bodyPr/>
-                    <a:lstStyle/>
-                    <a:p>
-                      <a:pPr algn="ctr"/>
-                      <a:r>
-                        <a:rPr lang="en-IN" sz="1600" dirty="0"/>
-                        <a:t>“cat”</a:t>
-                      </a:r>
-                    </a:p>
-                  </a:txBody>
-                  <a:tcPr anchor="ctr"/>
-                </a:tc>
-                <a:tc>
-                  <a:txBody>
-                    <a:bodyPr/>
-                    <a:lstStyle/>
-                    <a:p>
-                      <a:pPr algn="ctr"/>
-                      <a:r>
-                        <a:rPr lang="en-IN" sz="1600" dirty="0"/>
-                        <a:t>“sat”</a:t>
-                      </a:r>
-                    </a:p>
-                  </a:txBody>
-                  <a:tcPr anchor="ctr"/>
-                </a:tc>
-                <a:tc>
-                  <a:txBody>
-                    <a:bodyPr/>
-                    <a:lstStyle/>
-                    <a:p>
-                      <a:pPr algn="ctr"/>
-                      <a:r>
-                        <a:rPr lang="en-IN" sz="1600" dirty="0"/>
-                        <a:t>“on”</a:t>
-                      </a:r>
-                    </a:p>
-                  </a:txBody>
-                  <a:tcPr anchor="ctr"/>
-                </a:tc>
-                <a:tc>
-                  <a:txBody>
-                    <a:bodyPr/>
-                    <a:lstStyle/>
-                    <a:p>
-                      <a:pPr algn="ctr"/>
-                      <a:r>
-                        <a:rPr lang="en-IN" sz="1600" dirty="0"/>
-                        <a:t>“mat”</a:t>
-                      </a:r>
-                    </a:p>
-                  </a:txBody>
-                  <a:tcPr anchor="ctr"/>
-                </a:tc>
-                <a:extLst>
-                  <a:ext uri="{0D108BD9-81ED-4DB2-BD59-A6C34878D82A}">
-                    <a16:rowId xmlns="" xmlns:a16="http://schemas.microsoft.com/office/drawing/2014/main" val="2651531398"/>
-                  </a:ext>
-                </a:extLst>
-              </a:tr>
-              <a:tr h="165702">
-                <a:tc>
-                  <a:txBody>
-                    <a:bodyPr/>
-                    <a:lstStyle/>
-                    <a:p>
-                      <a:pPr algn="ctr"/>
-                      <a:r>
-                        <a:rPr lang="en-IN" sz="1600" dirty="0"/>
-                        <a:t>“the”</a:t>
-                      </a:r>
-                    </a:p>
-                  </a:txBody>
-                  <a:tcPr anchor="ctr"/>
-                </a:tc>
-                <a:tc>
-                  <a:txBody>
-                    <a:bodyPr/>
-                    <a:lstStyle/>
-                    <a:p>
-                      <a:pPr algn="ctr"/>
-                      <a:r>
-                        <a:rPr lang="en-IN" sz="1600" dirty="0"/>
-                        <a:t>0</a:t>
-                      </a:r>
-                    </a:p>
-                  </a:txBody>
-                  <a:tcPr anchor="ctr"/>
-                </a:tc>
-                <a:tc>
-                  <a:txBody>
-                    <a:bodyPr/>
-                    <a:lstStyle/>
-                    <a:p>
-                      <a:pPr algn="ctr"/>
-                      <a:r>
-                        <a:rPr lang="en-IN" sz="1600" dirty="0"/>
-                        <a:t>1</a:t>
-                      </a:r>
-                    </a:p>
-                  </a:txBody>
-                  <a:tcPr anchor="ctr"/>
-                </a:tc>
-                <a:tc>
-                  <a:txBody>
-                    <a:bodyPr/>
-                    <a:lstStyle/>
-                    <a:p>
-                      <a:pPr algn="ctr"/>
-                      <a:r>
-                        <a:rPr lang="en-IN" sz="1600" dirty="0"/>
-                        <a:t>0</a:t>
-                      </a:r>
-                    </a:p>
-                  </a:txBody>
-                  <a:tcPr anchor="ctr"/>
-                </a:tc>
-                <a:tc>
-                  <a:txBody>
-                    <a:bodyPr/>
-                    <a:lstStyle/>
-                    <a:p>
-                      <a:pPr algn="ctr"/>
-                      <a:r>
-                        <a:rPr lang="en-IN" sz="1600" dirty="0"/>
-                        <a:t>1</a:t>
-                      </a:r>
-                    </a:p>
-                  </a:txBody>
-                  <a:tcPr anchor="ctr"/>
-                </a:tc>
-                <a:tc>
-                  <a:txBody>
-                    <a:bodyPr/>
-                    <a:lstStyle/>
-                    <a:p>
-                      <a:pPr algn="ctr"/>
-                      <a:r>
-                        <a:rPr lang="en-IN" sz="1600" dirty="0"/>
-                        <a:t>1</a:t>
-                      </a:r>
-                    </a:p>
-                  </a:txBody>
-                  <a:tcPr anchor="ctr"/>
-                </a:tc>
-                <a:extLst>
-                  <a:ext uri="{0D108BD9-81ED-4DB2-BD59-A6C34878D82A}">
-                    <a16:rowId xmlns="" xmlns:a16="http://schemas.microsoft.com/office/drawing/2014/main" val="3540775974"/>
-                  </a:ext>
-                </a:extLst>
-              </a:tr>
-              <a:tr h="165702">
-                <a:tc>
-                  <a:txBody>
-                    <a:bodyPr/>
-                    <a:lstStyle/>
-                    <a:p>
-                      <a:pPr algn="ctr"/>
-                      <a:r>
-                        <a:rPr lang="en-IN" sz="1600" dirty="0"/>
-                        <a:t>“cat”</a:t>
-                      </a:r>
-                    </a:p>
-                  </a:txBody>
-                  <a:tcPr anchor="ctr"/>
-                </a:tc>
-                <a:tc>
-                  <a:txBody>
-                    <a:bodyPr/>
-                    <a:lstStyle/>
-                    <a:p>
-                      <a:pPr algn="ctr"/>
-                      <a:r>
-                        <a:rPr lang="en-IN" sz="1600" dirty="0"/>
-                        <a:t>1</a:t>
-                      </a:r>
-                    </a:p>
-                  </a:txBody>
-                  <a:tcPr anchor="ctr"/>
-                </a:tc>
-                <a:tc>
-                  <a:txBody>
-                    <a:bodyPr/>
-                    <a:lstStyle/>
-                    <a:p>
-                      <a:pPr algn="ctr"/>
-                      <a:r>
-                        <a:rPr lang="en-IN" sz="1600" dirty="0"/>
-                        <a:t>0</a:t>
-                      </a:r>
-                    </a:p>
-                  </a:txBody>
-                  <a:tcPr anchor="ctr"/>
-                </a:tc>
-                <a:tc>
-                  <a:txBody>
-                    <a:bodyPr/>
-                    <a:lstStyle/>
-                    <a:p>
-                      <a:pPr algn="ctr"/>
-                      <a:r>
-                        <a:rPr lang="en-IN" sz="1600" dirty="0"/>
-                        <a:t>1</a:t>
-                      </a:r>
-                    </a:p>
-                  </a:txBody>
-                  <a:tcPr anchor="ctr"/>
-                </a:tc>
-                <a:tc>
-                  <a:txBody>
-                    <a:bodyPr/>
-                    <a:lstStyle/>
-                    <a:p>
-                      <a:pPr algn="ctr"/>
-                      <a:r>
-                        <a:rPr lang="en-IN" sz="1600" dirty="0"/>
-                        <a:t>0</a:t>
-                      </a:r>
-                    </a:p>
-                  </a:txBody>
-                  <a:tcPr anchor="ctr"/>
-                </a:tc>
-                <a:tc>
-                  <a:txBody>
-                    <a:bodyPr/>
-                    <a:lstStyle/>
-                    <a:p>
-                      <a:pPr algn="ctr"/>
-                      <a:r>
-                        <a:rPr lang="en-IN" sz="1600" dirty="0"/>
-                        <a:t>0</a:t>
-                      </a:r>
-                    </a:p>
-                  </a:txBody>
-                  <a:tcPr anchor="ctr"/>
-                </a:tc>
-                <a:extLst>
-                  <a:ext uri="{0D108BD9-81ED-4DB2-BD59-A6C34878D82A}">
-                    <a16:rowId xmlns="" xmlns:a16="http://schemas.microsoft.com/office/drawing/2014/main" val="2368716598"/>
-                  </a:ext>
-                </a:extLst>
-              </a:tr>
-              <a:tr h="165702">
-                <a:tc>
-                  <a:txBody>
-                    <a:bodyPr/>
-                    <a:lstStyle/>
-                    <a:p>
-                      <a:pPr algn="ctr"/>
-                      <a:r>
-                        <a:rPr lang="en-IN" sz="1600" dirty="0"/>
-                        <a:t>“sat”</a:t>
-                      </a:r>
-                    </a:p>
-                  </a:txBody>
-                  <a:tcPr anchor="ctr"/>
-                </a:tc>
-                <a:tc>
-                  <a:txBody>
-                    <a:bodyPr/>
-                    <a:lstStyle/>
-                    <a:p>
-                      <a:pPr algn="ctr"/>
-                      <a:r>
-                        <a:rPr lang="en-IN" sz="1600" dirty="0"/>
-                        <a:t>0</a:t>
-                      </a:r>
-                    </a:p>
-                  </a:txBody>
-                  <a:tcPr anchor="ctr"/>
-                </a:tc>
-                <a:tc>
-                  <a:txBody>
-                    <a:bodyPr/>
-                    <a:lstStyle/>
-                    <a:p>
-                      <a:pPr algn="ctr"/>
-                      <a:r>
-                        <a:rPr lang="en-IN" sz="1600" dirty="0"/>
-                        <a:t>1</a:t>
-                      </a:r>
-                    </a:p>
-                  </a:txBody>
-                  <a:tcPr anchor="ctr"/>
-                </a:tc>
-                <a:tc>
-                  <a:txBody>
-                    <a:bodyPr/>
-                    <a:lstStyle/>
-                    <a:p>
-                      <a:pPr algn="ctr"/>
-                      <a:r>
-                        <a:rPr lang="en-IN" sz="1600" dirty="0"/>
-                        <a:t>0</a:t>
-                      </a:r>
-                    </a:p>
-                  </a:txBody>
-                  <a:tcPr anchor="ctr"/>
-                </a:tc>
-                <a:tc>
-                  <a:txBody>
-                    <a:bodyPr/>
-                    <a:lstStyle/>
-                    <a:p>
-                      <a:pPr algn="ctr"/>
-                      <a:r>
-                        <a:rPr lang="en-IN" sz="1600" dirty="0"/>
-                        <a:t>1</a:t>
-                      </a:r>
-                    </a:p>
-                  </a:txBody>
-                  <a:tcPr anchor="ctr"/>
-                </a:tc>
-                <a:tc>
-                  <a:txBody>
-                    <a:bodyPr/>
-                    <a:lstStyle/>
-                    <a:p>
-                      <a:pPr algn="ctr"/>
-                      <a:r>
-                        <a:rPr lang="en-IN" sz="1600" dirty="0"/>
-                        <a:t>0</a:t>
-                      </a:r>
-                    </a:p>
-                  </a:txBody>
-                  <a:tcPr anchor="ctr"/>
-                </a:tc>
-                <a:extLst>
-                  <a:ext uri="{0D108BD9-81ED-4DB2-BD59-A6C34878D82A}">
-                    <a16:rowId xmlns="" xmlns:a16="http://schemas.microsoft.com/office/drawing/2014/main" val="3942807443"/>
-                  </a:ext>
-                </a:extLst>
-              </a:tr>
-              <a:tr h="165702">
-                <a:tc>
-                  <a:txBody>
-                    <a:bodyPr/>
-                    <a:lstStyle/>
-                    <a:p>
-                      <a:pPr algn="ctr"/>
-                      <a:r>
-                        <a:rPr lang="en-IN" sz="1600" dirty="0"/>
-                        <a:t>“on”</a:t>
-                      </a:r>
-                    </a:p>
-                  </a:txBody>
-                  <a:tcPr anchor="ctr"/>
-                </a:tc>
-                <a:tc>
-                  <a:txBody>
-                    <a:bodyPr/>
-                    <a:lstStyle/>
-                    <a:p>
-                      <a:pPr algn="ctr"/>
-                      <a:r>
-                        <a:rPr lang="en-IN" sz="1600" dirty="0"/>
-                        <a:t>1</a:t>
-                      </a:r>
-                    </a:p>
-                  </a:txBody>
-                  <a:tcPr anchor="ctr"/>
-                </a:tc>
-                <a:tc>
-                  <a:txBody>
-                    <a:bodyPr/>
-                    <a:lstStyle/>
-                    <a:p>
-                      <a:pPr algn="ctr"/>
-                      <a:r>
-                        <a:rPr lang="en-IN" sz="1600" dirty="0"/>
-                        <a:t>0</a:t>
-                      </a:r>
-                    </a:p>
-                  </a:txBody>
-                  <a:tcPr anchor="ctr"/>
-                </a:tc>
-                <a:tc>
-                  <a:txBody>
-                    <a:bodyPr/>
-                    <a:lstStyle/>
-                    <a:p>
-                      <a:pPr algn="ctr"/>
-                      <a:r>
-                        <a:rPr lang="en-IN" sz="1600" dirty="0"/>
-                        <a:t>1</a:t>
-                      </a:r>
-                    </a:p>
-                  </a:txBody>
-                  <a:tcPr anchor="ctr"/>
-                </a:tc>
-                <a:tc>
-                  <a:txBody>
-                    <a:bodyPr/>
-                    <a:lstStyle/>
-                    <a:p>
-                      <a:pPr algn="ctr"/>
-                      <a:r>
-                        <a:rPr lang="en-IN" sz="1600" dirty="0"/>
-                        <a:t>0</a:t>
-                      </a:r>
-                    </a:p>
-                  </a:txBody>
-                  <a:tcPr anchor="ctr"/>
-                </a:tc>
-                <a:tc>
-                  <a:txBody>
-                    <a:bodyPr/>
-                    <a:lstStyle/>
-                    <a:p>
-                      <a:pPr algn="ctr"/>
-                      <a:r>
-                        <a:rPr lang="en-IN" sz="1600" dirty="0"/>
-                        <a:t>0</a:t>
-                      </a:r>
-                    </a:p>
-                  </a:txBody>
-                  <a:tcPr anchor="ctr"/>
-                </a:tc>
-                <a:extLst>
-                  <a:ext uri="{0D108BD9-81ED-4DB2-BD59-A6C34878D82A}">
-                    <a16:rowId xmlns="" xmlns:a16="http://schemas.microsoft.com/office/drawing/2014/main" val="1314220991"/>
-                  </a:ext>
-                </a:extLst>
-              </a:tr>
-              <a:tr h="165702">
-                <a:tc>
-                  <a:txBody>
-                    <a:bodyPr/>
-                    <a:lstStyle/>
-                    <a:p>
-                      <a:pPr algn="ctr"/>
-                      <a:r>
-                        <a:rPr lang="en-IN" sz="1600" dirty="0"/>
-                        <a:t>“mat”</a:t>
-                      </a:r>
-                    </a:p>
-                  </a:txBody>
-                  <a:tcPr anchor="ctr"/>
-                </a:tc>
-                <a:tc>
-                  <a:txBody>
-                    <a:bodyPr/>
-                    <a:lstStyle/>
-                    <a:p>
-                      <a:pPr algn="ctr"/>
-                      <a:r>
-                        <a:rPr lang="en-IN" sz="1600" dirty="0"/>
-                        <a:t>1</a:t>
-                      </a:r>
-                    </a:p>
-                  </a:txBody>
-                  <a:tcPr anchor="ctr"/>
-                </a:tc>
-                <a:tc>
-                  <a:txBody>
-                    <a:bodyPr/>
-                    <a:lstStyle/>
-                    <a:p>
-                      <a:pPr algn="ctr"/>
-                      <a:r>
-                        <a:rPr lang="en-IN" sz="1600" dirty="0"/>
-                        <a:t>0</a:t>
-                      </a:r>
-                    </a:p>
-                  </a:txBody>
-                  <a:tcPr anchor="ctr"/>
-                </a:tc>
-                <a:tc>
-                  <a:txBody>
-                    <a:bodyPr/>
-                    <a:lstStyle/>
-                    <a:p>
-                      <a:pPr algn="ctr"/>
-                      <a:r>
-                        <a:rPr lang="en-IN" sz="1600" dirty="0"/>
-                        <a:t>0</a:t>
-                      </a:r>
-                    </a:p>
-                  </a:txBody>
-                  <a:tcPr anchor="ctr"/>
-                </a:tc>
-                <a:tc>
-                  <a:txBody>
-                    <a:bodyPr/>
-                    <a:lstStyle/>
-                    <a:p>
-                      <a:pPr algn="ctr"/>
-                      <a:r>
-                        <a:rPr lang="en-IN" sz="1600" dirty="0"/>
-                        <a:t>0</a:t>
-                      </a:r>
-                    </a:p>
-                  </a:txBody>
-                  <a:tcPr anchor="ctr"/>
-                </a:tc>
-                <a:tc>
-                  <a:txBody>
-                    <a:bodyPr/>
-                    <a:lstStyle/>
-                    <a:p>
-                      <a:pPr algn="ctr"/>
-                      <a:r>
-                        <a:rPr lang="en-IN" sz="1600" dirty="0"/>
-                        <a:t>0</a:t>
-                      </a:r>
-                    </a:p>
-                  </a:txBody>
-                  <a:tcPr anchor="ctr"/>
-                </a:tc>
-                <a:extLst>
-                  <a:ext uri="{0D108BD9-81ED-4DB2-BD59-A6C34878D82A}">
-                    <a16:rowId xmlns="" xmlns:a16="http://schemas.microsoft.com/office/drawing/2014/main" val="2799734191"/>
-                  </a:ext>
-                </a:extLst>
-              </a:tr>
-            </a:tbl>
-          </a:graphicData>
-        </a:graphic>
-      </p:graphicFrame>
-      <p:sp>
-        <p:nvSpPr>
-          <p:cNvPr id="8" name="TextBox 7">
-            <a:extLst>
-              <a:ext uri="{FF2B5EF4-FFF2-40B4-BE49-F238E27FC236}">
-                <a16:creationId xmlns="" xmlns:a16="http://schemas.microsoft.com/office/drawing/2014/main" id="{FA61114D-D3FC-4884-80F9-86AD98153890}"/>
-              </a:ext>
-            </a:extLst>
-          </p:cNvPr>
-          <p:cNvSpPr txBox="1"/>
-          <p:nvPr/>
-        </p:nvSpPr>
-        <p:spPr>
-          <a:xfrm>
-            <a:off x="7553739" y="136525"/>
-            <a:ext cx="184731" cy="369332"/>
-          </a:xfrm>
-          <a:prstGeom prst="rect">
-            <a:avLst/>
-          </a:prstGeom>
-          <a:noFill/>
-        </p:spPr>
-        <p:txBody>
-          <a:bodyPr wrap="none" rtlCol="0">
-            <a:spAutoFit/>
-          </a:bodyPr>
-          <a:lstStyle/>
-          <a:p>
-            <a:pPr algn="just"/>
-            <a:endParaRPr lang="en-IN" dirty="0"/>
-          </a:p>
-        </p:txBody>
-      </p:sp>
-    </p:spTree>
-    <p:extLst>
-      <p:ext uri="{BB962C8B-B14F-4D97-AF65-F5344CB8AC3E}">
-        <p14:creationId xmlns:p14="http://schemas.microsoft.com/office/powerpoint/2010/main" val="4193493783"/>
-      </p:ext>
-    </p:extLst>
-  </p:cSld>
-  <p:clrMapOvr>
-    <a:masterClrMapping/>
-  </p:clrMapOvr>
-  <p:timing>
-    <p:tnLst>
-      <p:par>
-        <p:cTn id="1" dur="indefinite" restart="never" nodeType="tmRoot"/>
-      </p:par>
-    </p:tnLst>
-  </p:timing>
-</p:sld>
-</file>
-
-<file path=ppt/slides/slide35.xml><?xml version="1.0" encoding="utf-8"?>
-<p:sld xmlns:a="http://schemas.openxmlformats.org/drawingml/2006/main" xmlns:r="http://schemas.openxmlformats.org/officeDocument/2006/relationships" xmlns:p="http://schemas.openxmlformats.org/presentationml/2006/main">
-  <p:cSld>
-    <p:spTree>
-      <p:nvGrpSpPr>
-        <p:cNvPr id="1" name=""/>
-        <p:cNvGrpSpPr/>
-        <p:nvPr/>
-      </p:nvGrpSpPr>
-      <p:grpSpPr>
-        <a:xfrm>
-          <a:off x="0" y="0"/>
-          <a:ext cx="0" cy="0"/>
-          <a:chOff x="0" y="0"/>
-          <a:chExt cx="0" cy="0"/>
-        </a:xfrm>
-      </p:grpSpPr>
-      <p:sp>
-        <p:nvSpPr>
-          <p:cNvPr id="2" name="Title 1">
-            <a:extLst>
-              <a:ext uri="{FF2B5EF4-FFF2-40B4-BE49-F238E27FC236}">
-                <a16:creationId xmlns="" xmlns:a16="http://schemas.microsoft.com/office/drawing/2014/main" id="{9F53C0E6-5CA5-48E1-B370-E678425399F4}"/>
-              </a:ext>
-            </a:extLst>
-          </p:cNvPr>
-          <p:cNvSpPr>
-            <a:spLocks noGrp="1"/>
-          </p:cNvSpPr>
-          <p:nvPr>
-            <p:ph type="title"/>
-          </p:nvPr>
-        </p:nvSpPr>
-        <p:spPr>
-          <a:xfrm>
-            <a:off x="838200" y="365125"/>
-            <a:ext cx="10515600" cy="827571"/>
-          </a:xfrm>
-        </p:spPr>
-        <p:txBody>
-          <a:bodyPr/>
-          <a:lstStyle/>
-          <a:p>
-            <a:r>
-              <a:rPr lang="en-IN" dirty="0"/>
-              <a:t>Training &amp; Neural Networks Specific</a:t>
-            </a:r>
-          </a:p>
-        </p:txBody>
-      </p:sp>
-      <p:sp>
-        <p:nvSpPr>
-          <p:cNvPr id="3" name="Content Placeholder 2">
-            <a:extLst>
-              <a:ext uri="{FF2B5EF4-FFF2-40B4-BE49-F238E27FC236}">
-                <a16:creationId xmlns="" xmlns:a16="http://schemas.microsoft.com/office/drawing/2014/main" id="{F0A4581A-26B3-40E7-A945-90C4D9B58292}"/>
-              </a:ext>
-            </a:extLst>
-          </p:cNvPr>
-          <p:cNvSpPr>
-            <a:spLocks noGrp="1"/>
-          </p:cNvSpPr>
-          <p:nvPr>
-            <p:ph idx="1"/>
-          </p:nvPr>
-        </p:nvSpPr>
-        <p:spPr>
-          <a:xfrm>
-            <a:off x="838200" y="1192696"/>
-            <a:ext cx="10515600" cy="4984267"/>
-          </a:xfrm>
-        </p:spPr>
-        <p:txBody>
-          <a:bodyPr>
-            <a:normAutofit/>
-          </a:bodyPr>
-          <a:lstStyle/>
-          <a:p>
-            <a:pPr algn="just">
-              <a:lnSpc>
-                <a:spcPct val="100000"/>
-              </a:lnSpc>
-              <a:spcBef>
-                <a:spcPts val="0"/>
-              </a:spcBef>
-              <a:buFont typeface="Wingdings" panose="05000000000000000000" pitchFamily="2" charset="2"/>
-              <a:buChar char="Ø"/>
-            </a:pPr>
-            <a:r>
-              <a:rPr lang="en-IN" sz="2000" dirty="0"/>
-              <a:t>Neural Network Framework: </a:t>
-            </a:r>
-            <a:r>
-              <a:rPr lang="en-IN" sz="2000" dirty="0" err="1"/>
-              <a:t>Keras</a:t>
-            </a:r>
-            <a:r>
-              <a:rPr lang="en-IN" sz="2000" dirty="0"/>
-              <a:t> (version: 2.4.3)</a:t>
-            </a:r>
-          </a:p>
-          <a:p>
-            <a:pPr algn="just">
-              <a:lnSpc>
-                <a:spcPct val="100000"/>
-              </a:lnSpc>
-              <a:spcBef>
-                <a:spcPts val="0"/>
-              </a:spcBef>
-              <a:buFont typeface="Wingdings" panose="05000000000000000000" pitchFamily="2" charset="2"/>
-              <a:buChar char="Ø"/>
-            </a:pPr>
-            <a:endParaRPr lang="en-IN" sz="2000" dirty="0"/>
-          </a:p>
-          <a:p>
-            <a:pPr algn="just">
-              <a:lnSpc>
-                <a:spcPct val="100000"/>
-              </a:lnSpc>
-              <a:spcBef>
-                <a:spcPts val="0"/>
-              </a:spcBef>
-              <a:buFont typeface="Wingdings" panose="05000000000000000000" pitchFamily="2" charset="2"/>
-              <a:buChar char="Ø"/>
-            </a:pPr>
-            <a:endParaRPr lang="en-IN" sz="2000" dirty="0"/>
-          </a:p>
-          <a:p>
-            <a:pPr algn="just">
-              <a:lnSpc>
-                <a:spcPct val="100000"/>
-              </a:lnSpc>
-              <a:spcBef>
-                <a:spcPts val="0"/>
-              </a:spcBef>
-              <a:buFont typeface="Wingdings" panose="05000000000000000000" pitchFamily="2" charset="2"/>
-              <a:buChar char="Ø"/>
-            </a:pPr>
-            <a:r>
-              <a:rPr lang="en-IN" sz="2000" dirty="0"/>
-              <a:t>Pre-trained models used: 	1. </a:t>
-            </a:r>
-            <a:r>
-              <a:rPr lang="en-IN" sz="2000" dirty="0" smtClean="0"/>
-              <a:t>VGG-16</a:t>
-            </a:r>
-            <a:r>
-              <a:rPr lang="en-IN" sz="2000" dirty="0"/>
-              <a:t>		2. </a:t>
-            </a:r>
-            <a:r>
-              <a:rPr lang="en-IN" sz="2000" dirty="0" err="1"/>
-              <a:t>GloVe</a:t>
-            </a:r>
-            <a:endParaRPr lang="en-IN" sz="2000" dirty="0"/>
-          </a:p>
-          <a:p>
-            <a:pPr algn="just">
-              <a:lnSpc>
-                <a:spcPct val="100000"/>
-              </a:lnSpc>
-              <a:spcBef>
-                <a:spcPts val="0"/>
-              </a:spcBef>
-              <a:buFont typeface="Wingdings" panose="05000000000000000000" pitchFamily="2" charset="2"/>
-              <a:buChar char="Ø"/>
-            </a:pPr>
-            <a:r>
-              <a:rPr lang="en-IN" sz="2000" dirty="0"/>
-              <a:t>It is clear from the previous tables (X and Y) that the data is time-series based where sequence matters a lot (as it builds context of captions, every next word is dependent on the current word), thus RNN with LSTM (Long Short Term Memory) cells is used here.</a:t>
-            </a:r>
-          </a:p>
-          <a:p>
-            <a:pPr algn="just">
-              <a:lnSpc>
-                <a:spcPct val="100000"/>
-              </a:lnSpc>
-              <a:spcBef>
-                <a:spcPts val="0"/>
-              </a:spcBef>
-              <a:buFont typeface="Wingdings" panose="05000000000000000000" pitchFamily="2" charset="2"/>
-              <a:buChar char="Ø"/>
-            </a:pPr>
-            <a:r>
-              <a:rPr lang="en-IN" sz="2000" dirty="0"/>
-              <a:t>As it is said earlier that the classical Encoder-Decoder solution is implemented here. Following is the architecture of this solution:</a:t>
-            </a:r>
-          </a:p>
-        </p:txBody>
-      </p:sp>
-      <p:sp>
-        <p:nvSpPr>
-          <p:cNvPr id="4" name="Footer Placeholder 3">
-            <a:extLst>
-              <a:ext uri="{FF2B5EF4-FFF2-40B4-BE49-F238E27FC236}">
-                <a16:creationId xmlns="" xmlns:a16="http://schemas.microsoft.com/office/drawing/2014/main" id="{540972A1-4BB3-4D04-B4DF-C76BA9B5CAD8}"/>
-              </a:ext>
-            </a:extLst>
-          </p:cNvPr>
-          <p:cNvSpPr>
-            <a:spLocks noGrp="1"/>
-          </p:cNvSpPr>
-          <p:nvPr>
-            <p:ph type="ftr" sz="quarter" idx="11"/>
-          </p:nvPr>
-        </p:nvSpPr>
-        <p:spPr/>
-        <p:txBody>
-          <a:bodyPr/>
-          <a:lstStyle/>
-          <a:p>
-            <a:r>
-              <a:rPr lang="en-US"/>
-              <a:t>Sanjay Singh | san.singhsanjay@gmail.com</a:t>
-            </a:r>
-            <a:endParaRPr lang="en-IN"/>
-          </a:p>
-        </p:txBody>
-      </p:sp>
-      <p:sp>
-        <p:nvSpPr>
-          <p:cNvPr id="5" name="Slide Number Placeholder 4">
-            <a:extLst>
-              <a:ext uri="{FF2B5EF4-FFF2-40B4-BE49-F238E27FC236}">
-                <a16:creationId xmlns="" xmlns:a16="http://schemas.microsoft.com/office/drawing/2014/main" id="{23B5C741-F1AB-463E-B229-974B2924B065}"/>
-              </a:ext>
-            </a:extLst>
-          </p:cNvPr>
-          <p:cNvSpPr>
-            <a:spLocks noGrp="1"/>
-          </p:cNvSpPr>
-          <p:nvPr>
-            <p:ph type="sldNum" sz="quarter" idx="12"/>
-          </p:nvPr>
-        </p:nvSpPr>
-        <p:spPr/>
-        <p:txBody>
-          <a:bodyPr/>
-          <a:lstStyle/>
-          <a:p>
-            <a:fld id="{EC53106F-9B43-4B1F-BCB9-D94FA7734D96}" type="slidenum">
-              <a:rPr lang="en-IN" smtClean="0"/>
-              <a:t>35</a:t>
             </a:fld>
             <a:endParaRPr lang="en-IN"/>
           </a:p>
@@ -29222,7 +28197,7 @@
 </p:sld>
 </file>
 
-<file path=ppt/slides/slide36.xml><?xml version="1.0" encoding="utf-8"?>
+<file path=ppt/slides/slide35.xml><?xml version="1.0" encoding="utf-8"?>
 <p:sld xmlns:a="http://schemas.openxmlformats.org/drawingml/2006/main" xmlns:r="http://schemas.openxmlformats.org/officeDocument/2006/relationships" xmlns:p="http://schemas.openxmlformats.org/presentationml/2006/main">
   <p:cSld>
     <p:spTree>
@@ -29561,7 +28536,7 @@
           <a:p>
             <a:fld id="{EC53106F-9B43-4B1F-BCB9-D94FA7734D96}" type="slidenum">
               <a:rPr lang="en-IN" smtClean="0"/>
-              <a:t>36</a:t>
+              <a:t>35</a:t>
             </a:fld>
             <a:endParaRPr lang="en-IN"/>
           </a:p>
@@ -31142,7 +30117,7 @@
 </p:sld>
 </file>
 
-<file path=ppt/slides/slide37.xml><?xml version="1.0" encoding="utf-8"?>
+<file path=ppt/slides/slide36.xml><?xml version="1.0" encoding="utf-8"?>
 <p:sld xmlns:a="http://schemas.openxmlformats.org/drawingml/2006/main" xmlns:r="http://schemas.openxmlformats.org/officeDocument/2006/relationships" xmlns:p="http://schemas.openxmlformats.org/presentationml/2006/main">
   <p:cSld>
     <p:spTree>
@@ -31289,7 +30264,7 @@
           <a:p>
             <a:fld id="{EC53106F-9B43-4B1F-BCB9-D94FA7734D96}" type="slidenum">
               <a:rPr lang="en-IN" smtClean="0"/>
-              <a:t>37</a:t>
+              <a:t>36</a:t>
             </a:fld>
             <a:endParaRPr lang="en-IN"/>
           </a:p>
@@ -31351,6 +30326,514 @@
 </p:sld>
 </file>
 
+<file path=ppt/slides/slide37.xml><?xml version="1.0" encoding="utf-8"?>
+<p:sld xmlns:a="http://schemas.openxmlformats.org/drawingml/2006/main" xmlns:r="http://schemas.openxmlformats.org/officeDocument/2006/relationships" xmlns:p="http://schemas.openxmlformats.org/presentationml/2006/main">
+  <p:cSld>
+    <p:spTree>
+      <p:nvGrpSpPr>
+        <p:cNvPr id="1" name=""/>
+        <p:cNvGrpSpPr/>
+        <p:nvPr/>
+      </p:nvGrpSpPr>
+      <p:grpSpPr>
+        <a:xfrm>
+          <a:off x="0" y="0"/>
+          <a:ext cx="0" cy="0"/>
+          <a:chOff x="0" y="0"/>
+          <a:chExt cx="0" cy="0"/>
+        </a:xfrm>
+      </p:grpSpPr>
+      <p:sp>
+        <p:nvSpPr>
+          <p:cNvPr id="2" name="Title 1">
+            <a:extLst>
+              <a:ext uri="{FF2B5EF4-FFF2-40B4-BE49-F238E27FC236}">
+                <a16:creationId xmlns="" xmlns:a16="http://schemas.microsoft.com/office/drawing/2014/main" id="{9F53C0E6-5CA5-48E1-B370-E678425399F4}"/>
+              </a:ext>
+            </a:extLst>
+          </p:cNvPr>
+          <p:cNvSpPr>
+            <a:spLocks noGrp="1"/>
+          </p:cNvSpPr>
+          <p:nvPr>
+            <p:ph type="title"/>
+          </p:nvPr>
+        </p:nvSpPr>
+        <p:spPr>
+          <a:xfrm>
+            <a:off x="838200" y="365125"/>
+            <a:ext cx="10515600" cy="827571"/>
+          </a:xfrm>
+        </p:spPr>
+        <p:txBody>
+          <a:bodyPr/>
+          <a:lstStyle/>
+          <a:p>
+            <a:r>
+              <a:rPr lang="en-IN" dirty="0"/>
+              <a:t>Training &amp; Neural Networks Specific…</a:t>
+            </a:r>
+          </a:p>
+        </p:txBody>
+      </p:sp>
+      <p:sp>
+        <p:nvSpPr>
+          <p:cNvPr id="3" name="Content Placeholder 2">
+            <a:extLst>
+              <a:ext uri="{FF2B5EF4-FFF2-40B4-BE49-F238E27FC236}">
+                <a16:creationId xmlns="" xmlns:a16="http://schemas.microsoft.com/office/drawing/2014/main" id="{F0A4581A-26B3-40E7-A945-90C4D9B58292}"/>
+              </a:ext>
+            </a:extLst>
+          </p:cNvPr>
+          <p:cNvSpPr>
+            <a:spLocks noGrp="1"/>
+          </p:cNvSpPr>
+          <p:nvPr>
+            <p:ph idx="1"/>
+          </p:nvPr>
+        </p:nvSpPr>
+        <p:spPr>
+          <a:xfrm>
+            <a:off x="838200" y="1192696"/>
+            <a:ext cx="10515600" cy="4984267"/>
+          </a:xfrm>
+        </p:spPr>
+        <p:txBody>
+          <a:bodyPr>
+            <a:normAutofit lnSpcReduction="10000"/>
+          </a:bodyPr>
+          <a:lstStyle/>
+          <a:p>
+            <a:pPr algn="just">
+              <a:lnSpc>
+                <a:spcPct val="100000"/>
+              </a:lnSpc>
+              <a:spcBef>
+                <a:spcPts val="0"/>
+              </a:spcBef>
+              <a:buFont typeface="Wingdings" panose="05000000000000000000" pitchFamily="2" charset="2"/>
+              <a:buChar char="Ø"/>
+            </a:pPr>
+            <a:r>
+              <a:rPr lang="en-IN" sz="2000" dirty="0"/>
+              <a:t>In the previous neural network code, there is an “Embedding” layer in which we have loaded the </a:t>
+            </a:r>
+            <a:r>
+              <a:rPr lang="en-IN" sz="2000" dirty="0" err="1"/>
+              <a:t>embedding_matrix</a:t>
+            </a:r>
+            <a:r>
+              <a:rPr lang="en-IN" sz="2000" dirty="0"/>
+              <a:t> which has </a:t>
+            </a:r>
+            <a:r>
+              <a:rPr lang="en-IN" sz="2000" dirty="0" err="1"/>
+              <a:t>GloVe</a:t>
+            </a:r>
+            <a:r>
+              <a:rPr lang="en-IN" sz="2000" dirty="0"/>
+              <a:t> bottleneck features (200 dimensional) of all words in our vocabulary.txt file. Following is the purpose of “Embedding” layer:</a:t>
+            </a:r>
+          </a:p>
+          <a:p>
+            <a:pPr lvl="1" algn="just">
+              <a:lnSpc>
+                <a:spcPct val="100000"/>
+              </a:lnSpc>
+              <a:spcBef>
+                <a:spcPts val="0"/>
+              </a:spcBef>
+              <a:buFont typeface="Wingdings" panose="05000000000000000000" pitchFamily="2" charset="2"/>
+              <a:buChar char="§"/>
+            </a:pPr>
+            <a:r>
+              <a:rPr lang="en-IN" sz="1800" dirty="0"/>
+              <a:t>Embedding Layer is one of the available layers in </a:t>
+            </a:r>
+            <a:r>
+              <a:rPr lang="en-IN" sz="1800" dirty="0" err="1"/>
+              <a:t>Keras</a:t>
+            </a:r>
+            <a:r>
+              <a:rPr lang="en-IN" sz="1800" dirty="0"/>
+              <a:t>.</a:t>
+            </a:r>
+          </a:p>
+          <a:p>
+            <a:pPr lvl="1" algn="just">
+              <a:lnSpc>
+                <a:spcPct val="100000"/>
+              </a:lnSpc>
+              <a:spcBef>
+                <a:spcPts val="0"/>
+              </a:spcBef>
+              <a:buFont typeface="Wingdings" panose="05000000000000000000" pitchFamily="2" charset="2"/>
+              <a:buChar char="§"/>
+            </a:pPr>
+            <a:r>
+              <a:rPr lang="en-IN" sz="1800" dirty="0"/>
+              <a:t>This layer is mainly useful in Natural Language Processing (NLP), and thus in Natural Language Generation (NLG).</a:t>
+            </a:r>
+          </a:p>
+          <a:p>
+            <a:pPr lvl="1" algn="just">
+              <a:lnSpc>
+                <a:spcPct val="100000"/>
+              </a:lnSpc>
+              <a:spcBef>
+                <a:spcPts val="0"/>
+              </a:spcBef>
+              <a:buFont typeface="Wingdings" panose="05000000000000000000" pitchFamily="2" charset="2"/>
+              <a:buChar char="§"/>
+            </a:pPr>
+            <a:r>
+              <a:rPr lang="en-IN" sz="1800" dirty="0"/>
+              <a:t>In NLP (or NLG), one can use pre-trained word embeddings such as </a:t>
+            </a:r>
+            <a:r>
+              <a:rPr lang="en-IN" sz="1800" dirty="0" err="1"/>
+              <a:t>GloVe</a:t>
+            </a:r>
+            <a:r>
+              <a:rPr lang="en-IN" sz="1800" dirty="0"/>
+              <a:t>. Alternatively, one can also train our own embeddings using </a:t>
+            </a:r>
+            <a:r>
+              <a:rPr lang="en-IN" sz="1800" dirty="0" err="1"/>
+              <a:t>Keras</a:t>
+            </a:r>
+            <a:r>
+              <a:rPr lang="en-IN" sz="1800" dirty="0"/>
+              <a:t> embedding layer.</a:t>
+            </a:r>
+          </a:p>
+          <a:p>
+            <a:pPr lvl="1" algn="just">
+              <a:lnSpc>
+                <a:spcPct val="100000"/>
+              </a:lnSpc>
+              <a:spcBef>
+                <a:spcPts val="0"/>
+              </a:spcBef>
+              <a:buFont typeface="Wingdings" panose="05000000000000000000" pitchFamily="2" charset="2"/>
+              <a:buChar char="§"/>
+            </a:pPr>
+            <a:r>
+              <a:rPr lang="en-IN" sz="1800" dirty="0"/>
+              <a:t>Word Embeddings can be thought of as an alternate to one-hot encoding along with dimensionality reduction.</a:t>
+            </a:r>
+          </a:p>
+          <a:p>
+            <a:pPr lvl="1" algn="just">
+              <a:lnSpc>
+                <a:spcPct val="100000"/>
+              </a:lnSpc>
+              <a:spcBef>
+                <a:spcPts val="0"/>
+              </a:spcBef>
+              <a:buFont typeface="Wingdings" panose="05000000000000000000" pitchFamily="2" charset="2"/>
+              <a:buChar char="§"/>
+            </a:pPr>
+            <a:r>
+              <a:rPr lang="en-IN" sz="1800" dirty="0"/>
+              <a:t>As we know that while dealing with textual data, we need to convert it into numbers before feeding into any machine learning model. This can be simply done by considering each word as a class (or category) and transforming every word into one-hot vectors). Thus, if we have 10,000 words in our vocabulary (i.e., 10,000 unique words, then a matrix of 10,000 x 10,000 will form where each row will have only one “1” and rest are zero. Following are the two issues with this approach:</a:t>
+            </a:r>
+          </a:p>
+          <a:p>
+            <a:pPr marL="1257300" lvl="2" indent="-342900" algn="just">
+              <a:lnSpc>
+                <a:spcPct val="100000"/>
+              </a:lnSpc>
+              <a:spcBef>
+                <a:spcPts val="0"/>
+              </a:spcBef>
+              <a:buFont typeface="+mj-lt"/>
+              <a:buAutoNum type="arabicPeriod"/>
+            </a:pPr>
+            <a:r>
+              <a:rPr lang="en-IN" sz="1800" dirty="0"/>
+              <a:t>This will require a lot of storage space.</a:t>
+            </a:r>
+          </a:p>
+          <a:p>
+            <a:pPr marL="1257300" lvl="2" indent="-342900" algn="just">
+              <a:lnSpc>
+                <a:spcPct val="100000"/>
+              </a:lnSpc>
+              <a:spcBef>
+                <a:spcPts val="0"/>
+              </a:spcBef>
+              <a:buFont typeface="+mj-lt"/>
+              <a:buAutoNum type="arabicPeriod"/>
+            </a:pPr>
+            <a:r>
+              <a:rPr lang="en-IN" sz="1800" dirty="0"/>
+              <a:t>This will reduce model’s efficiency as there will not be any mathematical justification for such representation</a:t>
+            </a:r>
+            <a:endParaRPr lang="en-IN" sz="2000" dirty="0"/>
+          </a:p>
+          <a:p>
+            <a:pPr algn="just">
+              <a:lnSpc>
+                <a:spcPct val="100000"/>
+              </a:lnSpc>
+              <a:spcBef>
+                <a:spcPts val="0"/>
+              </a:spcBef>
+              <a:buFont typeface="Wingdings" panose="05000000000000000000" pitchFamily="2" charset="2"/>
+              <a:buChar char="Ø"/>
+            </a:pPr>
+            <a:endParaRPr lang="en-IN" sz="2000" dirty="0"/>
+          </a:p>
+          <a:p>
+            <a:pPr algn="just">
+              <a:lnSpc>
+                <a:spcPct val="100000"/>
+              </a:lnSpc>
+              <a:spcBef>
+                <a:spcPts val="0"/>
+              </a:spcBef>
+              <a:buFont typeface="Wingdings" panose="05000000000000000000" pitchFamily="2" charset="2"/>
+              <a:buChar char="Ø"/>
+            </a:pPr>
+            <a:endParaRPr lang="en-IN" sz="2000" dirty="0"/>
+          </a:p>
+          <a:p>
+            <a:pPr algn="just">
+              <a:lnSpc>
+                <a:spcPct val="100000"/>
+              </a:lnSpc>
+              <a:spcBef>
+                <a:spcPts val="0"/>
+              </a:spcBef>
+              <a:buFont typeface="Wingdings" panose="05000000000000000000" pitchFamily="2" charset="2"/>
+              <a:buChar char="Ø"/>
+            </a:pPr>
+            <a:endParaRPr lang="en-IN" sz="2000" dirty="0"/>
+          </a:p>
+          <a:p>
+            <a:pPr algn="just">
+              <a:lnSpc>
+                <a:spcPct val="100000"/>
+              </a:lnSpc>
+              <a:spcBef>
+                <a:spcPts val="0"/>
+              </a:spcBef>
+              <a:buFont typeface="Wingdings" panose="05000000000000000000" pitchFamily="2" charset="2"/>
+              <a:buChar char="Ø"/>
+            </a:pPr>
+            <a:endParaRPr lang="en-IN" sz="2000" dirty="0"/>
+          </a:p>
+          <a:p>
+            <a:pPr algn="just">
+              <a:lnSpc>
+                <a:spcPct val="100000"/>
+              </a:lnSpc>
+              <a:spcBef>
+                <a:spcPts val="0"/>
+              </a:spcBef>
+              <a:buFont typeface="Wingdings" panose="05000000000000000000" pitchFamily="2" charset="2"/>
+              <a:buChar char="Ø"/>
+            </a:pPr>
+            <a:endParaRPr lang="en-IN" sz="2000" dirty="0"/>
+          </a:p>
+          <a:p>
+            <a:pPr algn="just">
+              <a:lnSpc>
+                <a:spcPct val="100000"/>
+              </a:lnSpc>
+              <a:spcBef>
+                <a:spcPts val="0"/>
+              </a:spcBef>
+              <a:buFont typeface="Wingdings" panose="05000000000000000000" pitchFamily="2" charset="2"/>
+              <a:buChar char="Ø"/>
+            </a:pPr>
+            <a:endParaRPr lang="en-IN" sz="2000" dirty="0"/>
+          </a:p>
+          <a:p>
+            <a:pPr algn="just">
+              <a:lnSpc>
+                <a:spcPct val="100000"/>
+              </a:lnSpc>
+              <a:spcBef>
+                <a:spcPts val="0"/>
+              </a:spcBef>
+              <a:buFont typeface="Wingdings" panose="05000000000000000000" pitchFamily="2" charset="2"/>
+              <a:buChar char="Ø"/>
+            </a:pPr>
+            <a:endParaRPr lang="en-IN" sz="2000" dirty="0"/>
+          </a:p>
+          <a:p>
+            <a:pPr algn="just">
+              <a:lnSpc>
+                <a:spcPct val="100000"/>
+              </a:lnSpc>
+              <a:spcBef>
+                <a:spcPts val="0"/>
+              </a:spcBef>
+              <a:buFont typeface="Wingdings" panose="05000000000000000000" pitchFamily="2" charset="2"/>
+              <a:buChar char="Ø"/>
+            </a:pPr>
+            <a:endParaRPr lang="en-IN" sz="2000" dirty="0"/>
+          </a:p>
+          <a:p>
+            <a:pPr algn="just">
+              <a:lnSpc>
+                <a:spcPct val="100000"/>
+              </a:lnSpc>
+              <a:spcBef>
+                <a:spcPts val="0"/>
+              </a:spcBef>
+              <a:buFont typeface="Wingdings" panose="05000000000000000000" pitchFamily="2" charset="2"/>
+              <a:buChar char="Ø"/>
+            </a:pPr>
+            <a:endParaRPr lang="en-IN" sz="2000" dirty="0"/>
+          </a:p>
+          <a:p>
+            <a:pPr algn="just">
+              <a:lnSpc>
+                <a:spcPct val="100000"/>
+              </a:lnSpc>
+              <a:spcBef>
+                <a:spcPts val="0"/>
+              </a:spcBef>
+              <a:buFont typeface="Wingdings" panose="05000000000000000000" pitchFamily="2" charset="2"/>
+              <a:buChar char="Ø"/>
+            </a:pPr>
+            <a:endParaRPr lang="en-IN" sz="2000" dirty="0"/>
+          </a:p>
+          <a:p>
+            <a:pPr algn="just">
+              <a:lnSpc>
+                <a:spcPct val="100000"/>
+              </a:lnSpc>
+              <a:spcBef>
+                <a:spcPts val="0"/>
+              </a:spcBef>
+              <a:buFont typeface="Wingdings" panose="05000000000000000000" pitchFamily="2" charset="2"/>
+              <a:buChar char="Ø"/>
+            </a:pPr>
+            <a:endParaRPr lang="en-IN" sz="2000" dirty="0"/>
+          </a:p>
+          <a:p>
+            <a:pPr algn="just">
+              <a:lnSpc>
+                <a:spcPct val="100000"/>
+              </a:lnSpc>
+              <a:spcBef>
+                <a:spcPts val="0"/>
+              </a:spcBef>
+              <a:buFont typeface="Wingdings" panose="05000000000000000000" pitchFamily="2" charset="2"/>
+              <a:buChar char="Ø"/>
+            </a:pPr>
+            <a:endParaRPr lang="en-IN" sz="2000" dirty="0"/>
+          </a:p>
+          <a:p>
+            <a:pPr algn="just">
+              <a:lnSpc>
+                <a:spcPct val="100000"/>
+              </a:lnSpc>
+              <a:spcBef>
+                <a:spcPts val="0"/>
+              </a:spcBef>
+              <a:buFont typeface="Wingdings" panose="05000000000000000000" pitchFamily="2" charset="2"/>
+              <a:buChar char="Ø"/>
+            </a:pPr>
+            <a:endParaRPr lang="en-IN" sz="2000" dirty="0"/>
+          </a:p>
+          <a:p>
+            <a:pPr algn="just">
+              <a:lnSpc>
+                <a:spcPct val="100000"/>
+              </a:lnSpc>
+              <a:spcBef>
+                <a:spcPts val="0"/>
+              </a:spcBef>
+              <a:buFont typeface="Wingdings" panose="05000000000000000000" pitchFamily="2" charset="2"/>
+              <a:buChar char="Ø"/>
+            </a:pPr>
+            <a:endParaRPr lang="en-IN" sz="2000" dirty="0"/>
+          </a:p>
+        </p:txBody>
+      </p:sp>
+      <p:sp>
+        <p:nvSpPr>
+          <p:cNvPr id="4" name="Footer Placeholder 3">
+            <a:extLst>
+              <a:ext uri="{FF2B5EF4-FFF2-40B4-BE49-F238E27FC236}">
+                <a16:creationId xmlns="" xmlns:a16="http://schemas.microsoft.com/office/drawing/2014/main" id="{540972A1-4BB3-4D04-B4DF-C76BA9B5CAD8}"/>
+              </a:ext>
+            </a:extLst>
+          </p:cNvPr>
+          <p:cNvSpPr>
+            <a:spLocks noGrp="1"/>
+          </p:cNvSpPr>
+          <p:nvPr>
+            <p:ph type="ftr" sz="quarter" idx="11"/>
+          </p:nvPr>
+        </p:nvSpPr>
+        <p:spPr/>
+        <p:txBody>
+          <a:bodyPr/>
+          <a:lstStyle/>
+          <a:p>
+            <a:r>
+              <a:rPr lang="en-US"/>
+              <a:t>Sanjay Singh | san.singhsanjay@gmail.com</a:t>
+            </a:r>
+            <a:endParaRPr lang="en-IN"/>
+          </a:p>
+        </p:txBody>
+      </p:sp>
+      <p:sp>
+        <p:nvSpPr>
+          <p:cNvPr id="5" name="Slide Number Placeholder 4">
+            <a:extLst>
+              <a:ext uri="{FF2B5EF4-FFF2-40B4-BE49-F238E27FC236}">
+                <a16:creationId xmlns="" xmlns:a16="http://schemas.microsoft.com/office/drawing/2014/main" id="{23B5C741-F1AB-463E-B229-974B2924B065}"/>
+              </a:ext>
+            </a:extLst>
+          </p:cNvPr>
+          <p:cNvSpPr>
+            <a:spLocks noGrp="1"/>
+          </p:cNvSpPr>
+          <p:nvPr>
+            <p:ph type="sldNum" sz="quarter" idx="12"/>
+          </p:nvPr>
+        </p:nvSpPr>
+        <p:spPr/>
+        <p:txBody>
+          <a:bodyPr/>
+          <a:lstStyle/>
+          <a:p>
+            <a:fld id="{EC53106F-9B43-4B1F-BCB9-D94FA7734D96}" type="slidenum">
+              <a:rPr lang="en-IN" smtClean="0"/>
+              <a:t>37</a:t>
+            </a:fld>
+            <a:endParaRPr lang="en-IN"/>
+          </a:p>
+        </p:txBody>
+      </p:sp>
+    </p:spTree>
+    <p:extLst>
+      <p:ext uri="{BB962C8B-B14F-4D97-AF65-F5344CB8AC3E}">
+        <p14:creationId xmlns:p14="http://schemas.microsoft.com/office/powerpoint/2010/main" val="1537332895"/>
+      </p:ext>
+    </p:extLst>
+  </p:cSld>
+  <p:clrMapOvr>
+    <a:masterClrMapping/>
+  </p:clrMapOvr>
+  <p:timing>
+    <p:tnLst>
+      <p:par>
+        <p:cTn id="1" dur="indefinite" restart="never" nodeType="tmRoot"/>
+      </p:par>
+    </p:tnLst>
+  </p:timing>
+</p:sld>
+</file>
+
 <file path=ppt/slides/slide38.xml><?xml version="1.0" encoding="utf-8"?>
 <p:sld xmlns:a="http://schemas.openxmlformats.org/drawingml/2006/main" xmlns:r="http://schemas.openxmlformats.org/officeDocument/2006/relationships" xmlns:p="http://schemas.openxmlformats.org/presentationml/2006/main">
   <p:cSld>
@@ -31424,42 +30907,10 @@
           </a:xfrm>
         </p:spPr>
         <p:txBody>
-          <a:bodyPr>
-            <a:normAutofit lnSpcReduction="10000"/>
+          <a:bodyPr anchor="ctr">
+            <a:normAutofit/>
           </a:bodyPr>
           <a:lstStyle/>
-          <a:p>
-            <a:pPr algn="just">
-              <a:lnSpc>
-                <a:spcPct val="100000"/>
-              </a:lnSpc>
-              <a:spcBef>
-                <a:spcPts val="0"/>
-              </a:spcBef>
-              <a:buFont typeface="Wingdings" panose="05000000000000000000" pitchFamily="2" charset="2"/>
-              <a:buChar char="Ø"/>
-            </a:pPr>
-            <a:r>
-              <a:rPr lang="en-IN" sz="2000" dirty="0"/>
-              <a:t>In the previous neural network code, there is an “Embedding” layer in which we have loaded the </a:t>
-            </a:r>
-            <a:r>
-              <a:rPr lang="en-IN" sz="2000" dirty="0" err="1"/>
-              <a:t>embedding_matrix</a:t>
-            </a:r>
-            <a:r>
-              <a:rPr lang="en-IN" sz="2000" dirty="0"/>
-              <a:t> which has </a:t>
-            </a:r>
-            <a:r>
-              <a:rPr lang="en-IN" sz="2000" dirty="0" err="1"/>
-              <a:t>GloVe</a:t>
-            </a:r>
-            <a:r>
-              <a:rPr lang="en-IN" sz="2000" dirty="0"/>
-              <a:t> bottleneck features (200 dimensional) of all words in our vocabulary.txt file. Following is the purpose of “Embedding” layer:</a:t>
-            </a:r>
-          </a:p>
           <a:p>
             <a:pPr lvl="1" algn="just">
               <a:lnSpc>
@@ -31473,15 +30924,7 @@
             </a:pPr>
             <a:r>
               <a:rPr lang="en-IN" sz="1800" dirty="0"/>
-              <a:t>Embedding Layer is one of the available layers in </a:t>
-            </a:r>
-            <a:r>
-              <a:rPr lang="en-IN" sz="1800" dirty="0" err="1"/>
-              <a:t>Keras</a:t>
-            </a:r>
-            <a:r>
-              <a:rPr lang="en-IN" sz="1800" dirty="0"/>
-              <a:t>.</a:t>
+              <a:t>Embedding layer enables us to convert each word into a fixed length vector of defined size (reduced dimension).</a:t>
             </a:r>
           </a:p>
           <a:p>
@@ -31497,7 +30940,7 @@
             </a:pPr>
             <a:r>
               <a:rPr lang="en-IN" sz="1800" dirty="0"/>
-              <a:t>This layer is mainly useful in Natural Language Processing (NLP), and thus in Natural Language Generation (NLG).</a:t>
+              <a:t>The resultant vector have real values instead of just 0s and 1s.</a:t>
             </a:r>
           </a:p>
           <a:p>
@@ -31513,89 +30956,13 @@
             </a:pPr>
             <a:r>
               <a:rPr lang="en-IN" sz="1800" dirty="0"/>
-              <a:t>In NLP (or NLG), one can use pre-trained word embeddings such as </a:t>
-            </a:r>
-            <a:r>
-              <a:rPr lang="en-IN" sz="1800" dirty="0" err="1"/>
-              <a:t>GloVe</a:t>
-            </a:r>
-            <a:r>
-              <a:rPr lang="en-IN" sz="1800" dirty="0"/>
-              <a:t>. Alternatively, one can also train our own embeddings using </a:t>
-            </a:r>
-            <a:r>
-              <a:rPr lang="en-IN" sz="1800" dirty="0" err="1"/>
-              <a:t>Keras</a:t>
-            </a:r>
-            <a:r>
-              <a:rPr lang="en-IN" sz="1800" dirty="0"/>
-              <a:t> embedding layer.</a:t>
-            </a:r>
-          </a:p>
-          <a:p>
-            <a:pPr lvl="1" algn="just">
-              <a:lnSpc>
-                <a:spcPct val="100000"/>
-              </a:lnSpc>
-              <a:spcBef>
-                <a:spcPts val="0"/>
-              </a:spcBef>
-              <a:buFont typeface="Wingdings" panose="05000000000000000000" pitchFamily="2" charset="2"/>
-              <a:buChar char="§"/>
-            </a:pPr>
-            <a:r>
-              <a:rPr lang="en-IN" sz="1800" dirty="0"/>
-              <a:t>Word Embeddings can be thought of as an alternate to one-hot encoding along with dimensionality reduction.</a:t>
-            </a:r>
-          </a:p>
-          <a:p>
-            <a:pPr lvl="1" algn="just">
-              <a:lnSpc>
-                <a:spcPct val="100000"/>
-              </a:lnSpc>
-              <a:spcBef>
-                <a:spcPts val="0"/>
-              </a:spcBef>
-              <a:buFont typeface="Wingdings" panose="05000000000000000000" pitchFamily="2" charset="2"/>
-              <a:buChar char="§"/>
-            </a:pPr>
-            <a:r>
-              <a:rPr lang="en-IN" sz="1800" dirty="0"/>
-              <a:t>As we know that while dealing with textual data, we need to convert it into numbers before feeding into any machine learning model. This can be simply done by considering each word as a class (or category) and transforming every word into one-hot vectors). Thus, if we have 10,000 words in our vocabulary (i.e., 10,000 unique words, then a matrix of 10,000 x 10,000 will form where each row will have only one “1” and rest are zero. Following are the two issues with this approach:</a:t>
-            </a:r>
-          </a:p>
-          <a:p>
-            <a:pPr marL="1257300" lvl="2" indent="-342900" algn="just">
-              <a:lnSpc>
-                <a:spcPct val="100000"/>
-              </a:lnSpc>
-              <a:spcBef>
-                <a:spcPts val="0"/>
-              </a:spcBef>
-              <a:buFont typeface="+mj-lt"/>
-              <a:buAutoNum type="arabicPeriod"/>
-            </a:pPr>
-            <a:r>
-              <a:rPr lang="en-IN" sz="1800" dirty="0"/>
-              <a:t>This will require a lot of storage space.</a:t>
-            </a:r>
-          </a:p>
-          <a:p>
-            <a:pPr marL="1257300" lvl="2" indent="-342900" algn="just">
-              <a:lnSpc>
-                <a:spcPct val="100000"/>
-              </a:lnSpc>
-              <a:spcBef>
-                <a:spcPts val="0"/>
-              </a:spcBef>
-              <a:buFont typeface="+mj-lt"/>
-              <a:buAutoNum type="arabicPeriod"/>
-            </a:pPr>
-            <a:r>
-              <a:rPr lang="en-IN" sz="1800" dirty="0"/>
-              <a:t>This will reduce model’s efficiency as there will not be any mathematical justification for such representation</a:t>
-            </a:r>
-            <a:endParaRPr lang="en-IN" sz="2000" dirty="0"/>
+              <a:t>This way “Embedding” layer works like a lookup table. The words (or their indices) are the keys in this table while the dense word vectors are the values</a:t>
+            </a:r>
+            <a:r>
+              <a:rPr lang="en-IN" sz="1800" dirty="0" smtClean="0"/>
+              <a:t>.</a:t>
+            </a:r>
+            <a:endParaRPr lang="en-IN" sz="1800" dirty="0"/>
           </a:p>
           <a:p>
             <a:pPr algn="just">
@@ -31605,179 +30972,144 @@
               <a:spcBef>
                 <a:spcPts val="0"/>
               </a:spcBef>
-              <a:buFont typeface="Wingdings" panose="05000000000000000000" pitchFamily="2" charset="2"/>
+              <a:buFont typeface="Wingdings" pitchFamily="2" charset="2"/>
               <a:buChar char="Ø"/>
             </a:pPr>
-            <a:endParaRPr lang="en-IN" sz="2000" dirty="0"/>
-          </a:p>
-          <a:p>
-            <a:pPr algn="just">
+            <a:r>
+              <a:rPr lang="en-GB" sz="2000" dirty="0"/>
+              <a:t>Model is trained on the following </a:t>
+            </a:r>
+            <a:r>
+              <a:rPr lang="en-GB" sz="2000" dirty="0" smtClean="0"/>
+              <a:t>platform:</a:t>
+            </a:r>
+          </a:p>
+          <a:p>
+            <a:pPr marL="457200" lvl="1" indent="0" algn="just">
               <a:lnSpc>
                 <a:spcPct val="100000"/>
               </a:lnSpc>
               <a:spcBef>
                 <a:spcPts val="0"/>
               </a:spcBef>
-              <a:buFont typeface="Wingdings" panose="05000000000000000000" pitchFamily="2" charset="2"/>
-              <a:buChar char="Ø"/>
+              <a:buNone/>
             </a:pPr>
-            <a:endParaRPr lang="en-IN" sz="2000" dirty="0"/>
-          </a:p>
-          <a:p>
-            <a:pPr algn="just">
+            <a:r>
+              <a:rPr lang="en-GB" sz="1800" dirty="0" smtClean="0"/>
+              <a:t>On </a:t>
+            </a:r>
+            <a:r>
+              <a:rPr lang="en-GB" sz="1800" dirty="0"/>
+              <a:t>an AMD E-series (E2-7110) CPU, it was taking enormously long time.</a:t>
+            </a:r>
+          </a:p>
+          <a:p>
+            <a:pPr marL="457200" lvl="1" indent="0" algn="just">
               <a:lnSpc>
                 <a:spcPct val="100000"/>
               </a:lnSpc>
               <a:spcBef>
                 <a:spcPts val="0"/>
               </a:spcBef>
-              <a:buFont typeface="Wingdings" panose="05000000000000000000" pitchFamily="2" charset="2"/>
-              <a:buChar char="Ø"/>
+              <a:buNone/>
             </a:pPr>
-            <a:endParaRPr lang="en-IN" sz="2000" dirty="0"/>
-          </a:p>
-          <a:p>
-            <a:pPr algn="just">
+            <a:r>
+              <a:rPr lang="en-GB" sz="1800" dirty="0" smtClean="0"/>
+              <a:t>Thus</a:t>
+            </a:r>
+            <a:r>
+              <a:rPr lang="en-GB" sz="1800" dirty="0"/>
+              <a:t>, a popular GPU cloud service was used for training model: paperspace.com </a:t>
+            </a:r>
+          </a:p>
+          <a:p>
+            <a:pPr marL="457200" lvl="1" indent="0" algn="just">
               <a:lnSpc>
                 <a:spcPct val="100000"/>
               </a:lnSpc>
               <a:spcBef>
                 <a:spcPts val="0"/>
               </a:spcBef>
-              <a:buFont typeface="Wingdings" panose="05000000000000000000" pitchFamily="2" charset="2"/>
-              <a:buChar char="Ø"/>
+              <a:buNone/>
             </a:pPr>
-            <a:endParaRPr lang="en-IN" sz="2000" dirty="0"/>
-          </a:p>
-          <a:p>
-            <a:pPr algn="just">
+            <a:r>
+              <a:rPr lang="en-GB" sz="1800" dirty="0" smtClean="0"/>
+              <a:t>It </a:t>
+            </a:r>
+            <a:r>
+              <a:rPr lang="en-GB" sz="1800" dirty="0"/>
+              <a:t>is a paid service that charge USD 8 / month and provides 200 GB storage for a month.</a:t>
+            </a:r>
+          </a:p>
+          <a:p>
+            <a:pPr marL="457200" lvl="1" indent="0" algn="just">
               <a:lnSpc>
                 <a:spcPct val="100000"/>
               </a:lnSpc>
               <a:spcBef>
                 <a:spcPts val="0"/>
               </a:spcBef>
-              <a:buFont typeface="Wingdings" panose="05000000000000000000" pitchFamily="2" charset="2"/>
-              <a:buChar char="Ø"/>
+              <a:buNone/>
             </a:pPr>
-            <a:endParaRPr lang="en-IN" sz="2000" dirty="0"/>
-          </a:p>
-          <a:p>
-            <a:pPr algn="just">
+            <a:r>
+              <a:rPr lang="en-GB" sz="1800" dirty="0" smtClean="0"/>
+              <a:t>On </a:t>
+            </a:r>
+            <a:r>
+              <a:rPr lang="en-GB" sz="1800" dirty="0"/>
+              <a:t>top of that, paid GPU was used that charges USD 0.51 / hour. Following are the offerings of this paid GPU:</a:t>
+            </a:r>
+          </a:p>
+          <a:p>
+            <a:pPr marL="914400" lvl="2" indent="0" algn="just">
               <a:lnSpc>
                 <a:spcPct val="100000"/>
               </a:lnSpc>
               <a:spcBef>
                 <a:spcPts val="0"/>
               </a:spcBef>
-              <a:buFont typeface="Wingdings" panose="05000000000000000000" pitchFamily="2" charset="2"/>
-              <a:buChar char="Ø"/>
+              <a:buNone/>
             </a:pPr>
-            <a:endParaRPr lang="en-IN" sz="2000" dirty="0"/>
-          </a:p>
-          <a:p>
-            <a:pPr algn="just">
+            <a:r>
+              <a:rPr lang="en-GB" sz="1800" dirty="0" err="1" smtClean="0"/>
+              <a:t>Nvidia</a:t>
+            </a:r>
+            <a:r>
+              <a:rPr lang="en-GB" sz="1800" dirty="0" smtClean="0"/>
+              <a:t> </a:t>
+            </a:r>
+            <a:r>
+              <a:rPr lang="en-GB" sz="1800" dirty="0" err="1"/>
+              <a:t>Quadro</a:t>
+            </a:r>
+            <a:r>
+              <a:rPr lang="en-GB" sz="1800" dirty="0"/>
+              <a:t> P4000 GPU – 8 GB GPU Memory</a:t>
+            </a:r>
+          </a:p>
+          <a:p>
+            <a:pPr marL="914400" lvl="2" indent="0" algn="just">
               <a:lnSpc>
                 <a:spcPct val="100000"/>
               </a:lnSpc>
               <a:spcBef>
                 <a:spcPts val="0"/>
               </a:spcBef>
-              <a:buFont typeface="Wingdings" panose="05000000000000000000" pitchFamily="2" charset="2"/>
-              <a:buChar char="Ø"/>
+              <a:buNone/>
             </a:pPr>
-            <a:endParaRPr lang="en-IN" sz="2000" dirty="0"/>
-          </a:p>
-          <a:p>
-            <a:pPr algn="just">
-              <a:lnSpc>
-                <a:spcPct val="100000"/>
-              </a:lnSpc>
-              <a:spcBef>
-                <a:spcPts val="0"/>
-              </a:spcBef>
-              <a:buFont typeface="Wingdings" panose="05000000000000000000" pitchFamily="2" charset="2"/>
-              <a:buChar char="Ø"/>
-            </a:pPr>
-            <a:endParaRPr lang="en-IN" sz="2000" dirty="0"/>
-          </a:p>
-          <a:p>
-            <a:pPr algn="just">
-              <a:lnSpc>
-                <a:spcPct val="100000"/>
-              </a:lnSpc>
-              <a:spcBef>
-                <a:spcPts val="0"/>
-              </a:spcBef>
-              <a:buFont typeface="Wingdings" panose="05000000000000000000" pitchFamily="2" charset="2"/>
-              <a:buChar char="Ø"/>
-            </a:pPr>
-            <a:endParaRPr lang="en-IN" sz="2000" dirty="0"/>
-          </a:p>
-          <a:p>
-            <a:pPr algn="just">
-              <a:lnSpc>
-                <a:spcPct val="100000"/>
-              </a:lnSpc>
-              <a:spcBef>
-                <a:spcPts val="0"/>
-              </a:spcBef>
-              <a:buFont typeface="Wingdings" panose="05000000000000000000" pitchFamily="2" charset="2"/>
-              <a:buChar char="Ø"/>
-            </a:pPr>
-            <a:endParaRPr lang="en-IN" sz="2000" dirty="0"/>
-          </a:p>
-          <a:p>
-            <a:pPr algn="just">
-              <a:lnSpc>
-                <a:spcPct val="100000"/>
-              </a:lnSpc>
-              <a:spcBef>
-                <a:spcPts val="0"/>
-              </a:spcBef>
-              <a:buFont typeface="Wingdings" panose="05000000000000000000" pitchFamily="2" charset="2"/>
-              <a:buChar char="Ø"/>
-            </a:pPr>
-            <a:endParaRPr lang="en-IN" sz="2000" dirty="0"/>
-          </a:p>
-          <a:p>
-            <a:pPr algn="just">
-              <a:lnSpc>
-                <a:spcPct val="100000"/>
-              </a:lnSpc>
-              <a:spcBef>
-                <a:spcPts val="0"/>
-              </a:spcBef>
-              <a:buFont typeface="Wingdings" panose="05000000000000000000" pitchFamily="2" charset="2"/>
-              <a:buChar char="Ø"/>
-            </a:pPr>
-            <a:endParaRPr lang="en-IN" sz="2000" dirty="0"/>
-          </a:p>
-          <a:p>
-            <a:pPr algn="just">
-              <a:lnSpc>
-                <a:spcPct val="100000"/>
-              </a:lnSpc>
-              <a:spcBef>
-                <a:spcPts val="0"/>
-              </a:spcBef>
-              <a:buFont typeface="Wingdings" panose="05000000000000000000" pitchFamily="2" charset="2"/>
-              <a:buChar char="Ø"/>
-            </a:pPr>
-            <a:endParaRPr lang="en-IN" sz="2000" dirty="0"/>
-          </a:p>
-          <a:p>
-            <a:pPr algn="just">
-              <a:lnSpc>
-                <a:spcPct val="100000"/>
-              </a:lnSpc>
-              <a:spcBef>
-                <a:spcPts val="0"/>
-              </a:spcBef>
-              <a:buFont typeface="Wingdings" panose="05000000000000000000" pitchFamily="2" charset="2"/>
-              <a:buChar char="Ø"/>
-            </a:pPr>
-            <a:endParaRPr lang="en-IN" sz="2000" dirty="0"/>
+            <a:r>
+              <a:rPr lang="en-GB" sz="1800" dirty="0" smtClean="0"/>
+              <a:t>8 </a:t>
+            </a:r>
+            <a:r>
+              <a:rPr lang="en-GB" sz="1800" dirty="0" err="1"/>
+              <a:t>vCPU</a:t>
+            </a:r>
+            <a:r>
+              <a:rPr lang="en-GB" sz="1800" dirty="0"/>
+              <a:t> – 30 GB RAM</a:t>
+            </a:r>
+            <a:endParaRPr lang="en-IN" sz="1800" dirty="0" smtClean="0"/>
           </a:p>
         </p:txBody>
       </p:sp>
@@ -31842,7 +31174,7 @@
     </p:spTree>
     <p:extLst>
       <p:ext uri="{BB962C8B-B14F-4D97-AF65-F5344CB8AC3E}">
-        <p14:creationId xmlns:p14="http://schemas.microsoft.com/office/powerpoint/2010/main" val="1537332895"/>
+        <p14:creationId xmlns:p14="http://schemas.microsoft.com/office/powerpoint/2010/main" val="194348221"/>
       </p:ext>
     </p:extLst>
   </p:cSld>
@@ -31932,70 +31264,25 @@
           </a:xfrm>
         </p:spPr>
         <p:txBody>
-          <a:bodyPr>
+          <a:bodyPr anchor="t">
             <a:normAutofit/>
           </a:bodyPr>
           <a:lstStyle/>
           <a:p>
-            <a:pPr lvl="1" algn="just">
+            <a:pPr algn="just">
               <a:lnSpc>
                 <a:spcPct val="100000"/>
               </a:lnSpc>
               <a:spcBef>
                 <a:spcPts val="0"/>
               </a:spcBef>
-              <a:buFont typeface="Wingdings" panose="05000000000000000000" pitchFamily="2" charset="2"/>
-              <a:buChar char="§"/>
+              <a:buFont typeface="Wingdings" pitchFamily="2" charset="2"/>
+              <a:buChar char="Ø"/>
             </a:pPr>
             <a:r>
-              <a:rPr lang="en-IN" sz="1800" dirty="0"/>
-              <a:t>Embedding layer enables us to convert each word into a fixed length vector of defined size (reduced dimension).</a:t>
-            </a:r>
-          </a:p>
-          <a:p>
-            <a:pPr lvl="1" algn="just">
-              <a:lnSpc>
-                <a:spcPct val="100000"/>
-              </a:lnSpc>
-              <a:spcBef>
-                <a:spcPts val="0"/>
-              </a:spcBef>
-              <a:buFont typeface="Wingdings" panose="05000000000000000000" pitchFamily="2" charset="2"/>
-              <a:buChar char="§"/>
-            </a:pPr>
-            <a:r>
-              <a:rPr lang="en-IN" sz="1800" dirty="0"/>
-              <a:t>The resultant vector have real values instead of just 0s and 1s.</a:t>
-            </a:r>
-          </a:p>
-          <a:p>
-            <a:pPr lvl="1" algn="just">
-              <a:lnSpc>
-                <a:spcPct val="100000"/>
-              </a:lnSpc>
-              <a:spcBef>
-                <a:spcPts val="0"/>
-              </a:spcBef>
-              <a:buFont typeface="Wingdings" panose="05000000000000000000" pitchFamily="2" charset="2"/>
-              <a:buChar char="§"/>
-            </a:pPr>
-            <a:r>
-              <a:rPr lang="en-IN" sz="1800" dirty="0"/>
-              <a:t>This way “Embedding” layer works like a lookup table. The words (or their indices) are the keys in this table while the dense word vectors are the values.</a:t>
-            </a:r>
-          </a:p>
-          <a:p>
-            <a:pPr lvl="1" algn="just">
-              <a:lnSpc>
-                <a:spcPct val="100000"/>
-              </a:lnSpc>
-              <a:spcBef>
-                <a:spcPts val="0"/>
-              </a:spcBef>
-              <a:buFont typeface="Wingdings" panose="05000000000000000000" pitchFamily="2" charset="2"/>
-              <a:buChar char="§"/>
-            </a:pPr>
-            <a:endParaRPr lang="en-IN" sz="1800" dirty="0"/>
+              <a:rPr lang="en-IN" sz="2000" dirty="0" smtClean="0"/>
+              <a:t>Following is the plot of training loss:</a:t>
+            </a:r>
           </a:p>
         </p:txBody>
       </p:sp>
@@ -32057,10 +31344,51 @@
           </a:p>
         </p:txBody>
       </p:sp>
+      <p:pic>
+        <p:nvPicPr>
+          <p:cNvPr id="2050" name="Picture 2" descr="Z:\train_loss_plot.png"/>
+          <p:cNvPicPr>
+            <a:picLocks noChangeAspect="1" noChangeArrowheads="1"/>
+          </p:cNvPicPr>
+          <p:nvPr/>
+        </p:nvPicPr>
+        <p:blipFill>
+          <a:blip r:embed="rId2">
+            <a:extLst>
+              <a:ext uri="{28A0092B-C50C-407E-A947-70E740481C1C}">
+                <a14:useLocalDpi xmlns:a14="http://schemas.microsoft.com/office/drawing/2010/main" val="0"/>
+              </a:ext>
+            </a:extLst>
+          </a:blip>
+          <a:srcRect/>
+          <a:stretch>
+            <a:fillRect/>
+          </a:stretch>
+        </p:blipFill>
+        <p:spPr bwMode="auto">
+          <a:xfrm>
+            <a:off x="1935480" y="1554480"/>
+            <a:ext cx="8397240" cy="4784725"/>
+          </a:xfrm>
+          <a:prstGeom prst="rect">
+            <a:avLst/>
+          </a:prstGeom>
+          <a:noFill/>
+          <a:extLst>
+            <a:ext uri="{909E8E84-426E-40DD-AFC4-6F175D3DCCD1}">
+              <a14:hiddenFill xmlns:a14="http://schemas.microsoft.com/office/drawing/2010/main">
+                <a:solidFill>
+                  <a:srgbClr val="FFFFFF"/>
+                </a:solidFill>
+              </a14:hiddenFill>
+            </a:ext>
+          </a:extLst>
+        </p:spPr>
+      </p:pic>
     </p:spTree>
     <p:extLst>
       <p:ext uri="{BB962C8B-B14F-4D97-AF65-F5344CB8AC3E}">
-        <p14:creationId xmlns:p14="http://schemas.microsoft.com/office/powerpoint/2010/main" val="194348221"/>
+        <p14:creationId xmlns:p14="http://schemas.microsoft.com/office/powerpoint/2010/main" val="3674677306"/>
       </p:ext>
     </p:extLst>
   </p:cSld>
@@ -32566,8 +31894,8 @@
         </p:nvSpPr>
         <p:spPr>
           <a:xfrm>
-            <a:off x="4176356" y="2195706"/>
-            <a:ext cx="7347045" cy="923330"/>
+            <a:off x="4176354" y="2412147"/>
+            <a:ext cx="7347045" cy="400110"/>
           </a:xfrm>
           <a:prstGeom prst="rect">
             <a:avLst/>
@@ -32582,214 +31910,10 @@
           <a:p>
             <a:pPr algn="just"/>
             <a:r>
-              <a:rPr lang="en-US" dirty="0"/>
-              <a:t>woman </a:t>
-            </a:r>
-            <a:r>
-              <a:rPr lang="en-US" dirty="0" err="1"/>
-              <a:t>woman</a:t>
-            </a:r>
-            <a:r>
-              <a:rPr lang="en-US" dirty="0"/>
-              <a:t> </a:t>
-            </a:r>
-            <a:r>
-              <a:rPr lang="en-US" dirty="0" err="1"/>
-              <a:t>woman</a:t>
-            </a:r>
-            <a:r>
-              <a:rPr lang="en-US" dirty="0"/>
-              <a:t> </a:t>
-            </a:r>
-            <a:r>
-              <a:rPr lang="en-US" dirty="0" err="1"/>
-              <a:t>woman</a:t>
-            </a:r>
-            <a:r>
-              <a:rPr lang="en-US" dirty="0"/>
-              <a:t> </a:t>
-            </a:r>
-            <a:r>
-              <a:rPr lang="en-US" dirty="0" err="1"/>
-              <a:t>woman</a:t>
-            </a:r>
-            <a:r>
-              <a:rPr lang="en-US" dirty="0"/>
-              <a:t> </a:t>
-            </a:r>
-            <a:r>
-              <a:rPr lang="en-US" dirty="0" err="1"/>
-              <a:t>woman</a:t>
-            </a:r>
-            <a:r>
-              <a:rPr lang="en-US" dirty="0"/>
-              <a:t> </a:t>
-            </a:r>
-            <a:r>
-              <a:rPr lang="en-US" dirty="0" err="1"/>
-              <a:t>woman</a:t>
-            </a:r>
-            <a:r>
-              <a:rPr lang="en-US" dirty="0"/>
-              <a:t> </a:t>
-            </a:r>
-            <a:r>
-              <a:rPr lang="en-US" dirty="0" err="1"/>
-              <a:t>woman</a:t>
-            </a:r>
-            <a:r>
-              <a:rPr lang="en-US" dirty="0"/>
-              <a:t> </a:t>
-            </a:r>
-            <a:r>
-              <a:rPr lang="en-US" dirty="0" err="1"/>
-              <a:t>woman</a:t>
-            </a:r>
-            <a:r>
-              <a:rPr lang="en-US" dirty="0"/>
-              <a:t> </a:t>
-            </a:r>
-            <a:r>
-              <a:rPr lang="en-US" dirty="0" err="1"/>
-              <a:t>woman</a:t>
-            </a:r>
-            <a:r>
-              <a:rPr lang="en-US" dirty="0"/>
-              <a:t> </a:t>
-            </a:r>
-            <a:r>
-              <a:rPr lang="en-US" dirty="0" err="1"/>
-              <a:t>woman</a:t>
-            </a:r>
-            <a:r>
-              <a:rPr lang="en-US" dirty="0"/>
-              <a:t> </a:t>
-            </a:r>
-            <a:r>
-              <a:rPr lang="en-US" dirty="0" err="1"/>
-              <a:t>woman</a:t>
-            </a:r>
-            <a:r>
-              <a:rPr lang="en-US" dirty="0"/>
-              <a:t> </a:t>
-            </a:r>
-            <a:r>
-              <a:rPr lang="en-US" dirty="0" err="1"/>
-              <a:t>woman</a:t>
-            </a:r>
-            <a:r>
-              <a:rPr lang="en-US" dirty="0"/>
-              <a:t> </a:t>
-            </a:r>
-            <a:r>
-              <a:rPr lang="en-US" dirty="0" err="1"/>
-              <a:t>woman</a:t>
-            </a:r>
-            <a:r>
-              <a:rPr lang="en-US" dirty="0"/>
-              <a:t> </a:t>
-            </a:r>
-            <a:r>
-              <a:rPr lang="en-US" dirty="0" err="1"/>
-              <a:t>woman</a:t>
-            </a:r>
-            <a:r>
-              <a:rPr lang="en-US" dirty="0"/>
-              <a:t> </a:t>
-            </a:r>
-            <a:r>
-              <a:rPr lang="en-US" dirty="0" err="1"/>
-              <a:t>woman</a:t>
-            </a:r>
-            <a:r>
-              <a:rPr lang="en-US" dirty="0"/>
-              <a:t> </a:t>
-            </a:r>
-            <a:r>
-              <a:rPr lang="en-US" dirty="0" err="1"/>
-              <a:t>woman</a:t>
-            </a:r>
-            <a:r>
-              <a:rPr lang="en-US" dirty="0"/>
-              <a:t> </a:t>
-            </a:r>
-            <a:r>
-              <a:rPr lang="en-US" dirty="0" err="1"/>
-              <a:t>woman</a:t>
-            </a:r>
-            <a:r>
-              <a:rPr lang="en-US" dirty="0"/>
-              <a:t> </a:t>
-            </a:r>
-            <a:r>
-              <a:rPr lang="en-US" dirty="0" err="1"/>
-              <a:t>woman</a:t>
-            </a:r>
-            <a:r>
-              <a:rPr lang="en-US" dirty="0"/>
-              <a:t> </a:t>
-            </a:r>
-            <a:r>
-              <a:rPr lang="en-US" dirty="0" err="1"/>
-              <a:t>woman</a:t>
-            </a:r>
-            <a:r>
-              <a:rPr lang="en-US" dirty="0"/>
-              <a:t> </a:t>
-            </a:r>
-            <a:r>
-              <a:rPr lang="en-US" dirty="0" err="1"/>
-              <a:t>woman</a:t>
-            </a:r>
-            <a:r>
-              <a:rPr lang="en-US" dirty="0"/>
-              <a:t> </a:t>
-            </a:r>
-            <a:r>
-              <a:rPr lang="en-US" dirty="0" err="1"/>
-              <a:t>woman</a:t>
-            </a:r>
-            <a:r>
-              <a:rPr lang="en-US" dirty="0"/>
-              <a:t> </a:t>
-            </a:r>
-            <a:r>
-              <a:rPr lang="en-US" dirty="0" err="1"/>
-              <a:t>woman</a:t>
-            </a:r>
-            <a:r>
-              <a:rPr lang="en-US" dirty="0"/>
-              <a:t> </a:t>
-            </a:r>
-            <a:r>
-              <a:rPr lang="en-US" dirty="0" err="1"/>
-              <a:t>woman</a:t>
-            </a:r>
-            <a:r>
-              <a:rPr lang="en-US" dirty="0"/>
-              <a:t> </a:t>
-            </a:r>
-            <a:r>
-              <a:rPr lang="en-US" dirty="0" err="1"/>
-              <a:t>woman</a:t>
-            </a:r>
-            <a:r>
-              <a:rPr lang="en-US" dirty="0"/>
-              <a:t> </a:t>
-            </a:r>
-            <a:r>
-              <a:rPr lang="en-US" dirty="0" err="1"/>
-              <a:t>woman</a:t>
-            </a:r>
-            <a:r>
-              <a:rPr lang="en-US" dirty="0"/>
-              <a:t> </a:t>
-            </a:r>
-            <a:r>
-              <a:rPr lang="en-US" dirty="0" err="1"/>
-              <a:t>woman</a:t>
-            </a:r>
-            <a:endParaRPr lang="en-IN" dirty="0"/>
+              <a:rPr lang="en-GB" sz="2000" dirty="0"/>
+              <a:t>six children sitting at their picture</a:t>
+            </a:r>
+            <a:endParaRPr lang="en-IN" sz="2000" dirty="0"/>
           </a:p>
         </p:txBody>
       </p:sp>
@@ -32808,7 +31932,7 @@
         <p:spPr>
           <a:xfrm>
             <a:off x="4176355" y="4964837"/>
-            <a:ext cx="7347045" cy="369332"/>
+            <a:ext cx="7347045" cy="400110"/>
           </a:xfrm>
           <a:prstGeom prst="rect">
             <a:avLst/>
@@ -32823,10 +31947,10 @@
           <a:p>
             <a:pPr algn="just"/>
             <a:r>
-              <a:rPr lang="en-US" dirty="0"/>
-              <a:t>little girl in pajamas is playing with little boy in blue shirt</a:t>
-            </a:r>
-            <a:endParaRPr lang="en-IN" dirty="0"/>
+              <a:rPr lang="en-GB" sz="2000" dirty="0"/>
+              <a:t>father watching baby on the man</a:t>
+            </a:r>
+            <a:endParaRPr lang="en-IN" sz="2000" dirty="0"/>
           </a:p>
         </p:txBody>
       </p:sp>
@@ -33043,8 +32167,8 @@
         </p:nvSpPr>
         <p:spPr>
           <a:xfrm>
-            <a:off x="4192539" y="1954268"/>
-            <a:ext cx="7161261" cy="923330"/>
+            <a:off x="4192538" y="2154323"/>
+            <a:ext cx="7161261" cy="400110"/>
           </a:xfrm>
           <a:prstGeom prst="rect">
             <a:avLst/>
@@ -33059,102 +32183,10 @@
           <a:p>
             <a:pPr algn="just"/>
             <a:r>
-              <a:rPr lang="en-US" dirty="0"/>
-              <a:t>man in blue shirt and blue jeans is sitting on the sidewalk next to woman </a:t>
-            </a:r>
-            <a:r>
-              <a:rPr lang="en-US" dirty="0" err="1"/>
-              <a:t>woman</a:t>
-            </a:r>
-            <a:r>
-              <a:rPr lang="en-US" dirty="0"/>
-              <a:t> </a:t>
-            </a:r>
-            <a:r>
-              <a:rPr lang="en-US" dirty="0" err="1"/>
-              <a:t>woman</a:t>
-            </a:r>
-            <a:r>
-              <a:rPr lang="en-US" dirty="0"/>
-              <a:t> </a:t>
-            </a:r>
-            <a:r>
-              <a:rPr lang="en-US" dirty="0" err="1"/>
-              <a:t>woman</a:t>
-            </a:r>
-            <a:r>
-              <a:rPr lang="en-US" dirty="0"/>
-              <a:t> </a:t>
-            </a:r>
-            <a:r>
-              <a:rPr lang="en-US" dirty="0" err="1"/>
-              <a:t>woman</a:t>
-            </a:r>
-            <a:r>
-              <a:rPr lang="en-US" dirty="0"/>
-              <a:t> </a:t>
-            </a:r>
-            <a:r>
-              <a:rPr lang="en-US" dirty="0" err="1"/>
-              <a:t>woman</a:t>
-            </a:r>
-            <a:r>
-              <a:rPr lang="en-US" dirty="0"/>
-              <a:t> </a:t>
-            </a:r>
-            <a:r>
-              <a:rPr lang="en-US" dirty="0" err="1"/>
-              <a:t>woman</a:t>
-            </a:r>
-            <a:r>
-              <a:rPr lang="en-US" dirty="0"/>
-              <a:t> </a:t>
-            </a:r>
-            <a:r>
-              <a:rPr lang="en-US" dirty="0" err="1"/>
-              <a:t>woman</a:t>
-            </a:r>
-            <a:r>
-              <a:rPr lang="en-US" dirty="0"/>
-              <a:t> </a:t>
-            </a:r>
-            <a:r>
-              <a:rPr lang="en-US" dirty="0" err="1"/>
-              <a:t>woman</a:t>
-            </a:r>
-            <a:r>
-              <a:rPr lang="en-US" dirty="0"/>
-              <a:t> </a:t>
-            </a:r>
-            <a:r>
-              <a:rPr lang="en-US" dirty="0" err="1"/>
-              <a:t>woman</a:t>
-            </a:r>
-            <a:r>
-              <a:rPr lang="en-US" dirty="0"/>
-              <a:t> </a:t>
-            </a:r>
-            <a:r>
-              <a:rPr lang="en-US" dirty="0" err="1"/>
-              <a:t>woman</a:t>
-            </a:r>
-            <a:r>
-              <a:rPr lang="en-US" dirty="0"/>
-              <a:t> </a:t>
-            </a:r>
-            <a:r>
-              <a:rPr lang="en-US" dirty="0" err="1"/>
-              <a:t>woman</a:t>
-            </a:r>
-            <a:r>
-              <a:rPr lang="en-US" dirty="0"/>
-              <a:t> </a:t>
-            </a:r>
-            <a:r>
-              <a:rPr lang="en-US" dirty="0" err="1"/>
-              <a:t>woman</a:t>
-            </a:r>
-            <a:endParaRPr lang="en-IN" dirty="0"/>
+              <a:rPr lang="en-GB" sz="2000" dirty="0"/>
+              <a:t>boy is sitting on the water</a:t>
+            </a:r>
+            <a:endParaRPr lang="en-IN" sz="2000" dirty="0"/>
           </a:p>
         </p:txBody>
       </p:sp>
@@ -33188,8 +32220,8 @@
           <a:p>
             <a:pPr algn="just"/>
             <a:r>
-              <a:rPr lang="en-US" dirty="0"/>
-              <a:t>boy in blue shirt is jumping on his skateboard</a:t>
+              <a:rPr lang="en-GB" dirty="0"/>
+              <a:t>man with backpack and another on the railing in the background</a:t>
             </a:r>
             <a:endParaRPr lang="en-IN" dirty="0"/>
           </a:p>

--- a/readme.pptx
+++ b/readme.pptx
@@ -242,7 +242,7 @@
           <a:p>
             <a:fld id="{3EBE19CC-9519-4C5F-A78F-AFC3EB8C266D}" type="datetimeFigureOut">
               <a:rPr lang="en-IN" smtClean="0"/>
-              <a:t>25-05-2021</a:t>
+              <a:t>27-05-2021</a:t>
             </a:fld>
             <a:endParaRPr lang="en-IN"/>
           </a:p>
@@ -659,7 +659,7 @@
           <a:p>
             <a:fld id="{95B38DEA-F89A-499A-81D4-0F17E13A0F54}" type="datetime1">
               <a:rPr lang="en-IN" smtClean="0"/>
-              <a:t>25-05-2021</a:t>
+              <a:t>27-05-2021</a:t>
             </a:fld>
             <a:endParaRPr lang="en-IN"/>
           </a:p>
@@ -863,7 +863,7 @@
           <a:p>
             <a:fld id="{52CB48DB-8752-4EC9-AEF1-132D60C612E3}" type="datetime1">
               <a:rPr lang="en-IN" smtClean="0"/>
-              <a:t>25-05-2021</a:t>
+              <a:t>27-05-2021</a:t>
             </a:fld>
             <a:endParaRPr lang="en-IN"/>
           </a:p>
@@ -1077,7 +1077,7 @@
           <a:p>
             <a:fld id="{20E4919B-0840-418F-81E8-D1EAC9FB2BFE}" type="datetime1">
               <a:rPr lang="en-IN" smtClean="0"/>
-              <a:t>25-05-2021</a:t>
+              <a:t>27-05-2021</a:t>
             </a:fld>
             <a:endParaRPr lang="en-IN"/>
           </a:p>
@@ -1281,7 +1281,7 @@
           <a:p>
             <a:fld id="{14A56409-1144-459D-8580-EF29D8BAED4A}" type="datetime1">
               <a:rPr lang="en-IN" smtClean="0"/>
-              <a:t>25-05-2021</a:t>
+              <a:t>27-05-2021</a:t>
             </a:fld>
             <a:endParaRPr lang="en-IN"/>
           </a:p>
@@ -1561,7 +1561,7 @@
           <a:p>
             <a:fld id="{67926871-090A-4D31-A9C1-76DEC3805894}" type="datetime1">
               <a:rPr lang="en-IN" smtClean="0"/>
-              <a:t>25-05-2021</a:t>
+              <a:t>27-05-2021</a:t>
             </a:fld>
             <a:endParaRPr lang="en-IN"/>
           </a:p>
@@ -1833,7 +1833,7 @@
           <a:p>
             <a:fld id="{7F9657E2-E3D3-4B4C-9FD7-7329F62A123B}" type="datetime1">
               <a:rPr lang="en-IN" smtClean="0"/>
-              <a:t>25-05-2021</a:t>
+              <a:t>27-05-2021</a:t>
             </a:fld>
             <a:endParaRPr lang="en-IN"/>
           </a:p>
@@ -2252,7 +2252,7 @@
           <a:p>
             <a:fld id="{664F21D5-2AAA-408A-910B-555FC11A1CF7}" type="datetime1">
               <a:rPr lang="en-IN" smtClean="0"/>
-              <a:t>25-05-2021</a:t>
+              <a:t>27-05-2021</a:t>
             </a:fld>
             <a:endParaRPr lang="en-IN"/>
           </a:p>
@@ -2398,7 +2398,7 @@
           <a:p>
             <a:fld id="{F356A824-9512-4355-9382-9A341080930D}" type="datetime1">
               <a:rPr lang="en-IN" smtClean="0"/>
-              <a:t>25-05-2021</a:t>
+              <a:t>27-05-2021</a:t>
             </a:fld>
             <a:endParaRPr lang="en-IN"/>
           </a:p>
@@ -2515,7 +2515,7 @@
           <a:p>
             <a:fld id="{61D5D980-7089-4CCA-A615-7CE5DE2E0A24}" type="datetime1">
               <a:rPr lang="en-IN" smtClean="0"/>
-              <a:t>25-05-2021</a:t>
+              <a:t>27-05-2021</a:t>
             </a:fld>
             <a:endParaRPr lang="en-IN"/>
           </a:p>
@@ -2832,7 +2832,7 @@
           <a:p>
             <a:fld id="{BCBBCC49-34F1-4143-A247-5BD173D4A05B}" type="datetime1">
               <a:rPr lang="en-IN" smtClean="0"/>
-              <a:t>25-05-2021</a:t>
+              <a:t>27-05-2021</a:t>
             </a:fld>
             <a:endParaRPr lang="en-IN"/>
           </a:p>
@@ -3125,7 +3125,7 @@
           <a:p>
             <a:fld id="{2D62E49B-383D-4FEF-83E3-8391B88BD48A}" type="datetime1">
               <a:rPr lang="en-IN" smtClean="0"/>
-              <a:t>25-05-2021</a:t>
+              <a:t>27-05-2021</a:t>
             </a:fld>
             <a:endParaRPr lang="en-IN"/>
           </a:p>
@@ -3372,7 +3372,7 @@
           <a:p>
             <a:fld id="{95403040-39FF-48B5-9AA8-D98B49EA5B67}" type="datetime1">
               <a:rPr lang="en-IN" smtClean="0"/>
-              <a:t>25-05-2021</a:t>
+              <a:t>27-05-2021</a:t>
             </a:fld>
             <a:endParaRPr lang="en-IN"/>
           </a:p>
@@ -6761,6 +6761,52 @@
               <a:t>InceptionV3</a:t>
             </a:r>
             <a:endParaRPr lang="en-GB" dirty="0"/>
+          </a:p>
+        </p:txBody>
+      </p:sp>
+      <p:sp>
+        <p:nvSpPr>
+          <p:cNvPr id="12" name="Rectangle 11"/>
+          <p:cNvSpPr/>
+          <p:nvPr/>
+        </p:nvSpPr>
+        <p:spPr>
+          <a:xfrm>
+            <a:off x="1280157" y="5145850"/>
+            <a:ext cx="3044867" cy="962357"/>
+          </a:xfrm>
+          <a:prstGeom prst="rect">
+            <a:avLst/>
+          </a:prstGeom>
+          <a:noFill/>
+          <a:ln>
+            <a:solidFill>
+              <a:srgbClr val="FF0000"/>
+            </a:solidFill>
+          </a:ln>
+        </p:spPr>
+        <p:style>
+          <a:lnRef idx="2">
+            <a:schemeClr val="accent1">
+              <a:shade val="50000"/>
+            </a:schemeClr>
+          </a:lnRef>
+          <a:fillRef idx="1">
+            <a:schemeClr val="accent1"/>
+          </a:fillRef>
+          <a:effectRef idx="0">
+            <a:schemeClr val="accent1"/>
+          </a:effectRef>
+          <a:fontRef idx="minor">
+            <a:schemeClr val="lt1"/>
+          </a:fontRef>
+        </p:style>
+        <p:txBody>
+          <a:bodyPr rtlCol="0" anchor="ctr"/>
+          <a:lstStyle/>
+          <a:p>
+            <a:pPr algn="ctr"/>
+            <a:endParaRPr lang="en-GB"/>
           </a:p>
         </p:txBody>
       </p:sp>
@@ -13948,7 +13994,15 @@
             </a:br>
             <a:r>
               <a:rPr lang="en-US" sz="2000" dirty="0"/>
-              <a:t>5. There are several people and children looking into water with a blue tiled floor and goldfish.</a:t>
+              <a:t>5. There are several people and children looking into water with a blue tiled floor and </a:t>
+            </a:r>
+            <a:r>
+              <a:rPr lang="en-US" sz="2000" dirty="0" smtClean="0"/>
+              <a:t>gold fish</a:t>
+            </a:r>
+            <a:r>
+              <a:rPr lang="en-US" sz="2000" dirty="0"/>
+              <a:t>.</a:t>
             </a:r>
           </a:p>
         </p:txBody>
@@ -18496,7 +18550,7 @@
         </p:spPr>
         <p:txBody>
           <a:bodyPr>
-            <a:normAutofit/>
+            <a:normAutofit lnSpcReduction="10000"/>
           </a:bodyPr>
           <a:lstStyle/>
           <a:p>
@@ -18560,20 +18614,113 @@
             </a:pPr>
             <a:r>
               <a:rPr lang="en-IN" sz="1800" dirty="0"/>
-              <a:t>At last, this script generates and saves following plot which summarizes the number of images in the entire dataset; training, validation and testing subsets.</a:t>
-            </a:r>
-          </a:p>
-          <a:p>
-            <a:pPr marL="0" indent="0" algn="just">
+              <a:t>At last, this script generates and saves following plot which summarizes the number of images in the entire dataset; training, validation and testing subsets</a:t>
+            </a:r>
+            <a:r>
+              <a:rPr lang="en-IN" sz="1800" dirty="0" smtClean="0"/>
+              <a:t>.</a:t>
+            </a:r>
+          </a:p>
+          <a:p>
+            <a:pPr marL="457200" indent="-457200" algn="just">
               <a:lnSpc>
                 <a:spcPct val="100000"/>
               </a:lnSpc>
               <a:spcBef>
                 <a:spcPts val="0"/>
               </a:spcBef>
-              <a:buNone/>
+              <a:buFont typeface="+mj-lt"/>
+              <a:buAutoNum type="arabicPeriod" startAt="2"/>
             </a:pPr>
-            <a:endParaRPr lang="en-IN" sz="2000" dirty="0"/>
+            <a:r>
+              <a:rPr lang="en-IN" sz="2000" dirty="0"/>
+              <a:t>Script “scripts/segregate_train_val_test.py” does following tasks:</a:t>
+            </a:r>
+          </a:p>
+          <a:p>
+            <a:pPr marL="914400" lvl="1" indent="-457200" algn="just">
+              <a:lnSpc>
+                <a:spcPct val="100000"/>
+              </a:lnSpc>
+              <a:spcBef>
+                <a:spcPts val="0"/>
+              </a:spcBef>
+              <a:buFont typeface="+mj-lt"/>
+              <a:buAutoNum type="romanLcPeriod"/>
+            </a:pPr>
+            <a:r>
+              <a:rPr lang="en-IN" sz="1800" dirty="0"/>
+              <a:t>This script reads image filenames from Flickr_8.trainImages.txt, Flickr_8k.valImages.txt and Flickr_8k.testImages.txt; extracts these filenames and their captions (5 captions per file) from captions.txt; </a:t>
+            </a:r>
+            <a:endParaRPr lang="en-IN" sz="1800" dirty="0" smtClean="0"/>
+          </a:p>
+          <a:p>
+            <a:pPr marL="914400" lvl="1" indent="-457200" algn="just">
+              <a:lnSpc>
+                <a:spcPct val="100000"/>
+              </a:lnSpc>
+              <a:spcBef>
+                <a:spcPts val="0"/>
+              </a:spcBef>
+              <a:buFont typeface="+mj-lt"/>
+              <a:buAutoNum type="romanLcPeriod"/>
+            </a:pPr>
+            <a:r>
+              <a:rPr lang="en-IN" sz="1800" dirty="0" smtClean="0"/>
+              <a:t>Since we need more data to train Attention Mechanism in order to get acceptable performance, the complete training data along with complete validation and half of testing data is combined to use for training. Only remaining half of test data is used for testing. </a:t>
+            </a:r>
+          </a:p>
+          <a:p>
+            <a:pPr marL="914400" lvl="1" indent="-457200" algn="just">
+              <a:lnSpc>
+                <a:spcPct val="100000"/>
+              </a:lnSpc>
+              <a:spcBef>
+                <a:spcPts val="0"/>
+              </a:spcBef>
+              <a:buFont typeface="+mj-lt"/>
+              <a:buAutoNum type="romanLcPeriod"/>
+            </a:pPr>
+            <a:r>
+              <a:rPr lang="en-IN" sz="1800" dirty="0" smtClean="0"/>
+              <a:t>Then, this script generated two </a:t>
+            </a:r>
+            <a:r>
+              <a:rPr lang="en-IN" sz="1800" dirty="0" err="1" smtClean="0"/>
+              <a:t>csv</a:t>
+            </a:r>
+            <a:r>
+              <a:rPr lang="en-IN" sz="1800" dirty="0" smtClean="0"/>
+              <a:t> files: train_image_caption.csv and test_image</a:t>
+            </a:r>
+            <a:r>
+              <a:rPr lang="en-IN" sz="1800" dirty="0" smtClean="0"/>
+              <a:t>_</a:t>
+            </a:r>
+            <a:r>
+              <a:rPr lang="en-IN" sz="1800" dirty="0" smtClean="0"/>
+              <a:t>caption.csv having two columns: ‘image’ and ‘</a:t>
+            </a:r>
+            <a:r>
+              <a:rPr lang="en-IN" sz="1800" dirty="0" smtClean="0"/>
+              <a:t>caption’. ‘image’ column has image names and ‘caption’ columns has all 5 captions of corresponding image separated by ‘&lt;&gt;’.</a:t>
+            </a:r>
+          </a:p>
+          <a:p>
+            <a:pPr marL="914400" lvl="1" indent="-457200" algn="just">
+              <a:lnSpc>
+                <a:spcPct val="100000"/>
+              </a:lnSpc>
+              <a:spcBef>
+                <a:spcPts val="0"/>
+              </a:spcBef>
+              <a:buFont typeface="+mj-lt"/>
+              <a:buAutoNum type="romanLcPeriod"/>
+            </a:pPr>
+            <a:r>
+              <a:rPr lang="en-IN" sz="1800" dirty="0" smtClean="0"/>
+              <a:t>At last, this script generated a plot showing below:</a:t>
+            </a:r>
           </a:p>
         </p:txBody>
       </p:sp>
@@ -18635,47 +18782,6 @@
           </a:p>
         </p:txBody>
       </p:sp>
-      <p:pic>
-        <p:nvPicPr>
-          <p:cNvPr id="6" name="Picture 2" descr="Z:\no_of_imgs_in_total_train_test.png"/>
-          <p:cNvPicPr>
-            <a:picLocks noChangeAspect="1" noChangeArrowheads="1"/>
-          </p:cNvPicPr>
-          <p:nvPr/>
-        </p:nvPicPr>
-        <p:blipFill>
-          <a:blip r:embed="rId2">
-            <a:extLst>
-              <a:ext uri="{28A0092B-C50C-407E-A947-70E740481C1C}">
-                <a14:useLocalDpi xmlns:a14="http://schemas.microsoft.com/office/drawing/2010/main" val="0"/>
-              </a:ext>
-            </a:extLst>
-          </a:blip>
-          <a:srcRect/>
-          <a:stretch>
-            <a:fillRect/>
-          </a:stretch>
-        </p:blipFill>
-        <p:spPr bwMode="auto">
-          <a:xfrm>
-            <a:off x="2743200" y="3459480"/>
-            <a:ext cx="6172201" cy="3016885"/>
-          </a:xfrm>
-          <a:prstGeom prst="rect">
-            <a:avLst/>
-          </a:prstGeom>
-          <a:noFill/>
-          <a:extLst>
-            <a:ext uri="{909E8E84-426E-40DD-AFC4-6F175D3DCCD1}">
-              <a14:hiddenFill xmlns:a14="http://schemas.microsoft.com/office/drawing/2010/main">
-                <a:solidFill>
-                  <a:srgbClr val="FFFFFF"/>
-                </a:solidFill>
-              </a14:hiddenFill>
-            </a:ext>
-          </a:extLst>
-        </p:spPr>
-      </p:pic>
     </p:spTree>
     <p:extLst>
       <p:ext uri="{BB962C8B-B14F-4D97-AF65-F5344CB8AC3E}">
@@ -18782,11 +18888,140 @@
                 <a:spcPts val="0"/>
               </a:spcBef>
               <a:buFont typeface="+mj-lt"/>
-              <a:buAutoNum type="arabicPeriod" startAt="2"/>
+              <a:buAutoNum type="arabicPeriod" startAt="3"/>
             </a:pPr>
+            <a:endParaRPr lang="en-IN" sz="2000" dirty="0" smtClean="0"/>
+          </a:p>
+          <a:p>
+            <a:pPr marL="457200" indent="-457200" algn="just">
+              <a:lnSpc>
+                <a:spcPct val="100000"/>
+              </a:lnSpc>
+              <a:spcBef>
+                <a:spcPts val="0"/>
+              </a:spcBef>
+              <a:buFont typeface="+mj-lt"/>
+              <a:buAutoNum type="arabicPeriod" startAt="3"/>
+            </a:pPr>
+            <a:endParaRPr lang="en-IN" sz="2000" dirty="0"/>
+          </a:p>
+          <a:p>
+            <a:pPr marL="457200" indent="-457200" algn="just">
+              <a:lnSpc>
+                <a:spcPct val="100000"/>
+              </a:lnSpc>
+              <a:spcBef>
+                <a:spcPts val="0"/>
+              </a:spcBef>
+              <a:buFont typeface="+mj-lt"/>
+              <a:buAutoNum type="arabicPeriod" startAt="3"/>
+            </a:pPr>
+            <a:endParaRPr lang="en-IN" sz="2000" dirty="0" smtClean="0"/>
+          </a:p>
+          <a:p>
+            <a:pPr marL="457200" indent="-457200" algn="just">
+              <a:lnSpc>
+                <a:spcPct val="100000"/>
+              </a:lnSpc>
+              <a:spcBef>
+                <a:spcPts val="0"/>
+              </a:spcBef>
+              <a:buFont typeface="+mj-lt"/>
+              <a:buAutoNum type="arabicPeriod" startAt="3"/>
+            </a:pPr>
+            <a:endParaRPr lang="en-IN" sz="2000" dirty="0"/>
+          </a:p>
+          <a:p>
+            <a:pPr marL="457200" indent="-457200" algn="just">
+              <a:lnSpc>
+                <a:spcPct val="100000"/>
+              </a:lnSpc>
+              <a:spcBef>
+                <a:spcPts val="0"/>
+              </a:spcBef>
+              <a:buFont typeface="+mj-lt"/>
+              <a:buAutoNum type="arabicPeriod" startAt="3"/>
+            </a:pPr>
+            <a:endParaRPr lang="en-IN" sz="2000" dirty="0" smtClean="0"/>
+          </a:p>
+          <a:p>
+            <a:pPr marL="457200" indent="-457200" algn="just">
+              <a:lnSpc>
+                <a:spcPct val="100000"/>
+              </a:lnSpc>
+              <a:spcBef>
+                <a:spcPts val="0"/>
+              </a:spcBef>
+              <a:buFont typeface="+mj-lt"/>
+              <a:buAutoNum type="arabicPeriod" startAt="3"/>
+            </a:pPr>
+            <a:endParaRPr lang="en-IN" sz="2000" dirty="0"/>
+          </a:p>
+          <a:p>
+            <a:pPr marL="457200" indent="-457200" algn="just">
+              <a:lnSpc>
+                <a:spcPct val="100000"/>
+              </a:lnSpc>
+              <a:spcBef>
+                <a:spcPts val="0"/>
+              </a:spcBef>
+              <a:buFont typeface="+mj-lt"/>
+              <a:buAutoNum type="arabicPeriod" startAt="3"/>
+            </a:pPr>
+            <a:endParaRPr lang="en-IN" sz="2000" dirty="0" smtClean="0"/>
+          </a:p>
+          <a:p>
+            <a:pPr marL="457200" indent="-457200" algn="just">
+              <a:lnSpc>
+                <a:spcPct val="100000"/>
+              </a:lnSpc>
+              <a:spcBef>
+                <a:spcPts val="0"/>
+              </a:spcBef>
+              <a:buFont typeface="+mj-lt"/>
+              <a:buAutoNum type="arabicPeriod" startAt="3"/>
+            </a:pPr>
+            <a:endParaRPr lang="en-IN" sz="2000" dirty="0" smtClean="0"/>
+          </a:p>
+          <a:p>
+            <a:pPr marL="457200" indent="-457200" algn="just">
+              <a:lnSpc>
+                <a:spcPct val="100000"/>
+              </a:lnSpc>
+              <a:spcBef>
+                <a:spcPts val="0"/>
+              </a:spcBef>
+              <a:buFont typeface="+mj-lt"/>
+              <a:buAutoNum type="arabicPeriod" startAt="3"/>
+            </a:pPr>
+            <a:endParaRPr lang="en-IN" sz="2000" dirty="0"/>
+          </a:p>
+          <a:p>
+            <a:pPr marL="457200" indent="-457200" algn="just">
+              <a:lnSpc>
+                <a:spcPct val="100000"/>
+              </a:lnSpc>
+              <a:spcBef>
+                <a:spcPts val="0"/>
+              </a:spcBef>
+              <a:buFont typeface="+mj-lt"/>
+              <a:buAutoNum type="arabicPeriod" startAt="3"/>
+            </a:pPr>
+            <a:r>
+              <a:rPr lang="en-IN" sz="2000" dirty="0" smtClean="0"/>
+              <a:t>Script </a:t>
+            </a:r>
             <a:r>
               <a:rPr lang="en-IN" sz="2000" dirty="0"/>
-              <a:t>Script “scripts/segregate_train_val_test.py” does following tasks:</a:t>
+              <a:t>“</a:t>
+            </a:r>
+            <a:r>
+              <a:rPr lang="en-IN" sz="2000" dirty="0" smtClean="0"/>
+              <a:t>scripts/preprocessing_train.py</a:t>
+            </a:r>
+            <a:r>
+              <a:rPr lang="en-IN" sz="2000" dirty="0"/>
+              <a:t>” does following tasks:</a:t>
             </a:r>
           </a:p>
           <a:p>
@@ -18802,7 +19037,7 @@
             </a:pPr>
             <a:r>
               <a:rPr lang="en-IN" sz="1800" dirty="0"/>
-              <a:t>This script reads image filenames from Flickr_8.trainImages.txt, Flickr_8k.valImages.txt and Flickr_8k.testImages.txt; extracts these filenames and their captions (5 captions per file) from captions.txt; and save it in train_image_caption.csv, val_image_caption.csv and test_image_caption.csv. </a:t>
+              <a:t>It reads train_image_caption.csv file. Extracts image filenames and their five captions (joint by “&lt;&gt;”).</a:t>
             </a:r>
           </a:p>
           <a:p>
@@ -18818,7 +19053,7 @@
             </a:pPr>
             <a:r>
               <a:rPr lang="en-IN" sz="1800" dirty="0"/>
-              <a:t>All these files (i.e., train_image_caption.csv, val_image_caption.csv and test_image_caption.csv) have two columns: “image” and “caption”.</a:t>
+              <a:t>It takes out each caption of each image file and perform these operations: converts into lower case, removes all special characters, removes all single characters (like ‘a’, ‘s’, etc.) and removes numerical figures (such as ‘1’, ‘2’, etc.). This part is well known as Data Cleaning or Data Pre-processing.</a:t>
             </a:r>
           </a:p>
           <a:p>
@@ -18834,111 +19069,87 @@
             </a:pPr>
             <a:r>
               <a:rPr lang="en-IN" sz="1800" dirty="0"/>
-              <a:t> All five caption of an image are in a single row corresponding to its image filename, separated by “&lt;&gt;”. These captions are yet not cleaned.</a:t>
-            </a:r>
-          </a:p>
-          <a:p>
-            <a:pPr marL="457200" indent="-457200" algn="just">
-              <a:lnSpc>
-                <a:spcPct val="100000"/>
-              </a:lnSpc>
-              <a:spcBef>
-                <a:spcPts val="0"/>
-              </a:spcBef>
-              <a:buFont typeface="+mj-lt"/>
-              <a:buAutoNum type="arabicPeriod" startAt="3"/>
-            </a:pPr>
-            <a:r>
-              <a:rPr lang="en-IN" sz="2000" dirty="0"/>
-              <a:t>Script “</a:t>
-            </a:r>
-            <a:r>
-              <a:rPr lang="en-IN" sz="2000" dirty="0" smtClean="0"/>
-              <a:t>scripts/preprocessing_train.py</a:t>
-            </a:r>
-            <a:r>
-              <a:rPr lang="en-IN" sz="2000" dirty="0"/>
-              <a:t>” does following tasks:</a:t>
-            </a:r>
-          </a:p>
-          <a:p>
-            <a:pPr marL="914400" lvl="1" indent="-457200" algn="just">
-              <a:lnSpc>
-                <a:spcPct val="100000"/>
-              </a:lnSpc>
-              <a:spcBef>
-                <a:spcPts val="0"/>
-              </a:spcBef>
-              <a:buFont typeface="+mj-lt"/>
-              <a:buAutoNum type="romanLcPeriod"/>
-            </a:pPr>
+              <a:t>Then, it </a:t>
+            </a:r>
+            <a:r>
+              <a:rPr lang="en-IN" sz="1800" dirty="0" smtClean="0"/>
+              <a:t>puts “&lt;</a:t>
+            </a:r>
+            <a:r>
+              <a:rPr lang="en-IN" sz="1800" dirty="0" err="1" smtClean="0"/>
+              <a:t>startseq</a:t>
+            </a:r>
+            <a:r>
+              <a:rPr lang="en-IN" sz="1800" dirty="0" smtClean="0"/>
+              <a:t>&gt;” </a:t>
+            </a:r>
             <a:r>
               <a:rPr lang="en-IN" sz="1800" dirty="0"/>
-              <a:t>It reads train_image_caption.csv file. Extracts image filenames and their five captions (joint by “&lt;&gt;”).</a:t>
-            </a:r>
-          </a:p>
-          <a:p>
-            <a:pPr marL="914400" lvl="1" indent="-457200" algn="just">
-              <a:lnSpc>
-                <a:spcPct val="100000"/>
-              </a:lnSpc>
-              <a:spcBef>
-                <a:spcPts val="0"/>
-              </a:spcBef>
-              <a:buFont typeface="+mj-lt"/>
-              <a:buAutoNum type="romanLcPeriod"/>
-            </a:pPr>
+              <a:t>and </a:t>
+            </a:r>
+            <a:r>
+              <a:rPr lang="en-IN" sz="1800" dirty="0" smtClean="0"/>
+              <a:t>“&lt;</a:t>
+            </a:r>
+            <a:r>
+              <a:rPr lang="en-IN" sz="1800" dirty="0" err="1" smtClean="0"/>
+              <a:t>endseq</a:t>
+            </a:r>
+            <a:r>
+              <a:rPr lang="en-IN" sz="1800" dirty="0" smtClean="0"/>
+              <a:t>&gt;” </a:t>
+            </a:r>
             <a:r>
               <a:rPr lang="en-IN" sz="1800" dirty="0"/>
-              <a:t>It takes out each caption of each image file and perform these operations: converts into lower case, removes all special characters, removes all single characters (like ‘a’, ‘s’, etc.) and removes numerical figures (such as ‘1’, ‘2’, etc.). This part is well known as Data Cleaning or Data Pre-processing.</a:t>
-            </a:r>
-          </a:p>
-          <a:p>
-            <a:pPr marL="914400" lvl="1" indent="-457200" algn="just">
-              <a:lnSpc>
-                <a:spcPct val="100000"/>
-              </a:lnSpc>
-              <a:spcBef>
-                <a:spcPts val="0"/>
-              </a:spcBef>
-              <a:buFont typeface="+mj-lt"/>
-              <a:buAutoNum type="romanLcPeriod"/>
-            </a:pPr>
+              <a:t>before and after each processed </a:t>
+            </a:r>
+            <a:r>
+              <a:rPr lang="en-IN" sz="1800" dirty="0" smtClean="0"/>
+              <a:t>caption, </a:t>
+            </a:r>
             <a:r>
               <a:rPr lang="en-IN" sz="1800" dirty="0"/>
-              <a:t>Then, it put “</a:t>
-            </a:r>
-            <a:r>
-              <a:rPr lang="en-IN" sz="1800" dirty="0" err="1"/>
+              <a:t>join </a:t>
+            </a:r>
+            <a:r>
+              <a:rPr lang="en-IN" sz="1800" dirty="0" smtClean="0"/>
+              <a:t>these processed captions </a:t>
+            </a:r>
+            <a:r>
+              <a:rPr lang="en-IN" sz="1800" dirty="0"/>
+              <a:t>by “#” and save it with its image filename in file train_image_caption_processed.csv. </a:t>
+            </a:r>
+            <a:r>
+              <a:rPr lang="en-IN" sz="1800" dirty="0" smtClean="0"/>
+              <a:t>“&lt;</a:t>
+            </a:r>
+            <a:r>
+              <a:rPr lang="en-IN" sz="1800" dirty="0" err="1" smtClean="0"/>
               <a:t>startseq</a:t>
             </a:r>
             <a:r>
+              <a:rPr lang="en-IN" sz="1800" dirty="0" smtClean="0"/>
+              <a:t>&gt;” </a:t>
+            </a:r>
+            <a:r>
               <a:rPr lang="en-IN" sz="1800" dirty="0"/>
-              <a:t>” and “</a:t>
-            </a:r>
-            <a:r>
-              <a:rPr lang="en-IN" sz="1800" dirty="0" err="1"/>
+              <a:t>and </a:t>
+            </a:r>
+            <a:r>
+              <a:rPr lang="en-IN" sz="1800" dirty="0" smtClean="0"/>
+              <a:t>“&lt;</a:t>
+            </a:r>
+            <a:r>
+              <a:rPr lang="en-IN" sz="1800" dirty="0" err="1" smtClean="0"/>
               <a:t>endseq</a:t>
             </a:r>
             <a:r>
+              <a:rPr lang="en-IN" sz="1800" dirty="0" smtClean="0"/>
+              <a:t>&gt;” </a:t>
+            </a:r>
+            <a:r>
               <a:rPr lang="en-IN" sz="1800" dirty="0"/>
-              <a:t>” before and after each processed caption, join them by “#” and save it with its image filename in file train_image_caption_processed.csv. “</a:t>
-            </a:r>
-            <a:r>
-              <a:rPr lang="en-IN" sz="1800" dirty="0" err="1"/>
-              <a:t>startseq</a:t>
-            </a:r>
-            <a:r>
-              <a:rPr lang="en-IN" sz="1800" dirty="0"/>
-              <a:t>” and “</a:t>
-            </a:r>
-            <a:r>
-              <a:rPr lang="en-IN" sz="1800" dirty="0" err="1"/>
-              <a:t>endseq</a:t>
-            </a:r>
-            <a:r>
-              <a:rPr lang="en-IN" sz="1800" dirty="0"/>
-              <a:t>” are special tokens.</a:t>
+              <a:t>are special tokens.</a:t>
             </a:r>
           </a:p>
           <a:p>
@@ -19017,6 +19228,47 @@
           </a:p>
         </p:txBody>
       </p:sp>
+      <p:pic>
+        <p:nvPicPr>
+          <p:cNvPr id="6" name="Picture 2" descr="Z:\no_of_imgs_in_total_train_test.png"/>
+          <p:cNvPicPr>
+            <a:picLocks noChangeAspect="1" noChangeArrowheads="1"/>
+          </p:cNvPicPr>
+          <p:nvPr/>
+        </p:nvPicPr>
+        <p:blipFill>
+          <a:blip r:embed="rId2">
+            <a:extLst>
+              <a:ext uri="{28A0092B-C50C-407E-A947-70E740481C1C}">
+                <a14:useLocalDpi xmlns:a14="http://schemas.microsoft.com/office/drawing/2010/main" val="0"/>
+              </a:ext>
+            </a:extLst>
+          </a:blip>
+          <a:srcRect/>
+          <a:stretch>
+            <a:fillRect/>
+          </a:stretch>
+        </p:blipFill>
+        <p:spPr bwMode="auto">
+          <a:xfrm>
+            <a:off x="3322319" y="929640"/>
+            <a:ext cx="5394961" cy="2727325"/>
+          </a:xfrm>
+          <a:prstGeom prst="rect">
+            <a:avLst/>
+          </a:prstGeom>
+          <a:noFill/>
+          <a:extLst>
+            <a:ext uri="{909E8E84-426E-40DD-AFC4-6F175D3DCCD1}">
+              <a14:hiddenFill xmlns:a14="http://schemas.microsoft.com/office/drawing/2010/main">
+                <a:solidFill>
+                  <a:srgbClr val="FFFFFF"/>
+                </a:solidFill>
+              </a14:hiddenFill>
+            </a:ext>
+          </a:extLst>
+        </p:spPr>
+      </p:pic>
     </p:spTree>
     <p:extLst>
       <p:ext uri="{BB962C8B-B14F-4D97-AF65-F5344CB8AC3E}">
@@ -19111,7 +19363,7 @@
         </p:spPr>
         <p:txBody>
           <a:bodyPr>
-            <a:normAutofit fontScale="92500"/>
+            <a:normAutofit fontScale="92500" lnSpcReduction="20000"/>
           </a:bodyPr>
           <a:lstStyle/>
           <a:p>
@@ -19126,15 +19378,15 @@
               <a:buAutoNum type="arabicPeriod" startAt="4"/>
             </a:pPr>
             <a:r>
-              <a:rPr lang="en-IN" sz="2000" dirty="0" smtClean="0"/>
-              <a:t>Script “scripts/</a:t>
-            </a:r>
-            <a:r>
-              <a:rPr lang="en-IN" sz="2000" dirty="0" err="1" smtClean="0"/>
-              <a:t>preprocessing_val_test.npy</a:t>
-            </a:r>
-            <a:r>
-              <a:rPr lang="en-IN" sz="2000" dirty="0" smtClean="0"/>
+              <a:rPr lang="en-IN" sz="2200" dirty="0" smtClean="0"/>
+              <a:t>Script “</a:t>
+            </a:r>
+            <a:r>
+              <a:rPr lang="en-IN" sz="2200" dirty="0" smtClean="0"/>
+              <a:t>scripts/preprocessing_test.py</a:t>
+            </a:r>
+            <a:r>
+              <a:rPr lang="en-IN" sz="2200" dirty="0" smtClean="0"/>
               <a:t>” does following tasks:</a:t>
             </a:r>
           </a:p>
@@ -19150,12 +19402,28 @@
               <a:buAutoNum type="romanLcPeriod"/>
             </a:pPr>
             <a:r>
-              <a:rPr lang="en-IN" sz="1800" dirty="0" smtClean="0"/>
-              <a:t>This script reads val_image_caption.csv and test_image_caption.csv file</a:t>
-            </a:r>
-            <a:r>
-              <a:rPr lang="en-IN" sz="1800" dirty="0"/>
-              <a:t>. Extracts image filenames and their five captions (joint by “&lt;&gt;”).</a:t>
+              <a:rPr lang="en-IN" sz="1900" dirty="0" smtClean="0"/>
+              <a:t>This script reads </a:t>
+            </a:r>
+            <a:r>
+              <a:rPr lang="en-IN" sz="1900" dirty="0" smtClean="0"/>
+              <a:t>test_image_caption.csv </a:t>
+            </a:r>
+            <a:r>
+              <a:rPr lang="en-IN" sz="1900" dirty="0" smtClean="0"/>
+              <a:t>file</a:t>
+            </a:r>
+            <a:r>
+              <a:rPr lang="en-IN" sz="1900" dirty="0"/>
+              <a:t>. Extracts image filenames </a:t>
+            </a:r>
+            <a:r>
+              <a:rPr lang="en-IN" sz="1900" dirty="0" smtClean="0"/>
+              <a:t>&amp; </a:t>
+            </a:r>
+            <a:r>
+              <a:rPr lang="en-IN" sz="1900" dirty="0"/>
+              <a:t>their five captions (joint by “&lt;&gt;”).</a:t>
             </a:r>
           </a:p>
           <a:p>
@@ -19170,14 +19438,14 @@
               <a:buAutoNum type="romanLcPeriod"/>
             </a:pPr>
             <a:r>
-              <a:rPr lang="en-IN" sz="1800" dirty="0"/>
+              <a:rPr lang="en-IN" sz="1900" dirty="0"/>
               <a:t>It takes out each caption of each image file and perform these operations: converts into lower case, removes all special characters, removes all single characters (like ‘a’, ‘s’, etc.) and removes numerical figures (such as ‘1’, ‘2’, etc.). This part is well known as Data Cleaning or Data Pre-processing</a:t>
             </a:r>
             <a:r>
-              <a:rPr lang="en-IN" sz="1800" dirty="0" smtClean="0"/>
+              <a:rPr lang="en-IN" sz="1900" dirty="0" smtClean="0"/>
               <a:t>. This entire processing will be done by referring vocabulary.txt file as words not in vocabulary will be deleted from captions.</a:t>
             </a:r>
-            <a:endParaRPr lang="en-IN" sz="1800" dirty="0"/>
+            <a:endParaRPr lang="en-IN" sz="1900" dirty="0"/>
           </a:p>
           <a:p>
             <a:pPr marL="914400" lvl="1" indent="-457200" algn="just">
@@ -19191,62 +19459,110 @@
               <a:buAutoNum type="romanLcPeriod"/>
             </a:pPr>
             <a:r>
-              <a:rPr lang="en-IN" sz="1800" dirty="0"/>
+              <a:rPr lang="en-IN" sz="1900" dirty="0"/>
               <a:t>Then, it </a:t>
             </a:r>
             <a:r>
-              <a:rPr lang="en-IN" sz="1800" dirty="0" smtClean="0"/>
+              <a:rPr lang="en-IN" sz="1900" dirty="0" smtClean="0"/>
               <a:t>joins </a:t>
             </a:r>
             <a:r>
-              <a:rPr lang="en-IN" sz="1800" dirty="0"/>
-              <a:t>them by “#” and save it with its image filename in file </a:t>
-            </a:r>
-            <a:r>
-              <a:rPr lang="en-IN" sz="1800" dirty="0" smtClean="0"/>
-              <a:t>val_image_caption_processed.csv and test_image_caption_processed.csv. </a:t>
-            </a:r>
-            <a:r>
-              <a:rPr lang="en-IN" sz="1800" dirty="0"/>
-              <a:t>“</a:t>
-            </a:r>
-            <a:r>
-              <a:rPr lang="en-IN" sz="1800" dirty="0" err="1"/>
+              <a:rPr lang="en-IN" sz="1900" dirty="0" smtClean="0"/>
+              <a:t>processed captions </a:t>
+            </a:r>
+            <a:r>
+              <a:rPr lang="en-IN" sz="1900" dirty="0"/>
+              <a:t>by “#” and save </a:t>
+            </a:r>
+            <a:r>
+              <a:rPr lang="en-IN" sz="1900" dirty="0" smtClean="0"/>
+              <a:t>them </a:t>
+            </a:r>
+            <a:r>
+              <a:rPr lang="en-IN" sz="1900" dirty="0"/>
+              <a:t>with </a:t>
+            </a:r>
+            <a:r>
+              <a:rPr lang="en-IN" sz="1900" dirty="0" smtClean="0"/>
+              <a:t>their </a:t>
+            </a:r>
+            <a:r>
+              <a:rPr lang="en-IN" sz="1900" dirty="0"/>
+              <a:t>image filename in file </a:t>
+            </a:r>
+            <a:r>
+              <a:rPr lang="en-IN" sz="1900" dirty="0" smtClean="0"/>
+              <a:t>test_image_caption_processed.csv. “&lt;</a:t>
+            </a:r>
+            <a:r>
+              <a:rPr lang="en-IN" sz="1900" dirty="0" err="1" smtClean="0"/>
               <a:t>startseq</a:t>
             </a:r>
             <a:r>
-              <a:rPr lang="en-IN" sz="1800" dirty="0"/>
-              <a:t>” and “</a:t>
-            </a:r>
-            <a:r>
-              <a:rPr lang="en-IN" sz="1800" dirty="0" err="1"/>
+              <a:rPr lang="en-IN" sz="1900" dirty="0" smtClean="0"/>
+              <a:t>&gt;” </a:t>
+            </a:r>
+            <a:r>
+              <a:rPr lang="en-IN" sz="1900" dirty="0"/>
+              <a:t>and </a:t>
+            </a:r>
+            <a:r>
+              <a:rPr lang="en-IN" sz="1900" dirty="0" smtClean="0"/>
+              <a:t>“&lt;</a:t>
+            </a:r>
+            <a:r>
+              <a:rPr lang="en-IN" sz="1900" dirty="0" err="1" smtClean="0"/>
               <a:t>endseq</a:t>
             </a:r>
             <a:r>
-              <a:rPr lang="en-IN" sz="1800" dirty="0"/>
-              <a:t>” </a:t>
-            </a:r>
-            <a:r>
-              <a:rPr lang="en-IN" sz="1800" dirty="0" smtClean="0"/>
-              <a:t>special tokens are not required for validation and test data because we have to directly match with generated captions which will not have “</a:t>
-            </a:r>
-            <a:r>
-              <a:rPr lang="en-IN" sz="1800" dirty="0" err="1" smtClean="0"/>
+              <a:rPr lang="en-IN" sz="1900" dirty="0" smtClean="0"/>
+              <a:t>&gt;” </a:t>
+            </a:r>
+            <a:r>
+              <a:rPr lang="en-IN" sz="1900" dirty="0" smtClean="0"/>
+              <a:t>special tokens are not required for </a:t>
+            </a:r>
+            <a:r>
+              <a:rPr lang="en-IN" sz="1900" dirty="0" smtClean="0"/>
+              <a:t>test </a:t>
+            </a:r>
+            <a:r>
+              <a:rPr lang="en-IN" sz="1900" dirty="0" smtClean="0"/>
+              <a:t>data because we have to directly match with generated captions which will not have </a:t>
+            </a:r>
+            <a:r>
+              <a:rPr lang="en-IN" sz="1900" dirty="0" smtClean="0"/>
+              <a:t>“&lt;</a:t>
+            </a:r>
+            <a:r>
+              <a:rPr lang="en-IN" sz="1900" dirty="0" err="1" smtClean="0"/>
               <a:t>startseq</a:t>
             </a:r>
             <a:r>
-              <a:rPr lang="en-IN" sz="1800" dirty="0" smtClean="0"/>
-              <a:t>” and “</a:t>
-            </a:r>
-            <a:r>
-              <a:rPr lang="en-IN" sz="1800" dirty="0" err="1" smtClean="0"/>
+              <a:rPr lang="en-IN" sz="1900" dirty="0" smtClean="0"/>
+              <a:t>&gt;” </a:t>
+            </a:r>
+            <a:r>
+              <a:rPr lang="en-IN" sz="1900" dirty="0" smtClean="0"/>
+              <a:t>and </a:t>
+            </a:r>
+            <a:r>
+              <a:rPr lang="en-IN" sz="1900" dirty="0" smtClean="0"/>
+              <a:t>“&lt;</a:t>
+            </a:r>
+            <a:r>
+              <a:rPr lang="en-IN" sz="1900" dirty="0" err="1" smtClean="0"/>
               <a:t>endseq</a:t>
             </a:r>
             <a:r>
-              <a:rPr lang="en-IN" sz="1800" dirty="0" smtClean="0"/>
-              <a:t>” tokens.</a:t>
-            </a:r>
-            <a:endParaRPr lang="en-IN" sz="1800" dirty="0"/>
+              <a:rPr lang="en-IN" sz="1900" dirty="0" smtClean="0"/>
+              <a:t>&gt;” </a:t>
+            </a:r>
+            <a:r>
+              <a:rPr lang="en-IN" sz="1900" dirty="0" smtClean="0"/>
+              <a:t>tokens.</a:t>
+            </a:r>
+            <a:endParaRPr lang="en-IN" sz="1900" dirty="0"/>
           </a:p>
           <a:p>
             <a:pPr marL="457200" indent="-457200" algn="just">
@@ -19260,7 +19576,7 @@
               <a:buAutoNum type="arabicPeriod" startAt="4"/>
             </a:pPr>
             <a:r>
-              <a:rPr lang="en-IN" sz="2000" dirty="0" smtClean="0"/>
+              <a:rPr lang="en-IN" sz="2200" dirty="0" smtClean="0"/>
               <a:t>Script “scripts/gen_image_features.csv” does following tasks:</a:t>
             </a:r>
           </a:p>
@@ -19276,27 +19592,27 @@
               <a:buAutoNum type="romanLcPeriod"/>
             </a:pPr>
             <a:r>
-              <a:rPr lang="en-IN" sz="1800" dirty="0" smtClean="0"/>
+              <a:rPr lang="en-IN" sz="1900" dirty="0" smtClean="0"/>
               <a:t>This </a:t>
             </a:r>
             <a:r>
-              <a:rPr lang="en-IN" sz="1800" dirty="0"/>
+              <a:rPr lang="en-IN" sz="1900" dirty="0"/>
               <a:t>script loads each image which is in </a:t>
             </a:r>
             <a:r>
-              <a:rPr lang="en-IN" sz="1800" dirty="0" smtClean="0"/>
+              <a:rPr lang="en-IN" sz="1900" dirty="0" smtClean="0"/>
               <a:t>train_image_caption_processed.csv, </a:t>
             </a:r>
             <a:r>
-              <a:rPr lang="en-IN" sz="1800" dirty="0"/>
+              <a:rPr lang="en-IN" sz="1900" dirty="0"/>
               <a:t>resize it for the pre-trained model to generate bottleneck features (here, we have used </a:t>
             </a:r>
             <a:r>
-              <a:rPr lang="en-IN" sz="1800" dirty="0" smtClean="0"/>
+              <a:rPr lang="en-IN" sz="1900" dirty="0" smtClean="0"/>
               <a:t>InceptionV3, </a:t>
             </a:r>
             <a:r>
-              <a:rPr lang="en-IN" sz="1800" dirty="0"/>
+              <a:rPr lang="en-IN" sz="1900" dirty="0"/>
               <a:t>discussed in later slides).</a:t>
             </a:r>
           </a:p>
@@ -19312,70 +19628,98 @@
               <a:buAutoNum type="romanLcPeriod"/>
             </a:pPr>
             <a:r>
-              <a:rPr lang="en-IN" sz="1800" dirty="0"/>
+              <a:rPr lang="en-IN" sz="1900" dirty="0"/>
               <a:t>Then, it passes each of these images through our chosen pre-trained model (here it is </a:t>
             </a:r>
             <a:r>
-              <a:rPr lang="en-IN" sz="1800" dirty="0" smtClean="0"/>
+              <a:rPr lang="en-IN" sz="1900" dirty="0" smtClean="0"/>
               <a:t>InceptionV3) </a:t>
             </a:r>
             <a:r>
-              <a:rPr lang="en-IN" sz="1800" dirty="0"/>
+              <a:rPr lang="en-IN" sz="1900" dirty="0"/>
               <a:t>and generates bottleneck feature of dimension </a:t>
             </a:r>
             <a:r>
-              <a:rPr lang="en-IN" sz="1800" dirty="0" smtClean="0"/>
-              <a:t>(7, 7, 512). Then, script is reshaping it to (49, 512) and saving it as a </a:t>
-            </a:r>
-            <a:r>
-              <a:rPr lang="en-IN" sz="1800" dirty="0" err="1" smtClean="0"/>
+              <a:rPr lang="en-IN" sz="1900" dirty="0" smtClean="0"/>
+              <a:t>(8, 8, 2048). </a:t>
+            </a:r>
+            <a:r>
+              <a:rPr lang="en-IN" sz="1900" dirty="0" smtClean="0"/>
+              <a:t>Then, script is reshaping it to </a:t>
+            </a:r>
+            <a:r>
+              <a:rPr lang="en-IN" sz="1900" dirty="0" smtClean="0"/>
+              <a:t>(64, 2048) </a:t>
+            </a:r>
+            <a:r>
+              <a:rPr lang="en-IN" sz="1900" dirty="0" smtClean="0"/>
+              <a:t>and saving it as a </a:t>
+            </a:r>
+            <a:r>
+              <a:rPr lang="en-IN" sz="1900" dirty="0" err="1" smtClean="0"/>
               <a:t>npy</a:t>
             </a:r>
             <a:r>
-              <a:rPr lang="en-IN" sz="1800" dirty="0" smtClean="0"/>
+              <a:rPr lang="en-IN" sz="1900" dirty="0" smtClean="0"/>
               <a:t> file. Script </a:t>
             </a:r>
             <a:r>
-              <a:rPr lang="en-IN" sz="1800" dirty="0"/>
+              <a:rPr lang="en-IN" sz="1900" dirty="0"/>
               <a:t>has done this task </a:t>
             </a:r>
             <a:r>
-              <a:rPr lang="en-IN" sz="1800" dirty="0" smtClean="0"/>
-              <a:t>image by image, i.e., one image at a time. </a:t>
-            </a:r>
-            <a:r>
-              <a:rPr lang="en-IN" sz="1800" dirty="0"/>
-              <a:t>In this manner, it will save </a:t>
-            </a:r>
-            <a:r>
-              <a:rPr lang="en-IN" sz="1800" dirty="0" smtClean="0"/>
-              <a:t>6,000 </a:t>
-            </a:r>
-            <a:r>
-              <a:rPr lang="en-IN" sz="1800" dirty="0" err="1" smtClean="0"/>
+              <a:rPr lang="en-IN" sz="1900" dirty="0" smtClean="0"/>
+              <a:t>in batches of 64 images. </a:t>
+            </a:r>
+            <a:r>
+              <a:rPr lang="en-IN" sz="1900" dirty="0"/>
+              <a:t>In this manner, it </a:t>
+            </a:r>
+            <a:r>
+              <a:rPr lang="en-IN" sz="1900" dirty="0" smtClean="0"/>
+              <a:t>has saved 7,591 </a:t>
+            </a:r>
+            <a:r>
+              <a:rPr lang="en-IN" sz="1900" dirty="0" err="1" smtClean="0"/>
               <a:t>npy</a:t>
             </a:r>
             <a:r>
-              <a:rPr lang="en-IN" sz="1800" dirty="0" smtClean="0"/>
+              <a:rPr lang="en-IN" sz="1900" dirty="0" smtClean="0"/>
               <a:t> </a:t>
             </a:r>
             <a:r>
-              <a:rPr lang="en-IN" sz="1800" dirty="0"/>
+              <a:rPr lang="en-IN" sz="1900" dirty="0"/>
               <a:t>files </a:t>
             </a:r>
             <a:r>
-              <a:rPr lang="en-IN" sz="1800" dirty="0" smtClean="0"/>
+              <a:rPr lang="en-IN" sz="1900" dirty="0" smtClean="0"/>
               <a:t>(since </a:t>
             </a:r>
             <a:r>
-              <a:rPr lang="en-IN" sz="1800" dirty="0"/>
-              <a:t>we have 6,000 file names in Flickr_8k.trainImages.txt file</a:t>
-            </a:r>
-            <a:r>
-              <a:rPr lang="en-IN" sz="1800" dirty="0" smtClean="0"/>
+              <a:rPr lang="en-IN" sz="1900" dirty="0"/>
+              <a:t>we have </a:t>
+            </a:r>
+            <a:r>
+              <a:rPr lang="en-IN" sz="1900" dirty="0" smtClean="0"/>
+              <a:t>7591 </a:t>
+            </a:r>
+            <a:r>
+              <a:rPr lang="en-IN" sz="1900" dirty="0"/>
+              <a:t>file names in </a:t>
+            </a:r>
+            <a:r>
+              <a:rPr lang="en-IN" sz="1900" dirty="0" smtClean="0"/>
+              <a:t>train_image_caption_processed.csv </a:t>
+            </a:r>
+            <a:r>
+              <a:rPr lang="en-IN" sz="1900" dirty="0"/>
+              <a:t>file</a:t>
+            </a:r>
+            <a:r>
+              <a:rPr lang="en-IN" sz="1900" dirty="0" smtClean="0"/>
               <a:t>).</a:t>
             </a:r>
-            <a:endParaRPr lang="en-IN" sz="1600" dirty="0"/>
+            <a:endParaRPr lang="en-IN" sz="1900" dirty="0"/>
           </a:p>
         </p:txBody>
       </p:sp>
@@ -19531,7 +19875,7 @@
         </p:spPr>
         <p:txBody>
           <a:bodyPr>
-            <a:normAutofit fontScale="92500" lnSpcReduction="20000"/>
+            <a:normAutofit/>
           </a:bodyPr>
           <a:lstStyle/>
           <a:p>
@@ -19547,7 +19891,31 @@
             </a:pPr>
             <a:r>
               <a:rPr lang="en-IN" sz="2000" dirty="0"/>
-              <a:t>Script “scripts/training_GColab.py” does following tasks:</a:t>
+              <a:t>Script “</a:t>
+            </a:r>
+            <a:r>
+              <a:rPr lang="en-IN" sz="2000" dirty="0" smtClean="0"/>
+              <a:t>scripts/training.py</a:t>
+            </a:r>
+            <a:r>
+              <a:rPr lang="en-IN" sz="2000" dirty="0"/>
+              <a:t>” </a:t>
+            </a:r>
+            <a:r>
+              <a:rPr lang="en-IN" sz="2000" dirty="0" smtClean="0"/>
+              <a:t>or “scripts/</a:t>
+            </a:r>
+            <a:r>
+              <a:rPr lang="en-IN" sz="2000" dirty="0" err="1" smtClean="0"/>
+              <a:t>training.ipynb</a:t>
+            </a:r>
+            <a:r>
+              <a:rPr lang="en-IN" sz="2000" dirty="0" smtClean="0"/>
+              <a:t>” does </a:t>
+            </a:r>
+            <a:r>
+              <a:rPr lang="en-IN" sz="2000" dirty="0"/>
+              <a:t>following tasks:</a:t>
             </a:r>
           </a:p>
           <a:p>
@@ -19562,9 +19930,26 @@
               <a:buAutoNum type="romanLcPeriod"/>
             </a:pPr>
             <a:r>
+              <a:rPr lang="en-IN" sz="1900" dirty="0" smtClean="0"/>
+              <a:t>First, we have to manually upload </a:t>
+            </a:r>
+            <a:r>
               <a:rPr lang="en-IN" sz="1900" dirty="0"/>
-              <a:t>Upload following files on Google Drive:</a:t>
-            </a:r>
+              <a:t>following files on </a:t>
+            </a:r>
+            <a:r>
+              <a:rPr lang="en-IN" sz="1900" dirty="0" smtClean="0"/>
+              <a:t>paperspace</a:t>
+            </a:r>
+            <a:r>
+              <a:rPr lang="en-IN" sz="1900" dirty="0" smtClean="0"/>
+              <a:t>.com</a:t>
+            </a:r>
+            <a:r>
+              <a:rPr lang="en-IN" sz="1900" dirty="0" smtClean="0"/>
+              <a:t>:</a:t>
+            </a:r>
+            <a:endParaRPr lang="en-IN" sz="1900" dirty="0"/>
           </a:p>
           <a:p>
             <a:pPr marL="457200" lvl="1" indent="0" algn="just">
@@ -19624,34 +20009,19 @@
               </a:spcBef>
               <a:buNone/>
             </a:pPr>
+            <a:r>
+              <a:rPr lang="en-IN" sz="1800" dirty="0" smtClean="0"/>
+              <a:t>All </a:t>
+            </a:r>
+            <a:r>
+              <a:rPr lang="en-IN" sz="1800" dirty="0"/>
+              <a:t>files mentioned above are generated in previous </a:t>
+            </a:r>
+            <a:r>
+              <a:rPr lang="en-IN" sz="1800" dirty="0" smtClean="0"/>
+              <a:t>steps.</a:t>
+            </a:r>
             <a:endParaRPr lang="en-IN" sz="1800" dirty="0"/>
-          </a:p>
-          <a:p>
-            <a:pPr marL="914400" lvl="2" indent="0" algn="just">
-              <a:lnSpc>
-                <a:spcPct val="100000"/>
-              </a:lnSpc>
-              <a:spcBef>
-                <a:spcPts val="0"/>
-              </a:spcBef>
-              <a:buNone/>
-            </a:pPr>
-            <a:endParaRPr lang="en-IN" sz="1900" dirty="0"/>
-          </a:p>
-          <a:p>
-            <a:pPr marL="914400" lvl="2" indent="0" algn="just">
-              <a:lnSpc>
-                <a:spcPct val="100000"/>
-              </a:lnSpc>
-              <a:spcBef>
-                <a:spcPts val="0"/>
-              </a:spcBef>
-              <a:buNone/>
-            </a:pPr>
-            <a:r>
-              <a:rPr lang="en-IN" sz="1900" dirty="0"/>
-              <a:t>All files mentioned above are generated in previous steps except “glove.6B.200d.txt”. It is a pre-trained model from NLP (Natural Language Processing) that we will discuss later.</a:t>
-            </a:r>
           </a:p>
           <a:p>
             <a:pPr marL="914400" lvl="1" indent="-457200" algn="just">
@@ -19665,15 +20035,15 @@
               <a:buAutoNum type="romanLcPeriod" startAt="2"/>
             </a:pPr>
             <a:r>
-              <a:rPr lang="en-IN" sz="1900" dirty="0"/>
+              <a:rPr lang="en-IN" sz="1800" dirty="0"/>
               <a:t>First thing that this script does is reading above mentioned files. It will create dictionary type variable for </a:t>
             </a:r>
             <a:r>
-              <a:rPr lang="en-IN" sz="1900" dirty="0" err="1"/>
+              <a:rPr lang="en-IN" sz="1800" dirty="0" err="1"/>
               <a:t>i</a:t>
             </a:r>
             <a:r>
-              <a:rPr lang="en-IN" sz="1900" dirty="0"/>
+              <a:rPr lang="en-IN" sz="1800" dirty="0"/>
               <a:t>. and ii. with image file name as key; and captions and bottleneck features as values for quick access during training.</a:t>
             </a:r>
           </a:p>
@@ -19689,23 +20059,23 @@
               <a:buAutoNum type="romanLcPeriod" startAt="2"/>
             </a:pPr>
             <a:r>
-              <a:rPr lang="en-IN" sz="1900" dirty="0"/>
+              <a:rPr lang="en-IN" sz="1800" dirty="0"/>
               <a:t>After reading “vocabulary.txt”, it creates a dictionary, “</a:t>
             </a:r>
             <a:r>
-              <a:rPr lang="en-IN" sz="1900" dirty="0" err="1"/>
+              <a:rPr lang="en-IN" sz="1800" dirty="0" err="1"/>
               <a:t>wordtoix</a:t>
             </a:r>
             <a:r>
-              <a:rPr lang="en-IN" sz="1900" dirty="0"/>
+              <a:rPr lang="en-IN" sz="1800" dirty="0"/>
               <a:t>” (i.e., word-to-index). This dictionary type variable has all words of our cleaned captions as key and their line indices (from 0) in vocabulary.txt as value. This variable (i.e., “</a:t>
             </a:r>
             <a:r>
-              <a:rPr lang="en-IN" sz="1900" dirty="0" err="1"/>
+              <a:rPr lang="en-IN" sz="1800" dirty="0" err="1"/>
               <a:t>wordtoix</a:t>
             </a:r>
             <a:r>
-              <a:rPr lang="en-IN" sz="1900" dirty="0"/>
+              <a:rPr lang="en-IN" sz="1800" dirty="0"/>
               <a:t>”) is helpful for training process as it provides a numerical representation of our textual captions (since our algorithm processes only numbers).</a:t>
             </a:r>
           </a:p>
@@ -19721,49 +20091,22 @@
               <a:buAutoNum type="romanLcPeriod" startAt="2"/>
             </a:pPr>
             <a:r>
-              <a:rPr lang="en-IN" sz="1900" dirty="0"/>
+              <a:rPr lang="en-IN" sz="1800" dirty="0"/>
               <a:t>Similarly, we also create one more variable “</a:t>
             </a:r>
             <a:r>
-              <a:rPr lang="en-IN" sz="1900" dirty="0" err="1"/>
+              <a:rPr lang="en-IN" sz="1800" dirty="0" err="1"/>
               <a:t>ixtoword</a:t>
             </a:r>
             <a:r>
-              <a:rPr lang="en-IN" sz="1900" dirty="0"/>
-              <a:t>”. This variable is also of dictionary type but has line indices (from 0) as key and word as value. This variable will be helpful during inference.</a:t>
-            </a:r>
-          </a:p>
-          <a:p>
-            <a:pPr marL="914400" lvl="1" indent="-457200" algn="just">
-              <a:lnSpc>
-                <a:spcPct val="100000"/>
-              </a:lnSpc>
-              <a:spcBef>
-                <a:spcPts val="0"/>
-              </a:spcBef>
-              <a:buFont typeface="+mj-lt"/>
-              <a:buAutoNum type="romanLcPeriod" startAt="2"/>
-            </a:pPr>
-            <a:r>
-              <a:rPr lang="en-IN" sz="1900" dirty="0"/>
-              <a:t>Script will save “</a:t>
-            </a:r>
-            <a:r>
-              <a:rPr lang="en-IN" sz="1900" dirty="0" err="1"/>
-              <a:t>wordtoix</a:t>
-            </a:r>
-            <a:r>
-              <a:rPr lang="en-IN" sz="1900" dirty="0"/>
-              <a:t>” and “</a:t>
-            </a:r>
-            <a:r>
-              <a:rPr lang="en-IN" sz="1900" dirty="0" err="1"/>
-              <a:t>ixtoword</a:t>
-            </a:r>
-            <a:r>
-              <a:rPr lang="en-IN" sz="1900" dirty="0"/>
-              <a:t>” as csv file for later use (when you will make inference without running this training script).</a:t>
-            </a:r>
+              <a:rPr lang="en-IN" sz="1800" dirty="0"/>
+              <a:t>”. This variable is also of dictionary type but has line indices (from 0) as key and word as value. This variable will be helpful during inference</a:t>
+            </a:r>
+            <a:r>
+              <a:rPr lang="en-IN" sz="1800" dirty="0" smtClean="0"/>
+              <a:t>.</a:t>
+            </a:r>
+            <a:endParaRPr lang="en-IN" sz="1800" dirty="0"/>
           </a:p>
         </p:txBody>
       </p:sp>
@@ -19840,14 +20183,14 @@
           <p:nvPr>
             <p:extLst>
               <p:ext uri="{D42A27DB-BD31-4B8C-83A1-F6EECF244321}">
-                <p14:modId xmlns:p14="http://schemas.microsoft.com/office/powerpoint/2010/main" val="2903512846"/>
+                <p14:modId xmlns:p14="http://schemas.microsoft.com/office/powerpoint/2010/main" val="3952970718"/>
               </p:ext>
             </p:extLst>
           </p:nvPr>
         </p:nvGraphicFramePr>
         <p:xfrm>
-          <a:off x="1842052" y="1726831"/>
-          <a:ext cx="9511748" cy="1112520"/>
+          <a:off x="1842052" y="1879231"/>
+          <a:ext cx="9511748" cy="762000"/>
         </p:xfrm>
         <a:graphic>
           <a:graphicData uri="http://schemas.openxmlformats.org/drawingml/2006/table">
@@ -19878,11 +20221,11 @@
                     <a:lstStyle/>
                     <a:p>
                       <a:r>
-                        <a:rPr lang="en-IN" sz="1800" dirty="0" err="1"/>
+                        <a:rPr lang="en-IN" sz="1900" dirty="0" err="1"/>
                         <a:t>i</a:t>
                       </a:r>
                       <a:r>
-                        <a:rPr lang="en-IN" sz="1800" dirty="0"/>
+                        <a:rPr lang="en-IN" sz="1900" dirty="0"/>
                         <a:t>. train_image_caption_processed.csv</a:t>
                       </a:r>
                     </a:p>
@@ -19917,9 +20260,22 @@
                     <a:lstStyle/>
                     <a:p>
                       <a:r>
-                        <a:rPr lang="en-IN" sz="1800" dirty="0"/>
-                        <a:t>ii. train_imagename_bottleneck_feat.csv</a:t>
-                      </a:r>
+                        <a:rPr lang="en-IN" sz="1900" dirty="0"/>
+                        <a:t>ii. </a:t>
+                      </a:r>
+                      <a:r>
+                        <a:rPr lang="en-IN" sz="1900" dirty="0" smtClean="0"/>
+                        <a:t>All 7591 </a:t>
+                      </a:r>
+                      <a:r>
+                        <a:rPr lang="en-IN" sz="1900" dirty="0" err="1" smtClean="0"/>
+                        <a:t>npy</a:t>
+                      </a:r>
+                      <a:r>
+                        <a:rPr lang="en-IN" sz="1900" dirty="0" smtClean="0"/>
+                        <a:t> files  - bottleneck features </a:t>
+                      </a:r>
+                      <a:endParaRPr lang="en-IN" sz="1900" dirty="0"/>
                     </a:p>
                   </a:txBody>
                   <a:tcPr>
@@ -19959,7 +20315,7 @@
                     <a:lstStyle/>
                     <a:p>
                       <a:r>
-                        <a:rPr lang="en-IN" sz="1800" dirty="0"/>
+                        <a:rPr lang="en-IN" sz="1900" dirty="0"/>
                         <a:t>iii. vocabulary.txt</a:t>
                       </a:r>
                     </a:p>
@@ -19994,7 +20350,7 @@
                     <a:lstStyle/>
                     <a:p>
                       <a:r>
-                        <a:rPr lang="en-IN" sz="1800" dirty="0"/>
+                        <a:rPr lang="en-IN" sz="1900" dirty="0"/>
                         <a:t>iv. max_caption_length.txt</a:t>
                       </a:r>
                     </a:p>
@@ -20026,80 +20382,6 @@
                 <a:extLst>
                   <a:ext uri="{0D108BD9-81ED-4DB2-BD59-A6C34878D82A}">
                     <a16:rowId xmlns="" xmlns:a16="http://schemas.microsoft.com/office/drawing/2014/main" val="2051995317"/>
-                  </a:ext>
-                </a:extLst>
-              </a:tr>
-              <a:tr h="370840">
-                <a:tc>
-                  <a:txBody>
-                    <a:bodyPr/>
-                    <a:lstStyle/>
-                    <a:p>
-                      <a:r>
-                        <a:rPr lang="en-IN" sz="1800" dirty="0"/>
-                        <a:t>v. glove.6B.200d.txt</a:t>
-                      </a:r>
-                    </a:p>
-                  </a:txBody>
-                  <a:tcPr>
-                    <a:lnL w="12700" cmpd="sng">
-                      <a:noFill/>
-                    </a:lnL>
-                    <a:lnR w="12700" cmpd="sng">
-                      <a:noFill/>
-                    </a:lnR>
-                    <a:lnT w="12700" cmpd="sng">
-                      <a:noFill/>
-                    </a:lnT>
-                    <a:lnB w="12700" cmpd="sng">
-                      <a:noFill/>
-                    </a:lnB>
-                    <a:lnTlToBr w="12700" cmpd="sng">
-                      <a:noFill/>
-                      <a:prstDash val="solid"/>
-                    </a:lnTlToBr>
-                    <a:lnBlToTr w="12700" cmpd="sng">
-                      <a:noFill/>
-                      <a:prstDash val="solid"/>
-                    </a:lnBlToTr>
-                    <a:noFill/>
-                  </a:tcPr>
-                </a:tc>
-                <a:tc>
-                  <a:txBody>
-                    <a:bodyPr/>
-                    <a:lstStyle/>
-                    <a:p>
-                      <a:endParaRPr lang="en-IN" sz="1800" dirty="0"/>
-                    </a:p>
-                  </a:txBody>
-                  <a:tcPr>
-                    <a:lnL w="12700" cmpd="sng">
-                      <a:noFill/>
-                    </a:lnL>
-                    <a:lnR w="12700" cmpd="sng">
-                      <a:noFill/>
-                    </a:lnR>
-                    <a:lnT w="12700" cmpd="sng">
-                      <a:noFill/>
-                    </a:lnT>
-                    <a:lnB w="12700" cmpd="sng">
-                      <a:noFill/>
-                    </a:lnB>
-                    <a:lnTlToBr w="12700" cmpd="sng">
-                      <a:noFill/>
-                      <a:prstDash val="solid"/>
-                    </a:lnTlToBr>
-                    <a:lnBlToTr w="12700" cmpd="sng">
-                      <a:noFill/>
-                      <a:prstDash val="solid"/>
-                    </a:lnBlToTr>
-                    <a:noFill/>
-                  </a:tcPr>
-                </a:tc>
-                <a:extLst>
-                  <a:ext uri="{0D108BD9-81ED-4DB2-BD59-A6C34878D82A}">
-                    <a16:rowId xmlns="" xmlns:a16="http://schemas.microsoft.com/office/drawing/2014/main" val="3808994494"/>
                   </a:ext>
                 </a:extLst>
               </a:tr>
@@ -26867,7 +27149,7 @@
             </a:r>
             <a:r>
               <a:rPr lang="en-IN" sz="2000" dirty="0" smtClean="0"/>
-              <a:t>use one pre-trained model to generate bottleneck features of images: InceptionV3:</a:t>
+              <a:t>have used only one pre-trained model to generate bottleneck features of images. This model is  InceptionV3:</a:t>
             </a:r>
             <a:endParaRPr lang="en-IN" sz="2200" dirty="0"/>
           </a:p>
@@ -26954,8 +27236,8 @@
         </p:blipFill>
         <p:spPr bwMode="auto">
           <a:xfrm>
-            <a:off x="2714625" y="1532071"/>
-            <a:ext cx="6734175" cy="4840154"/>
+            <a:off x="2714625" y="1904999"/>
+            <a:ext cx="6734175" cy="4467225"/>
           </a:xfrm>
           <a:prstGeom prst="rect">
             <a:avLst/>
@@ -26972,6 +27254,77 @@
           </a:extLst>
         </p:spPr>
       </p:pic>
+      <p:sp>
+        <p:nvSpPr>
+          <p:cNvPr id="6" name="Right Arrow 5"/>
+          <p:cNvSpPr/>
+          <p:nvPr/>
+        </p:nvSpPr>
+        <p:spPr>
+          <a:xfrm>
+            <a:off x="1736217" y="5335524"/>
+            <a:ext cx="978408" cy="484632"/>
+          </a:xfrm>
+          <a:prstGeom prst="rightArrow">
+            <a:avLst/>
+          </a:prstGeom>
+        </p:spPr>
+        <p:style>
+          <a:lnRef idx="2">
+            <a:schemeClr val="accent1">
+              <a:shade val="50000"/>
+            </a:schemeClr>
+          </a:lnRef>
+          <a:fillRef idx="1">
+            <a:schemeClr val="accent1"/>
+          </a:fillRef>
+          <a:effectRef idx="0">
+            <a:schemeClr val="accent1"/>
+          </a:effectRef>
+          <a:fontRef idx="minor">
+            <a:schemeClr val="lt1"/>
+          </a:fontRef>
+        </p:style>
+        <p:txBody>
+          <a:bodyPr rtlCol="0" anchor="ctr"/>
+          <a:lstStyle/>
+          <a:p>
+            <a:pPr algn="ctr"/>
+            <a:endParaRPr lang="en-GB"/>
+          </a:p>
+        </p:txBody>
+      </p:sp>
+      <p:sp>
+        <p:nvSpPr>
+          <p:cNvPr id="7" name="TextBox 6"/>
+          <p:cNvSpPr txBox="1"/>
+          <p:nvPr/>
+        </p:nvSpPr>
+        <p:spPr>
+          <a:xfrm>
+            <a:off x="518161" y="4474250"/>
+            <a:ext cx="1935480" cy="923330"/>
+          </a:xfrm>
+          <a:prstGeom prst="rect">
+            <a:avLst/>
+          </a:prstGeom>
+          <a:noFill/>
+        </p:spPr>
+        <p:txBody>
+          <a:bodyPr wrap="square" rtlCol="0">
+            <a:spAutoFit/>
+          </a:bodyPr>
+          <a:lstStyle/>
+          <a:p>
+            <a:pPr algn="ctr"/>
+            <a:r>
+              <a:rPr lang="en-US" dirty="0" smtClean="0"/>
+              <a:t>Output of this layer is taken as bottleneck feature</a:t>
+            </a:r>
+            <a:endParaRPr lang="en-GB" dirty="0"/>
+          </a:p>
+        </p:txBody>
+      </p:sp>
     </p:spTree>
     <p:extLst>
       <p:ext uri="{BB962C8B-B14F-4D97-AF65-F5344CB8AC3E}">
@@ -32337,11 +32690,86 @@
             </a:pPr>
             <a:r>
               <a:rPr lang="en-IN" sz="2000" dirty="0"/>
-              <a:t>Trained model is tested on images marked for validation. There were 1,091 images with 5 captions for each image. Model generated a caption for each image. Since, it has become a kind of document where each reference has five texts, thus corpus bleu is used to measure the performance. Corpus BLEU Score obtained is: 0.06536756465955354</a:t>
-            </a:r>
-          </a:p>
-          <a:p>
-            <a:pPr marL="0" indent="0" algn="just">
+              <a:t>Trained model is tested </a:t>
+            </a:r>
+            <a:r>
+              <a:rPr lang="en-IN" sz="2000" dirty="0" smtClean="0"/>
+              <a:t>on half of test images, i.e., 500 test images. Each of these 500 test images has 5 captions written by different people. </a:t>
+            </a:r>
+          </a:p>
+          <a:p>
+            <a:pPr algn="just">
+              <a:lnSpc>
+                <a:spcPct val="100000"/>
+              </a:lnSpc>
+              <a:spcBef>
+                <a:spcPts val="0"/>
+              </a:spcBef>
+              <a:buFont typeface="Wingdings" panose="05000000000000000000" pitchFamily="2" charset="2"/>
+              <a:buChar char="Ø"/>
+            </a:pPr>
+            <a:r>
+              <a:rPr lang="en-IN" sz="2000" dirty="0" smtClean="0"/>
+              <a:t>Model </a:t>
+            </a:r>
+            <a:r>
+              <a:rPr lang="en-IN" sz="2000" dirty="0"/>
+              <a:t>generated a caption for each image. </a:t>
+            </a:r>
+            <a:endParaRPr lang="en-IN" sz="2000" dirty="0" smtClean="0"/>
+          </a:p>
+          <a:p>
+            <a:pPr algn="just">
+              <a:lnSpc>
+                <a:spcPct val="100000"/>
+              </a:lnSpc>
+              <a:spcBef>
+                <a:spcPts val="0"/>
+              </a:spcBef>
+              <a:buFont typeface="Wingdings" panose="05000000000000000000" pitchFamily="2" charset="2"/>
+              <a:buChar char="Ø"/>
+            </a:pPr>
+            <a:r>
+              <a:rPr lang="en-IN" sz="2000" dirty="0" smtClean="0"/>
+              <a:t>Since</a:t>
+            </a:r>
+            <a:r>
+              <a:rPr lang="en-IN" sz="2000" dirty="0"/>
+              <a:t>, it has become a kind of document where each reference has five texts, thus corpus bleu is used to measure the performance. </a:t>
+            </a:r>
+            <a:endParaRPr lang="en-IN" sz="2000" dirty="0" smtClean="0"/>
+          </a:p>
+          <a:p>
+            <a:pPr algn="just">
+              <a:lnSpc>
+                <a:spcPct val="100000"/>
+              </a:lnSpc>
+              <a:spcBef>
+                <a:spcPts val="0"/>
+              </a:spcBef>
+              <a:buFont typeface="Wingdings" panose="05000000000000000000" pitchFamily="2" charset="2"/>
+              <a:buChar char="Ø"/>
+            </a:pPr>
+            <a:r>
+              <a:rPr lang="en-IN" sz="2000" dirty="0" smtClean="0"/>
+              <a:t>Obtained Corpus </a:t>
+            </a:r>
+            <a:r>
+              <a:rPr lang="en-IN" sz="2000" dirty="0"/>
+              <a:t>BLEU Score </a:t>
+            </a:r>
+            <a:r>
+              <a:rPr lang="en-IN" sz="2000" dirty="0" smtClean="0"/>
+              <a:t>is</a:t>
+            </a:r>
+            <a:r>
+              <a:rPr lang="en-IN" sz="2000" dirty="0"/>
+              <a:t>: </a:t>
+            </a:r>
+            <a:endParaRPr lang="en-IN" sz="2000" dirty="0" smtClean="0"/>
+          </a:p>
+          <a:p>
+            <a:pPr marL="0" indent="0" algn="ctr">
               <a:lnSpc>
                 <a:spcPct val="100000"/>
               </a:lnSpc>
@@ -32350,7 +32778,10 @@
               </a:spcBef>
               <a:buNone/>
             </a:pPr>
-            <a:endParaRPr lang="en-IN" sz="2000" dirty="0"/>
+            <a:r>
+              <a:rPr lang="en-IN" sz="2000" dirty="0" smtClean="0"/>
+              <a:t>0.029157590163286912</a:t>
+            </a:r>
           </a:p>
         </p:txBody>
       </p:sp>
@@ -33397,7 +33828,15 @@
             </a:pPr>
             <a:r>
               <a:rPr lang="en-IN" sz="2000" dirty="0"/>
-              <a:t>We will work Flickr8k dataset as this is sufficient to learn the implementation of Automatic Image </a:t>
+              <a:t>We will </a:t>
+            </a:r>
+            <a:r>
+              <a:rPr lang="en-IN" sz="2000" dirty="0" smtClean="0"/>
+              <a:t>work on </a:t>
+            </a:r>
+            <a:r>
+              <a:rPr lang="en-IN" sz="2000" dirty="0"/>
+              <a:t>Flickr8k dataset as this is sufficient to learn the implementation of Automatic Image </a:t>
             </a:r>
             <a:r>
               <a:rPr lang="en-IN" sz="2000" dirty="0" smtClean="0"/>

--- a/readme.pptx
+++ b/readme.pptx
@@ -148,7 +148,7 @@
   </p:defaultTextStyle>
   <p:extLst>
     <p:ext uri="{EFAFB233-063F-42B5-8137-9DF3F51BA10A}">
-      <p15:sldGuideLst xmlns:p15="http://schemas.microsoft.com/office/powerpoint/2012/main" xmlns=""/>
+      <p15:sldGuideLst xmlns="" xmlns:p15="http://schemas.microsoft.com/office/powerpoint/2012/main"/>
     </p:ext>
   </p:extLst>
 </p:presentation>
@@ -236,7 +236,7 @@
           <a:p>
             <a:fld id="{3EBE19CC-9519-4C5F-A78F-AFC3EB8C266D}" type="datetimeFigureOut">
               <a:rPr lang="en-IN" smtClean="0"/>
-              <a:t>29-05-2021</a:t>
+              <a:t>31-05-2021</a:t>
             </a:fld>
             <a:endParaRPr lang="en-IN"/>
           </a:p>
@@ -526,7 +526,7 @@
           <p:cNvPr id="2" name="Title 1">
             <a:extLst>
               <a:ext uri="{FF2B5EF4-FFF2-40B4-BE49-F238E27FC236}">
-                <a16:creationId xmlns:a16="http://schemas.microsoft.com/office/drawing/2014/main" xmlns="" id="{AD6677EC-8707-4820-BADA-C8D002623C77}"/>
+                <a16:creationId xmlns="" xmlns:a16="http://schemas.microsoft.com/office/drawing/2014/main" id="{AD6677EC-8707-4820-BADA-C8D002623C77}"/>
               </a:ext>
             </a:extLst>
           </p:cNvPr>
@@ -564,7 +564,7 @@
           <p:cNvPr id="3" name="Subtitle 2">
             <a:extLst>
               <a:ext uri="{FF2B5EF4-FFF2-40B4-BE49-F238E27FC236}">
-                <a16:creationId xmlns:a16="http://schemas.microsoft.com/office/drawing/2014/main" xmlns="" id="{254CA423-B559-4D4C-A990-FC9123A2D2E4}"/>
+                <a16:creationId xmlns="" xmlns:a16="http://schemas.microsoft.com/office/drawing/2014/main" id="{254CA423-B559-4D4C-A990-FC9123A2D2E4}"/>
               </a:ext>
             </a:extLst>
           </p:cNvPr>
@@ -635,7 +635,7 @@
           <p:cNvPr id="4" name="Date Placeholder 3">
             <a:extLst>
               <a:ext uri="{FF2B5EF4-FFF2-40B4-BE49-F238E27FC236}">
-                <a16:creationId xmlns:a16="http://schemas.microsoft.com/office/drawing/2014/main" xmlns="" id="{13ABF47C-6BE7-481F-AB05-B52FBC9877B2}"/>
+                <a16:creationId xmlns="" xmlns:a16="http://schemas.microsoft.com/office/drawing/2014/main" id="{13ABF47C-6BE7-481F-AB05-B52FBC9877B2}"/>
               </a:ext>
             </a:extLst>
           </p:cNvPr>
@@ -653,7 +653,7 @@
           <a:p>
             <a:fld id="{95B38DEA-F89A-499A-81D4-0F17E13A0F54}" type="datetime1">
               <a:rPr lang="en-IN" smtClean="0"/>
-              <a:t>29-05-2021</a:t>
+              <a:t>31-05-2021</a:t>
             </a:fld>
             <a:endParaRPr lang="en-IN"/>
           </a:p>
@@ -664,7 +664,7 @@
           <p:cNvPr id="5" name="Footer Placeholder 4">
             <a:extLst>
               <a:ext uri="{FF2B5EF4-FFF2-40B4-BE49-F238E27FC236}">
-                <a16:creationId xmlns:a16="http://schemas.microsoft.com/office/drawing/2014/main" xmlns="" id="{CDB0413F-8EF5-4D34-BD5B-3C522BCECAD9}"/>
+                <a16:creationId xmlns="" xmlns:a16="http://schemas.microsoft.com/office/drawing/2014/main" id="{CDB0413F-8EF5-4D34-BD5B-3C522BCECAD9}"/>
               </a:ext>
             </a:extLst>
           </p:cNvPr>
@@ -693,7 +693,7 @@
           <p:cNvPr id="6" name="Slide Number Placeholder 5">
             <a:extLst>
               <a:ext uri="{FF2B5EF4-FFF2-40B4-BE49-F238E27FC236}">
-                <a16:creationId xmlns:a16="http://schemas.microsoft.com/office/drawing/2014/main" xmlns="" id="{3F3B31F8-E781-4D49-A386-D0041E93058C}"/>
+                <a16:creationId xmlns="" xmlns:a16="http://schemas.microsoft.com/office/drawing/2014/main" id="{3F3B31F8-E781-4D49-A386-D0041E93058C}"/>
               </a:ext>
             </a:extLst>
           </p:cNvPr>
@@ -752,7 +752,7 @@
           <p:cNvPr id="2" name="Title 1">
             <a:extLst>
               <a:ext uri="{FF2B5EF4-FFF2-40B4-BE49-F238E27FC236}">
-                <a16:creationId xmlns:a16="http://schemas.microsoft.com/office/drawing/2014/main" xmlns="" id="{2213ED4C-2D41-4FDA-ACD9-CF186DD3C3CA}"/>
+                <a16:creationId xmlns="" xmlns:a16="http://schemas.microsoft.com/office/drawing/2014/main" id="{2213ED4C-2D41-4FDA-ACD9-CF186DD3C3CA}"/>
               </a:ext>
             </a:extLst>
           </p:cNvPr>
@@ -781,7 +781,7 @@
           <p:cNvPr id="3" name="Vertical Text Placeholder 2">
             <a:extLst>
               <a:ext uri="{FF2B5EF4-FFF2-40B4-BE49-F238E27FC236}">
-                <a16:creationId xmlns:a16="http://schemas.microsoft.com/office/drawing/2014/main" xmlns="" id="{8E0B6A18-318A-4D0E-8ED7-59987F342179}"/>
+                <a16:creationId xmlns="" xmlns:a16="http://schemas.microsoft.com/office/drawing/2014/main" id="{8E0B6A18-318A-4D0E-8ED7-59987F342179}"/>
               </a:ext>
             </a:extLst>
           </p:cNvPr>
@@ -839,7 +839,7 @@
           <p:cNvPr id="4" name="Date Placeholder 3">
             <a:extLst>
               <a:ext uri="{FF2B5EF4-FFF2-40B4-BE49-F238E27FC236}">
-                <a16:creationId xmlns:a16="http://schemas.microsoft.com/office/drawing/2014/main" xmlns="" id="{EB20B605-C292-4D14-8912-8251D314F350}"/>
+                <a16:creationId xmlns="" xmlns:a16="http://schemas.microsoft.com/office/drawing/2014/main" id="{EB20B605-C292-4D14-8912-8251D314F350}"/>
               </a:ext>
             </a:extLst>
           </p:cNvPr>
@@ -857,7 +857,7 @@
           <a:p>
             <a:fld id="{52CB48DB-8752-4EC9-AEF1-132D60C612E3}" type="datetime1">
               <a:rPr lang="en-IN" smtClean="0"/>
-              <a:t>29-05-2021</a:t>
+              <a:t>31-05-2021</a:t>
             </a:fld>
             <a:endParaRPr lang="en-IN"/>
           </a:p>
@@ -868,7 +868,7 @@
           <p:cNvPr id="5" name="Footer Placeholder 4">
             <a:extLst>
               <a:ext uri="{FF2B5EF4-FFF2-40B4-BE49-F238E27FC236}">
-                <a16:creationId xmlns:a16="http://schemas.microsoft.com/office/drawing/2014/main" xmlns="" id="{0D230557-72CD-41CF-A4E5-A9B64FF15213}"/>
+                <a16:creationId xmlns="" xmlns:a16="http://schemas.microsoft.com/office/drawing/2014/main" id="{0D230557-72CD-41CF-A4E5-A9B64FF15213}"/>
               </a:ext>
             </a:extLst>
           </p:cNvPr>
@@ -897,7 +897,7 @@
           <p:cNvPr id="6" name="Slide Number Placeholder 5">
             <a:extLst>
               <a:ext uri="{FF2B5EF4-FFF2-40B4-BE49-F238E27FC236}">
-                <a16:creationId xmlns:a16="http://schemas.microsoft.com/office/drawing/2014/main" xmlns="" id="{2FE1D16F-C026-46E0-A7C9-F83599048AE0}"/>
+                <a16:creationId xmlns="" xmlns:a16="http://schemas.microsoft.com/office/drawing/2014/main" id="{2FE1D16F-C026-46E0-A7C9-F83599048AE0}"/>
               </a:ext>
             </a:extLst>
           </p:cNvPr>
@@ -956,7 +956,7 @@
           <p:cNvPr id="2" name="Vertical Title 1">
             <a:extLst>
               <a:ext uri="{FF2B5EF4-FFF2-40B4-BE49-F238E27FC236}">
-                <a16:creationId xmlns:a16="http://schemas.microsoft.com/office/drawing/2014/main" xmlns="" id="{8469DE12-C071-4A7D-8AE5-91FA861BC220}"/>
+                <a16:creationId xmlns="" xmlns:a16="http://schemas.microsoft.com/office/drawing/2014/main" id="{8469DE12-C071-4A7D-8AE5-91FA861BC220}"/>
               </a:ext>
             </a:extLst>
           </p:cNvPr>
@@ -990,7 +990,7 @@
           <p:cNvPr id="3" name="Vertical Text Placeholder 2">
             <a:extLst>
               <a:ext uri="{FF2B5EF4-FFF2-40B4-BE49-F238E27FC236}">
-                <a16:creationId xmlns:a16="http://schemas.microsoft.com/office/drawing/2014/main" xmlns="" id="{358265D5-5610-4284-BF94-42B608C74901}"/>
+                <a16:creationId xmlns="" xmlns:a16="http://schemas.microsoft.com/office/drawing/2014/main" id="{358265D5-5610-4284-BF94-42B608C74901}"/>
               </a:ext>
             </a:extLst>
           </p:cNvPr>
@@ -1053,7 +1053,7 @@
           <p:cNvPr id="4" name="Date Placeholder 3">
             <a:extLst>
               <a:ext uri="{FF2B5EF4-FFF2-40B4-BE49-F238E27FC236}">
-                <a16:creationId xmlns:a16="http://schemas.microsoft.com/office/drawing/2014/main" xmlns="" id="{306AA223-7897-4BD9-A6D1-A15242652B24}"/>
+                <a16:creationId xmlns="" xmlns:a16="http://schemas.microsoft.com/office/drawing/2014/main" id="{306AA223-7897-4BD9-A6D1-A15242652B24}"/>
               </a:ext>
             </a:extLst>
           </p:cNvPr>
@@ -1071,7 +1071,7 @@
           <a:p>
             <a:fld id="{20E4919B-0840-418F-81E8-D1EAC9FB2BFE}" type="datetime1">
               <a:rPr lang="en-IN" smtClean="0"/>
-              <a:t>29-05-2021</a:t>
+              <a:t>31-05-2021</a:t>
             </a:fld>
             <a:endParaRPr lang="en-IN"/>
           </a:p>
@@ -1082,7 +1082,7 @@
           <p:cNvPr id="5" name="Footer Placeholder 4">
             <a:extLst>
               <a:ext uri="{FF2B5EF4-FFF2-40B4-BE49-F238E27FC236}">
-                <a16:creationId xmlns:a16="http://schemas.microsoft.com/office/drawing/2014/main" xmlns="" id="{449AFCD7-05C4-4EFD-9123-53F406BD522A}"/>
+                <a16:creationId xmlns="" xmlns:a16="http://schemas.microsoft.com/office/drawing/2014/main" id="{449AFCD7-05C4-4EFD-9123-53F406BD522A}"/>
               </a:ext>
             </a:extLst>
           </p:cNvPr>
@@ -1111,7 +1111,7 @@
           <p:cNvPr id="6" name="Slide Number Placeholder 5">
             <a:extLst>
               <a:ext uri="{FF2B5EF4-FFF2-40B4-BE49-F238E27FC236}">
-                <a16:creationId xmlns:a16="http://schemas.microsoft.com/office/drawing/2014/main" xmlns="" id="{0E1416BD-B766-4C6F-9275-FD4ACE1EE922}"/>
+                <a16:creationId xmlns="" xmlns:a16="http://schemas.microsoft.com/office/drawing/2014/main" id="{0E1416BD-B766-4C6F-9275-FD4ACE1EE922}"/>
               </a:ext>
             </a:extLst>
           </p:cNvPr>
@@ -1170,7 +1170,7 @@
           <p:cNvPr id="2" name="Title 1">
             <a:extLst>
               <a:ext uri="{FF2B5EF4-FFF2-40B4-BE49-F238E27FC236}">
-                <a16:creationId xmlns:a16="http://schemas.microsoft.com/office/drawing/2014/main" xmlns="" id="{A82538AA-70C7-403B-9DCD-1DCB5FC6C1D3}"/>
+                <a16:creationId xmlns="" xmlns:a16="http://schemas.microsoft.com/office/drawing/2014/main" id="{A82538AA-70C7-403B-9DCD-1DCB5FC6C1D3}"/>
               </a:ext>
             </a:extLst>
           </p:cNvPr>
@@ -1199,7 +1199,7 @@
           <p:cNvPr id="3" name="Content Placeholder 2">
             <a:extLst>
               <a:ext uri="{FF2B5EF4-FFF2-40B4-BE49-F238E27FC236}">
-                <a16:creationId xmlns:a16="http://schemas.microsoft.com/office/drawing/2014/main" xmlns="" id="{1821E538-2875-4884-8011-6C623ABE5F26}"/>
+                <a16:creationId xmlns="" xmlns:a16="http://schemas.microsoft.com/office/drawing/2014/main" id="{1821E538-2875-4884-8011-6C623ABE5F26}"/>
               </a:ext>
             </a:extLst>
           </p:cNvPr>
@@ -1257,7 +1257,7 @@
           <p:cNvPr id="4" name="Date Placeholder 3">
             <a:extLst>
               <a:ext uri="{FF2B5EF4-FFF2-40B4-BE49-F238E27FC236}">
-                <a16:creationId xmlns:a16="http://schemas.microsoft.com/office/drawing/2014/main" xmlns="" id="{7F1CCF97-3F8D-4BE3-B3F4-704CF465CA7B}"/>
+                <a16:creationId xmlns="" xmlns:a16="http://schemas.microsoft.com/office/drawing/2014/main" id="{7F1CCF97-3F8D-4BE3-B3F4-704CF465CA7B}"/>
               </a:ext>
             </a:extLst>
           </p:cNvPr>
@@ -1275,7 +1275,7 @@
           <a:p>
             <a:fld id="{14A56409-1144-459D-8580-EF29D8BAED4A}" type="datetime1">
               <a:rPr lang="en-IN" smtClean="0"/>
-              <a:t>29-05-2021</a:t>
+              <a:t>31-05-2021</a:t>
             </a:fld>
             <a:endParaRPr lang="en-IN"/>
           </a:p>
@@ -1286,7 +1286,7 @@
           <p:cNvPr id="5" name="Footer Placeholder 4">
             <a:extLst>
               <a:ext uri="{FF2B5EF4-FFF2-40B4-BE49-F238E27FC236}">
-                <a16:creationId xmlns:a16="http://schemas.microsoft.com/office/drawing/2014/main" xmlns="" id="{8FCA0885-0058-4DCE-B0D8-A392309ED5F6}"/>
+                <a16:creationId xmlns="" xmlns:a16="http://schemas.microsoft.com/office/drawing/2014/main" id="{8FCA0885-0058-4DCE-B0D8-A392309ED5F6}"/>
               </a:ext>
             </a:extLst>
           </p:cNvPr>
@@ -1315,7 +1315,7 @@
           <p:cNvPr id="6" name="Slide Number Placeholder 5">
             <a:extLst>
               <a:ext uri="{FF2B5EF4-FFF2-40B4-BE49-F238E27FC236}">
-                <a16:creationId xmlns:a16="http://schemas.microsoft.com/office/drawing/2014/main" xmlns="" id="{12630807-4DF9-41CF-8A31-3107A20D42A5}"/>
+                <a16:creationId xmlns="" xmlns:a16="http://schemas.microsoft.com/office/drawing/2014/main" id="{12630807-4DF9-41CF-8A31-3107A20D42A5}"/>
               </a:ext>
             </a:extLst>
           </p:cNvPr>
@@ -1374,7 +1374,7 @@
           <p:cNvPr id="2" name="Title 1">
             <a:extLst>
               <a:ext uri="{FF2B5EF4-FFF2-40B4-BE49-F238E27FC236}">
-                <a16:creationId xmlns:a16="http://schemas.microsoft.com/office/drawing/2014/main" xmlns="" id="{9CFEB71D-02FC-48B4-A779-ADFE40687401}"/>
+                <a16:creationId xmlns="" xmlns:a16="http://schemas.microsoft.com/office/drawing/2014/main" id="{9CFEB71D-02FC-48B4-A779-ADFE40687401}"/>
               </a:ext>
             </a:extLst>
           </p:cNvPr>
@@ -1412,7 +1412,7 @@
           <p:cNvPr id="3" name="Text Placeholder 2">
             <a:extLst>
               <a:ext uri="{FF2B5EF4-FFF2-40B4-BE49-F238E27FC236}">
-                <a16:creationId xmlns:a16="http://schemas.microsoft.com/office/drawing/2014/main" xmlns="" id="{A1083A76-206C-445B-88AB-6EA74EA88133}"/>
+                <a16:creationId xmlns="" xmlns:a16="http://schemas.microsoft.com/office/drawing/2014/main" id="{A1083A76-206C-445B-88AB-6EA74EA88133}"/>
               </a:ext>
             </a:extLst>
           </p:cNvPr>
@@ -1537,7 +1537,7 @@
           <p:cNvPr id="4" name="Date Placeholder 3">
             <a:extLst>
               <a:ext uri="{FF2B5EF4-FFF2-40B4-BE49-F238E27FC236}">
-                <a16:creationId xmlns:a16="http://schemas.microsoft.com/office/drawing/2014/main" xmlns="" id="{B948F319-72EC-4826-9DD2-EF3EA0136035}"/>
+                <a16:creationId xmlns="" xmlns:a16="http://schemas.microsoft.com/office/drawing/2014/main" id="{B948F319-72EC-4826-9DD2-EF3EA0136035}"/>
               </a:ext>
             </a:extLst>
           </p:cNvPr>
@@ -1555,7 +1555,7 @@
           <a:p>
             <a:fld id="{67926871-090A-4D31-A9C1-76DEC3805894}" type="datetime1">
               <a:rPr lang="en-IN" smtClean="0"/>
-              <a:t>29-05-2021</a:t>
+              <a:t>31-05-2021</a:t>
             </a:fld>
             <a:endParaRPr lang="en-IN"/>
           </a:p>
@@ -1566,7 +1566,7 @@
           <p:cNvPr id="5" name="Footer Placeholder 4">
             <a:extLst>
               <a:ext uri="{FF2B5EF4-FFF2-40B4-BE49-F238E27FC236}">
-                <a16:creationId xmlns:a16="http://schemas.microsoft.com/office/drawing/2014/main" xmlns="" id="{BABA8B88-7AB1-4668-B759-ED40AF13F292}"/>
+                <a16:creationId xmlns="" xmlns:a16="http://schemas.microsoft.com/office/drawing/2014/main" id="{BABA8B88-7AB1-4668-B759-ED40AF13F292}"/>
               </a:ext>
             </a:extLst>
           </p:cNvPr>
@@ -1595,7 +1595,7 @@
           <p:cNvPr id="6" name="Slide Number Placeholder 5">
             <a:extLst>
               <a:ext uri="{FF2B5EF4-FFF2-40B4-BE49-F238E27FC236}">
-                <a16:creationId xmlns:a16="http://schemas.microsoft.com/office/drawing/2014/main" xmlns="" id="{CCB6E71B-F180-4BD9-81AD-DA4B1CFA38B8}"/>
+                <a16:creationId xmlns="" xmlns:a16="http://schemas.microsoft.com/office/drawing/2014/main" id="{CCB6E71B-F180-4BD9-81AD-DA4B1CFA38B8}"/>
               </a:ext>
             </a:extLst>
           </p:cNvPr>
@@ -1654,7 +1654,7 @@
           <p:cNvPr id="2" name="Title 1">
             <a:extLst>
               <a:ext uri="{FF2B5EF4-FFF2-40B4-BE49-F238E27FC236}">
-                <a16:creationId xmlns:a16="http://schemas.microsoft.com/office/drawing/2014/main" xmlns="" id="{E47950D1-0BC5-4433-9307-0C1090AF42FD}"/>
+                <a16:creationId xmlns="" xmlns:a16="http://schemas.microsoft.com/office/drawing/2014/main" id="{E47950D1-0BC5-4433-9307-0C1090AF42FD}"/>
               </a:ext>
             </a:extLst>
           </p:cNvPr>
@@ -1683,7 +1683,7 @@
           <p:cNvPr id="3" name="Content Placeholder 2">
             <a:extLst>
               <a:ext uri="{FF2B5EF4-FFF2-40B4-BE49-F238E27FC236}">
-                <a16:creationId xmlns:a16="http://schemas.microsoft.com/office/drawing/2014/main" xmlns="" id="{9D7D2B18-603C-40A0-AAAC-676EE2654956}"/>
+                <a16:creationId xmlns="" xmlns:a16="http://schemas.microsoft.com/office/drawing/2014/main" id="{9D7D2B18-603C-40A0-AAAC-676EE2654956}"/>
               </a:ext>
             </a:extLst>
           </p:cNvPr>
@@ -1746,7 +1746,7 @@
           <p:cNvPr id="4" name="Content Placeholder 3">
             <a:extLst>
               <a:ext uri="{FF2B5EF4-FFF2-40B4-BE49-F238E27FC236}">
-                <a16:creationId xmlns:a16="http://schemas.microsoft.com/office/drawing/2014/main" xmlns="" id="{154421C5-CFEF-4155-AB5E-010A7A9A6686}"/>
+                <a16:creationId xmlns="" xmlns:a16="http://schemas.microsoft.com/office/drawing/2014/main" id="{154421C5-CFEF-4155-AB5E-010A7A9A6686}"/>
               </a:ext>
             </a:extLst>
           </p:cNvPr>
@@ -1809,7 +1809,7 @@
           <p:cNvPr id="5" name="Date Placeholder 4">
             <a:extLst>
               <a:ext uri="{FF2B5EF4-FFF2-40B4-BE49-F238E27FC236}">
-                <a16:creationId xmlns:a16="http://schemas.microsoft.com/office/drawing/2014/main" xmlns="" id="{9D14BCF1-40CD-4789-8B4C-1D20A8E3304C}"/>
+                <a16:creationId xmlns="" xmlns:a16="http://schemas.microsoft.com/office/drawing/2014/main" id="{9D14BCF1-40CD-4789-8B4C-1D20A8E3304C}"/>
               </a:ext>
             </a:extLst>
           </p:cNvPr>
@@ -1827,7 +1827,7 @@
           <a:p>
             <a:fld id="{7F9657E2-E3D3-4B4C-9FD7-7329F62A123B}" type="datetime1">
               <a:rPr lang="en-IN" smtClean="0"/>
-              <a:t>29-05-2021</a:t>
+              <a:t>31-05-2021</a:t>
             </a:fld>
             <a:endParaRPr lang="en-IN"/>
           </a:p>
@@ -1838,7 +1838,7 @@
           <p:cNvPr id="6" name="Footer Placeholder 5">
             <a:extLst>
               <a:ext uri="{FF2B5EF4-FFF2-40B4-BE49-F238E27FC236}">
-                <a16:creationId xmlns:a16="http://schemas.microsoft.com/office/drawing/2014/main" xmlns="" id="{E4922A8D-303B-4526-80C4-42AED2713A8B}"/>
+                <a16:creationId xmlns="" xmlns:a16="http://schemas.microsoft.com/office/drawing/2014/main" id="{E4922A8D-303B-4526-80C4-42AED2713A8B}"/>
               </a:ext>
             </a:extLst>
           </p:cNvPr>
@@ -1867,7 +1867,7 @@
           <p:cNvPr id="7" name="Slide Number Placeholder 6">
             <a:extLst>
               <a:ext uri="{FF2B5EF4-FFF2-40B4-BE49-F238E27FC236}">
-                <a16:creationId xmlns:a16="http://schemas.microsoft.com/office/drawing/2014/main" xmlns="" id="{E3C30F65-B743-42C4-8ABC-09B079346975}"/>
+                <a16:creationId xmlns="" xmlns:a16="http://schemas.microsoft.com/office/drawing/2014/main" id="{E3C30F65-B743-42C4-8ABC-09B079346975}"/>
               </a:ext>
             </a:extLst>
           </p:cNvPr>
@@ -1926,7 +1926,7 @@
           <p:cNvPr id="2" name="Title 1">
             <a:extLst>
               <a:ext uri="{FF2B5EF4-FFF2-40B4-BE49-F238E27FC236}">
-                <a16:creationId xmlns:a16="http://schemas.microsoft.com/office/drawing/2014/main" xmlns="" id="{41595C1A-15C2-48ED-B0F8-BAA935B81F5E}"/>
+                <a16:creationId xmlns="" xmlns:a16="http://schemas.microsoft.com/office/drawing/2014/main" id="{41595C1A-15C2-48ED-B0F8-BAA935B81F5E}"/>
               </a:ext>
             </a:extLst>
           </p:cNvPr>
@@ -1960,7 +1960,7 @@
           <p:cNvPr id="3" name="Text Placeholder 2">
             <a:extLst>
               <a:ext uri="{FF2B5EF4-FFF2-40B4-BE49-F238E27FC236}">
-                <a16:creationId xmlns:a16="http://schemas.microsoft.com/office/drawing/2014/main" xmlns="" id="{03F02048-7C2A-4B08-BF76-13F8E88F3C86}"/>
+                <a16:creationId xmlns="" xmlns:a16="http://schemas.microsoft.com/office/drawing/2014/main" id="{03F02048-7C2A-4B08-BF76-13F8E88F3C86}"/>
               </a:ext>
             </a:extLst>
           </p:cNvPr>
@@ -2031,7 +2031,7 @@
           <p:cNvPr id="4" name="Content Placeholder 3">
             <a:extLst>
               <a:ext uri="{FF2B5EF4-FFF2-40B4-BE49-F238E27FC236}">
-                <a16:creationId xmlns:a16="http://schemas.microsoft.com/office/drawing/2014/main" xmlns="" id="{5B11E60C-383E-4752-AAC7-4D0B3FA81780}"/>
+                <a16:creationId xmlns="" xmlns:a16="http://schemas.microsoft.com/office/drawing/2014/main" id="{5B11E60C-383E-4752-AAC7-4D0B3FA81780}"/>
               </a:ext>
             </a:extLst>
           </p:cNvPr>
@@ -2094,7 +2094,7 @@
           <p:cNvPr id="5" name="Text Placeholder 4">
             <a:extLst>
               <a:ext uri="{FF2B5EF4-FFF2-40B4-BE49-F238E27FC236}">
-                <a16:creationId xmlns:a16="http://schemas.microsoft.com/office/drawing/2014/main" xmlns="" id="{66B61BD6-6302-4813-867C-D0AAEEE20034}"/>
+                <a16:creationId xmlns="" xmlns:a16="http://schemas.microsoft.com/office/drawing/2014/main" id="{66B61BD6-6302-4813-867C-D0AAEEE20034}"/>
               </a:ext>
             </a:extLst>
           </p:cNvPr>
@@ -2165,7 +2165,7 @@
           <p:cNvPr id="6" name="Content Placeholder 5">
             <a:extLst>
               <a:ext uri="{FF2B5EF4-FFF2-40B4-BE49-F238E27FC236}">
-                <a16:creationId xmlns:a16="http://schemas.microsoft.com/office/drawing/2014/main" xmlns="" id="{2DF16956-D767-410D-AAFD-FBDA7772B667}"/>
+                <a16:creationId xmlns="" xmlns:a16="http://schemas.microsoft.com/office/drawing/2014/main" id="{2DF16956-D767-410D-AAFD-FBDA7772B667}"/>
               </a:ext>
             </a:extLst>
           </p:cNvPr>
@@ -2228,7 +2228,7 @@
           <p:cNvPr id="7" name="Date Placeholder 6">
             <a:extLst>
               <a:ext uri="{FF2B5EF4-FFF2-40B4-BE49-F238E27FC236}">
-                <a16:creationId xmlns:a16="http://schemas.microsoft.com/office/drawing/2014/main" xmlns="" id="{96D7FCDA-4AC0-4681-AE6C-03F9DBAEEE60}"/>
+                <a16:creationId xmlns="" xmlns:a16="http://schemas.microsoft.com/office/drawing/2014/main" id="{96D7FCDA-4AC0-4681-AE6C-03F9DBAEEE60}"/>
               </a:ext>
             </a:extLst>
           </p:cNvPr>
@@ -2246,7 +2246,7 @@
           <a:p>
             <a:fld id="{664F21D5-2AAA-408A-910B-555FC11A1CF7}" type="datetime1">
               <a:rPr lang="en-IN" smtClean="0"/>
-              <a:t>29-05-2021</a:t>
+              <a:t>31-05-2021</a:t>
             </a:fld>
             <a:endParaRPr lang="en-IN"/>
           </a:p>
@@ -2257,7 +2257,7 @@
           <p:cNvPr id="8" name="Footer Placeholder 7">
             <a:extLst>
               <a:ext uri="{FF2B5EF4-FFF2-40B4-BE49-F238E27FC236}">
-                <a16:creationId xmlns:a16="http://schemas.microsoft.com/office/drawing/2014/main" xmlns="" id="{3BD46444-BBA5-497F-AA32-5A16AAB20EA5}"/>
+                <a16:creationId xmlns="" xmlns:a16="http://schemas.microsoft.com/office/drawing/2014/main" id="{3BD46444-BBA5-497F-AA32-5A16AAB20EA5}"/>
               </a:ext>
             </a:extLst>
           </p:cNvPr>
@@ -2286,7 +2286,7 @@
           <p:cNvPr id="9" name="Slide Number Placeholder 8">
             <a:extLst>
               <a:ext uri="{FF2B5EF4-FFF2-40B4-BE49-F238E27FC236}">
-                <a16:creationId xmlns:a16="http://schemas.microsoft.com/office/drawing/2014/main" xmlns="" id="{5835D463-682D-4A5C-A63F-C5813E57712C}"/>
+                <a16:creationId xmlns="" xmlns:a16="http://schemas.microsoft.com/office/drawing/2014/main" id="{5835D463-682D-4A5C-A63F-C5813E57712C}"/>
               </a:ext>
             </a:extLst>
           </p:cNvPr>
@@ -2345,7 +2345,7 @@
           <p:cNvPr id="2" name="Title 1">
             <a:extLst>
               <a:ext uri="{FF2B5EF4-FFF2-40B4-BE49-F238E27FC236}">
-                <a16:creationId xmlns:a16="http://schemas.microsoft.com/office/drawing/2014/main" xmlns="" id="{18014203-0E89-4589-AC9B-7CBB8ACFEB0E}"/>
+                <a16:creationId xmlns="" xmlns:a16="http://schemas.microsoft.com/office/drawing/2014/main" id="{18014203-0E89-4589-AC9B-7CBB8ACFEB0E}"/>
               </a:ext>
             </a:extLst>
           </p:cNvPr>
@@ -2374,7 +2374,7 @@
           <p:cNvPr id="3" name="Date Placeholder 2">
             <a:extLst>
               <a:ext uri="{FF2B5EF4-FFF2-40B4-BE49-F238E27FC236}">
-                <a16:creationId xmlns:a16="http://schemas.microsoft.com/office/drawing/2014/main" xmlns="" id="{EA1A5BE8-6563-4A9B-A9DF-E921E64FDBCD}"/>
+                <a16:creationId xmlns="" xmlns:a16="http://schemas.microsoft.com/office/drawing/2014/main" id="{EA1A5BE8-6563-4A9B-A9DF-E921E64FDBCD}"/>
               </a:ext>
             </a:extLst>
           </p:cNvPr>
@@ -2392,7 +2392,7 @@
           <a:p>
             <a:fld id="{F356A824-9512-4355-9382-9A341080930D}" type="datetime1">
               <a:rPr lang="en-IN" smtClean="0"/>
-              <a:t>29-05-2021</a:t>
+              <a:t>31-05-2021</a:t>
             </a:fld>
             <a:endParaRPr lang="en-IN"/>
           </a:p>
@@ -2403,7 +2403,7 @@
           <p:cNvPr id="4" name="Footer Placeholder 3">
             <a:extLst>
               <a:ext uri="{FF2B5EF4-FFF2-40B4-BE49-F238E27FC236}">
-                <a16:creationId xmlns:a16="http://schemas.microsoft.com/office/drawing/2014/main" xmlns="" id="{9A1CE8E4-E1B6-4FCC-BE1D-B60BD1B1B01D}"/>
+                <a16:creationId xmlns="" xmlns:a16="http://schemas.microsoft.com/office/drawing/2014/main" id="{9A1CE8E4-E1B6-4FCC-BE1D-B60BD1B1B01D}"/>
               </a:ext>
             </a:extLst>
           </p:cNvPr>
@@ -2432,7 +2432,7 @@
           <p:cNvPr id="5" name="Slide Number Placeholder 4">
             <a:extLst>
               <a:ext uri="{FF2B5EF4-FFF2-40B4-BE49-F238E27FC236}">
-                <a16:creationId xmlns:a16="http://schemas.microsoft.com/office/drawing/2014/main" xmlns="" id="{5C17A080-59BF-4690-930A-E3838C1219EC}"/>
+                <a16:creationId xmlns="" xmlns:a16="http://schemas.microsoft.com/office/drawing/2014/main" id="{5C17A080-59BF-4690-930A-E3838C1219EC}"/>
               </a:ext>
             </a:extLst>
           </p:cNvPr>
@@ -2491,7 +2491,7 @@
           <p:cNvPr id="2" name="Date Placeholder 1">
             <a:extLst>
               <a:ext uri="{FF2B5EF4-FFF2-40B4-BE49-F238E27FC236}">
-                <a16:creationId xmlns:a16="http://schemas.microsoft.com/office/drawing/2014/main" xmlns="" id="{EEBC0457-3BA2-4C45-88B7-E219D4272972}"/>
+                <a16:creationId xmlns="" xmlns:a16="http://schemas.microsoft.com/office/drawing/2014/main" id="{EEBC0457-3BA2-4C45-88B7-E219D4272972}"/>
               </a:ext>
             </a:extLst>
           </p:cNvPr>
@@ -2509,7 +2509,7 @@
           <a:p>
             <a:fld id="{61D5D980-7089-4CCA-A615-7CE5DE2E0A24}" type="datetime1">
               <a:rPr lang="en-IN" smtClean="0"/>
-              <a:t>29-05-2021</a:t>
+              <a:t>31-05-2021</a:t>
             </a:fld>
             <a:endParaRPr lang="en-IN"/>
           </a:p>
@@ -2520,7 +2520,7 @@
           <p:cNvPr id="3" name="Footer Placeholder 2">
             <a:extLst>
               <a:ext uri="{FF2B5EF4-FFF2-40B4-BE49-F238E27FC236}">
-                <a16:creationId xmlns:a16="http://schemas.microsoft.com/office/drawing/2014/main" xmlns="" id="{3BDC4564-BA34-4AF2-87DE-426509FD1319}"/>
+                <a16:creationId xmlns="" xmlns:a16="http://schemas.microsoft.com/office/drawing/2014/main" id="{3BDC4564-BA34-4AF2-87DE-426509FD1319}"/>
               </a:ext>
             </a:extLst>
           </p:cNvPr>
@@ -2549,7 +2549,7 @@
           <p:cNvPr id="4" name="Slide Number Placeholder 3">
             <a:extLst>
               <a:ext uri="{FF2B5EF4-FFF2-40B4-BE49-F238E27FC236}">
-                <a16:creationId xmlns:a16="http://schemas.microsoft.com/office/drawing/2014/main" xmlns="" id="{6771982A-07E2-45C5-A479-D2B8CF937139}"/>
+                <a16:creationId xmlns="" xmlns:a16="http://schemas.microsoft.com/office/drawing/2014/main" id="{6771982A-07E2-45C5-A479-D2B8CF937139}"/>
               </a:ext>
             </a:extLst>
           </p:cNvPr>
@@ -2608,7 +2608,7 @@
           <p:cNvPr id="2" name="Title 1">
             <a:extLst>
               <a:ext uri="{FF2B5EF4-FFF2-40B4-BE49-F238E27FC236}">
-                <a16:creationId xmlns:a16="http://schemas.microsoft.com/office/drawing/2014/main" xmlns="" id="{C906415D-865A-4910-87F5-700C462242D4}"/>
+                <a16:creationId xmlns="" xmlns:a16="http://schemas.microsoft.com/office/drawing/2014/main" id="{C906415D-865A-4910-87F5-700C462242D4}"/>
               </a:ext>
             </a:extLst>
           </p:cNvPr>
@@ -2646,7 +2646,7 @@
           <p:cNvPr id="3" name="Content Placeholder 2">
             <a:extLst>
               <a:ext uri="{FF2B5EF4-FFF2-40B4-BE49-F238E27FC236}">
-                <a16:creationId xmlns:a16="http://schemas.microsoft.com/office/drawing/2014/main" xmlns="" id="{57825CFD-6151-4A9A-928C-5B14495EE293}"/>
+                <a16:creationId xmlns="" xmlns:a16="http://schemas.microsoft.com/office/drawing/2014/main" id="{57825CFD-6151-4A9A-928C-5B14495EE293}"/>
               </a:ext>
             </a:extLst>
           </p:cNvPr>
@@ -2737,7 +2737,7 @@
           <p:cNvPr id="4" name="Text Placeholder 3">
             <a:extLst>
               <a:ext uri="{FF2B5EF4-FFF2-40B4-BE49-F238E27FC236}">
-                <a16:creationId xmlns:a16="http://schemas.microsoft.com/office/drawing/2014/main" xmlns="" id="{2DD50256-14A9-4760-867F-54FFAC07EE4D}"/>
+                <a16:creationId xmlns="" xmlns:a16="http://schemas.microsoft.com/office/drawing/2014/main" id="{2DD50256-14A9-4760-867F-54FFAC07EE4D}"/>
               </a:ext>
             </a:extLst>
           </p:cNvPr>
@@ -2808,7 +2808,7 @@
           <p:cNvPr id="5" name="Date Placeholder 4">
             <a:extLst>
               <a:ext uri="{FF2B5EF4-FFF2-40B4-BE49-F238E27FC236}">
-                <a16:creationId xmlns:a16="http://schemas.microsoft.com/office/drawing/2014/main" xmlns="" id="{AD30F158-1CCF-4187-B626-F3C2F7B23D97}"/>
+                <a16:creationId xmlns="" xmlns:a16="http://schemas.microsoft.com/office/drawing/2014/main" id="{AD30F158-1CCF-4187-B626-F3C2F7B23D97}"/>
               </a:ext>
             </a:extLst>
           </p:cNvPr>
@@ -2826,7 +2826,7 @@
           <a:p>
             <a:fld id="{BCBBCC49-34F1-4143-A247-5BD173D4A05B}" type="datetime1">
               <a:rPr lang="en-IN" smtClean="0"/>
-              <a:t>29-05-2021</a:t>
+              <a:t>31-05-2021</a:t>
             </a:fld>
             <a:endParaRPr lang="en-IN"/>
           </a:p>
@@ -2837,7 +2837,7 @@
           <p:cNvPr id="6" name="Footer Placeholder 5">
             <a:extLst>
               <a:ext uri="{FF2B5EF4-FFF2-40B4-BE49-F238E27FC236}">
-                <a16:creationId xmlns:a16="http://schemas.microsoft.com/office/drawing/2014/main" xmlns="" id="{4512C3F2-F875-4CB4-9457-F9A1515D0EC7}"/>
+                <a16:creationId xmlns="" xmlns:a16="http://schemas.microsoft.com/office/drawing/2014/main" id="{4512C3F2-F875-4CB4-9457-F9A1515D0EC7}"/>
               </a:ext>
             </a:extLst>
           </p:cNvPr>
@@ -2866,7 +2866,7 @@
           <p:cNvPr id="7" name="Slide Number Placeholder 6">
             <a:extLst>
               <a:ext uri="{FF2B5EF4-FFF2-40B4-BE49-F238E27FC236}">
-                <a16:creationId xmlns:a16="http://schemas.microsoft.com/office/drawing/2014/main" xmlns="" id="{AA3CE853-B5FE-4227-AF0F-664B0F6ED8B7}"/>
+                <a16:creationId xmlns="" xmlns:a16="http://schemas.microsoft.com/office/drawing/2014/main" id="{AA3CE853-B5FE-4227-AF0F-664B0F6ED8B7}"/>
               </a:ext>
             </a:extLst>
           </p:cNvPr>
@@ -2925,7 +2925,7 @@
           <p:cNvPr id="2" name="Title 1">
             <a:extLst>
               <a:ext uri="{FF2B5EF4-FFF2-40B4-BE49-F238E27FC236}">
-                <a16:creationId xmlns:a16="http://schemas.microsoft.com/office/drawing/2014/main" xmlns="" id="{80D99D6D-E397-499B-80A1-FCCB8CD81661}"/>
+                <a16:creationId xmlns="" xmlns:a16="http://schemas.microsoft.com/office/drawing/2014/main" id="{80D99D6D-E397-499B-80A1-FCCB8CD81661}"/>
               </a:ext>
             </a:extLst>
           </p:cNvPr>
@@ -2963,7 +2963,7 @@
           <p:cNvPr id="3" name="Picture Placeholder 2">
             <a:extLst>
               <a:ext uri="{FF2B5EF4-FFF2-40B4-BE49-F238E27FC236}">
-                <a16:creationId xmlns:a16="http://schemas.microsoft.com/office/drawing/2014/main" xmlns="" id="{56722E0C-C01F-432B-9A07-4394593E69CC}"/>
+                <a16:creationId xmlns="" xmlns:a16="http://schemas.microsoft.com/office/drawing/2014/main" id="{56722E0C-C01F-432B-9A07-4394593E69CC}"/>
               </a:ext>
             </a:extLst>
           </p:cNvPr>
@@ -3030,7 +3030,7 @@
           <p:cNvPr id="4" name="Text Placeholder 3">
             <a:extLst>
               <a:ext uri="{FF2B5EF4-FFF2-40B4-BE49-F238E27FC236}">
-                <a16:creationId xmlns:a16="http://schemas.microsoft.com/office/drawing/2014/main" xmlns="" id="{EBA23BD5-F29F-48AE-A588-72C8B39B7160}"/>
+                <a16:creationId xmlns="" xmlns:a16="http://schemas.microsoft.com/office/drawing/2014/main" id="{EBA23BD5-F29F-48AE-A588-72C8B39B7160}"/>
               </a:ext>
             </a:extLst>
           </p:cNvPr>
@@ -3101,7 +3101,7 @@
           <p:cNvPr id="5" name="Date Placeholder 4">
             <a:extLst>
               <a:ext uri="{FF2B5EF4-FFF2-40B4-BE49-F238E27FC236}">
-                <a16:creationId xmlns:a16="http://schemas.microsoft.com/office/drawing/2014/main" xmlns="" id="{DB18EA2F-8D4B-4FFD-8168-B65B7F82DF86}"/>
+                <a16:creationId xmlns="" xmlns:a16="http://schemas.microsoft.com/office/drawing/2014/main" id="{DB18EA2F-8D4B-4FFD-8168-B65B7F82DF86}"/>
               </a:ext>
             </a:extLst>
           </p:cNvPr>
@@ -3119,7 +3119,7 @@
           <a:p>
             <a:fld id="{2D62E49B-383D-4FEF-83E3-8391B88BD48A}" type="datetime1">
               <a:rPr lang="en-IN" smtClean="0"/>
-              <a:t>29-05-2021</a:t>
+              <a:t>31-05-2021</a:t>
             </a:fld>
             <a:endParaRPr lang="en-IN"/>
           </a:p>
@@ -3130,7 +3130,7 @@
           <p:cNvPr id="6" name="Footer Placeholder 5">
             <a:extLst>
               <a:ext uri="{FF2B5EF4-FFF2-40B4-BE49-F238E27FC236}">
-                <a16:creationId xmlns:a16="http://schemas.microsoft.com/office/drawing/2014/main" xmlns="" id="{8AA3483C-4BE1-456C-A6A4-4239387D691F}"/>
+                <a16:creationId xmlns="" xmlns:a16="http://schemas.microsoft.com/office/drawing/2014/main" id="{8AA3483C-4BE1-456C-A6A4-4239387D691F}"/>
               </a:ext>
             </a:extLst>
           </p:cNvPr>
@@ -3159,7 +3159,7 @@
           <p:cNvPr id="7" name="Slide Number Placeholder 6">
             <a:extLst>
               <a:ext uri="{FF2B5EF4-FFF2-40B4-BE49-F238E27FC236}">
-                <a16:creationId xmlns:a16="http://schemas.microsoft.com/office/drawing/2014/main" xmlns="" id="{7C032B66-311F-43C3-A0AB-4512D5F17D69}"/>
+                <a16:creationId xmlns="" xmlns:a16="http://schemas.microsoft.com/office/drawing/2014/main" id="{7C032B66-311F-43C3-A0AB-4512D5F17D69}"/>
               </a:ext>
             </a:extLst>
           </p:cNvPr>
@@ -3223,7 +3223,7 @@
           <p:cNvPr id="2" name="Title Placeholder 1">
             <a:extLst>
               <a:ext uri="{FF2B5EF4-FFF2-40B4-BE49-F238E27FC236}">
-                <a16:creationId xmlns:a16="http://schemas.microsoft.com/office/drawing/2014/main" xmlns="" id="{1AE5B7F7-712F-49D6-9569-DF86C5A96A89}"/>
+                <a16:creationId xmlns="" xmlns:a16="http://schemas.microsoft.com/office/drawing/2014/main" id="{1AE5B7F7-712F-49D6-9569-DF86C5A96A89}"/>
               </a:ext>
             </a:extLst>
           </p:cNvPr>
@@ -3262,7 +3262,7 @@
           <p:cNvPr id="3" name="Text Placeholder 2">
             <a:extLst>
               <a:ext uri="{FF2B5EF4-FFF2-40B4-BE49-F238E27FC236}">
-                <a16:creationId xmlns:a16="http://schemas.microsoft.com/office/drawing/2014/main" xmlns="" id="{B9F23EA2-C30F-43FD-A4C2-02AE6A315DB8}"/>
+                <a16:creationId xmlns="" xmlns:a16="http://schemas.microsoft.com/office/drawing/2014/main" id="{B9F23EA2-C30F-43FD-A4C2-02AE6A315DB8}"/>
               </a:ext>
             </a:extLst>
           </p:cNvPr>
@@ -3330,7 +3330,7 @@
           <p:cNvPr id="4" name="Date Placeholder 3">
             <a:extLst>
               <a:ext uri="{FF2B5EF4-FFF2-40B4-BE49-F238E27FC236}">
-                <a16:creationId xmlns:a16="http://schemas.microsoft.com/office/drawing/2014/main" xmlns="" id="{52CE41F2-C832-43D8-B69F-F49E7AADEF6E}"/>
+                <a16:creationId xmlns="" xmlns:a16="http://schemas.microsoft.com/office/drawing/2014/main" id="{52CE41F2-C832-43D8-B69F-F49E7AADEF6E}"/>
               </a:ext>
             </a:extLst>
           </p:cNvPr>
@@ -3366,7 +3366,7 @@
           <a:p>
             <a:fld id="{95403040-39FF-48B5-9AA8-D98B49EA5B67}" type="datetime1">
               <a:rPr lang="en-IN" smtClean="0"/>
-              <a:t>29-05-2021</a:t>
+              <a:t>31-05-2021</a:t>
             </a:fld>
             <a:endParaRPr lang="en-IN"/>
           </a:p>
@@ -3377,7 +3377,7 @@
           <p:cNvPr id="5" name="Footer Placeholder 4">
             <a:extLst>
               <a:ext uri="{FF2B5EF4-FFF2-40B4-BE49-F238E27FC236}">
-                <a16:creationId xmlns:a16="http://schemas.microsoft.com/office/drawing/2014/main" xmlns="" id="{16C0C3F3-C749-4F32-9EA1-BDF5BCF5F2D1}"/>
+                <a16:creationId xmlns="" xmlns:a16="http://schemas.microsoft.com/office/drawing/2014/main" id="{16C0C3F3-C749-4F32-9EA1-BDF5BCF5F2D1}"/>
               </a:ext>
             </a:extLst>
           </p:cNvPr>
@@ -3424,7 +3424,7 @@
           <p:cNvPr id="6" name="Slide Number Placeholder 5">
             <a:extLst>
               <a:ext uri="{FF2B5EF4-FFF2-40B4-BE49-F238E27FC236}">
-                <a16:creationId xmlns:a16="http://schemas.microsoft.com/office/drawing/2014/main" xmlns="" id="{DF4FB91D-C6B8-421D-81EB-651EAD2A8364}"/>
+                <a16:creationId xmlns="" xmlns:a16="http://schemas.microsoft.com/office/drawing/2014/main" id="{DF4FB91D-C6B8-421D-81EB-651EAD2A8364}"/>
               </a:ext>
             </a:extLst>
           </p:cNvPr>
@@ -3793,7 +3793,7 @@
           <p:cNvPr id="2" name="Title 1">
             <a:extLst>
               <a:ext uri="{FF2B5EF4-FFF2-40B4-BE49-F238E27FC236}">
-                <a16:creationId xmlns:a16="http://schemas.microsoft.com/office/drawing/2014/main" xmlns="" id="{0B983FEF-B0DF-4375-9F52-1D18A58B79C9}"/>
+                <a16:creationId xmlns="" xmlns:a16="http://schemas.microsoft.com/office/drawing/2014/main" id="{0B983FEF-B0DF-4375-9F52-1D18A58B79C9}"/>
               </a:ext>
             </a:extLst>
           </p:cNvPr>
@@ -3833,7 +3833,7 @@
           <p:cNvPr id="3" name="Subtitle 2">
             <a:extLst>
               <a:ext uri="{FF2B5EF4-FFF2-40B4-BE49-F238E27FC236}">
-                <a16:creationId xmlns:a16="http://schemas.microsoft.com/office/drawing/2014/main" xmlns="" id="{1A2A60DB-2279-441D-8885-2771CB5128AF}"/>
+                <a16:creationId xmlns="" xmlns:a16="http://schemas.microsoft.com/office/drawing/2014/main" id="{1A2A60DB-2279-441D-8885-2771CB5128AF}"/>
               </a:ext>
             </a:extLst>
           </p:cNvPr>
@@ -3872,7 +3872,7 @@
           <p:cNvPr id="4" name="Footer Placeholder 3">
             <a:extLst>
               <a:ext uri="{FF2B5EF4-FFF2-40B4-BE49-F238E27FC236}">
-                <a16:creationId xmlns:a16="http://schemas.microsoft.com/office/drawing/2014/main" xmlns="" id="{2508C9A7-6855-4D15-8EB4-41AA058C5DD7}"/>
+                <a16:creationId xmlns="" xmlns:a16="http://schemas.microsoft.com/office/drawing/2014/main" id="{2508C9A7-6855-4D15-8EB4-41AA058C5DD7}"/>
               </a:ext>
             </a:extLst>
           </p:cNvPr>
@@ -3901,7 +3901,7 @@
           <p:cNvPr id="5" name="Slide Number Placeholder 4">
             <a:extLst>
               <a:ext uri="{FF2B5EF4-FFF2-40B4-BE49-F238E27FC236}">
-                <a16:creationId xmlns:a16="http://schemas.microsoft.com/office/drawing/2014/main" xmlns="" id="{00F6A3EF-20DA-497B-A31B-F0824C635938}"/>
+                <a16:creationId xmlns="" xmlns:a16="http://schemas.microsoft.com/office/drawing/2014/main" id="{00F6A3EF-20DA-497B-A31B-F0824C635938}"/>
               </a:ext>
             </a:extLst>
           </p:cNvPr>
@@ -3967,7 +3967,7 @@
           <p:cNvPr id="2" name="Title 1">
             <a:extLst>
               <a:ext uri="{FF2B5EF4-FFF2-40B4-BE49-F238E27FC236}">
-                <a16:creationId xmlns:a16="http://schemas.microsoft.com/office/drawing/2014/main" xmlns="" id="{9F53C0E6-5CA5-48E1-B370-E678425399F4}"/>
+                <a16:creationId xmlns="" xmlns:a16="http://schemas.microsoft.com/office/drawing/2014/main" id="{9F53C0E6-5CA5-48E1-B370-E678425399F4}"/>
               </a:ext>
             </a:extLst>
           </p:cNvPr>
@@ -4001,7 +4001,7 @@
           <p:cNvPr id="3" name="Content Placeholder 2">
             <a:extLst>
               <a:ext uri="{FF2B5EF4-FFF2-40B4-BE49-F238E27FC236}">
-                <a16:creationId xmlns:a16="http://schemas.microsoft.com/office/drawing/2014/main" xmlns="" id="{F0A4581A-26B3-40E7-A945-90C4D9B58292}"/>
+                <a16:creationId xmlns="" xmlns:a16="http://schemas.microsoft.com/office/drawing/2014/main" id="{F0A4581A-26B3-40E7-A945-90C4D9B58292}"/>
               </a:ext>
             </a:extLst>
           </p:cNvPr>
@@ -4105,7 +4105,7 @@
           <p:cNvPr id="4" name="Footer Placeholder 3">
             <a:extLst>
               <a:ext uri="{FF2B5EF4-FFF2-40B4-BE49-F238E27FC236}">
-                <a16:creationId xmlns:a16="http://schemas.microsoft.com/office/drawing/2014/main" xmlns="" id="{540972A1-4BB3-4D04-B4DF-C76BA9B5CAD8}"/>
+                <a16:creationId xmlns="" xmlns:a16="http://schemas.microsoft.com/office/drawing/2014/main" id="{540972A1-4BB3-4D04-B4DF-C76BA9B5CAD8}"/>
               </a:ext>
             </a:extLst>
           </p:cNvPr>
@@ -4134,7 +4134,7 @@
           <p:cNvPr id="5" name="Slide Number Placeholder 4">
             <a:extLst>
               <a:ext uri="{FF2B5EF4-FFF2-40B4-BE49-F238E27FC236}">
-                <a16:creationId xmlns:a16="http://schemas.microsoft.com/office/drawing/2014/main" xmlns="" id="{23B5C741-F1AB-463E-B229-974B2924B065}"/>
+                <a16:creationId xmlns="" xmlns:a16="http://schemas.microsoft.com/office/drawing/2014/main" id="{23B5C741-F1AB-463E-B229-974B2924B065}"/>
               </a:ext>
             </a:extLst>
           </p:cNvPr>
@@ -4241,7 +4241,7 @@
           <p:cNvPr id="2" name="Title 1">
             <a:extLst>
               <a:ext uri="{FF2B5EF4-FFF2-40B4-BE49-F238E27FC236}">
-                <a16:creationId xmlns:a16="http://schemas.microsoft.com/office/drawing/2014/main" xmlns="" id="{9F53C0E6-5CA5-48E1-B370-E678425399F4}"/>
+                <a16:creationId xmlns="" xmlns:a16="http://schemas.microsoft.com/office/drawing/2014/main" id="{9F53C0E6-5CA5-48E1-B370-E678425399F4}"/>
               </a:ext>
             </a:extLst>
           </p:cNvPr>
@@ -4275,7 +4275,7 @@
           <p:cNvPr id="3" name="Content Placeholder 2">
             <a:extLst>
               <a:ext uri="{FF2B5EF4-FFF2-40B4-BE49-F238E27FC236}">
-                <a16:creationId xmlns:a16="http://schemas.microsoft.com/office/drawing/2014/main" xmlns="" id="{F0A4581A-26B3-40E7-A945-90C4D9B58292}"/>
+                <a16:creationId xmlns="" xmlns:a16="http://schemas.microsoft.com/office/drawing/2014/main" id="{F0A4581A-26B3-40E7-A945-90C4D9B58292}"/>
               </a:ext>
             </a:extLst>
           </p:cNvPr>
@@ -4321,7 +4321,7 @@
           <p:cNvPr id="4" name="Footer Placeholder 3">
             <a:extLst>
               <a:ext uri="{FF2B5EF4-FFF2-40B4-BE49-F238E27FC236}">
-                <a16:creationId xmlns:a16="http://schemas.microsoft.com/office/drawing/2014/main" xmlns="" id="{540972A1-4BB3-4D04-B4DF-C76BA9B5CAD8}"/>
+                <a16:creationId xmlns="" xmlns:a16="http://schemas.microsoft.com/office/drawing/2014/main" id="{540972A1-4BB3-4D04-B4DF-C76BA9B5CAD8}"/>
               </a:ext>
             </a:extLst>
           </p:cNvPr>
@@ -4350,7 +4350,7 @@
           <p:cNvPr id="5" name="Slide Number Placeholder 4">
             <a:extLst>
               <a:ext uri="{FF2B5EF4-FFF2-40B4-BE49-F238E27FC236}">
-                <a16:creationId xmlns:a16="http://schemas.microsoft.com/office/drawing/2014/main" xmlns="" id="{23B5C741-F1AB-463E-B229-974B2924B065}"/>
+                <a16:creationId xmlns="" xmlns:a16="http://schemas.microsoft.com/office/drawing/2014/main" id="{23B5C741-F1AB-463E-B229-974B2924B065}"/>
               </a:ext>
             </a:extLst>
           </p:cNvPr>
@@ -6846,7 +6846,7 @@
           <p:cNvPr id="2" name="Title 1">
             <a:extLst>
               <a:ext uri="{FF2B5EF4-FFF2-40B4-BE49-F238E27FC236}">
-                <a16:creationId xmlns:a16="http://schemas.microsoft.com/office/drawing/2014/main" xmlns="" id="{9F53C0E6-5CA5-48E1-B370-E678425399F4}"/>
+                <a16:creationId xmlns="" xmlns:a16="http://schemas.microsoft.com/office/drawing/2014/main" id="{9F53C0E6-5CA5-48E1-B370-E678425399F4}"/>
               </a:ext>
             </a:extLst>
           </p:cNvPr>
@@ -6880,7 +6880,7 @@
           <p:cNvPr id="3" name="Content Placeholder 2">
             <a:extLst>
               <a:ext uri="{FF2B5EF4-FFF2-40B4-BE49-F238E27FC236}">
-                <a16:creationId xmlns:a16="http://schemas.microsoft.com/office/drawing/2014/main" xmlns="" id="{F0A4581A-26B3-40E7-A945-90C4D9B58292}"/>
+                <a16:creationId xmlns="" xmlns:a16="http://schemas.microsoft.com/office/drawing/2014/main" id="{F0A4581A-26B3-40E7-A945-90C4D9B58292}"/>
               </a:ext>
             </a:extLst>
           </p:cNvPr>
@@ -7043,11 +7043,15 @@
             </a:r>
             <a:r>
               <a:rPr lang="en-IN" sz="2000" dirty="0" err="1" smtClean="0"/>
-              <a:t>Bahdanu’s</a:t>
+              <a:t>Bahdanau’s</a:t>
             </a:r>
             <a:r>
               <a:rPr lang="en-IN" sz="2000" dirty="0" smtClean="0"/>
-              <a:t> Attention): Attention is placed only on a few source positions.</a:t>
+              <a:t> </a:t>
+            </a:r>
+            <a:r>
+              <a:rPr lang="en-IN" sz="2000" dirty="0" smtClean="0"/>
+              <a:t>Attention): Attention is placed only on a few source positions.</a:t>
             </a:r>
           </a:p>
           <a:p>
@@ -7089,7 +7093,7 @@
           <p:cNvPr id="4" name="Footer Placeholder 3">
             <a:extLst>
               <a:ext uri="{FF2B5EF4-FFF2-40B4-BE49-F238E27FC236}">
-                <a16:creationId xmlns:a16="http://schemas.microsoft.com/office/drawing/2014/main" xmlns="" id="{540972A1-4BB3-4D04-B4DF-C76BA9B5CAD8}"/>
+                <a16:creationId xmlns="" xmlns:a16="http://schemas.microsoft.com/office/drawing/2014/main" id="{540972A1-4BB3-4D04-B4DF-C76BA9B5CAD8}"/>
               </a:ext>
             </a:extLst>
           </p:cNvPr>
@@ -7118,7 +7122,7 @@
           <p:cNvPr id="5" name="Slide Number Placeholder 4">
             <a:extLst>
               <a:ext uri="{FF2B5EF4-FFF2-40B4-BE49-F238E27FC236}">
-                <a16:creationId xmlns:a16="http://schemas.microsoft.com/office/drawing/2014/main" xmlns="" id="{23B5C741-F1AB-463E-B229-974B2924B065}"/>
+                <a16:creationId xmlns="" xmlns:a16="http://schemas.microsoft.com/office/drawing/2014/main" id="{23B5C741-F1AB-463E-B229-974B2924B065}"/>
               </a:ext>
             </a:extLst>
           </p:cNvPr>
@@ -7184,7 +7188,7 @@
           <p:cNvPr id="2" name="Title 1">
             <a:extLst>
               <a:ext uri="{FF2B5EF4-FFF2-40B4-BE49-F238E27FC236}">
-                <a16:creationId xmlns:a16="http://schemas.microsoft.com/office/drawing/2014/main" xmlns="" id="{9F53C0E6-5CA5-48E1-B370-E678425399F4}"/>
+                <a16:creationId xmlns="" xmlns:a16="http://schemas.microsoft.com/office/drawing/2014/main" id="{9F53C0E6-5CA5-48E1-B370-E678425399F4}"/>
               </a:ext>
             </a:extLst>
           </p:cNvPr>
@@ -7218,7 +7222,7 @@
           <p:cNvPr id="3" name="Content Placeholder 2">
             <a:extLst>
               <a:ext uri="{FF2B5EF4-FFF2-40B4-BE49-F238E27FC236}">
-                <a16:creationId xmlns:a16="http://schemas.microsoft.com/office/drawing/2014/main" xmlns="" id="{F0A4581A-26B3-40E7-A945-90C4D9B58292}"/>
+                <a16:creationId xmlns="" xmlns:a16="http://schemas.microsoft.com/office/drawing/2014/main" id="{F0A4581A-26B3-40E7-A945-90C4D9B58292}"/>
               </a:ext>
             </a:extLst>
           </p:cNvPr>
@@ -7311,11 +7315,15 @@
             </a:r>
             <a:r>
               <a:rPr lang="en-IN" sz="2000" dirty="0" err="1" smtClean="0"/>
-              <a:t>Bahdanu’s</a:t>
+              <a:t>Bahdanau’s</a:t>
             </a:r>
             <a:r>
               <a:rPr lang="en-IN" sz="2000" dirty="0" smtClean="0"/>
-              <a:t> Attention).</a:t>
+              <a:t> </a:t>
+            </a:r>
+            <a:r>
+              <a:rPr lang="en-IN" sz="2000" dirty="0" smtClean="0"/>
+              <a:t>Attention).</a:t>
             </a:r>
           </a:p>
           <a:p>
@@ -7335,11 +7343,15 @@
             </a:r>
             <a:r>
               <a:rPr lang="en-IN" sz="2000" dirty="0" err="1" smtClean="0"/>
-              <a:t>Bahdanu’s</a:t>
+              <a:t>Bahdanau’s</a:t>
             </a:r>
             <a:r>
               <a:rPr lang="en-IN" sz="2000" dirty="0" smtClean="0"/>
-              <a:t> Attention):</a:t>
+              <a:t> </a:t>
+            </a:r>
+            <a:r>
+              <a:rPr lang="en-IN" sz="2000" dirty="0" smtClean="0"/>
+              <a:t>Attention):</a:t>
             </a:r>
           </a:p>
           <a:p>
@@ -7419,7 +7431,7 @@
           <p:cNvPr id="4" name="Footer Placeholder 3">
             <a:extLst>
               <a:ext uri="{FF2B5EF4-FFF2-40B4-BE49-F238E27FC236}">
-                <a16:creationId xmlns:a16="http://schemas.microsoft.com/office/drawing/2014/main" xmlns="" id="{540972A1-4BB3-4D04-B4DF-C76BA9B5CAD8}"/>
+                <a16:creationId xmlns="" xmlns:a16="http://schemas.microsoft.com/office/drawing/2014/main" id="{540972A1-4BB3-4D04-B4DF-C76BA9B5CAD8}"/>
               </a:ext>
             </a:extLst>
           </p:cNvPr>
@@ -7448,7 +7460,7 @@
           <p:cNvPr id="5" name="Slide Number Placeholder 4">
             <a:extLst>
               <a:ext uri="{FF2B5EF4-FFF2-40B4-BE49-F238E27FC236}">
-                <a16:creationId xmlns:a16="http://schemas.microsoft.com/office/drawing/2014/main" xmlns="" id="{23B5C741-F1AB-463E-B229-974B2924B065}"/>
+                <a16:creationId xmlns="" xmlns:a16="http://schemas.microsoft.com/office/drawing/2014/main" id="{23B5C741-F1AB-463E-B229-974B2924B065}"/>
               </a:ext>
             </a:extLst>
           </p:cNvPr>
@@ -7514,7 +7526,7 @@
           <p:cNvPr id="2" name="Title 1">
             <a:extLst>
               <a:ext uri="{FF2B5EF4-FFF2-40B4-BE49-F238E27FC236}">
-                <a16:creationId xmlns:a16="http://schemas.microsoft.com/office/drawing/2014/main" xmlns="" id="{9F53C0E6-5CA5-48E1-B370-E678425399F4}"/>
+                <a16:creationId xmlns="" xmlns:a16="http://schemas.microsoft.com/office/drawing/2014/main" id="{9F53C0E6-5CA5-48E1-B370-E678425399F4}"/>
               </a:ext>
             </a:extLst>
           </p:cNvPr>
@@ -7548,7 +7560,7 @@
           <p:cNvPr id="3" name="Content Placeholder 2">
             <a:extLst>
               <a:ext uri="{FF2B5EF4-FFF2-40B4-BE49-F238E27FC236}">
-                <a16:creationId xmlns:a16="http://schemas.microsoft.com/office/drawing/2014/main" xmlns="" id="{F0A4581A-26B3-40E7-A945-90C4D9B58292}"/>
+                <a16:creationId xmlns="" xmlns:a16="http://schemas.microsoft.com/office/drawing/2014/main" id="{F0A4581A-26B3-40E7-A945-90C4D9B58292}"/>
               </a:ext>
             </a:extLst>
           </p:cNvPr>
@@ -8112,7 +8124,7 @@
           <p:cNvPr id="4" name="Footer Placeholder 3">
             <a:extLst>
               <a:ext uri="{FF2B5EF4-FFF2-40B4-BE49-F238E27FC236}">
-                <a16:creationId xmlns:a16="http://schemas.microsoft.com/office/drawing/2014/main" xmlns="" id="{540972A1-4BB3-4D04-B4DF-C76BA9B5CAD8}"/>
+                <a16:creationId xmlns="" xmlns:a16="http://schemas.microsoft.com/office/drawing/2014/main" id="{540972A1-4BB3-4D04-B4DF-C76BA9B5CAD8}"/>
               </a:ext>
             </a:extLst>
           </p:cNvPr>
@@ -8141,7 +8153,7 @@
           <p:cNvPr id="5" name="Slide Number Placeholder 4">
             <a:extLst>
               <a:ext uri="{FF2B5EF4-FFF2-40B4-BE49-F238E27FC236}">
-                <a16:creationId xmlns:a16="http://schemas.microsoft.com/office/drawing/2014/main" xmlns="" id="{23B5C741-F1AB-463E-B229-974B2924B065}"/>
+                <a16:creationId xmlns="" xmlns:a16="http://schemas.microsoft.com/office/drawing/2014/main" id="{23B5C741-F1AB-463E-B229-974B2924B065}"/>
               </a:ext>
             </a:extLst>
           </p:cNvPr>
@@ -8479,7 +8491,7 @@
           <p:cNvPr id="2" name="Title 1">
             <a:extLst>
               <a:ext uri="{FF2B5EF4-FFF2-40B4-BE49-F238E27FC236}">
-                <a16:creationId xmlns:a16="http://schemas.microsoft.com/office/drawing/2014/main" xmlns="" id="{9F53C0E6-5CA5-48E1-B370-E678425399F4}"/>
+                <a16:creationId xmlns="" xmlns:a16="http://schemas.microsoft.com/office/drawing/2014/main" id="{9F53C0E6-5CA5-48E1-B370-E678425399F4}"/>
               </a:ext>
             </a:extLst>
           </p:cNvPr>
@@ -8508,14 +8520,14 @@
           </a:p>
         </p:txBody>
       </p:sp>
-      <mc:AlternateContent xmlns:mc="http://schemas.openxmlformats.org/markup-compatibility/2006" xmlns:a14="http://schemas.microsoft.com/office/drawing/2010/main">
-        <mc:Choice Requires="a14">
+      <mc:AlternateContent xmlns:mc="http://schemas.openxmlformats.org/markup-compatibility/2006">
+        <mc:Choice xmlns:a14="http://schemas.microsoft.com/office/drawing/2010/main" Requires="a14">
           <p:sp>
             <p:nvSpPr>
               <p:cNvPr id="3" name="Content Placeholder 2">
                 <a:extLst>
                   <a:ext uri="{FF2B5EF4-FFF2-40B4-BE49-F238E27FC236}">
-                    <a16:creationId xmlns:a16="http://schemas.microsoft.com/office/drawing/2014/main" xmlns="" id="{F0A4581A-26B3-40E7-A945-90C4D9B58292}"/>
+                    <a16:creationId xmlns="" xmlns:a16="http://schemas.microsoft.com/office/drawing/2014/main" id="{F0A4581A-26B3-40E7-A945-90C4D9B58292}"/>
                   </a:ext>
                 </a:extLst>
               </p:cNvPr>
@@ -8533,7 +8545,7 @@
               </a:xfrm>
             </p:spPr>
             <p:txBody>
-              <a:bodyPr anchor="ctr">
+              <a:bodyPr anchor="t">
                 <a:normAutofit/>
               </a:bodyPr>
               <a:lstStyle/>
@@ -9132,7 +9144,15 @@
                 </a:pPr>
                 <a:r>
                   <a:rPr lang="en-IN" sz="2000" dirty="0" smtClean="0"/>
-                  <a:t>At the end, the decoder will output &lt;</a:t>
+                  <a:t>At the end, the decoder </a:t>
+                </a:r>
+                <a:r>
+                  <a:rPr lang="en-IN" sz="2000" dirty="0" smtClean="0"/>
+                  <a:t>will either </a:t>
+                </a:r>
+                <a:r>
+                  <a:rPr lang="en-IN" sz="2000" dirty="0" smtClean="0"/>
+                  <a:t>output &lt;</a:t>
                 </a:r>
                 <a:r>
                   <a:rPr lang="en-IN" sz="2000" dirty="0" err="1" smtClean="0"/>
@@ -9140,13 +9160,29 @@
                 </a:r>
                 <a:r>
                   <a:rPr lang="en-IN" sz="2000" dirty="0" smtClean="0"/>
-                  <a:t>&gt; token and we stop the generation process.</a:t>
+                  <a:t>&gt; </a:t>
+                </a:r>
+                <a:r>
+                  <a:rPr lang="en-IN" sz="2000" dirty="0" smtClean="0"/>
+                  <a:t>token or it would have generated (or predicted) words equal to maximum caption length, then </a:t>
+                </a:r>
+                <a:r>
+                  <a:rPr lang="en-IN" sz="2000" dirty="0" smtClean="0"/>
+                  <a:t>we </a:t>
+                </a:r>
+                <a:r>
+                  <a:rPr lang="en-IN" sz="2000" dirty="0" smtClean="0"/>
+                  <a:t>will stop </a:t>
+                </a:r>
+                <a:r>
+                  <a:rPr lang="en-IN" sz="2000" dirty="0" smtClean="0"/>
+                  <a:t>the generation process.</a:t>
                 </a:r>
               </a:p>
             </p:txBody>
           </p:sp>
         </mc:Choice>
-        <mc:Fallback xmlns="">
+        <mc:Fallback>
           <p:sp>
             <p:nvSpPr>
               <p:cNvPr id="3" name="Content Placeholder 2">
@@ -9171,7 +9207,7 @@
               <a:blipFill rotWithShape="1">
                 <a:blip r:embed="rId2"/>
                 <a:stretch>
-                  <a:fillRect r="-580"/>
+                  <a:fillRect t="-612" r="-580"/>
                 </a:stretch>
               </a:blipFill>
             </p:spPr>
@@ -9195,7 +9231,7 @@
           <p:cNvPr id="4" name="Footer Placeholder 3">
             <a:extLst>
               <a:ext uri="{FF2B5EF4-FFF2-40B4-BE49-F238E27FC236}">
-                <a16:creationId xmlns:a16="http://schemas.microsoft.com/office/drawing/2014/main" xmlns="" id="{540972A1-4BB3-4D04-B4DF-C76BA9B5CAD8}"/>
+                <a16:creationId xmlns="" xmlns:a16="http://schemas.microsoft.com/office/drawing/2014/main" id="{540972A1-4BB3-4D04-B4DF-C76BA9B5CAD8}"/>
               </a:ext>
             </a:extLst>
           </p:cNvPr>
@@ -9224,7 +9260,7 @@
           <p:cNvPr id="5" name="Slide Number Placeholder 4">
             <a:extLst>
               <a:ext uri="{FF2B5EF4-FFF2-40B4-BE49-F238E27FC236}">
-                <a16:creationId xmlns:a16="http://schemas.microsoft.com/office/drawing/2014/main" xmlns="" id="{23B5C741-F1AB-463E-B229-974B2924B065}"/>
+                <a16:creationId xmlns="" xmlns:a16="http://schemas.microsoft.com/office/drawing/2014/main" id="{23B5C741-F1AB-463E-B229-974B2924B065}"/>
               </a:ext>
             </a:extLst>
           </p:cNvPr>
@@ -9290,7 +9326,7 @@
           <p:cNvPr id="2" name="Title 1">
             <a:extLst>
               <a:ext uri="{FF2B5EF4-FFF2-40B4-BE49-F238E27FC236}">
-                <a16:creationId xmlns:a16="http://schemas.microsoft.com/office/drawing/2014/main" xmlns="" id="{9F53C0E6-5CA5-48E1-B370-E678425399F4}"/>
+                <a16:creationId xmlns="" xmlns:a16="http://schemas.microsoft.com/office/drawing/2014/main" id="{9F53C0E6-5CA5-48E1-B370-E678425399F4}"/>
               </a:ext>
             </a:extLst>
           </p:cNvPr>
@@ -9325,7 +9361,7 @@
               <p:cNvPr id="3" name="Content Placeholder 2">
                 <a:extLst>
                   <a:ext uri="{FF2B5EF4-FFF2-40B4-BE49-F238E27FC236}">
-                    <a16:creationId xmlns:a16="http://schemas.microsoft.com/office/drawing/2014/main" xmlns="" id="{F0A4581A-26B3-40E7-A945-90C4D9B58292}"/>
+                    <a16:creationId xmlns="" xmlns:a16="http://schemas.microsoft.com/office/drawing/2014/main" id="{F0A4581A-26B3-40E7-A945-90C4D9B58292}"/>
                   </a:ext>
                 </a:extLst>
               </p:cNvPr>
@@ -10066,7 +10102,7 @@
           <p:cNvPr id="4" name="Footer Placeholder 3">
             <a:extLst>
               <a:ext uri="{FF2B5EF4-FFF2-40B4-BE49-F238E27FC236}">
-                <a16:creationId xmlns:a16="http://schemas.microsoft.com/office/drawing/2014/main" xmlns="" id="{540972A1-4BB3-4D04-B4DF-C76BA9B5CAD8}"/>
+                <a16:creationId xmlns="" xmlns:a16="http://schemas.microsoft.com/office/drawing/2014/main" id="{540972A1-4BB3-4D04-B4DF-C76BA9B5CAD8}"/>
               </a:ext>
             </a:extLst>
           </p:cNvPr>
@@ -10095,7 +10131,7 @@
           <p:cNvPr id="5" name="Slide Number Placeholder 4">
             <a:extLst>
               <a:ext uri="{FF2B5EF4-FFF2-40B4-BE49-F238E27FC236}">
-                <a16:creationId xmlns:a16="http://schemas.microsoft.com/office/drawing/2014/main" xmlns="" id="{23B5C741-F1AB-463E-B229-974B2924B065}"/>
+                <a16:creationId xmlns="" xmlns:a16="http://schemas.microsoft.com/office/drawing/2014/main" id="{23B5C741-F1AB-463E-B229-974B2924B065}"/>
               </a:ext>
             </a:extLst>
           </p:cNvPr>
@@ -10161,7 +10197,7 @@
           <p:cNvPr id="2" name="Title 1">
             <a:extLst>
               <a:ext uri="{FF2B5EF4-FFF2-40B4-BE49-F238E27FC236}">
-                <a16:creationId xmlns:a16="http://schemas.microsoft.com/office/drawing/2014/main" xmlns="" id="{9F53C0E6-5CA5-48E1-B370-E678425399F4}"/>
+                <a16:creationId xmlns="" xmlns:a16="http://schemas.microsoft.com/office/drawing/2014/main" id="{9F53C0E6-5CA5-48E1-B370-E678425399F4}"/>
               </a:ext>
             </a:extLst>
           </p:cNvPr>
@@ -10196,7 +10232,7 @@
               <p:cNvPr id="3" name="Content Placeholder 2">
                 <a:extLst>
                   <a:ext uri="{FF2B5EF4-FFF2-40B4-BE49-F238E27FC236}">
-                    <a16:creationId xmlns:a16="http://schemas.microsoft.com/office/drawing/2014/main" xmlns="" id="{F0A4581A-26B3-40E7-A945-90C4D9B58292}"/>
+                    <a16:creationId xmlns="" xmlns:a16="http://schemas.microsoft.com/office/drawing/2014/main" id="{F0A4581A-26B3-40E7-A945-90C4D9B58292}"/>
                   </a:ext>
                 </a:extLst>
               </p:cNvPr>
@@ -10814,7 +10850,7 @@
           <p:cNvPr id="4" name="Footer Placeholder 3">
             <a:extLst>
               <a:ext uri="{FF2B5EF4-FFF2-40B4-BE49-F238E27FC236}">
-                <a16:creationId xmlns:a16="http://schemas.microsoft.com/office/drawing/2014/main" xmlns="" id="{540972A1-4BB3-4D04-B4DF-C76BA9B5CAD8}"/>
+                <a16:creationId xmlns="" xmlns:a16="http://schemas.microsoft.com/office/drawing/2014/main" id="{540972A1-4BB3-4D04-B4DF-C76BA9B5CAD8}"/>
               </a:ext>
             </a:extLst>
           </p:cNvPr>
@@ -10843,7 +10879,7 @@
           <p:cNvPr id="5" name="Slide Number Placeholder 4">
             <a:extLst>
               <a:ext uri="{FF2B5EF4-FFF2-40B4-BE49-F238E27FC236}">
-                <a16:creationId xmlns:a16="http://schemas.microsoft.com/office/drawing/2014/main" xmlns="" id="{23B5C741-F1AB-463E-B229-974B2924B065}"/>
+                <a16:creationId xmlns="" xmlns:a16="http://schemas.microsoft.com/office/drawing/2014/main" id="{23B5C741-F1AB-463E-B229-974B2924B065}"/>
               </a:ext>
             </a:extLst>
           </p:cNvPr>
@@ -10874,7 +10910,7 @@
               <p:cNvPr id="6" name="TextBox 5">
                 <a:extLst>
                   <a:ext uri="{FF2B5EF4-FFF2-40B4-BE49-F238E27FC236}">
-                    <a16:creationId xmlns:a16="http://schemas.microsoft.com/office/drawing/2014/main" xmlns="" id="{06515E04-E911-434E-B73D-C74090564F2D}"/>
+                    <a16:creationId xmlns="" xmlns:a16="http://schemas.microsoft.com/office/drawing/2014/main" id="{06515E04-E911-434E-B73D-C74090564F2D}"/>
                   </a:ext>
                 </a:extLst>
               </p:cNvPr>
@@ -11167,7 +11203,7 @@
               <p:cNvPr id="7" name="TextBox 6">
                 <a:extLst>
                   <a:ext uri="{FF2B5EF4-FFF2-40B4-BE49-F238E27FC236}">
-                    <a16:creationId xmlns:a16="http://schemas.microsoft.com/office/drawing/2014/main" xmlns="" id="{CA4377AD-0777-414C-BE82-54D482E0C00B}"/>
+                    <a16:creationId xmlns="" xmlns:a16="http://schemas.microsoft.com/office/drawing/2014/main" id="{CA4377AD-0777-414C-BE82-54D482E0C00B}"/>
                   </a:ext>
                 </a:extLst>
               </p:cNvPr>
@@ -11495,7 +11531,7 @@
           <p:cNvPr id="2" name="Title 1">
             <a:extLst>
               <a:ext uri="{FF2B5EF4-FFF2-40B4-BE49-F238E27FC236}">
-                <a16:creationId xmlns:a16="http://schemas.microsoft.com/office/drawing/2014/main" xmlns="" id="{9F53C0E6-5CA5-48E1-B370-E678425399F4}"/>
+                <a16:creationId xmlns="" xmlns:a16="http://schemas.microsoft.com/office/drawing/2014/main" id="{9F53C0E6-5CA5-48E1-B370-E678425399F4}"/>
               </a:ext>
             </a:extLst>
           </p:cNvPr>
@@ -11528,7 +11564,7 @@
           <p:cNvPr id="3" name="Content Placeholder 2">
             <a:extLst>
               <a:ext uri="{FF2B5EF4-FFF2-40B4-BE49-F238E27FC236}">
-                <a16:creationId xmlns:a16="http://schemas.microsoft.com/office/drawing/2014/main" xmlns="" id="{F0A4581A-26B3-40E7-A945-90C4D9B58292}"/>
+                <a16:creationId xmlns="" xmlns:a16="http://schemas.microsoft.com/office/drawing/2014/main" id="{F0A4581A-26B3-40E7-A945-90C4D9B58292}"/>
               </a:ext>
             </a:extLst>
           </p:cNvPr>
@@ -11737,7 +11773,7 @@
           <p:cNvPr id="4" name="Footer Placeholder 3">
             <a:extLst>
               <a:ext uri="{FF2B5EF4-FFF2-40B4-BE49-F238E27FC236}">
-                <a16:creationId xmlns:a16="http://schemas.microsoft.com/office/drawing/2014/main" xmlns="" id="{540972A1-4BB3-4D04-B4DF-C76BA9B5CAD8}"/>
+                <a16:creationId xmlns="" xmlns:a16="http://schemas.microsoft.com/office/drawing/2014/main" id="{540972A1-4BB3-4D04-B4DF-C76BA9B5CAD8}"/>
               </a:ext>
             </a:extLst>
           </p:cNvPr>
@@ -11766,7 +11802,7 @@
           <p:cNvPr id="5" name="Slide Number Placeholder 4">
             <a:extLst>
               <a:ext uri="{FF2B5EF4-FFF2-40B4-BE49-F238E27FC236}">
-                <a16:creationId xmlns:a16="http://schemas.microsoft.com/office/drawing/2014/main" xmlns="" id="{23B5C741-F1AB-463E-B229-974B2924B065}"/>
+                <a16:creationId xmlns="" xmlns:a16="http://schemas.microsoft.com/office/drawing/2014/main" id="{23B5C741-F1AB-463E-B229-974B2924B065}"/>
               </a:ext>
             </a:extLst>
           </p:cNvPr>
@@ -11797,7 +11833,7 @@
               <p:cNvPr id="6" name="TextBox 5">
                 <a:extLst>
                   <a:ext uri="{FF2B5EF4-FFF2-40B4-BE49-F238E27FC236}">
-                    <a16:creationId xmlns:a16="http://schemas.microsoft.com/office/drawing/2014/main" xmlns="" id="{3B7D199C-87B8-4A4A-8528-5D7137997D35}"/>
+                    <a16:creationId xmlns="" xmlns:a16="http://schemas.microsoft.com/office/drawing/2014/main" id="{3B7D199C-87B8-4A4A-8528-5D7137997D35}"/>
                   </a:ext>
                 </a:extLst>
               </p:cNvPr>
@@ -12058,7 +12094,7 @@
               <p:cNvPr id="7" name="TextBox 6">
                 <a:extLst>
                   <a:ext uri="{FF2B5EF4-FFF2-40B4-BE49-F238E27FC236}">
-                    <a16:creationId xmlns:a16="http://schemas.microsoft.com/office/drawing/2014/main" xmlns="" id="{A9E66421-BD90-4084-9F9B-6ABE27CAF5BD}"/>
+                    <a16:creationId xmlns="" xmlns:a16="http://schemas.microsoft.com/office/drawing/2014/main" id="{A9E66421-BD90-4084-9F9B-6ABE27CAF5BD}"/>
                   </a:ext>
                 </a:extLst>
               </p:cNvPr>
@@ -12379,7 +12415,7 @@
               <p:cNvPr id="8" name="TextBox 7">
                 <a:extLst>
                   <a:ext uri="{FF2B5EF4-FFF2-40B4-BE49-F238E27FC236}">
-                    <a16:creationId xmlns:a16="http://schemas.microsoft.com/office/drawing/2014/main" xmlns="" id="{1C685DB0-6F52-425A-A009-34864907B0A1}"/>
+                    <a16:creationId xmlns="" xmlns:a16="http://schemas.microsoft.com/office/drawing/2014/main" id="{1C685DB0-6F52-425A-A009-34864907B0A1}"/>
                   </a:ext>
                 </a:extLst>
               </p:cNvPr>
@@ -12652,7 +12688,7 @@
               <p:cNvPr id="9" name="TextBox 8">
                 <a:extLst>
                   <a:ext uri="{FF2B5EF4-FFF2-40B4-BE49-F238E27FC236}">
-                    <a16:creationId xmlns:a16="http://schemas.microsoft.com/office/drawing/2014/main" xmlns="" id="{3DAB24E0-EDF4-4C3C-8A39-C4846E7D141A}"/>
+                    <a16:creationId xmlns="" xmlns:a16="http://schemas.microsoft.com/office/drawing/2014/main" id="{3DAB24E0-EDF4-4C3C-8A39-C4846E7D141A}"/>
                   </a:ext>
                 </a:extLst>
               </p:cNvPr>
@@ -13008,7 +13044,7 @@
           <p:cNvPr id="2" name="Title 1">
             <a:extLst>
               <a:ext uri="{FF2B5EF4-FFF2-40B4-BE49-F238E27FC236}">
-                <a16:creationId xmlns:a16="http://schemas.microsoft.com/office/drawing/2014/main" xmlns="" id="{9F53C0E6-5CA5-48E1-B370-E678425399F4}"/>
+                <a16:creationId xmlns="" xmlns:a16="http://schemas.microsoft.com/office/drawing/2014/main" id="{9F53C0E6-5CA5-48E1-B370-E678425399F4}"/>
               </a:ext>
             </a:extLst>
           </p:cNvPr>
@@ -13043,7 +13079,7 @@
               <p:cNvPr id="3" name="Content Placeholder 2">
                 <a:extLst>
                   <a:ext uri="{FF2B5EF4-FFF2-40B4-BE49-F238E27FC236}">
-                    <a16:creationId xmlns:a16="http://schemas.microsoft.com/office/drawing/2014/main" xmlns="" id="{F0A4581A-26B3-40E7-A945-90C4D9B58292}"/>
+                    <a16:creationId xmlns="" xmlns:a16="http://schemas.microsoft.com/office/drawing/2014/main" id="{F0A4581A-26B3-40E7-A945-90C4D9B58292}"/>
                   </a:ext>
                 </a:extLst>
               </p:cNvPr>
@@ -13602,7 +13638,7 @@
           <p:cNvPr id="4" name="Footer Placeholder 3">
             <a:extLst>
               <a:ext uri="{FF2B5EF4-FFF2-40B4-BE49-F238E27FC236}">
-                <a16:creationId xmlns:a16="http://schemas.microsoft.com/office/drawing/2014/main" xmlns="" id="{540972A1-4BB3-4D04-B4DF-C76BA9B5CAD8}"/>
+                <a16:creationId xmlns="" xmlns:a16="http://schemas.microsoft.com/office/drawing/2014/main" id="{540972A1-4BB3-4D04-B4DF-C76BA9B5CAD8}"/>
               </a:ext>
             </a:extLst>
           </p:cNvPr>
@@ -13631,7 +13667,7 @@
           <p:cNvPr id="5" name="Slide Number Placeholder 4">
             <a:extLst>
               <a:ext uri="{FF2B5EF4-FFF2-40B4-BE49-F238E27FC236}">
-                <a16:creationId xmlns:a16="http://schemas.microsoft.com/office/drawing/2014/main" xmlns="" id="{23B5C741-F1AB-463E-B229-974B2924B065}"/>
+                <a16:creationId xmlns="" xmlns:a16="http://schemas.microsoft.com/office/drawing/2014/main" id="{23B5C741-F1AB-463E-B229-974B2924B065}"/>
               </a:ext>
             </a:extLst>
           </p:cNvPr>
@@ -13697,7 +13733,7 @@
           <p:cNvPr id="2" name="Title 1">
             <a:extLst>
               <a:ext uri="{FF2B5EF4-FFF2-40B4-BE49-F238E27FC236}">
-                <a16:creationId xmlns:a16="http://schemas.microsoft.com/office/drawing/2014/main" xmlns="" id="{9F53C0E6-5CA5-48E1-B370-E678425399F4}"/>
+                <a16:creationId xmlns="" xmlns:a16="http://schemas.microsoft.com/office/drawing/2014/main" id="{9F53C0E6-5CA5-48E1-B370-E678425399F4}"/>
               </a:ext>
             </a:extLst>
           </p:cNvPr>
@@ -13730,7 +13766,7 @@
           <p:cNvPr id="3" name="Content Placeholder 2">
             <a:extLst>
               <a:ext uri="{FF2B5EF4-FFF2-40B4-BE49-F238E27FC236}">
-                <a16:creationId xmlns:a16="http://schemas.microsoft.com/office/drawing/2014/main" xmlns="" id="{F0A4581A-26B3-40E7-A945-90C4D9B58292}"/>
+                <a16:creationId xmlns="" xmlns:a16="http://schemas.microsoft.com/office/drawing/2014/main" id="{F0A4581A-26B3-40E7-A945-90C4D9B58292}"/>
               </a:ext>
             </a:extLst>
           </p:cNvPr>
@@ -13899,7 +13935,7 @@
           <p:cNvPr id="5" name="Picture 4">
             <a:extLst>
               <a:ext uri="{FF2B5EF4-FFF2-40B4-BE49-F238E27FC236}">
-                <a16:creationId xmlns:a16="http://schemas.microsoft.com/office/drawing/2014/main" xmlns="" id="{7E47B480-A1F1-498C-A3D5-AA5E72134EDB}"/>
+                <a16:creationId xmlns="" xmlns:a16="http://schemas.microsoft.com/office/drawing/2014/main" id="{7E47B480-A1F1-498C-A3D5-AA5E72134EDB}"/>
               </a:ext>
             </a:extLst>
           </p:cNvPr>
@@ -13935,7 +13971,7 @@
           <p:cNvPr id="6" name="TextBox 5">
             <a:extLst>
               <a:ext uri="{FF2B5EF4-FFF2-40B4-BE49-F238E27FC236}">
-                <a16:creationId xmlns:a16="http://schemas.microsoft.com/office/drawing/2014/main" xmlns="" id="{6EA1B5B0-566F-495F-89A1-3DADA4C9C5D7}"/>
+                <a16:creationId xmlns="" xmlns:a16="http://schemas.microsoft.com/office/drawing/2014/main" id="{6EA1B5B0-566F-495F-89A1-3DADA4C9C5D7}"/>
               </a:ext>
             </a:extLst>
           </p:cNvPr>
@@ -14006,7 +14042,7 @@
           <p:cNvPr id="7" name="Footer Placeholder 6">
             <a:extLst>
               <a:ext uri="{FF2B5EF4-FFF2-40B4-BE49-F238E27FC236}">
-                <a16:creationId xmlns:a16="http://schemas.microsoft.com/office/drawing/2014/main" xmlns="" id="{40B3E9F5-CEA5-49AC-85C6-B8339B793AF9}"/>
+                <a16:creationId xmlns="" xmlns:a16="http://schemas.microsoft.com/office/drawing/2014/main" id="{40B3E9F5-CEA5-49AC-85C6-B8339B793AF9}"/>
               </a:ext>
             </a:extLst>
           </p:cNvPr>
@@ -14035,7 +14071,7 @@
           <p:cNvPr id="8" name="Slide Number Placeholder 7">
             <a:extLst>
               <a:ext uri="{FF2B5EF4-FFF2-40B4-BE49-F238E27FC236}">
-                <a16:creationId xmlns:a16="http://schemas.microsoft.com/office/drawing/2014/main" xmlns="" id="{8DD8198B-D92C-41F5-9CF3-3B55147EB73A}"/>
+                <a16:creationId xmlns="" xmlns:a16="http://schemas.microsoft.com/office/drawing/2014/main" id="{8DD8198B-D92C-41F5-9CF3-3B55147EB73A}"/>
               </a:ext>
             </a:extLst>
           </p:cNvPr>
@@ -14101,7 +14137,7 @@
           <p:cNvPr id="2" name="Title 1">
             <a:extLst>
               <a:ext uri="{FF2B5EF4-FFF2-40B4-BE49-F238E27FC236}">
-                <a16:creationId xmlns:a16="http://schemas.microsoft.com/office/drawing/2014/main" xmlns="" id="{9F53C0E6-5CA5-48E1-B370-E678425399F4}"/>
+                <a16:creationId xmlns="" xmlns:a16="http://schemas.microsoft.com/office/drawing/2014/main" id="{9F53C0E6-5CA5-48E1-B370-E678425399F4}"/>
               </a:ext>
             </a:extLst>
           </p:cNvPr>
@@ -14136,7 +14172,7 @@
               <p:cNvPr id="3" name="Content Placeholder 2">
                 <a:extLst>
                   <a:ext uri="{FF2B5EF4-FFF2-40B4-BE49-F238E27FC236}">
-                    <a16:creationId xmlns:a16="http://schemas.microsoft.com/office/drawing/2014/main" xmlns="" id="{F0A4581A-26B3-40E7-A945-90C4D9B58292}"/>
+                    <a16:creationId xmlns="" xmlns:a16="http://schemas.microsoft.com/office/drawing/2014/main" id="{F0A4581A-26B3-40E7-A945-90C4D9B58292}"/>
                   </a:ext>
                 </a:extLst>
               </p:cNvPr>
@@ -14561,7 +14597,7 @@
           <p:cNvPr id="4" name="Footer Placeholder 3">
             <a:extLst>
               <a:ext uri="{FF2B5EF4-FFF2-40B4-BE49-F238E27FC236}">
-                <a16:creationId xmlns:a16="http://schemas.microsoft.com/office/drawing/2014/main" xmlns="" id="{540972A1-4BB3-4D04-B4DF-C76BA9B5CAD8}"/>
+                <a16:creationId xmlns="" xmlns:a16="http://schemas.microsoft.com/office/drawing/2014/main" id="{540972A1-4BB3-4D04-B4DF-C76BA9B5CAD8}"/>
               </a:ext>
             </a:extLst>
           </p:cNvPr>
@@ -14590,7 +14626,7 @@
           <p:cNvPr id="5" name="Slide Number Placeholder 4">
             <a:extLst>
               <a:ext uri="{FF2B5EF4-FFF2-40B4-BE49-F238E27FC236}">
-                <a16:creationId xmlns:a16="http://schemas.microsoft.com/office/drawing/2014/main" xmlns="" id="{23B5C741-F1AB-463E-B229-974B2924B065}"/>
+                <a16:creationId xmlns="" xmlns:a16="http://schemas.microsoft.com/office/drawing/2014/main" id="{23B5C741-F1AB-463E-B229-974B2924B065}"/>
               </a:ext>
             </a:extLst>
           </p:cNvPr>
@@ -14619,7 +14655,7 @@
           <p:cNvPr id="6" name="Table 6">
             <a:extLst>
               <a:ext uri="{FF2B5EF4-FFF2-40B4-BE49-F238E27FC236}">
-                <a16:creationId xmlns:a16="http://schemas.microsoft.com/office/drawing/2014/main" xmlns="" id="{08CE9452-00C6-4E2F-AF96-8DB070484659}"/>
+                <a16:creationId xmlns="" xmlns:a16="http://schemas.microsoft.com/office/drawing/2014/main" id="{08CE9452-00C6-4E2F-AF96-8DB070484659}"/>
               </a:ext>
             </a:extLst>
           </p:cNvPr>
@@ -14653,14 +14689,14 @@
                 <a:gridCol w="613173">
                   <a:extLst>
                     <a:ext uri="{9D8B030D-6E8A-4147-A177-3AD203B41FA5}">
-                      <a16:colId xmlns:a16="http://schemas.microsoft.com/office/drawing/2014/main" xmlns="" val="953926796"/>
+                      <a16:colId xmlns="" xmlns:a16="http://schemas.microsoft.com/office/drawing/2014/main" val="953926796"/>
                     </a:ext>
                   </a:extLst>
                 </a:gridCol>
                 <a:gridCol w="9371236">
                   <a:extLst>
                     <a:ext uri="{9D8B030D-6E8A-4147-A177-3AD203B41FA5}">
-                      <a16:colId xmlns:a16="http://schemas.microsoft.com/office/drawing/2014/main" xmlns="" val="319029335"/>
+                      <a16:colId xmlns="" xmlns:a16="http://schemas.microsoft.com/office/drawing/2014/main" val="319029335"/>
                     </a:ext>
                   </a:extLst>
                 </a:gridCol>
@@ -14776,7 +14812,7 @@
                 </a:tc>
                 <a:extLst>
                   <a:ext uri="{0D108BD9-81ED-4DB2-BD59-A6C34878D82A}">
-                    <a16:rowId xmlns:a16="http://schemas.microsoft.com/office/drawing/2014/main" xmlns="" val="3454209587"/>
+                    <a16:rowId xmlns="" xmlns:a16="http://schemas.microsoft.com/office/drawing/2014/main" val="3454209587"/>
                   </a:ext>
                 </a:extLst>
               </a:tr>
@@ -14915,7 +14951,7 @@
                 </a:tc>
                 <a:extLst>
                   <a:ext uri="{0D108BD9-81ED-4DB2-BD59-A6C34878D82A}">
-                    <a16:rowId xmlns:a16="http://schemas.microsoft.com/office/drawing/2014/main" xmlns="" val="292879483"/>
+                    <a16:rowId xmlns="" xmlns:a16="http://schemas.microsoft.com/office/drawing/2014/main" val="292879483"/>
                   </a:ext>
                 </a:extLst>
               </a:tr>
@@ -15054,7 +15090,7 @@
                 </a:tc>
                 <a:extLst>
                   <a:ext uri="{0D108BD9-81ED-4DB2-BD59-A6C34878D82A}">
-                    <a16:rowId xmlns:a16="http://schemas.microsoft.com/office/drawing/2014/main" xmlns="" val="3295560409"/>
+                    <a16:rowId xmlns="" xmlns:a16="http://schemas.microsoft.com/office/drawing/2014/main" val="3295560409"/>
                   </a:ext>
                 </a:extLst>
               </a:tr>
@@ -15104,7 +15140,7 @@
           <p:cNvPr id="2" name="Title 1">
             <a:extLst>
               <a:ext uri="{FF2B5EF4-FFF2-40B4-BE49-F238E27FC236}">
-                <a16:creationId xmlns:a16="http://schemas.microsoft.com/office/drawing/2014/main" xmlns="" id="{9F53C0E6-5CA5-48E1-B370-E678425399F4}"/>
+                <a16:creationId xmlns="" xmlns:a16="http://schemas.microsoft.com/office/drawing/2014/main" id="{9F53C0E6-5CA5-48E1-B370-E678425399F4}"/>
               </a:ext>
             </a:extLst>
           </p:cNvPr>
@@ -15137,7 +15173,7 @@
           <p:cNvPr id="3" name="Content Placeholder 2">
             <a:extLst>
               <a:ext uri="{FF2B5EF4-FFF2-40B4-BE49-F238E27FC236}">
-                <a16:creationId xmlns:a16="http://schemas.microsoft.com/office/drawing/2014/main" xmlns="" id="{F0A4581A-26B3-40E7-A945-90C4D9B58292}"/>
+                <a16:creationId xmlns="" xmlns:a16="http://schemas.microsoft.com/office/drawing/2014/main" id="{F0A4581A-26B3-40E7-A945-90C4D9B58292}"/>
               </a:ext>
             </a:extLst>
           </p:cNvPr>
@@ -15365,7 +15401,7 @@
           <p:cNvPr id="4" name="Footer Placeholder 3">
             <a:extLst>
               <a:ext uri="{FF2B5EF4-FFF2-40B4-BE49-F238E27FC236}">
-                <a16:creationId xmlns:a16="http://schemas.microsoft.com/office/drawing/2014/main" xmlns="" id="{540972A1-4BB3-4D04-B4DF-C76BA9B5CAD8}"/>
+                <a16:creationId xmlns="" xmlns:a16="http://schemas.microsoft.com/office/drawing/2014/main" id="{540972A1-4BB3-4D04-B4DF-C76BA9B5CAD8}"/>
               </a:ext>
             </a:extLst>
           </p:cNvPr>
@@ -15394,7 +15430,7 @@
           <p:cNvPr id="5" name="Slide Number Placeholder 4">
             <a:extLst>
               <a:ext uri="{FF2B5EF4-FFF2-40B4-BE49-F238E27FC236}">
-                <a16:creationId xmlns:a16="http://schemas.microsoft.com/office/drawing/2014/main" xmlns="" id="{23B5C741-F1AB-463E-B229-974B2924B065}"/>
+                <a16:creationId xmlns="" xmlns:a16="http://schemas.microsoft.com/office/drawing/2014/main" id="{23B5C741-F1AB-463E-B229-974B2924B065}"/>
               </a:ext>
             </a:extLst>
           </p:cNvPr>
@@ -15460,7 +15496,7 @@
           <p:cNvPr id="2" name="Title 1">
             <a:extLst>
               <a:ext uri="{FF2B5EF4-FFF2-40B4-BE49-F238E27FC236}">
-                <a16:creationId xmlns:a16="http://schemas.microsoft.com/office/drawing/2014/main" xmlns="" id="{9F53C0E6-5CA5-48E1-B370-E678425399F4}"/>
+                <a16:creationId xmlns="" xmlns:a16="http://schemas.microsoft.com/office/drawing/2014/main" id="{9F53C0E6-5CA5-48E1-B370-E678425399F4}"/>
               </a:ext>
             </a:extLst>
           </p:cNvPr>
@@ -15493,7 +15529,7 @@
           <p:cNvPr id="6" name="Table 6">
             <a:extLst>
               <a:ext uri="{FF2B5EF4-FFF2-40B4-BE49-F238E27FC236}">
-                <a16:creationId xmlns:a16="http://schemas.microsoft.com/office/drawing/2014/main" xmlns="" id="{705F427A-9AF8-4A7C-A89C-A285216FCFA6}"/>
+                <a16:creationId xmlns="" xmlns:a16="http://schemas.microsoft.com/office/drawing/2014/main" id="{705F427A-9AF8-4A7C-A89C-A285216FCFA6}"/>
               </a:ext>
             </a:extLst>
           </p:cNvPr>
@@ -15523,49 +15559,49 @@
                 <a:gridCol w="1502228">
                   <a:extLst>
                     <a:ext uri="{9D8B030D-6E8A-4147-A177-3AD203B41FA5}">
-                      <a16:colId xmlns:a16="http://schemas.microsoft.com/office/drawing/2014/main" xmlns="" val="1059776522"/>
+                      <a16:colId xmlns="" xmlns:a16="http://schemas.microsoft.com/office/drawing/2014/main" val="1059776522"/>
                     </a:ext>
                   </a:extLst>
                 </a:gridCol>
                 <a:gridCol w="1502228">
                   <a:extLst>
                     <a:ext uri="{9D8B030D-6E8A-4147-A177-3AD203B41FA5}">
-                      <a16:colId xmlns:a16="http://schemas.microsoft.com/office/drawing/2014/main" xmlns="" val="51405990"/>
+                      <a16:colId xmlns="" xmlns:a16="http://schemas.microsoft.com/office/drawing/2014/main" val="51405990"/>
                     </a:ext>
                   </a:extLst>
                 </a:gridCol>
                 <a:gridCol w="1502228">
                   <a:extLst>
                     <a:ext uri="{9D8B030D-6E8A-4147-A177-3AD203B41FA5}">
-                      <a16:colId xmlns:a16="http://schemas.microsoft.com/office/drawing/2014/main" xmlns="" val="499077790"/>
+                      <a16:colId xmlns="" xmlns:a16="http://schemas.microsoft.com/office/drawing/2014/main" val="499077790"/>
                     </a:ext>
                   </a:extLst>
                 </a:gridCol>
                 <a:gridCol w="1502228">
                   <a:extLst>
                     <a:ext uri="{9D8B030D-6E8A-4147-A177-3AD203B41FA5}">
-                      <a16:colId xmlns:a16="http://schemas.microsoft.com/office/drawing/2014/main" xmlns="" val="1741106222"/>
+                      <a16:colId xmlns="" xmlns:a16="http://schemas.microsoft.com/office/drawing/2014/main" val="1741106222"/>
                     </a:ext>
                   </a:extLst>
                 </a:gridCol>
                 <a:gridCol w="1502228">
                   <a:extLst>
                     <a:ext uri="{9D8B030D-6E8A-4147-A177-3AD203B41FA5}">
-                      <a16:colId xmlns:a16="http://schemas.microsoft.com/office/drawing/2014/main" xmlns="" val="2560605016"/>
+                      <a16:colId xmlns="" xmlns:a16="http://schemas.microsoft.com/office/drawing/2014/main" val="2560605016"/>
                     </a:ext>
                   </a:extLst>
                 </a:gridCol>
                 <a:gridCol w="1502228">
                   <a:extLst>
                     <a:ext uri="{9D8B030D-6E8A-4147-A177-3AD203B41FA5}">
-                      <a16:colId xmlns:a16="http://schemas.microsoft.com/office/drawing/2014/main" xmlns="" val="1149909260"/>
+                      <a16:colId xmlns="" xmlns:a16="http://schemas.microsoft.com/office/drawing/2014/main" val="1149909260"/>
                     </a:ext>
                   </a:extLst>
                 </a:gridCol>
                 <a:gridCol w="1502228">
                   <a:extLst>
                     <a:ext uri="{9D8B030D-6E8A-4147-A177-3AD203B41FA5}">
-                      <a16:colId xmlns:a16="http://schemas.microsoft.com/office/drawing/2014/main" xmlns="" val="2441742596"/>
+                      <a16:colId xmlns="" xmlns:a16="http://schemas.microsoft.com/office/drawing/2014/main" val="2441742596"/>
                     </a:ext>
                   </a:extLst>
                 </a:gridCol>
@@ -15671,7 +15707,7 @@
                 </a:tc>
                 <a:extLst>
                   <a:ext uri="{0D108BD9-81ED-4DB2-BD59-A6C34878D82A}">
-                    <a16:rowId xmlns:a16="http://schemas.microsoft.com/office/drawing/2014/main" xmlns="" val="2130431935"/>
+                    <a16:rowId xmlns="" xmlns:a16="http://schemas.microsoft.com/office/drawing/2014/main" val="2130431935"/>
                   </a:ext>
                 </a:extLst>
               </a:tr>
@@ -15776,7 +15812,7 @@
                 </a:tc>
                 <a:extLst>
                   <a:ext uri="{0D108BD9-81ED-4DB2-BD59-A6C34878D82A}">
-                    <a16:rowId xmlns:a16="http://schemas.microsoft.com/office/drawing/2014/main" xmlns="" val="248642347"/>
+                    <a16:rowId xmlns="" xmlns:a16="http://schemas.microsoft.com/office/drawing/2014/main" val="248642347"/>
                   </a:ext>
                 </a:extLst>
               </a:tr>
@@ -15881,7 +15917,7 @@
                 </a:tc>
                 <a:extLst>
                   <a:ext uri="{0D108BD9-81ED-4DB2-BD59-A6C34878D82A}">
-                    <a16:rowId xmlns:a16="http://schemas.microsoft.com/office/drawing/2014/main" xmlns="" val="1130119694"/>
+                    <a16:rowId xmlns="" xmlns:a16="http://schemas.microsoft.com/office/drawing/2014/main" val="1130119694"/>
                   </a:ext>
                 </a:extLst>
               </a:tr>
@@ -15986,7 +16022,7 @@
                 </a:tc>
                 <a:extLst>
                   <a:ext uri="{0D108BD9-81ED-4DB2-BD59-A6C34878D82A}">
-                    <a16:rowId xmlns:a16="http://schemas.microsoft.com/office/drawing/2014/main" xmlns="" val="1111558667"/>
+                    <a16:rowId xmlns="" xmlns:a16="http://schemas.microsoft.com/office/drawing/2014/main" val="1111558667"/>
                   </a:ext>
                 </a:extLst>
               </a:tr>
@@ -16091,7 +16127,7 @@
                 </a:tc>
                 <a:extLst>
                   <a:ext uri="{0D108BD9-81ED-4DB2-BD59-A6C34878D82A}">
-                    <a16:rowId xmlns:a16="http://schemas.microsoft.com/office/drawing/2014/main" xmlns="" val="390475499"/>
+                    <a16:rowId xmlns="" xmlns:a16="http://schemas.microsoft.com/office/drawing/2014/main" val="390475499"/>
                   </a:ext>
                 </a:extLst>
               </a:tr>
@@ -16196,7 +16232,7 @@
                 </a:tc>
                 <a:extLst>
                   <a:ext uri="{0D108BD9-81ED-4DB2-BD59-A6C34878D82A}">
-                    <a16:rowId xmlns:a16="http://schemas.microsoft.com/office/drawing/2014/main" xmlns="" val="756342863"/>
+                    <a16:rowId xmlns="" xmlns:a16="http://schemas.microsoft.com/office/drawing/2014/main" val="756342863"/>
                   </a:ext>
                 </a:extLst>
               </a:tr>
@@ -16301,7 +16337,7 @@
                 </a:tc>
                 <a:extLst>
                   <a:ext uri="{0D108BD9-81ED-4DB2-BD59-A6C34878D82A}">
-                    <a16:rowId xmlns:a16="http://schemas.microsoft.com/office/drawing/2014/main" xmlns="" val="319341810"/>
+                    <a16:rowId xmlns="" xmlns:a16="http://schemas.microsoft.com/office/drawing/2014/main" val="319341810"/>
                   </a:ext>
                 </a:extLst>
               </a:tr>
@@ -16406,7 +16442,7 @@
                 </a:tc>
                 <a:extLst>
                   <a:ext uri="{0D108BD9-81ED-4DB2-BD59-A6C34878D82A}">
-                    <a16:rowId xmlns:a16="http://schemas.microsoft.com/office/drawing/2014/main" xmlns="" val="2497939862"/>
+                    <a16:rowId xmlns="" xmlns:a16="http://schemas.microsoft.com/office/drawing/2014/main" val="2497939862"/>
                   </a:ext>
                 </a:extLst>
               </a:tr>
@@ -16511,7 +16547,7 @@
                 </a:tc>
                 <a:extLst>
                   <a:ext uri="{0D108BD9-81ED-4DB2-BD59-A6C34878D82A}">
-                    <a16:rowId xmlns:a16="http://schemas.microsoft.com/office/drawing/2014/main" xmlns="" val="2181185807"/>
+                    <a16:rowId xmlns="" xmlns:a16="http://schemas.microsoft.com/office/drawing/2014/main" val="2181185807"/>
                   </a:ext>
                 </a:extLst>
               </a:tr>
@@ -16616,7 +16652,7 @@
                 </a:tc>
                 <a:extLst>
                   <a:ext uri="{0D108BD9-81ED-4DB2-BD59-A6C34878D82A}">
-                    <a16:rowId xmlns:a16="http://schemas.microsoft.com/office/drawing/2014/main" xmlns="" val="3843312928"/>
+                    <a16:rowId xmlns="" xmlns:a16="http://schemas.microsoft.com/office/drawing/2014/main" val="3843312928"/>
                   </a:ext>
                 </a:extLst>
               </a:tr>
@@ -16721,7 +16757,7 @@
                 </a:tc>
                 <a:extLst>
                   <a:ext uri="{0D108BD9-81ED-4DB2-BD59-A6C34878D82A}">
-                    <a16:rowId xmlns:a16="http://schemas.microsoft.com/office/drawing/2014/main" xmlns="" val="204907763"/>
+                    <a16:rowId xmlns="" xmlns:a16="http://schemas.microsoft.com/office/drawing/2014/main" val="204907763"/>
                   </a:ext>
                 </a:extLst>
               </a:tr>
@@ -16826,7 +16862,7 @@
                 </a:tc>
                 <a:extLst>
                   <a:ext uri="{0D108BD9-81ED-4DB2-BD59-A6C34878D82A}">
-                    <a16:rowId xmlns:a16="http://schemas.microsoft.com/office/drawing/2014/main" xmlns="" val="194616918"/>
+                    <a16:rowId xmlns="" xmlns:a16="http://schemas.microsoft.com/office/drawing/2014/main" val="194616918"/>
                   </a:ext>
                 </a:extLst>
               </a:tr>
@@ -16931,7 +16967,7 @@
                 </a:tc>
                 <a:extLst>
                   <a:ext uri="{0D108BD9-81ED-4DB2-BD59-A6C34878D82A}">
-                    <a16:rowId xmlns:a16="http://schemas.microsoft.com/office/drawing/2014/main" xmlns="" val="2388109032"/>
+                    <a16:rowId xmlns="" xmlns:a16="http://schemas.microsoft.com/office/drawing/2014/main" val="2388109032"/>
                   </a:ext>
                 </a:extLst>
               </a:tr>
@@ -17036,7 +17072,7 @@
                 </a:tc>
                 <a:extLst>
                   <a:ext uri="{0D108BD9-81ED-4DB2-BD59-A6C34878D82A}">
-                    <a16:rowId xmlns:a16="http://schemas.microsoft.com/office/drawing/2014/main" xmlns="" val="297863002"/>
+                    <a16:rowId xmlns="" xmlns:a16="http://schemas.microsoft.com/office/drawing/2014/main" val="297863002"/>
                   </a:ext>
                 </a:extLst>
               </a:tr>
@@ -17141,7 +17177,7 @@
                 </a:tc>
                 <a:extLst>
                   <a:ext uri="{0D108BD9-81ED-4DB2-BD59-A6C34878D82A}">
-                    <a16:rowId xmlns:a16="http://schemas.microsoft.com/office/drawing/2014/main" xmlns="" val="4134358320"/>
+                    <a16:rowId xmlns="" xmlns:a16="http://schemas.microsoft.com/office/drawing/2014/main" val="4134358320"/>
                   </a:ext>
                 </a:extLst>
               </a:tr>
@@ -17246,7 +17282,7 @@
                 </a:tc>
                 <a:extLst>
                   <a:ext uri="{0D108BD9-81ED-4DB2-BD59-A6C34878D82A}">
-                    <a16:rowId xmlns:a16="http://schemas.microsoft.com/office/drawing/2014/main" xmlns="" val="435795987"/>
+                    <a16:rowId xmlns="" xmlns:a16="http://schemas.microsoft.com/office/drawing/2014/main" val="435795987"/>
                   </a:ext>
                 </a:extLst>
               </a:tr>
@@ -17351,7 +17387,7 @@
                 </a:tc>
                 <a:extLst>
                   <a:ext uri="{0D108BD9-81ED-4DB2-BD59-A6C34878D82A}">
-                    <a16:rowId xmlns:a16="http://schemas.microsoft.com/office/drawing/2014/main" xmlns="" val="2374723660"/>
+                    <a16:rowId xmlns="" xmlns:a16="http://schemas.microsoft.com/office/drawing/2014/main" val="2374723660"/>
                   </a:ext>
                 </a:extLst>
               </a:tr>
@@ -17469,7 +17505,7 @@
                 </a:tc>
                 <a:extLst>
                   <a:ext uri="{0D108BD9-81ED-4DB2-BD59-A6C34878D82A}">
-                    <a16:rowId xmlns:a16="http://schemas.microsoft.com/office/drawing/2014/main" xmlns="" val="3169493604"/>
+                    <a16:rowId xmlns="" xmlns:a16="http://schemas.microsoft.com/office/drawing/2014/main" val="3169493604"/>
                   </a:ext>
                 </a:extLst>
               </a:tr>
@@ -17482,7 +17518,7 @@
           <p:cNvPr id="4" name="Footer Placeholder 3">
             <a:extLst>
               <a:ext uri="{FF2B5EF4-FFF2-40B4-BE49-F238E27FC236}">
-                <a16:creationId xmlns:a16="http://schemas.microsoft.com/office/drawing/2014/main" xmlns="" id="{540972A1-4BB3-4D04-B4DF-C76BA9B5CAD8}"/>
+                <a16:creationId xmlns="" xmlns:a16="http://schemas.microsoft.com/office/drawing/2014/main" id="{540972A1-4BB3-4D04-B4DF-C76BA9B5CAD8}"/>
               </a:ext>
             </a:extLst>
           </p:cNvPr>
@@ -17511,7 +17547,7 @@
           <p:cNvPr id="5" name="Slide Number Placeholder 4">
             <a:extLst>
               <a:ext uri="{FF2B5EF4-FFF2-40B4-BE49-F238E27FC236}">
-                <a16:creationId xmlns:a16="http://schemas.microsoft.com/office/drawing/2014/main" xmlns="" id="{23B5C741-F1AB-463E-B229-974B2924B065}"/>
+                <a16:creationId xmlns="" xmlns:a16="http://schemas.microsoft.com/office/drawing/2014/main" id="{23B5C741-F1AB-463E-B229-974B2924B065}"/>
               </a:ext>
             </a:extLst>
           </p:cNvPr>
@@ -17577,7 +17613,7 @@
           <p:cNvPr id="2" name="Title 1">
             <a:extLst>
               <a:ext uri="{FF2B5EF4-FFF2-40B4-BE49-F238E27FC236}">
-                <a16:creationId xmlns:a16="http://schemas.microsoft.com/office/drawing/2014/main" xmlns="" id="{9F53C0E6-5CA5-48E1-B370-E678425399F4}"/>
+                <a16:creationId xmlns="" xmlns:a16="http://schemas.microsoft.com/office/drawing/2014/main" id="{9F53C0E6-5CA5-48E1-B370-E678425399F4}"/>
               </a:ext>
             </a:extLst>
           </p:cNvPr>
@@ -17612,7 +17648,7 @@
               <p:cNvPr id="3" name="Content Placeholder 2">
                 <a:extLst>
                   <a:ext uri="{FF2B5EF4-FFF2-40B4-BE49-F238E27FC236}">
-                    <a16:creationId xmlns:a16="http://schemas.microsoft.com/office/drawing/2014/main" xmlns="" id="{F0A4581A-26B3-40E7-A945-90C4D9B58292}"/>
+                    <a16:creationId xmlns="" xmlns:a16="http://schemas.microsoft.com/office/drawing/2014/main" id="{F0A4581A-26B3-40E7-A945-90C4D9B58292}"/>
                   </a:ext>
                 </a:extLst>
               </p:cNvPr>
@@ -18397,7 +18433,7 @@
           <p:cNvPr id="4" name="Footer Placeholder 3">
             <a:extLst>
               <a:ext uri="{FF2B5EF4-FFF2-40B4-BE49-F238E27FC236}">
-                <a16:creationId xmlns:a16="http://schemas.microsoft.com/office/drawing/2014/main" xmlns="" id="{540972A1-4BB3-4D04-B4DF-C76BA9B5CAD8}"/>
+                <a16:creationId xmlns="" xmlns:a16="http://schemas.microsoft.com/office/drawing/2014/main" id="{540972A1-4BB3-4D04-B4DF-C76BA9B5CAD8}"/>
               </a:ext>
             </a:extLst>
           </p:cNvPr>
@@ -18426,7 +18462,7 @@
           <p:cNvPr id="5" name="Slide Number Placeholder 4">
             <a:extLst>
               <a:ext uri="{FF2B5EF4-FFF2-40B4-BE49-F238E27FC236}">
-                <a16:creationId xmlns:a16="http://schemas.microsoft.com/office/drawing/2014/main" xmlns="" id="{23B5C741-F1AB-463E-B229-974B2924B065}"/>
+                <a16:creationId xmlns="" xmlns:a16="http://schemas.microsoft.com/office/drawing/2014/main" id="{23B5C741-F1AB-463E-B229-974B2924B065}"/>
               </a:ext>
             </a:extLst>
           </p:cNvPr>
@@ -18492,7 +18528,7 @@
           <p:cNvPr id="2" name="Title 1">
             <a:extLst>
               <a:ext uri="{FF2B5EF4-FFF2-40B4-BE49-F238E27FC236}">
-                <a16:creationId xmlns:a16="http://schemas.microsoft.com/office/drawing/2014/main" xmlns="" id="{9F53C0E6-5CA5-48E1-B370-E678425399F4}"/>
+                <a16:creationId xmlns="" xmlns:a16="http://schemas.microsoft.com/office/drawing/2014/main" id="{9F53C0E6-5CA5-48E1-B370-E678425399F4}"/>
               </a:ext>
             </a:extLst>
           </p:cNvPr>
@@ -18525,7 +18561,7 @@
           <p:cNvPr id="3" name="Content Placeholder 2">
             <a:extLst>
               <a:ext uri="{FF2B5EF4-FFF2-40B4-BE49-F238E27FC236}">
-                <a16:creationId xmlns:a16="http://schemas.microsoft.com/office/drawing/2014/main" xmlns="" id="{F0A4581A-26B3-40E7-A945-90C4D9B58292}"/>
+                <a16:creationId xmlns="" xmlns:a16="http://schemas.microsoft.com/office/drawing/2014/main" id="{F0A4581A-26B3-40E7-A945-90C4D9B58292}"/>
               </a:ext>
             </a:extLst>
           </p:cNvPr>
@@ -18711,7 +18747,7 @@
           <p:cNvPr id="4" name="Footer Placeholder 3">
             <a:extLst>
               <a:ext uri="{FF2B5EF4-FFF2-40B4-BE49-F238E27FC236}">
-                <a16:creationId xmlns:a16="http://schemas.microsoft.com/office/drawing/2014/main" xmlns="" id="{540972A1-4BB3-4D04-B4DF-C76BA9B5CAD8}"/>
+                <a16:creationId xmlns="" xmlns:a16="http://schemas.microsoft.com/office/drawing/2014/main" id="{540972A1-4BB3-4D04-B4DF-C76BA9B5CAD8}"/>
               </a:ext>
             </a:extLst>
           </p:cNvPr>
@@ -18740,7 +18776,7 @@
           <p:cNvPr id="5" name="Slide Number Placeholder 4">
             <a:extLst>
               <a:ext uri="{FF2B5EF4-FFF2-40B4-BE49-F238E27FC236}">
-                <a16:creationId xmlns:a16="http://schemas.microsoft.com/office/drawing/2014/main" xmlns="" id="{23B5C741-F1AB-463E-B229-974B2924B065}"/>
+                <a16:creationId xmlns="" xmlns:a16="http://schemas.microsoft.com/office/drawing/2014/main" id="{23B5C741-F1AB-463E-B229-974B2924B065}"/>
               </a:ext>
             </a:extLst>
           </p:cNvPr>
@@ -18806,7 +18842,7 @@
           <p:cNvPr id="2" name="Title 1">
             <a:extLst>
               <a:ext uri="{FF2B5EF4-FFF2-40B4-BE49-F238E27FC236}">
-                <a16:creationId xmlns:a16="http://schemas.microsoft.com/office/drawing/2014/main" xmlns="" id="{9F53C0E6-5CA5-48E1-B370-E678425399F4}"/>
+                <a16:creationId xmlns="" xmlns:a16="http://schemas.microsoft.com/office/drawing/2014/main" id="{9F53C0E6-5CA5-48E1-B370-E678425399F4}"/>
               </a:ext>
             </a:extLst>
           </p:cNvPr>
@@ -18839,7 +18875,7 @@
           <p:cNvPr id="3" name="Content Placeholder 2">
             <a:extLst>
               <a:ext uri="{FF2B5EF4-FFF2-40B4-BE49-F238E27FC236}">
-                <a16:creationId xmlns:a16="http://schemas.microsoft.com/office/drawing/2014/main" xmlns="" id="{F0A4581A-26B3-40E7-A945-90C4D9B58292}"/>
+                <a16:creationId xmlns="" xmlns:a16="http://schemas.microsoft.com/office/drawing/2014/main" id="{F0A4581A-26B3-40E7-A945-90C4D9B58292}"/>
               </a:ext>
             </a:extLst>
           </p:cNvPr>
@@ -19157,7 +19193,7 @@
           <p:cNvPr id="4" name="Footer Placeholder 3">
             <a:extLst>
               <a:ext uri="{FF2B5EF4-FFF2-40B4-BE49-F238E27FC236}">
-                <a16:creationId xmlns:a16="http://schemas.microsoft.com/office/drawing/2014/main" xmlns="" id="{540972A1-4BB3-4D04-B4DF-C76BA9B5CAD8}"/>
+                <a16:creationId xmlns="" xmlns:a16="http://schemas.microsoft.com/office/drawing/2014/main" id="{540972A1-4BB3-4D04-B4DF-C76BA9B5CAD8}"/>
               </a:ext>
             </a:extLst>
           </p:cNvPr>
@@ -19186,7 +19222,7 @@
           <p:cNvPr id="5" name="Slide Number Placeholder 4">
             <a:extLst>
               <a:ext uri="{FF2B5EF4-FFF2-40B4-BE49-F238E27FC236}">
-                <a16:creationId xmlns:a16="http://schemas.microsoft.com/office/drawing/2014/main" xmlns="" id="{23B5C741-F1AB-463E-B229-974B2924B065}"/>
+                <a16:creationId xmlns="" xmlns:a16="http://schemas.microsoft.com/office/drawing/2014/main" id="{23B5C741-F1AB-463E-B229-974B2924B065}"/>
               </a:ext>
             </a:extLst>
           </p:cNvPr>
@@ -19293,7 +19329,7 @@
           <p:cNvPr id="2" name="Title 1">
             <a:extLst>
               <a:ext uri="{FF2B5EF4-FFF2-40B4-BE49-F238E27FC236}">
-                <a16:creationId xmlns:a16="http://schemas.microsoft.com/office/drawing/2014/main" xmlns="" id="{9F53C0E6-5CA5-48E1-B370-E678425399F4}"/>
+                <a16:creationId xmlns="" xmlns:a16="http://schemas.microsoft.com/office/drawing/2014/main" id="{9F53C0E6-5CA5-48E1-B370-E678425399F4}"/>
               </a:ext>
             </a:extLst>
           </p:cNvPr>
@@ -19326,7 +19362,7 @@
           <p:cNvPr id="3" name="Content Placeholder 2">
             <a:extLst>
               <a:ext uri="{FF2B5EF4-FFF2-40B4-BE49-F238E27FC236}">
-                <a16:creationId xmlns:a16="http://schemas.microsoft.com/office/drawing/2014/main" xmlns="" id="{F0A4581A-26B3-40E7-A945-90C4D9B58292}"/>
+                <a16:creationId xmlns="" xmlns:a16="http://schemas.microsoft.com/office/drawing/2014/main" id="{F0A4581A-26B3-40E7-A945-90C4D9B58292}"/>
               </a:ext>
             </a:extLst>
           </p:cNvPr>
@@ -19650,7 +19686,7 @@
           <p:cNvPr id="4" name="Footer Placeholder 3">
             <a:extLst>
               <a:ext uri="{FF2B5EF4-FFF2-40B4-BE49-F238E27FC236}">
-                <a16:creationId xmlns:a16="http://schemas.microsoft.com/office/drawing/2014/main" xmlns="" id="{540972A1-4BB3-4D04-B4DF-C76BA9B5CAD8}"/>
+                <a16:creationId xmlns="" xmlns:a16="http://schemas.microsoft.com/office/drawing/2014/main" id="{540972A1-4BB3-4D04-B4DF-C76BA9B5CAD8}"/>
               </a:ext>
             </a:extLst>
           </p:cNvPr>
@@ -19679,7 +19715,7 @@
           <p:cNvPr id="5" name="Slide Number Placeholder 4">
             <a:extLst>
               <a:ext uri="{FF2B5EF4-FFF2-40B4-BE49-F238E27FC236}">
-                <a16:creationId xmlns:a16="http://schemas.microsoft.com/office/drawing/2014/main" xmlns="" id="{23B5C741-F1AB-463E-B229-974B2924B065}"/>
+                <a16:creationId xmlns="" xmlns:a16="http://schemas.microsoft.com/office/drawing/2014/main" id="{23B5C741-F1AB-463E-B229-974B2924B065}"/>
               </a:ext>
             </a:extLst>
           </p:cNvPr>
@@ -19745,7 +19781,7 @@
           <p:cNvPr id="2" name="Title 1">
             <a:extLst>
               <a:ext uri="{FF2B5EF4-FFF2-40B4-BE49-F238E27FC236}">
-                <a16:creationId xmlns:a16="http://schemas.microsoft.com/office/drawing/2014/main" xmlns="" id="{9F53C0E6-5CA5-48E1-B370-E678425399F4}"/>
+                <a16:creationId xmlns="" xmlns:a16="http://schemas.microsoft.com/office/drawing/2014/main" id="{9F53C0E6-5CA5-48E1-B370-E678425399F4}"/>
               </a:ext>
             </a:extLst>
           </p:cNvPr>
@@ -19779,7 +19815,7 @@
           <p:cNvPr id="3" name="Content Placeholder 2">
             <a:extLst>
               <a:ext uri="{FF2B5EF4-FFF2-40B4-BE49-F238E27FC236}">
-                <a16:creationId xmlns:a16="http://schemas.microsoft.com/office/drawing/2014/main" xmlns="" id="{F0A4581A-26B3-40E7-A945-90C4D9B58292}"/>
+                <a16:creationId xmlns="" xmlns:a16="http://schemas.microsoft.com/office/drawing/2014/main" id="{F0A4581A-26B3-40E7-A945-90C4D9B58292}"/>
               </a:ext>
             </a:extLst>
           </p:cNvPr>
@@ -20037,7 +20073,7 @@
           <p:cNvPr id="4" name="Footer Placeholder 3">
             <a:extLst>
               <a:ext uri="{FF2B5EF4-FFF2-40B4-BE49-F238E27FC236}">
-                <a16:creationId xmlns:a16="http://schemas.microsoft.com/office/drawing/2014/main" xmlns="" id="{540972A1-4BB3-4D04-B4DF-C76BA9B5CAD8}"/>
+                <a16:creationId xmlns="" xmlns:a16="http://schemas.microsoft.com/office/drawing/2014/main" id="{540972A1-4BB3-4D04-B4DF-C76BA9B5CAD8}"/>
               </a:ext>
             </a:extLst>
           </p:cNvPr>
@@ -20066,7 +20102,7 @@
           <p:cNvPr id="5" name="Slide Number Placeholder 4">
             <a:extLst>
               <a:ext uri="{FF2B5EF4-FFF2-40B4-BE49-F238E27FC236}">
-                <a16:creationId xmlns:a16="http://schemas.microsoft.com/office/drawing/2014/main" xmlns="" id="{23B5C741-F1AB-463E-B229-974B2924B065}"/>
+                <a16:creationId xmlns="" xmlns:a16="http://schemas.microsoft.com/office/drawing/2014/main" id="{23B5C741-F1AB-463E-B229-974B2924B065}"/>
               </a:ext>
             </a:extLst>
           </p:cNvPr>
@@ -20132,7 +20168,7 @@
           <p:cNvPr id="2" name="Title 1">
             <a:extLst>
               <a:ext uri="{FF2B5EF4-FFF2-40B4-BE49-F238E27FC236}">
-                <a16:creationId xmlns:a16="http://schemas.microsoft.com/office/drawing/2014/main" xmlns="" id="{9F53C0E6-5CA5-48E1-B370-E678425399F4}"/>
+                <a16:creationId xmlns="" xmlns:a16="http://schemas.microsoft.com/office/drawing/2014/main" id="{9F53C0E6-5CA5-48E1-B370-E678425399F4}"/>
               </a:ext>
             </a:extLst>
           </p:cNvPr>
@@ -20166,7 +20202,7 @@
           <p:cNvPr id="3" name="Content Placeholder 2">
             <a:extLst>
               <a:ext uri="{FF2B5EF4-FFF2-40B4-BE49-F238E27FC236}">
-                <a16:creationId xmlns:a16="http://schemas.microsoft.com/office/drawing/2014/main" xmlns="" id="{F0A4581A-26B3-40E7-A945-90C4D9B58292}"/>
+                <a16:creationId xmlns="" xmlns:a16="http://schemas.microsoft.com/office/drawing/2014/main" id="{F0A4581A-26B3-40E7-A945-90C4D9B58292}"/>
               </a:ext>
             </a:extLst>
           </p:cNvPr>
@@ -20390,7 +20426,7 @@
           <p:cNvPr id="4" name="Footer Placeholder 3">
             <a:extLst>
               <a:ext uri="{FF2B5EF4-FFF2-40B4-BE49-F238E27FC236}">
-                <a16:creationId xmlns:a16="http://schemas.microsoft.com/office/drawing/2014/main" xmlns="" id="{540972A1-4BB3-4D04-B4DF-C76BA9B5CAD8}"/>
+                <a16:creationId xmlns="" xmlns:a16="http://schemas.microsoft.com/office/drawing/2014/main" id="{540972A1-4BB3-4D04-B4DF-C76BA9B5CAD8}"/>
               </a:ext>
             </a:extLst>
           </p:cNvPr>
@@ -20419,7 +20455,7 @@
           <p:cNvPr id="5" name="Slide Number Placeholder 4">
             <a:extLst>
               <a:ext uri="{FF2B5EF4-FFF2-40B4-BE49-F238E27FC236}">
-                <a16:creationId xmlns:a16="http://schemas.microsoft.com/office/drawing/2014/main" xmlns="" id="{23B5C741-F1AB-463E-B229-974B2924B065}"/>
+                <a16:creationId xmlns="" xmlns:a16="http://schemas.microsoft.com/office/drawing/2014/main" id="{23B5C741-F1AB-463E-B229-974B2924B065}"/>
               </a:ext>
             </a:extLst>
           </p:cNvPr>
@@ -20485,7 +20521,7 @@
           <p:cNvPr id="2" name="Title 1">
             <a:extLst>
               <a:ext uri="{FF2B5EF4-FFF2-40B4-BE49-F238E27FC236}">
-                <a16:creationId xmlns:a16="http://schemas.microsoft.com/office/drawing/2014/main" xmlns="" id="{9F53C0E6-5CA5-48E1-B370-E678425399F4}"/>
+                <a16:creationId xmlns="" xmlns:a16="http://schemas.microsoft.com/office/drawing/2014/main" id="{9F53C0E6-5CA5-48E1-B370-E678425399F4}"/>
               </a:ext>
             </a:extLst>
           </p:cNvPr>
@@ -20519,7 +20555,7 @@
           <p:cNvPr id="3" name="Content Placeholder 2">
             <a:extLst>
               <a:ext uri="{FF2B5EF4-FFF2-40B4-BE49-F238E27FC236}">
-                <a16:creationId xmlns:a16="http://schemas.microsoft.com/office/drawing/2014/main" xmlns="" id="{F0A4581A-26B3-40E7-A945-90C4D9B58292}"/>
+                <a16:creationId xmlns="" xmlns:a16="http://schemas.microsoft.com/office/drawing/2014/main" id="{F0A4581A-26B3-40E7-A945-90C4D9B58292}"/>
               </a:ext>
             </a:extLst>
           </p:cNvPr>
@@ -20538,7 +20574,7 @@
         </p:spPr>
         <p:txBody>
           <a:bodyPr>
-            <a:normAutofit/>
+            <a:normAutofit lnSpcReduction="10000"/>
           </a:bodyPr>
           <a:lstStyle/>
           <a:p>
@@ -20666,7 +20702,83 @@
             </a:pPr>
             <a:r>
               <a:rPr lang="en-IN" sz="1800" dirty="0" smtClean="0"/>
-              <a:t>Finally, script will start training in a for-loop.</a:t>
+              <a:t>Finally, script will start training in a for-loop</a:t>
+            </a:r>
+            <a:r>
+              <a:rPr lang="en-IN" sz="1800" dirty="0" smtClean="0"/>
+              <a:t>.</a:t>
+            </a:r>
+          </a:p>
+          <a:p>
+            <a:pPr marL="457200" indent="-457200" algn="just">
+              <a:lnSpc>
+                <a:spcPct val="100000"/>
+              </a:lnSpc>
+              <a:spcBef>
+                <a:spcPts val="0"/>
+              </a:spcBef>
+              <a:buFont typeface="+mj-lt"/>
+              <a:buAutoNum type="arabicPeriod" startAt="7"/>
+            </a:pPr>
+            <a:r>
+              <a:rPr lang="en-IN" sz="2000" dirty="0" smtClean="0"/>
+              <a:t>After completion of training, one can run any of the following scripts to see the performance of the model:</a:t>
+            </a:r>
+          </a:p>
+          <a:p>
+            <a:pPr marL="914400" lvl="1" indent="-457200" algn="just">
+              <a:lnSpc>
+                <a:spcPct val="100000"/>
+              </a:lnSpc>
+              <a:spcBef>
+                <a:spcPts val="0"/>
+              </a:spcBef>
+              <a:buFont typeface="+mj-lt"/>
+              <a:buAutoNum type="romanLcPeriod"/>
+            </a:pPr>
+            <a:r>
+              <a:rPr lang="en-IN" sz="1800" dirty="0" smtClean="0"/>
+              <a:t>Script “scripts/inference_on_sing</a:t>
+            </a:r>
+            <a:r>
+              <a:rPr lang="en-IN" sz="1800" dirty="0" smtClean="0"/>
+              <a:t>le_instance.py”: This script outputs the caption for a single input image. User has to change the path of image to be tested in the script. This path is mentioned at the top of the script. Thus, user can change this path and the script will pass this image through the model and the model will generate the caption for the input image on the terminal.</a:t>
+            </a:r>
+          </a:p>
+          <a:p>
+            <a:pPr marL="914400" lvl="1" indent="-457200" algn="just">
+              <a:lnSpc>
+                <a:spcPct val="100000"/>
+              </a:lnSpc>
+              <a:spcBef>
+                <a:spcPts val="0"/>
+              </a:spcBef>
+              <a:buFont typeface="+mj-lt"/>
+              <a:buAutoNum type="romanLcPeriod"/>
+            </a:pPr>
+            <a:r>
+              <a:rPr lang="en-IN" sz="1800" dirty="0" smtClean="0"/>
+              <a:t>Script “scripts/inference_on_bulk_data.py”: This script outputs captions for a bulk data, i.e., more than one test image. User has to change the path “</a:t>
+            </a:r>
+            <a:r>
+              <a:rPr lang="en-IN" sz="1800" dirty="0" err="1" smtClean="0"/>
+              <a:t>test_images_path</a:t>
+            </a:r>
+            <a:r>
+              <a:rPr lang="en-IN" sz="1800" dirty="0" smtClean="0"/>
+              <a:t>” variable to make it to point to </a:t>
+            </a:r>
+            <a:r>
+              <a:rPr lang="en-IN" sz="1800" dirty="0" smtClean="0"/>
+              <a:t>their test data. Script will pass this test data through model, generate captions and save all generated captions with their image name in a file “test_data_predicted_captions.csv” file under “./output/</a:t>
+            </a:r>
+            <a:r>
+              <a:rPr lang="en-IN" sz="1800" dirty="0" err="1" smtClean="0"/>
+              <a:t>generated_captions</a:t>
+            </a:r>
+            <a:r>
+              <a:rPr lang="en-IN" sz="1800" dirty="0" smtClean="0"/>
+              <a:t>/” directory.</a:t>
             </a:r>
             <a:endParaRPr lang="en-IN" sz="1800" dirty="0"/>
           </a:p>
@@ -20677,7 +20789,7 @@
           <p:cNvPr id="4" name="Footer Placeholder 3">
             <a:extLst>
               <a:ext uri="{FF2B5EF4-FFF2-40B4-BE49-F238E27FC236}">
-                <a16:creationId xmlns:a16="http://schemas.microsoft.com/office/drawing/2014/main" xmlns="" id="{540972A1-4BB3-4D04-B4DF-C76BA9B5CAD8}"/>
+                <a16:creationId xmlns="" xmlns:a16="http://schemas.microsoft.com/office/drawing/2014/main" id="{540972A1-4BB3-4D04-B4DF-C76BA9B5CAD8}"/>
               </a:ext>
             </a:extLst>
           </p:cNvPr>
@@ -20706,7 +20818,7 @@
           <p:cNvPr id="5" name="Slide Number Placeholder 4">
             <a:extLst>
               <a:ext uri="{FF2B5EF4-FFF2-40B4-BE49-F238E27FC236}">
-                <a16:creationId xmlns:a16="http://schemas.microsoft.com/office/drawing/2014/main" xmlns="" id="{23B5C741-F1AB-463E-B229-974B2924B065}"/>
+                <a16:creationId xmlns="" xmlns:a16="http://schemas.microsoft.com/office/drawing/2014/main" id="{23B5C741-F1AB-463E-B229-974B2924B065}"/>
               </a:ext>
             </a:extLst>
           </p:cNvPr>
@@ -20772,7 +20884,7 @@
           <p:cNvPr id="2" name="Title 1">
             <a:extLst>
               <a:ext uri="{FF2B5EF4-FFF2-40B4-BE49-F238E27FC236}">
-                <a16:creationId xmlns:a16="http://schemas.microsoft.com/office/drawing/2014/main" xmlns="" id="{9F53C0E6-5CA5-48E1-B370-E678425399F4}"/>
+                <a16:creationId xmlns="" xmlns:a16="http://schemas.microsoft.com/office/drawing/2014/main" id="{9F53C0E6-5CA5-48E1-B370-E678425399F4}"/>
               </a:ext>
             </a:extLst>
           </p:cNvPr>
@@ -20805,7 +20917,7 @@
           <p:cNvPr id="3" name="Content Placeholder 2">
             <a:extLst>
               <a:ext uri="{FF2B5EF4-FFF2-40B4-BE49-F238E27FC236}">
-                <a16:creationId xmlns:a16="http://schemas.microsoft.com/office/drawing/2014/main" xmlns="" id="{F0A4581A-26B3-40E7-A945-90C4D9B58292}"/>
+                <a16:creationId xmlns="" xmlns:a16="http://schemas.microsoft.com/office/drawing/2014/main" id="{F0A4581A-26B3-40E7-A945-90C4D9B58292}"/>
               </a:ext>
             </a:extLst>
           </p:cNvPr>
@@ -20875,7 +20987,7 @@
           <p:cNvPr id="5" name="Picture 4">
             <a:extLst>
               <a:ext uri="{FF2B5EF4-FFF2-40B4-BE49-F238E27FC236}">
-                <a16:creationId xmlns:a16="http://schemas.microsoft.com/office/drawing/2014/main" xmlns="" id="{542506C5-594F-4FC3-B982-7B2D2081C80A}"/>
+                <a16:creationId xmlns="" xmlns:a16="http://schemas.microsoft.com/office/drawing/2014/main" id="{542506C5-594F-4FC3-B982-7B2D2081C80A}"/>
               </a:ext>
             </a:extLst>
           </p:cNvPr>
@@ -20911,7 +21023,7 @@
           <p:cNvPr id="7" name="Picture 6" descr="A picture containing water, water sport, person, swimming&#10;&#10;Description automatically generated">
             <a:extLst>
               <a:ext uri="{FF2B5EF4-FFF2-40B4-BE49-F238E27FC236}">
-                <a16:creationId xmlns:a16="http://schemas.microsoft.com/office/drawing/2014/main" xmlns="" id="{ABD7B47D-412F-4992-9BE2-FAAB90A6BAAB}"/>
+                <a16:creationId xmlns="" xmlns:a16="http://schemas.microsoft.com/office/drawing/2014/main" id="{ABD7B47D-412F-4992-9BE2-FAAB90A6BAAB}"/>
               </a:ext>
             </a:extLst>
           </p:cNvPr>
@@ -20947,7 +21059,7 @@
           <p:cNvPr id="9" name="Picture 8">
             <a:extLst>
               <a:ext uri="{FF2B5EF4-FFF2-40B4-BE49-F238E27FC236}">
-                <a16:creationId xmlns:a16="http://schemas.microsoft.com/office/drawing/2014/main" xmlns="" id="{6130079B-30C8-49B7-B74B-5A068C293BFD}"/>
+                <a16:creationId xmlns="" xmlns:a16="http://schemas.microsoft.com/office/drawing/2014/main" id="{6130079B-30C8-49B7-B74B-5A068C293BFD}"/>
               </a:ext>
             </a:extLst>
           </p:cNvPr>
@@ -20983,7 +21095,7 @@
           <p:cNvPr id="11" name="Picture 10" descr="A picture containing grass, outdoor, dog, laying&#10;&#10;Description automatically generated">
             <a:extLst>
               <a:ext uri="{FF2B5EF4-FFF2-40B4-BE49-F238E27FC236}">
-                <a16:creationId xmlns:a16="http://schemas.microsoft.com/office/drawing/2014/main" xmlns="" id="{B79913C4-5023-4093-A009-858D9D59B49A}"/>
+                <a16:creationId xmlns="" xmlns:a16="http://schemas.microsoft.com/office/drawing/2014/main" id="{B79913C4-5023-4093-A009-858D9D59B49A}"/>
               </a:ext>
             </a:extLst>
           </p:cNvPr>
@@ -21019,7 +21131,7 @@
           <p:cNvPr id="13" name="Picture 12" descr="A picture containing water, sky, outdoor, boat&#10;&#10;Description automatically generated">
             <a:extLst>
               <a:ext uri="{FF2B5EF4-FFF2-40B4-BE49-F238E27FC236}">
-                <a16:creationId xmlns:a16="http://schemas.microsoft.com/office/drawing/2014/main" xmlns="" id="{B0637125-865D-425A-B7D3-A61F9B377DCF}"/>
+                <a16:creationId xmlns="" xmlns:a16="http://schemas.microsoft.com/office/drawing/2014/main" id="{B0637125-865D-425A-B7D3-A61F9B377DCF}"/>
               </a:ext>
             </a:extLst>
           </p:cNvPr>
@@ -21055,7 +21167,7 @@
           <p:cNvPr id="15" name="Picture 14" descr="A picture containing sky, skating, outdoor, person&#10;&#10;Description automatically generated">
             <a:extLst>
               <a:ext uri="{FF2B5EF4-FFF2-40B4-BE49-F238E27FC236}">
-                <a16:creationId xmlns:a16="http://schemas.microsoft.com/office/drawing/2014/main" xmlns="" id="{06B24696-E894-4ACA-A1DC-05A1C40010BA}"/>
+                <a16:creationId xmlns="" xmlns:a16="http://schemas.microsoft.com/office/drawing/2014/main" id="{06B24696-E894-4ACA-A1DC-05A1C40010BA}"/>
               </a:ext>
             </a:extLst>
           </p:cNvPr>
@@ -21091,7 +21203,7 @@
           <p:cNvPr id="16" name="Footer Placeholder 15">
             <a:extLst>
               <a:ext uri="{FF2B5EF4-FFF2-40B4-BE49-F238E27FC236}">
-                <a16:creationId xmlns:a16="http://schemas.microsoft.com/office/drawing/2014/main" xmlns="" id="{732C8F9E-F8B2-4651-BBCC-5E8DF86D3EDF}"/>
+                <a16:creationId xmlns="" xmlns:a16="http://schemas.microsoft.com/office/drawing/2014/main" id="{732C8F9E-F8B2-4651-BBCC-5E8DF86D3EDF}"/>
               </a:ext>
             </a:extLst>
           </p:cNvPr>
@@ -21120,7 +21232,7 @@
           <p:cNvPr id="17" name="Slide Number Placeholder 16">
             <a:extLst>
               <a:ext uri="{FF2B5EF4-FFF2-40B4-BE49-F238E27FC236}">
-                <a16:creationId xmlns:a16="http://schemas.microsoft.com/office/drawing/2014/main" xmlns="" id="{A890141F-F96D-4F04-9A91-C201B8C9334A}"/>
+                <a16:creationId xmlns="" xmlns:a16="http://schemas.microsoft.com/office/drawing/2014/main" id="{A890141F-F96D-4F04-9A91-C201B8C9334A}"/>
               </a:ext>
             </a:extLst>
           </p:cNvPr>
@@ -21186,7 +21298,7 @@
           <p:cNvPr id="2" name="Title 1">
             <a:extLst>
               <a:ext uri="{FF2B5EF4-FFF2-40B4-BE49-F238E27FC236}">
-                <a16:creationId xmlns:a16="http://schemas.microsoft.com/office/drawing/2014/main" xmlns="" id="{9F53C0E6-5CA5-48E1-B370-E678425399F4}"/>
+                <a16:creationId xmlns="" xmlns:a16="http://schemas.microsoft.com/office/drawing/2014/main" id="{9F53C0E6-5CA5-48E1-B370-E678425399F4}"/>
               </a:ext>
             </a:extLst>
           </p:cNvPr>
@@ -21219,7 +21331,7 @@
           <p:cNvPr id="3" name="Content Placeholder 2">
             <a:extLst>
               <a:ext uri="{FF2B5EF4-FFF2-40B4-BE49-F238E27FC236}">
-                <a16:creationId xmlns:a16="http://schemas.microsoft.com/office/drawing/2014/main" xmlns="" id="{F0A4581A-26B3-40E7-A945-90C4D9B58292}"/>
+                <a16:creationId xmlns="" xmlns:a16="http://schemas.microsoft.com/office/drawing/2014/main" id="{F0A4581A-26B3-40E7-A945-90C4D9B58292}"/>
               </a:ext>
             </a:extLst>
           </p:cNvPr>
@@ -21269,7 +21381,7 @@
           <p:cNvPr id="4" name="Footer Placeholder 3">
             <a:extLst>
               <a:ext uri="{FF2B5EF4-FFF2-40B4-BE49-F238E27FC236}">
-                <a16:creationId xmlns:a16="http://schemas.microsoft.com/office/drawing/2014/main" xmlns="" id="{540972A1-4BB3-4D04-B4DF-C76BA9B5CAD8}"/>
+                <a16:creationId xmlns="" xmlns:a16="http://schemas.microsoft.com/office/drawing/2014/main" id="{540972A1-4BB3-4D04-B4DF-C76BA9B5CAD8}"/>
               </a:ext>
             </a:extLst>
           </p:cNvPr>
@@ -21298,7 +21410,7 @@
           <p:cNvPr id="5" name="Slide Number Placeholder 4">
             <a:extLst>
               <a:ext uri="{FF2B5EF4-FFF2-40B4-BE49-F238E27FC236}">
-                <a16:creationId xmlns:a16="http://schemas.microsoft.com/office/drawing/2014/main" xmlns="" id="{23B5C741-F1AB-463E-B229-974B2924B065}"/>
+                <a16:creationId xmlns="" xmlns:a16="http://schemas.microsoft.com/office/drawing/2014/main" id="{23B5C741-F1AB-463E-B229-974B2924B065}"/>
               </a:ext>
             </a:extLst>
           </p:cNvPr>
@@ -21476,7 +21588,7 @@
           <p:cNvPr id="2" name="Title 1">
             <a:extLst>
               <a:ext uri="{FF2B5EF4-FFF2-40B4-BE49-F238E27FC236}">
-                <a16:creationId xmlns:a16="http://schemas.microsoft.com/office/drawing/2014/main" xmlns="" id="{9F53C0E6-5CA5-48E1-B370-E678425399F4}"/>
+                <a16:creationId xmlns="" xmlns:a16="http://schemas.microsoft.com/office/drawing/2014/main" id="{9F53C0E6-5CA5-48E1-B370-E678425399F4}"/>
               </a:ext>
             </a:extLst>
           </p:cNvPr>
@@ -21501,7 +21613,6 @@
               <a:rPr lang="en-IN" dirty="0"/>
               <a:t>Training &amp; Neural Networks Specific</a:t>
             </a:r>
-            <a:endParaRPr lang="en-IN" dirty="0"/>
           </a:p>
         </p:txBody>
       </p:sp>
@@ -21510,7 +21621,7 @@
           <p:cNvPr id="3" name="Content Placeholder 2">
             <a:extLst>
               <a:ext uri="{FF2B5EF4-FFF2-40B4-BE49-F238E27FC236}">
-                <a16:creationId xmlns:a16="http://schemas.microsoft.com/office/drawing/2014/main" xmlns="" id="{F0A4581A-26B3-40E7-A945-90C4D9B58292}"/>
+                <a16:creationId xmlns="" xmlns:a16="http://schemas.microsoft.com/office/drawing/2014/main" id="{F0A4581A-26B3-40E7-A945-90C4D9B58292}"/>
               </a:ext>
             </a:extLst>
           </p:cNvPr>
@@ -21652,7 +21763,7 @@
           <p:cNvPr id="4" name="Footer Placeholder 3">
             <a:extLst>
               <a:ext uri="{FF2B5EF4-FFF2-40B4-BE49-F238E27FC236}">
-                <a16:creationId xmlns:a16="http://schemas.microsoft.com/office/drawing/2014/main" xmlns="" id="{540972A1-4BB3-4D04-B4DF-C76BA9B5CAD8}"/>
+                <a16:creationId xmlns="" xmlns:a16="http://schemas.microsoft.com/office/drawing/2014/main" id="{540972A1-4BB3-4D04-B4DF-C76BA9B5CAD8}"/>
               </a:ext>
             </a:extLst>
           </p:cNvPr>
@@ -21681,7 +21792,7 @@
           <p:cNvPr id="5" name="Slide Number Placeholder 4">
             <a:extLst>
               <a:ext uri="{FF2B5EF4-FFF2-40B4-BE49-F238E27FC236}">
-                <a16:creationId xmlns:a16="http://schemas.microsoft.com/office/drawing/2014/main" xmlns="" id="{23B5C741-F1AB-463E-B229-974B2924B065}"/>
+                <a16:creationId xmlns="" xmlns:a16="http://schemas.microsoft.com/office/drawing/2014/main" id="{23B5C741-F1AB-463E-B229-974B2924B065}"/>
               </a:ext>
             </a:extLst>
           </p:cNvPr>
@@ -21871,7 +21982,7 @@
           <p:cNvPr id="2" name="Title 1">
             <a:extLst>
               <a:ext uri="{FF2B5EF4-FFF2-40B4-BE49-F238E27FC236}">
-                <a16:creationId xmlns:a16="http://schemas.microsoft.com/office/drawing/2014/main" xmlns="" id="{9F53C0E6-5CA5-48E1-B370-E678425399F4}"/>
+                <a16:creationId xmlns="" xmlns:a16="http://schemas.microsoft.com/office/drawing/2014/main" id="{9F53C0E6-5CA5-48E1-B370-E678425399F4}"/>
               </a:ext>
             </a:extLst>
           </p:cNvPr>
@@ -21904,7 +22015,7 @@
           <p:cNvPr id="3" name="Content Placeholder 2">
             <a:extLst>
               <a:ext uri="{FF2B5EF4-FFF2-40B4-BE49-F238E27FC236}">
-                <a16:creationId xmlns:a16="http://schemas.microsoft.com/office/drawing/2014/main" xmlns="" id="{F0A4581A-26B3-40E7-A945-90C4D9B58292}"/>
+                <a16:creationId xmlns="" xmlns:a16="http://schemas.microsoft.com/office/drawing/2014/main" id="{F0A4581A-26B3-40E7-A945-90C4D9B58292}"/>
               </a:ext>
             </a:extLst>
           </p:cNvPr>
@@ -21949,7 +22060,7 @@
           <p:cNvPr id="4" name="Footer Placeholder 3">
             <a:extLst>
               <a:ext uri="{FF2B5EF4-FFF2-40B4-BE49-F238E27FC236}">
-                <a16:creationId xmlns:a16="http://schemas.microsoft.com/office/drawing/2014/main" xmlns="" id="{540972A1-4BB3-4D04-B4DF-C76BA9B5CAD8}"/>
+                <a16:creationId xmlns="" xmlns:a16="http://schemas.microsoft.com/office/drawing/2014/main" id="{540972A1-4BB3-4D04-B4DF-C76BA9B5CAD8}"/>
               </a:ext>
             </a:extLst>
           </p:cNvPr>
@@ -21978,7 +22089,7 @@
           <p:cNvPr id="5" name="Slide Number Placeholder 4">
             <a:extLst>
               <a:ext uri="{FF2B5EF4-FFF2-40B4-BE49-F238E27FC236}">
-                <a16:creationId xmlns:a16="http://schemas.microsoft.com/office/drawing/2014/main" xmlns="" id="{23B5C741-F1AB-463E-B229-974B2924B065}"/>
+                <a16:creationId xmlns="" xmlns:a16="http://schemas.microsoft.com/office/drawing/2014/main" id="{23B5C741-F1AB-463E-B229-974B2924B065}"/>
               </a:ext>
             </a:extLst>
           </p:cNvPr>
@@ -22044,7 +22155,7 @@
           <p:cNvPr id="2" name="Title 1">
             <a:extLst>
               <a:ext uri="{FF2B5EF4-FFF2-40B4-BE49-F238E27FC236}">
-                <a16:creationId xmlns:a16="http://schemas.microsoft.com/office/drawing/2014/main" xmlns="" id="{9F53C0E6-5CA5-48E1-B370-E678425399F4}"/>
+                <a16:creationId xmlns="" xmlns:a16="http://schemas.microsoft.com/office/drawing/2014/main" id="{9F53C0E6-5CA5-48E1-B370-E678425399F4}"/>
               </a:ext>
             </a:extLst>
           </p:cNvPr>
@@ -22077,7 +22188,7 @@
           <p:cNvPr id="3" name="Content Placeholder 2">
             <a:extLst>
               <a:ext uri="{FF2B5EF4-FFF2-40B4-BE49-F238E27FC236}">
-                <a16:creationId xmlns:a16="http://schemas.microsoft.com/office/drawing/2014/main" xmlns="" id="{F0A4581A-26B3-40E7-A945-90C4D9B58292}"/>
+                <a16:creationId xmlns="" xmlns:a16="http://schemas.microsoft.com/office/drawing/2014/main" id="{F0A4581A-26B3-40E7-A945-90C4D9B58292}"/>
               </a:ext>
             </a:extLst>
           </p:cNvPr>
@@ -22122,7 +22233,7 @@
           <p:cNvPr id="4" name="Footer Placeholder 3">
             <a:extLst>
               <a:ext uri="{FF2B5EF4-FFF2-40B4-BE49-F238E27FC236}">
-                <a16:creationId xmlns:a16="http://schemas.microsoft.com/office/drawing/2014/main" xmlns="" id="{540972A1-4BB3-4D04-B4DF-C76BA9B5CAD8}"/>
+                <a16:creationId xmlns="" xmlns:a16="http://schemas.microsoft.com/office/drawing/2014/main" id="{540972A1-4BB3-4D04-B4DF-C76BA9B5CAD8}"/>
               </a:ext>
             </a:extLst>
           </p:cNvPr>
@@ -22151,7 +22262,7 @@
           <p:cNvPr id="5" name="Slide Number Placeholder 4">
             <a:extLst>
               <a:ext uri="{FF2B5EF4-FFF2-40B4-BE49-F238E27FC236}">
-                <a16:creationId xmlns:a16="http://schemas.microsoft.com/office/drawing/2014/main" xmlns="" id="{23B5C741-F1AB-463E-B229-974B2924B065}"/>
+                <a16:creationId xmlns="" xmlns:a16="http://schemas.microsoft.com/office/drawing/2014/main" id="{23B5C741-F1AB-463E-B229-974B2924B065}"/>
               </a:ext>
             </a:extLst>
           </p:cNvPr>
@@ -22258,7 +22369,7 @@
           <p:cNvPr id="2" name="Title 1">
             <a:extLst>
               <a:ext uri="{FF2B5EF4-FFF2-40B4-BE49-F238E27FC236}">
-                <a16:creationId xmlns:a16="http://schemas.microsoft.com/office/drawing/2014/main" xmlns="" id="{9F53C0E6-5CA5-48E1-B370-E678425399F4}"/>
+                <a16:creationId xmlns="" xmlns:a16="http://schemas.microsoft.com/office/drawing/2014/main" id="{9F53C0E6-5CA5-48E1-B370-E678425399F4}"/>
               </a:ext>
             </a:extLst>
           </p:cNvPr>
@@ -22291,7 +22402,7 @@
           <p:cNvPr id="3" name="Content Placeholder 2">
             <a:extLst>
               <a:ext uri="{FF2B5EF4-FFF2-40B4-BE49-F238E27FC236}">
-                <a16:creationId xmlns:a16="http://schemas.microsoft.com/office/drawing/2014/main" xmlns="" id="{F0A4581A-26B3-40E7-A945-90C4D9B58292}"/>
+                <a16:creationId xmlns="" xmlns:a16="http://schemas.microsoft.com/office/drawing/2014/main" id="{F0A4581A-26B3-40E7-A945-90C4D9B58292}"/>
               </a:ext>
             </a:extLst>
           </p:cNvPr>
@@ -22336,7 +22447,7 @@
           <p:cNvPr id="4" name="Footer Placeholder 3">
             <a:extLst>
               <a:ext uri="{FF2B5EF4-FFF2-40B4-BE49-F238E27FC236}">
-                <a16:creationId xmlns:a16="http://schemas.microsoft.com/office/drawing/2014/main" xmlns="" id="{540972A1-4BB3-4D04-B4DF-C76BA9B5CAD8}"/>
+                <a16:creationId xmlns="" xmlns:a16="http://schemas.microsoft.com/office/drawing/2014/main" id="{540972A1-4BB3-4D04-B4DF-C76BA9B5CAD8}"/>
               </a:ext>
             </a:extLst>
           </p:cNvPr>
@@ -22365,7 +22476,7 @@
           <p:cNvPr id="5" name="Slide Number Placeholder 4">
             <a:extLst>
               <a:ext uri="{FF2B5EF4-FFF2-40B4-BE49-F238E27FC236}">
-                <a16:creationId xmlns:a16="http://schemas.microsoft.com/office/drawing/2014/main" xmlns="" id="{23B5C741-F1AB-463E-B229-974B2924B065}"/>
+                <a16:creationId xmlns="" xmlns:a16="http://schemas.microsoft.com/office/drawing/2014/main" id="{23B5C741-F1AB-463E-B229-974B2924B065}"/>
               </a:ext>
             </a:extLst>
           </p:cNvPr>
@@ -22394,7 +22505,7 @@
           <p:cNvPr id="7" name="Picture 6">
             <a:extLst>
               <a:ext uri="{FF2B5EF4-FFF2-40B4-BE49-F238E27FC236}">
-                <a16:creationId xmlns:a16="http://schemas.microsoft.com/office/drawing/2014/main" xmlns="" id="{A69F92CE-D8BB-4F8F-BED3-BE4B00B6FDCF}"/>
+                <a16:creationId xmlns="" xmlns:a16="http://schemas.microsoft.com/office/drawing/2014/main" id="{A69F92CE-D8BB-4F8F-BED3-BE4B00B6FDCF}"/>
               </a:ext>
             </a:extLst>
           </p:cNvPr>
@@ -22430,7 +22541,7 @@
           <p:cNvPr id="11" name="Picture 10" descr="A picture containing person, wall, indoor, child&#10;&#10;Description automatically generated">
             <a:extLst>
               <a:ext uri="{FF2B5EF4-FFF2-40B4-BE49-F238E27FC236}">
-                <a16:creationId xmlns:a16="http://schemas.microsoft.com/office/drawing/2014/main" xmlns="" id="{E85BACB2-A5BB-474E-A39E-7419AFD7E1B7}"/>
+                <a16:creationId xmlns="" xmlns:a16="http://schemas.microsoft.com/office/drawing/2014/main" id="{E85BACB2-A5BB-474E-A39E-7419AFD7E1B7}"/>
               </a:ext>
             </a:extLst>
           </p:cNvPr>
@@ -22466,7 +22577,7 @@
           <p:cNvPr id="18" name="TextBox 17">
             <a:extLst>
               <a:ext uri="{FF2B5EF4-FFF2-40B4-BE49-F238E27FC236}">
-                <a16:creationId xmlns:a16="http://schemas.microsoft.com/office/drawing/2014/main" xmlns="" id="{3FEC41C2-3C84-4FD0-B6FD-AE2D345AF0FC}"/>
+                <a16:creationId xmlns="" xmlns:a16="http://schemas.microsoft.com/office/drawing/2014/main" id="{3FEC41C2-3C84-4FD0-B6FD-AE2D345AF0FC}"/>
               </a:ext>
             </a:extLst>
           </p:cNvPr>
@@ -22503,7 +22614,7 @@
           <p:cNvPr id="19" name="TextBox 18">
             <a:extLst>
               <a:ext uri="{FF2B5EF4-FFF2-40B4-BE49-F238E27FC236}">
-                <a16:creationId xmlns:a16="http://schemas.microsoft.com/office/drawing/2014/main" xmlns="" id="{9D506DFE-D00D-462C-89D8-9F7ECAB1A062}"/>
+                <a16:creationId xmlns="" xmlns:a16="http://schemas.microsoft.com/office/drawing/2014/main" id="{9D506DFE-D00D-462C-89D8-9F7ECAB1A062}"/>
               </a:ext>
             </a:extLst>
           </p:cNvPr>
@@ -22577,7 +22688,7 @@
           <p:cNvPr id="2" name="Title 1">
             <a:extLst>
               <a:ext uri="{FF2B5EF4-FFF2-40B4-BE49-F238E27FC236}">
-                <a16:creationId xmlns:a16="http://schemas.microsoft.com/office/drawing/2014/main" xmlns="" id="{9F53C0E6-5CA5-48E1-B370-E678425399F4}"/>
+                <a16:creationId xmlns="" xmlns:a16="http://schemas.microsoft.com/office/drawing/2014/main" id="{9F53C0E6-5CA5-48E1-B370-E678425399F4}"/>
               </a:ext>
             </a:extLst>
           </p:cNvPr>
@@ -22610,7 +22721,7 @@
           <p:cNvPr id="7" name="Content Placeholder 6" descr="A picture containing building, outdoor, harp&#10;&#10;Description automatically generated">
             <a:extLst>
               <a:ext uri="{FF2B5EF4-FFF2-40B4-BE49-F238E27FC236}">
-                <a16:creationId xmlns:a16="http://schemas.microsoft.com/office/drawing/2014/main" xmlns="" id="{071422BC-1756-4A99-A340-F876519AC6DC}"/>
+                <a16:creationId xmlns="" xmlns:a16="http://schemas.microsoft.com/office/drawing/2014/main" id="{071422BC-1756-4A99-A340-F876519AC6DC}"/>
               </a:ext>
             </a:extLst>
           </p:cNvPr>
@@ -22645,7 +22756,7 @@
           <p:cNvPr id="4" name="Footer Placeholder 3">
             <a:extLst>
               <a:ext uri="{FF2B5EF4-FFF2-40B4-BE49-F238E27FC236}">
-                <a16:creationId xmlns:a16="http://schemas.microsoft.com/office/drawing/2014/main" xmlns="" id="{540972A1-4BB3-4D04-B4DF-C76BA9B5CAD8}"/>
+                <a16:creationId xmlns="" xmlns:a16="http://schemas.microsoft.com/office/drawing/2014/main" id="{540972A1-4BB3-4D04-B4DF-C76BA9B5CAD8}"/>
               </a:ext>
             </a:extLst>
           </p:cNvPr>
@@ -22674,7 +22785,7 @@
           <p:cNvPr id="5" name="Slide Number Placeholder 4">
             <a:extLst>
               <a:ext uri="{FF2B5EF4-FFF2-40B4-BE49-F238E27FC236}">
-                <a16:creationId xmlns:a16="http://schemas.microsoft.com/office/drawing/2014/main" xmlns="" id="{23B5C741-F1AB-463E-B229-974B2924B065}"/>
+                <a16:creationId xmlns="" xmlns:a16="http://schemas.microsoft.com/office/drawing/2014/main" id="{23B5C741-F1AB-463E-B229-974B2924B065}"/>
               </a:ext>
             </a:extLst>
           </p:cNvPr>
@@ -22703,7 +22814,7 @@
           <p:cNvPr id="9" name="Picture 8">
             <a:extLst>
               <a:ext uri="{FF2B5EF4-FFF2-40B4-BE49-F238E27FC236}">
-                <a16:creationId xmlns:a16="http://schemas.microsoft.com/office/drawing/2014/main" xmlns="" id="{C665D5C7-EC65-483C-9EE9-FC1A29BA45F9}"/>
+                <a16:creationId xmlns="" xmlns:a16="http://schemas.microsoft.com/office/drawing/2014/main" id="{C665D5C7-EC65-483C-9EE9-FC1A29BA45F9}"/>
               </a:ext>
             </a:extLst>
           </p:cNvPr>
@@ -22739,7 +22850,7 @@
           <p:cNvPr id="10" name="TextBox 9">
             <a:extLst>
               <a:ext uri="{FF2B5EF4-FFF2-40B4-BE49-F238E27FC236}">
-                <a16:creationId xmlns:a16="http://schemas.microsoft.com/office/drawing/2014/main" xmlns="" id="{B8D32FAB-7CB5-4038-A21C-2294BE6A3393}"/>
+                <a16:creationId xmlns="" xmlns:a16="http://schemas.microsoft.com/office/drawing/2014/main" id="{B8D32FAB-7CB5-4038-A21C-2294BE6A3393}"/>
               </a:ext>
             </a:extLst>
           </p:cNvPr>
@@ -22776,7 +22887,7 @@
           <p:cNvPr id="11" name="TextBox 10">
             <a:extLst>
               <a:ext uri="{FF2B5EF4-FFF2-40B4-BE49-F238E27FC236}">
-                <a16:creationId xmlns:a16="http://schemas.microsoft.com/office/drawing/2014/main" xmlns="" id="{8075A81C-67B3-4C54-AEB6-BB5EB0B41157}"/>
+                <a16:creationId xmlns="" xmlns:a16="http://schemas.microsoft.com/office/drawing/2014/main" id="{8075A81C-67B3-4C54-AEB6-BB5EB0B41157}"/>
               </a:ext>
             </a:extLst>
           </p:cNvPr>
@@ -22850,7 +22961,7 @@
           <p:cNvPr id="2" name="Title 1">
             <a:extLst>
               <a:ext uri="{FF2B5EF4-FFF2-40B4-BE49-F238E27FC236}">
-                <a16:creationId xmlns:a16="http://schemas.microsoft.com/office/drawing/2014/main" xmlns="" id="{9F53C0E6-5CA5-48E1-B370-E678425399F4}"/>
+                <a16:creationId xmlns="" xmlns:a16="http://schemas.microsoft.com/office/drawing/2014/main" id="{9F53C0E6-5CA5-48E1-B370-E678425399F4}"/>
               </a:ext>
             </a:extLst>
           </p:cNvPr>
@@ -22883,7 +22994,7 @@
           <p:cNvPr id="3" name="Content Placeholder 2">
             <a:extLst>
               <a:ext uri="{FF2B5EF4-FFF2-40B4-BE49-F238E27FC236}">
-                <a16:creationId xmlns:a16="http://schemas.microsoft.com/office/drawing/2014/main" xmlns="" id="{F0A4581A-26B3-40E7-A945-90C4D9B58292}"/>
+                <a16:creationId xmlns="" xmlns:a16="http://schemas.microsoft.com/office/drawing/2014/main" id="{F0A4581A-26B3-40E7-A945-90C4D9B58292}"/>
               </a:ext>
             </a:extLst>
           </p:cNvPr>
@@ -22963,7 +23074,23 @@
             </a:r>
             <a:r>
               <a:rPr lang="en-IN" sz="2000" dirty="0"/>
-              <a:t>, it has become a kind of document where each reference has five texts, thus corpus bleu is used to measure the performance. </a:t>
+              <a:t>, it has become a kind of document where each reference has five </a:t>
+            </a:r>
+            <a:r>
+              <a:rPr lang="en-IN" sz="2000" dirty="0" smtClean="0"/>
+              <a:t>texts and candidate has only one text, </a:t>
+            </a:r>
+            <a:r>
+              <a:rPr lang="en-IN" sz="2000" dirty="0"/>
+              <a:t>thus corpus </a:t>
+            </a:r>
+            <a:r>
+              <a:rPr lang="en-IN" sz="2000" dirty="0" smtClean="0"/>
+              <a:t>bleu score </a:t>
+            </a:r>
+            <a:r>
+              <a:rPr lang="en-IN" sz="2000" dirty="0"/>
+              <a:t>is used to measure the performance. </a:t>
             </a:r>
             <a:endParaRPr lang="en-IN" sz="2000" dirty="0" smtClean="0"/>
           </a:p>
@@ -23018,7 +23145,7 @@
           <p:cNvPr id="4" name="Footer Placeholder 3">
             <a:extLst>
               <a:ext uri="{FF2B5EF4-FFF2-40B4-BE49-F238E27FC236}">
-                <a16:creationId xmlns:a16="http://schemas.microsoft.com/office/drawing/2014/main" xmlns="" id="{540972A1-4BB3-4D04-B4DF-C76BA9B5CAD8}"/>
+                <a16:creationId xmlns="" xmlns:a16="http://schemas.microsoft.com/office/drawing/2014/main" id="{540972A1-4BB3-4D04-B4DF-C76BA9B5CAD8}"/>
               </a:ext>
             </a:extLst>
           </p:cNvPr>
@@ -23047,7 +23174,7 @@
           <p:cNvPr id="5" name="Slide Number Placeholder 4">
             <a:extLst>
               <a:ext uri="{FF2B5EF4-FFF2-40B4-BE49-F238E27FC236}">
-                <a16:creationId xmlns:a16="http://schemas.microsoft.com/office/drawing/2014/main" xmlns="" id="{23B5C741-F1AB-463E-B229-974B2924B065}"/>
+                <a16:creationId xmlns="" xmlns:a16="http://schemas.microsoft.com/office/drawing/2014/main" id="{23B5C741-F1AB-463E-B229-974B2924B065}"/>
               </a:ext>
             </a:extLst>
           </p:cNvPr>
@@ -23113,7 +23240,7 @@
           <p:cNvPr id="2" name="Title 1">
             <a:extLst>
               <a:ext uri="{FF2B5EF4-FFF2-40B4-BE49-F238E27FC236}">
-                <a16:creationId xmlns:a16="http://schemas.microsoft.com/office/drawing/2014/main" xmlns="" id="{9F53C0E6-5CA5-48E1-B370-E678425399F4}"/>
+                <a16:creationId xmlns="" xmlns:a16="http://schemas.microsoft.com/office/drawing/2014/main" id="{9F53C0E6-5CA5-48E1-B370-E678425399F4}"/>
               </a:ext>
             </a:extLst>
           </p:cNvPr>
@@ -23146,7 +23273,7 @@
           <p:cNvPr id="3" name="Content Placeholder 2">
             <a:extLst>
               <a:ext uri="{FF2B5EF4-FFF2-40B4-BE49-F238E27FC236}">
-                <a16:creationId xmlns:a16="http://schemas.microsoft.com/office/drawing/2014/main" xmlns="" id="{F0A4581A-26B3-40E7-A945-90C4D9B58292}"/>
+                <a16:creationId xmlns="" xmlns:a16="http://schemas.microsoft.com/office/drawing/2014/main" id="{F0A4581A-26B3-40E7-A945-90C4D9B58292}"/>
               </a:ext>
             </a:extLst>
           </p:cNvPr>
@@ -23180,49 +23307,18 @@
               <a:buChar char="Ø"/>
             </a:pPr>
             <a:r>
+              <a:rPr lang="en-IN" sz="2000" dirty="0" smtClean="0"/>
+              <a:t>Since </a:t>
+            </a:r>
+            <a:r>
               <a:rPr lang="en-IN" sz="2000" dirty="0"/>
-              <a:t>Model is predicting (or generating) “woman” many times because “0” was padded in each train caption to make its length equal to “</a:t>
-            </a:r>
-            <a:r>
-              <a:rPr lang="en-IN" sz="2000" dirty="0" err="1"/>
-              <a:t>max_caption_length</a:t>
-            </a:r>
-            <a:r>
-              <a:rPr lang="en-IN" sz="2000" dirty="0"/>
-              <a:t>”. We added “0” with thought that it means nothing, however in our vocabulary (vocabulary.txt), indexing has started from zero and the word at 0</a:t>
-            </a:r>
-            <a:r>
-              <a:rPr lang="en-IN" sz="2000" baseline="30000" dirty="0"/>
-              <a:t>th</a:t>
-            </a:r>
-            <a:r>
-              <a:rPr lang="en-IN" sz="2000" dirty="0"/>
-              <a:t> index is “woman”. Thus, for all those images where model is not getting anything, it is generating 0 as output and since “woman” is at 0</a:t>
-            </a:r>
-            <a:r>
-              <a:rPr lang="en-IN" sz="2000" baseline="30000" dirty="0"/>
-              <a:t>th</a:t>
-            </a:r>
-            <a:r>
-              <a:rPr lang="en-IN" sz="2000" dirty="0"/>
-              <a:t> index, therefore we are getting “woman” several times in some predictions.</a:t>
-            </a:r>
-          </a:p>
-          <a:p>
-            <a:pPr algn="just">
-              <a:lnSpc>
-                <a:spcPct val="100000"/>
-              </a:lnSpc>
-              <a:spcBef>
-                <a:spcPts val="0"/>
-              </a:spcBef>
-              <a:buFont typeface="Wingdings" panose="05000000000000000000" pitchFamily="2" charset="2"/>
-              <a:buChar char="Ø"/>
-            </a:pPr>
-            <a:r>
-              <a:rPr lang="en-IN" sz="2000" dirty="0"/>
-              <a:t>Since model is trained for less number of epochs and also on insufficient data, thus the BLEU Score is quite less on validation images. However, if we see model’s performance on a single image, then it seems that the model has learnt something during training and it verifies the technique used here for Image Captioning.</a:t>
-            </a:r>
+              <a:t>model is trained for less number of epochs and also on insufficient data, thus the BLEU Score is quite less on validation images. However, if we see model’s performance on a single image, then it seems that the model has learnt something during training and it verifies the technique used here for Image Captioning</a:t>
+            </a:r>
+            <a:r>
+              <a:rPr lang="en-IN" sz="2000" dirty="0" smtClean="0"/>
+              <a:t>.</a:t>
+            </a:r>
+            <a:endParaRPr lang="en-IN" sz="2000" dirty="0"/>
           </a:p>
           <a:p>
             <a:pPr algn="just">
@@ -23244,7 +23340,7 @@
           <p:cNvPr id="4" name="Footer Placeholder 3">
             <a:extLst>
               <a:ext uri="{FF2B5EF4-FFF2-40B4-BE49-F238E27FC236}">
-                <a16:creationId xmlns:a16="http://schemas.microsoft.com/office/drawing/2014/main" xmlns="" id="{540972A1-4BB3-4D04-B4DF-C76BA9B5CAD8}"/>
+                <a16:creationId xmlns="" xmlns:a16="http://schemas.microsoft.com/office/drawing/2014/main" id="{540972A1-4BB3-4D04-B4DF-C76BA9B5CAD8}"/>
               </a:ext>
             </a:extLst>
           </p:cNvPr>
@@ -23273,7 +23369,7 @@
           <p:cNvPr id="5" name="Slide Number Placeholder 4">
             <a:extLst>
               <a:ext uri="{FF2B5EF4-FFF2-40B4-BE49-F238E27FC236}">
-                <a16:creationId xmlns:a16="http://schemas.microsoft.com/office/drawing/2014/main" xmlns="" id="{23B5C741-F1AB-463E-B229-974B2924B065}"/>
+                <a16:creationId xmlns="" xmlns:a16="http://schemas.microsoft.com/office/drawing/2014/main" id="{23B5C741-F1AB-463E-B229-974B2924B065}"/>
               </a:ext>
             </a:extLst>
           </p:cNvPr>
@@ -23339,7 +23435,7 @@
           <p:cNvPr id="2" name="Title 1">
             <a:extLst>
               <a:ext uri="{FF2B5EF4-FFF2-40B4-BE49-F238E27FC236}">
-                <a16:creationId xmlns:a16="http://schemas.microsoft.com/office/drawing/2014/main" xmlns="" id="{9F53C0E6-5CA5-48E1-B370-E678425399F4}"/>
+                <a16:creationId xmlns="" xmlns:a16="http://schemas.microsoft.com/office/drawing/2014/main" id="{9F53C0E6-5CA5-48E1-B370-E678425399F4}"/>
               </a:ext>
             </a:extLst>
           </p:cNvPr>
@@ -23372,7 +23468,7 @@
           <p:cNvPr id="3" name="Content Placeholder 2">
             <a:extLst>
               <a:ext uri="{FF2B5EF4-FFF2-40B4-BE49-F238E27FC236}">
-                <a16:creationId xmlns:a16="http://schemas.microsoft.com/office/drawing/2014/main" xmlns="" id="{F0A4581A-26B3-40E7-A945-90C4D9B58292}"/>
+                <a16:creationId xmlns="" xmlns:a16="http://schemas.microsoft.com/office/drawing/2014/main" id="{F0A4581A-26B3-40E7-A945-90C4D9B58292}"/>
               </a:ext>
             </a:extLst>
           </p:cNvPr>
@@ -23406,17 +23502,38 @@
               <a:buChar char="Ø"/>
             </a:pPr>
             <a:r>
+              <a:rPr lang="en-IN" sz="2000" dirty="0" smtClean="0"/>
+              <a:t>In this neural network code, we are developing </a:t>
+            </a:r>
+            <a:r>
+              <a:rPr lang="en-IN" sz="2000" dirty="0" err="1" smtClean="0"/>
+              <a:t>embeddings</a:t>
+            </a:r>
+            <a:r>
+              <a:rPr lang="en-IN" sz="2000" dirty="0" smtClean="0"/>
+              <a:t> for each word of vocabulary during training. In order to improve the performance (or bleu score) of model, we can try word </a:t>
+            </a:r>
+            <a:r>
+              <a:rPr lang="en-IN" sz="2000" dirty="0" err="1" smtClean="0"/>
+              <a:t>embeddings</a:t>
+            </a:r>
+            <a:r>
+              <a:rPr lang="en-IN" sz="2000" dirty="0" smtClean="0"/>
+              <a:t> of any pre-trained model, such as </a:t>
+            </a:r>
+            <a:r>
+              <a:rPr lang="en-IN" sz="2000" dirty="0" err="1" smtClean="0"/>
+              <a:t>GloVe</a:t>
+            </a:r>
+            <a:r>
               <a:rPr lang="en-IN" sz="2000" dirty="0"/>
-              <a:t>Remove the issue of many “woman” words in captions. This can be done by adding &lt;UNK&gt; (“unknown”) at 0</a:t>
-            </a:r>
-            <a:r>
-              <a:rPr lang="en-IN" sz="2000" baseline="30000" dirty="0"/>
-              <a:t>th</a:t>
-            </a:r>
-            <a:r>
-              <a:rPr lang="en-IN" sz="2000" dirty="0"/>
-              <a:t> index of vocabulary.</a:t>
-            </a:r>
+              <a:t> </a:t>
+            </a:r>
+            <a:r>
+              <a:rPr lang="en-IN" sz="2000" dirty="0" smtClean="0"/>
+              <a:t>(i.e., Global Vector) model.</a:t>
+            </a:r>
+            <a:endParaRPr lang="en-IN" sz="2000" dirty="0" smtClean="0"/>
           </a:p>
           <a:p>
             <a:pPr algn="just">
@@ -23430,8 +23547,12 @@
               <a:buChar char="Ø"/>
             </a:pPr>
             <a:r>
+              <a:rPr lang="en-IN" sz="2000" dirty="0" smtClean="0"/>
+              <a:t>Training </a:t>
+            </a:r>
+            <a:r>
               <a:rPr lang="en-IN" sz="2000" dirty="0"/>
-              <a:t>Training on huge dataset, such MSCOCO, the largest open source dataset for Image Captioning, in order to improve BLEU Score of the model.</a:t>
+              <a:t>on huge dataset, such MSCOCO, the largest open source dataset for Image Captioning, in order to improve BLEU Score of the model.</a:t>
             </a:r>
           </a:p>
         </p:txBody>
@@ -23441,7 +23562,7 @@
           <p:cNvPr id="4" name="Footer Placeholder 3">
             <a:extLst>
               <a:ext uri="{FF2B5EF4-FFF2-40B4-BE49-F238E27FC236}">
-                <a16:creationId xmlns:a16="http://schemas.microsoft.com/office/drawing/2014/main" xmlns="" id="{540972A1-4BB3-4D04-B4DF-C76BA9B5CAD8}"/>
+                <a16:creationId xmlns="" xmlns:a16="http://schemas.microsoft.com/office/drawing/2014/main" id="{540972A1-4BB3-4D04-B4DF-C76BA9B5CAD8}"/>
               </a:ext>
             </a:extLst>
           </p:cNvPr>
@@ -23470,7 +23591,7 @@
           <p:cNvPr id="5" name="Slide Number Placeholder 4">
             <a:extLst>
               <a:ext uri="{FF2B5EF4-FFF2-40B4-BE49-F238E27FC236}">
-                <a16:creationId xmlns:a16="http://schemas.microsoft.com/office/drawing/2014/main" xmlns="" id="{23B5C741-F1AB-463E-B229-974B2924B065}"/>
+                <a16:creationId xmlns="" xmlns:a16="http://schemas.microsoft.com/office/drawing/2014/main" id="{23B5C741-F1AB-463E-B229-974B2924B065}"/>
               </a:ext>
             </a:extLst>
           </p:cNvPr>
@@ -23536,7 +23657,7 @@
           <p:cNvPr id="2" name="Title 1">
             <a:extLst>
               <a:ext uri="{FF2B5EF4-FFF2-40B4-BE49-F238E27FC236}">
-                <a16:creationId xmlns:a16="http://schemas.microsoft.com/office/drawing/2014/main" xmlns="" id="{9F53C0E6-5CA5-48E1-B370-E678425399F4}"/>
+                <a16:creationId xmlns="" xmlns:a16="http://schemas.microsoft.com/office/drawing/2014/main" id="{9F53C0E6-5CA5-48E1-B370-E678425399F4}"/>
               </a:ext>
             </a:extLst>
           </p:cNvPr>
@@ -23569,7 +23690,7 @@
           <p:cNvPr id="3" name="Content Placeholder 2">
             <a:extLst>
               <a:ext uri="{FF2B5EF4-FFF2-40B4-BE49-F238E27FC236}">
-                <a16:creationId xmlns:a16="http://schemas.microsoft.com/office/drawing/2014/main" xmlns="" id="{F0A4581A-26B3-40E7-A945-90C4D9B58292}"/>
+                <a16:creationId xmlns="" xmlns:a16="http://schemas.microsoft.com/office/drawing/2014/main" id="{F0A4581A-26B3-40E7-A945-90C4D9B58292}"/>
               </a:ext>
             </a:extLst>
           </p:cNvPr>
@@ -23614,7 +23735,7 @@
           <p:cNvPr id="4" name="Footer Placeholder 3">
             <a:extLst>
               <a:ext uri="{FF2B5EF4-FFF2-40B4-BE49-F238E27FC236}">
-                <a16:creationId xmlns:a16="http://schemas.microsoft.com/office/drawing/2014/main" xmlns="" id="{540972A1-4BB3-4D04-B4DF-C76BA9B5CAD8}"/>
+                <a16:creationId xmlns="" xmlns:a16="http://schemas.microsoft.com/office/drawing/2014/main" id="{540972A1-4BB3-4D04-B4DF-C76BA9B5CAD8}"/>
               </a:ext>
             </a:extLst>
           </p:cNvPr>
@@ -23643,7 +23764,7 @@
           <p:cNvPr id="5" name="Slide Number Placeholder 4">
             <a:extLst>
               <a:ext uri="{FF2B5EF4-FFF2-40B4-BE49-F238E27FC236}">
-                <a16:creationId xmlns:a16="http://schemas.microsoft.com/office/drawing/2014/main" xmlns="" id="{23B5C741-F1AB-463E-B229-974B2924B065}"/>
+                <a16:creationId xmlns="" xmlns:a16="http://schemas.microsoft.com/office/drawing/2014/main" id="{23B5C741-F1AB-463E-B229-974B2924B065}"/>
               </a:ext>
             </a:extLst>
           </p:cNvPr>
@@ -23709,7 +23830,7 @@
           <p:cNvPr id="2" name="Title 1">
             <a:extLst>
               <a:ext uri="{FF2B5EF4-FFF2-40B4-BE49-F238E27FC236}">
-                <a16:creationId xmlns:a16="http://schemas.microsoft.com/office/drawing/2014/main" xmlns="" id="{9F53C0E6-5CA5-48E1-B370-E678425399F4}"/>
+                <a16:creationId xmlns="" xmlns:a16="http://schemas.microsoft.com/office/drawing/2014/main" id="{9F53C0E6-5CA5-48E1-B370-E678425399F4}"/>
               </a:ext>
             </a:extLst>
           </p:cNvPr>
@@ -23742,7 +23863,7 @@
           <p:cNvPr id="3" name="Content Placeholder 2">
             <a:extLst>
               <a:ext uri="{FF2B5EF4-FFF2-40B4-BE49-F238E27FC236}">
-                <a16:creationId xmlns:a16="http://schemas.microsoft.com/office/drawing/2014/main" xmlns="" id="{F0A4581A-26B3-40E7-A945-90C4D9B58292}"/>
+                <a16:creationId xmlns="" xmlns:a16="http://schemas.microsoft.com/office/drawing/2014/main" id="{F0A4581A-26B3-40E7-A945-90C4D9B58292}"/>
               </a:ext>
             </a:extLst>
           </p:cNvPr>
@@ -23864,7 +23985,7 @@
           <p:cNvPr id="4" name="Footer Placeholder 3">
             <a:extLst>
               <a:ext uri="{FF2B5EF4-FFF2-40B4-BE49-F238E27FC236}">
-                <a16:creationId xmlns:a16="http://schemas.microsoft.com/office/drawing/2014/main" xmlns="" id="{780A2A81-6CFC-4314-AE6C-461D31C0090B}"/>
+                <a16:creationId xmlns="" xmlns:a16="http://schemas.microsoft.com/office/drawing/2014/main" id="{780A2A81-6CFC-4314-AE6C-461D31C0090B}"/>
               </a:ext>
             </a:extLst>
           </p:cNvPr>
@@ -23893,7 +24014,7 @@
           <p:cNvPr id="5" name="Slide Number Placeholder 4">
             <a:extLst>
               <a:ext uri="{FF2B5EF4-FFF2-40B4-BE49-F238E27FC236}">
-                <a16:creationId xmlns:a16="http://schemas.microsoft.com/office/drawing/2014/main" xmlns="" id="{9E8E60AF-E24D-4DCD-9F0A-9E70670E60FF}"/>
+                <a16:creationId xmlns="" xmlns:a16="http://schemas.microsoft.com/office/drawing/2014/main" id="{9E8E60AF-E24D-4DCD-9F0A-9E70670E60FF}"/>
               </a:ext>
             </a:extLst>
           </p:cNvPr>
@@ -23959,7 +24080,7 @@
           <p:cNvPr id="2" name="TextBox 1">
             <a:extLst>
               <a:ext uri="{FF2B5EF4-FFF2-40B4-BE49-F238E27FC236}">
-                <a16:creationId xmlns:a16="http://schemas.microsoft.com/office/drawing/2014/main" xmlns="" id="{55FF0394-BE0D-4E73-AB74-CAA9CAD678A5}"/>
+                <a16:creationId xmlns="" xmlns:a16="http://schemas.microsoft.com/office/drawing/2014/main" id="{55FF0394-BE0D-4E73-AB74-CAA9CAD678A5}"/>
               </a:ext>
             </a:extLst>
           </p:cNvPr>
@@ -23994,7 +24115,7 @@
           <p:cNvPr id="3" name="Footer Placeholder 2">
             <a:extLst>
               <a:ext uri="{FF2B5EF4-FFF2-40B4-BE49-F238E27FC236}">
-                <a16:creationId xmlns:a16="http://schemas.microsoft.com/office/drawing/2014/main" xmlns="" id="{B10B3E08-E062-4DBA-9E4C-84B030193A6F}"/>
+                <a16:creationId xmlns="" xmlns:a16="http://schemas.microsoft.com/office/drawing/2014/main" id="{B10B3E08-E062-4DBA-9E4C-84B030193A6F}"/>
               </a:ext>
             </a:extLst>
           </p:cNvPr>
@@ -24023,7 +24144,7 @@
           <p:cNvPr id="4" name="Slide Number Placeholder 3">
             <a:extLst>
               <a:ext uri="{FF2B5EF4-FFF2-40B4-BE49-F238E27FC236}">
-                <a16:creationId xmlns:a16="http://schemas.microsoft.com/office/drawing/2014/main" xmlns="" id="{AB5D1752-A6EE-4332-87E5-C5378F033BA1}"/>
+                <a16:creationId xmlns="" xmlns:a16="http://schemas.microsoft.com/office/drawing/2014/main" id="{AB5D1752-A6EE-4332-87E5-C5378F033BA1}"/>
               </a:ext>
             </a:extLst>
           </p:cNvPr>
@@ -24089,7 +24210,7 @@
           <p:cNvPr id="2" name="Title 1">
             <a:extLst>
               <a:ext uri="{FF2B5EF4-FFF2-40B4-BE49-F238E27FC236}">
-                <a16:creationId xmlns:a16="http://schemas.microsoft.com/office/drawing/2014/main" xmlns="" id="{9F53C0E6-5CA5-48E1-B370-E678425399F4}"/>
+                <a16:creationId xmlns="" xmlns:a16="http://schemas.microsoft.com/office/drawing/2014/main" id="{9F53C0E6-5CA5-48E1-B370-E678425399F4}"/>
               </a:ext>
             </a:extLst>
           </p:cNvPr>
@@ -24122,7 +24243,7 @@
           <p:cNvPr id="3" name="Content Placeholder 2">
             <a:extLst>
               <a:ext uri="{FF2B5EF4-FFF2-40B4-BE49-F238E27FC236}">
-                <a16:creationId xmlns:a16="http://schemas.microsoft.com/office/drawing/2014/main" xmlns="" id="{F0A4581A-26B3-40E7-A945-90C4D9B58292}"/>
+                <a16:creationId xmlns="" xmlns:a16="http://schemas.microsoft.com/office/drawing/2014/main" id="{F0A4581A-26B3-40E7-A945-90C4D9B58292}"/>
               </a:ext>
             </a:extLst>
           </p:cNvPr>
@@ -24329,7 +24450,7 @@
           <p:cNvPr id="4" name="Footer Placeholder 3">
             <a:extLst>
               <a:ext uri="{FF2B5EF4-FFF2-40B4-BE49-F238E27FC236}">
-                <a16:creationId xmlns:a16="http://schemas.microsoft.com/office/drawing/2014/main" xmlns="" id="{C1F0C447-1F28-4C0D-AB8A-70ED6532C551}"/>
+                <a16:creationId xmlns="" xmlns:a16="http://schemas.microsoft.com/office/drawing/2014/main" id="{C1F0C447-1F28-4C0D-AB8A-70ED6532C551}"/>
               </a:ext>
             </a:extLst>
           </p:cNvPr>
@@ -24358,7 +24479,7 @@
           <p:cNvPr id="5" name="Slide Number Placeholder 4">
             <a:extLst>
               <a:ext uri="{FF2B5EF4-FFF2-40B4-BE49-F238E27FC236}">
-                <a16:creationId xmlns:a16="http://schemas.microsoft.com/office/drawing/2014/main" xmlns="" id="{D8A98920-A7D1-40AB-8422-7F76D9A74450}"/>
+                <a16:creationId xmlns="" xmlns:a16="http://schemas.microsoft.com/office/drawing/2014/main" id="{D8A98920-A7D1-40AB-8422-7F76D9A74450}"/>
               </a:ext>
             </a:extLst>
           </p:cNvPr>
@@ -24424,7 +24545,7 @@
           <p:cNvPr id="2" name="Title 1">
             <a:extLst>
               <a:ext uri="{FF2B5EF4-FFF2-40B4-BE49-F238E27FC236}">
-                <a16:creationId xmlns:a16="http://schemas.microsoft.com/office/drawing/2014/main" xmlns="" id="{9F53C0E6-5CA5-48E1-B370-E678425399F4}"/>
+                <a16:creationId xmlns="" xmlns:a16="http://schemas.microsoft.com/office/drawing/2014/main" id="{9F53C0E6-5CA5-48E1-B370-E678425399F4}"/>
               </a:ext>
             </a:extLst>
           </p:cNvPr>
@@ -24457,7 +24578,7 @@
           <p:cNvPr id="3" name="Content Placeholder 2">
             <a:extLst>
               <a:ext uri="{FF2B5EF4-FFF2-40B4-BE49-F238E27FC236}">
-                <a16:creationId xmlns:a16="http://schemas.microsoft.com/office/drawing/2014/main" xmlns="" id="{F0A4581A-26B3-40E7-A945-90C4D9B58292}"/>
+                <a16:creationId xmlns="" xmlns:a16="http://schemas.microsoft.com/office/drawing/2014/main" id="{F0A4581A-26B3-40E7-A945-90C4D9B58292}"/>
               </a:ext>
             </a:extLst>
           </p:cNvPr>
@@ -24658,7 +24779,7 @@
           <p:cNvPr id="4" name="Footer Placeholder 3">
             <a:extLst>
               <a:ext uri="{FF2B5EF4-FFF2-40B4-BE49-F238E27FC236}">
-                <a16:creationId xmlns:a16="http://schemas.microsoft.com/office/drawing/2014/main" xmlns="" id="{468DB02D-8EA4-498F-B683-EA0654CD2170}"/>
+                <a16:creationId xmlns="" xmlns:a16="http://schemas.microsoft.com/office/drawing/2014/main" id="{468DB02D-8EA4-498F-B683-EA0654CD2170}"/>
               </a:ext>
             </a:extLst>
           </p:cNvPr>
@@ -24687,7 +24808,7 @@
           <p:cNvPr id="5" name="Slide Number Placeholder 4">
             <a:extLst>
               <a:ext uri="{FF2B5EF4-FFF2-40B4-BE49-F238E27FC236}">
-                <a16:creationId xmlns:a16="http://schemas.microsoft.com/office/drawing/2014/main" xmlns="" id="{6D5A5A2A-7919-4717-A349-4EC0FC1119D4}"/>
+                <a16:creationId xmlns="" xmlns:a16="http://schemas.microsoft.com/office/drawing/2014/main" id="{6D5A5A2A-7919-4717-A349-4EC0FC1119D4}"/>
               </a:ext>
             </a:extLst>
           </p:cNvPr>
@@ -24753,7 +24874,7 @@
           <p:cNvPr id="2" name="Title 1">
             <a:extLst>
               <a:ext uri="{FF2B5EF4-FFF2-40B4-BE49-F238E27FC236}">
-                <a16:creationId xmlns:a16="http://schemas.microsoft.com/office/drawing/2014/main" xmlns="" id="{9F53C0E6-5CA5-48E1-B370-E678425399F4}"/>
+                <a16:creationId xmlns="" xmlns:a16="http://schemas.microsoft.com/office/drawing/2014/main" id="{9F53C0E6-5CA5-48E1-B370-E678425399F4}"/>
               </a:ext>
             </a:extLst>
           </p:cNvPr>
@@ -24786,7 +24907,7 @@
           <p:cNvPr id="3" name="Content Placeholder 2">
             <a:extLst>
               <a:ext uri="{FF2B5EF4-FFF2-40B4-BE49-F238E27FC236}">
-                <a16:creationId xmlns:a16="http://schemas.microsoft.com/office/drawing/2014/main" xmlns="" id="{F0A4581A-26B3-40E7-A945-90C4D9B58292}"/>
+                <a16:creationId xmlns="" xmlns:a16="http://schemas.microsoft.com/office/drawing/2014/main" id="{F0A4581A-26B3-40E7-A945-90C4D9B58292}"/>
               </a:ext>
             </a:extLst>
           </p:cNvPr>
@@ -24909,7 +25030,7 @@
           <p:cNvPr id="4" name="Footer Placeholder 3">
             <a:extLst>
               <a:ext uri="{FF2B5EF4-FFF2-40B4-BE49-F238E27FC236}">
-                <a16:creationId xmlns:a16="http://schemas.microsoft.com/office/drawing/2014/main" xmlns="" id="{B97B25CD-0BD4-4D74-9919-A088ED2230BC}"/>
+                <a16:creationId xmlns="" xmlns:a16="http://schemas.microsoft.com/office/drawing/2014/main" id="{B97B25CD-0BD4-4D74-9919-A088ED2230BC}"/>
               </a:ext>
             </a:extLst>
           </p:cNvPr>
@@ -24938,7 +25059,7 @@
           <p:cNvPr id="5" name="Slide Number Placeholder 4">
             <a:extLst>
               <a:ext uri="{FF2B5EF4-FFF2-40B4-BE49-F238E27FC236}">
-                <a16:creationId xmlns:a16="http://schemas.microsoft.com/office/drawing/2014/main" xmlns="" id="{26052105-53FA-4F13-AD4C-C4FE4A2E522F}"/>
+                <a16:creationId xmlns="" xmlns:a16="http://schemas.microsoft.com/office/drawing/2014/main" id="{26052105-53FA-4F13-AD4C-C4FE4A2E522F}"/>
               </a:ext>
             </a:extLst>
           </p:cNvPr>
@@ -25004,7 +25125,7 @@
           <p:cNvPr id="2" name="Title 1">
             <a:extLst>
               <a:ext uri="{FF2B5EF4-FFF2-40B4-BE49-F238E27FC236}">
-                <a16:creationId xmlns:a16="http://schemas.microsoft.com/office/drawing/2014/main" xmlns="" id="{9F53C0E6-5CA5-48E1-B370-E678425399F4}"/>
+                <a16:creationId xmlns="" xmlns:a16="http://schemas.microsoft.com/office/drawing/2014/main" id="{9F53C0E6-5CA5-48E1-B370-E678425399F4}"/>
               </a:ext>
             </a:extLst>
           </p:cNvPr>
@@ -25038,7 +25159,7 @@
           <p:cNvPr id="3" name="Content Placeholder 2">
             <a:extLst>
               <a:ext uri="{FF2B5EF4-FFF2-40B4-BE49-F238E27FC236}">
-                <a16:creationId xmlns:a16="http://schemas.microsoft.com/office/drawing/2014/main" xmlns="" id="{F0A4581A-26B3-40E7-A945-90C4D9B58292}"/>
+                <a16:creationId xmlns="" xmlns:a16="http://schemas.microsoft.com/office/drawing/2014/main" id="{F0A4581A-26B3-40E7-A945-90C4D9B58292}"/>
               </a:ext>
             </a:extLst>
           </p:cNvPr>
@@ -25191,7 +25312,7 @@
           <p:cNvPr id="4" name="Footer Placeholder 3">
             <a:extLst>
               <a:ext uri="{FF2B5EF4-FFF2-40B4-BE49-F238E27FC236}">
-                <a16:creationId xmlns:a16="http://schemas.microsoft.com/office/drawing/2014/main" xmlns="" id="{540972A1-4BB3-4D04-B4DF-C76BA9B5CAD8}"/>
+                <a16:creationId xmlns="" xmlns:a16="http://schemas.microsoft.com/office/drawing/2014/main" id="{540972A1-4BB3-4D04-B4DF-C76BA9B5CAD8}"/>
               </a:ext>
             </a:extLst>
           </p:cNvPr>
@@ -25220,7 +25341,7 @@
           <p:cNvPr id="5" name="Slide Number Placeholder 4">
             <a:extLst>
               <a:ext uri="{FF2B5EF4-FFF2-40B4-BE49-F238E27FC236}">
-                <a16:creationId xmlns:a16="http://schemas.microsoft.com/office/drawing/2014/main" xmlns="" id="{23B5C741-F1AB-463E-B229-974B2924B065}"/>
+                <a16:creationId xmlns="" xmlns:a16="http://schemas.microsoft.com/office/drawing/2014/main" id="{23B5C741-F1AB-463E-B229-974B2924B065}"/>
               </a:ext>
             </a:extLst>
           </p:cNvPr>
@@ -25286,7 +25407,7 @@
           <p:cNvPr id="2" name="Title 1">
             <a:extLst>
               <a:ext uri="{FF2B5EF4-FFF2-40B4-BE49-F238E27FC236}">
-                <a16:creationId xmlns:a16="http://schemas.microsoft.com/office/drawing/2014/main" xmlns="" id="{9F53C0E6-5CA5-48E1-B370-E678425399F4}"/>
+                <a16:creationId xmlns="" xmlns:a16="http://schemas.microsoft.com/office/drawing/2014/main" id="{9F53C0E6-5CA5-48E1-B370-E678425399F4}"/>
               </a:ext>
             </a:extLst>
           </p:cNvPr>
@@ -25320,7 +25441,7 @@
           <p:cNvPr id="3" name="Content Placeholder 2">
             <a:extLst>
               <a:ext uri="{FF2B5EF4-FFF2-40B4-BE49-F238E27FC236}">
-                <a16:creationId xmlns:a16="http://schemas.microsoft.com/office/drawing/2014/main" xmlns="" id="{F0A4581A-26B3-40E7-A945-90C4D9B58292}"/>
+                <a16:creationId xmlns="" xmlns:a16="http://schemas.microsoft.com/office/drawing/2014/main" id="{F0A4581A-26B3-40E7-A945-90C4D9B58292}"/>
               </a:ext>
             </a:extLst>
           </p:cNvPr>
@@ -25475,7 +25596,7 @@
           <p:cNvPr id="4" name="Footer Placeholder 3">
             <a:extLst>
               <a:ext uri="{FF2B5EF4-FFF2-40B4-BE49-F238E27FC236}">
-                <a16:creationId xmlns:a16="http://schemas.microsoft.com/office/drawing/2014/main" xmlns="" id="{540972A1-4BB3-4D04-B4DF-C76BA9B5CAD8}"/>
+                <a16:creationId xmlns="" xmlns:a16="http://schemas.microsoft.com/office/drawing/2014/main" id="{540972A1-4BB3-4D04-B4DF-C76BA9B5CAD8}"/>
               </a:ext>
             </a:extLst>
           </p:cNvPr>
@@ -25504,7 +25625,7 @@
           <p:cNvPr id="5" name="Slide Number Placeholder 4">
             <a:extLst>
               <a:ext uri="{FF2B5EF4-FFF2-40B4-BE49-F238E27FC236}">
-                <a16:creationId xmlns:a16="http://schemas.microsoft.com/office/drawing/2014/main" xmlns="" id="{23B5C741-F1AB-463E-B229-974B2924B065}"/>
+                <a16:creationId xmlns="" xmlns:a16="http://schemas.microsoft.com/office/drawing/2014/main" id="{23B5C741-F1AB-463E-B229-974B2924B065}"/>
               </a:ext>
             </a:extLst>
           </p:cNvPr>
@@ -26228,7 +26349,7 @@
   <a:extraClrSchemeLst/>
   <a:extLst>
     <a:ext uri="{05A4C25C-085E-4340-85A3-A5531E510DB2}">
-      <thm15:themeFamily xmlns:thm15="http://schemas.microsoft.com/office/thememl/2012/main" xmlns="" name="Office Theme" id="{62F939B6-93AF-4DB8-9C6B-D6C7DFDC589F}" vid="{4A3C46E8-61CC-4603-A589-7422A47A8E4A}"/>
+      <thm15:themeFamily xmlns="" xmlns:thm15="http://schemas.microsoft.com/office/thememl/2012/main" name="Office Theme" id="{62F939B6-93AF-4DB8-9C6B-D6C7DFDC589F}" vid="{4A3C46E8-61CC-4603-A589-7422A47A8E4A}"/>
     </a:ext>
   </a:extLst>
 </a:theme>
@@ -26523,7 +26644,7 @@
   <a:extraClrSchemeLst/>
   <a:extLst>
     <a:ext uri="{05A4C25C-085E-4340-85A3-A5531E510DB2}">
-      <thm15:themeFamily xmlns:thm15="http://schemas.microsoft.com/office/thememl/2012/main" xmlns="" name="Office Theme" id="{62F939B6-93AF-4DB8-9C6B-D6C7DFDC589F}" vid="{4A3C46E8-61CC-4603-A589-7422A47A8E4A}"/>
+      <thm15:themeFamily xmlns="" xmlns:thm15="http://schemas.microsoft.com/office/thememl/2012/main" name="Office Theme" id="{62F939B6-93AF-4DB8-9C6B-D6C7DFDC589F}" vid="{4A3C46E8-61CC-4603-A589-7422A47A8E4A}"/>
     </a:ext>
   </a:extLst>
 </a:theme>

--- a/readme.pptx
+++ b/readme.pptx
@@ -5,7 +5,7 @@
     <p:sldMasterId id="2147483648" r:id="rId1"/>
   </p:sldMasterIdLst>
   <p:notesMasterIdLst>
-    <p:notesMasterId r:id="rId42"/>
+    <p:notesMasterId r:id="rId44"/>
   </p:notesMasterIdLst>
   <p:sldIdLst>
     <p:sldId id="256" r:id="rId2"/>
@@ -40,14 +40,16 @@
     <p:sldId id="284" r:id="rId31"/>
     <p:sldId id="309" r:id="rId32"/>
     <p:sldId id="310" r:id="rId33"/>
-    <p:sldId id="305" r:id="rId34"/>
-    <p:sldId id="291" r:id="rId35"/>
-    <p:sldId id="292" r:id="rId36"/>
-    <p:sldId id="293" r:id="rId37"/>
-    <p:sldId id="294" r:id="rId38"/>
-    <p:sldId id="295" r:id="rId39"/>
-    <p:sldId id="307" r:id="rId40"/>
-    <p:sldId id="258" r:id="rId41"/>
+    <p:sldId id="311" r:id="rId34"/>
+    <p:sldId id="312" r:id="rId35"/>
+    <p:sldId id="305" r:id="rId36"/>
+    <p:sldId id="291" r:id="rId37"/>
+    <p:sldId id="292" r:id="rId38"/>
+    <p:sldId id="293" r:id="rId39"/>
+    <p:sldId id="294" r:id="rId40"/>
+    <p:sldId id="295" r:id="rId41"/>
+    <p:sldId id="307" r:id="rId42"/>
+    <p:sldId id="258" r:id="rId43"/>
   </p:sldIdLst>
   <p:sldSz cx="12192000" cy="6858000"/>
   <p:notesSz cx="6858000" cy="9144000"/>
@@ -21585,6 +21587,44 @@
       </p:grpSpPr>
       <p:sp>
         <p:nvSpPr>
+          <p:cNvPr id="7" name="Rounded Rectangle 6"/>
+          <p:cNvSpPr/>
+          <p:nvPr/>
+        </p:nvSpPr>
+        <p:spPr>
+          <a:xfrm>
+            <a:off x="1188720" y="3985914"/>
+            <a:ext cx="1844040" cy="2171046"/>
+          </a:xfrm>
+          <a:prstGeom prst="roundRect">
+            <a:avLst/>
+          </a:prstGeom>
+        </p:spPr>
+        <p:style>
+          <a:lnRef idx="2">
+            <a:schemeClr val="accent1"/>
+          </a:lnRef>
+          <a:fillRef idx="1">
+            <a:schemeClr val="lt1"/>
+          </a:fillRef>
+          <a:effectRef idx="0">
+            <a:schemeClr val="accent1"/>
+          </a:effectRef>
+          <a:fontRef idx="minor">
+            <a:schemeClr val="dk1"/>
+          </a:fontRef>
+        </p:style>
+        <p:txBody>
+          <a:bodyPr rtlCol="0" anchor="ctr"/>
+          <a:lstStyle/>
+          <a:p>
+            <a:pPr algn="ctr"/>
+            <a:endParaRPr lang="en-GB"/>
+          </a:p>
+        </p:txBody>
+      </p:sp>
+      <p:sp>
+        <p:nvSpPr>
           <p:cNvPr id="2" name="Title 1">
             <a:extLst>
               <a:ext uri="{FF2B5EF4-FFF2-40B4-BE49-F238E27FC236}">
@@ -21740,8 +21780,13 @@
             </a:pPr>
             <a:r>
               <a:rPr lang="en-IN" sz="2000" dirty="0" smtClean="0"/>
-              <a:t>Pre-trained model used: InceptionV3 to generate (8 x 8 x 2048) dimensional bottleneck feature.</a:t>
-            </a:r>
+              <a:t>Pre-trained model used: InceptionV3 to generate (8 x 8 x 2048) dimensional bottleneck feature</a:t>
+            </a:r>
+            <a:r>
+              <a:rPr lang="en-IN" sz="2000" dirty="0" smtClean="0"/>
+              <a:t>. These (8 x 8 x 2048) bottleneck features are reshaped to (64 x 2048) dimension and then saved.</a:t>
+            </a:r>
+            <a:endParaRPr lang="en-IN" sz="2000" dirty="0"/>
           </a:p>
           <a:p>
             <a:pPr algn="just">
@@ -21754,7 +21799,18 @@
               <a:buFont typeface="Wingdings" panose="05000000000000000000" pitchFamily="2" charset="2"/>
               <a:buChar char="Ø"/>
             </a:pPr>
-            <a:endParaRPr lang="en-IN" sz="2000" dirty="0"/>
+            <a:r>
+              <a:rPr lang="en-IN" sz="2000" dirty="0" smtClean="0"/>
+              <a:t>Following is the snapshot of the entire Neural Network with Visual Attention Mechanism for Image Captioning (</a:t>
+            </a:r>
+            <a:r>
+              <a:rPr lang="en-IN" sz="2000" dirty="0" err="1" smtClean="0"/>
+              <a:t>bs</a:t>
+            </a:r>
+            <a:r>
+              <a:rPr lang="en-IN" sz="2000" dirty="0" smtClean="0"/>
+              <a:t>: batch size):</a:t>
+            </a:r>
           </a:p>
         </p:txBody>
       </p:sp>
@@ -21812,7 +21868,7 @@
               <a:rPr lang="en-IN" smtClean="0"/>
               <a:t>31</a:t>
             </a:fld>
-            <a:endParaRPr lang="en-IN"/>
+            <a:endParaRPr lang="en-IN" dirty="0"/>
           </a:p>
         </p:txBody>
       </p:sp>
@@ -21825,7 +21881,7 @@
           <p:nvPr>
             <p:extLst>
               <p:ext uri="{D42A27DB-BD31-4B8C-83A1-F6EECF244321}">
-                <p14:modId xmlns:p14="http://schemas.microsoft.com/office/powerpoint/2010/main" val="1727067879"/>
+                <p14:modId xmlns:p14="http://schemas.microsoft.com/office/powerpoint/2010/main" val="630186616"/>
               </p:ext>
             </p:extLst>
           </p:nvPr>
@@ -21940,6 +21996,823 @@
           </a:graphicData>
         </a:graphic>
       </p:graphicFrame>
+      <p:pic>
+        <p:nvPicPr>
+          <p:cNvPr id="1026" name="Picture 2" descr="Z:\asia_market_feat.jpg"/>
+          <p:cNvPicPr>
+            <a:picLocks noChangeAspect="1" noChangeArrowheads="1"/>
+          </p:cNvPicPr>
+          <p:nvPr/>
+        </p:nvPicPr>
+        <p:blipFill>
+          <a:blip r:embed="rId2" cstate="print">
+            <a:extLst>
+              <a:ext uri="{28A0092B-C50C-407E-A947-70E740481C1C}">
+                <a14:useLocalDpi xmlns:a14="http://schemas.microsoft.com/office/drawing/2010/main" val="0"/>
+              </a:ext>
+            </a:extLst>
+          </a:blip>
+          <a:srcRect/>
+          <a:stretch>
+            <a:fillRect/>
+          </a:stretch>
+        </p:blipFill>
+        <p:spPr bwMode="auto">
+          <a:xfrm>
+            <a:off x="1306830" y="4138641"/>
+            <a:ext cx="1588770" cy="608943"/>
+          </a:xfrm>
+          <a:prstGeom prst="rect">
+            <a:avLst/>
+          </a:prstGeom>
+          <a:noFill/>
+          <a:extLst>
+            <a:ext uri="{909E8E84-426E-40DD-AFC4-6F175D3DCCD1}">
+              <a14:hiddenFill xmlns:a14="http://schemas.microsoft.com/office/drawing/2010/main">
+                <a:solidFill>
+                  <a:srgbClr val="FFFFFF"/>
+                </a:solidFill>
+              </a14:hiddenFill>
+            </a:ext>
+          </a:extLst>
+        </p:spPr>
+      </p:pic>
+      <p:pic>
+        <p:nvPicPr>
+          <p:cNvPr id="1027" name="Picture 3" descr="Z:\cars.jpg"/>
+          <p:cNvPicPr>
+            <a:picLocks noChangeAspect="1" noChangeArrowheads="1"/>
+          </p:cNvPicPr>
+          <p:nvPr/>
+        </p:nvPicPr>
+        <p:blipFill>
+          <a:blip r:embed="rId3" cstate="print">
+            <a:extLst>
+              <a:ext uri="{28A0092B-C50C-407E-A947-70E740481C1C}">
+                <a14:useLocalDpi xmlns:a14="http://schemas.microsoft.com/office/drawing/2010/main" val="0"/>
+              </a:ext>
+            </a:extLst>
+          </a:blip>
+          <a:srcRect/>
+          <a:stretch>
+            <a:fillRect/>
+          </a:stretch>
+        </p:blipFill>
+        <p:spPr bwMode="auto">
+          <a:xfrm>
+            <a:off x="1306830" y="5403560"/>
+            <a:ext cx="1588770" cy="608943"/>
+          </a:xfrm>
+          <a:prstGeom prst="rect">
+            <a:avLst/>
+          </a:prstGeom>
+          <a:noFill/>
+          <a:extLst>
+            <a:ext uri="{909E8E84-426E-40DD-AFC4-6F175D3DCCD1}">
+              <a14:hiddenFill xmlns:a14="http://schemas.microsoft.com/office/drawing/2010/main">
+                <a:solidFill>
+                  <a:srgbClr val="FFFFFF"/>
+                </a:solidFill>
+              </a14:hiddenFill>
+            </a:ext>
+          </a:extLst>
+        </p:spPr>
+      </p:pic>
+      <p:cxnSp>
+        <p:nvCxnSpPr>
+          <p:cNvPr id="9" name="Straight Connector 8"/>
+          <p:cNvCxnSpPr/>
+          <p:nvPr/>
+        </p:nvCxnSpPr>
+        <p:spPr>
+          <a:xfrm>
+            <a:off x="2101215" y="4769368"/>
+            <a:ext cx="0" cy="642889"/>
+          </a:xfrm>
+          <a:prstGeom prst="line">
+            <a:avLst/>
+          </a:prstGeom>
+          <a:ln w="25400">
+            <a:solidFill>
+              <a:schemeClr val="tx1"/>
+            </a:solidFill>
+            <a:prstDash val="sysDash"/>
+          </a:ln>
+        </p:spPr>
+        <p:style>
+          <a:lnRef idx="1">
+            <a:schemeClr val="accent1"/>
+          </a:lnRef>
+          <a:fillRef idx="0">
+            <a:schemeClr val="accent1"/>
+          </a:fillRef>
+          <a:effectRef idx="0">
+            <a:schemeClr val="accent1"/>
+          </a:effectRef>
+          <a:fontRef idx="minor">
+            <a:schemeClr val="tx1"/>
+          </a:fontRef>
+        </p:style>
+      </p:cxnSp>
+      <p:sp>
+        <p:nvSpPr>
+          <p:cNvPr id="14" name="TextBox 13"/>
+          <p:cNvSpPr txBox="1"/>
+          <p:nvPr/>
+        </p:nvSpPr>
+        <p:spPr>
+          <a:xfrm>
+            <a:off x="1036320" y="6134752"/>
+            <a:ext cx="2148840" cy="338554"/>
+          </a:xfrm>
+          <a:prstGeom prst="rect">
+            <a:avLst/>
+          </a:prstGeom>
+          <a:noFill/>
+        </p:spPr>
+        <p:txBody>
+          <a:bodyPr wrap="square" rtlCol="0">
+            <a:spAutoFit/>
+          </a:bodyPr>
+          <a:lstStyle/>
+          <a:p>
+            <a:pPr algn="just"/>
+            <a:r>
+              <a:rPr lang="en-US" sz="1600" dirty="0" smtClean="0"/>
+              <a:t>“</a:t>
+            </a:r>
+            <a:r>
+              <a:rPr lang="en-US" sz="1600" dirty="0" err="1" smtClean="0"/>
+              <a:t>bs</a:t>
+            </a:r>
+            <a:r>
+              <a:rPr lang="en-US" sz="1600" dirty="0" smtClean="0"/>
+              <a:t>” images - diff. dims.</a:t>
+            </a:r>
+            <a:endParaRPr lang="en-GB" sz="1600" dirty="0"/>
+          </a:p>
+        </p:txBody>
+      </p:sp>
+      <p:sp>
+        <p:nvSpPr>
+          <p:cNvPr id="17" name="Rounded Rectangle 16"/>
+          <p:cNvSpPr/>
+          <p:nvPr/>
+        </p:nvSpPr>
+        <p:spPr>
+          <a:xfrm>
+            <a:off x="4099560" y="3985914"/>
+            <a:ext cx="1844040" cy="2171046"/>
+          </a:xfrm>
+          <a:prstGeom prst="roundRect">
+            <a:avLst/>
+          </a:prstGeom>
+        </p:spPr>
+        <p:style>
+          <a:lnRef idx="2">
+            <a:schemeClr val="accent1"/>
+          </a:lnRef>
+          <a:fillRef idx="1">
+            <a:schemeClr val="lt1"/>
+          </a:fillRef>
+          <a:effectRef idx="0">
+            <a:schemeClr val="accent1"/>
+          </a:effectRef>
+          <a:fontRef idx="minor">
+            <a:schemeClr val="dk1"/>
+          </a:fontRef>
+        </p:style>
+        <p:txBody>
+          <a:bodyPr rtlCol="0" anchor="ctr"/>
+          <a:lstStyle/>
+          <a:p>
+            <a:pPr algn="ctr"/>
+            <a:endParaRPr lang="en-GB"/>
+          </a:p>
+        </p:txBody>
+      </p:sp>
+      <p:pic>
+        <p:nvPicPr>
+          <p:cNvPr id="18" name="Picture 2" descr="Z:\asia_market_feat.jpg"/>
+          <p:cNvPicPr>
+            <a:picLocks noChangeAspect="1" noChangeArrowheads="1"/>
+          </p:cNvPicPr>
+          <p:nvPr/>
+        </p:nvPicPr>
+        <p:blipFill>
+          <a:blip r:embed="rId2" cstate="print">
+            <a:extLst>
+              <a:ext uri="{28A0092B-C50C-407E-A947-70E740481C1C}">
+                <a14:useLocalDpi xmlns:a14="http://schemas.microsoft.com/office/drawing/2010/main" val="0"/>
+              </a:ext>
+            </a:extLst>
+          </a:blip>
+          <a:srcRect/>
+          <a:stretch>
+            <a:fillRect/>
+          </a:stretch>
+        </p:blipFill>
+        <p:spPr bwMode="auto">
+          <a:xfrm>
+            <a:off x="4217670" y="4138641"/>
+            <a:ext cx="1588770" cy="608943"/>
+          </a:xfrm>
+          <a:prstGeom prst="rect">
+            <a:avLst/>
+          </a:prstGeom>
+          <a:noFill/>
+          <a:extLst>
+            <a:ext uri="{909E8E84-426E-40DD-AFC4-6F175D3DCCD1}">
+              <a14:hiddenFill xmlns:a14="http://schemas.microsoft.com/office/drawing/2010/main">
+                <a:solidFill>
+                  <a:srgbClr val="FFFFFF"/>
+                </a:solidFill>
+              </a14:hiddenFill>
+            </a:ext>
+          </a:extLst>
+        </p:spPr>
+      </p:pic>
+      <p:pic>
+        <p:nvPicPr>
+          <p:cNvPr id="19" name="Picture 3" descr="Z:\cars.jpg"/>
+          <p:cNvPicPr>
+            <a:picLocks noChangeAspect="1" noChangeArrowheads="1"/>
+          </p:cNvPicPr>
+          <p:nvPr/>
+        </p:nvPicPr>
+        <p:blipFill>
+          <a:blip r:embed="rId3" cstate="print">
+            <a:extLst>
+              <a:ext uri="{28A0092B-C50C-407E-A947-70E740481C1C}">
+                <a14:useLocalDpi xmlns:a14="http://schemas.microsoft.com/office/drawing/2010/main" val="0"/>
+              </a:ext>
+            </a:extLst>
+          </a:blip>
+          <a:srcRect/>
+          <a:stretch>
+            <a:fillRect/>
+          </a:stretch>
+        </p:blipFill>
+        <p:spPr bwMode="auto">
+          <a:xfrm>
+            <a:off x="4217670" y="5403560"/>
+            <a:ext cx="1588770" cy="608943"/>
+          </a:xfrm>
+          <a:prstGeom prst="rect">
+            <a:avLst/>
+          </a:prstGeom>
+          <a:noFill/>
+          <a:extLst>
+            <a:ext uri="{909E8E84-426E-40DD-AFC4-6F175D3DCCD1}">
+              <a14:hiddenFill xmlns:a14="http://schemas.microsoft.com/office/drawing/2010/main">
+                <a:solidFill>
+                  <a:srgbClr val="FFFFFF"/>
+                </a:solidFill>
+              </a14:hiddenFill>
+            </a:ext>
+          </a:extLst>
+        </p:spPr>
+      </p:pic>
+      <p:cxnSp>
+        <p:nvCxnSpPr>
+          <p:cNvPr id="20" name="Straight Connector 19"/>
+          <p:cNvCxnSpPr/>
+          <p:nvPr/>
+        </p:nvCxnSpPr>
+        <p:spPr>
+          <a:xfrm>
+            <a:off x="5012055" y="4769368"/>
+            <a:ext cx="0" cy="642889"/>
+          </a:xfrm>
+          <a:prstGeom prst="line">
+            <a:avLst/>
+          </a:prstGeom>
+          <a:ln w="25400">
+            <a:solidFill>
+              <a:schemeClr val="tx1"/>
+            </a:solidFill>
+            <a:prstDash val="sysDash"/>
+          </a:ln>
+        </p:spPr>
+        <p:style>
+          <a:lnRef idx="1">
+            <a:schemeClr val="accent1"/>
+          </a:lnRef>
+          <a:fillRef idx="0">
+            <a:schemeClr val="accent1"/>
+          </a:fillRef>
+          <a:effectRef idx="0">
+            <a:schemeClr val="accent1"/>
+          </a:effectRef>
+          <a:fontRef idx="minor">
+            <a:schemeClr val="tx1"/>
+          </a:fontRef>
+        </p:style>
+      </p:cxnSp>
+      <p:sp>
+        <p:nvSpPr>
+          <p:cNvPr id="21" name="TextBox 20"/>
+          <p:cNvSpPr txBox="1"/>
+          <p:nvPr/>
+        </p:nvSpPr>
+        <p:spPr>
+          <a:xfrm>
+            <a:off x="4251960" y="6134752"/>
+            <a:ext cx="1600200" cy="338554"/>
+          </a:xfrm>
+          <a:prstGeom prst="rect">
+            <a:avLst/>
+          </a:prstGeom>
+          <a:noFill/>
+        </p:spPr>
+        <p:txBody>
+          <a:bodyPr wrap="square" rtlCol="0">
+            <a:spAutoFit/>
+          </a:bodyPr>
+          <a:lstStyle/>
+          <a:p>
+            <a:pPr algn="ctr"/>
+            <a:r>
+              <a:rPr lang="en-US" sz="1600" dirty="0" smtClean="0"/>
+              <a:t>(</a:t>
+            </a:r>
+            <a:r>
+              <a:rPr lang="en-US" sz="1600" dirty="0" err="1" smtClean="0"/>
+              <a:t>bs</a:t>
+            </a:r>
+            <a:r>
+              <a:rPr lang="en-US" sz="1600" dirty="0" smtClean="0"/>
+              <a:t>, 299, 299, 3)</a:t>
+            </a:r>
+            <a:endParaRPr lang="en-GB" sz="1600" dirty="0"/>
+          </a:p>
+        </p:txBody>
+      </p:sp>
+      <p:sp>
+        <p:nvSpPr>
+          <p:cNvPr id="15" name="Right Arrow 14"/>
+          <p:cNvSpPr/>
+          <p:nvPr/>
+        </p:nvSpPr>
+        <p:spPr>
+          <a:xfrm>
+            <a:off x="3032760" y="4909020"/>
+            <a:ext cx="1066800" cy="363584"/>
+          </a:xfrm>
+          <a:prstGeom prst="rightArrow">
+            <a:avLst/>
+          </a:prstGeom>
+        </p:spPr>
+        <p:style>
+          <a:lnRef idx="2">
+            <a:schemeClr val="accent1">
+              <a:shade val="50000"/>
+            </a:schemeClr>
+          </a:lnRef>
+          <a:fillRef idx="1">
+            <a:schemeClr val="accent1"/>
+          </a:fillRef>
+          <a:effectRef idx="0">
+            <a:schemeClr val="accent1"/>
+          </a:effectRef>
+          <a:fontRef idx="minor">
+            <a:schemeClr val="lt1"/>
+          </a:fontRef>
+        </p:style>
+        <p:txBody>
+          <a:bodyPr rtlCol="0" anchor="ctr"/>
+          <a:lstStyle/>
+          <a:p>
+            <a:pPr algn="ctr"/>
+            <a:endParaRPr lang="en-GB"/>
+          </a:p>
+        </p:txBody>
+      </p:sp>
+      <p:sp>
+        <p:nvSpPr>
+          <p:cNvPr id="16" name="TextBox 15"/>
+          <p:cNvSpPr txBox="1"/>
+          <p:nvPr/>
+        </p:nvSpPr>
+        <p:spPr>
+          <a:xfrm>
+            <a:off x="2948940" y="4080628"/>
+            <a:ext cx="1234440" cy="877163"/>
+          </a:xfrm>
+          <a:prstGeom prst="rect">
+            <a:avLst/>
+          </a:prstGeom>
+          <a:noFill/>
+        </p:spPr>
+        <p:txBody>
+          <a:bodyPr wrap="square" rtlCol="0">
+            <a:spAutoFit/>
+          </a:bodyPr>
+          <a:lstStyle/>
+          <a:p>
+            <a:pPr algn="ctr"/>
+            <a:r>
+              <a:rPr lang="en-US" sz="1700" dirty="0" smtClean="0"/>
+              <a:t>Reshape images to (299,299,3)</a:t>
+            </a:r>
+            <a:endParaRPr lang="en-GB" sz="1700" dirty="0"/>
+          </a:p>
+        </p:txBody>
+      </p:sp>
+      <p:sp>
+        <p:nvSpPr>
+          <p:cNvPr id="22" name="Cube 21"/>
+          <p:cNvSpPr/>
+          <p:nvPr/>
+        </p:nvSpPr>
+        <p:spPr>
+          <a:xfrm>
+            <a:off x="6553200" y="4443112"/>
+            <a:ext cx="1216152" cy="1216152"/>
+          </a:xfrm>
+          <a:prstGeom prst="cube">
+            <a:avLst/>
+          </a:prstGeom>
+        </p:spPr>
+        <p:style>
+          <a:lnRef idx="2">
+            <a:schemeClr val="accent1">
+              <a:shade val="50000"/>
+            </a:schemeClr>
+          </a:lnRef>
+          <a:fillRef idx="1">
+            <a:schemeClr val="accent1"/>
+          </a:fillRef>
+          <a:effectRef idx="0">
+            <a:schemeClr val="accent1"/>
+          </a:effectRef>
+          <a:fontRef idx="minor">
+            <a:schemeClr val="lt1"/>
+          </a:fontRef>
+        </p:style>
+        <p:txBody>
+          <a:bodyPr rtlCol="0" anchor="ctr"/>
+          <a:lstStyle/>
+          <a:p>
+            <a:pPr algn="ctr"/>
+            <a:endParaRPr lang="en-GB"/>
+          </a:p>
+        </p:txBody>
+      </p:sp>
+      <p:sp>
+        <p:nvSpPr>
+          <p:cNvPr id="23" name="TextBox 22"/>
+          <p:cNvSpPr txBox="1"/>
+          <p:nvPr/>
+        </p:nvSpPr>
+        <p:spPr>
+          <a:xfrm>
+            <a:off x="6530808" y="5652193"/>
+            <a:ext cx="1238544" cy="338554"/>
+          </a:xfrm>
+          <a:prstGeom prst="rect">
+            <a:avLst/>
+          </a:prstGeom>
+          <a:noFill/>
+        </p:spPr>
+        <p:txBody>
+          <a:bodyPr wrap="none" rtlCol="0">
+            <a:spAutoFit/>
+          </a:bodyPr>
+          <a:lstStyle/>
+          <a:p>
+            <a:r>
+              <a:rPr lang="en-US" sz="1600" dirty="0" smtClean="0"/>
+              <a:t>Inception V3</a:t>
+            </a:r>
+            <a:endParaRPr lang="en-GB" sz="1600" dirty="0"/>
+          </a:p>
+        </p:txBody>
+      </p:sp>
+      <p:sp>
+        <p:nvSpPr>
+          <p:cNvPr id="26" name="Right Arrow 25"/>
+          <p:cNvSpPr/>
+          <p:nvPr/>
+        </p:nvSpPr>
+        <p:spPr>
+          <a:xfrm>
+            <a:off x="5943600" y="4889645"/>
+            <a:ext cx="609600" cy="363584"/>
+          </a:xfrm>
+          <a:prstGeom prst="rightArrow">
+            <a:avLst/>
+          </a:prstGeom>
+        </p:spPr>
+        <p:style>
+          <a:lnRef idx="2">
+            <a:schemeClr val="accent1">
+              <a:shade val="50000"/>
+            </a:schemeClr>
+          </a:lnRef>
+          <a:fillRef idx="1">
+            <a:schemeClr val="accent1"/>
+          </a:fillRef>
+          <a:effectRef idx="0">
+            <a:schemeClr val="accent1"/>
+          </a:effectRef>
+          <a:fontRef idx="minor">
+            <a:schemeClr val="lt1"/>
+          </a:fontRef>
+        </p:style>
+        <p:txBody>
+          <a:bodyPr rtlCol="0" anchor="ctr"/>
+          <a:lstStyle/>
+          <a:p>
+            <a:pPr algn="ctr"/>
+            <a:endParaRPr lang="en-GB"/>
+          </a:p>
+        </p:txBody>
+      </p:sp>
+      <p:sp>
+        <p:nvSpPr>
+          <p:cNvPr id="24" name="Flowchart: Multidocument 23"/>
+          <p:cNvSpPr/>
+          <p:nvPr/>
+        </p:nvSpPr>
+        <p:spPr>
+          <a:xfrm>
+            <a:off x="8397240" y="4519209"/>
+            <a:ext cx="1060704" cy="970560"/>
+          </a:xfrm>
+          <a:prstGeom prst="flowChartMultidocument">
+            <a:avLst/>
+          </a:prstGeom>
+        </p:spPr>
+        <p:style>
+          <a:lnRef idx="2">
+            <a:schemeClr val="accent1">
+              <a:shade val="50000"/>
+            </a:schemeClr>
+          </a:lnRef>
+          <a:fillRef idx="1">
+            <a:schemeClr val="accent1"/>
+          </a:fillRef>
+          <a:effectRef idx="0">
+            <a:schemeClr val="accent1"/>
+          </a:effectRef>
+          <a:fontRef idx="minor">
+            <a:schemeClr val="lt1"/>
+          </a:fontRef>
+        </p:style>
+        <p:txBody>
+          <a:bodyPr rtlCol="0" anchor="ctr"/>
+          <a:lstStyle/>
+          <a:p>
+            <a:pPr algn="ctr"/>
+            <a:endParaRPr lang="en-GB"/>
+          </a:p>
+        </p:txBody>
+      </p:sp>
+      <p:sp>
+        <p:nvSpPr>
+          <p:cNvPr id="28" name="Right Arrow 27"/>
+          <p:cNvSpPr/>
+          <p:nvPr/>
+        </p:nvSpPr>
+        <p:spPr>
+          <a:xfrm>
+            <a:off x="7787640" y="4869396"/>
+            <a:ext cx="609600" cy="363584"/>
+          </a:xfrm>
+          <a:prstGeom prst="rightArrow">
+            <a:avLst/>
+          </a:prstGeom>
+        </p:spPr>
+        <p:style>
+          <a:lnRef idx="2">
+            <a:schemeClr val="accent1">
+              <a:shade val="50000"/>
+            </a:schemeClr>
+          </a:lnRef>
+          <a:fillRef idx="1">
+            <a:schemeClr val="accent1"/>
+          </a:fillRef>
+          <a:effectRef idx="0">
+            <a:schemeClr val="accent1"/>
+          </a:effectRef>
+          <a:fontRef idx="minor">
+            <a:schemeClr val="lt1"/>
+          </a:fontRef>
+        </p:style>
+        <p:txBody>
+          <a:bodyPr rtlCol="0" anchor="ctr"/>
+          <a:lstStyle/>
+          <a:p>
+            <a:pPr algn="ctr"/>
+            <a:endParaRPr lang="en-GB"/>
+          </a:p>
+        </p:txBody>
+      </p:sp>
+      <p:sp>
+        <p:nvSpPr>
+          <p:cNvPr id="29" name="TextBox 28"/>
+          <p:cNvSpPr txBox="1"/>
+          <p:nvPr/>
+        </p:nvSpPr>
+        <p:spPr>
+          <a:xfrm>
+            <a:off x="8127492" y="5660255"/>
+            <a:ext cx="1600200" cy="338554"/>
+          </a:xfrm>
+          <a:prstGeom prst="rect">
+            <a:avLst/>
+          </a:prstGeom>
+          <a:noFill/>
+        </p:spPr>
+        <p:txBody>
+          <a:bodyPr wrap="square" rtlCol="0">
+            <a:spAutoFit/>
+          </a:bodyPr>
+          <a:lstStyle/>
+          <a:p>
+            <a:pPr algn="ctr"/>
+            <a:r>
+              <a:rPr lang="en-US" sz="1600" dirty="0" smtClean="0"/>
+              <a:t>(</a:t>
+            </a:r>
+            <a:r>
+              <a:rPr lang="en-US" sz="1600" dirty="0" err="1" smtClean="0"/>
+              <a:t>bs</a:t>
+            </a:r>
+            <a:r>
+              <a:rPr lang="en-US" sz="1600" dirty="0" smtClean="0"/>
+              <a:t>, 8, 8, 2048)</a:t>
+            </a:r>
+            <a:endParaRPr lang="en-GB" sz="1600" dirty="0"/>
+          </a:p>
+        </p:txBody>
+      </p:sp>
+      <p:sp>
+        <p:nvSpPr>
+          <p:cNvPr id="30" name="Flowchart: Multidocument 29"/>
+          <p:cNvSpPr/>
+          <p:nvPr/>
+        </p:nvSpPr>
+        <p:spPr>
+          <a:xfrm>
+            <a:off x="10067544" y="4519209"/>
+            <a:ext cx="1060704" cy="970560"/>
+          </a:xfrm>
+          <a:prstGeom prst="flowChartMultidocument">
+            <a:avLst/>
+          </a:prstGeom>
+        </p:spPr>
+        <p:style>
+          <a:lnRef idx="2">
+            <a:schemeClr val="accent1">
+              <a:shade val="50000"/>
+            </a:schemeClr>
+          </a:lnRef>
+          <a:fillRef idx="1">
+            <a:schemeClr val="accent1"/>
+          </a:fillRef>
+          <a:effectRef idx="0">
+            <a:schemeClr val="accent1"/>
+          </a:effectRef>
+          <a:fontRef idx="minor">
+            <a:schemeClr val="lt1"/>
+          </a:fontRef>
+        </p:style>
+        <p:txBody>
+          <a:bodyPr rtlCol="0" anchor="ctr"/>
+          <a:lstStyle/>
+          <a:p>
+            <a:pPr algn="ctr"/>
+            <a:endParaRPr lang="en-GB"/>
+          </a:p>
+        </p:txBody>
+      </p:sp>
+      <p:sp>
+        <p:nvSpPr>
+          <p:cNvPr id="31" name="Right Arrow 30"/>
+          <p:cNvSpPr/>
+          <p:nvPr/>
+        </p:nvSpPr>
+        <p:spPr>
+          <a:xfrm>
+            <a:off x="9457944" y="4869396"/>
+            <a:ext cx="609600" cy="363584"/>
+          </a:xfrm>
+          <a:prstGeom prst="rightArrow">
+            <a:avLst/>
+          </a:prstGeom>
+        </p:spPr>
+        <p:style>
+          <a:lnRef idx="2">
+            <a:schemeClr val="accent1">
+              <a:shade val="50000"/>
+            </a:schemeClr>
+          </a:lnRef>
+          <a:fillRef idx="1">
+            <a:schemeClr val="accent1"/>
+          </a:fillRef>
+          <a:effectRef idx="0">
+            <a:schemeClr val="accent1"/>
+          </a:effectRef>
+          <a:fontRef idx="minor">
+            <a:schemeClr val="lt1"/>
+          </a:fontRef>
+        </p:style>
+        <p:txBody>
+          <a:bodyPr rtlCol="0" anchor="ctr"/>
+          <a:lstStyle/>
+          <a:p>
+            <a:pPr algn="ctr"/>
+            <a:endParaRPr lang="en-GB"/>
+          </a:p>
+        </p:txBody>
+      </p:sp>
+      <p:sp>
+        <p:nvSpPr>
+          <p:cNvPr id="32" name="TextBox 31"/>
+          <p:cNvSpPr txBox="1"/>
+          <p:nvPr/>
+        </p:nvSpPr>
+        <p:spPr>
+          <a:xfrm>
+            <a:off x="9797796" y="5660255"/>
+            <a:ext cx="1600200" cy="584775"/>
+          </a:xfrm>
+          <a:prstGeom prst="rect">
+            <a:avLst/>
+          </a:prstGeom>
+          <a:noFill/>
+        </p:spPr>
+        <p:txBody>
+          <a:bodyPr wrap="square" rtlCol="0">
+            <a:spAutoFit/>
+          </a:bodyPr>
+          <a:lstStyle/>
+          <a:p>
+            <a:pPr algn="ctr"/>
+            <a:r>
+              <a:rPr lang="en-US" sz="1600" dirty="0" err="1"/>
+              <a:t>i</a:t>
+            </a:r>
+            <a:r>
+              <a:rPr lang="en-US" sz="1600" dirty="0" err="1" smtClean="0"/>
+              <a:t>mg_tensor</a:t>
+            </a:r>
+            <a:r>
+              <a:rPr lang="en-US" sz="1600" dirty="0" smtClean="0"/>
+              <a:t>:</a:t>
+            </a:r>
+          </a:p>
+          <a:p>
+            <a:pPr algn="ctr"/>
+            <a:r>
+              <a:rPr lang="en-US" sz="1600" dirty="0" smtClean="0"/>
+              <a:t>(</a:t>
+            </a:r>
+            <a:r>
+              <a:rPr lang="en-US" sz="1600" dirty="0" err="1" smtClean="0"/>
+              <a:t>bs</a:t>
+            </a:r>
+            <a:r>
+              <a:rPr lang="en-US" sz="1600" dirty="0" smtClean="0"/>
+              <a:t>, 64, 2048)</a:t>
+            </a:r>
+            <a:endParaRPr lang="en-GB" sz="1600" dirty="0"/>
+          </a:p>
+        </p:txBody>
+      </p:sp>
+      <p:sp>
+        <p:nvSpPr>
+          <p:cNvPr id="25" name="TextBox 24"/>
+          <p:cNvSpPr txBox="1"/>
+          <p:nvPr/>
+        </p:nvSpPr>
+        <p:spPr>
+          <a:xfrm>
+            <a:off x="9266849" y="5187260"/>
+            <a:ext cx="891206" cy="338554"/>
+          </a:xfrm>
+          <a:prstGeom prst="rect">
+            <a:avLst/>
+          </a:prstGeom>
+          <a:noFill/>
+        </p:spPr>
+        <p:txBody>
+          <a:bodyPr wrap="none" rtlCol="0">
+            <a:spAutoFit/>
+          </a:bodyPr>
+          <a:lstStyle/>
+          <a:p>
+            <a:pPr algn="ctr"/>
+            <a:r>
+              <a:rPr lang="en-US" sz="1600" dirty="0" smtClean="0"/>
+              <a:t>Reshape</a:t>
+            </a:r>
+            <a:endParaRPr lang="en-GB" sz="1600" dirty="0"/>
+          </a:p>
+        </p:txBody>
+      </p:sp>
     </p:spTree>
     <p:extLst>
       <p:ext uri="{BB962C8B-B14F-4D97-AF65-F5344CB8AC3E}">
@@ -22005,8 +22878,13 @@
           <a:p>
             <a:r>
               <a:rPr lang="en-IN" dirty="0"/>
-              <a:t>Template</a:t>
-            </a:r>
+              <a:t>Training &amp; Neural Networks </a:t>
+            </a:r>
+            <a:r>
+              <a:rPr lang="en-IN" dirty="0" smtClean="0"/>
+              <a:t>Specific…</a:t>
+            </a:r>
+            <a:endParaRPr lang="en-IN" dirty="0"/>
           </a:p>
         </p:txBody>
       </p:sp>
@@ -22038,20 +22916,239 @@
           </a:bodyPr>
           <a:lstStyle/>
           <a:p>
-            <a:pPr algn="just">
+            <a:pPr marL="0" indent="0" algn="just">
               <a:lnSpc>
                 <a:spcPct val="100000"/>
               </a:lnSpc>
               <a:spcBef>
                 <a:spcPts val="0"/>
               </a:spcBef>
-              <a:buFont typeface="Wingdings" panose="05000000000000000000" pitchFamily="2" charset="2"/>
-              <a:buChar char="Ø"/>
+              <a:buNone/>
             </a:pPr>
+            <a:endParaRPr lang="en-IN" sz="2000" dirty="0" smtClean="0"/>
+          </a:p>
+          <a:p>
+            <a:pPr marL="0" indent="0" algn="just">
+              <a:lnSpc>
+                <a:spcPct val="100000"/>
+              </a:lnSpc>
+              <a:spcBef>
+                <a:spcPts val="0"/>
+              </a:spcBef>
+              <a:buNone/>
+            </a:pPr>
+            <a:r>
+              <a:rPr lang="en-IN" sz="2000" dirty="0" smtClean="0"/>
+              <a:t>Input:</a:t>
+            </a:r>
+          </a:p>
+          <a:p>
+            <a:pPr marL="0" indent="0" algn="just">
+              <a:lnSpc>
+                <a:spcPct val="100000"/>
+              </a:lnSpc>
+              <a:spcBef>
+                <a:spcPts val="0"/>
+              </a:spcBef>
+              <a:buNone/>
+            </a:pPr>
+            <a:endParaRPr lang="en-IN" sz="2000" dirty="0"/>
+          </a:p>
+          <a:p>
+            <a:pPr marL="0" indent="0" algn="just">
+              <a:lnSpc>
+                <a:spcPct val="100000"/>
+              </a:lnSpc>
+              <a:spcBef>
+                <a:spcPts val="0"/>
+              </a:spcBef>
+              <a:buNone/>
+            </a:pPr>
+            <a:endParaRPr lang="en-IN" sz="2000" dirty="0" smtClean="0"/>
+          </a:p>
+          <a:p>
+            <a:pPr marL="0" indent="0" algn="just">
+              <a:lnSpc>
+                <a:spcPct val="100000"/>
+              </a:lnSpc>
+              <a:spcBef>
+                <a:spcPts val="0"/>
+              </a:spcBef>
+              <a:buNone/>
+            </a:pPr>
+            <a:endParaRPr lang="en-IN" sz="2000" dirty="0" smtClean="0"/>
+          </a:p>
+          <a:p>
+            <a:pPr marL="0" indent="0" algn="just">
+              <a:lnSpc>
+                <a:spcPct val="100000"/>
+              </a:lnSpc>
+              <a:spcBef>
+                <a:spcPts val="0"/>
+              </a:spcBef>
+              <a:buNone/>
+            </a:pPr>
+            <a:r>
+              <a:rPr lang="en-IN" sz="2000" dirty="0" err="1"/>
+              <a:t>b</a:t>
+            </a:r>
+            <a:r>
+              <a:rPr lang="en-IN" sz="2000" dirty="0" err="1" smtClean="0"/>
+              <a:t>s</a:t>
+            </a:r>
+            <a:r>
+              <a:rPr lang="en-IN" sz="2000" dirty="0" smtClean="0"/>
+              <a:t>: “BATCH_SIZE”; mcl (maximum caption length)= 34; UNITS</a:t>
+            </a:r>
             <a:r>
               <a:rPr lang="en-IN" sz="2000" dirty="0"/>
-              <a:t>Template</a:t>
-            </a:r>
+              <a:t>=</a:t>
+            </a:r>
+            <a:r>
+              <a:rPr lang="en-IN" sz="2000" dirty="0" smtClean="0"/>
+              <a:t> 512; EMBEDDING_DIM (ED)= 256, </a:t>
+            </a:r>
+          </a:p>
+          <a:p>
+            <a:pPr marL="0" indent="0" algn="just">
+              <a:lnSpc>
+                <a:spcPct val="100000"/>
+              </a:lnSpc>
+              <a:spcBef>
+                <a:spcPts val="0"/>
+              </a:spcBef>
+              <a:buNone/>
+            </a:pPr>
+            <a:r>
+              <a:rPr lang="en-IN" sz="2000" dirty="0" err="1" smtClean="0"/>
+              <a:t>vs</a:t>
+            </a:r>
+            <a:r>
+              <a:rPr lang="en-IN" sz="2000" dirty="0" smtClean="0"/>
+              <a:t> (vocabulary size)= 8511;</a:t>
+            </a:r>
+            <a:endParaRPr lang="en-IN" sz="2000" dirty="0"/>
+          </a:p>
+          <a:p>
+            <a:pPr marL="457200" indent="-457200" algn="just">
+              <a:lnSpc>
+                <a:spcPct val="100000"/>
+              </a:lnSpc>
+              <a:spcBef>
+                <a:spcPts val="0"/>
+              </a:spcBef>
+              <a:buFont typeface="+mj-lt"/>
+              <a:buAutoNum type="arabicPeriod"/>
+            </a:pPr>
+            <a:r>
+              <a:rPr lang="en-IN" sz="2000" dirty="0" smtClean="0"/>
+              <a:t>Reset </a:t>
+            </a:r>
+            <a:r>
+              <a:rPr lang="en-IN" sz="2000" dirty="0" err="1" smtClean="0"/>
+              <a:t>RNN_Decoder</a:t>
+            </a:r>
+            <a:r>
+              <a:rPr lang="en-IN" sz="2000" dirty="0" smtClean="0"/>
+              <a:t> state to zeros, called it “hidden”, its dimension will be (</a:t>
+            </a:r>
+            <a:r>
+              <a:rPr lang="en-IN" sz="2000" dirty="0" err="1" smtClean="0"/>
+              <a:t>bs</a:t>
+            </a:r>
+            <a:r>
+              <a:rPr lang="en-IN" sz="2000" dirty="0" smtClean="0"/>
+              <a:t>, UNITS).</a:t>
+            </a:r>
+          </a:p>
+          <a:p>
+            <a:pPr marL="457200" indent="-457200" algn="just">
+              <a:lnSpc>
+                <a:spcPct val="100000"/>
+              </a:lnSpc>
+              <a:spcBef>
+                <a:spcPts val="0"/>
+              </a:spcBef>
+              <a:buFont typeface="+mj-lt"/>
+              <a:buAutoNum type="arabicPeriod"/>
+            </a:pPr>
+            <a:r>
+              <a:rPr lang="en-IN" sz="2000" dirty="0" smtClean="0"/>
+              <a:t>Here, input to </a:t>
+            </a:r>
+            <a:r>
+              <a:rPr lang="en-IN" sz="2000" dirty="0" err="1" smtClean="0"/>
+              <a:t>RNN_Decoder</a:t>
+            </a:r>
+            <a:r>
+              <a:rPr lang="en-IN" sz="2000" dirty="0" smtClean="0"/>
+              <a:t> is called as “</a:t>
+            </a:r>
+            <a:r>
+              <a:rPr lang="en-IN" sz="2000" dirty="0" err="1" smtClean="0"/>
+              <a:t>decoder_input</a:t>
+            </a:r>
+            <a:r>
+              <a:rPr lang="en-IN" sz="2000" dirty="0" smtClean="0"/>
+              <a:t>”. The first input to </a:t>
+            </a:r>
+            <a:r>
+              <a:rPr lang="en-IN" sz="2000" dirty="0" err="1" smtClean="0"/>
+              <a:t>RNN_Decoder</a:t>
+            </a:r>
+            <a:r>
+              <a:rPr lang="en-IN" sz="2000" dirty="0" smtClean="0"/>
+              <a:t> will be “&lt;</a:t>
+            </a:r>
+            <a:r>
+              <a:rPr lang="en-IN" sz="2000" dirty="0" err="1" smtClean="0"/>
+              <a:t>startseq</a:t>
+            </a:r>
+            <a:r>
+              <a:rPr lang="en-IN" sz="2000" dirty="0" smtClean="0"/>
+              <a:t>&gt;”. It will be a numerical vector having index of “&lt;</a:t>
+            </a:r>
+            <a:r>
+              <a:rPr lang="en-IN" sz="2000" dirty="0" err="1" smtClean="0"/>
+              <a:t>startseq</a:t>
+            </a:r>
+            <a:r>
+              <a:rPr lang="en-IN" sz="2000" dirty="0" smtClean="0"/>
+              <a:t>&gt;” for all instances in batch, thus its dimension will be (</a:t>
+            </a:r>
+            <a:r>
+              <a:rPr lang="en-IN" sz="2000" dirty="0" err="1" smtClean="0"/>
+              <a:t>bs</a:t>
+            </a:r>
+            <a:r>
+              <a:rPr lang="en-IN" sz="2000" dirty="0" smtClean="0"/>
+              <a:t>, 1).</a:t>
+            </a:r>
+          </a:p>
+          <a:p>
+            <a:pPr marL="457200" indent="-457200" algn="just">
+              <a:lnSpc>
+                <a:spcPct val="100000"/>
+              </a:lnSpc>
+              <a:spcBef>
+                <a:spcPts val="0"/>
+              </a:spcBef>
+              <a:buFont typeface="+mj-lt"/>
+              <a:buAutoNum type="arabicPeriod"/>
+            </a:pPr>
+            <a:r>
+              <a:rPr lang="en-IN" sz="2000" dirty="0" smtClean="0"/>
+              <a:t>Pass </a:t>
+            </a:r>
+            <a:r>
+              <a:rPr lang="en-IN" sz="2000" dirty="0" err="1" smtClean="0"/>
+              <a:t>img_tensor</a:t>
+            </a:r>
+            <a:r>
+              <a:rPr lang="en-IN" sz="2000" dirty="0" smtClean="0"/>
+              <a:t> to Encoder for encoding the meaningful features generated by InceptionV3 to be suitable for image captioning. Following it is depicted:</a:t>
+            </a:r>
+            <a:endParaRPr lang="en-IN" sz="2000" dirty="0" smtClean="0"/>
           </a:p>
         </p:txBody>
       </p:sp>
@@ -22110,6 +23207,830 @@
               <a:t>32</a:t>
             </a:fld>
             <a:endParaRPr lang="en-IN"/>
+          </a:p>
+        </p:txBody>
+      </p:sp>
+      <p:sp>
+        <p:nvSpPr>
+          <p:cNvPr id="6" name="Flowchart: Multidocument 5"/>
+          <p:cNvSpPr/>
+          <p:nvPr/>
+        </p:nvSpPr>
+        <p:spPr>
+          <a:xfrm>
+            <a:off x="1716024" y="1242609"/>
+            <a:ext cx="813816" cy="677631"/>
+          </a:xfrm>
+          <a:prstGeom prst="flowChartMultidocument">
+            <a:avLst/>
+          </a:prstGeom>
+        </p:spPr>
+        <p:style>
+          <a:lnRef idx="2">
+            <a:schemeClr val="accent1">
+              <a:shade val="50000"/>
+            </a:schemeClr>
+          </a:lnRef>
+          <a:fillRef idx="1">
+            <a:schemeClr val="accent1"/>
+          </a:fillRef>
+          <a:effectRef idx="0">
+            <a:schemeClr val="accent1"/>
+          </a:effectRef>
+          <a:fontRef idx="minor">
+            <a:schemeClr val="lt1"/>
+          </a:fontRef>
+        </p:style>
+        <p:txBody>
+          <a:bodyPr rtlCol="0" anchor="ctr"/>
+          <a:lstStyle/>
+          <a:p>
+            <a:pPr algn="ctr"/>
+            <a:endParaRPr lang="en-GB"/>
+          </a:p>
+        </p:txBody>
+      </p:sp>
+      <p:sp>
+        <p:nvSpPr>
+          <p:cNvPr id="7" name="TextBox 6"/>
+          <p:cNvSpPr txBox="1"/>
+          <p:nvPr/>
+        </p:nvSpPr>
+        <p:spPr>
+          <a:xfrm>
+            <a:off x="1322832" y="1920240"/>
+            <a:ext cx="1600200" cy="584775"/>
+          </a:xfrm>
+          <a:prstGeom prst="rect">
+            <a:avLst/>
+          </a:prstGeom>
+          <a:noFill/>
+        </p:spPr>
+        <p:txBody>
+          <a:bodyPr wrap="square" rtlCol="0">
+            <a:spAutoFit/>
+          </a:bodyPr>
+          <a:lstStyle/>
+          <a:p>
+            <a:pPr algn="ctr"/>
+            <a:r>
+              <a:rPr lang="en-US" sz="1600" dirty="0" err="1"/>
+              <a:t>i</a:t>
+            </a:r>
+            <a:r>
+              <a:rPr lang="en-US" sz="1600" dirty="0" err="1" smtClean="0"/>
+              <a:t>mg_tensor</a:t>
+            </a:r>
+            <a:r>
+              <a:rPr lang="en-US" sz="1600" dirty="0" smtClean="0"/>
+              <a:t>:</a:t>
+            </a:r>
+          </a:p>
+          <a:p>
+            <a:pPr algn="ctr"/>
+            <a:r>
+              <a:rPr lang="en-US" sz="1600" dirty="0" smtClean="0"/>
+              <a:t>(</a:t>
+            </a:r>
+            <a:r>
+              <a:rPr lang="en-US" sz="1600" dirty="0" err="1" smtClean="0"/>
+              <a:t>bs</a:t>
+            </a:r>
+            <a:r>
+              <a:rPr lang="en-US" sz="1600" dirty="0" smtClean="0"/>
+              <a:t>, 64, 2048)</a:t>
+            </a:r>
+            <a:endParaRPr lang="en-GB" sz="1600" dirty="0"/>
+          </a:p>
+        </p:txBody>
+      </p:sp>
+      <p:sp>
+        <p:nvSpPr>
+          <p:cNvPr id="8" name="Double Bracket 7"/>
+          <p:cNvSpPr/>
+          <p:nvPr/>
+        </p:nvSpPr>
+        <p:spPr>
+          <a:xfrm>
+            <a:off x="3017520" y="1242609"/>
+            <a:ext cx="457200" cy="721935"/>
+          </a:xfrm>
+          <a:prstGeom prst="bracketPair">
+            <a:avLst/>
+          </a:prstGeom>
+          <a:ln w="28575"/>
+        </p:spPr>
+        <p:style>
+          <a:lnRef idx="1">
+            <a:schemeClr val="accent1"/>
+          </a:lnRef>
+          <a:fillRef idx="0">
+            <a:schemeClr val="accent1"/>
+          </a:fillRef>
+          <a:effectRef idx="0">
+            <a:schemeClr val="accent1"/>
+          </a:effectRef>
+          <a:fontRef idx="minor">
+            <a:schemeClr val="tx1"/>
+          </a:fontRef>
+        </p:style>
+        <p:txBody>
+          <a:bodyPr rtlCol="0" anchor="ctr"/>
+          <a:lstStyle/>
+          <a:p>
+            <a:pPr algn="ctr"/>
+            <a:endParaRPr lang="en-GB"/>
+          </a:p>
+        </p:txBody>
+      </p:sp>
+      <p:sp>
+        <p:nvSpPr>
+          <p:cNvPr id="9" name="TextBox 8"/>
+          <p:cNvSpPr txBox="1"/>
+          <p:nvPr/>
+        </p:nvSpPr>
+        <p:spPr>
+          <a:xfrm>
+            <a:off x="2800837" y="1964544"/>
+            <a:ext cx="890565" cy="584775"/>
+          </a:xfrm>
+          <a:prstGeom prst="rect">
+            <a:avLst/>
+          </a:prstGeom>
+          <a:noFill/>
+        </p:spPr>
+        <p:txBody>
+          <a:bodyPr wrap="none" rtlCol="0">
+            <a:spAutoFit/>
+          </a:bodyPr>
+          <a:lstStyle/>
+          <a:p>
+            <a:pPr algn="ctr"/>
+            <a:r>
+              <a:rPr lang="en-US" sz="1600" dirty="0" smtClean="0"/>
+              <a:t>target:</a:t>
+            </a:r>
+          </a:p>
+          <a:p>
+            <a:pPr algn="ctr"/>
+            <a:r>
+              <a:rPr lang="en-US" sz="1600" dirty="0" smtClean="0"/>
+              <a:t>(</a:t>
+            </a:r>
+            <a:r>
+              <a:rPr lang="en-US" sz="1600" dirty="0" err="1" smtClean="0"/>
+              <a:t>bs</a:t>
+            </a:r>
+            <a:r>
+              <a:rPr lang="en-US" sz="1600" dirty="0" smtClean="0"/>
+              <a:t>, mcl)</a:t>
+            </a:r>
+            <a:endParaRPr lang="en-GB" sz="1600" dirty="0"/>
+          </a:p>
+        </p:txBody>
+      </p:sp>
+      <p:sp>
+        <p:nvSpPr>
+          <p:cNvPr id="10" name="TextBox 9"/>
+          <p:cNvSpPr txBox="1"/>
+          <p:nvPr/>
+        </p:nvSpPr>
+        <p:spPr>
+          <a:xfrm>
+            <a:off x="3691402" y="1258669"/>
+            <a:ext cx="7586198" cy="923330"/>
+          </a:xfrm>
+          <a:prstGeom prst="rect">
+            <a:avLst/>
+          </a:prstGeom>
+          <a:noFill/>
+        </p:spPr>
+        <p:txBody>
+          <a:bodyPr wrap="square" rtlCol="0">
+            <a:spAutoFit/>
+          </a:bodyPr>
+          <a:lstStyle/>
+          <a:p>
+            <a:pPr marL="285750" indent="-285750" algn="just">
+              <a:buFont typeface="Arial" pitchFamily="34" charset="0"/>
+              <a:buChar char="•"/>
+            </a:pPr>
+            <a:r>
+              <a:rPr lang="en-IN" dirty="0"/>
+              <a:t> Here, </a:t>
+            </a:r>
+            <a:r>
+              <a:rPr lang="en-IN" dirty="0" err="1"/>
+              <a:t>bs</a:t>
+            </a:r>
+            <a:r>
+              <a:rPr lang="en-IN" dirty="0"/>
+              <a:t> is “batch size” and mcl is “maximum caption length”. </a:t>
+            </a:r>
+            <a:endParaRPr lang="en-IN" dirty="0" smtClean="0"/>
+          </a:p>
+          <a:p>
+            <a:pPr marL="285750" indent="-285750" algn="just">
+              <a:buFont typeface="Arial" pitchFamily="34" charset="0"/>
+              <a:buChar char="•"/>
+            </a:pPr>
+            <a:r>
+              <a:rPr lang="en-IN" dirty="0" smtClean="0"/>
+              <a:t>“</a:t>
+            </a:r>
+            <a:r>
+              <a:rPr lang="en-IN" dirty="0"/>
+              <a:t>target” </a:t>
+            </a:r>
+            <a:r>
+              <a:rPr lang="en-IN" dirty="0" smtClean="0"/>
+              <a:t>has </a:t>
+            </a:r>
+            <a:r>
+              <a:rPr lang="en-IN" dirty="0"/>
+              <a:t>indices (</a:t>
+            </a:r>
+            <a:r>
+              <a:rPr lang="en-IN" dirty="0" err="1"/>
+              <a:t>int</a:t>
+            </a:r>
+            <a:r>
+              <a:rPr lang="en-IN" dirty="0"/>
+              <a:t> values) of words of </a:t>
+            </a:r>
+            <a:r>
+              <a:rPr lang="en-IN" dirty="0" smtClean="0"/>
+              <a:t>captions, padded with zeros to make these vectors equal to </a:t>
+            </a:r>
+            <a:r>
+              <a:rPr lang="en-IN" dirty="0" err="1" smtClean="0"/>
+              <a:t>max_caption_length</a:t>
+            </a:r>
+            <a:r>
+              <a:rPr lang="en-IN" dirty="0" smtClean="0"/>
+              <a:t>.</a:t>
+            </a:r>
+            <a:endParaRPr lang="en-GB" dirty="0"/>
+          </a:p>
+        </p:txBody>
+      </p:sp>
+      <p:sp>
+        <p:nvSpPr>
+          <p:cNvPr id="11" name="Flowchart: Multidocument 10"/>
+          <p:cNvSpPr/>
+          <p:nvPr/>
+        </p:nvSpPr>
+        <p:spPr>
+          <a:xfrm>
+            <a:off x="3430524" y="5248215"/>
+            <a:ext cx="594360" cy="502920"/>
+          </a:xfrm>
+          <a:prstGeom prst="flowChartMultidocument">
+            <a:avLst/>
+          </a:prstGeom>
+        </p:spPr>
+        <p:style>
+          <a:lnRef idx="2">
+            <a:schemeClr val="accent1">
+              <a:shade val="50000"/>
+            </a:schemeClr>
+          </a:lnRef>
+          <a:fillRef idx="1">
+            <a:schemeClr val="accent1"/>
+          </a:fillRef>
+          <a:effectRef idx="0">
+            <a:schemeClr val="accent1"/>
+          </a:effectRef>
+          <a:fontRef idx="minor">
+            <a:schemeClr val="lt1"/>
+          </a:fontRef>
+        </p:style>
+        <p:txBody>
+          <a:bodyPr rtlCol="0" anchor="ctr"/>
+          <a:lstStyle/>
+          <a:p>
+            <a:pPr algn="ctr"/>
+            <a:endParaRPr lang="en-GB"/>
+          </a:p>
+        </p:txBody>
+      </p:sp>
+      <p:sp>
+        <p:nvSpPr>
+          <p:cNvPr id="12" name="TextBox 11"/>
+          <p:cNvSpPr txBox="1"/>
+          <p:nvPr/>
+        </p:nvSpPr>
+        <p:spPr>
+          <a:xfrm>
+            <a:off x="2944368" y="5684520"/>
+            <a:ext cx="1600200" cy="584775"/>
+          </a:xfrm>
+          <a:prstGeom prst="rect">
+            <a:avLst/>
+          </a:prstGeom>
+          <a:noFill/>
+        </p:spPr>
+        <p:txBody>
+          <a:bodyPr wrap="square" rtlCol="0">
+            <a:spAutoFit/>
+          </a:bodyPr>
+          <a:lstStyle/>
+          <a:p>
+            <a:pPr algn="ctr"/>
+            <a:r>
+              <a:rPr lang="en-US" sz="1600" dirty="0" err="1"/>
+              <a:t>i</a:t>
+            </a:r>
+            <a:r>
+              <a:rPr lang="en-US" sz="1600" dirty="0" err="1" smtClean="0"/>
+              <a:t>mg_tensor</a:t>
+            </a:r>
+            <a:r>
+              <a:rPr lang="en-US" sz="1600" dirty="0" smtClean="0"/>
+              <a:t>:</a:t>
+            </a:r>
+          </a:p>
+          <a:p>
+            <a:pPr algn="ctr"/>
+            <a:r>
+              <a:rPr lang="en-US" sz="1600" dirty="0" smtClean="0"/>
+              <a:t>(</a:t>
+            </a:r>
+            <a:r>
+              <a:rPr lang="en-US" sz="1600" dirty="0" err="1" smtClean="0"/>
+              <a:t>bs</a:t>
+            </a:r>
+            <a:r>
+              <a:rPr lang="en-US" sz="1600" dirty="0" smtClean="0"/>
+              <a:t>, 64, 2048)</a:t>
+            </a:r>
+            <a:endParaRPr lang="en-GB" sz="1600" dirty="0"/>
+          </a:p>
+        </p:txBody>
+      </p:sp>
+      <p:sp>
+        <p:nvSpPr>
+          <p:cNvPr id="13" name="Rectangle 12"/>
+          <p:cNvSpPr/>
+          <p:nvPr/>
+        </p:nvSpPr>
+        <p:spPr>
+          <a:xfrm>
+            <a:off x="5161375" y="5208150"/>
+            <a:ext cx="216683" cy="542985"/>
+          </a:xfrm>
+          <a:prstGeom prst="rect">
+            <a:avLst/>
+          </a:prstGeom>
+        </p:spPr>
+        <p:style>
+          <a:lnRef idx="2">
+            <a:schemeClr val="accent1"/>
+          </a:lnRef>
+          <a:fillRef idx="1">
+            <a:schemeClr val="lt1"/>
+          </a:fillRef>
+          <a:effectRef idx="0">
+            <a:schemeClr val="accent1"/>
+          </a:effectRef>
+          <a:fontRef idx="minor">
+            <a:schemeClr val="dk1"/>
+          </a:fontRef>
+        </p:style>
+        <p:txBody>
+          <a:bodyPr rtlCol="0" anchor="ctr"/>
+          <a:lstStyle/>
+          <a:p>
+            <a:pPr algn="ctr"/>
+            <a:endParaRPr lang="en-GB"/>
+          </a:p>
+        </p:txBody>
+      </p:sp>
+      <p:sp>
+        <p:nvSpPr>
+          <p:cNvPr id="14" name="Flowchart: Connector 13"/>
+          <p:cNvSpPr/>
+          <p:nvPr/>
+        </p:nvSpPr>
+        <p:spPr>
+          <a:xfrm>
+            <a:off x="5208758" y="5232976"/>
+            <a:ext cx="120258" cy="146194"/>
+          </a:xfrm>
+          <a:prstGeom prst="flowChartConnector">
+            <a:avLst/>
+          </a:prstGeom>
+        </p:spPr>
+        <p:style>
+          <a:lnRef idx="2">
+            <a:schemeClr val="accent1">
+              <a:shade val="50000"/>
+            </a:schemeClr>
+          </a:lnRef>
+          <a:fillRef idx="1">
+            <a:schemeClr val="accent1"/>
+          </a:fillRef>
+          <a:effectRef idx="0">
+            <a:schemeClr val="accent1"/>
+          </a:effectRef>
+          <a:fontRef idx="minor">
+            <a:schemeClr val="lt1"/>
+          </a:fontRef>
+        </p:style>
+        <p:txBody>
+          <a:bodyPr rtlCol="0" anchor="ctr"/>
+          <a:lstStyle/>
+          <a:p>
+            <a:pPr algn="ctr"/>
+            <a:endParaRPr lang="en-GB"/>
+          </a:p>
+        </p:txBody>
+      </p:sp>
+      <p:sp>
+        <p:nvSpPr>
+          <p:cNvPr id="15" name="Flowchart: Connector 14"/>
+          <p:cNvSpPr/>
+          <p:nvPr/>
+        </p:nvSpPr>
+        <p:spPr>
+          <a:xfrm>
+            <a:off x="5208758" y="5415856"/>
+            <a:ext cx="120258" cy="146194"/>
+          </a:xfrm>
+          <a:prstGeom prst="flowChartConnector">
+            <a:avLst/>
+          </a:prstGeom>
+        </p:spPr>
+        <p:style>
+          <a:lnRef idx="2">
+            <a:schemeClr val="accent1">
+              <a:shade val="50000"/>
+            </a:schemeClr>
+          </a:lnRef>
+          <a:fillRef idx="1">
+            <a:schemeClr val="accent1"/>
+          </a:fillRef>
+          <a:effectRef idx="0">
+            <a:schemeClr val="accent1"/>
+          </a:effectRef>
+          <a:fontRef idx="minor">
+            <a:schemeClr val="lt1"/>
+          </a:fontRef>
+        </p:style>
+        <p:txBody>
+          <a:bodyPr rtlCol="0" anchor="ctr"/>
+          <a:lstStyle/>
+          <a:p>
+            <a:pPr algn="ctr"/>
+            <a:endParaRPr lang="en-GB"/>
+          </a:p>
+        </p:txBody>
+      </p:sp>
+      <p:sp>
+        <p:nvSpPr>
+          <p:cNvPr id="16" name="Flowchart: Connector 15"/>
+          <p:cNvSpPr/>
+          <p:nvPr/>
+        </p:nvSpPr>
+        <p:spPr>
+          <a:xfrm>
+            <a:off x="5208758" y="5598736"/>
+            <a:ext cx="120258" cy="146194"/>
+          </a:xfrm>
+          <a:prstGeom prst="flowChartConnector">
+            <a:avLst/>
+          </a:prstGeom>
+        </p:spPr>
+        <p:style>
+          <a:lnRef idx="2">
+            <a:schemeClr val="accent1">
+              <a:shade val="50000"/>
+            </a:schemeClr>
+          </a:lnRef>
+          <a:fillRef idx="1">
+            <a:schemeClr val="accent1"/>
+          </a:fillRef>
+          <a:effectRef idx="0">
+            <a:schemeClr val="accent1"/>
+          </a:effectRef>
+          <a:fontRef idx="minor">
+            <a:schemeClr val="lt1"/>
+          </a:fontRef>
+        </p:style>
+        <p:txBody>
+          <a:bodyPr rtlCol="0" anchor="ctr"/>
+          <a:lstStyle/>
+          <a:p>
+            <a:pPr algn="ctr"/>
+            <a:endParaRPr lang="en-GB"/>
+          </a:p>
+        </p:txBody>
+      </p:sp>
+      <p:sp>
+        <p:nvSpPr>
+          <p:cNvPr id="17" name="TextBox 16"/>
+          <p:cNvSpPr txBox="1"/>
+          <p:nvPr/>
+        </p:nvSpPr>
+        <p:spPr>
+          <a:xfrm>
+            <a:off x="4526280" y="5771480"/>
+            <a:ext cx="1451122" cy="584775"/>
+          </a:xfrm>
+          <a:prstGeom prst="rect">
+            <a:avLst/>
+          </a:prstGeom>
+          <a:noFill/>
+        </p:spPr>
+        <p:txBody>
+          <a:bodyPr wrap="square" rtlCol="0">
+            <a:spAutoFit/>
+          </a:bodyPr>
+          <a:lstStyle/>
+          <a:p>
+            <a:pPr algn="ctr"/>
+            <a:r>
+              <a:rPr lang="en-US" sz="1600" dirty="0" smtClean="0"/>
+              <a:t>“fc” layer with ED cells</a:t>
+            </a:r>
+            <a:endParaRPr lang="en-GB" sz="1600" dirty="0"/>
+          </a:p>
+        </p:txBody>
+      </p:sp>
+      <p:sp>
+        <p:nvSpPr>
+          <p:cNvPr id="18" name="Right Arrow 17"/>
+          <p:cNvSpPr/>
+          <p:nvPr/>
+        </p:nvSpPr>
+        <p:spPr>
+          <a:xfrm>
+            <a:off x="4085844" y="5346616"/>
+            <a:ext cx="1031061" cy="230674"/>
+          </a:xfrm>
+          <a:prstGeom prst="rightArrow">
+            <a:avLst/>
+          </a:prstGeom>
+        </p:spPr>
+        <p:style>
+          <a:lnRef idx="2">
+            <a:schemeClr val="accent1">
+              <a:shade val="50000"/>
+            </a:schemeClr>
+          </a:lnRef>
+          <a:fillRef idx="1">
+            <a:schemeClr val="accent1"/>
+          </a:fillRef>
+          <a:effectRef idx="0">
+            <a:schemeClr val="accent1"/>
+          </a:effectRef>
+          <a:fontRef idx="minor">
+            <a:schemeClr val="lt1"/>
+          </a:fontRef>
+        </p:style>
+        <p:txBody>
+          <a:bodyPr rtlCol="0" anchor="ctr"/>
+          <a:lstStyle/>
+          <a:p>
+            <a:pPr algn="ctr"/>
+            <a:endParaRPr lang="en-GB"/>
+          </a:p>
+        </p:txBody>
+      </p:sp>
+      <p:sp>
+        <p:nvSpPr>
+          <p:cNvPr id="19" name="Right Arrow 18"/>
+          <p:cNvSpPr/>
+          <p:nvPr/>
+        </p:nvSpPr>
+        <p:spPr>
+          <a:xfrm>
+            <a:off x="5461871" y="5384338"/>
+            <a:ext cx="1031061" cy="230674"/>
+          </a:xfrm>
+          <a:prstGeom prst="rightArrow">
+            <a:avLst/>
+          </a:prstGeom>
+        </p:spPr>
+        <p:style>
+          <a:lnRef idx="2">
+            <a:schemeClr val="accent1">
+              <a:shade val="50000"/>
+            </a:schemeClr>
+          </a:lnRef>
+          <a:fillRef idx="1">
+            <a:schemeClr val="accent1"/>
+          </a:fillRef>
+          <a:effectRef idx="0">
+            <a:schemeClr val="accent1"/>
+          </a:effectRef>
+          <a:fontRef idx="minor">
+            <a:schemeClr val="lt1"/>
+          </a:fontRef>
+        </p:style>
+        <p:txBody>
+          <a:bodyPr rtlCol="0" anchor="ctr"/>
+          <a:lstStyle/>
+          <a:p>
+            <a:pPr algn="ctr"/>
+            <a:endParaRPr lang="en-GB"/>
+          </a:p>
+        </p:txBody>
+      </p:sp>
+      <p:sp>
+        <p:nvSpPr>
+          <p:cNvPr id="20" name="Flowchart: Connector 19"/>
+          <p:cNvSpPr/>
+          <p:nvPr/>
+        </p:nvSpPr>
+        <p:spPr>
+          <a:xfrm>
+            <a:off x="6492932" y="5271075"/>
+            <a:ext cx="457200" cy="457200"/>
+          </a:xfrm>
+          <a:prstGeom prst="flowChartConnector">
+            <a:avLst/>
+          </a:prstGeom>
+        </p:spPr>
+        <p:style>
+          <a:lnRef idx="2">
+            <a:schemeClr val="accent1">
+              <a:shade val="50000"/>
+            </a:schemeClr>
+          </a:lnRef>
+          <a:fillRef idx="1">
+            <a:schemeClr val="accent1"/>
+          </a:fillRef>
+          <a:effectRef idx="0">
+            <a:schemeClr val="accent1"/>
+          </a:effectRef>
+          <a:fontRef idx="minor">
+            <a:schemeClr val="lt1"/>
+          </a:fontRef>
+        </p:style>
+        <p:txBody>
+          <a:bodyPr rtlCol="0" anchor="ctr"/>
+          <a:lstStyle/>
+          <a:p>
+            <a:pPr algn="ctr"/>
+            <a:endParaRPr lang="en-GB"/>
+          </a:p>
+        </p:txBody>
+      </p:sp>
+      <p:sp>
+        <p:nvSpPr>
+          <p:cNvPr id="21" name="TextBox 20"/>
+          <p:cNvSpPr txBox="1"/>
+          <p:nvPr/>
+        </p:nvSpPr>
+        <p:spPr>
+          <a:xfrm>
+            <a:off x="5995971" y="5807630"/>
+            <a:ext cx="1451122" cy="338554"/>
+          </a:xfrm>
+          <a:prstGeom prst="rect">
+            <a:avLst/>
+          </a:prstGeom>
+          <a:noFill/>
+        </p:spPr>
+        <p:txBody>
+          <a:bodyPr wrap="square" rtlCol="0">
+            <a:spAutoFit/>
+          </a:bodyPr>
+          <a:lstStyle/>
+          <a:p>
+            <a:pPr algn="ctr"/>
+            <a:r>
+              <a:rPr lang="en-US" sz="1600" dirty="0" err="1" smtClean="0"/>
+              <a:t>ReLU</a:t>
+            </a:r>
+            <a:endParaRPr lang="en-GB" sz="1600" dirty="0"/>
+          </a:p>
+        </p:txBody>
+      </p:sp>
+      <p:sp>
+        <p:nvSpPr>
+          <p:cNvPr id="22" name="Right Arrow 21"/>
+          <p:cNvSpPr/>
+          <p:nvPr/>
+        </p:nvSpPr>
+        <p:spPr>
+          <a:xfrm>
+            <a:off x="6950132" y="5413891"/>
+            <a:ext cx="1031061" cy="230674"/>
+          </a:xfrm>
+          <a:prstGeom prst="rightArrow">
+            <a:avLst/>
+          </a:prstGeom>
+        </p:spPr>
+        <p:style>
+          <a:lnRef idx="2">
+            <a:schemeClr val="accent1">
+              <a:shade val="50000"/>
+            </a:schemeClr>
+          </a:lnRef>
+          <a:fillRef idx="1">
+            <a:schemeClr val="accent1"/>
+          </a:fillRef>
+          <a:effectRef idx="0">
+            <a:schemeClr val="accent1"/>
+          </a:effectRef>
+          <a:fontRef idx="minor">
+            <a:schemeClr val="lt1"/>
+          </a:fontRef>
+        </p:style>
+        <p:txBody>
+          <a:bodyPr rtlCol="0" anchor="ctr"/>
+          <a:lstStyle/>
+          <a:p>
+            <a:pPr algn="ctr"/>
+            <a:endParaRPr lang="en-GB"/>
+          </a:p>
+        </p:txBody>
+      </p:sp>
+      <p:sp>
+        <p:nvSpPr>
+          <p:cNvPr id="25" name="Flowchart: Multidocument 24"/>
+          <p:cNvSpPr/>
+          <p:nvPr/>
+        </p:nvSpPr>
+        <p:spPr>
+          <a:xfrm>
+            <a:off x="8093964" y="5221425"/>
+            <a:ext cx="594360" cy="502920"/>
+          </a:xfrm>
+          <a:prstGeom prst="flowChartMultidocument">
+            <a:avLst/>
+          </a:prstGeom>
+        </p:spPr>
+        <p:style>
+          <a:lnRef idx="2">
+            <a:schemeClr val="accent1">
+              <a:shade val="50000"/>
+            </a:schemeClr>
+          </a:lnRef>
+          <a:fillRef idx="1">
+            <a:schemeClr val="accent1"/>
+          </a:fillRef>
+          <a:effectRef idx="0">
+            <a:schemeClr val="accent1"/>
+          </a:effectRef>
+          <a:fontRef idx="minor">
+            <a:schemeClr val="lt1"/>
+          </a:fontRef>
+        </p:style>
+        <p:txBody>
+          <a:bodyPr rtlCol="0" anchor="ctr"/>
+          <a:lstStyle/>
+          <a:p>
+            <a:pPr algn="ctr"/>
+            <a:endParaRPr lang="en-GB"/>
+          </a:p>
+        </p:txBody>
+      </p:sp>
+      <p:sp>
+        <p:nvSpPr>
+          <p:cNvPr id="26" name="TextBox 25"/>
+          <p:cNvSpPr txBox="1"/>
+          <p:nvPr/>
+        </p:nvSpPr>
+        <p:spPr>
+          <a:xfrm>
+            <a:off x="7607808" y="5657730"/>
+            <a:ext cx="1600200" cy="584775"/>
+          </a:xfrm>
+          <a:prstGeom prst="rect">
+            <a:avLst/>
+          </a:prstGeom>
+          <a:noFill/>
+        </p:spPr>
+        <p:txBody>
+          <a:bodyPr wrap="square" rtlCol="0">
+            <a:spAutoFit/>
+          </a:bodyPr>
+          <a:lstStyle/>
+          <a:p>
+            <a:pPr algn="ctr"/>
+            <a:r>
+              <a:rPr lang="en-US" sz="1600" dirty="0" smtClean="0"/>
+              <a:t>features:</a:t>
+            </a:r>
+          </a:p>
+          <a:p>
+            <a:pPr algn="ctr"/>
+            <a:r>
+              <a:rPr lang="en-US" sz="1600" dirty="0" smtClean="0"/>
+              <a:t>(</a:t>
+            </a:r>
+            <a:r>
+              <a:rPr lang="en-US" sz="1600" dirty="0" err="1" smtClean="0"/>
+              <a:t>bs</a:t>
+            </a:r>
+            <a:r>
+              <a:rPr lang="en-US" sz="1600" dirty="0" smtClean="0"/>
+              <a:t>, 64, 256)</a:t>
+            </a:r>
+            <a:endParaRPr lang="en-GB" sz="1600" dirty="0"/>
           </a:p>
         </p:txBody>
       </p:sp>
@@ -22180,6 +24101,7 @@
               <a:rPr lang="en-IN" dirty="0"/>
               <a:t>Training &amp; Neural Networks Specific…</a:t>
             </a:r>
+            <a:endParaRPr lang="en-IN" dirty="0"/>
           </a:p>
         </p:txBody>
       </p:sp>
@@ -22206,25 +24128,342 @@
           </a:xfrm>
         </p:spPr>
         <p:txBody>
-          <a:bodyPr anchor="t">
+          <a:bodyPr>
             <a:normAutofit/>
           </a:bodyPr>
           <a:lstStyle/>
           <a:p>
-            <a:pPr algn="just">
+            <a:pPr marL="457200" indent="-457200" algn="just">
               <a:lnSpc>
                 <a:spcPct val="100000"/>
               </a:lnSpc>
               <a:spcBef>
                 <a:spcPts val="0"/>
               </a:spcBef>
-              <a:buFont typeface="Wingdings" pitchFamily="2" charset="2"/>
-              <a:buChar char="Ø"/>
+              <a:buFont typeface="+mj-lt"/>
+              <a:buAutoNum type="arabicPeriod" startAt="4"/>
             </a:pPr>
             <a:r>
               <a:rPr lang="en-IN" sz="2000" dirty="0" smtClean="0"/>
-              <a:t>Following is the plot of training loss:</a:t>
-            </a:r>
+              <a:t>Run a for-loop from 1 to mcl (maximum caption length):</a:t>
+            </a:r>
+          </a:p>
+          <a:p>
+            <a:pPr marL="457200" lvl="1" indent="0" algn="just">
+              <a:lnSpc>
+                <a:spcPct val="100000"/>
+              </a:lnSpc>
+              <a:spcBef>
+                <a:spcPts val="0"/>
+              </a:spcBef>
+              <a:buNone/>
+            </a:pPr>
+            <a:endParaRPr lang="en-IN" sz="1800" i="1" dirty="0" smtClean="0"/>
+          </a:p>
+          <a:p>
+            <a:pPr marL="457200" lvl="1" indent="0" algn="just">
+              <a:lnSpc>
+                <a:spcPct val="100000"/>
+              </a:lnSpc>
+              <a:spcBef>
+                <a:spcPts val="0"/>
+              </a:spcBef>
+              <a:buNone/>
+            </a:pPr>
+            <a:endParaRPr lang="en-IN" sz="1800" i="1" dirty="0"/>
+          </a:p>
+          <a:p>
+            <a:pPr marL="457200" lvl="1" indent="0" algn="just">
+              <a:lnSpc>
+                <a:spcPct val="100000"/>
+              </a:lnSpc>
+              <a:spcBef>
+                <a:spcPts val="0"/>
+              </a:spcBef>
+              <a:buNone/>
+            </a:pPr>
+            <a:endParaRPr lang="en-IN" sz="1800" i="1" dirty="0" smtClean="0"/>
+          </a:p>
+          <a:p>
+            <a:pPr marL="457200" lvl="1" indent="0" algn="just">
+              <a:lnSpc>
+                <a:spcPct val="100000"/>
+              </a:lnSpc>
+              <a:spcBef>
+                <a:spcPts val="0"/>
+              </a:spcBef>
+              <a:buNone/>
+            </a:pPr>
+            <a:endParaRPr lang="en-IN" sz="1800" i="1" dirty="0"/>
+          </a:p>
+          <a:p>
+            <a:pPr marL="457200" lvl="1" indent="0" algn="just">
+              <a:lnSpc>
+                <a:spcPct val="100000"/>
+              </a:lnSpc>
+              <a:spcBef>
+                <a:spcPts val="0"/>
+              </a:spcBef>
+              <a:buNone/>
+            </a:pPr>
+            <a:r>
+              <a:rPr lang="en-IN" sz="1800" i="1" dirty="0" err="1" smtClean="0"/>
+              <a:t>attention_hidden_layer</a:t>
+            </a:r>
+            <a:r>
+              <a:rPr lang="en-IN" sz="1800" i="1" dirty="0" smtClean="0"/>
+              <a:t> = </a:t>
+            </a:r>
+            <a:r>
+              <a:rPr lang="en-IN" sz="1800" i="1" dirty="0" err="1" smtClean="0"/>
+              <a:t>tf.nn.tanh</a:t>
+            </a:r>
+            <a:r>
+              <a:rPr lang="en-IN" sz="1800" i="1" dirty="0" smtClean="0"/>
+              <a:t>(W1(features) + W2(</a:t>
+            </a:r>
+            <a:r>
+              <a:rPr lang="en-IN" sz="1800" i="1" dirty="0" err="1" smtClean="0"/>
+              <a:t>hidden_with_time</a:t>
+            </a:r>
+            <a:r>
+              <a:rPr lang="en-IN" sz="1800" i="1" dirty="0" err="1" smtClean="0"/>
+              <a:t>_axis</a:t>
+            </a:r>
+            <a:r>
+              <a:rPr lang="en-IN" sz="1800" i="1" dirty="0" smtClean="0"/>
+              <a:t>))</a:t>
+            </a:r>
+          </a:p>
+          <a:p>
+            <a:pPr marL="457200" lvl="1" indent="0" algn="just">
+              <a:lnSpc>
+                <a:spcPct val="100000"/>
+              </a:lnSpc>
+              <a:spcBef>
+                <a:spcPts val="0"/>
+              </a:spcBef>
+              <a:buNone/>
+            </a:pPr>
+            <a:endParaRPr lang="en-IN" sz="1800" i="1" dirty="0"/>
+          </a:p>
+          <a:p>
+            <a:pPr marL="457200" lvl="1" indent="0" algn="just">
+              <a:lnSpc>
+                <a:spcPct val="100000"/>
+              </a:lnSpc>
+              <a:spcBef>
+                <a:spcPts val="0"/>
+              </a:spcBef>
+              <a:buNone/>
+            </a:pPr>
+            <a:endParaRPr lang="en-IN" sz="1800" i="1" dirty="0" smtClean="0"/>
+          </a:p>
+          <a:p>
+            <a:pPr marL="457200" lvl="1" indent="0" algn="just">
+              <a:lnSpc>
+                <a:spcPct val="100000"/>
+              </a:lnSpc>
+              <a:spcBef>
+                <a:spcPts val="0"/>
+              </a:spcBef>
+              <a:buNone/>
+            </a:pPr>
+            <a:endParaRPr lang="en-IN" sz="1800" i="1" dirty="0"/>
+          </a:p>
+          <a:p>
+            <a:pPr marL="457200" lvl="1" indent="0" algn="just">
+              <a:lnSpc>
+                <a:spcPct val="100000"/>
+              </a:lnSpc>
+              <a:spcBef>
+                <a:spcPts val="0"/>
+              </a:spcBef>
+              <a:buNone/>
+            </a:pPr>
+            <a:endParaRPr lang="en-IN" sz="1800" i="1" dirty="0" smtClean="0"/>
+          </a:p>
+          <a:p>
+            <a:pPr marL="457200" lvl="1" indent="0" algn="just">
+              <a:lnSpc>
+                <a:spcPct val="100000"/>
+              </a:lnSpc>
+              <a:spcBef>
+                <a:spcPts val="0"/>
+              </a:spcBef>
+              <a:buNone/>
+            </a:pPr>
+            <a:endParaRPr lang="en-IN" sz="1800" i="1" dirty="0"/>
+          </a:p>
+          <a:p>
+            <a:pPr marL="457200" lvl="1" indent="0" algn="just">
+              <a:lnSpc>
+                <a:spcPct val="100000"/>
+              </a:lnSpc>
+              <a:spcBef>
+                <a:spcPts val="0"/>
+              </a:spcBef>
+              <a:buNone/>
+            </a:pPr>
+            <a:endParaRPr lang="en-IN" sz="1800" i="1" dirty="0" smtClean="0"/>
+          </a:p>
+          <a:p>
+            <a:pPr marL="457200" lvl="1" indent="0" algn="just">
+              <a:lnSpc>
+                <a:spcPct val="100000"/>
+              </a:lnSpc>
+              <a:spcBef>
+                <a:spcPts val="0"/>
+              </a:spcBef>
+              <a:buNone/>
+            </a:pPr>
+            <a:endParaRPr lang="en-IN" sz="1800" i="1" dirty="0" smtClean="0"/>
+          </a:p>
+          <a:p>
+            <a:pPr marL="457200" lvl="1" indent="0" algn="just">
+              <a:lnSpc>
+                <a:spcPct val="100000"/>
+              </a:lnSpc>
+              <a:spcBef>
+                <a:spcPts val="0"/>
+              </a:spcBef>
+              <a:buNone/>
+            </a:pPr>
+            <a:r>
+              <a:rPr lang="en-IN" sz="1800" i="1" dirty="0" smtClean="0"/>
+              <a:t>score = V(</a:t>
+            </a:r>
+            <a:r>
+              <a:rPr lang="en-IN" sz="1800" i="1" dirty="0" err="1" smtClean="0"/>
+              <a:t>attention_hidden_layer</a:t>
+            </a:r>
+            <a:r>
+              <a:rPr lang="en-IN" sz="1800" i="1" dirty="0" smtClean="0"/>
+              <a:t>);</a:t>
+            </a:r>
+            <a:r>
+              <a:rPr lang="en-IN" sz="1800" dirty="0" smtClean="0"/>
+              <a:t> shape of </a:t>
+            </a:r>
+            <a:r>
+              <a:rPr lang="en-IN" sz="1800" i="1" dirty="0" smtClean="0"/>
+              <a:t>score</a:t>
+            </a:r>
+            <a:r>
+              <a:rPr lang="en-IN" sz="1800" dirty="0" smtClean="0"/>
+              <a:t>: (</a:t>
+            </a:r>
+            <a:r>
+              <a:rPr lang="en-IN" sz="1800" dirty="0" err="1" smtClean="0"/>
+              <a:t>bs</a:t>
+            </a:r>
+            <a:r>
+              <a:rPr lang="en-IN" sz="1800" dirty="0" smtClean="0"/>
+              <a:t>, 64, 1)</a:t>
+            </a:r>
+          </a:p>
+          <a:p>
+            <a:pPr marL="457200" lvl="1" indent="0" algn="just">
+              <a:lnSpc>
+                <a:spcPct val="100000"/>
+              </a:lnSpc>
+              <a:spcBef>
+                <a:spcPts val="0"/>
+              </a:spcBef>
+              <a:buNone/>
+            </a:pPr>
+            <a:r>
+              <a:rPr lang="en-IN" sz="1800" i="1" dirty="0" err="1" smtClean="0"/>
+              <a:t>attention_weights</a:t>
+            </a:r>
+            <a:r>
+              <a:rPr lang="en-IN" sz="1800" i="1" dirty="0" smtClean="0"/>
+              <a:t> = </a:t>
+            </a:r>
+            <a:r>
+              <a:rPr lang="en-IN" sz="1800" i="1" dirty="0" err="1" smtClean="0"/>
+              <a:t>tf.nn.softmax</a:t>
+            </a:r>
+            <a:r>
+              <a:rPr lang="en-IN" sz="1800" i="1" dirty="0" smtClean="0"/>
+              <a:t>(score); </a:t>
+            </a:r>
+            <a:r>
+              <a:rPr lang="en-IN" sz="1800" dirty="0" smtClean="0"/>
+              <a:t>shape of </a:t>
+            </a:r>
+            <a:r>
+              <a:rPr lang="en-IN" sz="1800" i="1" dirty="0" err="1" smtClean="0"/>
+              <a:t>attention_weights</a:t>
+            </a:r>
+            <a:r>
+              <a:rPr lang="en-IN" sz="1800" dirty="0" smtClean="0"/>
+              <a:t>: (</a:t>
+            </a:r>
+            <a:r>
+              <a:rPr lang="en-IN" sz="1800" dirty="0" err="1" smtClean="0"/>
+              <a:t>bs</a:t>
+            </a:r>
+            <a:r>
+              <a:rPr lang="en-IN" sz="1800" dirty="0" smtClean="0"/>
+              <a:t>, 64, 1)</a:t>
+            </a:r>
+          </a:p>
+          <a:p>
+            <a:pPr marL="457200" lvl="1" indent="0" algn="just">
+              <a:lnSpc>
+                <a:spcPct val="100000"/>
+              </a:lnSpc>
+              <a:spcBef>
+                <a:spcPts val="0"/>
+              </a:spcBef>
+              <a:buNone/>
+            </a:pPr>
+            <a:r>
+              <a:rPr lang="en-IN" sz="1800" i="1" dirty="0" err="1" smtClean="0"/>
+              <a:t>context_vector</a:t>
+            </a:r>
+            <a:r>
+              <a:rPr lang="en-IN" sz="1800" i="1" dirty="0" smtClean="0"/>
+              <a:t> = </a:t>
+            </a:r>
+            <a:r>
+              <a:rPr lang="en-IN" sz="1800" i="1" dirty="0" err="1" smtClean="0"/>
+              <a:t>attention_weights</a:t>
+            </a:r>
+            <a:r>
+              <a:rPr lang="en-IN" sz="1800" i="1" dirty="0" smtClean="0"/>
+              <a:t> * features;</a:t>
+            </a:r>
+            <a:r>
+              <a:rPr lang="en-IN" sz="1800" dirty="0" smtClean="0"/>
+              <a:t> (</a:t>
+            </a:r>
+            <a:r>
+              <a:rPr lang="en-IN" sz="1800" dirty="0" err="1" smtClean="0"/>
+              <a:t>bs</a:t>
+            </a:r>
+            <a:r>
+              <a:rPr lang="en-IN" sz="1800" dirty="0" smtClean="0"/>
+              <a:t>, 64, 1) * (</a:t>
+            </a:r>
+            <a:r>
+              <a:rPr lang="en-IN" sz="1800" dirty="0" err="1" smtClean="0"/>
+              <a:t>bs</a:t>
+            </a:r>
+            <a:r>
+              <a:rPr lang="en-IN" sz="1800" dirty="0" smtClean="0"/>
+              <a:t>, 64, 256) → (</a:t>
+            </a:r>
+            <a:r>
+              <a:rPr lang="en-IN" sz="1800" dirty="0" err="1" smtClean="0"/>
+              <a:t>bs</a:t>
+            </a:r>
+            <a:r>
+              <a:rPr lang="en-IN" sz="1800" dirty="0" smtClean="0"/>
+              <a:t>, 64, 256)</a:t>
+            </a:r>
+            <a:endParaRPr lang="en-IN" sz="1800" i="1" dirty="0"/>
           </a:p>
         </p:txBody>
       </p:sp>
@@ -22281,6 +24520,1604 @@
             <a:fld id="{EC53106F-9B43-4B1F-BCB9-D94FA7734D96}" type="slidenum">
               <a:rPr lang="en-IN" smtClean="0"/>
               <a:t>33</a:t>
+            </a:fld>
+            <a:endParaRPr lang="en-IN"/>
+          </a:p>
+        </p:txBody>
+      </p:sp>
+      <p:sp>
+        <p:nvSpPr>
+          <p:cNvPr id="6" name="Flowchart: Multidocument 5"/>
+          <p:cNvSpPr/>
+          <p:nvPr/>
+        </p:nvSpPr>
+        <p:spPr>
+          <a:xfrm>
+            <a:off x="2135124" y="1590615"/>
+            <a:ext cx="594360" cy="502920"/>
+          </a:xfrm>
+          <a:prstGeom prst="flowChartMultidocument">
+            <a:avLst/>
+          </a:prstGeom>
+        </p:spPr>
+        <p:style>
+          <a:lnRef idx="2">
+            <a:schemeClr val="accent1">
+              <a:shade val="50000"/>
+            </a:schemeClr>
+          </a:lnRef>
+          <a:fillRef idx="1">
+            <a:schemeClr val="accent1"/>
+          </a:fillRef>
+          <a:effectRef idx="0">
+            <a:schemeClr val="accent1"/>
+          </a:effectRef>
+          <a:fontRef idx="minor">
+            <a:schemeClr val="lt1"/>
+          </a:fontRef>
+        </p:style>
+        <p:txBody>
+          <a:bodyPr rtlCol="0" anchor="ctr"/>
+          <a:lstStyle/>
+          <a:p>
+            <a:pPr algn="ctr"/>
+            <a:endParaRPr lang="en-GB"/>
+          </a:p>
+        </p:txBody>
+      </p:sp>
+      <p:sp>
+        <p:nvSpPr>
+          <p:cNvPr id="7" name="TextBox 6"/>
+          <p:cNvSpPr txBox="1"/>
+          <p:nvPr/>
+        </p:nvSpPr>
+        <p:spPr>
+          <a:xfrm>
+            <a:off x="1648968" y="2026920"/>
+            <a:ext cx="1600200" cy="584775"/>
+          </a:xfrm>
+          <a:prstGeom prst="rect">
+            <a:avLst/>
+          </a:prstGeom>
+          <a:noFill/>
+        </p:spPr>
+        <p:txBody>
+          <a:bodyPr wrap="square" rtlCol="0">
+            <a:spAutoFit/>
+          </a:bodyPr>
+          <a:lstStyle/>
+          <a:p>
+            <a:pPr algn="ctr"/>
+            <a:r>
+              <a:rPr lang="en-US" sz="1600" dirty="0" smtClean="0"/>
+              <a:t>hidden:</a:t>
+            </a:r>
+          </a:p>
+          <a:p>
+            <a:pPr algn="ctr"/>
+            <a:r>
+              <a:rPr lang="en-US" sz="1600" dirty="0" smtClean="0"/>
+              <a:t>(</a:t>
+            </a:r>
+            <a:r>
+              <a:rPr lang="en-US" sz="1600" dirty="0" err="1" smtClean="0"/>
+              <a:t>bs</a:t>
+            </a:r>
+            <a:r>
+              <a:rPr lang="en-US" sz="1600" dirty="0" smtClean="0"/>
+              <a:t>, UNITS)</a:t>
+            </a:r>
+            <a:endParaRPr lang="en-GB" sz="1600" dirty="0"/>
+          </a:p>
+        </p:txBody>
+      </p:sp>
+      <p:sp>
+        <p:nvSpPr>
+          <p:cNvPr id="8" name="Right Arrow 7"/>
+          <p:cNvSpPr/>
+          <p:nvPr/>
+        </p:nvSpPr>
+        <p:spPr>
+          <a:xfrm>
+            <a:off x="2959608" y="1720917"/>
+            <a:ext cx="978408" cy="242316"/>
+          </a:xfrm>
+          <a:prstGeom prst="rightArrow">
+            <a:avLst/>
+          </a:prstGeom>
+        </p:spPr>
+        <p:style>
+          <a:lnRef idx="2">
+            <a:schemeClr val="accent1">
+              <a:shade val="50000"/>
+            </a:schemeClr>
+          </a:lnRef>
+          <a:fillRef idx="1">
+            <a:schemeClr val="accent1"/>
+          </a:fillRef>
+          <a:effectRef idx="0">
+            <a:schemeClr val="accent1"/>
+          </a:effectRef>
+          <a:fontRef idx="minor">
+            <a:schemeClr val="lt1"/>
+          </a:fontRef>
+        </p:style>
+        <p:txBody>
+          <a:bodyPr rtlCol="0" anchor="ctr"/>
+          <a:lstStyle/>
+          <a:p>
+            <a:pPr algn="ctr"/>
+            <a:endParaRPr lang="en-GB"/>
+          </a:p>
+        </p:txBody>
+      </p:sp>
+      <p:sp>
+        <p:nvSpPr>
+          <p:cNvPr id="9" name="TextBox 8"/>
+          <p:cNvSpPr txBox="1"/>
+          <p:nvPr/>
+        </p:nvSpPr>
+        <p:spPr>
+          <a:xfrm>
+            <a:off x="3938016" y="1657409"/>
+            <a:ext cx="1626214" cy="369332"/>
+          </a:xfrm>
+          <a:prstGeom prst="rect">
+            <a:avLst/>
+          </a:prstGeom>
+          <a:noFill/>
+        </p:spPr>
+        <p:txBody>
+          <a:bodyPr wrap="none" rtlCol="0">
+            <a:spAutoFit/>
+          </a:bodyPr>
+          <a:lstStyle/>
+          <a:p>
+            <a:r>
+              <a:rPr lang="en-US" dirty="0" err="1" smtClean="0"/>
+              <a:t>tf.expand_dims</a:t>
+            </a:r>
+            <a:endParaRPr lang="en-GB" dirty="0"/>
+          </a:p>
+        </p:txBody>
+      </p:sp>
+      <p:sp>
+        <p:nvSpPr>
+          <p:cNvPr id="10" name="Right Arrow 9"/>
+          <p:cNvSpPr/>
+          <p:nvPr/>
+        </p:nvSpPr>
+        <p:spPr>
+          <a:xfrm>
+            <a:off x="5564230" y="1720917"/>
+            <a:ext cx="978408" cy="242316"/>
+          </a:xfrm>
+          <a:prstGeom prst="rightArrow">
+            <a:avLst/>
+          </a:prstGeom>
+        </p:spPr>
+        <p:style>
+          <a:lnRef idx="2">
+            <a:schemeClr val="accent1">
+              <a:shade val="50000"/>
+            </a:schemeClr>
+          </a:lnRef>
+          <a:fillRef idx="1">
+            <a:schemeClr val="accent1"/>
+          </a:fillRef>
+          <a:effectRef idx="0">
+            <a:schemeClr val="accent1"/>
+          </a:effectRef>
+          <a:fontRef idx="minor">
+            <a:schemeClr val="lt1"/>
+          </a:fontRef>
+        </p:style>
+        <p:txBody>
+          <a:bodyPr rtlCol="0" anchor="ctr"/>
+          <a:lstStyle/>
+          <a:p>
+            <a:pPr algn="ctr"/>
+            <a:endParaRPr lang="en-GB"/>
+          </a:p>
+        </p:txBody>
+      </p:sp>
+      <p:sp>
+        <p:nvSpPr>
+          <p:cNvPr id="11" name="Flowchart: Multidocument 10"/>
+          <p:cNvSpPr/>
+          <p:nvPr/>
+        </p:nvSpPr>
+        <p:spPr>
+          <a:xfrm>
+            <a:off x="6661404" y="1590615"/>
+            <a:ext cx="594360" cy="502920"/>
+          </a:xfrm>
+          <a:prstGeom prst="flowChartMultidocument">
+            <a:avLst/>
+          </a:prstGeom>
+        </p:spPr>
+        <p:style>
+          <a:lnRef idx="2">
+            <a:schemeClr val="accent1">
+              <a:shade val="50000"/>
+            </a:schemeClr>
+          </a:lnRef>
+          <a:fillRef idx="1">
+            <a:schemeClr val="accent1"/>
+          </a:fillRef>
+          <a:effectRef idx="0">
+            <a:schemeClr val="accent1"/>
+          </a:effectRef>
+          <a:fontRef idx="minor">
+            <a:schemeClr val="lt1"/>
+          </a:fontRef>
+        </p:style>
+        <p:txBody>
+          <a:bodyPr rtlCol="0" anchor="ctr"/>
+          <a:lstStyle/>
+          <a:p>
+            <a:pPr algn="ctr"/>
+            <a:endParaRPr lang="en-GB"/>
+          </a:p>
+        </p:txBody>
+      </p:sp>
+      <p:sp>
+        <p:nvSpPr>
+          <p:cNvPr id="12" name="TextBox 11"/>
+          <p:cNvSpPr txBox="1"/>
+          <p:nvPr/>
+        </p:nvSpPr>
+        <p:spPr>
+          <a:xfrm>
+            <a:off x="6175248" y="2026920"/>
+            <a:ext cx="1600200" cy="584775"/>
+          </a:xfrm>
+          <a:prstGeom prst="rect">
+            <a:avLst/>
+          </a:prstGeom>
+          <a:noFill/>
+        </p:spPr>
+        <p:txBody>
+          <a:bodyPr wrap="square" rtlCol="0">
+            <a:spAutoFit/>
+          </a:bodyPr>
+          <a:lstStyle/>
+          <a:p>
+            <a:pPr algn="ctr"/>
+            <a:r>
+              <a:rPr lang="en-US" sz="1600" dirty="0" smtClean="0"/>
+              <a:t>hidden:</a:t>
+            </a:r>
+          </a:p>
+          <a:p>
+            <a:pPr algn="ctr"/>
+            <a:r>
+              <a:rPr lang="en-US" sz="1600" dirty="0" smtClean="0"/>
+              <a:t>(</a:t>
+            </a:r>
+            <a:r>
+              <a:rPr lang="en-US" sz="1600" dirty="0" err="1" smtClean="0"/>
+              <a:t>bs</a:t>
+            </a:r>
+            <a:r>
+              <a:rPr lang="en-US" sz="1600" dirty="0" smtClean="0"/>
+              <a:t>, 1, UNITS)</a:t>
+            </a:r>
+            <a:endParaRPr lang="en-GB" sz="1600" dirty="0"/>
+          </a:p>
+        </p:txBody>
+      </p:sp>
+      <p:sp>
+        <p:nvSpPr>
+          <p:cNvPr id="13" name="Left Brace 12"/>
+          <p:cNvSpPr/>
+          <p:nvPr/>
+        </p:nvSpPr>
+        <p:spPr>
+          <a:xfrm rot="16200000">
+            <a:off x="5486506" y="2529840"/>
+            <a:ext cx="155448" cy="914400"/>
+          </a:xfrm>
+          <a:prstGeom prst="leftBrace">
+            <a:avLst/>
+          </a:prstGeom>
+          <a:ln w="28575"/>
+        </p:spPr>
+        <p:style>
+          <a:lnRef idx="1">
+            <a:schemeClr val="accent1"/>
+          </a:lnRef>
+          <a:fillRef idx="0">
+            <a:schemeClr val="accent1"/>
+          </a:fillRef>
+          <a:effectRef idx="0">
+            <a:schemeClr val="accent1"/>
+          </a:effectRef>
+          <a:fontRef idx="minor">
+            <a:schemeClr val="tx1"/>
+          </a:fontRef>
+        </p:style>
+        <p:txBody>
+          <a:bodyPr rtlCol="0" anchor="ctr"/>
+          <a:lstStyle/>
+          <a:p>
+            <a:pPr algn="ctr"/>
+            <a:endParaRPr lang="en-GB"/>
+          </a:p>
+        </p:txBody>
+      </p:sp>
+      <p:sp>
+        <p:nvSpPr>
+          <p:cNvPr id="14" name="Left Brace 13"/>
+          <p:cNvSpPr/>
+          <p:nvPr/>
+        </p:nvSpPr>
+        <p:spPr>
+          <a:xfrm rot="16200000">
+            <a:off x="7544615" y="1922578"/>
+            <a:ext cx="155448" cy="2159402"/>
+          </a:xfrm>
+          <a:prstGeom prst="leftBrace">
+            <a:avLst/>
+          </a:prstGeom>
+          <a:ln w="28575"/>
+        </p:spPr>
+        <p:style>
+          <a:lnRef idx="1">
+            <a:schemeClr val="accent1"/>
+          </a:lnRef>
+          <a:fillRef idx="0">
+            <a:schemeClr val="accent1"/>
+          </a:fillRef>
+          <a:effectRef idx="0">
+            <a:schemeClr val="accent1"/>
+          </a:effectRef>
+          <a:fontRef idx="minor">
+            <a:schemeClr val="tx1"/>
+          </a:fontRef>
+        </p:style>
+        <p:txBody>
+          <a:bodyPr rtlCol="0" anchor="ctr"/>
+          <a:lstStyle/>
+          <a:p>
+            <a:pPr algn="ctr"/>
+            <a:endParaRPr lang="en-GB"/>
+          </a:p>
+        </p:txBody>
+      </p:sp>
+      <p:sp>
+        <p:nvSpPr>
+          <p:cNvPr id="15" name="Left Brace 14"/>
+          <p:cNvSpPr/>
+          <p:nvPr/>
+        </p:nvSpPr>
+        <p:spPr>
+          <a:xfrm rot="16200000">
+            <a:off x="5366163" y="2849933"/>
+            <a:ext cx="155448" cy="1219094"/>
+          </a:xfrm>
+          <a:prstGeom prst="leftBrace">
+            <a:avLst/>
+          </a:prstGeom>
+          <a:ln w="28575"/>
+        </p:spPr>
+        <p:style>
+          <a:lnRef idx="1">
+            <a:schemeClr val="accent1"/>
+          </a:lnRef>
+          <a:fillRef idx="0">
+            <a:schemeClr val="accent1"/>
+          </a:fillRef>
+          <a:effectRef idx="0">
+            <a:schemeClr val="accent1"/>
+          </a:effectRef>
+          <a:fontRef idx="minor">
+            <a:schemeClr val="tx1"/>
+          </a:fontRef>
+        </p:style>
+        <p:txBody>
+          <a:bodyPr rtlCol="0" anchor="ctr"/>
+          <a:lstStyle/>
+          <a:p>
+            <a:pPr algn="ctr"/>
+            <a:endParaRPr lang="en-GB"/>
+          </a:p>
+        </p:txBody>
+      </p:sp>
+      <p:sp>
+        <p:nvSpPr>
+          <p:cNvPr id="16" name="Left Brace 15"/>
+          <p:cNvSpPr/>
+          <p:nvPr/>
+        </p:nvSpPr>
+        <p:spPr>
+          <a:xfrm rot="16200000">
+            <a:off x="7468769" y="2089048"/>
+            <a:ext cx="77724" cy="2663137"/>
+          </a:xfrm>
+          <a:prstGeom prst="leftBrace">
+            <a:avLst/>
+          </a:prstGeom>
+          <a:ln w="28575"/>
+        </p:spPr>
+        <p:style>
+          <a:lnRef idx="1">
+            <a:schemeClr val="accent1"/>
+          </a:lnRef>
+          <a:fillRef idx="0">
+            <a:schemeClr val="accent1"/>
+          </a:fillRef>
+          <a:effectRef idx="0">
+            <a:schemeClr val="accent1"/>
+          </a:effectRef>
+          <a:fontRef idx="minor">
+            <a:schemeClr val="tx1"/>
+          </a:fontRef>
+        </p:style>
+        <p:txBody>
+          <a:bodyPr rtlCol="0" anchor="ctr"/>
+          <a:lstStyle/>
+          <a:p>
+            <a:pPr algn="ctr"/>
+            <a:endParaRPr lang="en-GB"/>
+          </a:p>
+        </p:txBody>
+      </p:sp>
+      <p:sp>
+        <p:nvSpPr>
+          <p:cNvPr id="17" name="Left Brace 16"/>
+          <p:cNvSpPr/>
+          <p:nvPr/>
+        </p:nvSpPr>
+        <p:spPr>
+          <a:xfrm rot="16200000">
+            <a:off x="6298392" y="1497787"/>
+            <a:ext cx="77723" cy="5003897"/>
+          </a:xfrm>
+          <a:prstGeom prst="leftBrace">
+            <a:avLst/>
+          </a:prstGeom>
+          <a:ln w="28575"/>
+        </p:spPr>
+        <p:style>
+          <a:lnRef idx="1">
+            <a:schemeClr val="accent1"/>
+          </a:lnRef>
+          <a:fillRef idx="0">
+            <a:schemeClr val="accent1"/>
+          </a:fillRef>
+          <a:effectRef idx="0">
+            <a:schemeClr val="accent1"/>
+          </a:effectRef>
+          <a:fontRef idx="minor">
+            <a:schemeClr val="tx1"/>
+          </a:fontRef>
+        </p:style>
+        <p:txBody>
+          <a:bodyPr rtlCol="0" anchor="ctr"/>
+          <a:lstStyle/>
+          <a:p>
+            <a:pPr algn="ctr"/>
+            <a:endParaRPr lang="en-GB"/>
+          </a:p>
+        </p:txBody>
+      </p:sp>
+      <p:sp>
+        <p:nvSpPr>
+          <p:cNvPr id="18" name="TextBox 17"/>
+          <p:cNvSpPr txBox="1"/>
+          <p:nvPr/>
+        </p:nvSpPr>
+        <p:spPr>
+          <a:xfrm>
+            <a:off x="4933736" y="3118877"/>
+            <a:ext cx="1212768" cy="338554"/>
+          </a:xfrm>
+          <a:prstGeom prst="rect">
+            <a:avLst/>
+          </a:prstGeom>
+          <a:noFill/>
+        </p:spPr>
+        <p:txBody>
+          <a:bodyPr wrap="none" rtlCol="0">
+            <a:spAutoFit/>
+          </a:bodyPr>
+          <a:lstStyle/>
+          <a:p>
+            <a:r>
+              <a:rPr lang="en-US" sz="1600" dirty="0" smtClean="0"/>
+              <a:t>(</a:t>
+            </a:r>
+            <a:r>
+              <a:rPr lang="en-US" sz="1600" dirty="0" err="1" smtClean="0"/>
+              <a:t>bs</a:t>
+            </a:r>
+            <a:r>
+              <a:rPr lang="en-US" sz="1600" dirty="0" smtClean="0"/>
+              <a:t>, 64, 256)</a:t>
+            </a:r>
+            <a:endParaRPr lang="en-GB" sz="1600" dirty="0"/>
+          </a:p>
+        </p:txBody>
+      </p:sp>
+      <p:sp>
+        <p:nvSpPr>
+          <p:cNvPr id="19" name="TextBox 18"/>
+          <p:cNvSpPr txBox="1"/>
+          <p:nvPr/>
+        </p:nvSpPr>
+        <p:spPr>
+          <a:xfrm>
+            <a:off x="7015955" y="3064764"/>
+            <a:ext cx="1304716" cy="338554"/>
+          </a:xfrm>
+          <a:prstGeom prst="rect">
+            <a:avLst/>
+          </a:prstGeom>
+          <a:noFill/>
+        </p:spPr>
+        <p:txBody>
+          <a:bodyPr wrap="none" rtlCol="0">
+            <a:spAutoFit/>
+          </a:bodyPr>
+          <a:lstStyle/>
+          <a:p>
+            <a:r>
+              <a:rPr lang="en-US" sz="1600" dirty="0" smtClean="0"/>
+              <a:t>(</a:t>
+            </a:r>
+            <a:r>
+              <a:rPr lang="en-US" sz="1600" dirty="0" err="1" smtClean="0"/>
+              <a:t>bs</a:t>
+            </a:r>
+            <a:r>
+              <a:rPr lang="en-US" sz="1600" dirty="0" smtClean="0"/>
+              <a:t>, 1, UNITS)</a:t>
+            </a:r>
+            <a:endParaRPr lang="en-GB" sz="1600" dirty="0"/>
+          </a:p>
+        </p:txBody>
+      </p:sp>
+      <p:sp>
+        <p:nvSpPr>
+          <p:cNvPr id="20" name="TextBox 19"/>
+          <p:cNvSpPr txBox="1"/>
+          <p:nvPr/>
+        </p:nvSpPr>
+        <p:spPr>
+          <a:xfrm>
+            <a:off x="4808662" y="3604508"/>
+            <a:ext cx="1212768" cy="338554"/>
+          </a:xfrm>
+          <a:prstGeom prst="rect">
+            <a:avLst/>
+          </a:prstGeom>
+          <a:noFill/>
+        </p:spPr>
+        <p:txBody>
+          <a:bodyPr wrap="none" rtlCol="0">
+            <a:spAutoFit/>
+          </a:bodyPr>
+          <a:lstStyle/>
+          <a:p>
+            <a:r>
+              <a:rPr lang="en-US" sz="1600" dirty="0" smtClean="0"/>
+              <a:t>(</a:t>
+            </a:r>
+            <a:r>
+              <a:rPr lang="en-US" sz="1600" dirty="0" err="1" smtClean="0"/>
+              <a:t>bs</a:t>
+            </a:r>
+            <a:r>
+              <a:rPr lang="en-US" sz="1600" dirty="0" smtClean="0"/>
+              <a:t>, 64, 512)</a:t>
+            </a:r>
+            <a:endParaRPr lang="en-GB" sz="1600" dirty="0"/>
+          </a:p>
+        </p:txBody>
+      </p:sp>
+      <p:sp>
+        <p:nvSpPr>
+          <p:cNvPr id="21" name="TextBox 20"/>
+          <p:cNvSpPr txBox="1"/>
+          <p:nvPr/>
+        </p:nvSpPr>
+        <p:spPr>
+          <a:xfrm>
+            <a:off x="6958584" y="3604508"/>
+            <a:ext cx="1212768" cy="338554"/>
+          </a:xfrm>
+          <a:prstGeom prst="rect">
+            <a:avLst/>
+          </a:prstGeom>
+          <a:noFill/>
+        </p:spPr>
+        <p:txBody>
+          <a:bodyPr wrap="none" rtlCol="0">
+            <a:spAutoFit/>
+          </a:bodyPr>
+          <a:lstStyle/>
+          <a:p>
+            <a:r>
+              <a:rPr lang="en-US" sz="1600" dirty="0" smtClean="0"/>
+              <a:t>(</a:t>
+            </a:r>
+            <a:r>
+              <a:rPr lang="en-US" sz="1600" dirty="0" err="1" smtClean="0"/>
+              <a:t>bs</a:t>
+            </a:r>
+            <a:r>
+              <a:rPr lang="en-US" sz="1600" dirty="0" smtClean="0"/>
+              <a:t>, 64, 512)</a:t>
+            </a:r>
+            <a:endParaRPr lang="en-GB" sz="1600" dirty="0"/>
+          </a:p>
+        </p:txBody>
+      </p:sp>
+      <p:sp>
+        <p:nvSpPr>
+          <p:cNvPr id="22" name="TextBox 21"/>
+          <p:cNvSpPr txBox="1"/>
+          <p:nvPr/>
+        </p:nvSpPr>
+        <p:spPr>
+          <a:xfrm>
+            <a:off x="5730869" y="4099557"/>
+            <a:ext cx="1212768" cy="338554"/>
+          </a:xfrm>
+          <a:prstGeom prst="rect">
+            <a:avLst/>
+          </a:prstGeom>
+          <a:noFill/>
+        </p:spPr>
+        <p:txBody>
+          <a:bodyPr wrap="none" rtlCol="0">
+            <a:spAutoFit/>
+          </a:bodyPr>
+          <a:lstStyle/>
+          <a:p>
+            <a:r>
+              <a:rPr lang="en-US" sz="1600" dirty="0" smtClean="0"/>
+              <a:t>(</a:t>
+            </a:r>
+            <a:r>
+              <a:rPr lang="en-US" sz="1600" dirty="0" err="1" smtClean="0"/>
+              <a:t>bs</a:t>
+            </a:r>
+            <a:r>
+              <a:rPr lang="en-US" sz="1600" dirty="0" smtClean="0"/>
+              <a:t>, 64, 512)</a:t>
+            </a:r>
+            <a:endParaRPr lang="en-GB" sz="1600" dirty="0"/>
+          </a:p>
+        </p:txBody>
+      </p:sp>
+    </p:spTree>
+    <p:extLst>
+      <p:ext uri="{BB962C8B-B14F-4D97-AF65-F5344CB8AC3E}">
+        <p14:creationId xmlns:p14="http://schemas.microsoft.com/office/powerpoint/2010/main" val="1384652960"/>
+      </p:ext>
+    </p:extLst>
+  </p:cSld>
+  <p:clrMapOvr>
+    <a:masterClrMapping/>
+  </p:clrMapOvr>
+  <p:timing>
+    <p:tnLst>
+      <p:par>
+        <p:cTn id="1" dur="indefinite" restart="never" nodeType="tmRoot"/>
+      </p:par>
+    </p:tnLst>
+  </p:timing>
+</p:sld>
+</file>
+
+<file path=ppt/slides/slide34.xml><?xml version="1.0" encoding="utf-8"?>
+<p:sld xmlns:a="http://schemas.openxmlformats.org/drawingml/2006/main" xmlns:r="http://schemas.openxmlformats.org/officeDocument/2006/relationships" xmlns:p="http://schemas.openxmlformats.org/presentationml/2006/main">
+  <p:cSld>
+    <p:spTree>
+      <p:nvGrpSpPr>
+        <p:cNvPr id="1" name=""/>
+        <p:cNvGrpSpPr/>
+        <p:nvPr/>
+      </p:nvGrpSpPr>
+      <p:grpSpPr>
+        <a:xfrm>
+          <a:off x="0" y="0"/>
+          <a:ext cx="0" cy="0"/>
+          <a:chOff x="0" y="0"/>
+          <a:chExt cx="0" cy="0"/>
+        </a:xfrm>
+      </p:grpSpPr>
+      <p:sp>
+        <p:nvSpPr>
+          <p:cNvPr id="2" name="Title 1">
+            <a:extLst>
+              <a:ext uri="{FF2B5EF4-FFF2-40B4-BE49-F238E27FC236}">
+                <a16:creationId xmlns="" xmlns:a16="http://schemas.microsoft.com/office/drawing/2014/main" id="{9F53C0E6-5CA5-48E1-B370-E678425399F4}"/>
+              </a:ext>
+            </a:extLst>
+          </p:cNvPr>
+          <p:cNvSpPr>
+            <a:spLocks noGrp="1"/>
+          </p:cNvSpPr>
+          <p:nvPr>
+            <p:ph type="title"/>
+          </p:nvPr>
+        </p:nvSpPr>
+        <p:spPr>
+          <a:xfrm>
+            <a:off x="838200" y="365125"/>
+            <a:ext cx="10515600" cy="827571"/>
+          </a:xfrm>
+        </p:spPr>
+        <p:txBody>
+          <a:bodyPr/>
+          <a:lstStyle/>
+          <a:p>
+            <a:r>
+              <a:rPr lang="en-IN" dirty="0"/>
+              <a:t>Training &amp; Neural Networks Specific…</a:t>
+            </a:r>
+            <a:endParaRPr lang="en-IN" dirty="0"/>
+          </a:p>
+        </p:txBody>
+      </p:sp>
+      <p:sp>
+        <p:nvSpPr>
+          <p:cNvPr id="3" name="Content Placeholder 2">
+            <a:extLst>
+              <a:ext uri="{FF2B5EF4-FFF2-40B4-BE49-F238E27FC236}">
+                <a16:creationId xmlns="" xmlns:a16="http://schemas.microsoft.com/office/drawing/2014/main" id="{F0A4581A-26B3-40E7-A945-90C4D9B58292}"/>
+              </a:ext>
+            </a:extLst>
+          </p:cNvPr>
+          <p:cNvSpPr>
+            <a:spLocks noGrp="1"/>
+          </p:cNvSpPr>
+          <p:nvPr>
+            <p:ph idx="1"/>
+          </p:nvPr>
+        </p:nvSpPr>
+        <p:spPr>
+          <a:xfrm>
+            <a:off x="838200" y="1192696"/>
+            <a:ext cx="10515600" cy="4984267"/>
+          </a:xfrm>
+        </p:spPr>
+        <p:txBody>
+          <a:bodyPr>
+            <a:normAutofit/>
+          </a:bodyPr>
+          <a:lstStyle/>
+          <a:p>
+            <a:pPr marL="457200" lvl="1" indent="0" algn="just">
+              <a:lnSpc>
+                <a:spcPct val="100000"/>
+              </a:lnSpc>
+              <a:spcBef>
+                <a:spcPts val="0"/>
+              </a:spcBef>
+              <a:buNone/>
+            </a:pPr>
+            <a:r>
+              <a:rPr lang="en-IN" sz="1800" i="1" dirty="0" err="1" smtClean="0"/>
+              <a:t>context_vector</a:t>
+            </a:r>
+            <a:r>
+              <a:rPr lang="en-IN" sz="1800" i="1" dirty="0" smtClean="0"/>
+              <a:t> = </a:t>
+            </a:r>
+            <a:r>
+              <a:rPr lang="en-IN" sz="1800" i="1" dirty="0" err="1" smtClean="0"/>
+              <a:t>tf.reduce_sum</a:t>
+            </a:r>
+            <a:r>
+              <a:rPr lang="en-IN" sz="1800" i="1" dirty="0" smtClean="0"/>
+              <a:t>(</a:t>
+            </a:r>
+            <a:r>
+              <a:rPr lang="en-IN" sz="1800" i="1" dirty="0" err="1" smtClean="0"/>
+              <a:t>context_vector</a:t>
+            </a:r>
+            <a:r>
+              <a:rPr lang="en-IN" sz="1800" i="1" dirty="0" smtClean="0"/>
+              <a:t>);</a:t>
+            </a:r>
+            <a:r>
+              <a:rPr lang="en-IN" sz="1800" dirty="0" smtClean="0"/>
+              <a:t> (</a:t>
+            </a:r>
+            <a:r>
+              <a:rPr lang="en-IN" sz="1800" dirty="0" err="1" smtClean="0"/>
+              <a:t>bs</a:t>
+            </a:r>
+            <a:r>
+              <a:rPr lang="en-IN" sz="1800" dirty="0" smtClean="0"/>
+              <a:t>, 64, </a:t>
+            </a:r>
+            <a:r>
+              <a:rPr lang="en-IN" sz="1800" dirty="0"/>
+              <a:t>256) </a:t>
+            </a:r>
+            <a:r>
+              <a:rPr lang="en-IN" sz="1800" dirty="0" smtClean="0"/>
+              <a:t>→ (</a:t>
+            </a:r>
+            <a:r>
+              <a:rPr lang="en-IN" sz="1800" dirty="0" err="1" smtClean="0"/>
+              <a:t>bs</a:t>
+            </a:r>
+            <a:r>
+              <a:rPr lang="en-IN" sz="1800" dirty="0" smtClean="0"/>
+              <a:t>, 256)</a:t>
+            </a:r>
+          </a:p>
+          <a:p>
+            <a:pPr marL="457200" lvl="1" indent="0" algn="just">
+              <a:lnSpc>
+                <a:spcPct val="100000"/>
+              </a:lnSpc>
+              <a:spcBef>
+                <a:spcPts val="0"/>
+              </a:spcBef>
+              <a:buNone/>
+            </a:pPr>
+            <a:r>
+              <a:rPr lang="en-IN" sz="1800" i="1" dirty="0" err="1" smtClean="0"/>
+              <a:t>decoder_input</a:t>
+            </a:r>
+            <a:r>
+              <a:rPr lang="en-IN" sz="1800" i="1" dirty="0" smtClean="0"/>
+              <a:t>        </a:t>
+            </a:r>
+            <a:r>
+              <a:rPr lang="en-IN" sz="1800" i="1" dirty="0" smtClean="0"/>
+              <a:t>→        </a:t>
+            </a:r>
+            <a:r>
+              <a:rPr lang="en-IN" sz="1800" i="1" dirty="0" err="1" smtClean="0"/>
+              <a:t>embeddings</a:t>
+            </a:r>
+            <a:r>
+              <a:rPr lang="en-IN" sz="1800" i="1" dirty="0" smtClean="0"/>
+              <a:t>        →        </a:t>
+            </a:r>
+            <a:r>
+              <a:rPr lang="en-IN" sz="1800" i="1" dirty="0" err="1" smtClean="0"/>
+              <a:t>decoder_input</a:t>
+            </a:r>
+            <a:endParaRPr lang="en-IN" sz="1800" i="1" dirty="0" smtClean="0"/>
+          </a:p>
+          <a:p>
+            <a:pPr marL="457200" lvl="1" indent="0" algn="just">
+              <a:lnSpc>
+                <a:spcPct val="100000"/>
+              </a:lnSpc>
+              <a:spcBef>
+                <a:spcPts val="0"/>
+              </a:spcBef>
+              <a:buNone/>
+            </a:pPr>
+            <a:r>
+              <a:rPr lang="en-IN" sz="1800" dirty="0" smtClean="0"/>
+              <a:t>        (</a:t>
+            </a:r>
+            <a:r>
+              <a:rPr lang="en-IN" sz="1800" dirty="0" err="1" smtClean="0"/>
+              <a:t>bs</a:t>
+            </a:r>
+            <a:r>
+              <a:rPr lang="en-IN" sz="1800" dirty="0" smtClean="0"/>
+              <a:t>, 1)                    (</a:t>
+            </a:r>
+            <a:r>
+              <a:rPr lang="en-IN" sz="1800" dirty="0" err="1" smtClean="0"/>
+              <a:t>vs</a:t>
+            </a:r>
+            <a:r>
+              <a:rPr lang="en-IN" sz="1800" dirty="0" smtClean="0"/>
+              <a:t>, ED)=(8511, 256)                (</a:t>
+            </a:r>
+            <a:r>
+              <a:rPr lang="en-IN" sz="1800" dirty="0" err="1" smtClean="0"/>
+              <a:t>bs</a:t>
+            </a:r>
+            <a:r>
+              <a:rPr lang="en-IN" sz="1800" dirty="0" smtClean="0"/>
+              <a:t>, 1, 256)</a:t>
+            </a:r>
+          </a:p>
+          <a:p>
+            <a:pPr marL="457200" lvl="1" indent="0" algn="just">
+              <a:lnSpc>
+                <a:spcPct val="100000"/>
+              </a:lnSpc>
+              <a:spcBef>
+                <a:spcPts val="0"/>
+              </a:spcBef>
+              <a:buNone/>
+            </a:pPr>
+            <a:r>
+              <a:rPr lang="en-IN" sz="1800" i="1" dirty="0" smtClean="0"/>
+              <a:t>x = </a:t>
+            </a:r>
+            <a:r>
+              <a:rPr lang="en-IN" sz="1800" i="1" dirty="0" err="1" smtClean="0"/>
+              <a:t>tf.concat</a:t>
+            </a:r>
+            <a:r>
+              <a:rPr lang="en-IN" sz="1800" i="1" dirty="0" smtClean="0"/>
+              <a:t>(</a:t>
+            </a:r>
+            <a:r>
+              <a:rPr lang="en-IN" sz="1800" i="1" dirty="0" err="1" smtClean="0"/>
+              <a:t>context_vector</a:t>
+            </a:r>
+            <a:r>
+              <a:rPr lang="en-IN" sz="1800" i="1" dirty="0" smtClean="0"/>
+              <a:t>, </a:t>
+            </a:r>
+            <a:r>
+              <a:rPr lang="en-IN" sz="1800" i="1" dirty="0" err="1" smtClean="0"/>
+              <a:t>decoder_input</a:t>
+            </a:r>
+            <a:r>
+              <a:rPr lang="en-IN" sz="1800" i="1" dirty="0" smtClean="0"/>
+              <a:t>);</a:t>
+            </a:r>
+            <a:r>
+              <a:rPr lang="en-IN" sz="1800" dirty="0" smtClean="0"/>
+              <a:t> </a:t>
+            </a:r>
+            <a:r>
+              <a:rPr lang="en-IN" sz="1800" dirty="0" err="1" smtClean="0"/>
+              <a:t>concat</a:t>
+            </a:r>
+            <a:r>
+              <a:rPr lang="en-IN" sz="1800" dirty="0" smtClean="0"/>
+              <a:t>((</a:t>
+            </a:r>
+            <a:r>
+              <a:rPr lang="en-IN" sz="1800" dirty="0" err="1" smtClean="0"/>
+              <a:t>bs</a:t>
+            </a:r>
+            <a:r>
+              <a:rPr lang="en-IN" sz="1800" dirty="0" smtClean="0"/>
+              <a:t>, 256), (</a:t>
+            </a:r>
+            <a:r>
+              <a:rPr lang="en-IN" sz="1800" dirty="0" err="1" smtClean="0"/>
+              <a:t>bs</a:t>
+            </a:r>
+            <a:r>
+              <a:rPr lang="en-IN" sz="1800" dirty="0" smtClean="0"/>
+              <a:t>, 1, 256)): (</a:t>
+            </a:r>
+            <a:r>
+              <a:rPr lang="en-IN" sz="1800" dirty="0" err="1" smtClean="0"/>
+              <a:t>bs</a:t>
+            </a:r>
+            <a:r>
+              <a:rPr lang="en-IN" sz="1800" dirty="0" smtClean="0"/>
+              <a:t>, 1, 512)</a:t>
+            </a:r>
+          </a:p>
+          <a:p>
+            <a:pPr marL="457200" lvl="1" indent="0" algn="just">
+              <a:lnSpc>
+                <a:spcPct val="100000"/>
+              </a:lnSpc>
+              <a:spcBef>
+                <a:spcPts val="0"/>
+              </a:spcBef>
+              <a:buNone/>
+            </a:pPr>
+            <a:r>
+              <a:rPr lang="en-IN" sz="1800" i="1" dirty="0" smtClean="0"/>
+              <a:t>                                                                          output: (</a:t>
+            </a:r>
+            <a:r>
+              <a:rPr lang="en-IN" sz="1800" i="1" dirty="0" err="1" smtClean="0"/>
+              <a:t>bs</a:t>
+            </a:r>
+            <a:r>
+              <a:rPr lang="en-IN" sz="1800" i="1" dirty="0" smtClean="0"/>
+              <a:t>, 1, 512)</a:t>
+            </a:r>
+            <a:endParaRPr lang="en-IN" sz="1800" i="1" dirty="0"/>
+          </a:p>
+          <a:p>
+            <a:pPr marL="457200" lvl="1" indent="0" algn="just">
+              <a:lnSpc>
+                <a:spcPct val="100000"/>
+              </a:lnSpc>
+              <a:spcBef>
+                <a:spcPts val="0"/>
+              </a:spcBef>
+              <a:buNone/>
+            </a:pPr>
+            <a:r>
+              <a:rPr lang="en-IN" sz="1800" i="1" dirty="0" smtClean="0"/>
+              <a:t>        x        →                GRU                 →        </a:t>
+            </a:r>
+          </a:p>
+          <a:p>
+            <a:pPr marL="457200" lvl="1" indent="0" algn="just">
+              <a:lnSpc>
+                <a:spcPct val="100000"/>
+              </a:lnSpc>
+              <a:spcBef>
+                <a:spcPts val="0"/>
+              </a:spcBef>
+              <a:buNone/>
+            </a:pPr>
+            <a:r>
+              <a:rPr lang="en-IN" sz="1800" i="1" dirty="0" smtClean="0"/>
+              <a:t>(</a:t>
+            </a:r>
+            <a:r>
+              <a:rPr lang="en-IN" sz="1800" i="1" dirty="0" err="1" smtClean="0"/>
+              <a:t>bs</a:t>
+            </a:r>
+            <a:r>
+              <a:rPr lang="en-IN" sz="1800" i="1" dirty="0" smtClean="0"/>
+              <a:t>, 1, 512)         (UNITS = 512))                    state: (</a:t>
+            </a:r>
+            <a:r>
+              <a:rPr lang="en-IN" sz="1800" i="1" dirty="0" err="1" smtClean="0"/>
+              <a:t>bs</a:t>
+            </a:r>
+            <a:r>
+              <a:rPr lang="en-IN" sz="1800" i="1" dirty="0" smtClean="0"/>
+              <a:t>, 512)</a:t>
+            </a:r>
+          </a:p>
+          <a:p>
+            <a:pPr marL="457200" lvl="1" indent="0" algn="just">
+              <a:lnSpc>
+                <a:spcPct val="100000"/>
+              </a:lnSpc>
+              <a:spcBef>
+                <a:spcPts val="0"/>
+              </a:spcBef>
+              <a:buNone/>
+            </a:pPr>
+            <a:endParaRPr lang="en-IN" sz="1800" i="1" dirty="0" smtClean="0"/>
+          </a:p>
+          <a:p>
+            <a:pPr marL="457200" lvl="1" indent="0" algn="just">
+              <a:lnSpc>
+                <a:spcPct val="100000"/>
+              </a:lnSpc>
+              <a:spcBef>
+                <a:spcPts val="0"/>
+              </a:spcBef>
+              <a:buNone/>
+            </a:pPr>
+            <a:r>
+              <a:rPr lang="en-IN" sz="1800" i="1" dirty="0"/>
+              <a:t> </a:t>
+            </a:r>
+            <a:r>
+              <a:rPr lang="en-IN" sz="1800" i="1" dirty="0" smtClean="0"/>
+              <a:t>       x        </a:t>
+            </a:r>
+            <a:r>
+              <a:rPr lang="en-IN" sz="1800" i="1" dirty="0"/>
+              <a:t> </a:t>
+            </a:r>
+            <a:r>
+              <a:rPr lang="en-IN" sz="1800" i="1" dirty="0" smtClean="0"/>
+              <a:t>    →                fc1                 </a:t>
+            </a:r>
+            <a:r>
+              <a:rPr lang="en-IN" sz="1800" i="1" dirty="0"/>
+              <a:t> → </a:t>
+            </a:r>
+            <a:r>
+              <a:rPr lang="en-IN" sz="1800" i="1" dirty="0" smtClean="0"/>
+              <a:t>                x              </a:t>
+            </a:r>
+            <a:r>
+              <a:rPr lang="en-IN" sz="1800" i="1" dirty="0"/>
+              <a:t> → </a:t>
+            </a:r>
+            <a:r>
+              <a:rPr lang="en-IN" sz="1800" i="1" dirty="0" smtClean="0"/>
+              <a:t> </a:t>
+            </a:r>
+            <a:r>
+              <a:rPr lang="en-IN" sz="1800" dirty="0" smtClean="0"/>
+              <a:t>RESHAPE</a:t>
+            </a:r>
+            <a:r>
+              <a:rPr lang="en-IN" sz="1800" i="1" dirty="0" smtClean="0"/>
+              <a:t>  </a:t>
+            </a:r>
+            <a:r>
+              <a:rPr lang="en-IN" sz="1800" i="1" dirty="0"/>
+              <a:t>→ </a:t>
+            </a:r>
+            <a:r>
+              <a:rPr lang="en-IN" sz="1800" i="1" dirty="0" smtClean="0"/>
+              <a:t>             x</a:t>
+            </a:r>
+          </a:p>
+          <a:p>
+            <a:pPr marL="457200" lvl="1" indent="0" algn="just">
+              <a:lnSpc>
+                <a:spcPct val="100000"/>
+              </a:lnSpc>
+              <a:spcBef>
+                <a:spcPts val="0"/>
+              </a:spcBef>
+              <a:buNone/>
+            </a:pPr>
+            <a:r>
+              <a:rPr lang="en-IN" sz="1800" i="1" dirty="0" smtClean="0"/>
+              <a:t>(</a:t>
+            </a:r>
+            <a:r>
+              <a:rPr lang="en-IN" sz="1800" i="1" dirty="0" err="1" smtClean="0"/>
+              <a:t>bs</a:t>
+            </a:r>
+            <a:r>
+              <a:rPr lang="en-IN" sz="1800" i="1" dirty="0" smtClean="0"/>
+              <a:t>, 1, 512)           (UNITS = 512)                        (</a:t>
+            </a:r>
+            <a:r>
+              <a:rPr lang="en-IN" sz="1800" i="1" dirty="0" err="1" smtClean="0"/>
+              <a:t>bs</a:t>
+            </a:r>
+            <a:r>
+              <a:rPr lang="en-IN" sz="1800" i="1" dirty="0" smtClean="0"/>
+              <a:t>, 1, 512)                                          (</a:t>
+            </a:r>
+            <a:r>
+              <a:rPr lang="en-IN" sz="1800" i="1" dirty="0" err="1" smtClean="0"/>
+              <a:t>bs</a:t>
+            </a:r>
+            <a:r>
+              <a:rPr lang="en-IN" sz="1800" i="1" dirty="0" smtClean="0"/>
+              <a:t>, 512)</a:t>
+            </a:r>
+          </a:p>
+          <a:p>
+            <a:pPr marL="457200" lvl="1" indent="0" algn="just">
+              <a:lnSpc>
+                <a:spcPct val="100000"/>
+              </a:lnSpc>
+              <a:spcBef>
+                <a:spcPts val="0"/>
+              </a:spcBef>
+              <a:buNone/>
+            </a:pPr>
+            <a:endParaRPr lang="en-IN" sz="1800" i="1" dirty="0"/>
+          </a:p>
+          <a:p>
+            <a:pPr marL="457200" lvl="1" indent="0" algn="just">
+              <a:lnSpc>
+                <a:spcPct val="100000"/>
+              </a:lnSpc>
+              <a:spcBef>
+                <a:spcPts val="0"/>
+              </a:spcBef>
+              <a:buNone/>
+            </a:pPr>
+            <a:r>
+              <a:rPr lang="en-IN" sz="1800" i="1" dirty="0"/>
+              <a:t> </a:t>
+            </a:r>
+            <a:r>
+              <a:rPr lang="en-IN" sz="1800" i="1" dirty="0" smtClean="0"/>
+              <a:t>       x            </a:t>
+            </a:r>
+            <a:r>
+              <a:rPr lang="en-IN" sz="1800" i="1" dirty="0"/>
+              <a:t> → </a:t>
+            </a:r>
+            <a:r>
+              <a:rPr lang="en-IN" sz="1800" i="1" dirty="0" smtClean="0"/>
+              <a:t>               fc2                  →                 x</a:t>
+            </a:r>
+          </a:p>
+          <a:p>
+            <a:pPr marL="457200" lvl="1" indent="0" algn="just">
+              <a:lnSpc>
+                <a:spcPct val="100000"/>
+              </a:lnSpc>
+              <a:spcBef>
+                <a:spcPts val="0"/>
+              </a:spcBef>
+              <a:buNone/>
+            </a:pPr>
+            <a:r>
+              <a:rPr lang="en-IN" sz="1800" i="1" dirty="0" smtClean="0"/>
+              <a:t>  (</a:t>
+            </a:r>
+            <a:r>
+              <a:rPr lang="en-IN" sz="1800" i="1" dirty="0" err="1" smtClean="0"/>
+              <a:t>bs</a:t>
+            </a:r>
+            <a:r>
+              <a:rPr lang="en-IN" sz="1800" i="1" dirty="0" smtClean="0"/>
+              <a:t>, 512)                     (</a:t>
+            </a:r>
+            <a:r>
+              <a:rPr lang="en-IN" sz="1800" i="1" dirty="0" err="1" smtClean="0"/>
+              <a:t>vs</a:t>
+            </a:r>
+            <a:r>
+              <a:rPr lang="en-IN" sz="1800" i="1" dirty="0" smtClean="0"/>
+              <a:t> = 8511)                (</a:t>
+            </a:r>
+            <a:r>
+              <a:rPr lang="en-IN" sz="1800" i="1" dirty="0" err="1" smtClean="0"/>
+              <a:t>bs</a:t>
+            </a:r>
+            <a:r>
+              <a:rPr lang="en-IN" sz="1800" i="1" dirty="0" smtClean="0"/>
+              <a:t>, </a:t>
+            </a:r>
+            <a:r>
+              <a:rPr lang="en-IN" sz="1800" i="1" dirty="0" err="1" smtClean="0"/>
+              <a:t>vs</a:t>
+            </a:r>
+            <a:r>
+              <a:rPr lang="en-IN" sz="1800" i="1" dirty="0" smtClean="0"/>
+              <a:t>) = (</a:t>
+            </a:r>
+            <a:r>
+              <a:rPr lang="en-IN" sz="1800" i="1" dirty="0" err="1" smtClean="0"/>
+              <a:t>bs</a:t>
+            </a:r>
+            <a:r>
+              <a:rPr lang="en-IN" sz="1800" i="1" dirty="0" smtClean="0"/>
+              <a:t>, 8511)</a:t>
+            </a:r>
+          </a:p>
+          <a:p>
+            <a:pPr marL="457200" lvl="1" indent="0" algn="just">
+              <a:lnSpc>
+                <a:spcPct val="100000"/>
+              </a:lnSpc>
+              <a:spcBef>
+                <a:spcPts val="0"/>
+              </a:spcBef>
+              <a:buNone/>
+            </a:pPr>
+            <a:endParaRPr lang="en-IN" sz="1800" i="1" dirty="0" smtClean="0"/>
+          </a:p>
+          <a:p>
+            <a:pPr marL="457200" lvl="1" indent="0" algn="just">
+              <a:lnSpc>
+                <a:spcPct val="100000"/>
+              </a:lnSpc>
+              <a:spcBef>
+                <a:spcPts val="0"/>
+              </a:spcBef>
+              <a:buNone/>
+            </a:pPr>
+            <a:r>
+              <a:rPr lang="en-IN" sz="1800" dirty="0" smtClean="0"/>
+              <a:t>Now, ‘x’ is prediction made by model and state is “hidden”.</a:t>
+            </a:r>
+          </a:p>
+          <a:p>
+            <a:pPr marL="457200" lvl="1" indent="0" algn="just">
+              <a:lnSpc>
+                <a:spcPct val="100000"/>
+              </a:lnSpc>
+              <a:spcBef>
+                <a:spcPts val="0"/>
+              </a:spcBef>
+              <a:buNone/>
+            </a:pPr>
+            <a:r>
+              <a:rPr lang="en-IN" sz="1800" dirty="0" smtClean="0"/>
+              <a:t>Update: </a:t>
+            </a:r>
+            <a:r>
+              <a:rPr lang="en-IN" sz="1800" dirty="0" err="1" smtClean="0"/>
+              <a:t>dec_input</a:t>
+            </a:r>
+            <a:r>
+              <a:rPr lang="en-IN" sz="1800" dirty="0" smtClean="0"/>
+              <a:t> = numerical vector for next word from “target”</a:t>
+            </a:r>
+          </a:p>
+          <a:p>
+            <a:pPr marL="457200" lvl="1" indent="0" algn="just">
+              <a:lnSpc>
+                <a:spcPct val="100000"/>
+              </a:lnSpc>
+              <a:spcBef>
+                <a:spcPts val="0"/>
+              </a:spcBef>
+              <a:buNone/>
+            </a:pPr>
+            <a:r>
+              <a:rPr lang="en-IN" sz="1800" dirty="0" smtClean="0"/>
+              <a:t>Iterate again over step 4 until for-loop terminates &amp; then over all training instances in the same manner.</a:t>
+            </a:r>
+            <a:endParaRPr lang="en-IN" sz="1800" dirty="0"/>
+          </a:p>
+        </p:txBody>
+      </p:sp>
+      <p:sp>
+        <p:nvSpPr>
+          <p:cNvPr id="4" name="Footer Placeholder 3">
+            <a:extLst>
+              <a:ext uri="{FF2B5EF4-FFF2-40B4-BE49-F238E27FC236}">
+                <a16:creationId xmlns="" xmlns:a16="http://schemas.microsoft.com/office/drawing/2014/main" id="{540972A1-4BB3-4D04-B4DF-C76BA9B5CAD8}"/>
+              </a:ext>
+            </a:extLst>
+          </p:cNvPr>
+          <p:cNvSpPr>
+            <a:spLocks noGrp="1"/>
+          </p:cNvSpPr>
+          <p:nvPr>
+            <p:ph type="ftr" sz="quarter" idx="11"/>
+          </p:nvPr>
+        </p:nvSpPr>
+        <p:spPr/>
+        <p:txBody>
+          <a:bodyPr/>
+          <a:lstStyle/>
+          <a:p>
+            <a:r>
+              <a:rPr lang="en-US"/>
+              <a:t>Sanjay Singh | san.singhsanjay@gmail.com</a:t>
+            </a:r>
+            <a:endParaRPr lang="en-IN"/>
+          </a:p>
+        </p:txBody>
+      </p:sp>
+      <p:sp>
+        <p:nvSpPr>
+          <p:cNvPr id="5" name="Slide Number Placeholder 4">
+            <a:extLst>
+              <a:ext uri="{FF2B5EF4-FFF2-40B4-BE49-F238E27FC236}">
+                <a16:creationId xmlns="" xmlns:a16="http://schemas.microsoft.com/office/drawing/2014/main" id="{23B5C741-F1AB-463E-B229-974B2924B065}"/>
+              </a:ext>
+            </a:extLst>
+          </p:cNvPr>
+          <p:cNvSpPr>
+            <a:spLocks noGrp="1"/>
+          </p:cNvSpPr>
+          <p:nvPr>
+            <p:ph type="sldNum" sz="quarter" idx="12"/>
+          </p:nvPr>
+        </p:nvSpPr>
+        <p:spPr/>
+        <p:txBody>
+          <a:bodyPr/>
+          <a:lstStyle/>
+          <a:p>
+            <a:fld id="{EC53106F-9B43-4B1F-BCB9-D94FA7734D96}" type="slidenum">
+              <a:rPr lang="en-IN" smtClean="0"/>
+              <a:t>34</a:t>
+            </a:fld>
+            <a:endParaRPr lang="en-IN"/>
+          </a:p>
+        </p:txBody>
+      </p:sp>
+      <p:sp>
+        <p:nvSpPr>
+          <p:cNvPr id="6" name="Left Brace 5"/>
+          <p:cNvSpPr/>
+          <p:nvPr/>
+        </p:nvSpPr>
+        <p:spPr>
+          <a:xfrm>
+            <a:off x="5105400" y="2377440"/>
+            <a:ext cx="77724" cy="716280"/>
+          </a:xfrm>
+          <a:prstGeom prst="leftBrace">
+            <a:avLst/>
+          </a:prstGeom>
+          <a:ln w="28575">
+            <a:solidFill>
+              <a:schemeClr val="tx1"/>
+            </a:solidFill>
+          </a:ln>
+        </p:spPr>
+        <p:style>
+          <a:lnRef idx="1">
+            <a:schemeClr val="accent1"/>
+          </a:lnRef>
+          <a:fillRef idx="0">
+            <a:schemeClr val="accent1"/>
+          </a:fillRef>
+          <a:effectRef idx="0">
+            <a:schemeClr val="accent1"/>
+          </a:effectRef>
+          <a:fontRef idx="minor">
+            <a:schemeClr val="tx1"/>
+          </a:fontRef>
+        </p:style>
+        <p:txBody>
+          <a:bodyPr rtlCol="0" anchor="ctr"/>
+          <a:lstStyle/>
+          <a:p>
+            <a:pPr algn="ctr"/>
+            <a:r>
+              <a:rPr lang="en-US" dirty="0" smtClean="0"/>
+              <a:t>   </a:t>
+            </a:r>
+            <a:endParaRPr lang="en-GB" dirty="0"/>
+          </a:p>
+        </p:txBody>
+      </p:sp>
+    </p:spTree>
+    <p:extLst>
+      <p:ext uri="{BB962C8B-B14F-4D97-AF65-F5344CB8AC3E}">
+        <p14:creationId xmlns:p14="http://schemas.microsoft.com/office/powerpoint/2010/main" val="3749444472"/>
+      </p:ext>
+    </p:extLst>
+  </p:cSld>
+  <p:clrMapOvr>
+    <a:masterClrMapping/>
+  </p:clrMapOvr>
+  <p:timing>
+    <p:tnLst>
+      <p:par>
+        <p:cTn id="1" dur="indefinite" restart="never" nodeType="tmRoot"/>
+      </p:par>
+    </p:tnLst>
+  </p:timing>
+</p:sld>
+</file>
+
+<file path=ppt/slides/slide35.xml><?xml version="1.0" encoding="utf-8"?>
+<p:sld xmlns:a="http://schemas.openxmlformats.org/drawingml/2006/main" xmlns:r="http://schemas.openxmlformats.org/officeDocument/2006/relationships" xmlns:p="http://schemas.openxmlformats.org/presentationml/2006/main">
+  <p:cSld>
+    <p:spTree>
+      <p:nvGrpSpPr>
+        <p:cNvPr id="1" name=""/>
+        <p:cNvGrpSpPr/>
+        <p:nvPr/>
+      </p:nvGrpSpPr>
+      <p:grpSpPr>
+        <a:xfrm>
+          <a:off x="0" y="0"/>
+          <a:ext cx="0" cy="0"/>
+          <a:chOff x="0" y="0"/>
+          <a:chExt cx="0" cy="0"/>
+        </a:xfrm>
+      </p:grpSpPr>
+      <p:sp>
+        <p:nvSpPr>
+          <p:cNvPr id="2" name="Title 1">
+            <a:extLst>
+              <a:ext uri="{FF2B5EF4-FFF2-40B4-BE49-F238E27FC236}">
+                <a16:creationId xmlns="" xmlns:a16="http://schemas.microsoft.com/office/drawing/2014/main" id="{9F53C0E6-5CA5-48E1-B370-E678425399F4}"/>
+              </a:ext>
+            </a:extLst>
+          </p:cNvPr>
+          <p:cNvSpPr>
+            <a:spLocks noGrp="1"/>
+          </p:cNvSpPr>
+          <p:nvPr>
+            <p:ph type="title"/>
+          </p:nvPr>
+        </p:nvSpPr>
+        <p:spPr>
+          <a:xfrm>
+            <a:off x="838200" y="365125"/>
+            <a:ext cx="10515600" cy="827571"/>
+          </a:xfrm>
+        </p:spPr>
+        <p:txBody>
+          <a:bodyPr/>
+          <a:lstStyle/>
+          <a:p>
+            <a:r>
+              <a:rPr lang="en-IN" dirty="0"/>
+              <a:t>Training &amp; Neural Networks Specific…</a:t>
+            </a:r>
+          </a:p>
+        </p:txBody>
+      </p:sp>
+      <p:sp>
+        <p:nvSpPr>
+          <p:cNvPr id="3" name="Content Placeholder 2">
+            <a:extLst>
+              <a:ext uri="{FF2B5EF4-FFF2-40B4-BE49-F238E27FC236}">
+                <a16:creationId xmlns="" xmlns:a16="http://schemas.microsoft.com/office/drawing/2014/main" id="{F0A4581A-26B3-40E7-A945-90C4D9B58292}"/>
+              </a:ext>
+            </a:extLst>
+          </p:cNvPr>
+          <p:cNvSpPr>
+            <a:spLocks noGrp="1"/>
+          </p:cNvSpPr>
+          <p:nvPr>
+            <p:ph idx="1"/>
+          </p:nvPr>
+        </p:nvSpPr>
+        <p:spPr>
+          <a:xfrm>
+            <a:off x="838200" y="1192696"/>
+            <a:ext cx="10515600" cy="4984267"/>
+          </a:xfrm>
+        </p:spPr>
+        <p:txBody>
+          <a:bodyPr anchor="t">
+            <a:normAutofit/>
+          </a:bodyPr>
+          <a:lstStyle/>
+          <a:p>
+            <a:pPr algn="just">
+              <a:lnSpc>
+                <a:spcPct val="100000"/>
+              </a:lnSpc>
+              <a:spcBef>
+                <a:spcPts val="0"/>
+              </a:spcBef>
+              <a:buFont typeface="Wingdings" pitchFamily="2" charset="2"/>
+              <a:buChar char="Ø"/>
+            </a:pPr>
+            <a:r>
+              <a:rPr lang="en-IN" sz="2000" dirty="0" smtClean="0"/>
+              <a:t>Following is the plot of training loss:</a:t>
+            </a:r>
+          </a:p>
+        </p:txBody>
+      </p:sp>
+      <p:sp>
+        <p:nvSpPr>
+          <p:cNvPr id="4" name="Footer Placeholder 3">
+            <a:extLst>
+              <a:ext uri="{FF2B5EF4-FFF2-40B4-BE49-F238E27FC236}">
+                <a16:creationId xmlns="" xmlns:a16="http://schemas.microsoft.com/office/drawing/2014/main" id="{540972A1-4BB3-4D04-B4DF-C76BA9B5CAD8}"/>
+              </a:ext>
+            </a:extLst>
+          </p:cNvPr>
+          <p:cNvSpPr>
+            <a:spLocks noGrp="1"/>
+          </p:cNvSpPr>
+          <p:nvPr>
+            <p:ph type="ftr" sz="quarter" idx="11"/>
+          </p:nvPr>
+        </p:nvSpPr>
+        <p:spPr/>
+        <p:txBody>
+          <a:bodyPr/>
+          <a:lstStyle/>
+          <a:p>
+            <a:r>
+              <a:rPr lang="en-US"/>
+              <a:t>Sanjay Singh | san.singhsanjay@gmail.com</a:t>
+            </a:r>
+            <a:endParaRPr lang="en-IN"/>
+          </a:p>
+        </p:txBody>
+      </p:sp>
+      <p:sp>
+        <p:nvSpPr>
+          <p:cNvPr id="5" name="Slide Number Placeholder 4">
+            <a:extLst>
+              <a:ext uri="{FF2B5EF4-FFF2-40B4-BE49-F238E27FC236}">
+                <a16:creationId xmlns="" xmlns:a16="http://schemas.microsoft.com/office/drawing/2014/main" id="{23B5C741-F1AB-463E-B229-974B2924B065}"/>
+              </a:ext>
+            </a:extLst>
+          </p:cNvPr>
+          <p:cNvSpPr>
+            <a:spLocks noGrp="1"/>
+          </p:cNvSpPr>
+          <p:nvPr>
+            <p:ph type="sldNum" sz="quarter" idx="12"/>
+          </p:nvPr>
+        </p:nvSpPr>
+        <p:spPr/>
+        <p:txBody>
+          <a:bodyPr/>
+          <a:lstStyle/>
+          <a:p>
+            <a:fld id="{EC53106F-9B43-4B1F-BCB9-D94FA7734D96}" type="slidenum">
+              <a:rPr lang="en-IN" smtClean="0"/>
+              <a:t>35</a:t>
             </a:fld>
             <a:endParaRPr lang="en-IN"/>
           </a:p>
@@ -22347,7 +26184,7 @@
 </p:sld>
 </file>
 
-<file path=ppt/slides/slide34.xml><?xml version="1.0" encoding="utf-8"?>
+<file path=ppt/slides/slide36.xml><?xml version="1.0" encoding="utf-8"?>
 <p:sld xmlns:a="http://schemas.openxmlformats.org/drawingml/2006/main" xmlns:r="http://schemas.openxmlformats.org/officeDocument/2006/relationships" xmlns:p="http://schemas.openxmlformats.org/presentationml/2006/main">
   <p:cSld>
     <p:spTree>
@@ -22494,7 +26331,7 @@
           <a:p>
             <a:fld id="{EC53106F-9B43-4B1F-BCB9-D94FA7734D96}" type="slidenum">
               <a:rPr lang="en-IN" smtClean="0"/>
-              <a:t>34</a:t>
+              <a:t>36</a:t>
             </a:fld>
             <a:endParaRPr lang="en-IN"/>
           </a:p>
@@ -22666,7 +26503,7 @@
 </p:sld>
 </file>
 
-<file path=ppt/slides/slide35.xml><?xml version="1.0" encoding="utf-8"?>
+<file path=ppt/slides/slide37.xml><?xml version="1.0" encoding="utf-8"?>
 <p:sld xmlns:a="http://schemas.openxmlformats.org/drawingml/2006/main" xmlns:r="http://schemas.openxmlformats.org/officeDocument/2006/relationships" xmlns:p="http://schemas.openxmlformats.org/presentationml/2006/main">
   <p:cSld>
     <p:spTree>
@@ -22803,7 +26640,7 @@
           <a:p>
             <a:fld id="{EC53106F-9B43-4B1F-BCB9-D94FA7734D96}" type="slidenum">
               <a:rPr lang="en-IN" smtClean="0"/>
-              <a:t>35</a:t>
+              <a:t>37</a:t>
             </a:fld>
             <a:endParaRPr lang="en-IN"/>
           </a:p>
@@ -22939,480 +26776,6 @@
 </p:sld>
 </file>
 
-<file path=ppt/slides/slide36.xml><?xml version="1.0" encoding="utf-8"?>
-<p:sld xmlns:a="http://schemas.openxmlformats.org/drawingml/2006/main" xmlns:r="http://schemas.openxmlformats.org/officeDocument/2006/relationships" xmlns:p="http://schemas.openxmlformats.org/presentationml/2006/main">
-  <p:cSld>
-    <p:spTree>
-      <p:nvGrpSpPr>
-        <p:cNvPr id="1" name=""/>
-        <p:cNvGrpSpPr/>
-        <p:nvPr/>
-      </p:nvGrpSpPr>
-      <p:grpSpPr>
-        <a:xfrm>
-          <a:off x="0" y="0"/>
-          <a:ext cx="0" cy="0"/>
-          <a:chOff x="0" y="0"/>
-          <a:chExt cx="0" cy="0"/>
-        </a:xfrm>
-      </p:grpSpPr>
-      <p:sp>
-        <p:nvSpPr>
-          <p:cNvPr id="2" name="Title 1">
-            <a:extLst>
-              <a:ext uri="{FF2B5EF4-FFF2-40B4-BE49-F238E27FC236}">
-                <a16:creationId xmlns="" xmlns:a16="http://schemas.microsoft.com/office/drawing/2014/main" id="{9F53C0E6-5CA5-48E1-B370-E678425399F4}"/>
-              </a:ext>
-            </a:extLst>
-          </p:cNvPr>
-          <p:cNvSpPr>
-            <a:spLocks noGrp="1"/>
-          </p:cNvSpPr>
-          <p:nvPr>
-            <p:ph type="title"/>
-          </p:nvPr>
-        </p:nvSpPr>
-        <p:spPr>
-          <a:xfrm>
-            <a:off x="838200" y="365125"/>
-            <a:ext cx="10515600" cy="827571"/>
-          </a:xfrm>
-        </p:spPr>
-        <p:txBody>
-          <a:bodyPr/>
-          <a:lstStyle/>
-          <a:p>
-            <a:r>
-              <a:rPr lang="en-IN" dirty="0"/>
-              <a:t>Result…</a:t>
-            </a:r>
-          </a:p>
-        </p:txBody>
-      </p:sp>
-      <p:sp>
-        <p:nvSpPr>
-          <p:cNvPr id="3" name="Content Placeholder 2">
-            <a:extLst>
-              <a:ext uri="{FF2B5EF4-FFF2-40B4-BE49-F238E27FC236}">
-                <a16:creationId xmlns="" xmlns:a16="http://schemas.microsoft.com/office/drawing/2014/main" id="{F0A4581A-26B3-40E7-A945-90C4D9B58292}"/>
-              </a:ext>
-            </a:extLst>
-          </p:cNvPr>
-          <p:cNvSpPr>
-            <a:spLocks noGrp="1"/>
-          </p:cNvSpPr>
-          <p:nvPr>
-            <p:ph idx="1"/>
-          </p:nvPr>
-        </p:nvSpPr>
-        <p:spPr>
-          <a:xfrm>
-            <a:off x="838200" y="1192696"/>
-            <a:ext cx="10515600" cy="4984267"/>
-          </a:xfrm>
-        </p:spPr>
-        <p:txBody>
-          <a:bodyPr>
-            <a:normAutofit/>
-          </a:bodyPr>
-          <a:lstStyle/>
-          <a:p>
-            <a:pPr algn="just">
-              <a:lnSpc>
-                <a:spcPct val="100000"/>
-              </a:lnSpc>
-              <a:spcBef>
-                <a:spcPts val="0"/>
-              </a:spcBef>
-              <a:buFont typeface="Wingdings" panose="05000000000000000000" pitchFamily="2" charset="2"/>
-              <a:buChar char="Ø"/>
-            </a:pPr>
-            <a:r>
-              <a:rPr lang="en-IN" sz="2000" dirty="0"/>
-              <a:t>Trained model is tested </a:t>
-            </a:r>
-            <a:r>
-              <a:rPr lang="en-IN" sz="2000" dirty="0" smtClean="0"/>
-              <a:t>on half of test images, i.e., 500 test images. Each of these 500 test images has 5 captions written by different people. </a:t>
-            </a:r>
-          </a:p>
-          <a:p>
-            <a:pPr algn="just">
-              <a:lnSpc>
-                <a:spcPct val="100000"/>
-              </a:lnSpc>
-              <a:spcBef>
-                <a:spcPts val="0"/>
-              </a:spcBef>
-              <a:buFont typeface="Wingdings" panose="05000000000000000000" pitchFamily="2" charset="2"/>
-              <a:buChar char="Ø"/>
-            </a:pPr>
-            <a:r>
-              <a:rPr lang="en-IN" sz="2000" dirty="0" smtClean="0"/>
-              <a:t>Model </a:t>
-            </a:r>
-            <a:r>
-              <a:rPr lang="en-IN" sz="2000" dirty="0"/>
-              <a:t>generated a caption for each image. </a:t>
-            </a:r>
-            <a:endParaRPr lang="en-IN" sz="2000" dirty="0" smtClean="0"/>
-          </a:p>
-          <a:p>
-            <a:pPr algn="just">
-              <a:lnSpc>
-                <a:spcPct val="100000"/>
-              </a:lnSpc>
-              <a:spcBef>
-                <a:spcPts val="0"/>
-              </a:spcBef>
-              <a:buFont typeface="Wingdings" panose="05000000000000000000" pitchFamily="2" charset="2"/>
-              <a:buChar char="Ø"/>
-            </a:pPr>
-            <a:r>
-              <a:rPr lang="en-IN" sz="2000" dirty="0" smtClean="0"/>
-              <a:t>Since</a:t>
-            </a:r>
-            <a:r>
-              <a:rPr lang="en-IN" sz="2000" dirty="0"/>
-              <a:t>, it has become a kind of document where each reference has five </a:t>
-            </a:r>
-            <a:r>
-              <a:rPr lang="en-IN" sz="2000" dirty="0" smtClean="0"/>
-              <a:t>texts and candidate has only one text, </a:t>
-            </a:r>
-            <a:r>
-              <a:rPr lang="en-IN" sz="2000" dirty="0"/>
-              <a:t>thus corpus </a:t>
-            </a:r>
-            <a:r>
-              <a:rPr lang="en-IN" sz="2000" dirty="0" smtClean="0"/>
-              <a:t>bleu score </a:t>
-            </a:r>
-            <a:r>
-              <a:rPr lang="en-IN" sz="2000" dirty="0"/>
-              <a:t>is used to measure the performance. </a:t>
-            </a:r>
-            <a:endParaRPr lang="en-IN" sz="2000" dirty="0" smtClean="0"/>
-          </a:p>
-          <a:p>
-            <a:pPr algn="just">
-              <a:lnSpc>
-                <a:spcPct val="100000"/>
-              </a:lnSpc>
-              <a:spcBef>
-                <a:spcPts val="0"/>
-              </a:spcBef>
-              <a:buFont typeface="Wingdings" panose="05000000000000000000" pitchFamily="2" charset="2"/>
-              <a:buChar char="Ø"/>
-            </a:pPr>
-            <a:r>
-              <a:rPr lang="en-IN" sz="2000" dirty="0" smtClean="0"/>
-              <a:t>Obtained Corpus </a:t>
-            </a:r>
-            <a:r>
-              <a:rPr lang="en-IN" sz="2000" dirty="0"/>
-              <a:t>BLEU Score </a:t>
-            </a:r>
-            <a:r>
-              <a:rPr lang="en-IN" sz="2000" dirty="0" smtClean="0"/>
-              <a:t>is</a:t>
-            </a:r>
-            <a:r>
-              <a:rPr lang="en-IN" sz="2000" dirty="0"/>
-              <a:t>: </a:t>
-            </a:r>
-            <a:endParaRPr lang="en-IN" sz="2000" dirty="0" smtClean="0"/>
-          </a:p>
-          <a:p>
-            <a:pPr marL="0" indent="0" algn="ctr">
-              <a:lnSpc>
-                <a:spcPct val="100000"/>
-              </a:lnSpc>
-              <a:spcBef>
-                <a:spcPts val="0"/>
-              </a:spcBef>
-              <a:buNone/>
-            </a:pPr>
-            <a:r>
-              <a:rPr lang="en-IN" sz="2000" dirty="0" smtClean="0"/>
-              <a:t>0.029157590163286912</a:t>
-            </a:r>
-          </a:p>
-        </p:txBody>
-      </p:sp>
-      <p:sp>
-        <p:nvSpPr>
-          <p:cNvPr id="4" name="Footer Placeholder 3">
-            <a:extLst>
-              <a:ext uri="{FF2B5EF4-FFF2-40B4-BE49-F238E27FC236}">
-                <a16:creationId xmlns="" xmlns:a16="http://schemas.microsoft.com/office/drawing/2014/main" id="{540972A1-4BB3-4D04-B4DF-C76BA9B5CAD8}"/>
-              </a:ext>
-            </a:extLst>
-          </p:cNvPr>
-          <p:cNvSpPr>
-            <a:spLocks noGrp="1"/>
-          </p:cNvSpPr>
-          <p:nvPr>
-            <p:ph type="ftr" sz="quarter" idx="11"/>
-          </p:nvPr>
-        </p:nvSpPr>
-        <p:spPr/>
-        <p:txBody>
-          <a:bodyPr/>
-          <a:lstStyle/>
-          <a:p>
-            <a:r>
-              <a:rPr lang="en-US"/>
-              <a:t>Sanjay Singh | san.singhsanjay@gmail.com</a:t>
-            </a:r>
-            <a:endParaRPr lang="en-IN"/>
-          </a:p>
-        </p:txBody>
-      </p:sp>
-      <p:sp>
-        <p:nvSpPr>
-          <p:cNvPr id="5" name="Slide Number Placeholder 4">
-            <a:extLst>
-              <a:ext uri="{FF2B5EF4-FFF2-40B4-BE49-F238E27FC236}">
-                <a16:creationId xmlns="" xmlns:a16="http://schemas.microsoft.com/office/drawing/2014/main" id="{23B5C741-F1AB-463E-B229-974B2924B065}"/>
-              </a:ext>
-            </a:extLst>
-          </p:cNvPr>
-          <p:cNvSpPr>
-            <a:spLocks noGrp="1"/>
-          </p:cNvSpPr>
-          <p:nvPr>
-            <p:ph type="sldNum" sz="quarter" idx="12"/>
-          </p:nvPr>
-        </p:nvSpPr>
-        <p:spPr/>
-        <p:txBody>
-          <a:bodyPr/>
-          <a:lstStyle/>
-          <a:p>
-            <a:fld id="{EC53106F-9B43-4B1F-BCB9-D94FA7734D96}" type="slidenum">
-              <a:rPr lang="en-IN" smtClean="0"/>
-              <a:t>36</a:t>
-            </a:fld>
-            <a:endParaRPr lang="en-IN"/>
-          </a:p>
-        </p:txBody>
-      </p:sp>
-    </p:spTree>
-    <p:extLst>
-      <p:ext uri="{BB962C8B-B14F-4D97-AF65-F5344CB8AC3E}">
-        <p14:creationId xmlns:p14="http://schemas.microsoft.com/office/powerpoint/2010/main" val="1146316479"/>
-      </p:ext>
-    </p:extLst>
-  </p:cSld>
-  <p:clrMapOvr>
-    <a:masterClrMapping/>
-  </p:clrMapOvr>
-  <p:timing>
-    <p:tnLst>
-      <p:par>
-        <p:cTn id="1" dur="indefinite" restart="never" nodeType="tmRoot"/>
-      </p:par>
-    </p:tnLst>
-  </p:timing>
-</p:sld>
-</file>
-
-<file path=ppt/slides/slide37.xml><?xml version="1.0" encoding="utf-8"?>
-<p:sld xmlns:a="http://schemas.openxmlformats.org/drawingml/2006/main" xmlns:r="http://schemas.openxmlformats.org/officeDocument/2006/relationships" xmlns:p="http://schemas.openxmlformats.org/presentationml/2006/main">
-  <p:cSld>
-    <p:spTree>
-      <p:nvGrpSpPr>
-        <p:cNvPr id="1" name=""/>
-        <p:cNvGrpSpPr/>
-        <p:nvPr/>
-      </p:nvGrpSpPr>
-      <p:grpSpPr>
-        <a:xfrm>
-          <a:off x="0" y="0"/>
-          <a:ext cx="0" cy="0"/>
-          <a:chOff x="0" y="0"/>
-          <a:chExt cx="0" cy="0"/>
-        </a:xfrm>
-      </p:grpSpPr>
-      <p:sp>
-        <p:nvSpPr>
-          <p:cNvPr id="2" name="Title 1">
-            <a:extLst>
-              <a:ext uri="{FF2B5EF4-FFF2-40B4-BE49-F238E27FC236}">
-                <a16:creationId xmlns="" xmlns:a16="http://schemas.microsoft.com/office/drawing/2014/main" id="{9F53C0E6-5CA5-48E1-B370-E678425399F4}"/>
-              </a:ext>
-            </a:extLst>
-          </p:cNvPr>
-          <p:cNvSpPr>
-            <a:spLocks noGrp="1"/>
-          </p:cNvSpPr>
-          <p:nvPr>
-            <p:ph type="title"/>
-          </p:nvPr>
-        </p:nvSpPr>
-        <p:spPr>
-          <a:xfrm>
-            <a:off x="838200" y="365125"/>
-            <a:ext cx="10515600" cy="827571"/>
-          </a:xfrm>
-        </p:spPr>
-        <p:txBody>
-          <a:bodyPr/>
-          <a:lstStyle/>
-          <a:p>
-            <a:r>
-              <a:rPr lang="en-IN" dirty="0"/>
-              <a:t>Conclusion</a:t>
-            </a:r>
-          </a:p>
-        </p:txBody>
-      </p:sp>
-      <p:sp>
-        <p:nvSpPr>
-          <p:cNvPr id="3" name="Content Placeholder 2">
-            <a:extLst>
-              <a:ext uri="{FF2B5EF4-FFF2-40B4-BE49-F238E27FC236}">
-                <a16:creationId xmlns="" xmlns:a16="http://schemas.microsoft.com/office/drawing/2014/main" id="{F0A4581A-26B3-40E7-A945-90C4D9B58292}"/>
-              </a:ext>
-            </a:extLst>
-          </p:cNvPr>
-          <p:cNvSpPr>
-            <a:spLocks noGrp="1"/>
-          </p:cNvSpPr>
-          <p:nvPr>
-            <p:ph idx="1"/>
-          </p:nvPr>
-        </p:nvSpPr>
-        <p:spPr>
-          <a:xfrm>
-            <a:off x="838200" y="1192696"/>
-            <a:ext cx="10515600" cy="4984267"/>
-          </a:xfrm>
-        </p:spPr>
-        <p:txBody>
-          <a:bodyPr>
-            <a:normAutofit/>
-          </a:bodyPr>
-          <a:lstStyle/>
-          <a:p>
-            <a:pPr algn="just">
-              <a:lnSpc>
-                <a:spcPct val="100000"/>
-              </a:lnSpc>
-              <a:spcBef>
-                <a:spcPts val="0"/>
-              </a:spcBef>
-              <a:buFont typeface="Wingdings" panose="05000000000000000000" pitchFamily="2" charset="2"/>
-              <a:buChar char="Ø"/>
-            </a:pPr>
-            <a:r>
-              <a:rPr lang="en-IN" sz="2000" dirty="0" smtClean="0"/>
-              <a:t>Since </a:t>
-            </a:r>
-            <a:r>
-              <a:rPr lang="en-IN" sz="2000" dirty="0"/>
-              <a:t>model is trained for less number of epochs and also on insufficient data, thus the BLEU Score is quite less on validation images. However, if we see model’s performance on a single image, then it seems that the model has learnt something during training and it verifies the technique used here for Image Captioning</a:t>
-            </a:r>
-            <a:r>
-              <a:rPr lang="en-IN" sz="2000" dirty="0" smtClean="0"/>
-              <a:t>.</a:t>
-            </a:r>
-            <a:endParaRPr lang="en-IN" sz="2000" dirty="0"/>
-          </a:p>
-          <a:p>
-            <a:pPr algn="just">
-              <a:lnSpc>
-                <a:spcPct val="100000"/>
-              </a:lnSpc>
-              <a:spcBef>
-                <a:spcPts val="0"/>
-              </a:spcBef>
-              <a:buFont typeface="Wingdings" panose="05000000000000000000" pitchFamily="2" charset="2"/>
-              <a:buChar char="Ø"/>
-            </a:pPr>
-            <a:endParaRPr lang="en-IN" sz="2000" dirty="0"/>
-          </a:p>
-        </p:txBody>
-      </p:sp>
-      <p:sp>
-        <p:nvSpPr>
-          <p:cNvPr id="4" name="Footer Placeholder 3">
-            <a:extLst>
-              <a:ext uri="{FF2B5EF4-FFF2-40B4-BE49-F238E27FC236}">
-                <a16:creationId xmlns="" xmlns:a16="http://schemas.microsoft.com/office/drawing/2014/main" id="{540972A1-4BB3-4D04-B4DF-C76BA9B5CAD8}"/>
-              </a:ext>
-            </a:extLst>
-          </p:cNvPr>
-          <p:cNvSpPr>
-            <a:spLocks noGrp="1"/>
-          </p:cNvSpPr>
-          <p:nvPr>
-            <p:ph type="ftr" sz="quarter" idx="11"/>
-          </p:nvPr>
-        </p:nvSpPr>
-        <p:spPr/>
-        <p:txBody>
-          <a:bodyPr/>
-          <a:lstStyle/>
-          <a:p>
-            <a:r>
-              <a:rPr lang="en-US"/>
-              <a:t>Sanjay Singh | san.singhsanjay@gmail.com</a:t>
-            </a:r>
-            <a:endParaRPr lang="en-IN"/>
-          </a:p>
-        </p:txBody>
-      </p:sp>
-      <p:sp>
-        <p:nvSpPr>
-          <p:cNvPr id="5" name="Slide Number Placeholder 4">
-            <a:extLst>
-              <a:ext uri="{FF2B5EF4-FFF2-40B4-BE49-F238E27FC236}">
-                <a16:creationId xmlns="" xmlns:a16="http://schemas.microsoft.com/office/drawing/2014/main" id="{23B5C741-F1AB-463E-B229-974B2924B065}"/>
-              </a:ext>
-            </a:extLst>
-          </p:cNvPr>
-          <p:cNvSpPr>
-            <a:spLocks noGrp="1"/>
-          </p:cNvSpPr>
-          <p:nvPr>
-            <p:ph type="sldNum" sz="quarter" idx="12"/>
-          </p:nvPr>
-        </p:nvSpPr>
-        <p:spPr/>
-        <p:txBody>
-          <a:bodyPr/>
-          <a:lstStyle/>
-          <a:p>
-            <a:fld id="{EC53106F-9B43-4B1F-BCB9-D94FA7734D96}" type="slidenum">
-              <a:rPr lang="en-IN" smtClean="0"/>
-              <a:t>37</a:t>
-            </a:fld>
-            <a:endParaRPr lang="en-IN"/>
-          </a:p>
-        </p:txBody>
-      </p:sp>
-    </p:spTree>
-    <p:extLst>
-      <p:ext uri="{BB962C8B-B14F-4D97-AF65-F5344CB8AC3E}">
-        <p14:creationId xmlns:p14="http://schemas.microsoft.com/office/powerpoint/2010/main" val="1138918450"/>
-      </p:ext>
-    </p:extLst>
-  </p:cSld>
-  <p:clrMapOvr>
-    <a:masterClrMapping/>
-  </p:clrMapOvr>
-  <p:timing>
-    <p:tnLst>
-      <p:par>
-        <p:cTn id="1" dur="indefinite" restart="never" nodeType="tmRoot"/>
-      </p:par>
-    </p:tnLst>
-  </p:timing>
-</p:sld>
-</file>
-
 <file path=ppt/slides/slide38.xml><?xml version="1.0" encoding="utf-8"?>
 <p:sld xmlns:a="http://schemas.openxmlformats.org/drawingml/2006/main" xmlns:r="http://schemas.openxmlformats.org/officeDocument/2006/relationships" xmlns:p="http://schemas.openxmlformats.org/presentationml/2006/main">
   <p:cSld>
@@ -23458,7 +26821,7 @@
           <a:p>
             <a:r>
               <a:rPr lang="en-IN" dirty="0"/>
-              <a:t>Future Work</a:t>
+              <a:t>Result…</a:t>
             </a:r>
           </a:p>
         </p:txBody>
@@ -23502,38 +26865,13 @@
               <a:buChar char="Ø"/>
             </a:pPr>
             <a:r>
+              <a:rPr lang="en-IN" sz="2000" dirty="0"/>
+              <a:t>Trained model is tested </a:t>
+            </a:r>
+            <a:r>
               <a:rPr lang="en-IN" sz="2000" dirty="0" smtClean="0"/>
-              <a:t>In this neural network code, we are developing </a:t>
-            </a:r>
-            <a:r>
-              <a:rPr lang="en-IN" sz="2000" dirty="0" err="1" smtClean="0"/>
-              <a:t>embeddings</a:t>
-            </a:r>
-            <a:r>
-              <a:rPr lang="en-IN" sz="2000" dirty="0" smtClean="0"/>
-              <a:t> for each word of vocabulary during training. In order to improve the performance (or bleu score) of model, we can try word </a:t>
-            </a:r>
-            <a:r>
-              <a:rPr lang="en-IN" sz="2000" dirty="0" err="1" smtClean="0"/>
-              <a:t>embeddings</a:t>
-            </a:r>
-            <a:r>
-              <a:rPr lang="en-IN" sz="2000" dirty="0" smtClean="0"/>
-              <a:t> of any pre-trained model, such as </a:t>
-            </a:r>
-            <a:r>
-              <a:rPr lang="en-IN" sz="2000" dirty="0" err="1" smtClean="0"/>
-              <a:t>GloVe</a:t>
-            </a:r>
-            <a:r>
-              <a:rPr lang="en-IN" sz="2000" dirty="0"/>
-              <a:t> </a:t>
-            </a:r>
-            <a:r>
-              <a:rPr lang="en-IN" sz="2000" dirty="0" smtClean="0"/>
-              <a:t>(i.e., Global Vector) model.</a:t>
-            </a:r>
-            <a:endParaRPr lang="en-IN" sz="2000" dirty="0" smtClean="0"/>
+              <a:t>on half of test images, i.e., 500 test images. Each of these 500 test images has 5 captions written by different people. </a:t>
+            </a:r>
           </a:p>
           <a:p>
             <a:pPr algn="just">
@@ -23548,11 +26886,93 @@
             </a:pPr>
             <a:r>
               <a:rPr lang="en-IN" sz="2000" dirty="0" smtClean="0"/>
-              <a:t>Training </a:t>
+              <a:t>Model </a:t>
             </a:r>
             <a:r>
               <a:rPr lang="en-IN" sz="2000" dirty="0"/>
-              <a:t>on huge dataset, such MSCOCO, the largest open source dataset for Image Captioning, in order to improve BLEU Score of the model.</a:t>
+              <a:t>generated a caption for each image. </a:t>
+            </a:r>
+            <a:endParaRPr lang="en-IN" sz="2000" dirty="0" smtClean="0"/>
+          </a:p>
+          <a:p>
+            <a:pPr algn="just">
+              <a:lnSpc>
+                <a:spcPct val="100000"/>
+              </a:lnSpc>
+              <a:spcBef>
+                <a:spcPts val="0"/>
+              </a:spcBef>
+              <a:buFont typeface="Wingdings" panose="05000000000000000000" pitchFamily="2" charset="2"/>
+              <a:buChar char="Ø"/>
+            </a:pPr>
+            <a:r>
+              <a:rPr lang="en-IN" sz="2000" dirty="0" smtClean="0"/>
+              <a:t>Since</a:t>
+            </a:r>
+            <a:r>
+              <a:rPr lang="en-IN" sz="2000" dirty="0"/>
+              <a:t>, it has become a kind of document where each reference has five </a:t>
+            </a:r>
+            <a:r>
+              <a:rPr lang="en-IN" sz="2000" dirty="0" smtClean="0"/>
+              <a:t>texts and candidate has only one text, </a:t>
+            </a:r>
+            <a:r>
+              <a:rPr lang="en-IN" sz="2000" dirty="0"/>
+              <a:t>thus corpus </a:t>
+            </a:r>
+            <a:r>
+              <a:rPr lang="en-IN" sz="2000" dirty="0" smtClean="0"/>
+              <a:t>bleu score </a:t>
+            </a:r>
+            <a:r>
+              <a:rPr lang="en-IN" sz="2000" dirty="0"/>
+              <a:t>is used to measure the performance. </a:t>
+            </a:r>
+            <a:endParaRPr lang="en-IN" sz="2000" dirty="0" smtClean="0"/>
+          </a:p>
+          <a:p>
+            <a:pPr algn="just">
+              <a:lnSpc>
+                <a:spcPct val="100000"/>
+              </a:lnSpc>
+              <a:spcBef>
+                <a:spcPts val="0"/>
+              </a:spcBef>
+              <a:buFont typeface="Wingdings" panose="05000000000000000000" pitchFamily="2" charset="2"/>
+              <a:buChar char="Ø"/>
+            </a:pPr>
+            <a:r>
+              <a:rPr lang="en-IN" sz="2000" dirty="0" smtClean="0"/>
+              <a:t>Obtained Corpus </a:t>
+            </a:r>
+            <a:r>
+              <a:rPr lang="en-IN" sz="2000" dirty="0"/>
+              <a:t>BLEU Score </a:t>
+            </a:r>
+            <a:r>
+              <a:rPr lang="en-IN" sz="2000" dirty="0" smtClean="0"/>
+              <a:t>is</a:t>
+            </a:r>
+            <a:r>
+              <a:rPr lang="en-IN" sz="2000" dirty="0"/>
+              <a:t>: </a:t>
+            </a:r>
+            <a:endParaRPr lang="en-IN" sz="2000" dirty="0" smtClean="0"/>
+          </a:p>
+          <a:p>
+            <a:pPr marL="0" indent="0" algn="ctr">
+              <a:lnSpc>
+                <a:spcPct val="100000"/>
+              </a:lnSpc>
+              <a:spcBef>
+                <a:spcPts val="0"/>
+              </a:spcBef>
+              <a:buNone/>
+            </a:pPr>
+            <a:r>
+              <a:rPr lang="en-IN" sz="2000" dirty="0" smtClean="0"/>
+              <a:t>0.029157590163286912</a:t>
             </a:r>
           </a:p>
         </p:txBody>
@@ -23618,7 +27038,7 @@
     </p:spTree>
     <p:extLst>
       <p:ext uri="{BB962C8B-B14F-4D97-AF65-F5344CB8AC3E}">
-        <p14:creationId xmlns:p14="http://schemas.microsoft.com/office/powerpoint/2010/main" val="1671603974"/>
+        <p14:creationId xmlns:p14="http://schemas.microsoft.com/office/powerpoint/2010/main" val="1146316479"/>
       </p:ext>
     </p:extLst>
   </p:cSld>
@@ -23680,7 +27100,7 @@
           <a:p>
             <a:r>
               <a:rPr lang="en-IN" dirty="0"/>
-              <a:t>Template</a:t>
+              <a:t>Conclusion</a:t>
             </a:r>
           </a:p>
         </p:txBody>
@@ -23724,9 +27144,31 @@
               <a:buChar char="Ø"/>
             </a:pPr>
             <a:r>
+              <a:rPr lang="en-IN" sz="2000" dirty="0" smtClean="0"/>
+              <a:t>Since </a:t>
+            </a:r>
+            <a:r>
               <a:rPr lang="en-IN" sz="2000" dirty="0"/>
-              <a:t>Template</a:t>
-            </a:r>
+              <a:t>model is trained for less number of epochs and also on insufficient data, thus the BLEU Score is quite less on validation images. However, if we see model’s performance on a single image, then it seems that the model has learnt something during training and it verifies the technique used here for Image Captioning</a:t>
+            </a:r>
+            <a:r>
+              <a:rPr lang="en-IN" sz="2000" dirty="0" smtClean="0"/>
+              <a:t>.</a:t>
+            </a:r>
+            <a:endParaRPr lang="en-IN" sz="2000" dirty="0"/>
+          </a:p>
+          <a:p>
+            <a:pPr algn="just">
+              <a:lnSpc>
+                <a:spcPct val="100000"/>
+              </a:lnSpc>
+              <a:spcBef>
+                <a:spcPts val="0"/>
+              </a:spcBef>
+              <a:buFont typeface="Wingdings" panose="05000000000000000000" pitchFamily="2" charset="2"/>
+              <a:buChar char="Ø"/>
+            </a:pPr>
+            <a:endParaRPr lang="en-IN" sz="2000" dirty="0"/>
           </a:p>
         </p:txBody>
       </p:sp>
@@ -23791,7 +27233,7 @@
     </p:spTree>
     <p:extLst>
       <p:ext uri="{BB962C8B-B14F-4D97-AF65-F5344CB8AC3E}">
-        <p14:creationId xmlns:p14="http://schemas.microsoft.com/office/powerpoint/2010/main" val="314165574"/>
+        <p14:creationId xmlns:p14="http://schemas.microsoft.com/office/powerpoint/2010/main" val="1138918450"/>
       </p:ext>
     </p:extLst>
   </p:cSld>
@@ -24077,6 +27519,401 @@
       </p:grpSpPr>
       <p:sp>
         <p:nvSpPr>
+          <p:cNvPr id="2" name="Title 1">
+            <a:extLst>
+              <a:ext uri="{FF2B5EF4-FFF2-40B4-BE49-F238E27FC236}">
+                <a16:creationId xmlns="" xmlns:a16="http://schemas.microsoft.com/office/drawing/2014/main" id="{9F53C0E6-5CA5-48E1-B370-E678425399F4}"/>
+              </a:ext>
+            </a:extLst>
+          </p:cNvPr>
+          <p:cNvSpPr>
+            <a:spLocks noGrp="1"/>
+          </p:cNvSpPr>
+          <p:nvPr>
+            <p:ph type="title"/>
+          </p:nvPr>
+        </p:nvSpPr>
+        <p:spPr>
+          <a:xfrm>
+            <a:off x="838200" y="365125"/>
+            <a:ext cx="10515600" cy="827571"/>
+          </a:xfrm>
+        </p:spPr>
+        <p:txBody>
+          <a:bodyPr/>
+          <a:lstStyle/>
+          <a:p>
+            <a:r>
+              <a:rPr lang="en-IN" dirty="0"/>
+              <a:t>Future Work</a:t>
+            </a:r>
+          </a:p>
+        </p:txBody>
+      </p:sp>
+      <p:sp>
+        <p:nvSpPr>
+          <p:cNvPr id="3" name="Content Placeholder 2">
+            <a:extLst>
+              <a:ext uri="{FF2B5EF4-FFF2-40B4-BE49-F238E27FC236}">
+                <a16:creationId xmlns="" xmlns:a16="http://schemas.microsoft.com/office/drawing/2014/main" id="{F0A4581A-26B3-40E7-A945-90C4D9B58292}"/>
+              </a:ext>
+            </a:extLst>
+          </p:cNvPr>
+          <p:cNvSpPr>
+            <a:spLocks noGrp="1"/>
+          </p:cNvSpPr>
+          <p:nvPr>
+            <p:ph idx="1"/>
+          </p:nvPr>
+        </p:nvSpPr>
+        <p:spPr>
+          <a:xfrm>
+            <a:off x="838200" y="1192696"/>
+            <a:ext cx="10515600" cy="4984267"/>
+          </a:xfrm>
+        </p:spPr>
+        <p:txBody>
+          <a:bodyPr>
+            <a:normAutofit/>
+          </a:bodyPr>
+          <a:lstStyle/>
+          <a:p>
+            <a:pPr algn="just">
+              <a:lnSpc>
+                <a:spcPct val="100000"/>
+              </a:lnSpc>
+              <a:spcBef>
+                <a:spcPts val="0"/>
+              </a:spcBef>
+              <a:buFont typeface="Wingdings" panose="05000000000000000000" pitchFamily="2" charset="2"/>
+              <a:buChar char="Ø"/>
+            </a:pPr>
+            <a:r>
+              <a:rPr lang="en-IN" sz="2000" dirty="0" smtClean="0"/>
+              <a:t>In this neural network code, we are developing </a:t>
+            </a:r>
+            <a:r>
+              <a:rPr lang="en-IN" sz="2000" dirty="0" err="1" smtClean="0"/>
+              <a:t>embeddings</a:t>
+            </a:r>
+            <a:r>
+              <a:rPr lang="en-IN" sz="2000" dirty="0" smtClean="0"/>
+              <a:t> for each word of vocabulary during training. In order to improve the performance (or bleu score) of model, we can try word </a:t>
+            </a:r>
+            <a:r>
+              <a:rPr lang="en-IN" sz="2000" dirty="0" err="1" smtClean="0"/>
+              <a:t>embeddings</a:t>
+            </a:r>
+            <a:r>
+              <a:rPr lang="en-IN" sz="2000" dirty="0" smtClean="0"/>
+              <a:t> of any pre-trained model, such as </a:t>
+            </a:r>
+            <a:r>
+              <a:rPr lang="en-IN" sz="2000" dirty="0" err="1" smtClean="0"/>
+              <a:t>GloVe</a:t>
+            </a:r>
+            <a:r>
+              <a:rPr lang="en-IN" sz="2000" dirty="0"/>
+              <a:t> </a:t>
+            </a:r>
+            <a:r>
+              <a:rPr lang="en-IN" sz="2000" dirty="0" smtClean="0"/>
+              <a:t>(i.e., Global Vector) model.</a:t>
+            </a:r>
+            <a:endParaRPr lang="en-IN" sz="2000" dirty="0" smtClean="0"/>
+          </a:p>
+          <a:p>
+            <a:pPr algn="just">
+              <a:lnSpc>
+                <a:spcPct val="100000"/>
+              </a:lnSpc>
+              <a:spcBef>
+                <a:spcPts val="0"/>
+              </a:spcBef>
+              <a:buFont typeface="Wingdings" panose="05000000000000000000" pitchFamily="2" charset="2"/>
+              <a:buChar char="Ø"/>
+            </a:pPr>
+            <a:r>
+              <a:rPr lang="en-IN" sz="2000" dirty="0" smtClean="0"/>
+              <a:t>Training </a:t>
+            </a:r>
+            <a:r>
+              <a:rPr lang="en-IN" sz="2000" dirty="0"/>
+              <a:t>on huge dataset, such MSCOCO, the largest open source dataset for Image Captioning, in order to improve BLEU Score of the model.</a:t>
+            </a:r>
+          </a:p>
+        </p:txBody>
+      </p:sp>
+      <p:sp>
+        <p:nvSpPr>
+          <p:cNvPr id="4" name="Footer Placeholder 3">
+            <a:extLst>
+              <a:ext uri="{FF2B5EF4-FFF2-40B4-BE49-F238E27FC236}">
+                <a16:creationId xmlns="" xmlns:a16="http://schemas.microsoft.com/office/drawing/2014/main" id="{540972A1-4BB3-4D04-B4DF-C76BA9B5CAD8}"/>
+              </a:ext>
+            </a:extLst>
+          </p:cNvPr>
+          <p:cNvSpPr>
+            <a:spLocks noGrp="1"/>
+          </p:cNvSpPr>
+          <p:nvPr>
+            <p:ph type="ftr" sz="quarter" idx="11"/>
+          </p:nvPr>
+        </p:nvSpPr>
+        <p:spPr/>
+        <p:txBody>
+          <a:bodyPr/>
+          <a:lstStyle/>
+          <a:p>
+            <a:r>
+              <a:rPr lang="en-US"/>
+              <a:t>Sanjay Singh | san.singhsanjay@gmail.com</a:t>
+            </a:r>
+            <a:endParaRPr lang="en-IN"/>
+          </a:p>
+        </p:txBody>
+      </p:sp>
+      <p:sp>
+        <p:nvSpPr>
+          <p:cNvPr id="5" name="Slide Number Placeholder 4">
+            <a:extLst>
+              <a:ext uri="{FF2B5EF4-FFF2-40B4-BE49-F238E27FC236}">
+                <a16:creationId xmlns="" xmlns:a16="http://schemas.microsoft.com/office/drawing/2014/main" id="{23B5C741-F1AB-463E-B229-974B2924B065}"/>
+              </a:ext>
+            </a:extLst>
+          </p:cNvPr>
+          <p:cNvSpPr>
+            <a:spLocks noGrp="1"/>
+          </p:cNvSpPr>
+          <p:nvPr>
+            <p:ph type="sldNum" sz="quarter" idx="12"/>
+          </p:nvPr>
+        </p:nvSpPr>
+        <p:spPr/>
+        <p:txBody>
+          <a:bodyPr/>
+          <a:lstStyle/>
+          <a:p>
+            <a:fld id="{EC53106F-9B43-4B1F-BCB9-D94FA7734D96}" type="slidenum">
+              <a:rPr lang="en-IN" smtClean="0"/>
+              <a:t>40</a:t>
+            </a:fld>
+            <a:endParaRPr lang="en-IN"/>
+          </a:p>
+        </p:txBody>
+      </p:sp>
+    </p:spTree>
+    <p:extLst>
+      <p:ext uri="{BB962C8B-B14F-4D97-AF65-F5344CB8AC3E}">
+        <p14:creationId xmlns:p14="http://schemas.microsoft.com/office/powerpoint/2010/main" val="1671603974"/>
+      </p:ext>
+    </p:extLst>
+  </p:cSld>
+  <p:clrMapOvr>
+    <a:masterClrMapping/>
+  </p:clrMapOvr>
+  <p:timing>
+    <p:tnLst>
+      <p:par>
+        <p:cTn id="1" dur="indefinite" restart="never" nodeType="tmRoot"/>
+      </p:par>
+    </p:tnLst>
+  </p:timing>
+</p:sld>
+</file>
+
+<file path=ppt/slides/slide41.xml><?xml version="1.0" encoding="utf-8"?>
+<p:sld xmlns:a="http://schemas.openxmlformats.org/drawingml/2006/main" xmlns:r="http://schemas.openxmlformats.org/officeDocument/2006/relationships" xmlns:p="http://schemas.openxmlformats.org/presentationml/2006/main">
+  <p:cSld>
+    <p:spTree>
+      <p:nvGrpSpPr>
+        <p:cNvPr id="1" name=""/>
+        <p:cNvGrpSpPr/>
+        <p:nvPr/>
+      </p:nvGrpSpPr>
+      <p:grpSpPr>
+        <a:xfrm>
+          <a:off x="0" y="0"/>
+          <a:ext cx="0" cy="0"/>
+          <a:chOff x="0" y="0"/>
+          <a:chExt cx="0" cy="0"/>
+        </a:xfrm>
+      </p:grpSpPr>
+      <p:sp>
+        <p:nvSpPr>
+          <p:cNvPr id="2" name="Title 1">
+            <a:extLst>
+              <a:ext uri="{FF2B5EF4-FFF2-40B4-BE49-F238E27FC236}">
+                <a16:creationId xmlns="" xmlns:a16="http://schemas.microsoft.com/office/drawing/2014/main" id="{9F53C0E6-5CA5-48E1-B370-E678425399F4}"/>
+              </a:ext>
+            </a:extLst>
+          </p:cNvPr>
+          <p:cNvSpPr>
+            <a:spLocks noGrp="1"/>
+          </p:cNvSpPr>
+          <p:nvPr>
+            <p:ph type="title"/>
+          </p:nvPr>
+        </p:nvSpPr>
+        <p:spPr>
+          <a:xfrm>
+            <a:off x="838200" y="365125"/>
+            <a:ext cx="10515600" cy="827571"/>
+          </a:xfrm>
+        </p:spPr>
+        <p:txBody>
+          <a:bodyPr/>
+          <a:lstStyle/>
+          <a:p>
+            <a:r>
+              <a:rPr lang="en-IN" dirty="0"/>
+              <a:t>Template</a:t>
+            </a:r>
+          </a:p>
+        </p:txBody>
+      </p:sp>
+      <p:sp>
+        <p:nvSpPr>
+          <p:cNvPr id="3" name="Content Placeholder 2">
+            <a:extLst>
+              <a:ext uri="{FF2B5EF4-FFF2-40B4-BE49-F238E27FC236}">
+                <a16:creationId xmlns="" xmlns:a16="http://schemas.microsoft.com/office/drawing/2014/main" id="{F0A4581A-26B3-40E7-A945-90C4D9B58292}"/>
+              </a:ext>
+            </a:extLst>
+          </p:cNvPr>
+          <p:cNvSpPr>
+            <a:spLocks noGrp="1"/>
+          </p:cNvSpPr>
+          <p:nvPr>
+            <p:ph idx="1"/>
+          </p:nvPr>
+        </p:nvSpPr>
+        <p:spPr>
+          <a:xfrm>
+            <a:off x="838200" y="1192696"/>
+            <a:ext cx="10515600" cy="4984267"/>
+          </a:xfrm>
+        </p:spPr>
+        <p:txBody>
+          <a:bodyPr>
+            <a:normAutofit/>
+          </a:bodyPr>
+          <a:lstStyle/>
+          <a:p>
+            <a:pPr algn="just">
+              <a:lnSpc>
+                <a:spcPct val="100000"/>
+              </a:lnSpc>
+              <a:spcBef>
+                <a:spcPts val="0"/>
+              </a:spcBef>
+              <a:buFont typeface="Wingdings" panose="05000000000000000000" pitchFamily="2" charset="2"/>
+              <a:buChar char="Ø"/>
+            </a:pPr>
+            <a:r>
+              <a:rPr lang="en-IN" sz="2000" dirty="0"/>
+              <a:t>Template</a:t>
+            </a:r>
+          </a:p>
+        </p:txBody>
+      </p:sp>
+      <p:sp>
+        <p:nvSpPr>
+          <p:cNvPr id="4" name="Footer Placeholder 3">
+            <a:extLst>
+              <a:ext uri="{FF2B5EF4-FFF2-40B4-BE49-F238E27FC236}">
+                <a16:creationId xmlns="" xmlns:a16="http://schemas.microsoft.com/office/drawing/2014/main" id="{540972A1-4BB3-4D04-B4DF-C76BA9B5CAD8}"/>
+              </a:ext>
+            </a:extLst>
+          </p:cNvPr>
+          <p:cNvSpPr>
+            <a:spLocks noGrp="1"/>
+          </p:cNvSpPr>
+          <p:nvPr>
+            <p:ph type="ftr" sz="quarter" idx="11"/>
+          </p:nvPr>
+        </p:nvSpPr>
+        <p:spPr/>
+        <p:txBody>
+          <a:bodyPr/>
+          <a:lstStyle/>
+          <a:p>
+            <a:r>
+              <a:rPr lang="en-US"/>
+              <a:t>Sanjay Singh | san.singhsanjay@gmail.com</a:t>
+            </a:r>
+            <a:endParaRPr lang="en-IN"/>
+          </a:p>
+        </p:txBody>
+      </p:sp>
+      <p:sp>
+        <p:nvSpPr>
+          <p:cNvPr id="5" name="Slide Number Placeholder 4">
+            <a:extLst>
+              <a:ext uri="{FF2B5EF4-FFF2-40B4-BE49-F238E27FC236}">
+                <a16:creationId xmlns="" xmlns:a16="http://schemas.microsoft.com/office/drawing/2014/main" id="{23B5C741-F1AB-463E-B229-974B2924B065}"/>
+              </a:ext>
+            </a:extLst>
+          </p:cNvPr>
+          <p:cNvSpPr>
+            <a:spLocks noGrp="1"/>
+          </p:cNvSpPr>
+          <p:nvPr>
+            <p:ph type="sldNum" sz="quarter" idx="12"/>
+          </p:nvPr>
+        </p:nvSpPr>
+        <p:spPr/>
+        <p:txBody>
+          <a:bodyPr/>
+          <a:lstStyle/>
+          <a:p>
+            <a:fld id="{EC53106F-9B43-4B1F-BCB9-D94FA7734D96}" type="slidenum">
+              <a:rPr lang="en-IN" smtClean="0"/>
+              <a:t>41</a:t>
+            </a:fld>
+            <a:endParaRPr lang="en-IN"/>
+          </a:p>
+        </p:txBody>
+      </p:sp>
+    </p:spTree>
+    <p:extLst>
+      <p:ext uri="{BB962C8B-B14F-4D97-AF65-F5344CB8AC3E}">
+        <p14:creationId xmlns:p14="http://schemas.microsoft.com/office/powerpoint/2010/main" val="314165574"/>
+      </p:ext>
+    </p:extLst>
+  </p:cSld>
+  <p:clrMapOvr>
+    <a:masterClrMapping/>
+  </p:clrMapOvr>
+  <p:timing>
+    <p:tnLst>
+      <p:par>
+        <p:cTn id="1" dur="indefinite" restart="never" nodeType="tmRoot"/>
+      </p:par>
+    </p:tnLst>
+  </p:timing>
+</p:sld>
+</file>
+
+<file path=ppt/slides/slide42.xml><?xml version="1.0" encoding="utf-8"?>
+<p:sld xmlns:a="http://schemas.openxmlformats.org/drawingml/2006/main" xmlns:r="http://schemas.openxmlformats.org/officeDocument/2006/relationships" xmlns:p="http://schemas.openxmlformats.org/presentationml/2006/main">
+  <p:cSld>
+    <p:spTree>
+      <p:nvGrpSpPr>
+        <p:cNvPr id="1" name=""/>
+        <p:cNvGrpSpPr/>
+        <p:nvPr/>
+      </p:nvGrpSpPr>
+      <p:grpSpPr>
+        <a:xfrm>
+          <a:off x="0" y="0"/>
+          <a:ext cx="0" cy="0"/>
+          <a:chOff x="0" y="0"/>
+          <a:chExt cx="0" cy="0"/>
+        </a:xfrm>
+      </p:grpSpPr>
+      <p:sp>
+        <p:nvSpPr>
           <p:cNvPr id="2" name="TextBox 1">
             <a:extLst>
               <a:ext uri="{FF2B5EF4-FFF2-40B4-BE49-F238E27FC236}">
@@ -24162,7 +27999,7 @@
           <a:p>
             <a:fld id="{EC53106F-9B43-4B1F-BCB9-D94FA7734D96}" type="slidenum">
               <a:rPr lang="en-IN" smtClean="0"/>
-              <a:t>40</a:t>
+              <a:t>42</a:t>
             </a:fld>
             <a:endParaRPr lang="en-IN"/>
           </a:p>

--- a/readme.pptx
+++ b/readme.pptx
@@ -150,7 +150,7 @@
   </p:defaultTextStyle>
   <p:extLst>
     <p:ext uri="{EFAFB233-063F-42B5-8137-9DF3F51BA10A}">
-      <p15:sldGuideLst xmlns="" xmlns:p15="http://schemas.microsoft.com/office/powerpoint/2012/main"/>
+      <p15:sldGuideLst xmlns:p15="http://schemas.microsoft.com/office/powerpoint/2012/main" xmlns=""/>
     </p:ext>
   </p:extLst>
 </p:presentation>
@@ -238,7 +238,7 @@
           <a:p>
             <a:fld id="{3EBE19CC-9519-4C5F-A78F-AFC3EB8C266D}" type="datetimeFigureOut">
               <a:rPr lang="en-IN" smtClean="0"/>
-              <a:t>31-05-2021</a:t>
+              <a:t>14-06-2021</a:t>
             </a:fld>
             <a:endParaRPr lang="en-IN"/>
           </a:p>
@@ -528,7 +528,7 @@
           <p:cNvPr id="2" name="Title 1">
             <a:extLst>
               <a:ext uri="{FF2B5EF4-FFF2-40B4-BE49-F238E27FC236}">
-                <a16:creationId xmlns="" xmlns:a16="http://schemas.microsoft.com/office/drawing/2014/main" id="{AD6677EC-8707-4820-BADA-C8D002623C77}"/>
+                <a16:creationId xmlns:a16="http://schemas.microsoft.com/office/drawing/2014/main" xmlns="" id="{AD6677EC-8707-4820-BADA-C8D002623C77}"/>
               </a:ext>
             </a:extLst>
           </p:cNvPr>
@@ -566,7 +566,7 @@
           <p:cNvPr id="3" name="Subtitle 2">
             <a:extLst>
               <a:ext uri="{FF2B5EF4-FFF2-40B4-BE49-F238E27FC236}">
-                <a16:creationId xmlns="" xmlns:a16="http://schemas.microsoft.com/office/drawing/2014/main" id="{254CA423-B559-4D4C-A990-FC9123A2D2E4}"/>
+                <a16:creationId xmlns:a16="http://schemas.microsoft.com/office/drawing/2014/main" xmlns="" id="{254CA423-B559-4D4C-A990-FC9123A2D2E4}"/>
               </a:ext>
             </a:extLst>
           </p:cNvPr>
@@ -637,7 +637,7 @@
           <p:cNvPr id="4" name="Date Placeholder 3">
             <a:extLst>
               <a:ext uri="{FF2B5EF4-FFF2-40B4-BE49-F238E27FC236}">
-                <a16:creationId xmlns="" xmlns:a16="http://schemas.microsoft.com/office/drawing/2014/main" id="{13ABF47C-6BE7-481F-AB05-B52FBC9877B2}"/>
+                <a16:creationId xmlns:a16="http://schemas.microsoft.com/office/drawing/2014/main" xmlns="" id="{13ABF47C-6BE7-481F-AB05-B52FBC9877B2}"/>
               </a:ext>
             </a:extLst>
           </p:cNvPr>
@@ -655,7 +655,7 @@
           <a:p>
             <a:fld id="{95B38DEA-F89A-499A-81D4-0F17E13A0F54}" type="datetime1">
               <a:rPr lang="en-IN" smtClean="0"/>
-              <a:t>31-05-2021</a:t>
+              <a:t>14-06-2021</a:t>
             </a:fld>
             <a:endParaRPr lang="en-IN"/>
           </a:p>
@@ -666,7 +666,7 @@
           <p:cNvPr id="5" name="Footer Placeholder 4">
             <a:extLst>
               <a:ext uri="{FF2B5EF4-FFF2-40B4-BE49-F238E27FC236}">
-                <a16:creationId xmlns="" xmlns:a16="http://schemas.microsoft.com/office/drawing/2014/main" id="{CDB0413F-8EF5-4D34-BD5B-3C522BCECAD9}"/>
+                <a16:creationId xmlns:a16="http://schemas.microsoft.com/office/drawing/2014/main" xmlns="" id="{CDB0413F-8EF5-4D34-BD5B-3C522BCECAD9}"/>
               </a:ext>
             </a:extLst>
           </p:cNvPr>
@@ -695,7 +695,7 @@
           <p:cNvPr id="6" name="Slide Number Placeholder 5">
             <a:extLst>
               <a:ext uri="{FF2B5EF4-FFF2-40B4-BE49-F238E27FC236}">
-                <a16:creationId xmlns="" xmlns:a16="http://schemas.microsoft.com/office/drawing/2014/main" id="{3F3B31F8-E781-4D49-A386-D0041E93058C}"/>
+                <a16:creationId xmlns:a16="http://schemas.microsoft.com/office/drawing/2014/main" xmlns="" id="{3F3B31F8-E781-4D49-A386-D0041E93058C}"/>
               </a:ext>
             </a:extLst>
           </p:cNvPr>
@@ -754,7 +754,7 @@
           <p:cNvPr id="2" name="Title 1">
             <a:extLst>
               <a:ext uri="{FF2B5EF4-FFF2-40B4-BE49-F238E27FC236}">
-                <a16:creationId xmlns="" xmlns:a16="http://schemas.microsoft.com/office/drawing/2014/main" id="{2213ED4C-2D41-4FDA-ACD9-CF186DD3C3CA}"/>
+                <a16:creationId xmlns:a16="http://schemas.microsoft.com/office/drawing/2014/main" xmlns="" id="{2213ED4C-2D41-4FDA-ACD9-CF186DD3C3CA}"/>
               </a:ext>
             </a:extLst>
           </p:cNvPr>
@@ -783,7 +783,7 @@
           <p:cNvPr id="3" name="Vertical Text Placeholder 2">
             <a:extLst>
               <a:ext uri="{FF2B5EF4-FFF2-40B4-BE49-F238E27FC236}">
-                <a16:creationId xmlns="" xmlns:a16="http://schemas.microsoft.com/office/drawing/2014/main" id="{8E0B6A18-318A-4D0E-8ED7-59987F342179}"/>
+                <a16:creationId xmlns:a16="http://schemas.microsoft.com/office/drawing/2014/main" xmlns="" id="{8E0B6A18-318A-4D0E-8ED7-59987F342179}"/>
               </a:ext>
             </a:extLst>
           </p:cNvPr>
@@ -841,7 +841,7 @@
           <p:cNvPr id="4" name="Date Placeholder 3">
             <a:extLst>
               <a:ext uri="{FF2B5EF4-FFF2-40B4-BE49-F238E27FC236}">
-                <a16:creationId xmlns="" xmlns:a16="http://schemas.microsoft.com/office/drawing/2014/main" id="{EB20B605-C292-4D14-8912-8251D314F350}"/>
+                <a16:creationId xmlns:a16="http://schemas.microsoft.com/office/drawing/2014/main" xmlns="" id="{EB20B605-C292-4D14-8912-8251D314F350}"/>
               </a:ext>
             </a:extLst>
           </p:cNvPr>
@@ -859,7 +859,7 @@
           <a:p>
             <a:fld id="{52CB48DB-8752-4EC9-AEF1-132D60C612E3}" type="datetime1">
               <a:rPr lang="en-IN" smtClean="0"/>
-              <a:t>31-05-2021</a:t>
+              <a:t>14-06-2021</a:t>
             </a:fld>
             <a:endParaRPr lang="en-IN"/>
           </a:p>
@@ -870,7 +870,7 @@
           <p:cNvPr id="5" name="Footer Placeholder 4">
             <a:extLst>
               <a:ext uri="{FF2B5EF4-FFF2-40B4-BE49-F238E27FC236}">
-                <a16:creationId xmlns="" xmlns:a16="http://schemas.microsoft.com/office/drawing/2014/main" id="{0D230557-72CD-41CF-A4E5-A9B64FF15213}"/>
+                <a16:creationId xmlns:a16="http://schemas.microsoft.com/office/drawing/2014/main" xmlns="" id="{0D230557-72CD-41CF-A4E5-A9B64FF15213}"/>
               </a:ext>
             </a:extLst>
           </p:cNvPr>
@@ -899,7 +899,7 @@
           <p:cNvPr id="6" name="Slide Number Placeholder 5">
             <a:extLst>
               <a:ext uri="{FF2B5EF4-FFF2-40B4-BE49-F238E27FC236}">
-                <a16:creationId xmlns="" xmlns:a16="http://schemas.microsoft.com/office/drawing/2014/main" id="{2FE1D16F-C026-46E0-A7C9-F83599048AE0}"/>
+                <a16:creationId xmlns:a16="http://schemas.microsoft.com/office/drawing/2014/main" xmlns="" id="{2FE1D16F-C026-46E0-A7C9-F83599048AE0}"/>
               </a:ext>
             </a:extLst>
           </p:cNvPr>
@@ -958,7 +958,7 @@
           <p:cNvPr id="2" name="Vertical Title 1">
             <a:extLst>
               <a:ext uri="{FF2B5EF4-FFF2-40B4-BE49-F238E27FC236}">
-                <a16:creationId xmlns="" xmlns:a16="http://schemas.microsoft.com/office/drawing/2014/main" id="{8469DE12-C071-4A7D-8AE5-91FA861BC220}"/>
+                <a16:creationId xmlns:a16="http://schemas.microsoft.com/office/drawing/2014/main" xmlns="" id="{8469DE12-C071-4A7D-8AE5-91FA861BC220}"/>
               </a:ext>
             </a:extLst>
           </p:cNvPr>
@@ -992,7 +992,7 @@
           <p:cNvPr id="3" name="Vertical Text Placeholder 2">
             <a:extLst>
               <a:ext uri="{FF2B5EF4-FFF2-40B4-BE49-F238E27FC236}">
-                <a16:creationId xmlns="" xmlns:a16="http://schemas.microsoft.com/office/drawing/2014/main" id="{358265D5-5610-4284-BF94-42B608C74901}"/>
+                <a16:creationId xmlns:a16="http://schemas.microsoft.com/office/drawing/2014/main" xmlns="" id="{358265D5-5610-4284-BF94-42B608C74901}"/>
               </a:ext>
             </a:extLst>
           </p:cNvPr>
@@ -1055,7 +1055,7 @@
           <p:cNvPr id="4" name="Date Placeholder 3">
             <a:extLst>
               <a:ext uri="{FF2B5EF4-FFF2-40B4-BE49-F238E27FC236}">
-                <a16:creationId xmlns="" xmlns:a16="http://schemas.microsoft.com/office/drawing/2014/main" id="{306AA223-7897-4BD9-A6D1-A15242652B24}"/>
+                <a16:creationId xmlns:a16="http://schemas.microsoft.com/office/drawing/2014/main" xmlns="" id="{306AA223-7897-4BD9-A6D1-A15242652B24}"/>
               </a:ext>
             </a:extLst>
           </p:cNvPr>
@@ -1073,7 +1073,7 @@
           <a:p>
             <a:fld id="{20E4919B-0840-418F-81E8-D1EAC9FB2BFE}" type="datetime1">
               <a:rPr lang="en-IN" smtClean="0"/>
-              <a:t>31-05-2021</a:t>
+              <a:t>14-06-2021</a:t>
             </a:fld>
             <a:endParaRPr lang="en-IN"/>
           </a:p>
@@ -1084,7 +1084,7 @@
           <p:cNvPr id="5" name="Footer Placeholder 4">
             <a:extLst>
               <a:ext uri="{FF2B5EF4-FFF2-40B4-BE49-F238E27FC236}">
-                <a16:creationId xmlns="" xmlns:a16="http://schemas.microsoft.com/office/drawing/2014/main" id="{449AFCD7-05C4-4EFD-9123-53F406BD522A}"/>
+                <a16:creationId xmlns:a16="http://schemas.microsoft.com/office/drawing/2014/main" xmlns="" id="{449AFCD7-05C4-4EFD-9123-53F406BD522A}"/>
               </a:ext>
             </a:extLst>
           </p:cNvPr>
@@ -1113,7 +1113,7 @@
           <p:cNvPr id="6" name="Slide Number Placeholder 5">
             <a:extLst>
               <a:ext uri="{FF2B5EF4-FFF2-40B4-BE49-F238E27FC236}">
-                <a16:creationId xmlns="" xmlns:a16="http://schemas.microsoft.com/office/drawing/2014/main" id="{0E1416BD-B766-4C6F-9275-FD4ACE1EE922}"/>
+                <a16:creationId xmlns:a16="http://schemas.microsoft.com/office/drawing/2014/main" xmlns="" id="{0E1416BD-B766-4C6F-9275-FD4ACE1EE922}"/>
               </a:ext>
             </a:extLst>
           </p:cNvPr>
@@ -1172,7 +1172,7 @@
           <p:cNvPr id="2" name="Title 1">
             <a:extLst>
               <a:ext uri="{FF2B5EF4-FFF2-40B4-BE49-F238E27FC236}">
-                <a16:creationId xmlns="" xmlns:a16="http://schemas.microsoft.com/office/drawing/2014/main" id="{A82538AA-70C7-403B-9DCD-1DCB5FC6C1D3}"/>
+                <a16:creationId xmlns:a16="http://schemas.microsoft.com/office/drawing/2014/main" xmlns="" id="{A82538AA-70C7-403B-9DCD-1DCB5FC6C1D3}"/>
               </a:ext>
             </a:extLst>
           </p:cNvPr>
@@ -1201,7 +1201,7 @@
           <p:cNvPr id="3" name="Content Placeholder 2">
             <a:extLst>
               <a:ext uri="{FF2B5EF4-FFF2-40B4-BE49-F238E27FC236}">
-                <a16:creationId xmlns="" xmlns:a16="http://schemas.microsoft.com/office/drawing/2014/main" id="{1821E538-2875-4884-8011-6C623ABE5F26}"/>
+                <a16:creationId xmlns:a16="http://schemas.microsoft.com/office/drawing/2014/main" xmlns="" id="{1821E538-2875-4884-8011-6C623ABE5F26}"/>
               </a:ext>
             </a:extLst>
           </p:cNvPr>
@@ -1259,7 +1259,7 @@
           <p:cNvPr id="4" name="Date Placeholder 3">
             <a:extLst>
               <a:ext uri="{FF2B5EF4-FFF2-40B4-BE49-F238E27FC236}">
-                <a16:creationId xmlns="" xmlns:a16="http://schemas.microsoft.com/office/drawing/2014/main" id="{7F1CCF97-3F8D-4BE3-B3F4-704CF465CA7B}"/>
+                <a16:creationId xmlns:a16="http://schemas.microsoft.com/office/drawing/2014/main" xmlns="" id="{7F1CCF97-3F8D-4BE3-B3F4-704CF465CA7B}"/>
               </a:ext>
             </a:extLst>
           </p:cNvPr>
@@ -1277,7 +1277,7 @@
           <a:p>
             <a:fld id="{14A56409-1144-459D-8580-EF29D8BAED4A}" type="datetime1">
               <a:rPr lang="en-IN" smtClean="0"/>
-              <a:t>31-05-2021</a:t>
+              <a:t>14-06-2021</a:t>
             </a:fld>
             <a:endParaRPr lang="en-IN"/>
           </a:p>
@@ -1288,7 +1288,7 @@
           <p:cNvPr id="5" name="Footer Placeholder 4">
             <a:extLst>
               <a:ext uri="{FF2B5EF4-FFF2-40B4-BE49-F238E27FC236}">
-                <a16:creationId xmlns="" xmlns:a16="http://schemas.microsoft.com/office/drawing/2014/main" id="{8FCA0885-0058-4DCE-B0D8-A392309ED5F6}"/>
+                <a16:creationId xmlns:a16="http://schemas.microsoft.com/office/drawing/2014/main" xmlns="" id="{8FCA0885-0058-4DCE-B0D8-A392309ED5F6}"/>
               </a:ext>
             </a:extLst>
           </p:cNvPr>
@@ -1317,7 +1317,7 @@
           <p:cNvPr id="6" name="Slide Number Placeholder 5">
             <a:extLst>
               <a:ext uri="{FF2B5EF4-FFF2-40B4-BE49-F238E27FC236}">
-                <a16:creationId xmlns="" xmlns:a16="http://schemas.microsoft.com/office/drawing/2014/main" id="{12630807-4DF9-41CF-8A31-3107A20D42A5}"/>
+                <a16:creationId xmlns:a16="http://schemas.microsoft.com/office/drawing/2014/main" xmlns="" id="{12630807-4DF9-41CF-8A31-3107A20D42A5}"/>
               </a:ext>
             </a:extLst>
           </p:cNvPr>
@@ -1376,7 +1376,7 @@
           <p:cNvPr id="2" name="Title 1">
             <a:extLst>
               <a:ext uri="{FF2B5EF4-FFF2-40B4-BE49-F238E27FC236}">
-                <a16:creationId xmlns="" xmlns:a16="http://schemas.microsoft.com/office/drawing/2014/main" id="{9CFEB71D-02FC-48B4-A779-ADFE40687401}"/>
+                <a16:creationId xmlns:a16="http://schemas.microsoft.com/office/drawing/2014/main" xmlns="" id="{9CFEB71D-02FC-48B4-A779-ADFE40687401}"/>
               </a:ext>
             </a:extLst>
           </p:cNvPr>
@@ -1414,7 +1414,7 @@
           <p:cNvPr id="3" name="Text Placeholder 2">
             <a:extLst>
               <a:ext uri="{FF2B5EF4-FFF2-40B4-BE49-F238E27FC236}">
-                <a16:creationId xmlns="" xmlns:a16="http://schemas.microsoft.com/office/drawing/2014/main" id="{A1083A76-206C-445B-88AB-6EA74EA88133}"/>
+                <a16:creationId xmlns:a16="http://schemas.microsoft.com/office/drawing/2014/main" xmlns="" id="{A1083A76-206C-445B-88AB-6EA74EA88133}"/>
               </a:ext>
             </a:extLst>
           </p:cNvPr>
@@ -1539,7 +1539,7 @@
           <p:cNvPr id="4" name="Date Placeholder 3">
             <a:extLst>
               <a:ext uri="{FF2B5EF4-FFF2-40B4-BE49-F238E27FC236}">
-                <a16:creationId xmlns="" xmlns:a16="http://schemas.microsoft.com/office/drawing/2014/main" id="{B948F319-72EC-4826-9DD2-EF3EA0136035}"/>
+                <a16:creationId xmlns:a16="http://schemas.microsoft.com/office/drawing/2014/main" xmlns="" id="{B948F319-72EC-4826-9DD2-EF3EA0136035}"/>
               </a:ext>
             </a:extLst>
           </p:cNvPr>
@@ -1557,7 +1557,7 @@
           <a:p>
             <a:fld id="{67926871-090A-4D31-A9C1-76DEC3805894}" type="datetime1">
               <a:rPr lang="en-IN" smtClean="0"/>
-              <a:t>31-05-2021</a:t>
+              <a:t>14-06-2021</a:t>
             </a:fld>
             <a:endParaRPr lang="en-IN"/>
           </a:p>
@@ -1568,7 +1568,7 @@
           <p:cNvPr id="5" name="Footer Placeholder 4">
             <a:extLst>
               <a:ext uri="{FF2B5EF4-FFF2-40B4-BE49-F238E27FC236}">
-                <a16:creationId xmlns="" xmlns:a16="http://schemas.microsoft.com/office/drawing/2014/main" id="{BABA8B88-7AB1-4668-B759-ED40AF13F292}"/>
+                <a16:creationId xmlns:a16="http://schemas.microsoft.com/office/drawing/2014/main" xmlns="" id="{BABA8B88-7AB1-4668-B759-ED40AF13F292}"/>
               </a:ext>
             </a:extLst>
           </p:cNvPr>
@@ -1597,7 +1597,7 @@
           <p:cNvPr id="6" name="Slide Number Placeholder 5">
             <a:extLst>
               <a:ext uri="{FF2B5EF4-FFF2-40B4-BE49-F238E27FC236}">
-                <a16:creationId xmlns="" xmlns:a16="http://schemas.microsoft.com/office/drawing/2014/main" id="{CCB6E71B-F180-4BD9-81AD-DA4B1CFA38B8}"/>
+                <a16:creationId xmlns:a16="http://schemas.microsoft.com/office/drawing/2014/main" xmlns="" id="{CCB6E71B-F180-4BD9-81AD-DA4B1CFA38B8}"/>
               </a:ext>
             </a:extLst>
           </p:cNvPr>
@@ -1656,7 +1656,7 @@
           <p:cNvPr id="2" name="Title 1">
             <a:extLst>
               <a:ext uri="{FF2B5EF4-FFF2-40B4-BE49-F238E27FC236}">
-                <a16:creationId xmlns="" xmlns:a16="http://schemas.microsoft.com/office/drawing/2014/main" id="{E47950D1-0BC5-4433-9307-0C1090AF42FD}"/>
+                <a16:creationId xmlns:a16="http://schemas.microsoft.com/office/drawing/2014/main" xmlns="" id="{E47950D1-0BC5-4433-9307-0C1090AF42FD}"/>
               </a:ext>
             </a:extLst>
           </p:cNvPr>
@@ -1685,7 +1685,7 @@
           <p:cNvPr id="3" name="Content Placeholder 2">
             <a:extLst>
               <a:ext uri="{FF2B5EF4-FFF2-40B4-BE49-F238E27FC236}">
-                <a16:creationId xmlns="" xmlns:a16="http://schemas.microsoft.com/office/drawing/2014/main" id="{9D7D2B18-603C-40A0-AAAC-676EE2654956}"/>
+                <a16:creationId xmlns:a16="http://schemas.microsoft.com/office/drawing/2014/main" xmlns="" id="{9D7D2B18-603C-40A0-AAAC-676EE2654956}"/>
               </a:ext>
             </a:extLst>
           </p:cNvPr>
@@ -1748,7 +1748,7 @@
           <p:cNvPr id="4" name="Content Placeholder 3">
             <a:extLst>
               <a:ext uri="{FF2B5EF4-FFF2-40B4-BE49-F238E27FC236}">
-                <a16:creationId xmlns="" xmlns:a16="http://schemas.microsoft.com/office/drawing/2014/main" id="{154421C5-CFEF-4155-AB5E-010A7A9A6686}"/>
+                <a16:creationId xmlns:a16="http://schemas.microsoft.com/office/drawing/2014/main" xmlns="" id="{154421C5-CFEF-4155-AB5E-010A7A9A6686}"/>
               </a:ext>
             </a:extLst>
           </p:cNvPr>
@@ -1811,7 +1811,7 @@
           <p:cNvPr id="5" name="Date Placeholder 4">
             <a:extLst>
               <a:ext uri="{FF2B5EF4-FFF2-40B4-BE49-F238E27FC236}">
-                <a16:creationId xmlns="" xmlns:a16="http://schemas.microsoft.com/office/drawing/2014/main" id="{9D14BCF1-40CD-4789-8B4C-1D20A8E3304C}"/>
+                <a16:creationId xmlns:a16="http://schemas.microsoft.com/office/drawing/2014/main" xmlns="" id="{9D14BCF1-40CD-4789-8B4C-1D20A8E3304C}"/>
               </a:ext>
             </a:extLst>
           </p:cNvPr>
@@ -1829,7 +1829,7 @@
           <a:p>
             <a:fld id="{7F9657E2-E3D3-4B4C-9FD7-7329F62A123B}" type="datetime1">
               <a:rPr lang="en-IN" smtClean="0"/>
-              <a:t>31-05-2021</a:t>
+              <a:t>14-06-2021</a:t>
             </a:fld>
             <a:endParaRPr lang="en-IN"/>
           </a:p>
@@ -1840,7 +1840,7 @@
           <p:cNvPr id="6" name="Footer Placeholder 5">
             <a:extLst>
               <a:ext uri="{FF2B5EF4-FFF2-40B4-BE49-F238E27FC236}">
-                <a16:creationId xmlns="" xmlns:a16="http://schemas.microsoft.com/office/drawing/2014/main" id="{E4922A8D-303B-4526-80C4-42AED2713A8B}"/>
+                <a16:creationId xmlns:a16="http://schemas.microsoft.com/office/drawing/2014/main" xmlns="" id="{E4922A8D-303B-4526-80C4-42AED2713A8B}"/>
               </a:ext>
             </a:extLst>
           </p:cNvPr>
@@ -1869,7 +1869,7 @@
           <p:cNvPr id="7" name="Slide Number Placeholder 6">
             <a:extLst>
               <a:ext uri="{FF2B5EF4-FFF2-40B4-BE49-F238E27FC236}">
-                <a16:creationId xmlns="" xmlns:a16="http://schemas.microsoft.com/office/drawing/2014/main" id="{E3C30F65-B743-42C4-8ABC-09B079346975}"/>
+                <a16:creationId xmlns:a16="http://schemas.microsoft.com/office/drawing/2014/main" xmlns="" id="{E3C30F65-B743-42C4-8ABC-09B079346975}"/>
               </a:ext>
             </a:extLst>
           </p:cNvPr>
@@ -1928,7 +1928,7 @@
           <p:cNvPr id="2" name="Title 1">
             <a:extLst>
               <a:ext uri="{FF2B5EF4-FFF2-40B4-BE49-F238E27FC236}">
-                <a16:creationId xmlns="" xmlns:a16="http://schemas.microsoft.com/office/drawing/2014/main" id="{41595C1A-15C2-48ED-B0F8-BAA935B81F5E}"/>
+                <a16:creationId xmlns:a16="http://schemas.microsoft.com/office/drawing/2014/main" xmlns="" id="{41595C1A-15C2-48ED-B0F8-BAA935B81F5E}"/>
               </a:ext>
             </a:extLst>
           </p:cNvPr>
@@ -1962,7 +1962,7 @@
           <p:cNvPr id="3" name="Text Placeholder 2">
             <a:extLst>
               <a:ext uri="{FF2B5EF4-FFF2-40B4-BE49-F238E27FC236}">
-                <a16:creationId xmlns="" xmlns:a16="http://schemas.microsoft.com/office/drawing/2014/main" id="{03F02048-7C2A-4B08-BF76-13F8E88F3C86}"/>
+                <a16:creationId xmlns:a16="http://schemas.microsoft.com/office/drawing/2014/main" xmlns="" id="{03F02048-7C2A-4B08-BF76-13F8E88F3C86}"/>
               </a:ext>
             </a:extLst>
           </p:cNvPr>
@@ -2033,7 +2033,7 @@
           <p:cNvPr id="4" name="Content Placeholder 3">
             <a:extLst>
               <a:ext uri="{FF2B5EF4-FFF2-40B4-BE49-F238E27FC236}">
-                <a16:creationId xmlns="" xmlns:a16="http://schemas.microsoft.com/office/drawing/2014/main" id="{5B11E60C-383E-4752-AAC7-4D0B3FA81780}"/>
+                <a16:creationId xmlns:a16="http://schemas.microsoft.com/office/drawing/2014/main" xmlns="" id="{5B11E60C-383E-4752-AAC7-4D0B3FA81780}"/>
               </a:ext>
             </a:extLst>
           </p:cNvPr>
@@ -2096,7 +2096,7 @@
           <p:cNvPr id="5" name="Text Placeholder 4">
             <a:extLst>
               <a:ext uri="{FF2B5EF4-FFF2-40B4-BE49-F238E27FC236}">
-                <a16:creationId xmlns="" xmlns:a16="http://schemas.microsoft.com/office/drawing/2014/main" id="{66B61BD6-6302-4813-867C-D0AAEEE20034}"/>
+                <a16:creationId xmlns:a16="http://schemas.microsoft.com/office/drawing/2014/main" xmlns="" id="{66B61BD6-6302-4813-867C-D0AAEEE20034}"/>
               </a:ext>
             </a:extLst>
           </p:cNvPr>
@@ -2167,7 +2167,7 @@
           <p:cNvPr id="6" name="Content Placeholder 5">
             <a:extLst>
               <a:ext uri="{FF2B5EF4-FFF2-40B4-BE49-F238E27FC236}">
-                <a16:creationId xmlns="" xmlns:a16="http://schemas.microsoft.com/office/drawing/2014/main" id="{2DF16956-D767-410D-AAFD-FBDA7772B667}"/>
+                <a16:creationId xmlns:a16="http://schemas.microsoft.com/office/drawing/2014/main" xmlns="" id="{2DF16956-D767-410D-AAFD-FBDA7772B667}"/>
               </a:ext>
             </a:extLst>
           </p:cNvPr>
@@ -2230,7 +2230,7 @@
           <p:cNvPr id="7" name="Date Placeholder 6">
             <a:extLst>
               <a:ext uri="{FF2B5EF4-FFF2-40B4-BE49-F238E27FC236}">
-                <a16:creationId xmlns="" xmlns:a16="http://schemas.microsoft.com/office/drawing/2014/main" id="{96D7FCDA-4AC0-4681-AE6C-03F9DBAEEE60}"/>
+                <a16:creationId xmlns:a16="http://schemas.microsoft.com/office/drawing/2014/main" xmlns="" id="{96D7FCDA-4AC0-4681-AE6C-03F9DBAEEE60}"/>
               </a:ext>
             </a:extLst>
           </p:cNvPr>
@@ -2248,7 +2248,7 @@
           <a:p>
             <a:fld id="{664F21D5-2AAA-408A-910B-555FC11A1CF7}" type="datetime1">
               <a:rPr lang="en-IN" smtClean="0"/>
-              <a:t>31-05-2021</a:t>
+              <a:t>14-06-2021</a:t>
             </a:fld>
             <a:endParaRPr lang="en-IN"/>
           </a:p>
@@ -2259,7 +2259,7 @@
           <p:cNvPr id="8" name="Footer Placeholder 7">
             <a:extLst>
               <a:ext uri="{FF2B5EF4-FFF2-40B4-BE49-F238E27FC236}">
-                <a16:creationId xmlns="" xmlns:a16="http://schemas.microsoft.com/office/drawing/2014/main" id="{3BD46444-BBA5-497F-AA32-5A16AAB20EA5}"/>
+                <a16:creationId xmlns:a16="http://schemas.microsoft.com/office/drawing/2014/main" xmlns="" id="{3BD46444-BBA5-497F-AA32-5A16AAB20EA5}"/>
               </a:ext>
             </a:extLst>
           </p:cNvPr>
@@ -2288,7 +2288,7 @@
           <p:cNvPr id="9" name="Slide Number Placeholder 8">
             <a:extLst>
               <a:ext uri="{FF2B5EF4-FFF2-40B4-BE49-F238E27FC236}">
-                <a16:creationId xmlns="" xmlns:a16="http://schemas.microsoft.com/office/drawing/2014/main" id="{5835D463-682D-4A5C-A63F-C5813E57712C}"/>
+                <a16:creationId xmlns:a16="http://schemas.microsoft.com/office/drawing/2014/main" xmlns="" id="{5835D463-682D-4A5C-A63F-C5813E57712C}"/>
               </a:ext>
             </a:extLst>
           </p:cNvPr>
@@ -2347,7 +2347,7 @@
           <p:cNvPr id="2" name="Title 1">
             <a:extLst>
               <a:ext uri="{FF2B5EF4-FFF2-40B4-BE49-F238E27FC236}">
-                <a16:creationId xmlns="" xmlns:a16="http://schemas.microsoft.com/office/drawing/2014/main" id="{18014203-0E89-4589-AC9B-7CBB8ACFEB0E}"/>
+                <a16:creationId xmlns:a16="http://schemas.microsoft.com/office/drawing/2014/main" xmlns="" id="{18014203-0E89-4589-AC9B-7CBB8ACFEB0E}"/>
               </a:ext>
             </a:extLst>
           </p:cNvPr>
@@ -2376,7 +2376,7 @@
           <p:cNvPr id="3" name="Date Placeholder 2">
             <a:extLst>
               <a:ext uri="{FF2B5EF4-FFF2-40B4-BE49-F238E27FC236}">
-                <a16:creationId xmlns="" xmlns:a16="http://schemas.microsoft.com/office/drawing/2014/main" id="{EA1A5BE8-6563-4A9B-A9DF-E921E64FDBCD}"/>
+                <a16:creationId xmlns:a16="http://schemas.microsoft.com/office/drawing/2014/main" xmlns="" id="{EA1A5BE8-6563-4A9B-A9DF-E921E64FDBCD}"/>
               </a:ext>
             </a:extLst>
           </p:cNvPr>
@@ -2394,7 +2394,7 @@
           <a:p>
             <a:fld id="{F356A824-9512-4355-9382-9A341080930D}" type="datetime1">
               <a:rPr lang="en-IN" smtClean="0"/>
-              <a:t>31-05-2021</a:t>
+              <a:t>14-06-2021</a:t>
             </a:fld>
             <a:endParaRPr lang="en-IN"/>
           </a:p>
@@ -2405,7 +2405,7 @@
           <p:cNvPr id="4" name="Footer Placeholder 3">
             <a:extLst>
               <a:ext uri="{FF2B5EF4-FFF2-40B4-BE49-F238E27FC236}">
-                <a16:creationId xmlns="" xmlns:a16="http://schemas.microsoft.com/office/drawing/2014/main" id="{9A1CE8E4-E1B6-4FCC-BE1D-B60BD1B1B01D}"/>
+                <a16:creationId xmlns:a16="http://schemas.microsoft.com/office/drawing/2014/main" xmlns="" id="{9A1CE8E4-E1B6-4FCC-BE1D-B60BD1B1B01D}"/>
               </a:ext>
             </a:extLst>
           </p:cNvPr>
@@ -2434,7 +2434,7 @@
           <p:cNvPr id="5" name="Slide Number Placeholder 4">
             <a:extLst>
               <a:ext uri="{FF2B5EF4-FFF2-40B4-BE49-F238E27FC236}">
-                <a16:creationId xmlns="" xmlns:a16="http://schemas.microsoft.com/office/drawing/2014/main" id="{5C17A080-59BF-4690-930A-E3838C1219EC}"/>
+                <a16:creationId xmlns:a16="http://schemas.microsoft.com/office/drawing/2014/main" xmlns="" id="{5C17A080-59BF-4690-930A-E3838C1219EC}"/>
               </a:ext>
             </a:extLst>
           </p:cNvPr>
@@ -2493,7 +2493,7 @@
           <p:cNvPr id="2" name="Date Placeholder 1">
             <a:extLst>
               <a:ext uri="{FF2B5EF4-FFF2-40B4-BE49-F238E27FC236}">
-                <a16:creationId xmlns="" xmlns:a16="http://schemas.microsoft.com/office/drawing/2014/main" id="{EEBC0457-3BA2-4C45-88B7-E219D4272972}"/>
+                <a16:creationId xmlns:a16="http://schemas.microsoft.com/office/drawing/2014/main" xmlns="" id="{EEBC0457-3BA2-4C45-88B7-E219D4272972}"/>
               </a:ext>
             </a:extLst>
           </p:cNvPr>
@@ -2511,7 +2511,7 @@
           <a:p>
             <a:fld id="{61D5D980-7089-4CCA-A615-7CE5DE2E0A24}" type="datetime1">
               <a:rPr lang="en-IN" smtClean="0"/>
-              <a:t>31-05-2021</a:t>
+              <a:t>14-06-2021</a:t>
             </a:fld>
             <a:endParaRPr lang="en-IN"/>
           </a:p>
@@ -2522,7 +2522,7 @@
           <p:cNvPr id="3" name="Footer Placeholder 2">
             <a:extLst>
               <a:ext uri="{FF2B5EF4-FFF2-40B4-BE49-F238E27FC236}">
-                <a16:creationId xmlns="" xmlns:a16="http://schemas.microsoft.com/office/drawing/2014/main" id="{3BDC4564-BA34-4AF2-87DE-426509FD1319}"/>
+                <a16:creationId xmlns:a16="http://schemas.microsoft.com/office/drawing/2014/main" xmlns="" id="{3BDC4564-BA34-4AF2-87DE-426509FD1319}"/>
               </a:ext>
             </a:extLst>
           </p:cNvPr>
@@ -2551,7 +2551,7 @@
           <p:cNvPr id="4" name="Slide Number Placeholder 3">
             <a:extLst>
               <a:ext uri="{FF2B5EF4-FFF2-40B4-BE49-F238E27FC236}">
-                <a16:creationId xmlns="" xmlns:a16="http://schemas.microsoft.com/office/drawing/2014/main" id="{6771982A-07E2-45C5-A479-D2B8CF937139}"/>
+                <a16:creationId xmlns:a16="http://schemas.microsoft.com/office/drawing/2014/main" xmlns="" id="{6771982A-07E2-45C5-A479-D2B8CF937139}"/>
               </a:ext>
             </a:extLst>
           </p:cNvPr>
@@ -2610,7 +2610,7 @@
           <p:cNvPr id="2" name="Title 1">
             <a:extLst>
               <a:ext uri="{FF2B5EF4-FFF2-40B4-BE49-F238E27FC236}">
-                <a16:creationId xmlns="" xmlns:a16="http://schemas.microsoft.com/office/drawing/2014/main" id="{C906415D-865A-4910-87F5-700C462242D4}"/>
+                <a16:creationId xmlns:a16="http://schemas.microsoft.com/office/drawing/2014/main" xmlns="" id="{C906415D-865A-4910-87F5-700C462242D4}"/>
               </a:ext>
             </a:extLst>
           </p:cNvPr>
@@ -2648,7 +2648,7 @@
           <p:cNvPr id="3" name="Content Placeholder 2">
             <a:extLst>
               <a:ext uri="{FF2B5EF4-FFF2-40B4-BE49-F238E27FC236}">
-                <a16:creationId xmlns="" xmlns:a16="http://schemas.microsoft.com/office/drawing/2014/main" id="{57825CFD-6151-4A9A-928C-5B14495EE293}"/>
+                <a16:creationId xmlns:a16="http://schemas.microsoft.com/office/drawing/2014/main" xmlns="" id="{57825CFD-6151-4A9A-928C-5B14495EE293}"/>
               </a:ext>
             </a:extLst>
           </p:cNvPr>
@@ -2739,7 +2739,7 @@
           <p:cNvPr id="4" name="Text Placeholder 3">
             <a:extLst>
               <a:ext uri="{FF2B5EF4-FFF2-40B4-BE49-F238E27FC236}">
-                <a16:creationId xmlns="" xmlns:a16="http://schemas.microsoft.com/office/drawing/2014/main" id="{2DD50256-14A9-4760-867F-54FFAC07EE4D}"/>
+                <a16:creationId xmlns:a16="http://schemas.microsoft.com/office/drawing/2014/main" xmlns="" id="{2DD50256-14A9-4760-867F-54FFAC07EE4D}"/>
               </a:ext>
             </a:extLst>
           </p:cNvPr>
@@ -2810,7 +2810,7 @@
           <p:cNvPr id="5" name="Date Placeholder 4">
             <a:extLst>
               <a:ext uri="{FF2B5EF4-FFF2-40B4-BE49-F238E27FC236}">
-                <a16:creationId xmlns="" xmlns:a16="http://schemas.microsoft.com/office/drawing/2014/main" id="{AD30F158-1CCF-4187-B626-F3C2F7B23D97}"/>
+                <a16:creationId xmlns:a16="http://schemas.microsoft.com/office/drawing/2014/main" xmlns="" id="{AD30F158-1CCF-4187-B626-F3C2F7B23D97}"/>
               </a:ext>
             </a:extLst>
           </p:cNvPr>
@@ -2828,7 +2828,7 @@
           <a:p>
             <a:fld id="{BCBBCC49-34F1-4143-A247-5BD173D4A05B}" type="datetime1">
               <a:rPr lang="en-IN" smtClean="0"/>
-              <a:t>31-05-2021</a:t>
+              <a:t>14-06-2021</a:t>
             </a:fld>
             <a:endParaRPr lang="en-IN"/>
           </a:p>
@@ -2839,7 +2839,7 @@
           <p:cNvPr id="6" name="Footer Placeholder 5">
             <a:extLst>
               <a:ext uri="{FF2B5EF4-FFF2-40B4-BE49-F238E27FC236}">
-                <a16:creationId xmlns="" xmlns:a16="http://schemas.microsoft.com/office/drawing/2014/main" id="{4512C3F2-F875-4CB4-9457-F9A1515D0EC7}"/>
+                <a16:creationId xmlns:a16="http://schemas.microsoft.com/office/drawing/2014/main" xmlns="" id="{4512C3F2-F875-4CB4-9457-F9A1515D0EC7}"/>
               </a:ext>
             </a:extLst>
           </p:cNvPr>
@@ -2868,7 +2868,7 @@
           <p:cNvPr id="7" name="Slide Number Placeholder 6">
             <a:extLst>
               <a:ext uri="{FF2B5EF4-FFF2-40B4-BE49-F238E27FC236}">
-                <a16:creationId xmlns="" xmlns:a16="http://schemas.microsoft.com/office/drawing/2014/main" id="{AA3CE853-B5FE-4227-AF0F-664B0F6ED8B7}"/>
+                <a16:creationId xmlns:a16="http://schemas.microsoft.com/office/drawing/2014/main" xmlns="" id="{AA3CE853-B5FE-4227-AF0F-664B0F6ED8B7}"/>
               </a:ext>
             </a:extLst>
           </p:cNvPr>
@@ -2927,7 +2927,7 @@
           <p:cNvPr id="2" name="Title 1">
             <a:extLst>
               <a:ext uri="{FF2B5EF4-FFF2-40B4-BE49-F238E27FC236}">
-                <a16:creationId xmlns="" xmlns:a16="http://schemas.microsoft.com/office/drawing/2014/main" id="{80D99D6D-E397-499B-80A1-FCCB8CD81661}"/>
+                <a16:creationId xmlns:a16="http://schemas.microsoft.com/office/drawing/2014/main" xmlns="" id="{80D99D6D-E397-499B-80A1-FCCB8CD81661}"/>
               </a:ext>
             </a:extLst>
           </p:cNvPr>
@@ -2965,7 +2965,7 @@
           <p:cNvPr id="3" name="Picture Placeholder 2">
             <a:extLst>
               <a:ext uri="{FF2B5EF4-FFF2-40B4-BE49-F238E27FC236}">
-                <a16:creationId xmlns="" xmlns:a16="http://schemas.microsoft.com/office/drawing/2014/main" id="{56722E0C-C01F-432B-9A07-4394593E69CC}"/>
+                <a16:creationId xmlns:a16="http://schemas.microsoft.com/office/drawing/2014/main" xmlns="" id="{56722E0C-C01F-432B-9A07-4394593E69CC}"/>
               </a:ext>
             </a:extLst>
           </p:cNvPr>
@@ -3032,7 +3032,7 @@
           <p:cNvPr id="4" name="Text Placeholder 3">
             <a:extLst>
               <a:ext uri="{FF2B5EF4-FFF2-40B4-BE49-F238E27FC236}">
-                <a16:creationId xmlns="" xmlns:a16="http://schemas.microsoft.com/office/drawing/2014/main" id="{EBA23BD5-F29F-48AE-A588-72C8B39B7160}"/>
+                <a16:creationId xmlns:a16="http://schemas.microsoft.com/office/drawing/2014/main" xmlns="" id="{EBA23BD5-F29F-48AE-A588-72C8B39B7160}"/>
               </a:ext>
             </a:extLst>
           </p:cNvPr>
@@ -3103,7 +3103,7 @@
           <p:cNvPr id="5" name="Date Placeholder 4">
             <a:extLst>
               <a:ext uri="{FF2B5EF4-FFF2-40B4-BE49-F238E27FC236}">
-                <a16:creationId xmlns="" xmlns:a16="http://schemas.microsoft.com/office/drawing/2014/main" id="{DB18EA2F-8D4B-4FFD-8168-B65B7F82DF86}"/>
+                <a16:creationId xmlns:a16="http://schemas.microsoft.com/office/drawing/2014/main" xmlns="" id="{DB18EA2F-8D4B-4FFD-8168-B65B7F82DF86}"/>
               </a:ext>
             </a:extLst>
           </p:cNvPr>
@@ -3121,7 +3121,7 @@
           <a:p>
             <a:fld id="{2D62E49B-383D-4FEF-83E3-8391B88BD48A}" type="datetime1">
               <a:rPr lang="en-IN" smtClean="0"/>
-              <a:t>31-05-2021</a:t>
+              <a:t>14-06-2021</a:t>
             </a:fld>
             <a:endParaRPr lang="en-IN"/>
           </a:p>
@@ -3132,7 +3132,7 @@
           <p:cNvPr id="6" name="Footer Placeholder 5">
             <a:extLst>
               <a:ext uri="{FF2B5EF4-FFF2-40B4-BE49-F238E27FC236}">
-                <a16:creationId xmlns="" xmlns:a16="http://schemas.microsoft.com/office/drawing/2014/main" id="{8AA3483C-4BE1-456C-A6A4-4239387D691F}"/>
+                <a16:creationId xmlns:a16="http://schemas.microsoft.com/office/drawing/2014/main" xmlns="" id="{8AA3483C-4BE1-456C-A6A4-4239387D691F}"/>
               </a:ext>
             </a:extLst>
           </p:cNvPr>
@@ -3161,7 +3161,7 @@
           <p:cNvPr id="7" name="Slide Number Placeholder 6">
             <a:extLst>
               <a:ext uri="{FF2B5EF4-FFF2-40B4-BE49-F238E27FC236}">
-                <a16:creationId xmlns="" xmlns:a16="http://schemas.microsoft.com/office/drawing/2014/main" id="{7C032B66-311F-43C3-A0AB-4512D5F17D69}"/>
+                <a16:creationId xmlns:a16="http://schemas.microsoft.com/office/drawing/2014/main" xmlns="" id="{7C032B66-311F-43C3-A0AB-4512D5F17D69}"/>
               </a:ext>
             </a:extLst>
           </p:cNvPr>
@@ -3225,7 +3225,7 @@
           <p:cNvPr id="2" name="Title Placeholder 1">
             <a:extLst>
               <a:ext uri="{FF2B5EF4-FFF2-40B4-BE49-F238E27FC236}">
-                <a16:creationId xmlns="" xmlns:a16="http://schemas.microsoft.com/office/drawing/2014/main" id="{1AE5B7F7-712F-49D6-9569-DF86C5A96A89}"/>
+                <a16:creationId xmlns:a16="http://schemas.microsoft.com/office/drawing/2014/main" xmlns="" id="{1AE5B7F7-712F-49D6-9569-DF86C5A96A89}"/>
               </a:ext>
             </a:extLst>
           </p:cNvPr>
@@ -3264,7 +3264,7 @@
           <p:cNvPr id="3" name="Text Placeholder 2">
             <a:extLst>
               <a:ext uri="{FF2B5EF4-FFF2-40B4-BE49-F238E27FC236}">
-                <a16:creationId xmlns="" xmlns:a16="http://schemas.microsoft.com/office/drawing/2014/main" id="{B9F23EA2-C30F-43FD-A4C2-02AE6A315DB8}"/>
+                <a16:creationId xmlns:a16="http://schemas.microsoft.com/office/drawing/2014/main" xmlns="" id="{B9F23EA2-C30F-43FD-A4C2-02AE6A315DB8}"/>
               </a:ext>
             </a:extLst>
           </p:cNvPr>
@@ -3332,7 +3332,7 @@
           <p:cNvPr id="4" name="Date Placeholder 3">
             <a:extLst>
               <a:ext uri="{FF2B5EF4-FFF2-40B4-BE49-F238E27FC236}">
-                <a16:creationId xmlns="" xmlns:a16="http://schemas.microsoft.com/office/drawing/2014/main" id="{52CE41F2-C832-43D8-B69F-F49E7AADEF6E}"/>
+                <a16:creationId xmlns:a16="http://schemas.microsoft.com/office/drawing/2014/main" xmlns="" id="{52CE41F2-C832-43D8-B69F-F49E7AADEF6E}"/>
               </a:ext>
             </a:extLst>
           </p:cNvPr>
@@ -3368,7 +3368,7 @@
           <a:p>
             <a:fld id="{95403040-39FF-48B5-9AA8-D98B49EA5B67}" type="datetime1">
               <a:rPr lang="en-IN" smtClean="0"/>
-              <a:t>31-05-2021</a:t>
+              <a:t>14-06-2021</a:t>
             </a:fld>
             <a:endParaRPr lang="en-IN"/>
           </a:p>
@@ -3379,7 +3379,7 @@
           <p:cNvPr id="5" name="Footer Placeholder 4">
             <a:extLst>
               <a:ext uri="{FF2B5EF4-FFF2-40B4-BE49-F238E27FC236}">
-                <a16:creationId xmlns="" xmlns:a16="http://schemas.microsoft.com/office/drawing/2014/main" id="{16C0C3F3-C749-4F32-9EA1-BDF5BCF5F2D1}"/>
+                <a16:creationId xmlns:a16="http://schemas.microsoft.com/office/drawing/2014/main" xmlns="" id="{16C0C3F3-C749-4F32-9EA1-BDF5BCF5F2D1}"/>
               </a:ext>
             </a:extLst>
           </p:cNvPr>
@@ -3426,7 +3426,7 @@
           <p:cNvPr id="6" name="Slide Number Placeholder 5">
             <a:extLst>
               <a:ext uri="{FF2B5EF4-FFF2-40B4-BE49-F238E27FC236}">
-                <a16:creationId xmlns="" xmlns:a16="http://schemas.microsoft.com/office/drawing/2014/main" id="{DF4FB91D-C6B8-421D-81EB-651EAD2A8364}"/>
+                <a16:creationId xmlns:a16="http://schemas.microsoft.com/office/drawing/2014/main" xmlns="" id="{DF4FB91D-C6B8-421D-81EB-651EAD2A8364}"/>
               </a:ext>
             </a:extLst>
           </p:cNvPr>
@@ -3795,7 +3795,7 @@
           <p:cNvPr id="2" name="Title 1">
             <a:extLst>
               <a:ext uri="{FF2B5EF4-FFF2-40B4-BE49-F238E27FC236}">
-                <a16:creationId xmlns="" xmlns:a16="http://schemas.microsoft.com/office/drawing/2014/main" id="{0B983FEF-B0DF-4375-9F52-1D18A58B79C9}"/>
+                <a16:creationId xmlns:a16="http://schemas.microsoft.com/office/drawing/2014/main" xmlns="" id="{0B983FEF-B0DF-4375-9F52-1D18A58B79C9}"/>
               </a:ext>
             </a:extLst>
           </p:cNvPr>
@@ -3808,7 +3808,7 @@
         </p:nvSpPr>
         <p:spPr>
           <a:xfrm>
-            <a:off x="1524000" y="1678955"/>
+            <a:off x="1524000" y="1023635"/>
             <a:ext cx="9144000" cy="2387600"/>
           </a:xfrm>
         </p:spPr>
@@ -3835,7 +3835,7 @@
           <p:cNvPr id="3" name="Subtitle 2">
             <a:extLst>
               <a:ext uri="{FF2B5EF4-FFF2-40B4-BE49-F238E27FC236}">
-                <a16:creationId xmlns="" xmlns:a16="http://schemas.microsoft.com/office/drawing/2014/main" id="{1A2A60DB-2279-441D-8885-2771CB5128AF}"/>
+                <a16:creationId xmlns:a16="http://schemas.microsoft.com/office/drawing/2014/main" xmlns="" id="{1A2A60DB-2279-441D-8885-2771CB5128AF}"/>
               </a:ext>
             </a:extLst>
           </p:cNvPr>
@@ -3848,18 +3848,51 @@
         </p:nvSpPr>
         <p:spPr>
           <a:xfrm>
-            <a:off x="1524000" y="4436925"/>
-            <a:ext cx="9144000" cy="1655762"/>
+            <a:off x="1524000" y="3644444"/>
+            <a:ext cx="9144000" cy="2573475"/>
           </a:xfrm>
         </p:spPr>
         <p:txBody>
-          <a:bodyPr/>
+          <a:bodyPr>
+            <a:normAutofit/>
+          </a:bodyPr>
           <a:lstStyle/>
           <a:p>
             <a:r>
               <a:rPr lang="en-IN" dirty="0"/>
-              <a:t>Sanjay Singh</a:t>
-            </a:r>
+              <a:t>Sanjay </a:t>
+            </a:r>
+            <a:r>
+              <a:rPr lang="en-IN" dirty="0" smtClean="0"/>
+              <a:t>Singh</a:t>
+            </a:r>
+          </a:p>
+          <a:p>
+            <a:r>
+              <a:rPr lang="en-IN" dirty="0" smtClean="0"/>
+              <a:t>Dec-2019 to Sep-2020</a:t>
+            </a:r>
+          </a:p>
+          <a:p>
+            <a:r>
+              <a:rPr lang="en-IN" dirty="0" err="1" smtClean="0"/>
+              <a:t>Jio</a:t>
+            </a:r>
+            <a:r>
+              <a:rPr lang="en-IN" dirty="0" smtClean="0"/>
+              <a:t> Platforms Ltd. – </a:t>
+            </a:r>
+            <a:r>
+              <a:rPr lang="en-IN" dirty="0" err="1" smtClean="0"/>
+              <a:t>Navi</a:t>
+            </a:r>
+            <a:r>
+              <a:rPr lang="en-IN" dirty="0" smtClean="0"/>
+              <a:t> Mumbai (M.H), India</a:t>
+            </a:r>
+          </a:p>
+          <a:p>
+            <a:endParaRPr lang="en-IN" dirty="0"/>
           </a:p>
           <a:p>
             <a:r>
@@ -3874,7 +3907,7 @@
           <p:cNvPr id="4" name="Footer Placeholder 3">
             <a:extLst>
               <a:ext uri="{FF2B5EF4-FFF2-40B4-BE49-F238E27FC236}">
-                <a16:creationId xmlns="" xmlns:a16="http://schemas.microsoft.com/office/drawing/2014/main" id="{2508C9A7-6855-4D15-8EB4-41AA058C5DD7}"/>
+                <a16:creationId xmlns:a16="http://schemas.microsoft.com/office/drawing/2014/main" xmlns="" id="{2508C9A7-6855-4D15-8EB4-41AA058C5DD7}"/>
               </a:ext>
             </a:extLst>
           </p:cNvPr>
@@ -3903,7 +3936,7 @@
           <p:cNvPr id="5" name="Slide Number Placeholder 4">
             <a:extLst>
               <a:ext uri="{FF2B5EF4-FFF2-40B4-BE49-F238E27FC236}">
-                <a16:creationId xmlns="" xmlns:a16="http://schemas.microsoft.com/office/drawing/2014/main" id="{00F6A3EF-20DA-497B-A31B-F0824C635938}"/>
+                <a16:creationId xmlns:a16="http://schemas.microsoft.com/office/drawing/2014/main" xmlns="" id="{00F6A3EF-20DA-497B-A31B-F0824C635938}"/>
               </a:ext>
             </a:extLst>
           </p:cNvPr>
@@ -3969,7 +4002,7 @@
           <p:cNvPr id="2" name="Title 1">
             <a:extLst>
               <a:ext uri="{FF2B5EF4-FFF2-40B4-BE49-F238E27FC236}">
-                <a16:creationId xmlns="" xmlns:a16="http://schemas.microsoft.com/office/drawing/2014/main" id="{9F53C0E6-5CA5-48E1-B370-E678425399F4}"/>
+                <a16:creationId xmlns:a16="http://schemas.microsoft.com/office/drawing/2014/main" xmlns="" id="{9F53C0E6-5CA5-48E1-B370-E678425399F4}"/>
               </a:ext>
             </a:extLst>
           </p:cNvPr>
@@ -4003,7 +4036,7 @@
           <p:cNvPr id="3" name="Content Placeholder 2">
             <a:extLst>
               <a:ext uri="{FF2B5EF4-FFF2-40B4-BE49-F238E27FC236}">
-                <a16:creationId xmlns="" xmlns:a16="http://schemas.microsoft.com/office/drawing/2014/main" id="{F0A4581A-26B3-40E7-A945-90C4D9B58292}"/>
+                <a16:creationId xmlns:a16="http://schemas.microsoft.com/office/drawing/2014/main" xmlns="" id="{F0A4581A-26B3-40E7-A945-90C4D9B58292}"/>
               </a:ext>
             </a:extLst>
           </p:cNvPr>
@@ -4107,7 +4140,7 @@
           <p:cNvPr id="4" name="Footer Placeholder 3">
             <a:extLst>
               <a:ext uri="{FF2B5EF4-FFF2-40B4-BE49-F238E27FC236}">
-                <a16:creationId xmlns="" xmlns:a16="http://schemas.microsoft.com/office/drawing/2014/main" id="{540972A1-4BB3-4D04-B4DF-C76BA9B5CAD8}"/>
+                <a16:creationId xmlns:a16="http://schemas.microsoft.com/office/drawing/2014/main" xmlns="" id="{540972A1-4BB3-4D04-B4DF-C76BA9B5CAD8}"/>
               </a:ext>
             </a:extLst>
           </p:cNvPr>
@@ -4136,7 +4169,7 @@
           <p:cNvPr id="5" name="Slide Number Placeholder 4">
             <a:extLst>
               <a:ext uri="{FF2B5EF4-FFF2-40B4-BE49-F238E27FC236}">
-                <a16:creationId xmlns="" xmlns:a16="http://schemas.microsoft.com/office/drawing/2014/main" id="{23B5C741-F1AB-463E-B229-974B2924B065}"/>
+                <a16:creationId xmlns:a16="http://schemas.microsoft.com/office/drawing/2014/main" xmlns="" id="{23B5C741-F1AB-463E-B229-974B2924B065}"/>
               </a:ext>
             </a:extLst>
           </p:cNvPr>
@@ -4243,7 +4276,7 @@
           <p:cNvPr id="2" name="Title 1">
             <a:extLst>
               <a:ext uri="{FF2B5EF4-FFF2-40B4-BE49-F238E27FC236}">
-                <a16:creationId xmlns="" xmlns:a16="http://schemas.microsoft.com/office/drawing/2014/main" id="{9F53C0E6-5CA5-48E1-B370-E678425399F4}"/>
+                <a16:creationId xmlns:a16="http://schemas.microsoft.com/office/drawing/2014/main" xmlns="" id="{9F53C0E6-5CA5-48E1-B370-E678425399F4}"/>
               </a:ext>
             </a:extLst>
           </p:cNvPr>
@@ -4277,7 +4310,7 @@
           <p:cNvPr id="3" name="Content Placeholder 2">
             <a:extLst>
               <a:ext uri="{FF2B5EF4-FFF2-40B4-BE49-F238E27FC236}">
-                <a16:creationId xmlns="" xmlns:a16="http://schemas.microsoft.com/office/drawing/2014/main" id="{F0A4581A-26B3-40E7-A945-90C4D9B58292}"/>
+                <a16:creationId xmlns:a16="http://schemas.microsoft.com/office/drawing/2014/main" xmlns="" id="{F0A4581A-26B3-40E7-A945-90C4D9B58292}"/>
               </a:ext>
             </a:extLst>
           </p:cNvPr>
@@ -4323,7 +4356,7 @@
           <p:cNvPr id="4" name="Footer Placeholder 3">
             <a:extLst>
               <a:ext uri="{FF2B5EF4-FFF2-40B4-BE49-F238E27FC236}">
-                <a16:creationId xmlns="" xmlns:a16="http://schemas.microsoft.com/office/drawing/2014/main" id="{540972A1-4BB3-4D04-B4DF-C76BA9B5CAD8}"/>
+                <a16:creationId xmlns:a16="http://schemas.microsoft.com/office/drawing/2014/main" xmlns="" id="{540972A1-4BB3-4D04-B4DF-C76BA9B5CAD8}"/>
               </a:ext>
             </a:extLst>
           </p:cNvPr>
@@ -4352,7 +4385,7 @@
           <p:cNvPr id="5" name="Slide Number Placeholder 4">
             <a:extLst>
               <a:ext uri="{FF2B5EF4-FFF2-40B4-BE49-F238E27FC236}">
-                <a16:creationId xmlns="" xmlns:a16="http://schemas.microsoft.com/office/drawing/2014/main" id="{23B5C741-F1AB-463E-B229-974B2924B065}"/>
+                <a16:creationId xmlns:a16="http://schemas.microsoft.com/office/drawing/2014/main" xmlns="" id="{23B5C741-F1AB-463E-B229-974B2924B065}"/>
               </a:ext>
             </a:extLst>
           </p:cNvPr>
@@ -6848,7 +6881,7 @@
           <p:cNvPr id="2" name="Title 1">
             <a:extLst>
               <a:ext uri="{FF2B5EF4-FFF2-40B4-BE49-F238E27FC236}">
-                <a16:creationId xmlns="" xmlns:a16="http://schemas.microsoft.com/office/drawing/2014/main" id="{9F53C0E6-5CA5-48E1-B370-E678425399F4}"/>
+                <a16:creationId xmlns:a16="http://schemas.microsoft.com/office/drawing/2014/main" xmlns="" id="{9F53C0E6-5CA5-48E1-B370-E678425399F4}"/>
               </a:ext>
             </a:extLst>
           </p:cNvPr>
@@ -6882,7 +6915,7 @@
           <p:cNvPr id="3" name="Content Placeholder 2">
             <a:extLst>
               <a:ext uri="{FF2B5EF4-FFF2-40B4-BE49-F238E27FC236}">
-                <a16:creationId xmlns="" xmlns:a16="http://schemas.microsoft.com/office/drawing/2014/main" id="{F0A4581A-26B3-40E7-A945-90C4D9B58292}"/>
+                <a16:creationId xmlns:a16="http://schemas.microsoft.com/office/drawing/2014/main" xmlns="" id="{F0A4581A-26B3-40E7-A945-90C4D9B58292}"/>
               </a:ext>
             </a:extLst>
           </p:cNvPr>
@@ -7049,11 +7082,7 @@
             </a:r>
             <a:r>
               <a:rPr lang="en-IN" sz="2000" dirty="0" smtClean="0"/>
-              <a:t> </a:t>
-            </a:r>
-            <a:r>
-              <a:rPr lang="en-IN" sz="2000" dirty="0" smtClean="0"/>
-              <a:t>Attention): Attention is placed only on a few source positions.</a:t>
+              <a:t> Attention): Attention is placed only on a few source positions.</a:t>
             </a:r>
           </a:p>
           <a:p>
@@ -7095,7 +7124,7 @@
           <p:cNvPr id="4" name="Footer Placeholder 3">
             <a:extLst>
               <a:ext uri="{FF2B5EF4-FFF2-40B4-BE49-F238E27FC236}">
-                <a16:creationId xmlns="" xmlns:a16="http://schemas.microsoft.com/office/drawing/2014/main" id="{540972A1-4BB3-4D04-B4DF-C76BA9B5CAD8}"/>
+                <a16:creationId xmlns:a16="http://schemas.microsoft.com/office/drawing/2014/main" xmlns="" id="{540972A1-4BB3-4D04-B4DF-C76BA9B5CAD8}"/>
               </a:ext>
             </a:extLst>
           </p:cNvPr>
@@ -7124,7 +7153,7 @@
           <p:cNvPr id="5" name="Slide Number Placeholder 4">
             <a:extLst>
               <a:ext uri="{FF2B5EF4-FFF2-40B4-BE49-F238E27FC236}">
-                <a16:creationId xmlns="" xmlns:a16="http://schemas.microsoft.com/office/drawing/2014/main" id="{23B5C741-F1AB-463E-B229-974B2924B065}"/>
+                <a16:creationId xmlns:a16="http://schemas.microsoft.com/office/drawing/2014/main" xmlns="" id="{23B5C741-F1AB-463E-B229-974B2924B065}"/>
               </a:ext>
             </a:extLst>
           </p:cNvPr>
@@ -7190,7 +7219,7 @@
           <p:cNvPr id="2" name="Title 1">
             <a:extLst>
               <a:ext uri="{FF2B5EF4-FFF2-40B4-BE49-F238E27FC236}">
-                <a16:creationId xmlns="" xmlns:a16="http://schemas.microsoft.com/office/drawing/2014/main" id="{9F53C0E6-5CA5-48E1-B370-E678425399F4}"/>
+                <a16:creationId xmlns:a16="http://schemas.microsoft.com/office/drawing/2014/main" xmlns="" id="{9F53C0E6-5CA5-48E1-B370-E678425399F4}"/>
               </a:ext>
             </a:extLst>
           </p:cNvPr>
@@ -7224,7 +7253,7 @@
           <p:cNvPr id="3" name="Content Placeholder 2">
             <a:extLst>
               <a:ext uri="{FF2B5EF4-FFF2-40B4-BE49-F238E27FC236}">
-                <a16:creationId xmlns="" xmlns:a16="http://schemas.microsoft.com/office/drawing/2014/main" id="{F0A4581A-26B3-40E7-A945-90C4D9B58292}"/>
+                <a16:creationId xmlns:a16="http://schemas.microsoft.com/office/drawing/2014/main" xmlns="" id="{F0A4581A-26B3-40E7-A945-90C4D9B58292}"/>
               </a:ext>
             </a:extLst>
           </p:cNvPr>
@@ -7321,11 +7350,7 @@
             </a:r>
             <a:r>
               <a:rPr lang="en-IN" sz="2000" dirty="0" smtClean="0"/>
-              <a:t> </a:t>
-            </a:r>
-            <a:r>
-              <a:rPr lang="en-IN" sz="2000" dirty="0" smtClean="0"/>
-              <a:t>Attention).</a:t>
+              <a:t> Attention).</a:t>
             </a:r>
           </a:p>
           <a:p>
@@ -7349,11 +7374,7 @@
             </a:r>
             <a:r>
               <a:rPr lang="en-IN" sz="2000" dirty="0" smtClean="0"/>
-              <a:t> </a:t>
-            </a:r>
-            <a:r>
-              <a:rPr lang="en-IN" sz="2000" dirty="0" smtClean="0"/>
-              <a:t>Attention):</a:t>
+              <a:t> Attention):</a:t>
             </a:r>
           </a:p>
           <a:p>
@@ -7433,7 +7454,7 @@
           <p:cNvPr id="4" name="Footer Placeholder 3">
             <a:extLst>
               <a:ext uri="{FF2B5EF4-FFF2-40B4-BE49-F238E27FC236}">
-                <a16:creationId xmlns="" xmlns:a16="http://schemas.microsoft.com/office/drawing/2014/main" id="{540972A1-4BB3-4D04-B4DF-C76BA9B5CAD8}"/>
+                <a16:creationId xmlns:a16="http://schemas.microsoft.com/office/drawing/2014/main" xmlns="" id="{540972A1-4BB3-4D04-B4DF-C76BA9B5CAD8}"/>
               </a:ext>
             </a:extLst>
           </p:cNvPr>
@@ -7462,7 +7483,7 @@
           <p:cNvPr id="5" name="Slide Number Placeholder 4">
             <a:extLst>
               <a:ext uri="{FF2B5EF4-FFF2-40B4-BE49-F238E27FC236}">
-                <a16:creationId xmlns="" xmlns:a16="http://schemas.microsoft.com/office/drawing/2014/main" id="{23B5C741-F1AB-463E-B229-974B2924B065}"/>
+                <a16:creationId xmlns:a16="http://schemas.microsoft.com/office/drawing/2014/main" xmlns="" id="{23B5C741-F1AB-463E-B229-974B2924B065}"/>
               </a:ext>
             </a:extLst>
           </p:cNvPr>
@@ -7528,7 +7549,7 @@
           <p:cNvPr id="2" name="Title 1">
             <a:extLst>
               <a:ext uri="{FF2B5EF4-FFF2-40B4-BE49-F238E27FC236}">
-                <a16:creationId xmlns="" xmlns:a16="http://schemas.microsoft.com/office/drawing/2014/main" id="{9F53C0E6-5CA5-48E1-B370-E678425399F4}"/>
+                <a16:creationId xmlns:a16="http://schemas.microsoft.com/office/drawing/2014/main" xmlns="" id="{9F53C0E6-5CA5-48E1-B370-E678425399F4}"/>
               </a:ext>
             </a:extLst>
           </p:cNvPr>
@@ -7562,7 +7583,7 @@
           <p:cNvPr id="3" name="Content Placeholder 2">
             <a:extLst>
               <a:ext uri="{FF2B5EF4-FFF2-40B4-BE49-F238E27FC236}">
-                <a16:creationId xmlns="" xmlns:a16="http://schemas.microsoft.com/office/drawing/2014/main" id="{F0A4581A-26B3-40E7-A945-90C4D9B58292}"/>
+                <a16:creationId xmlns:a16="http://schemas.microsoft.com/office/drawing/2014/main" xmlns="" id="{F0A4581A-26B3-40E7-A945-90C4D9B58292}"/>
               </a:ext>
             </a:extLst>
           </p:cNvPr>
@@ -8126,7 +8147,7 @@
           <p:cNvPr id="4" name="Footer Placeholder 3">
             <a:extLst>
               <a:ext uri="{FF2B5EF4-FFF2-40B4-BE49-F238E27FC236}">
-                <a16:creationId xmlns="" xmlns:a16="http://schemas.microsoft.com/office/drawing/2014/main" id="{540972A1-4BB3-4D04-B4DF-C76BA9B5CAD8}"/>
+                <a16:creationId xmlns:a16="http://schemas.microsoft.com/office/drawing/2014/main" xmlns="" id="{540972A1-4BB3-4D04-B4DF-C76BA9B5CAD8}"/>
               </a:ext>
             </a:extLst>
           </p:cNvPr>
@@ -8155,7 +8176,7 @@
           <p:cNvPr id="5" name="Slide Number Placeholder 4">
             <a:extLst>
               <a:ext uri="{FF2B5EF4-FFF2-40B4-BE49-F238E27FC236}">
-                <a16:creationId xmlns="" xmlns:a16="http://schemas.microsoft.com/office/drawing/2014/main" id="{23B5C741-F1AB-463E-B229-974B2924B065}"/>
+                <a16:creationId xmlns:a16="http://schemas.microsoft.com/office/drawing/2014/main" xmlns="" id="{23B5C741-F1AB-463E-B229-974B2924B065}"/>
               </a:ext>
             </a:extLst>
           </p:cNvPr>
@@ -8493,7 +8514,7 @@
           <p:cNvPr id="2" name="Title 1">
             <a:extLst>
               <a:ext uri="{FF2B5EF4-FFF2-40B4-BE49-F238E27FC236}">
-                <a16:creationId xmlns="" xmlns:a16="http://schemas.microsoft.com/office/drawing/2014/main" id="{9F53C0E6-5CA5-48E1-B370-E678425399F4}"/>
+                <a16:creationId xmlns:a16="http://schemas.microsoft.com/office/drawing/2014/main" xmlns="" id="{9F53C0E6-5CA5-48E1-B370-E678425399F4}"/>
               </a:ext>
             </a:extLst>
           </p:cNvPr>
@@ -8522,14 +8543,14 @@
           </a:p>
         </p:txBody>
       </p:sp>
-      <mc:AlternateContent xmlns:mc="http://schemas.openxmlformats.org/markup-compatibility/2006">
-        <mc:Choice xmlns:a14="http://schemas.microsoft.com/office/drawing/2010/main" Requires="a14">
+      <mc:AlternateContent xmlns:mc="http://schemas.openxmlformats.org/markup-compatibility/2006" xmlns:a14="http://schemas.microsoft.com/office/drawing/2010/main">
+        <mc:Choice Requires="a14">
           <p:sp>
             <p:nvSpPr>
               <p:cNvPr id="3" name="Content Placeholder 2">
                 <a:extLst>
                   <a:ext uri="{FF2B5EF4-FFF2-40B4-BE49-F238E27FC236}">
-                    <a16:creationId xmlns="" xmlns:a16="http://schemas.microsoft.com/office/drawing/2014/main" id="{F0A4581A-26B3-40E7-A945-90C4D9B58292}"/>
+                    <a16:creationId xmlns:a16="http://schemas.microsoft.com/office/drawing/2014/main" xmlns="" id="{F0A4581A-26B3-40E7-A945-90C4D9B58292}"/>
                   </a:ext>
                 </a:extLst>
               </p:cNvPr>
@@ -9146,15 +9167,7 @@
                 </a:pPr>
                 <a:r>
                   <a:rPr lang="en-IN" sz="2000" dirty="0" smtClean="0"/>
-                  <a:t>At the end, the decoder </a:t>
-                </a:r>
-                <a:r>
-                  <a:rPr lang="en-IN" sz="2000" dirty="0" smtClean="0"/>
-                  <a:t>will either </a:t>
-                </a:r>
-                <a:r>
-                  <a:rPr lang="en-IN" sz="2000" dirty="0" smtClean="0"/>
-                  <a:t>output &lt;</a:t>
+                  <a:t>At the end, the decoder will either output &lt;</a:t>
                 </a:r>
                 <a:r>
                   <a:rPr lang="en-IN" sz="2000" dirty="0" err="1" smtClean="0"/>
@@ -9162,29 +9175,13 @@
                 </a:r>
                 <a:r>
                   <a:rPr lang="en-IN" sz="2000" dirty="0" smtClean="0"/>
-                  <a:t>&gt; </a:t>
-                </a:r>
-                <a:r>
-                  <a:rPr lang="en-IN" sz="2000" dirty="0" smtClean="0"/>
-                  <a:t>token or it would have generated (or predicted) words equal to maximum caption length, then </a:t>
-                </a:r>
-                <a:r>
-                  <a:rPr lang="en-IN" sz="2000" dirty="0" smtClean="0"/>
-                  <a:t>we </a:t>
-                </a:r>
-                <a:r>
-                  <a:rPr lang="en-IN" sz="2000" dirty="0" smtClean="0"/>
-                  <a:t>will stop </a:t>
-                </a:r>
-                <a:r>
-                  <a:rPr lang="en-IN" sz="2000" dirty="0" smtClean="0"/>
-                  <a:t>the generation process.</a:t>
+                  <a:t>&gt; token or it would have generated (or predicted) words equal to maximum caption length, then we will stop the generation process.</a:t>
                 </a:r>
               </a:p>
             </p:txBody>
           </p:sp>
         </mc:Choice>
-        <mc:Fallback>
+        <mc:Fallback xmlns="">
           <p:sp>
             <p:nvSpPr>
               <p:cNvPr id="3" name="Content Placeholder 2">
@@ -9233,7 +9230,7 @@
           <p:cNvPr id="4" name="Footer Placeholder 3">
             <a:extLst>
               <a:ext uri="{FF2B5EF4-FFF2-40B4-BE49-F238E27FC236}">
-                <a16:creationId xmlns="" xmlns:a16="http://schemas.microsoft.com/office/drawing/2014/main" id="{540972A1-4BB3-4D04-B4DF-C76BA9B5CAD8}"/>
+                <a16:creationId xmlns:a16="http://schemas.microsoft.com/office/drawing/2014/main" xmlns="" id="{540972A1-4BB3-4D04-B4DF-C76BA9B5CAD8}"/>
               </a:ext>
             </a:extLst>
           </p:cNvPr>
@@ -9262,7 +9259,7 @@
           <p:cNvPr id="5" name="Slide Number Placeholder 4">
             <a:extLst>
               <a:ext uri="{FF2B5EF4-FFF2-40B4-BE49-F238E27FC236}">
-                <a16:creationId xmlns="" xmlns:a16="http://schemas.microsoft.com/office/drawing/2014/main" id="{23B5C741-F1AB-463E-B229-974B2924B065}"/>
+                <a16:creationId xmlns:a16="http://schemas.microsoft.com/office/drawing/2014/main" xmlns="" id="{23B5C741-F1AB-463E-B229-974B2924B065}"/>
               </a:ext>
             </a:extLst>
           </p:cNvPr>
@@ -9328,7 +9325,7 @@
           <p:cNvPr id="2" name="Title 1">
             <a:extLst>
               <a:ext uri="{FF2B5EF4-FFF2-40B4-BE49-F238E27FC236}">
-                <a16:creationId xmlns="" xmlns:a16="http://schemas.microsoft.com/office/drawing/2014/main" id="{9F53C0E6-5CA5-48E1-B370-E678425399F4}"/>
+                <a16:creationId xmlns:a16="http://schemas.microsoft.com/office/drawing/2014/main" xmlns="" id="{9F53C0E6-5CA5-48E1-B370-E678425399F4}"/>
               </a:ext>
             </a:extLst>
           </p:cNvPr>
@@ -9363,7 +9360,7 @@
               <p:cNvPr id="3" name="Content Placeholder 2">
                 <a:extLst>
                   <a:ext uri="{FF2B5EF4-FFF2-40B4-BE49-F238E27FC236}">
-                    <a16:creationId xmlns="" xmlns:a16="http://schemas.microsoft.com/office/drawing/2014/main" id="{F0A4581A-26B3-40E7-A945-90C4D9B58292}"/>
+                    <a16:creationId xmlns:a16="http://schemas.microsoft.com/office/drawing/2014/main" xmlns="" id="{F0A4581A-26B3-40E7-A945-90C4D9B58292}"/>
                   </a:ext>
                 </a:extLst>
               </p:cNvPr>
@@ -10104,7 +10101,7 @@
           <p:cNvPr id="4" name="Footer Placeholder 3">
             <a:extLst>
               <a:ext uri="{FF2B5EF4-FFF2-40B4-BE49-F238E27FC236}">
-                <a16:creationId xmlns="" xmlns:a16="http://schemas.microsoft.com/office/drawing/2014/main" id="{540972A1-4BB3-4D04-B4DF-C76BA9B5CAD8}"/>
+                <a16:creationId xmlns:a16="http://schemas.microsoft.com/office/drawing/2014/main" xmlns="" id="{540972A1-4BB3-4D04-B4DF-C76BA9B5CAD8}"/>
               </a:ext>
             </a:extLst>
           </p:cNvPr>
@@ -10133,7 +10130,7 @@
           <p:cNvPr id="5" name="Slide Number Placeholder 4">
             <a:extLst>
               <a:ext uri="{FF2B5EF4-FFF2-40B4-BE49-F238E27FC236}">
-                <a16:creationId xmlns="" xmlns:a16="http://schemas.microsoft.com/office/drawing/2014/main" id="{23B5C741-F1AB-463E-B229-974B2924B065}"/>
+                <a16:creationId xmlns:a16="http://schemas.microsoft.com/office/drawing/2014/main" xmlns="" id="{23B5C741-F1AB-463E-B229-974B2924B065}"/>
               </a:ext>
             </a:extLst>
           </p:cNvPr>
@@ -10199,7 +10196,7 @@
           <p:cNvPr id="2" name="Title 1">
             <a:extLst>
               <a:ext uri="{FF2B5EF4-FFF2-40B4-BE49-F238E27FC236}">
-                <a16:creationId xmlns="" xmlns:a16="http://schemas.microsoft.com/office/drawing/2014/main" id="{9F53C0E6-5CA5-48E1-B370-E678425399F4}"/>
+                <a16:creationId xmlns:a16="http://schemas.microsoft.com/office/drawing/2014/main" xmlns="" id="{9F53C0E6-5CA5-48E1-B370-E678425399F4}"/>
               </a:ext>
             </a:extLst>
           </p:cNvPr>
@@ -10234,7 +10231,7 @@
               <p:cNvPr id="3" name="Content Placeholder 2">
                 <a:extLst>
                   <a:ext uri="{FF2B5EF4-FFF2-40B4-BE49-F238E27FC236}">
-                    <a16:creationId xmlns="" xmlns:a16="http://schemas.microsoft.com/office/drawing/2014/main" id="{F0A4581A-26B3-40E7-A945-90C4D9B58292}"/>
+                    <a16:creationId xmlns:a16="http://schemas.microsoft.com/office/drawing/2014/main" xmlns="" id="{F0A4581A-26B3-40E7-A945-90C4D9B58292}"/>
                   </a:ext>
                 </a:extLst>
               </p:cNvPr>
@@ -10852,7 +10849,7 @@
           <p:cNvPr id="4" name="Footer Placeholder 3">
             <a:extLst>
               <a:ext uri="{FF2B5EF4-FFF2-40B4-BE49-F238E27FC236}">
-                <a16:creationId xmlns="" xmlns:a16="http://schemas.microsoft.com/office/drawing/2014/main" id="{540972A1-4BB3-4D04-B4DF-C76BA9B5CAD8}"/>
+                <a16:creationId xmlns:a16="http://schemas.microsoft.com/office/drawing/2014/main" xmlns="" id="{540972A1-4BB3-4D04-B4DF-C76BA9B5CAD8}"/>
               </a:ext>
             </a:extLst>
           </p:cNvPr>
@@ -10881,7 +10878,7 @@
           <p:cNvPr id="5" name="Slide Number Placeholder 4">
             <a:extLst>
               <a:ext uri="{FF2B5EF4-FFF2-40B4-BE49-F238E27FC236}">
-                <a16:creationId xmlns="" xmlns:a16="http://schemas.microsoft.com/office/drawing/2014/main" id="{23B5C741-F1AB-463E-B229-974B2924B065}"/>
+                <a16:creationId xmlns:a16="http://schemas.microsoft.com/office/drawing/2014/main" xmlns="" id="{23B5C741-F1AB-463E-B229-974B2924B065}"/>
               </a:ext>
             </a:extLst>
           </p:cNvPr>
@@ -10912,7 +10909,7 @@
               <p:cNvPr id="6" name="TextBox 5">
                 <a:extLst>
                   <a:ext uri="{FF2B5EF4-FFF2-40B4-BE49-F238E27FC236}">
-                    <a16:creationId xmlns="" xmlns:a16="http://schemas.microsoft.com/office/drawing/2014/main" id="{06515E04-E911-434E-B73D-C74090564F2D}"/>
+                    <a16:creationId xmlns:a16="http://schemas.microsoft.com/office/drawing/2014/main" xmlns="" id="{06515E04-E911-434E-B73D-C74090564F2D}"/>
                   </a:ext>
                 </a:extLst>
               </p:cNvPr>
@@ -11205,7 +11202,7 @@
               <p:cNvPr id="7" name="TextBox 6">
                 <a:extLst>
                   <a:ext uri="{FF2B5EF4-FFF2-40B4-BE49-F238E27FC236}">
-                    <a16:creationId xmlns="" xmlns:a16="http://schemas.microsoft.com/office/drawing/2014/main" id="{CA4377AD-0777-414C-BE82-54D482E0C00B}"/>
+                    <a16:creationId xmlns:a16="http://schemas.microsoft.com/office/drawing/2014/main" xmlns="" id="{CA4377AD-0777-414C-BE82-54D482E0C00B}"/>
                   </a:ext>
                 </a:extLst>
               </p:cNvPr>
@@ -11533,7 +11530,7 @@
           <p:cNvPr id="2" name="Title 1">
             <a:extLst>
               <a:ext uri="{FF2B5EF4-FFF2-40B4-BE49-F238E27FC236}">
-                <a16:creationId xmlns="" xmlns:a16="http://schemas.microsoft.com/office/drawing/2014/main" id="{9F53C0E6-5CA5-48E1-B370-E678425399F4}"/>
+                <a16:creationId xmlns:a16="http://schemas.microsoft.com/office/drawing/2014/main" xmlns="" id="{9F53C0E6-5CA5-48E1-B370-E678425399F4}"/>
               </a:ext>
             </a:extLst>
           </p:cNvPr>
@@ -11566,7 +11563,7 @@
           <p:cNvPr id="3" name="Content Placeholder 2">
             <a:extLst>
               <a:ext uri="{FF2B5EF4-FFF2-40B4-BE49-F238E27FC236}">
-                <a16:creationId xmlns="" xmlns:a16="http://schemas.microsoft.com/office/drawing/2014/main" id="{F0A4581A-26B3-40E7-A945-90C4D9B58292}"/>
+                <a16:creationId xmlns:a16="http://schemas.microsoft.com/office/drawing/2014/main" xmlns="" id="{F0A4581A-26B3-40E7-A945-90C4D9B58292}"/>
               </a:ext>
             </a:extLst>
           </p:cNvPr>
@@ -11775,7 +11772,7 @@
           <p:cNvPr id="4" name="Footer Placeholder 3">
             <a:extLst>
               <a:ext uri="{FF2B5EF4-FFF2-40B4-BE49-F238E27FC236}">
-                <a16:creationId xmlns="" xmlns:a16="http://schemas.microsoft.com/office/drawing/2014/main" id="{540972A1-4BB3-4D04-B4DF-C76BA9B5CAD8}"/>
+                <a16:creationId xmlns:a16="http://schemas.microsoft.com/office/drawing/2014/main" xmlns="" id="{540972A1-4BB3-4D04-B4DF-C76BA9B5CAD8}"/>
               </a:ext>
             </a:extLst>
           </p:cNvPr>
@@ -11804,7 +11801,7 @@
           <p:cNvPr id="5" name="Slide Number Placeholder 4">
             <a:extLst>
               <a:ext uri="{FF2B5EF4-FFF2-40B4-BE49-F238E27FC236}">
-                <a16:creationId xmlns="" xmlns:a16="http://schemas.microsoft.com/office/drawing/2014/main" id="{23B5C741-F1AB-463E-B229-974B2924B065}"/>
+                <a16:creationId xmlns:a16="http://schemas.microsoft.com/office/drawing/2014/main" xmlns="" id="{23B5C741-F1AB-463E-B229-974B2924B065}"/>
               </a:ext>
             </a:extLst>
           </p:cNvPr>
@@ -11835,7 +11832,7 @@
               <p:cNvPr id="6" name="TextBox 5">
                 <a:extLst>
                   <a:ext uri="{FF2B5EF4-FFF2-40B4-BE49-F238E27FC236}">
-                    <a16:creationId xmlns="" xmlns:a16="http://schemas.microsoft.com/office/drawing/2014/main" id="{3B7D199C-87B8-4A4A-8528-5D7137997D35}"/>
+                    <a16:creationId xmlns:a16="http://schemas.microsoft.com/office/drawing/2014/main" xmlns="" id="{3B7D199C-87B8-4A4A-8528-5D7137997D35}"/>
                   </a:ext>
                 </a:extLst>
               </p:cNvPr>
@@ -12096,7 +12093,7 @@
               <p:cNvPr id="7" name="TextBox 6">
                 <a:extLst>
                   <a:ext uri="{FF2B5EF4-FFF2-40B4-BE49-F238E27FC236}">
-                    <a16:creationId xmlns="" xmlns:a16="http://schemas.microsoft.com/office/drawing/2014/main" id="{A9E66421-BD90-4084-9F9B-6ABE27CAF5BD}"/>
+                    <a16:creationId xmlns:a16="http://schemas.microsoft.com/office/drawing/2014/main" xmlns="" id="{A9E66421-BD90-4084-9F9B-6ABE27CAF5BD}"/>
                   </a:ext>
                 </a:extLst>
               </p:cNvPr>
@@ -12417,7 +12414,7 @@
               <p:cNvPr id="8" name="TextBox 7">
                 <a:extLst>
                   <a:ext uri="{FF2B5EF4-FFF2-40B4-BE49-F238E27FC236}">
-                    <a16:creationId xmlns="" xmlns:a16="http://schemas.microsoft.com/office/drawing/2014/main" id="{1C685DB0-6F52-425A-A009-34864907B0A1}"/>
+                    <a16:creationId xmlns:a16="http://schemas.microsoft.com/office/drawing/2014/main" xmlns="" id="{1C685DB0-6F52-425A-A009-34864907B0A1}"/>
                   </a:ext>
                 </a:extLst>
               </p:cNvPr>
@@ -12690,7 +12687,7 @@
               <p:cNvPr id="9" name="TextBox 8">
                 <a:extLst>
                   <a:ext uri="{FF2B5EF4-FFF2-40B4-BE49-F238E27FC236}">
-                    <a16:creationId xmlns="" xmlns:a16="http://schemas.microsoft.com/office/drawing/2014/main" id="{3DAB24E0-EDF4-4C3C-8A39-C4846E7D141A}"/>
+                    <a16:creationId xmlns:a16="http://schemas.microsoft.com/office/drawing/2014/main" xmlns="" id="{3DAB24E0-EDF4-4C3C-8A39-C4846E7D141A}"/>
                   </a:ext>
                 </a:extLst>
               </p:cNvPr>
@@ -13046,7 +13043,7 @@
           <p:cNvPr id="2" name="Title 1">
             <a:extLst>
               <a:ext uri="{FF2B5EF4-FFF2-40B4-BE49-F238E27FC236}">
-                <a16:creationId xmlns="" xmlns:a16="http://schemas.microsoft.com/office/drawing/2014/main" id="{9F53C0E6-5CA5-48E1-B370-E678425399F4}"/>
+                <a16:creationId xmlns:a16="http://schemas.microsoft.com/office/drawing/2014/main" xmlns="" id="{9F53C0E6-5CA5-48E1-B370-E678425399F4}"/>
               </a:ext>
             </a:extLst>
           </p:cNvPr>
@@ -13081,7 +13078,7 @@
               <p:cNvPr id="3" name="Content Placeholder 2">
                 <a:extLst>
                   <a:ext uri="{FF2B5EF4-FFF2-40B4-BE49-F238E27FC236}">
-                    <a16:creationId xmlns="" xmlns:a16="http://schemas.microsoft.com/office/drawing/2014/main" id="{F0A4581A-26B3-40E7-A945-90C4D9B58292}"/>
+                    <a16:creationId xmlns:a16="http://schemas.microsoft.com/office/drawing/2014/main" xmlns="" id="{F0A4581A-26B3-40E7-A945-90C4D9B58292}"/>
                   </a:ext>
                 </a:extLst>
               </p:cNvPr>
@@ -13640,7 +13637,7 @@
           <p:cNvPr id="4" name="Footer Placeholder 3">
             <a:extLst>
               <a:ext uri="{FF2B5EF4-FFF2-40B4-BE49-F238E27FC236}">
-                <a16:creationId xmlns="" xmlns:a16="http://schemas.microsoft.com/office/drawing/2014/main" id="{540972A1-4BB3-4D04-B4DF-C76BA9B5CAD8}"/>
+                <a16:creationId xmlns:a16="http://schemas.microsoft.com/office/drawing/2014/main" xmlns="" id="{540972A1-4BB3-4D04-B4DF-C76BA9B5CAD8}"/>
               </a:ext>
             </a:extLst>
           </p:cNvPr>
@@ -13669,7 +13666,7 @@
           <p:cNvPr id="5" name="Slide Number Placeholder 4">
             <a:extLst>
               <a:ext uri="{FF2B5EF4-FFF2-40B4-BE49-F238E27FC236}">
-                <a16:creationId xmlns="" xmlns:a16="http://schemas.microsoft.com/office/drawing/2014/main" id="{23B5C741-F1AB-463E-B229-974B2924B065}"/>
+                <a16:creationId xmlns:a16="http://schemas.microsoft.com/office/drawing/2014/main" xmlns="" id="{23B5C741-F1AB-463E-B229-974B2924B065}"/>
               </a:ext>
             </a:extLst>
           </p:cNvPr>
@@ -13735,7 +13732,7 @@
           <p:cNvPr id="2" name="Title 1">
             <a:extLst>
               <a:ext uri="{FF2B5EF4-FFF2-40B4-BE49-F238E27FC236}">
-                <a16:creationId xmlns="" xmlns:a16="http://schemas.microsoft.com/office/drawing/2014/main" id="{9F53C0E6-5CA5-48E1-B370-E678425399F4}"/>
+                <a16:creationId xmlns:a16="http://schemas.microsoft.com/office/drawing/2014/main" xmlns="" id="{9F53C0E6-5CA5-48E1-B370-E678425399F4}"/>
               </a:ext>
             </a:extLst>
           </p:cNvPr>
@@ -13768,7 +13765,7 @@
           <p:cNvPr id="3" name="Content Placeholder 2">
             <a:extLst>
               <a:ext uri="{FF2B5EF4-FFF2-40B4-BE49-F238E27FC236}">
-                <a16:creationId xmlns="" xmlns:a16="http://schemas.microsoft.com/office/drawing/2014/main" id="{F0A4581A-26B3-40E7-A945-90C4D9B58292}"/>
+                <a16:creationId xmlns:a16="http://schemas.microsoft.com/office/drawing/2014/main" xmlns="" id="{F0A4581A-26B3-40E7-A945-90C4D9B58292}"/>
               </a:ext>
             </a:extLst>
           </p:cNvPr>
@@ -13937,7 +13934,7 @@
           <p:cNvPr id="5" name="Picture 4">
             <a:extLst>
               <a:ext uri="{FF2B5EF4-FFF2-40B4-BE49-F238E27FC236}">
-                <a16:creationId xmlns="" xmlns:a16="http://schemas.microsoft.com/office/drawing/2014/main" id="{7E47B480-A1F1-498C-A3D5-AA5E72134EDB}"/>
+                <a16:creationId xmlns:a16="http://schemas.microsoft.com/office/drawing/2014/main" xmlns="" id="{7E47B480-A1F1-498C-A3D5-AA5E72134EDB}"/>
               </a:ext>
             </a:extLst>
           </p:cNvPr>
@@ -13973,7 +13970,7 @@
           <p:cNvPr id="6" name="TextBox 5">
             <a:extLst>
               <a:ext uri="{FF2B5EF4-FFF2-40B4-BE49-F238E27FC236}">
-                <a16:creationId xmlns="" xmlns:a16="http://schemas.microsoft.com/office/drawing/2014/main" id="{6EA1B5B0-566F-495F-89A1-3DADA4C9C5D7}"/>
+                <a16:creationId xmlns:a16="http://schemas.microsoft.com/office/drawing/2014/main" xmlns="" id="{6EA1B5B0-566F-495F-89A1-3DADA4C9C5D7}"/>
               </a:ext>
             </a:extLst>
           </p:cNvPr>
@@ -14044,7 +14041,7 @@
           <p:cNvPr id="7" name="Footer Placeholder 6">
             <a:extLst>
               <a:ext uri="{FF2B5EF4-FFF2-40B4-BE49-F238E27FC236}">
-                <a16:creationId xmlns="" xmlns:a16="http://schemas.microsoft.com/office/drawing/2014/main" id="{40B3E9F5-CEA5-49AC-85C6-B8339B793AF9}"/>
+                <a16:creationId xmlns:a16="http://schemas.microsoft.com/office/drawing/2014/main" xmlns="" id="{40B3E9F5-CEA5-49AC-85C6-B8339B793AF9}"/>
               </a:ext>
             </a:extLst>
           </p:cNvPr>
@@ -14073,7 +14070,7 @@
           <p:cNvPr id="8" name="Slide Number Placeholder 7">
             <a:extLst>
               <a:ext uri="{FF2B5EF4-FFF2-40B4-BE49-F238E27FC236}">
-                <a16:creationId xmlns="" xmlns:a16="http://schemas.microsoft.com/office/drawing/2014/main" id="{8DD8198B-D92C-41F5-9CF3-3B55147EB73A}"/>
+                <a16:creationId xmlns:a16="http://schemas.microsoft.com/office/drawing/2014/main" xmlns="" id="{8DD8198B-D92C-41F5-9CF3-3B55147EB73A}"/>
               </a:ext>
             </a:extLst>
           </p:cNvPr>
@@ -14139,7 +14136,7 @@
           <p:cNvPr id="2" name="Title 1">
             <a:extLst>
               <a:ext uri="{FF2B5EF4-FFF2-40B4-BE49-F238E27FC236}">
-                <a16:creationId xmlns="" xmlns:a16="http://schemas.microsoft.com/office/drawing/2014/main" id="{9F53C0E6-5CA5-48E1-B370-E678425399F4}"/>
+                <a16:creationId xmlns:a16="http://schemas.microsoft.com/office/drawing/2014/main" xmlns="" id="{9F53C0E6-5CA5-48E1-B370-E678425399F4}"/>
               </a:ext>
             </a:extLst>
           </p:cNvPr>
@@ -14174,7 +14171,7 @@
               <p:cNvPr id="3" name="Content Placeholder 2">
                 <a:extLst>
                   <a:ext uri="{FF2B5EF4-FFF2-40B4-BE49-F238E27FC236}">
-                    <a16:creationId xmlns="" xmlns:a16="http://schemas.microsoft.com/office/drawing/2014/main" id="{F0A4581A-26B3-40E7-A945-90C4D9B58292}"/>
+                    <a16:creationId xmlns:a16="http://schemas.microsoft.com/office/drawing/2014/main" xmlns="" id="{F0A4581A-26B3-40E7-A945-90C4D9B58292}"/>
                   </a:ext>
                 </a:extLst>
               </p:cNvPr>
@@ -14599,7 +14596,7 @@
           <p:cNvPr id="4" name="Footer Placeholder 3">
             <a:extLst>
               <a:ext uri="{FF2B5EF4-FFF2-40B4-BE49-F238E27FC236}">
-                <a16:creationId xmlns="" xmlns:a16="http://schemas.microsoft.com/office/drawing/2014/main" id="{540972A1-4BB3-4D04-B4DF-C76BA9B5CAD8}"/>
+                <a16:creationId xmlns:a16="http://schemas.microsoft.com/office/drawing/2014/main" xmlns="" id="{540972A1-4BB3-4D04-B4DF-C76BA9B5CAD8}"/>
               </a:ext>
             </a:extLst>
           </p:cNvPr>
@@ -14628,7 +14625,7 @@
           <p:cNvPr id="5" name="Slide Number Placeholder 4">
             <a:extLst>
               <a:ext uri="{FF2B5EF4-FFF2-40B4-BE49-F238E27FC236}">
-                <a16:creationId xmlns="" xmlns:a16="http://schemas.microsoft.com/office/drawing/2014/main" id="{23B5C741-F1AB-463E-B229-974B2924B065}"/>
+                <a16:creationId xmlns:a16="http://schemas.microsoft.com/office/drawing/2014/main" xmlns="" id="{23B5C741-F1AB-463E-B229-974B2924B065}"/>
               </a:ext>
             </a:extLst>
           </p:cNvPr>
@@ -14657,7 +14654,7 @@
           <p:cNvPr id="6" name="Table 6">
             <a:extLst>
               <a:ext uri="{FF2B5EF4-FFF2-40B4-BE49-F238E27FC236}">
-                <a16:creationId xmlns="" xmlns:a16="http://schemas.microsoft.com/office/drawing/2014/main" id="{08CE9452-00C6-4E2F-AF96-8DB070484659}"/>
+                <a16:creationId xmlns:a16="http://schemas.microsoft.com/office/drawing/2014/main" xmlns="" id="{08CE9452-00C6-4E2F-AF96-8DB070484659}"/>
               </a:ext>
             </a:extLst>
           </p:cNvPr>
@@ -14691,14 +14688,14 @@
                 <a:gridCol w="613173">
                   <a:extLst>
                     <a:ext uri="{9D8B030D-6E8A-4147-A177-3AD203B41FA5}">
-                      <a16:colId xmlns="" xmlns:a16="http://schemas.microsoft.com/office/drawing/2014/main" val="953926796"/>
+                      <a16:colId xmlns:a16="http://schemas.microsoft.com/office/drawing/2014/main" xmlns="" val="953926796"/>
                     </a:ext>
                   </a:extLst>
                 </a:gridCol>
                 <a:gridCol w="9371236">
                   <a:extLst>
                     <a:ext uri="{9D8B030D-6E8A-4147-A177-3AD203B41FA5}">
-                      <a16:colId xmlns="" xmlns:a16="http://schemas.microsoft.com/office/drawing/2014/main" val="319029335"/>
+                      <a16:colId xmlns:a16="http://schemas.microsoft.com/office/drawing/2014/main" xmlns="" val="319029335"/>
                     </a:ext>
                   </a:extLst>
                 </a:gridCol>
@@ -14814,7 +14811,7 @@
                 </a:tc>
                 <a:extLst>
                   <a:ext uri="{0D108BD9-81ED-4DB2-BD59-A6C34878D82A}">
-                    <a16:rowId xmlns="" xmlns:a16="http://schemas.microsoft.com/office/drawing/2014/main" val="3454209587"/>
+                    <a16:rowId xmlns:a16="http://schemas.microsoft.com/office/drawing/2014/main" xmlns="" val="3454209587"/>
                   </a:ext>
                 </a:extLst>
               </a:tr>
@@ -14953,7 +14950,7 @@
                 </a:tc>
                 <a:extLst>
                   <a:ext uri="{0D108BD9-81ED-4DB2-BD59-A6C34878D82A}">
-                    <a16:rowId xmlns="" xmlns:a16="http://schemas.microsoft.com/office/drawing/2014/main" val="292879483"/>
+                    <a16:rowId xmlns:a16="http://schemas.microsoft.com/office/drawing/2014/main" xmlns="" val="292879483"/>
                   </a:ext>
                 </a:extLst>
               </a:tr>
@@ -15092,7 +15089,7 @@
                 </a:tc>
                 <a:extLst>
                   <a:ext uri="{0D108BD9-81ED-4DB2-BD59-A6C34878D82A}">
-                    <a16:rowId xmlns="" xmlns:a16="http://schemas.microsoft.com/office/drawing/2014/main" val="3295560409"/>
+                    <a16:rowId xmlns:a16="http://schemas.microsoft.com/office/drawing/2014/main" xmlns="" val="3295560409"/>
                   </a:ext>
                 </a:extLst>
               </a:tr>
@@ -15142,7 +15139,7 @@
           <p:cNvPr id="2" name="Title 1">
             <a:extLst>
               <a:ext uri="{FF2B5EF4-FFF2-40B4-BE49-F238E27FC236}">
-                <a16:creationId xmlns="" xmlns:a16="http://schemas.microsoft.com/office/drawing/2014/main" id="{9F53C0E6-5CA5-48E1-B370-E678425399F4}"/>
+                <a16:creationId xmlns:a16="http://schemas.microsoft.com/office/drawing/2014/main" xmlns="" id="{9F53C0E6-5CA5-48E1-B370-E678425399F4}"/>
               </a:ext>
             </a:extLst>
           </p:cNvPr>
@@ -15175,7 +15172,7 @@
           <p:cNvPr id="3" name="Content Placeholder 2">
             <a:extLst>
               <a:ext uri="{FF2B5EF4-FFF2-40B4-BE49-F238E27FC236}">
-                <a16:creationId xmlns="" xmlns:a16="http://schemas.microsoft.com/office/drawing/2014/main" id="{F0A4581A-26B3-40E7-A945-90C4D9B58292}"/>
+                <a16:creationId xmlns:a16="http://schemas.microsoft.com/office/drawing/2014/main" xmlns="" id="{F0A4581A-26B3-40E7-A945-90C4D9B58292}"/>
               </a:ext>
             </a:extLst>
           </p:cNvPr>
@@ -15403,7 +15400,7 @@
           <p:cNvPr id="4" name="Footer Placeholder 3">
             <a:extLst>
               <a:ext uri="{FF2B5EF4-FFF2-40B4-BE49-F238E27FC236}">
-                <a16:creationId xmlns="" xmlns:a16="http://schemas.microsoft.com/office/drawing/2014/main" id="{540972A1-4BB3-4D04-B4DF-C76BA9B5CAD8}"/>
+                <a16:creationId xmlns:a16="http://schemas.microsoft.com/office/drawing/2014/main" xmlns="" id="{540972A1-4BB3-4D04-B4DF-C76BA9B5CAD8}"/>
               </a:ext>
             </a:extLst>
           </p:cNvPr>
@@ -15432,7 +15429,7 @@
           <p:cNvPr id="5" name="Slide Number Placeholder 4">
             <a:extLst>
               <a:ext uri="{FF2B5EF4-FFF2-40B4-BE49-F238E27FC236}">
-                <a16:creationId xmlns="" xmlns:a16="http://schemas.microsoft.com/office/drawing/2014/main" id="{23B5C741-F1AB-463E-B229-974B2924B065}"/>
+                <a16:creationId xmlns:a16="http://schemas.microsoft.com/office/drawing/2014/main" xmlns="" id="{23B5C741-F1AB-463E-B229-974B2924B065}"/>
               </a:ext>
             </a:extLst>
           </p:cNvPr>
@@ -15498,7 +15495,7 @@
           <p:cNvPr id="2" name="Title 1">
             <a:extLst>
               <a:ext uri="{FF2B5EF4-FFF2-40B4-BE49-F238E27FC236}">
-                <a16:creationId xmlns="" xmlns:a16="http://schemas.microsoft.com/office/drawing/2014/main" id="{9F53C0E6-5CA5-48E1-B370-E678425399F4}"/>
+                <a16:creationId xmlns:a16="http://schemas.microsoft.com/office/drawing/2014/main" xmlns="" id="{9F53C0E6-5CA5-48E1-B370-E678425399F4}"/>
               </a:ext>
             </a:extLst>
           </p:cNvPr>
@@ -15531,7 +15528,7 @@
           <p:cNvPr id="6" name="Table 6">
             <a:extLst>
               <a:ext uri="{FF2B5EF4-FFF2-40B4-BE49-F238E27FC236}">
-                <a16:creationId xmlns="" xmlns:a16="http://schemas.microsoft.com/office/drawing/2014/main" id="{705F427A-9AF8-4A7C-A89C-A285216FCFA6}"/>
+                <a16:creationId xmlns:a16="http://schemas.microsoft.com/office/drawing/2014/main" xmlns="" id="{705F427A-9AF8-4A7C-A89C-A285216FCFA6}"/>
               </a:ext>
             </a:extLst>
           </p:cNvPr>
@@ -15561,49 +15558,49 @@
                 <a:gridCol w="1502228">
                   <a:extLst>
                     <a:ext uri="{9D8B030D-6E8A-4147-A177-3AD203B41FA5}">
-                      <a16:colId xmlns="" xmlns:a16="http://schemas.microsoft.com/office/drawing/2014/main" val="1059776522"/>
+                      <a16:colId xmlns:a16="http://schemas.microsoft.com/office/drawing/2014/main" xmlns="" val="1059776522"/>
                     </a:ext>
                   </a:extLst>
                 </a:gridCol>
                 <a:gridCol w="1502228">
                   <a:extLst>
                     <a:ext uri="{9D8B030D-6E8A-4147-A177-3AD203B41FA5}">
-                      <a16:colId xmlns="" xmlns:a16="http://schemas.microsoft.com/office/drawing/2014/main" val="51405990"/>
+                      <a16:colId xmlns:a16="http://schemas.microsoft.com/office/drawing/2014/main" xmlns="" val="51405990"/>
                     </a:ext>
                   </a:extLst>
                 </a:gridCol>
                 <a:gridCol w="1502228">
                   <a:extLst>
                     <a:ext uri="{9D8B030D-6E8A-4147-A177-3AD203B41FA5}">
-                      <a16:colId xmlns="" xmlns:a16="http://schemas.microsoft.com/office/drawing/2014/main" val="499077790"/>
+                      <a16:colId xmlns:a16="http://schemas.microsoft.com/office/drawing/2014/main" xmlns="" val="499077790"/>
                     </a:ext>
                   </a:extLst>
                 </a:gridCol>
                 <a:gridCol w="1502228">
                   <a:extLst>
                     <a:ext uri="{9D8B030D-6E8A-4147-A177-3AD203B41FA5}">
-                      <a16:colId xmlns="" xmlns:a16="http://schemas.microsoft.com/office/drawing/2014/main" val="1741106222"/>
+                      <a16:colId xmlns:a16="http://schemas.microsoft.com/office/drawing/2014/main" xmlns="" val="1741106222"/>
                     </a:ext>
                   </a:extLst>
                 </a:gridCol>
                 <a:gridCol w="1502228">
                   <a:extLst>
                     <a:ext uri="{9D8B030D-6E8A-4147-A177-3AD203B41FA5}">
-                      <a16:colId xmlns="" xmlns:a16="http://schemas.microsoft.com/office/drawing/2014/main" val="2560605016"/>
+                      <a16:colId xmlns:a16="http://schemas.microsoft.com/office/drawing/2014/main" xmlns="" val="2560605016"/>
                     </a:ext>
                   </a:extLst>
                 </a:gridCol>
                 <a:gridCol w="1502228">
                   <a:extLst>
                     <a:ext uri="{9D8B030D-6E8A-4147-A177-3AD203B41FA5}">
-                      <a16:colId xmlns="" xmlns:a16="http://schemas.microsoft.com/office/drawing/2014/main" val="1149909260"/>
+                      <a16:colId xmlns:a16="http://schemas.microsoft.com/office/drawing/2014/main" xmlns="" val="1149909260"/>
                     </a:ext>
                   </a:extLst>
                 </a:gridCol>
                 <a:gridCol w="1502228">
                   <a:extLst>
                     <a:ext uri="{9D8B030D-6E8A-4147-A177-3AD203B41FA5}">
-                      <a16:colId xmlns="" xmlns:a16="http://schemas.microsoft.com/office/drawing/2014/main" val="2441742596"/>
+                      <a16:colId xmlns:a16="http://schemas.microsoft.com/office/drawing/2014/main" xmlns="" val="2441742596"/>
                     </a:ext>
                   </a:extLst>
                 </a:gridCol>
@@ -15709,7 +15706,7 @@
                 </a:tc>
                 <a:extLst>
                   <a:ext uri="{0D108BD9-81ED-4DB2-BD59-A6C34878D82A}">
-                    <a16:rowId xmlns="" xmlns:a16="http://schemas.microsoft.com/office/drawing/2014/main" val="2130431935"/>
+                    <a16:rowId xmlns:a16="http://schemas.microsoft.com/office/drawing/2014/main" xmlns="" val="2130431935"/>
                   </a:ext>
                 </a:extLst>
               </a:tr>
@@ -15814,7 +15811,7 @@
                 </a:tc>
                 <a:extLst>
                   <a:ext uri="{0D108BD9-81ED-4DB2-BD59-A6C34878D82A}">
-                    <a16:rowId xmlns="" xmlns:a16="http://schemas.microsoft.com/office/drawing/2014/main" val="248642347"/>
+                    <a16:rowId xmlns:a16="http://schemas.microsoft.com/office/drawing/2014/main" xmlns="" val="248642347"/>
                   </a:ext>
                 </a:extLst>
               </a:tr>
@@ -15919,7 +15916,7 @@
                 </a:tc>
                 <a:extLst>
                   <a:ext uri="{0D108BD9-81ED-4DB2-BD59-A6C34878D82A}">
-                    <a16:rowId xmlns="" xmlns:a16="http://schemas.microsoft.com/office/drawing/2014/main" val="1130119694"/>
+                    <a16:rowId xmlns:a16="http://schemas.microsoft.com/office/drawing/2014/main" xmlns="" val="1130119694"/>
                   </a:ext>
                 </a:extLst>
               </a:tr>
@@ -16024,7 +16021,7 @@
                 </a:tc>
                 <a:extLst>
                   <a:ext uri="{0D108BD9-81ED-4DB2-BD59-A6C34878D82A}">
-                    <a16:rowId xmlns="" xmlns:a16="http://schemas.microsoft.com/office/drawing/2014/main" val="1111558667"/>
+                    <a16:rowId xmlns:a16="http://schemas.microsoft.com/office/drawing/2014/main" xmlns="" val="1111558667"/>
                   </a:ext>
                 </a:extLst>
               </a:tr>
@@ -16129,7 +16126,7 @@
                 </a:tc>
                 <a:extLst>
                   <a:ext uri="{0D108BD9-81ED-4DB2-BD59-A6C34878D82A}">
-                    <a16:rowId xmlns="" xmlns:a16="http://schemas.microsoft.com/office/drawing/2014/main" val="390475499"/>
+                    <a16:rowId xmlns:a16="http://schemas.microsoft.com/office/drawing/2014/main" xmlns="" val="390475499"/>
                   </a:ext>
                 </a:extLst>
               </a:tr>
@@ -16234,7 +16231,7 @@
                 </a:tc>
                 <a:extLst>
                   <a:ext uri="{0D108BD9-81ED-4DB2-BD59-A6C34878D82A}">
-                    <a16:rowId xmlns="" xmlns:a16="http://schemas.microsoft.com/office/drawing/2014/main" val="756342863"/>
+                    <a16:rowId xmlns:a16="http://schemas.microsoft.com/office/drawing/2014/main" xmlns="" val="756342863"/>
                   </a:ext>
                 </a:extLst>
               </a:tr>
@@ -16339,7 +16336,7 @@
                 </a:tc>
                 <a:extLst>
                   <a:ext uri="{0D108BD9-81ED-4DB2-BD59-A6C34878D82A}">
-                    <a16:rowId xmlns="" xmlns:a16="http://schemas.microsoft.com/office/drawing/2014/main" val="319341810"/>
+                    <a16:rowId xmlns:a16="http://schemas.microsoft.com/office/drawing/2014/main" xmlns="" val="319341810"/>
                   </a:ext>
                 </a:extLst>
               </a:tr>
@@ -16444,7 +16441,7 @@
                 </a:tc>
                 <a:extLst>
                   <a:ext uri="{0D108BD9-81ED-4DB2-BD59-A6C34878D82A}">
-                    <a16:rowId xmlns="" xmlns:a16="http://schemas.microsoft.com/office/drawing/2014/main" val="2497939862"/>
+                    <a16:rowId xmlns:a16="http://schemas.microsoft.com/office/drawing/2014/main" xmlns="" val="2497939862"/>
                   </a:ext>
                 </a:extLst>
               </a:tr>
@@ -16549,7 +16546,7 @@
                 </a:tc>
                 <a:extLst>
                   <a:ext uri="{0D108BD9-81ED-4DB2-BD59-A6C34878D82A}">
-                    <a16:rowId xmlns="" xmlns:a16="http://schemas.microsoft.com/office/drawing/2014/main" val="2181185807"/>
+                    <a16:rowId xmlns:a16="http://schemas.microsoft.com/office/drawing/2014/main" xmlns="" val="2181185807"/>
                   </a:ext>
                 </a:extLst>
               </a:tr>
@@ -16654,7 +16651,7 @@
                 </a:tc>
                 <a:extLst>
                   <a:ext uri="{0D108BD9-81ED-4DB2-BD59-A6C34878D82A}">
-                    <a16:rowId xmlns="" xmlns:a16="http://schemas.microsoft.com/office/drawing/2014/main" val="3843312928"/>
+                    <a16:rowId xmlns:a16="http://schemas.microsoft.com/office/drawing/2014/main" xmlns="" val="3843312928"/>
                   </a:ext>
                 </a:extLst>
               </a:tr>
@@ -16759,7 +16756,7 @@
                 </a:tc>
                 <a:extLst>
                   <a:ext uri="{0D108BD9-81ED-4DB2-BD59-A6C34878D82A}">
-                    <a16:rowId xmlns="" xmlns:a16="http://schemas.microsoft.com/office/drawing/2014/main" val="204907763"/>
+                    <a16:rowId xmlns:a16="http://schemas.microsoft.com/office/drawing/2014/main" xmlns="" val="204907763"/>
                   </a:ext>
                 </a:extLst>
               </a:tr>
@@ -16864,7 +16861,7 @@
                 </a:tc>
                 <a:extLst>
                   <a:ext uri="{0D108BD9-81ED-4DB2-BD59-A6C34878D82A}">
-                    <a16:rowId xmlns="" xmlns:a16="http://schemas.microsoft.com/office/drawing/2014/main" val="194616918"/>
+                    <a16:rowId xmlns:a16="http://schemas.microsoft.com/office/drawing/2014/main" xmlns="" val="194616918"/>
                   </a:ext>
                 </a:extLst>
               </a:tr>
@@ -16969,7 +16966,7 @@
                 </a:tc>
                 <a:extLst>
                   <a:ext uri="{0D108BD9-81ED-4DB2-BD59-A6C34878D82A}">
-                    <a16:rowId xmlns="" xmlns:a16="http://schemas.microsoft.com/office/drawing/2014/main" val="2388109032"/>
+                    <a16:rowId xmlns:a16="http://schemas.microsoft.com/office/drawing/2014/main" xmlns="" val="2388109032"/>
                   </a:ext>
                 </a:extLst>
               </a:tr>
@@ -17074,7 +17071,7 @@
                 </a:tc>
                 <a:extLst>
                   <a:ext uri="{0D108BD9-81ED-4DB2-BD59-A6C34878D82A}">
-                    <a16:rowId xmlns="" xmlns:a16="http://schemas.microsoft.com/office/drawing/2014/main" val="297863002"/>
+                    <a16:rowId xmlns:a16="http://schemas.microsoft.com/office/drawing/2014/main" xmlns="" val="297863002"/>
                   </a:ext>
                 </a:extLst>
               </a:tr>
@@ -17179,7 +17176,7 @@
                 </a:tc>
                 <a:extLst>
                   <a:ext uri="{0D108BD9-81ED-4DB2-BD59-A6C34878D82A}">
-                    <a16:rowId xmlns="" xmlns:a16="http://schemas.microsoft.com/office/drawing/2014/main" val="4134358320"/>
+                    <a16:rowId xmlns:a16="http://schemas.microsoft.com/office/drawing/2014/main" xmlns="" val="4134358320"/>
                   </a:ext>
                 </a:extLst>
               </a:tr>
@@ -17284,7 +17281,7 @@
                 </a:tc>
                 <a:extLst>
                   <a:ext uri="{0D108BD9-81ED-4DB2-BD59-A6C34878D82A}">
-                    <a16:rowId xmlns="" xmlns:a16="http://schemas.microsoft.com/office/drawing/2014/main" val="435795987"/>
+                    <a16:rowId xmlns:a16="http://schemas.microsoft.com/office/drawing/2014/main" xmlns="" val="435795987"/>
                   </a:ext>
                 </a:extLst>
               </a:tr>
@@ -17389,7 +17386,7 @@
                 </a:tc>
                 <a:extLst>
                   <a:ext uri="{0D108BD9-81ED-4DB2-BD59-A6C34878D82A}">
-                    <a16:rowId xmlns="" xmlns:a16="http://schemas.microsoft.com/office/drawing/2014/main" val="2374723660"/>
+                    <a16:rowId xmlns:a16="http://schemas.microsoft.com/office/drawing/2014/main" xmlns="" val="2374723660"/>
                   </a:ext>
                 </a:extLst>
               </a:tr>
@@ -17507,7 +17504,7 @@
                 </a:tc>
                 <a:extLst>
                   <a:ext uri="{0D108BD9-81ED-4DB2-BD59-A6C34878D82A}">
-                    <a16:rowId xmlns="" xmlns:a16="http://schemas.microsoft.com/office/drawing/2014/main" val="3169493604"/>
+                    <a16:rowId xmlns:a16="http://schemas.microsoft.com/office/drawing/2014/main" xmlns="" val="3169493604"/>
                   </a:ext>
                 </a:extLst>
               </a:tr>
@@ -17520,7 +17517,7 @@
           <p:cNvPr id="4" name="Footer Placeholder 3">
             <a:extLst>
               <a:ext uri="{FF2B5EF4-FFF2-40B4-BE49-F238E27FC236}">
-                <a16:creationId xmlns="" xmlns:a16="http://schemas.microsoft.com/office/drawing/2014/main" id="{540972A1-4BB3-4D04-B4DF-C76BA9B5CAD8}"/>
+                <a16:creationId xmlns:a16="http://schemas.microsoft.com/office/drawing/2014/main" xmlns="" id="{540972A1-4BB3-4D04-B4DF-C76BA9B5CAD8}"/>
               </a:ext>
             </a:extLst>
           </p:cNvPr>
@@ -17549,7 +17546,7 @@
           <p:cNvPr id="5" name="Slide Number Placeholder 4">
             <a:extLst>
               <a:ext uri="{FF2B5EF4-FFF2-40B4-BE49-F238E27FC236}">
-                <a16:creationId xmlns="" xmlns:a16="http://schemas.microsoft.com/office/drawing/2014/main" id="{23B5C741-F1AB-463E-B229-974B2924B065}"/>
+                <a16:creationId xmlns:a16="http://schemas.microsoft.com/office/drawing/2014/main" xmlns="" id="{23B5C741-F1AB-463E-B229-974B2924B065}"/>
               </a:ext>
             </a:extLst>
           </p:cNvPr>
@@ -17615,7 +17612,7 @@
           <p:cNvPr id="2" name="Title 1">
             <a:extLst>
               <a:ext uri="{FF2B5EF4-FFF2-40B4-BE49-F238E27FC236}">
-                <a16:creationId xmlns="" xmlns:a16="http://schemas.microsoft.com/office/drawing/2014/main" id="{9F53C0E6-5CA5-48E1-B370-E678425399F4}"/>
+                <a16:creationId xmlns:a16="http://schemas.microsoft.com/office/drawing/2014/main" xmlns="" id="{9F53C0E6-5CA5-48E1-B370-E678425399F4}"/>
               </a:ext>
             </a:extLst>
           </p:cNvPr>
@@ -17650,7 +17647,7 @@
               <p:cNvPr id="3" name="Content Placeholder 2">
                 <a:extLst>
                   <a:ext uri="{FF2B5EF4-FFF2-40B4-BE49-F238E27FC236}">
-                    <a16:creationId xmlns="" xmlns:a16="http://schemas.microsoft.com/office/drawing/2014/main" id="{F0A4581A-26B3-40E7-A945-90C4D9B58292}"/>
+                    <a16:creationId xmlns:a16="http://schemas.microsoft.com/office/drawing/2014/main" xmlns="" id="{F0A4581A-26B3-40E7-A945-90C4D9B58292}"/>
                   </a:ext>
                 </a:extLst>
               </p:cNvPr>
@@ -18435,7 +18432,7 @@
           <p:cNvPr id="4" name="Footer Placeholder 3">
             <a:extLst>
               <a:ext uri="{FF2B5EF4-FFF2-40B4-BE49-F238E27FC236}">
-                <a16:creationId xmlns="" xmlns:a16="http://schemas.microsoft.com/office/drawing/2014/main" id="{540972A1-4BB3-4D04-B4DF-C76BA9B5CAD8}"/>
+                <a16:creationId xmlns:a16="http://schemas.microsoft.com/office/drawing/2014/main" xmlns="" id="{540972A1-4BB3-4D04-B4DF-C76BA9B5CAD8}"/>
               </a:ext>
             </a:extLst>
           </p:cNvPr>
@@ -18464,7 +18461,7 @@
           <p:cNvPr id="5" name="Slide Number Placeholder 4">
             <a:extLst>
               <a:ext uri="{FF2B5EF4-FFF2-40B4-BE49-F238E27FC236}">
-                <a16:creationId xmlns="" xmlns:a16="http://schemas.microsoft.com/office/drawing/2014/main" id="{23B5C741-F1AB-463E-B229-974B2924B065}"/>
+                <a16:creationId xmlns:a16="http://schemas.microsoft.com/office/drawing/2014/main" xmlns="" id="{23B5C741-F1AB-463E-B229-974B2924B065}"/>
               </a:ext>
             </a:extLst>
           </p:cNvPr>
@@ -18530,7 +18527,7 @@
           <p:cNvPr id="2" name="Title 1">
             <a:extLst>
               <a:ext uri="{FF2B5EF4-FFF2-40B4-BE49-F238E27FC236}">
-                <a16:creationId xmlns="" xmlns:a16="http://schemas.microsoft.com/office/drawing/2014/main" id="{9F53C0E6-5CA5-48E1-B370-E678425399F4}"/>
+                <a16:creationId xmlns:a16="http://schemas.microsoft.com/office/drawing/2014/main" xmlns="" id="{9F53C0E6-5CA5-48E1-B370-E678425399F4}"/>
               </a:ext>
             </a:extLst>
           </p:cNvPr>
@@ -18563,7 +18560,7 @@
           <p:cNvPr id="3" name="Content Placeholder 2">
             <a:extLst>
               <a:ext uri="{FF2B5EF4-FFF2-40B4-BE49-F238E27FC236}">
-                <a16:creationId xmlns="" xmlns:a16="http://schemas.microsoft.com/office/drawing/2014/main" id="{F0A4581A-26B3-40E7-A945-90C4D9B58292}"/>
+                <a16:creationId xmlns:a16="http://schemas.microsoft.com/office/drawing/2014/main" xmlns="" id="{F0A4581A-26B3-40E7-A945-90C4D9B58292}"/>
               </a:ext>
             </a:extLst>
           </p:cNvPr>
@@ -18749,7 +18746,7 @@
           <p:cNvPr id="4" name="Footer Placeholder 3">
             <a:extLst>
               <a:ext uri="{FF2B5EF4-FFF2-40B4-BE49-F238E27FC236}">
-                <a16:creationId xmlns="" xmlns:a16="http://schemas.microsoft.com/office/drawing/2014/main" id="{540972A1-4BB3-4D04-B4DF-C76BA9B5CAD8}"/>
+                <a16:creationId xmlns:a16="http://schemas.microsoft.com/office/drawing/2014/main" xmlns="" id="{540972A1-4BB3-4D04-B4DF-C76BA9B5CAD8}"/>
               </a:ext>
             </a:extLst>
           </p:cNvPr>
@@ -18778,7 +18775,7 @@
           <p:cNvPr id="5" name="Slide Number Placeholder 4">
             <a:extLst>
               <a:ext uri="{FF2B5EF4-FFF2-40B4-BE49-F238E27FC236}">
-                <a16:creationId xmlns="" xmlns:a16="http://schemas.microsoft.com/office/drawing/2014/main" id="{23B5C741-F1AB-463E-B229-974B2924B065}"/>
+                <a16:creationId xmlns:a16="http://schemas.microsoft.com/office/drawing/2014/main" xmlns="" id="{23B5C741-F1AB-463E-B229-974B2924B065}"/>
               </a:ext>
             </a:extLst>
           </p:cNvPr>
@@ -18844,7 +18841,7 @@
           <p:cNvPr id="2" name="Title 1">
             <a:extLst>
               <a:ext uri="{FF2B5EF4-FFF2-40B4-BE49-F238E27FC236}">
-                <a16:creationId xmlns="" xmlns:a16="http://schemas.microsoft.com/office/drawing/2014/main" id="{9F53C0E6-5CA5-48E1-B370-E678425399F4}"/>
+                <a16:creationId xmlns:a16="http://schemas.microsoft.com/office/drawing/2014/main" xmlns="" id="{9F53C0E6-5CA5-48E1-B370-E678425399F4}"/>
               </a:ext>
             </a:extLst>
           </p:cNvPr>
@@ -18877,7 +18874,7 @@
           <p:cNvPr id="3" name="Content Placeholder 2">
             <a:extLst>
               <a:ext uri="{FF2B5EF4-FFF2-40B4-BE49-F238E27FC236}">
-                <a16:creationId xmlns="" xmlns:a16="http://schemas.microsoft.com/office/drawing/2014/main" id="{F0A4581A-26B3-40E7-A945-90C4D9B58292}"/>
+                <a16:creationId xmlns:a16="http://schemas.microsoft.com/office/drawing/2014/main" xmlns="" id="{F0A4581A-26B3-40E7-A945-90C4D9B58292}"/>
               </a:ext>
             </a:extLst>
           </p:cNvPr>
@@ -19195,7 +19192,7 @@
           <p:cNvPr id="4" name="Footer Placeholder 3">
             <a:extLst>
               <a:ext uri="{FF2B5EF4-FFF2-40B4-BE49-F238E27FC236}">
-                <a16:creationId xmlns="" xmlns:a16="http://schemas.microsoft.com/office/drawing/2014/main" id="{540972A1-4BB3-4D04-B4DF-C76BA9B5CAD8}"/>
+                <a16:creationId xmlns:a16="http://schemas.microsoft.com/office/drawing/2014/main" xmlns="" id="{540972A1-4BB3-4D04-B4DF-C76BA9B5CAD8}"/>
               </a:ext>
             </a:extLst>
           </p:cNvPr>
@@ -19224,7 +19221,7 @@
           <p:cNvPr id="5" name="Slide Number Placeholder 4">
             <a:extLst>
               <a:ext uri="{FF2B5EF4-FFF2-40B4-BE49-F238E27FC236}">
-                <a16:creationId xmlns="" xmlns:a16="http://schemas.microsoft.com/office/drawing/2014/main" id="{23B5C741-F1AB-463E-B229-974B2924B065}"/>
+                <a16:creationId xmlns:a16="http://schemas.microsoft.com/office/drawing/2014/main" xmlns="" id="{23B5C741-F1AB-463E-B229-974B2924B065}"/>
               </a:ext>
             </a:extLst>
           </p:cNvPr>
@@ -19331,7 +19328,7 @@
           <p:cNvPr id="2" name="Title 1">
             <a:extLst>
               <a:ext uri="{FF2B5EF4-FFF2-40B4-BE49-F238E27FC236}">
-                <a16:creationId xmlns="" xmlns:a16="http://schemas.microsoft.com/office/drawing/2014/main" id="{9F53C0E6-5CA5-48E1-B370-E678425399F4}"/>
+                <a16:creationId xmlns:a16="http://schemas.microsoft.com/office/drawing/2014/main" xmlns="" id="{9F53C0E6-5CA5-48E1-B370-E678425399F4}"/>
               </a:ext>
             </a:extLst>
           </p:cNvPr>
@@ -19364,7 +19361,7 @@
           <p:cNvPr id="3" name="Content Placeholder 2">
             <a:extLst>
               <a:ext uri="{FF2B5EF4-FFF2-40B4-BE49-F238E27FC236}">
-                <a16:creationId xmlns="" xmlns:a16="http://schemas.microsoft.com/office/drawing/2014/main" id="{F0A4581A-26B3-40E7-A945-90C4D9B58292}"/>
+                <a16:creationId xmlns:a16="http://schemas.microsoft.com/office/drawing/2014/main" xmlns="" id="{F0A4581A-26B3-40E7-A945-90C4D9B58292}"/>
               </a:ext>
             </a:extLst>
           </p:cNvPr>
@@ -19688,7 +19685,7 @@
           <p:cNvPr id="4" name="Footer Placeholder 3">
             <a:extLst>
               <a:ext uri="{FF2B5EF4-FFF2-40B4-BE49-F238E27FC236}">
-                <a16:creationId xmlns="" xmlns:a16="http://schemas.microsoft.com/office/drawing/2014/main" id="{540972A1-4BB3-4D04-B4DF-C76BA9B5CAD8}"/>
+                <a16:creationId xmlns:a16="http://schemas.microsoft.com/office/drawing/2014/main" xmlns="" id="{540972A1-4BB3-4D04-B4DF-C76BA9B5CAD8}"/>
               </a:ext>
             </a:extLst>
           </p:cNvPr>
@@ -19717,7 +19714,7 @@
           <p:cNvPr id="5" name="Slide Number Placeholder 4">
             <a:extLst>
               <a:ext uri="{FF2B5EF4-FFF2-40B4-BE49-F238E27FC236}">
-                <a16:creationId xmlns="" xmlns:a16="http://schemas.microsoft.com/office/drawing/2014/main" id="{23B5C741-F1AB-463E-B229-974B2924B065}"/>
+                <a16:creationId xmlns:a16="http://schemas.microsoft.com/office/drawing/2014/main" xmlns="" id="{23B5C741-F1AB-463E-B229-974B2924B065}"/>
               </a:ext>
             </a:extLst>
           </p:cNvPr>
@@ -19783,7 +19780,7 @@
           <p:cNvPr id="2" name="Title 1">
             <a:extLst>
               <a:ext uri="{FF2B5EF4-FFF2-40B4-BE49-F238E27FC236}">
-                <a16:creationId xmlns="" xmlns:a16="http://schemas.microsoft.com/office/drawing/2014/main" id="{9F53C0E6-5CA5-48E1-B370-E678425399F4}"/>
+                <a16:creationId xmlns:a16="http://schemas.microsoft.com/office/drawing/2014/main" xmlns="" id="{9F53C0E6-5CA5-48E1-B370-E678425399F4}"/>
               </a:ext>
             </a:extLst>
           </p:cNvPr>
@@ -19817,7 +19814,7 @@
           <p:cNvPr id="3" name="Content Placeholder 2">
             <a:extLst>
               <a:ext uri="{FF2B5EF4-FFF2-40B4-BE49-F238E27FC236}">
-                <a16:creationId xmlns="" xmlns:a16="http://schemas.microsoft.com/office/drawing/2014/main" id="{F0A4581A-26B3-40E7-A945-90C4D9B58292}"/>
+                <a16:creationId xmlns:a16="http://schemas.microsoft.com/office/drawing/2014/main" xmlns="" id="{F0A4581A-26B3-40E7-A945-90C4D9B58292}"/>
               </a:ext>
             </a:extLst>
           </p:cNvPr>
@@ -20075,7 +20072,7 @@
           <p:cNvPr id="4" name="Footer Placeholder 3">
             <a:extLst>
               <a:ext uri="{FF2B5EF4-FFF2-40B4-BE49-F238E27FC236}">
-                <a16:creationId xmlns="" xmlns:a16="http://schemas.microsoft.com/office/drawing/2014/main" id="{540972A1-4BB3-4D04-B4DF-C76BA9B5CAD8}"/>
+                <a16:creationId xmlns:a16="http://schemas.microsoft.com/office/drawing/2014/main" xmlns="" id="{540972A1-4BB3-4D04-B4DF-C76BA9B5CAD8}"/>
               </a:ext>
             </a:extLst>
           </p:cNvPr>
@@ -20104,7 +20101,7 @@
           <p:cNvPr id="5" name="Slide Number Placeholder 4">
             <a:extLst>
               <a:ext uri="{FF2B5EF4-FFF2-40B4-BE49-F238E27FC236}">
-                <a16:creationId xmlns="" xmlns:a16="http://schemas.microsoft.com/office/drawing/2014/main" id="{23B5C741-F1AB-463E-B229-974B2924B065}"/>
+                <a16:creationId xmlns:a16="http://schemas.microsoft.com/office/drawing/2014/main" xmlns="" id="{23B5C741-F1AB-463E-B229-974B2924B065}"/>
               </a:ext>
             </a:extLst>
           </p:cNvPr>
@@ -20170,7 +20167,7 @@
           <p:cNvPr id="2" name="Title 1">
             <a:extLst>
               <a:ext uri="{FF2B5EF4-FFF2-40B4-BE49-F238E27FC236}">
-                <a16:creationId xmlns="" xmlns:a16="http://schemas.microsoft.com/office/drawing/2014/main" id="{9F53C0E6-5CA5-48E1-B370-E678425399F4}"/>
+                <a16:creationId xmlns:a16="http://schemas.microsoft.com/office/drawing/2014/main" xmlns="" id="{9F53C0E6-5CA5-48E1-B370-E678425399F4}"/>
               </a:ext>
             </a:extLst>
           </p:cNvPr>
@@ -20204,7 +20201,7 @@
           <p:cNvPr id="3" name="Content Placeholder 2">
             <a:extLst>
               <a:ext uri="{FF2B5EF4-FFF2-40B4-BE49-F238E27FC236}">
-                <a16:creationId xmlns="" xmlns:a16="http://schemas.microsoft.com/office/drawing/2014/main" id="{F0A4581A-26B3-40E7-A945-90C4D9B58292}"/>
+                <a16:creationId xmlns:a16="http://schemas.microsoft.com/office/drawing/2014/main" xmlns="" id="{F0A4581A-26B3-40E7-A945-90C4D9B58292}"/>
               </a:ext>
             </a:extLst>
           </p:cNvPr>
@@ -20428,7 +20425,7 @@
           <p:cNvPr id="4" name="Footer Placeholder 3">
             <a:extLst>
               <a:ext uri="{FF2B5EF4-FFF2-40B4-BE49-F238E27FC236}">
-                <a16:creationId xmlns="" xmlns:a16="http://schemas.microsoft.com/office/drawing/2014/main" id="{540972A1-4BB3-4D04-B4DF-C76BA9B5CAD8}"/>
+                <a16:creationId xmlns:a16="http://schemas.microsoft.com/office/drawing/2014/main" xmlns="" id="{540972A1-4BB3-4D04-B4DF-C76BA9B5CAD8}"/>
               </a:ext>
             </a:extLst>
           </p:cNvPr>
@@ -20457,7 +20454,7 @@
           <p:cNvPr id="5" name="Slide Number Placeholder 4">
             <a:extLst>
               <a:ext uri="{FF2B5EF4-FFF2-40B4-BE49-F238E27FC236}">
-                <a16:creationId xmlns="" xmlns:a16="http://schemas.microsoft.com/office/drawing/2014/main" id="{23B5C741-F1AB-463E-B229-974B2924B065}"/>
+                <a16:creationId xmlns:a16="http://schemas.microsoft.com/office/drawing/2014/main" xmlns="" id="{23B5C741-F1AB-463E-B229-974B2924B065}"/>
               </a:ext>
             </a:extLst>
           </p:cNvPr>
@@ -20523,7 +20520,7 @@
           <p:cNvPr id="2" name="Title 1">
             <a:extLst>
               <a:ext uri="{FF2B5EF4-FFF2-40B4-BE49-F238E27FC236}">
-                <a16:creationId xmlns="" xmlns:a16="http://schemas.microsoft.com/office/drawing/2014/main" id="{9F53C0E6-5CA5-48E1-B370-E678425399F4}"/>
+                <a16:creationId xmlns:a16="http://schemas.microsoft.com/office/drawing/2014/main" xmlns="" id="{9F53C0E6-5CA5-48E1-B370-E678425399F4}"/>
               </a:ext>
             </a:extLst>
           </p:cNvPr>
@@ -20557,7 +20554,7 @@
           <p:cNvPr id="3" name="Content Placeholder 2">
             <a:extLst>
               <a:ext uri="{FF2B5EF4-FFF2-40B4-BE49-F238E27FC236}">
-                <a16:creationId xmlns="" xmlns:a16="http://schemas.microsoft.com/office/drawing/2014/main" id="{F0A4581A-26B3-40E7-A945-90C4D9B58292}"/>
+                <a16:creationId xmlns:a16="http://schemas.microsoft.com/office/drawing/2014/main" xmlns="" id="{F0A4581A-26B3-40E7-A945-90C4D9B58292}"/>
               </a:ext>
             </a:extLst>
           </p:cNvPr>
@@ -20704,11 +20701,7 @@
             </a:pPr>
             <a:r>
               <a:rPr lang="en-IN" sz="1800" dirty="0" smtClean="0"/>
-              <a:t>Finally, script will start training in a for-loop</a:t>
-            </a:r>
-            <a:r>
-              <a:rPr lang="en-IN" sz="1800" dirty="0" smtClean="0"/>
-              <a:t>.</a:t>
+              <a:t>Finally, script will start training in a for-loop.</a:t>
             </a:r>
           </a:p>
           <a:p>
@@ -20740,11 +20733,7 @@
             </a:pPr>
             <a:r>
               <a:rPr lang="en-IN" sz="1800" dirty="0" smtClean="0"/>
-              <a:t>Script “scripts/inference_on_sing</a:t>
-            </a:r>
-            <a:r>
-              <a:rPr lang="en-IN" sz="1800" dirty="0" smtClean="0"/>
-              <a:t>le_instance.py”: This script outputs the caption for a single input image. User has to change the path of image to be tested in the script. This path is mentioned at the top of the script. Thus, user can change this path and the script will pass this image through the model and the model will generate the caption for the input image on the terminal.</a:t>
+              <a:t>Script “scripts/inference_on_single_instance.py”: This script outputs the caption for a single input image. User has to change the path of image to be tested in the script. This path is mentioned at the top of the script. Thus, user can change this path and the script will pass this image through the model and the model will generate the caption for the input image on the terminal.</a:t>
             </a:r>
           </a:p>
           <a:p>
@@ -20768,11 +20757,7 @@
             </a:r>
             <a:r>
               <a:rPr lang="en-IN" sz="1800" dirty="0" smtClean="0"/>
-              <a:t>” variable to make it to point to </a:t>
-            </a:r>
-            <a:r>
-              <a:rPr lang="en-IN" sz="1800" dirty="0" smtClean="0"/>
-              <a:t>their test data. Script will pass this test data through model, generate captions and save all generated captions with their image name in a file “test_data_predicted_captions.csv” file under “./output/</a:t>
+              <a:t>” variable to make it to point to their test data. Script will pass this test data through model, generate captions and save all generated captions with their image name in a file “test_data_predicted_captions.csv” file under “./output/</a:t>
             </a:r>
             <a:r>
               <a:rPr lang="en-IN" sz="1800" dirty="0" err="1" smtClean="0"/>
@@ -20791,7 +20776,7 @@
           <p:cNvPr id="4" name="Footer Placeholder 3">
             <a:extLst>
               <a:ext uri="{FF2B5EF4-FFF2-40B4-BE49-F238E27FC236}">
-                <a16:creationId xmlns="" xmlns:a16="http://schemas.microsoft.com/office/drawing/2014/main" id="{540972A1-4BB3-4D04-B4DF-C76BA9B5CAD8}"/>
+                <a16:creationId xmlns:a16="http://schemas.microsoft.com/office/drawing/2014/main" xmlns="" id="{540972A1-4BB3-4D04-B4DF-C76BA9B5CAD8}"/>
               </a:ext>
             </a:extLst>
           </p:cNvPr>
@@ -20820,7 +20805,7 @@
           <p:cNvPr id="5" name="Slide Number Placeholder 4">
             <a:extLst>
               <a:ext uri="{FF2B5EF4-FFF2-40B4-BE49-F238E27FC236}">
-                <a16:creationId xmlns="" xmlns:a16="http://schemas.microsoft.com/office/drawing/2014/main" id="{23B5C741-F1AB-463E-B229-974B2924B065}"/>
+                <a16:creationId xmlns:a16="http://schemas.microsoft.com/office/drawing/2014/main" xmlns="" id="{23B5C741-F1AB-463E-B229-974B2924B065}"/>
               </a:ext>
             </a:extLst>
           </p:cNvPr>
@@ -20886,7 +20871,7 @@
           <p:cNvPr id="2" name="Title 1">
             <a:extLst>
               <a:ext uri="{FF2B5EF4-FFF2-40B4-BE49-F238E27FC236}">
-                <a16:creationId xmlns="" xmlns:a16="http://schemas.microsoft.com/office/drawing/2014/main" id="{9F53C0E6-5CA5-48E1-B370-E678425399F4}"/>
+                <a16:creationId xmlns:a16="http://schemas.microsoft.com/office/drawing/2014/main" xmlns="" id="{9F53C0E6-5CA5-48E1-B370-E678425399F4}"/>
               </a:ext>
             </a:extLst>
           </p:cNvPr>
@@ -20919,7 +20904,7 @@
           <p:cNvPr id="3" name="Content Placeholder 2">
             <a:extLst>
               <a:ext uri="{FF2B5EF4-FFF2-40B4-BE49-F238E27FC236}">
-                <a16:creationId xmlns="" xmlns:a16="http://schemas.microsoft.com/office/drawing/2014/main" id="{F0A4581A-26B3-40E7-A945-90C4D9B58292}"/>
+                <a16:creationId xmlns:a16="http://schemas.microsoft.com/office/drawing/2014/main" xmlns="" id="{F0A4581A-26B3-40E7-A945-90C4D9B58292}"/>
               </a:ext>
             </a:extLst>
           </p:cNvPr>
@@ -20989,7 +20974,7 @@
           <p:cNvPr id="5" name="Picture 4">
             <a:extLst>
               <a:ext uri="{FF2B5EF4-FFF2-40B4-BE49-F238E27FC236}">
-                <a16:creationId xmlns="" xmlns:a16="http://schemas.microsoft.com/office/drawing/2014/main" id="{542506C5-594F-4FC3-B982-7B2D2081C80A}"/>
+                <a16:creationId xmlns:a16="http://schemas.microsoft.com/office/drawing/2014/main" xmlns="" id="{542506C5-594F-4FC3-B982-7B2D2081C80A}"/>
               </a:ext>
             </a:extLst>
           </p:cNvPr>
@@ -21025,7 +21010,7 @@
           <p:cNvPr id="7" name="Picture 6" descr="A picture containing water, water sport, person, swimming&#10;&#10;Description automatically generated">
             <a:extLst>
               <a:ext uri="{FF2B5EF4-FFF2-40B4-BE49-F238E27FC236}">
-                <a16:creationId xmlns="" xmlns:a16="http://schemas.microsoft.com/office/drawing/2014/main" id="{ABD7B47D-412F-4992-9BE2-FAAB90A6BAAB}"/>
+                <a16:creationId xmlns:a16="http://schemas.microsoft.com/office/drawing/2014/main" xmlns="" id="{ABD7B47D-412F-4992-9BE2-FAAB90A6BAAB}"/>
               </a:ext>
             </a:extLst>
           </p:cNvPr>
@@ -21061,7 +21046,7 @@
           <p:cNvPr id="9" name="Picture 8">
             <a:extLst>
               <a:ext uri="{FF2B5EF4-FFF2-40B4-BE49-F238E27FC236}">
-                <a16:creationId xmlns="" xmlns:a16="http://schemas.microsoft.com/office/drawing/2014/main" id="{6130079B-30C8-49B7-B74B-5A068C293BFD}"/>
+                <a16:creationId xmlns:a16="http://schemas.microsoft.com/office/drawing/2014/main" xmlns="" id="{6130079B-30C8-49B7-B74B-5A068C293BFD}"/>
               </a:ext>
             </a:extLst>
           </p:cNvPr>
@@ -21097,7 +21082,7 @@
           <p:cNvPr id="11" name="Picture 10" descr="A picture containing grass, outdoor, dog, laying&#10;&#10;Description automatically generated">
             <a:extLst>
               <a:ext uri="{FF2B5EF4-FFF2-40B4-BE49-F238E27FC236}">
-                <a16:creationId xmlns="" xmlns:a16="http://schemas.microsoft.com/office/drawing/2014/main" id="{B79913C4-5023-4093-A009-858D9D59B49A}"/>
+                <a16:creationId xmlns:a16="http://schemas.microsoft.com/office/drawing/2014/main" xmlns="" id="{B79913C4-5023-4093-A009-858D9D59B49A}"/>
               </a:ext>
             </a:extLst>
           </p:cNvPr>
@@ -21133,7 +21118,7 @@
           <p:cNvPr id="13" name="Picture 12" descr="A picture containing water, sky, outdoor, boat&#10;&#10;Description automatically generated">
             <a:extLst>
               <a:ext uri="{FF2B5EF4-FFF2-40B4-BE49-F238E27FC236}">
-                <a16:creationId xmlns="" xmlns:a16="http://schemas.microsoft.com/office/drawing/2014/main" id="{B0637125-865D-425A-B7D3-A61F9B377DCF}"/>
+                <a16:creationId xmlns:a16="http://schemas.microsoft.com/office/drawing/2014/main" xmlns="" id="{B0637125-865D-425A-B7D3-A61F9B377DCF}"/>
               </a:ext>
             </a:extLst>
           </p:cNvPr>
@@ -21169,7 +21154,7 @@
           <p:cNvPr id="15" name="Picture 14" descr="A picture containing sky, skating, outdoor, person&#10;&#10;Description automatically generated">
             <a:extLst>
               <a:ext uri="{FF2B5EF4-FFF2-40B4-BE49-F238E27FC236}">
-                <a16:creationId xmlns="" xmlns:a16="http://schemas.microsoft.com/office/drawing/2014/main" id="{06B24696-E894-4ACA-A1DC-05A1C40010BA}"/>
+                <a16:creationId xmlns:a16="http://schemas.microsoft.com/office/drawing/2014/main" xmlns="" id="{06B24696-E894-4ACA-A1DC-05A1C40010BA}"/>
               </a:ext>
             </a:extLst>
           </p:cNvPr>
@@ -21205,7 +21190,7 @@
           <p:cNvPr id="16" name="Footer Placeholder 15">
             <a:extLst>
               <a:ext uri="{FF2B5EF4-FFF2-40B4-BE49-F238E27FC236}">
-                <a16:creationId xmlns="" xmlns:a16="http://schemas.microsoft.com/office/drawing/2014/main" id="{732C8F9E-F8B2-4651-BBCC-5E8DF86D3EDF}"/>
+                <a16:creationId xmlns:a16="http://schemas.microsoft.com/office/drawing/2014/main" xmlns="" id="{732C8F9E-F8B2-4651-BBCC-5E8DF86D3EDF}"/>
               </a:ext>
             </a:extLst>
           </p:cNvPr>
@@ -21234,7 +21219,7 @@
           <p:cNvPr id="17" name="Slide Number Placeholder 16">
             <a:extLst>
               <a:ext uri="{FF2B5EF4-FFF2-40B4-BE49-F238E27FC236}">
-                <a16:creationId xmlns="" xmlns:a16="http://schemas.microsoft.com/office/drawing/2014/main" id="{A890141F-F96D-4F04-9A91-C201B8C9334A}"/>
+                <a16:creationId xmlns:a16="http://schemas.microsoft.com/office/drawing/2014/main" xmlns="" id="{A890141F-F96D-4F04-9A91-C201B8C9334A}"/>
               </a:ext>
             </a:extLst>
           </p:cNvPr>
@@ -21300,7 +21285,7 @@
           <p:cNvPr id="2" name="Title 1">
             <a:extLst>
               <a:ext uri="{FF2B5EF4-FFF2-40B4-BE49-F238E27FC236}">
-                <a16:creationId xmlns="" xmlns:a16="http://schemas.microsoft.com/office/drawing/2014/main" id="{9F53C0E6-5CA5-48E1-B370-E678425399F4}"/>
+                <a16:creationId xmlns:a16="http://schemas.microsoft.com/office/drawing/2014/main" xmlns="" id="{9F53C0E6-5CA5-48E1-B370-E678425399F4}"/>
               </a:ext>
             </a:extLst>
           </p:cNvPr>
@@ -21333,7 +21318,7 @@
           <p:cNvPr id="3" name="Content Placeholder 2">
             <a:extLst>
               <a:ext uri="{FF2B5EF4-FFF2-40B4-BE49-F238E27FC236}">
-                <a16:creationId xmlns="" xmlns:a16="http://schemas.microsoft.com/office/drawing/2014/main" id="{F0A4581A-26B3-40E7-A945-90C4D9B58292}"/>
+                <a16:creationId xmlns:a16="http://schemas.microsoft.com/office/drawing/2014/main" xmlns="" id="{F0A4581A-26B3-40E7-A945-90C4D9B58292}"/>
               </a:ext>
             </a:extLst>
           </p:cNvPr>
@@ -21383,7 +21368,7 @@
           <p:cNvPr id="4" name="Footer Placeholder 3">
             <a:extLst>
               <a:ext uri="{FF2B5EF4-FFF2-40B4-BE49-F238E27FC236}">
-                <a16:creationId xmlns="" xmlns:a16="http://schemas.microsoft.com/office/drawing/2014/main" id="{540972A1-4BB3-4D04-B4DF-C76BA9B5CAD8}"/>
+                <a16:creationId xmlns:a16="http://schemas.microsoft.com/office/drawing/2014/main" xmlns="" id="{540972A1-4BB3-4D04-B4DF-C76BA9B5CAD8}"/>
               </a:ext>
             </a:extLst>
           </p:cNvPr>
@@ -21412,7 +21397,7 @@
           <p:cNvPr id="5" name="Slide Number Placeholder 4">
             <a:extLst>
               <a:ext uri="{FF2B5EF4-FFF2-40B4-BE49-F238E27FC236}">
-                <a16:creationId xmlns="" xmlns:a16="http://schemas.microsoft.com/office/drawing/2014/main" id="{23B5C741-F1AB-463E-B229-974B2924B065}"/>
+                <a16:creationId xmlns:a16="http://schemas.microsoft.com/office/drawing/2014/main" xmlns="" id="{23B5C741-F1AB-463E-B229-974B2924B065}"/>
               </a:ext>
             </a:extLst>
           </p:cNvPr>
@@ -21628,7 +21613,7 @@
           <p:cNvPr id="2" name="Title 1">
             <a:extLst>
               <a:ext uri="{FF2B5EF4-FFF2-40B4-BE49-F238E27FC236}">
-                <a16:creationId xmlns="" xmlns:a16="http://schemas.microsoft.com/office/drawing/2014/main" id="{9F53C0E6-5CA5-48E1-B370-E678425399F4}"/>
+                <a16:creationId xmlns:a16="http://schemas.microsoft.com/office/drawing/2014/main" xmlns="" id="{9F53C0E6-5CA5-48E1-B370-E678425399F4}"/>
               </a:ext>
             </a:extLst>
           </p:cNvPr>
@@ -21661,7 +21646,7 @@
           <p:cNvPr id="3" name="Content Placeholder 2">
             <a:extLst>
               <a:ext uri="{FF2B5EF4-FFF2-40B4-BE49-F238E27FC236}">
-                <a16:creationId xmlns="" xmlns:a16="http://schemas.microsoft.com/office/drawing/2014/main" id="{F0A4581A-26B3-40E7-A945-90C4D9B58292}"/>
+                <a16:creationId xmlns:a16="http://schemas.microsoft.com/office/drawing/2014/main" xmlns="" id="{F0A4581A-26B3-40E7-A945-90C4D9B58292}"/>
               </a:ext>
             </a:extLst>
           </p:cNvPr>
@@ -21780,11 +21765,7 @@
             </a:pPr>
             <a:r>
               <a:rPr lang="en-IN" sz="2000" dirty="0" smtClean="0"/>
-              <a:t>Pre-trained model used: InceptionV3 to generate (8 x 8 x 2048) dimensional bottleneck feature</a:t>
-            </a:r>
-            <a:r>
-              <a:rPr lang="en-IN" sz="2000" dirty="0" smtClean="0"/>
-              <a:t>. These (8 x 8 x 2048) bottleneck features are reshaped to (64 x 2048) dimension and then saved.</a:t>
+              <a:t>Pre-trained model used: InceptionV3 to generate (8 x 8 x 2048) dimensional bottleneck feature. These (8 x 8 x 2048) bottleneck features are reshaped to (64 x 2048) dimension and then saved.</a:t>
             </a:r>
             <a:endParaRPr lang="en-IN" sz="2000" dirty="0"/>
           </a:p>
@@ -21819,7 +21800,7 @@
           <p:cNvPr id="4" name="Footer Placeholder 3">
             <a:extLst>
               <a:ext uri="{FF2B5EF4-FFF2-40B4-BE49-F238E27FC236}">
-                <a16:creationId xmlns="" xmlns:a16="http://schemas.microsoft.com/office/drawing/2014/main" id="{540972A1-4BB3-4D04-B4DF-C76BA9B5CAD8}"/>
+                <a16:creationId xmlns:a16="http://schemas.microsoft.com/office/drawing/2014/main" xmlns="" id="{540972A1-4BB3-4D04-B4DF-C76BA9B5CAD8}"/>
               </a:ext>
             </a:extLst>
           </p:cNvPr>
@@ -21848,7 +21829,7 @@
           <p:cNvPr id="5" name="Slide Number Placeholder 4">
             <a:extLst>
               <a:ext uri="{FF2B5EF4-FFF2-40B4-BE49-F238E27FC236}">
-                <a16:creationId xmlns="" xmlns:a16="http://schemas.microsoft.com/office/drawing/2014/main" id="{23B5C741-F1AB-463E-B229-974B2924B065}"/>
+                <a16:creationId xmlns:a16="http://schemas.microsoft.com/office/drawing/2014/main" xmlns="" id="{23B5C741-F1AB-463E-B229-974B2924B065}"/>
               </a:ext>
             </a:extLst>
           </p:cNvPr>
@@ -22855,7 +22836,7 @@
           <p:cNvPr id="2" name="Title 1">
             <a:extLst>
               <a:ext uri="{FF2B5EF4-FFF2-40B4-BE49-F238E27FC236}">
-                <a16:creationId xmlns="" xmlns:a16="http://schemas.microsoft.com/office/drawing/2014/main" id="{9F53C0E6-5CA5-48E1-B370-E678425399F4}"/>
+                <a16:creationId xmlns:a16="http://schemas.microsoft.com/office/drawing/2014/main" xmlns="" id="{9F53C0E6-5CA5-48E1-B370-E678425399F4}"/>
               </a:ext>
             </a:extLst>
           </p:cNvPr>
@@ -22893,7 +22874,7 @@
           <p:cNvPr id="3" name="Content Placeholder 2">
             <a:extLst>
               <a:ext uri="{FF2B5EF4-FFF2-40B4-BE49-F238E27FC236}">
-                <a16:creationId xmlns="" xmlns:a16="http://schemas.microsoft.com/office/drawing/2014/main" id="{F0A4581A-26B3-40E7-A945-90C4D9B58292}"/>
+                <a16:creationId xmlns:a16="http://schemas.microsoft.com/office/drawing/2014/main" xmlns="" id="{F0A4581A-26B3-40E7-A945-90C4D9B58292}"/>
               </a:ext>
             </a:extLst>
           </p:cNvPr>
@@ -23148,7 +23129,6 @@
               <a:rPr lang="en-IN" sz="2000" dirty="0" smtClean="0"/>
               <a:t> to Encoder for encoding the meaningful features generated by InceptionV3 to be suitable for image captioning. Following it is depicted:</a:t>
             </a:r>
-            <a:endParaRPr lang="en-IN" sz="2000" dirty="0" smtClean="0"/>
           </a:p>
         </p:txBody>
       </p:sp>
@@ -23157,7 +23137,7 @@
           <p:cNvPr id="4" name="Footer Placeholder 3">
             <a:extLst>
               <a:ext uri="{FF2B5EF4-FFF2-40B4-BE49-F238E27FC236}">
-                <a16:creationId xmlns="" xmlns:a16="http://schemas.microsoft.com/office/drawing/2014/main" id="{540972A1-4BB3-4D04-B4DF-C76BA9B5CAD8}"/>
+                <a16:creationId xmlns:a16="http://schemas.microsoft.com/office/drawing/2014/main" xmlns="" id="{540972A1-4BB3-4D04-B4DF-C76BA9B5CAD8}"/>
               </a:ext>
             </a:extLst>
           </p:cNvPr>
@@ -23186,7 +23166,7 @@
           <p:cNvPr id="5" name="Slide Number Placeholder 4">
             <a:extLst>
               <a:ext uri="{FF2B5EF4-FFF2-40B4-BE49-F238E27FC236}">
-                <a16:creationId xmlns="" xmlns:a16="http://schemas.microsoft.com/office/drawing/2014/main" id="{23B5C741-F1AB-463E-B229-974B2924B065}"/>
+                <a16:creationId xmlns:a16="http://schemas.microsoft.com/office/drawing/2014/main" xmlns="" id="{23B5C741-F1AB-463E-B229-974B2924B065}"/>
               </a:ext>
             </a:extLst>
           </p:cNvPr>
@@ -24076,7 +24056,7 @@
           <p:cNvPr id="2" name="Title 1">
             <a:extLst>
               <a:ext uri="{FF2B5EF4-FFF2-40B4-BE49-F238E27FC236}">
-                <a16:creationId xmlns="" xmlns:a16="http://schemas.microsoft.com/office/drawing/2014/main" id="{9F53C0E6-5CA5-48E1-B370-E678425399F4}"/>
+                <a16:creationId xmlns:a16="http://schemas.microsoft.com/office/drawing/2014/main" xmlns="" id="{9F53C0E6-5CA5-48E1-B370-E678425399F4}"/>
               </a:ext>
             </a:extLst>
           </p:cNvPr>
@@ -24101,7 +24081,6 @@
               <a:rPr lang="en-IN" dirty="0"/>
               <a:t>Training &amp; Neural Networks Specific…</a:t>
             </a:r>
-            <a:endParaRPr lang="en-IN" dirty="0"/>
           </a:p>
         </p:txBody>
       </p:sp>
@@ -24110,7 +24089,7 @@
           <p:cNvPr id="3" name="Content Placeholder 2">
             <a:extLst>
               <a:ext uri="{FF2B5EF4-FFF2-40B4-BE49-F238E27FC236}">
-                <a16:creationId xmlns="" xmlns:a16="http://schemas.microsoft.com/office/drawing/2014/main" id="{F0A4581A-26B3-40E7-A945-90C4D9B58292}"/>
+                <a16:creationId xmlns:a16="http://schemas.microsoft.com/office/drawing/2014/main" xmlns="" id="{F0A4581A-26B3-40E7-A945-90C4D9B58292}"/>
               </a:ext>
             </a:extLst>
           </p:cNvPr>
@@ -24224,11 +24203,7 @@
             </a:r>
             <a:r>
               <a:rPr lang="en-IN" sz="1800" i="1" dirty="0" err="1" smtClean="0"/>
-              <a:t>hidden_with_time</a:t>
-            </a:r>
-            <a:r>
-              <a:rPr lang="en-IN" sz="1800" i="1" dirty="0" err="1" smtClean="0"/>
-              <a:t>_axis</a:t>
+              <a:t>hidden_with_time_axis</a:t>
             </a:r>
             <a:r>
               <a:rPr lang="en-IN" sz="1800" i="1" dirty="0" smtClean="0"/>
@@ -24472,7 +24447,7 @@
           <p:cNvPr id="4" name="Footer Placeholder 3">
             <a:extLst>
               <a:ext uri="{FF2B5EF4-FFF2-40B4-BE49-F238E27FC236}">
-                <a16:creationId xmlns="" xmlns:a16="http://schemas.microsoft.com/office/drawing/2014/main" id="{540972A1-4BB3-4D04-B4DF-C76BA9B5CAD8}"/>
+                <a16:creationId xmlns:a16="http://schemas.microsoft.com/office/drawing/2014/main" xmlns="" id="{540972A1-4BB3-4D04-B4DF-C76BA9B5CAD8}"/>
               </a:ext>
             </a:extLst>
           </p:cNvPr>
@@ -24501,7 +24476,7 @@
           <p:cNvPr id="5" name="Slide Number Placeholder 4">
             <a:extLst>
               <a:ext uri="{FF2B5EF4-FFF2-40B4-BE49-F238E27FC236}">
-                <a16:creationId xmlns="" xmlns:a16="http://schemas.microsoft.com/office/drawing/2014/main" id="{23B5C741-F1AB-463E-B229-974B2924B065}"/>
+                <a16:creationId xmlns:a16="http://schemas.microsoft.com/office/drawing/2014/main" xmlns="" id="{23B5C741-F1AB-463E-B229-974B2924B065}"/>
               </a:ext>
             </a:extLst>
           </p:cNvPr>
@@ -25234,7 +25209,7 @@
           <p:cNvPr id="2" name="Title 1">
             <a:extLst>
               <a:ext uri="{FF2B5EF4-FFF2-40B4-BE49-F238E27FC236}">
-                <a16:creationId xmlns="" xmlns:a16="http://schemas.microsoft.com/office/drawing/2014/main" id="{9F53C0E6-5CA5-48E1-B370-E678425399F4}"/>
+                <a16:creationId xmlns:a16="http://schemas.microsoft.com/office/drawing/2014/main" xmlns="" id="{9F53C0E6-5CA5-48E1-B370-E678425399F4}"/>
               </a:ext>
             </a:extLst>
           </p:cNvPr>
@@ -25259,7 +25234,6 @@
               <a:rPr lang="en-IN" dirty="0"/>
               <a:t>Training &amp; Neural Networks Specific…</a:t>
             </a:r>
-            <a:endParaRPr lang="en-IN" dirty="0"/>
           </a:p>
         </p:txBody>
       </p:sp>
@@ -25268,7 +25242,7 @@
           <p:cNvPr id="3" name="Content Placeholder 2">
             <a:extLst>
               <a:ext uri="{FF2B5EF4-FFF2-40B4-BE49-F238E27FC236}">
-                <a16:creationId xmlns="" xmlns:a16="http://schemas.microsoft.com/office/drawing/2014/main" id="{F0A4581A-26B3-40E7-A945-90C4D9B58292}"/>
+                <a16:creationId xmlns:a16="http://schemas.microsoft.com/office/drawing/2014/main" xmlns="" id="{F0A4581A-26B3-40E7-A945-90C4D9B58292}"/>
               </a:ext>
             </a:extLst>
           </p:cNvPr>
@@ -25369,11 +25343,7 @@
             </a:r>
             <a:r>
               <a:rPr lang="en-IN" sz="1800" i="1" dirty="0" smtClean="0"/>
-              <a:t>        </a:t>
-            </a:r>
-            <a:r>
-              <a:rPr lang="en-IN" sz="1800" i="1" dirty="0" smtClean="0"/>
-              <a:t>→        </a:t>
+              <a:t>        →        </a:t>
             </a:r>
             <a:r>
               <a:rPr lang="en-IN" sz="1800" i="1" dirty="0" err="1" smtClean="0"/>
@@ -25850,7 +25820,7 @@
           <p:cNvPr id="4" name="Footer Placeholder 3">
             <a:extLst>
               <a:ext uri="{FF2B5EF4-FFF2-40B4-BE49-F238E27FC236}">
-                <a16:creationId xmlns="" xmlns:a16="http://schemas.microsoft.com/office/drawing/2014/main" id="{540972A1-4BB3-4D04-B4DF-C76BA9B5CAD8}"/>
+                <a16:creationId xmlns:a16="http://schemas.microsoft.com/office/drawing/2014/main" xmlns="" id="{540972A1-4BB3-4D04-B4DF-C76BA9B5CAD8}"/>
               </a:ext>
             </a:extLst>
           </p:cNvPr>
@@ -25879,7 +25849,7 @@
           <p:cNvPr id="5" name="Slide Number Placeholder 4">
             <a:extLst>
               <a:ext uri="{FF2B5EF4-FFF2-40B4-BE49-F238E27FC236}">
-                <a16:creationId xmlns="" xmlns:a16="http://schemas.microsoft.com/office/drawing/2014/main" id="{23B5C741-F1AB-463E-B229-974B2924B065}"/>
+                <a16:creationId xmlns:a16="http://schemas.microsoft.com/office/drawing/2014/main" xmlns="" id="{23B5C741-F1AB-463E-B229-974B2924B065}"/>
               </a:ext>
             </a:extLst>
           </p:cNvPr>
@@ -25992,7 +25962,7 @@
           <p:cNvPr id="2" name="Title 1">
             <a:extLst>
               <a:ext uri="{FF2B5EF4-FFF2-40B4-BE49-F238E27FC236}">
-                <a16:creationId xmlns="" xmlns:a16="http://schemas.microsoft.com/office/drawing/2014/main" id="{9F53C0E6-5CA5-48E1-B370-E678425399F4}"/>
+                <a16:creationId xmlns:a16="http://schemas.microsoft.com/office/drawing/2014/main" xmlns="" id="{9F53C0E6-5CA5-48E1-B370-E678425399F4}"/>
               </a:ext>
             </a:extLst>
           </p:cNvPr>
@@ -26025,7 +25995,7 @@
           <p:cNvPr id="3" name="Content Placeholder 2">
             <a:extLst>
               <a:ext uri="{FF2B5EF4-FFF2-40B4-BE49-F238E27FC236}">
-                <a16:creationId xmlns="" xmlns:a16="http://schemas.microsoft.com/office/drawing/2014/main" id="{F0A4581A-26B3-40E7-A945-90C4D9B58292}"/>
+                <a16:creationId xmlns:a16="http://schemas.microsoft.com/office/drawing/2014/main" xmlns="" id="{F0A4581A-26B3-40E7-A945-90C4D9B58292}"/>
               </a:ext>
             </a:extLst>
           </p:cNvPr>
@@ -26070,7 +26040,7 @@
           <p:cNvPr id="4" name="Footer Placeholder 3">
             <a:extLst>
               <a:ext uri="{FF2B5EF4-FFF2-40B4-BE49-F238E27FC236}">
-                <a16:creationId xmlns="" xmlns:a16="http://schemas.microsoft.com/office/drawing/2014/main" id="{540972A1-4BB3-4D04-B4DF-C76BA9B5CAD8}"/>
+                <a16:creationId xmlns:a16="http://schemas.microsoft.com/office/drawing/2014/main" xmlns="" id="{540972A1-4BB3-4D04-B4DF-C76BA9B5CAD8}"/>
               </a:ext>
             </a:extLst>
           </p:cNvPr>
@@ -26099,7 +26069,7 @@
           <p:cNvPr id="5" name="Slide Number Placeholder 4">
             <a:extLst>
               <a:ext uri="{FF2B5EF4-FFF2-40B4-BE49-F238E27FC236}">
-                <a16:creationId xmlns="" xmlns:a16="http://schemas.microsoft.com/office/drawing/2014/main" id="{23B5C741-F1AB-463E-B229-974B2924B065}"/>
+                <a16:creationId xmlns:a16="http://schemas.microsoft.com/office/drawing/2014/main" xmlns="" id="{23B5C741-F1AB-463E-B229-974B2924B065}"/>
               </a:ext>
             </a:extLst>
           </p:cNvPr>
@@ -26206,7 +26176,7 @@
           <p:cNvPr id="2" name="Title 1">
             <a:extLst>
               <a:ext uri="{FF2B5EF4-FFF2-40B4-BE49-F238E27FC236}">
-                <a16:creationId xmlns="" xmlns:a16="http://schemas.microsoft.com/office/drawing/2014/main" id="{9F53C0E6-5CA5-48E1-B370-E678425399F4}"/>
+                <a16:creationId xmlns:a16="http://schemas.microsoft.com/office/drawing/2014/main" xmlns="" id="{9F53C0E6-5CA5-48E1-B370-E678425399F4}"/>
               </a:ext>
             </a:extLst>
           </p:cNvPr>
@@ -26239,7 +26209,7 @@
           <p:cNvPr id="3" name="Content Placeholder 2">
             <a:extLst>
               <a:ext uri="{FF2B5EF4-FFF2-40B4-BE49-F238E27FC236}">
-                <a16:creationId xmlns="" xmlns:a16="http://schemas.microsoft.com/office/drawing/2014/main" id="{F0A4581A-26B3-40E7-A945-90C4D9B58292}"/>
+                <a16:creationId xmlns:a16="http://schemas.microsoft.com/office/drawing/2014/main" xmlns="" id="{F0A4581A-26B3-40E7-A945-90C4D9B58292}"/>
               </a:ext>
             </a:extLst>
           </p:cNvPr>
@@ -26284,7 +26254,7 @@
           <p:cNvPr id="4" name="Footer Placeholder 3">
             <a:extLst>
               <a:ext uri="{FF2B5EF4-FFF2-40B4-BE49-F238E27FC236}">
-                <a16:creationId xmlns="" xmlns:a16="http://schemas.microsoft.com/office/drawing/2014/main" id="{540972A1-4BB3-4D04-B4DF-C76BA9B5CAD8}"/>
+                <a16:creationId xmlns:a16="http://schemas.microsoft.com/office/drawing/2014/main" xmlns="" id="{540972A1-4BB3-4D04-B4DF-C76BA9B5CAD8}"/>
               </a:ext>
             </a:extLst>
           </p:cNvPr>
@@ -26313,7 +26283,7 @@
           <p:cNvPr id="5" name="Slide Number Placeholder 4">
             <a:extLst>
               <a:ext uri="{FF2B5EF4-FFF2-40B4-BE49-F238E27FC236}">
-                <a16:creationId xmlns="" xmlns:a16="http://schemas.microsoft.com/office/drawing/2014/main" id="{23B5C741-F1AB-463E-B229-974B2924B065}"/>
+                <a16:creationId xmlns:a16="http://schemas.microsoft.com/office/drawing/2014/main" xmlns="" id="{23B5C741-F1AB-463E-B229-974B2924B065}"/>
               </a:ext>
             </a:extLst>
           </p:cNvPr>
@@ -26342,7 +26312,7 @@
           <p:cNvPr id="7" name="Picture 6">
             <a:extLst>
               <a:ext uri="{FF2B5EF4-FFF2-40B4-BE49-F238E27FC236}">
-                <a16:creationId xmlns="" xmlns:a16="http://schemas.microsoft.com/office/drawing/2014/main" id="{A69F92CE-D8BB-4F8F-BED3-BE4B00B6FDCF}"/>
+                <a16:creationId xmlns:a16="http://schemas.microsoft.com/office/drawing/2014/main" xmlns="" id="{A69F92CE-D8BB-4F8F-BED3-BE4B00B6FDCF}"/>
               </a:ext>
             </a:extLst>
           </p:cNvPr>
@@ -26378,7 +26348,7 @@
           <p:cNvPr id="11" name="Picture 10" descr="A picture containing person, wall, indoor, child&#10;&#10;Description automatically generated">
             <a:extLst>
               <a:ext uri="{FF2B5EF4-FFF2-40B4-BE49-F238E27FC236}">
-                <a16:creationId xmlns="" xmlns:a16="http://schemas.microsoft.com/office/drawing/2014/main" id="{E85BACB2-A5BB-474E-A39E-7419AFD7E1B7}"/>
+                <a16:creationId xmlns:a16="http://schemas.microsoft.com/office/drawing/2014/main" xmlns="" id="{E85BACB2-A5BB-474E-A39E-7419AFD7E1B7}"/>
               </a:ext>
             </a:extLst>
           </p:cNvPr>
@@ -26414,7 +26384,7 @@
           <p:cNvPr id="18" name="TextBox 17">
             <a:extLst>
               <a:ext uri="{FF2B5EF4-FFF2-40B4-BE49-F238E27FC236}">
-                <a16:creationId xmlns="" xmlns:a16="http://schemas.microsoft.com/office/drawing/2014/main" id="{3FEC41C2-3C84-4FD0-B6FD-AE2D345AF0FC}"/>
+                <a16:creationId xmlns:a16="http://schemas.microsoft.com/office/drawing/2014/main" xmlns="" id="{3FEC41C2-3C84-4FD0-B6FD-AE2D345AF0FC}"/>
               </a:ext>
             </a:extLst>
           </p:cNvPr>
@@ -26451,7 +26421,7 @@
           <p:cNvPr id="19" name="TextBox 18">
             <a:extLst>
               <a:ext uri="{FF2B5EF4-FFF2-40B4-BE49-F238E27FC236}">
-                <a16:creationId xmlns="" xmlns:a16="http://schemas.microsoft.com/office/drawing/2014/main" id="{9D506DFE-D00D-462C-89D8-9F7ECAB1A062}"/>
+                <a16:creationId xmlns:a16="http://schemas.microsoft.com/office/drawing/2014/main" xmlns="" id="{9D506DFE-D00D-462C-89D8-9F7ECAB1A062}"/>
               </a:ext>
             </a:extLst>
           </p:cNvPr>
@@ -26525,7 +26495,7 @@
           <p:cNvPr id="2" name="Title 1">
             <a:extLst>
               <a:ext uri="{FF2B5EF4-FFF2-40B4-BE49-F238E27FC236}">
-                <a16:creationId xmlns="" xmlns:a16="http://schemas.microsoft.com/office/drawing/2014/main" id="{9F53C0E6-5CA5-48E1-B370-E678425399F4}"/>
+                <a16:creationId xmlns:a16="http://schemas.microsoft.com/office/drawing/2014/main" xmlns="" id="{9F53C0E6-5CA5-48E1-B370-E678425399F4}"/>
               </a:ext>
             </a:extLst>
           </p:cNvPr>
@@ -26558,7 +26528,7 @@
           <p:cNvPr id="7" name="Content Placeholder 6" descr="A picture containing building, outdoor, harp&#10;&#10;Description automatically generated">
             <a:extLst>
               <a:ext uri="{FF2B5EF4-FFF2-40B4-BE49-F238E27FC236}">
-                <a16:creationId xmlns="" xmlns:a16="http://schemas.microsoft.com/office/drawing/2014/main" id="{071422BC-1756-4A99-A340-F876519AC6DC}"/>
+                <a16:creationId xmlns:a16="http://schemas.microsoft.com/office/drawing/2014/main" xmlns="" id="{071422BC-1756-4A99-A340-F876519AC6DC}"/>
               </a:ext>
             </a:extLst>
           </p:cNvPr>
@@ -26593,7 +26563,7 @@
           <p:cNvPr id="4" name="Footer Placeholder 3">
             <a:extLst>
               <a:ext uri="{FF2B5EF4-FFF2-40B4-BE49-F238E27FC236}">
-                <a16:creationId xmlns="" xmlns:a16="http://schemas.microsoft.com/office/drawing/2014/main" id="{540972A1-4BB3-4D04-B4DF-C76BA9B5CAD8}"/>
+                <a16:creationId xmlns:a16="http://schemas.microsoft.com/office/drawing/2014/main" xmlns="" id="{540972A1-4BB3-4D04-B4DF-C76BA9B5CAD8}"/>
               </a:ext>
             </a:extLst>
           </p:cNvPr>
@@ -26622,7 +26592,7 @@
           <p:cNvPr id="5" name="Slide Number Placeholder 4">
             <a:extLst>
               <a:ext uri="{FF2B5EF4-FFF2-40B4-BE49-F238E27FC236}">
-                <a16:creationId xmlns="" xmlns:a16="http://schemas.microsoft.com/office/drawing/2014/main" id="{23B5C741-F1AB-463E-B229-974B2924B065}"/>
+                <a16:creationId xmlns:a16="http://schemas.microsoft.com/office/drawing/2014/main" xmlns="" id="{23B5C741-F1AB-463E-B229-974B2924B065}"/>
               </a:ext>
             </a:extLst>
           </p:cNvPr>
@@ -26651,7 +26621,7 @@
           <p:cNvPr id="9" name="Picture 8">
             <a:extLst>
               <a:ext uri="{FF2B5EF4-FFF2-40B4-BE49-F238E27FC236}">
-                <a16:creationId xmlns="" xmlns:a16="http://schemas.microsoft.com/office/drawing/2014/main" id="{C665D5C7-EC65-483C-9EE9-FC1A29BA45F9}"/>
+                <a16:creationId xmlns:a16="http://schemas.microsoft.com/office/drawing/2014/main" xmlns="" id="{C665D5C7-EC65-483C-9EE9-FC1A29BA45F9}"/>
               </a:ext>
             </a:extLst>
           </p:cNvPr>
@@ -26687,7 +26657,7 @@
           <p:cNvPr id="10" name="TextBox 9">
             <a:extLst>
               <a:ext uri="{FF2B5EF4-FFF2-40B4-BE49-F238E27FC236}">
-                <a16:creationId xmlns="" xmlns:a16="http://schemas.microsoft.com/office/drawing/2014/main" id="{B8D32FAB-7CB5-4038-A21C-2294BE6A3393}"/>
+                <a16:creationId xmlns:a16="http://schemas.microsoft.com/office/drawing/2014/main" xmlns="" id="{B8D32FAB-7CB5-4038-A21C-2294BE6A3393}"/>
               </a:ext>
             </a:extLst>
           </p:cNvPr>
@@ -26724,7 +26694,7 @@
           <p:cNvPr id="11" name="TextBox 10">
             <a:extLst>
               <a:ext uri="{FF2B5EF4-FFF2-40B4-BE49-F238E27FC236}">
-                <a16:creationId xmlns="" xmlns:a16="http://schemas.microsoft.com/office/drawing/2014/main" id="{8075A81C-67B3-4C54-AEB6-BB5EB0B41157}"/>
+                <a16:creationId xmlns:a16="http://schemas.microsoft.com/office/drawing/2014/main" xmlns="" id="{8075A81C-67B3-4C54-AEB6-BB5EB0B41157}"/>
               </a:ext>
             </a:extLst>
           </p:cNvPr>
@@ -26798,7 +26768,7 @@
           <p:cNvPr id="2" name="Title 1">
             <a:extLst>
               <a:ext uri="{FF2B5EF4-FFF2-40B4-BE49-F238E27FC236}">
-                <a16:creationId xmlns="" xmlns:a16="http://schemas.microsoft.com/office/drawing/2014/main" id="{9F53C0E6-5CA5-48E1-B370-E678425399F4}"/>
+                <a16:creationId xmlns:a16="http://schemas.microsoft.com/office/drawing/2014/main" xmlns="" id="{9F53C0E6-5CA5-48E1-B370-E678425399F4}"/>
               </a:ext>
             </a:extLst>
           </p:cNvPr>
@@ -26831,7 +26801,7 @@
           <p:cNvPr id="3" name="Content Placeholder 2">
             <a:extLst>
               <a:ext uri="{FF2B5EF4-FFF2-40B4-BE49-F238E27FC236}">
-                <a16:creationId xmlns="" xmlns:a16="http://schemas.microsoft.com/office/drawing/2014/main" id="{F0A4581A-26B3-40E7-A945-90C4D9B58292}"/>
+                <a16:creationId xmlns:a16="http://schemas.microsoft.com/office/drawing/2014/main" xmlns="" id="{F0A4581A-26B3-40E7-A945-90C4D9B58292}"/>
               </a:ext>
             </a:extLst>
           </p:cNvPr>
@@ -26982,7 +26952,7 @@
           <p:cNvPr id="4" name="Footer Placeholder 3">
             <a:extLst>
               <a:ext uri="{FF2B5EF4-FFF2-40B4-BE49-F238E27FC236}">
-                <a16:creationId xmlns="" xmlns:a16="http://schemas.microsoft.com/office/drawing/2014/main" id="{540972A1-4BB3-4D04-B4DF-C76BA9B5CAD8}"/>
+                <a16:creationId xmlns:a16="http://schemas.microsoft.com/office/drawing/2014/main" xmlns="" id="{540972A1-4BB3-4D04-B4DF-C76BA9B5CAD8}"/>
               </a:ext>
             </a:extLst>
           </p:cNvPr>
@@ -27011,7 +26981,7 @@
           <p:cNvPr id="5" name="Slide Number Placeholder 4">
             <a:extLst>
               <a:ext uri="{FF2B5EF4-FFF2-40B4-BE49-F238E27FC236}">
-                <a16:creationId xmlns="" xmlns:a16="http://schemas.microsoft.com/office/drawing/2014/main" id="{23B5C741-F1AB-463E-B229-974B2924B065}"/>
+                <a16:creationId xmlns:a16="http://schemas.microsoft.com/office/drawing/2014/main" xmlns="" id="{23B5C741-F1AB-463E-B229-974B2924B065}"/>
               </a:ext>
             </a:extLst>
           </p:cNvPr>
@@ -27077,7 +27047,7 @@
           <p:cNvPr id="2" name="Title 1">
             <a:extLst>
               <a:ext uri="{FF2B5EF4-FFF2-40B4-BE49-F238E27FC236}">
-                <a16:creationId xmlns="" xmlns:a16="http://schemas.microsoft.com/office/drawing/2014/main" id="{9F53C0E6-5CA5-48E1-B370-E678425399F4}"/>
+                <a16:creationId xmlns:a16="http://schemas.microsoft.com/office/drawing/2014/main" xmlns="" id="{9F53C0E6-5CA5-48E1-B370-E678425399F4}"/>
               </a:ext>
             </a:extLst>
           </p:cNvPr>
@@ -27110,7 +27080,7 @@
           <p:cNvPr id="3" name="Content Placeholder 2">
             <a:extLst>
               <a:ext uri="{FF2B5EF4-FFF2-40B4-BE49-F238E27FC236}">
-                <a16:creationId xmlns="" xmlns:a16="http://schemas.microsoft.com/office/drawing/2014/main" id="{F0A4581A-26B3-40E7-A945-90C4D9B58292}"/>
+                <a16:creationId xmlns:a16="http://schemas.microsoft.com/office/drawing/2014/main" xmlns="" id="{F0A4581A-26B3-40E7-A945-90C4D9B58292}"/>
               </a:ext>
             </a:extLst>
           </p:cNvPr>
@@ -27177,7 +27147,7 @@
           <p:cNvPr id="4" name="Footer Placeholder 3">
             <a:extLst>
               <a:ext uri="{FF2B5EF4-FFF2-40B4-BE49-F238E27FC236}">
-                <a16:creationId xmlns="" xmlns:a16="http://schemas.microsoft.com/office/drawing/2014/main" id="{540972A1-4BB3-4D04-B4DF-C76BA9B5CAD8}"/>
+                <a16:creationId xmlns:a16="http://schemas.microsoft.com/office/drawing/2014/main" xmlns="" id="{540972A1-4BB3-4D04-B4DF-C76BA9B5CAD8}"/>
               </a:ext>
             </a:extLst>
           </p:cNvPr>
@@ -27206,7 +27176,7 @@
           <p:cNvPr id="5" name="Slide Number Placeholder 4">
             <a:extLst>
               <a:ext uri="{FF2B5EF4-FFF2-40B4-BE49-F238E27FC236}">
-                <a16:creationId xmlns="" xmlns:a16="http://schemas.microsoft.com/office/drawing/2014/main" id="{23B5C741-F1AB-463E-B229-974B2924B065}"/>
+                <a16:creationId xmlns:a16="http://schemas.microsoft.com/office/drawing/2014/main" xmlns="" id="{23B5C741-F1AB-463E-B229-974B2924B065}"/>
               </a:ext>
             </a:extLst>
           </p:cNvPr>
@@ -27272,7 +27242,7 @@
           <p:cNvPr id="2" name="Title 1">
             <a:extLst>
               <a:ext uri="{FF2B5EF4-FFF2-40B4-BE49-F238E27FC236}">
-                <a16:creationId xmlns="" xmlns:a16="http://schemas.microsoft.com/office/drawing/2014/main" id="{9F53C0E6-5CA5-48E1-B370-E678425399F4}"/>
+                <a16:creationId xmlns:a16="http://schemas.microsoft.com/office/drawing/2014/main" xmlns="" id="{9F53C0E6-5CA5-48E1-B370-E678425399F4}"/>
               </a:ext>
             </a:extLst>
           </p:cNvPr>
@@ -27305,7 +27275,7 @@
           <p:cNvPr id="3" name="Content Placeholder 2">
             <a:extLst>
               <a:ext uri="{FF2B5EF4-FFF2-40B4-BE49-F238E27FC236}">
-                <a16:creationId xmlns="" xmlns:a16="http://schemas.microsoft.com/office/drawing/2014/main" id="{F0A4581A-26B3-40E7-A945-90C4D9B58292}"/>
+                <a16:creationId xmlns:a16="http://schemas.microsoft.com/office/drawing/2014/main" xmlns="" id="{F0A4581A-26B3-40E7-A945-90C4D9B58292}"/>
               </a:ext>
             </a:extLst>
           </p:cNvPr>
@@ -27427,7 +27397,7 @@
           <p:cNvPr id="4" name="Footer Placeholder 3">
             <a:extLst>
               <a:ext uri="{FF2B5EF4-FFF2-40B4-BE49-F238E27FC236}">
-                <a16:creationId xmlns="" xmlns:a16="http://schemas.microsoft.com/office/drawing/2014/main" id="{780A2A81-6CFC-4314-AE6C-461D31C0090B}"/>
+                <a16:creationId xmlns:a16="http://schemas.microsoft.com/office/drawing/2014/main" xmlns="" id="{780A2A81-6CFC-4314-AE6C-461D31C0090B}"/>
               </a:ext>
             </a:extLst>
           </p:cNvPr>
@@ -27456,7 +27426,7 @@
           <p:cNvPr id="5" name="Slide Number Placeholder 4">
             <a:extLst>
               <a:ext uri="{FF2B5EF4-FFF2-40B4-BE49-F238E27FC236}">
-                <a16:creationId xmlns="" xmlns:a16="http://schemas.microsoft.com/office/drawing/2014/main" id="{9E8E60AF-E24D-4DCD-9F0A-9E70670E60FF}"/>
+                <a16:creationId xmlns:a16="http://schemas.microsoft.com/office/drawing/2014/main" xmlns="" id="{9E8E60AF-E24D-4DCD-9F0A-9E70670E60FF}"/>
               </a:ext>
             </a:extLst>
           </p:cNvPr>
@@ -27522,7 +27492,7 @@
           <p:cNvPr id="2" name="Title 1">
             <a:extLst>
               <a:ext uri="{FF2B5EF4-FFF2-40B4-BE49-F238E27FC236}">
-                <a16:creationId xmlns="" xmlns:a16="http://schemas.microsoft.com/office/drawing/2014/main" id="{9F53C0E6-5CA5-48E1-B370-E678425399F4}"/>
+                <a16:creationId xmlns:a16="http://schemas.microsoft.com/office/drawing/2014/main" xmlns="" id="{9F53C0E6-5CA5-48E1-B370-E678425399F4}"/>
               </a:ext>
             </a:extLst>
           </p:cNvPr>
@@ -27555,7 +27525,7 @@
           <p:cNvPr id="3" name="Content Placeholder 2">
             <a:extLst>
               <a:ext uri="{FF2B5EF4-FFF2-40B4-BE49-F238E27FC236}">
-                <a16:creationId xmlns="" xmlns:a16="http://schemas.microsoft.com/office/drawing/2014/main" id="{F0A4581A-26B3-40E7-A945-90C4D9B58292}"/>
+                <a16:creationId xmlns:a16="http://schemas.microsoft.com/office/drawing/2014/main" xmlns="" id="{F0A4581A-26B3-40E7-A945-90C4D9B58292}"/>
               </a:ext>
             </a:extLst>
           </p:cNvPr>
@@ -27620,7 +27590,6 @@
               <a:rPr lang="en-IN" sz="2000" dirty="0" smtClean="0"/>
               <a:t>(i.e., Global Vector) model.</a:t>
             </a:r>
-            <a:endParaRPr lang="en-IN" sz="2000" dirty="0" smtClean="0"/>
           </a:p>
           <a:p>
             <a:pPr algn="just">
@@ -27649,7 +27618,7 @@
           <p:cNvPr id="4" name="Footer Placeholder 3">
             <a:extLst>
               <a:ext uri="{FF2B5EF4-FFF2-40B4-BE49-F238E27FC236}">
-                <a16:creationId xmlns="" xmlns:a16="http://schemas.microsoft.com/office/drawing/2014/main" id="{540972A1-4BB3-4D04-B4DF-C76BA9B5CAD8}"/>
+                <a16:creationId xmlns:a16="http://schemas.microsoft.com/office/drawing/2014/main" xmlns="" id="{540972A1-4BB3-4D04-B4DF-C76BA9B5CAD8}"/>
               </a:ext>
             </a:extLst>
           </p:cNvPr>
@@ -27678,7 +27647,7 @@
           <p:cNvPr id="5" name="Slide Number Placeholder 4">
             <a:extLst>
               <a:ext uri="{FF2B5EF4-FFF2-40B4-BE49-F238E27FC236}">
-                <a16:creationId xmlns="" xmlns:a16="http://schemas.microsoft.com/office/drawing/2014/main" id="{23B5C741-F1AB-463E-B229-974B2924B065}"/>
+                <a16:creationId xmlns:a16="http://schemas.microsoft.com/office/drawing/2014/main" xmlns="" id="{23B5C741-F1AB-463E-B229-974B2924B065}"/>
               </a:ext>
             </a:extLst>
           </p:cNvPr>
@@ -27744,7 +27713,7 @@
           <p:cNvPr id="2" name="Title 1">
             <a:extLst>
               <a:ext uri="{FF2B5EF4-FFF2-40B4-BE49-F238E27FC236}">
-                <a16:creationId xmlns="" xmlns:a16="http://schemas.microsoft.com/office/drawing/2014/main" id="{9F53C0E6-5CA5-48E1-B370-E678425399F4}"/>
+                <a16:creationId xmlns:a16="http://schemas.microsoft.com/office/drawing/2014/main" xmlns="" id="{9F53C0E6-5CA5-48E1-B370-E678425399F4}"/>
               </a:ext>
             </a:extLst>
           </p:cNvPr>
@@ -27777,7 +27746,7 @@
           <p:cNvPr id="3" name="Content Placeholder 2">
             <a:extLst>
               <a:ext uri="{FF2B5EF4-FFF2-40B4-BE49-F238E27FC236}">
-                <a16:creationId xmlns="" xmlns:a16="http://schemas.microsoft.com/office/drawing/2014/main" id="{F0A4581A-26B3-40E7-A945-90C4D9B58292}"/>
+                <a16:creationId xmlns:a16="http://schemas.microsoft.com/office/drawing/2014/main" xmlns="" id="{F0A4581A-26B3-40E7-A945-90C4D9B58292}"/>
               </a:ext>
             </a:extLst>
           </p:cNvPr>
@@ -27822,7 +27791,7 @@
           <p:cNvPr id="4" name="Footer Placeholder 3">
             <a:extLst>
               <a:ext uri="{FF2B5EF4-FFF2-40B4-BE49-F238E27FC236}">
-                <a16:creationId xmlns="" xmlns:a16="http://schemas.microsoft.com/office/drawing/2014/main" id="{540972A1-4BB3-4D04-B4DF-C76BA9B5CAD8}"/>
+                <a16:creationId xmlns:a16="http://schemas.microsoft.com/office/drawing/2014/main" xmlns="" id="{540972A1-4BB3-4D04-B4DF-C76BA9B5CAD8}"/>
               </a:ext>
             </a:extLst>
           </p:cNvPr>
@@ -27851,7 +27820,7 @@
           <p:cNvPr id="5" name="Slide Number Placeholder 4">
             <a:extLst>
               <a:ext uri="{FF2B5EF4-FFF2-40B4-BE49-F238E27FC236}">
-                <a16:creationId xmlns="" xmlns:a16="http://schemas.microsoft.com/office/drawing/2014/main" id="{23B5C741-F1AB-463E-B229-974B2924B065}"/>
+                <a16:creationId xmlns:a16="http://schemas.microsoft.com/office/drawing/2014/main" xmlns="" id="{23B5C741-F1AB-463E-B229-974B2924B065}"/>
               </a:ext>
             </a:extLst>
           </p:cNvPr>
@@ -27917,7 +27886,7 @@
           <p:cNvPr id="2" name="TextBox 1">
             <a:extLst>
               <a:ext uri="{FF2B5EF4-FFF2-40B4-BE49-F238E27FC236}">
-                <a16:creationId xmlns="" xmlns:a16="http://schemas.microsoft.com/office/drawing/2014/main" id="{55FF0394-BE0D-4E73-AB74-CAA9CAD678A5}"/>
+                <a16:creationId xmlns:a16="http://schemas.microsoft.com/office/drawing/2014/main" xmlns="" id="{55FF0394-BE0D-4E73-AB74-CAA9CAD678A5}"/>
               </a:ext>
             </a:extLst>
           </p:cNvPr>
@@ -27952,7 +27921,7 @@
           <p:cNvPr id="3" name="Footer Placeholder 2">
             <a:extLst>
               <a:ext uri="{FF2B5EF4-FFF2-40B4-BE49-F238E27FC236}">
-                <a16:creationId xmlns="" xmlns:a16="http://schemas.microsoft.com/office/drawing/2014/main" id="{B10B3E08-E062-4DBA-9E4C-84B030193A6F}"/>
+                <a16:creationId xmlns:a16="http://schemas.microsoft.com/office/drawing/2014/main" xmlns="" id="{B10B3E08-E062-4DBA-9E4C-84B030193A6F}"/>
               </a:ext>
             </a:extLst>
           </p:cNvPr>
@@ -27981,7 +27950,7 @@
           <p:cNvPr id="4" name="Slide Number Placeholder 3">
             <a:extLst>
               <a:ext uri="{FF2B5EF4-FFF2-40B4-BE49-F238E27FC236}">
-                <a16:creationId xmlns="" xmlns:a16="http://schemas.microsoft.com/office/drawing/2014/main" id="{AB5D1752-A6EE-4332-87E5-C5378F033BA1}"/>
+                <a16:creationId xmlns:a16="http://schemas.microsoft.com/office/drawing/2014/main" xmlns="" id="{AB5D1752-A6EE-4332-87E5-C5378F033BA1}"/>
               </a:ext>
             </a:extLst>
           </p:cNvPr>
@@ -28047,7 +28016,7 @@
           <p:cNvPr id="2" name="Title 1">
             <a:extLst>
               <a:ext uri="{FF2B5EF4-FFF2-40B4-BE49-F238E27FC236}">
-                <a16:creationId xmlns="" xmlns:a16="http://schemas.microsoft.com/office/drawing/2014/main" id="{9F53C0E6-5CA5-48E1-B370-E678425399F4}"/>
+                <a16:creationId xmlns:a16="http://schemas.microsoft.com/office/drawing/2014/main" xmlns="" id="{9F53C0E6-5CA5-48E1-B370-E678425399F4}"/>
               </a:ext>
             </a:extLst>
           </p:cNvPr>
@@ -28080,7 +28049,7 @@
           <p:cNvPr id="3" name="Content Placeholder 2">
             <a:extLst>
               <a:ext uri="{FF2B5EF4-FFF2-40B4-BE49-F238E27FC236}">
-                <a16:creationId xmlns="" xmlns:a16="http://schemas.microsoft.com/office/drawing/2014/main" id="{F0A4581A-26B3-40E7-A945-90C4D9B58292}"/>
+                <a16:creationId xmlns:a16="http://schemas.microsoft.com/office/drawing/2014/main" xmlns="" id="{F0A4581A-26B3-40E7-A945-90C4D9B58292}"/>
               </a:ext>
             </a:extLst>
           </p:cNvPr>
@@ -28287,7 +28256,7 @@
           <p:cNvPr id="4" name="Footer Placeholder 3">
             <a:extLst>
               <a:ext uri="{FF2B5EF4-FFF2-40B4-BE49-F238E27FC236}">
-                <a16:creationId xmlns="" xmlns:a16="http://schemas.microsoft.com/office/drawing/2014/main" id="{C1F0C447-1F28-4C0D-AB8A-70ED6532C551}"/>
+                <a16:creationId xmlns:a16="http://schemas.microsoft.com/office/drawing/2014/main" xmlns="" id="{C1F0C447-1F28-4C0D-AB8A-70ED6532C551}"/>
               </a:ext>
             </a:extLst>
           </p:cNvPr>
@@ -28316,7 +28285,7 @@
           <p:cNvPr id="5" name="Slide Number Placeholder 4">
             <a:extLst>
               <a:ext uri="{FF2B5EF4-FFF2-40B4-BE49-F238E27FC236}">
-                <a16:creationId xmlns="" xmlns:a16="http://schemas.microsoft.com/office/drawing/2014/main" id="{D8A98920-A7D1-40AB-8422-7F76D9A74450}"/>
+                <a16:creationId xmlns:a16="http://schemas.microsoft.com/office/drawing/2014/main" xmlns="" id="{D8A98920-A7D1-40AB-8422-7F76D9A74450}"/>
               </a:ext>
             </a:extLst>
           </p:cNvPr>
@@ -28382,7 +28351,7 @@
           <p:cNvPr id="2" name="Title 1">
             <a:extLst>
               <a:ext uri="{FF2B5EF4-FFF2-40B4-BE49-F238E27FC236}">
-                <a16:creationId xmlns="" xmlns:a16="http://schemas.microsoft.com/office/drawing/2014/main" id="{9F53C0E6-5CA5-48E1-B370-E678425399F4}"/>
+                <a16:creationId xmlns:a16="http://schemas.microsoft.com/office/drawing/2014/main" xmlns="" id="{9F53C0E6-5CA5-48E1-B370-E678425399F4}"/>
               </a:ext>
             </a:extLst>
           </p:cNvPr>
@@ -28415,7 +28384,7 @@
           <p:cNvPr id="3" name="Content Placeholder 2">
             <a:extLst>
               <a:ext uri="{FF2B5EF4-FFF2-40B4-BE49-F238E27FC236}">
-                <a16:creationId xmlns="" xmlns:a16="http://schemas.microsoft.com/office/drawing/2014/main" id="{F0A4581A-26B3-40E7-A945-90C4D9B58292}"/>
+                <a16:creationId xmlns:a16="http://schemas.microsoft.com/office/drawing/2014/main" xmlns="" id="{F0A4581A-26B3-40E7-A945-90C4D9B58292}"/>
               </a:ext>
             </a:extLst>
           </p:cNvPr>
@@ -28616,7 +28585,7 @@
           <p:cNvPr id="4" name="Footer Placeholder 3">
             <a:extLst>
               <a:ext uri="{FF2B5EF4-FFF2-40B4-BE49-F238E27FC236}">
-                <a16:creationId xmlns="" xmlns:a16="http://schemas.microsoft.com/office/drawing/2014/main" id="{468DB02D-8EA4-498F-B683-EA0654CD2170}"/>
+                <a16:creationId xmlns:a16="http://schemas.microsoft.com/office/drawing/2014/main" xmlns="" id="{468DB02D-8EA4-498F-B683-EA0654CD2170}"/>
               </a:ext>
             </a:extLst>
           </p:cNvPr>
@@ -28645,7 +28614,7 @@
           <p:cNvPr id="5" name="Slide Number Placeholder 4">
             <a:extLst>
               <a:ext uri="{FF2B5EF4-FFF2-40B4-BE49-F238E27FC236}">
-                <a16:creationId xmlns="" xmlns:a16="http://schemas.microsoft.com/office/drawing/2014/main" id="{6D5A5A2A-7919-4717-A349-4EC0FC1119D4}"/>
+                <a16:creationId xmlns:a16="http://schemas.microsoft.com/office/drawing/2014/main" xmlns="" id="{6D5A5A2A-7919-4717-A349-4EC0FC1119D4}"/>
               </a:ext>
             </a:extLst>
           </p:cNvPr>
@@ -28711,7 +28680,7 @@
           <p:cNvPr id="2" name="Title 1">
             <a:extLst>
               <a:ext uri="{FF2B5EF4-FFF2-40B4-BE49-F238E27FC236}">
-                <a16:creationId xmlns="" xmlns:a16="http://schemas.microsoft.com/office/drawing/2014/main" id="{9F53C0E6-5CA5-48E1-B370-E678425399F4}"/>
+                <a16:creationId xmlns:a16="http://schemas.microsoft.com/office/drawing/2014/main" xmlns="" id="{9F53C0E6-5CA5-48E1-B370-E678425399F4}"/>
               </a:ext>
             </a:extLst>
           </p:cNvPr>
@@ -28744,7 +28713,7 @@
           <p:cNvPr id="3" name="Content Placeholder 2">
             <a:extLst>
               <a:ext uri="{FF2B5EF4-FFF2-40B4-BE49-F238E27FC236}">
-                <a16:creationId xmlns="" xmlns:a16="http://schemas.microsoft.com/office/drawing/2014/main" id="{F0A4581A-26B3-40E7-A945-90C4D9B58292}"/>
+                <a16:creationId xmlns:a16="http://schemas.microsoft.com/office/drawing/2014/main" xmlns="" id="{F0A4581A-26B3-40E7-A945-90C4D9B58292}"/>
               </a:ext>
             </a:extLst>
           </p:cNvPr>
@@ -28867,7 +28836,7 @@
           <p:cNvPr id="4" name="Footer Placeholder 3">
             <a:extLst>
               <a:ext uri="{FF2B5EF4-FFF2-40B4-BE49-F238E27FC236}">
-                <a16:creationId xmlns="" xmlns:a16="http://schemas.microsoft.com/office/drawing/2014/main" id="{B97B25CD-0BD4-4D74-9919-A088ED2230BC}"/>
+                <a16:creationId xmlns:a16="http://schemas.microsoft.com/office/drawing/2014/main" xmlns="" id="{B97B25CD-0BD4-4D74-9919-A088ED2230BC}"/>
               </a:ext>
             </a:extLst>
           </p:cNvPr>
@@ -28896,7 +28865,7 @@
           <p:cNvPr id="5" name="Slide Number Placeholder 4">
             <a:extLst>
               <a:ext uri="{FF2B5EF4-FFF2-40B4-BE49-F238E27FC236}">
-                <a16:creationId xmlns="" xmlns:a16="http://schemas.microsoft.com/office/drawing/2014/main" id="{26052105-53FA-4F13-AD4C-C4FE4A2E522F}"/>
+                <a16:creationId xmlns:a16="http://schemas.microsoft.com/office/drawing/2014/main" xmlns="" id="{26052105-53FA-4F13-AD4C-C4FE4A2E522F}"/>
               </a:ext>
             </a:extLst>
           </p:cNvPr>
@@ -28962,7 +28931,7 @@
           <p:cNvPr id="2" name="Title 1">
             <a:extLst>
               <a:ext uri="{FF2B5EF4-FFF2-40B4-BE49-F238E27FC236}">
-                <a16:creationId xmlns="" xmlns:a16="http://schemas.microsoft.com/office/drawing/2014/main" id="{9F53C0E6-5CA5-48E1-B370-E678425399F4}"/>
+                <a16:creationId xmlns:a16="http://schemas.microsoft.com/office/drawing/2014/main" xmlns="" id="{9F53C0E6-5CA5-48E1-B370-E678425399F4}"/>
               </a:ext>
             </a:extLst>
           </p:cNvPr>
@@ -28996,7 +28965,7 @@
           <p:cNvPr id="3" name="Content Placeholder 2">
             <a:extLst>
               <a:ext uri="{FF2B5EF4-FFF2-40B4-BE49-F238E27FC236}">
-                <a16:creationId xmlns="" xmlns:a16="http://schemas.microsoft.com/office/drawing/2014/main" id="{F0A4581A-26B3-40E7-A945-90C4D9B58292}"/>
+                <a16:creationId xmlns:a16="http://schemas.microsoft.com/office/drawing/2014/main" xmlns="" id="{F0A4581A-26B3-40E7-A945-90C4D9B58292}"/>
               </a:ext>
             </a:extLst>
           </p:cNvPr>
@@ -29149,7 +29118,7 @@
           <p:cNvPr id="4" name="Footer Placeholder 3">
             <a:extLst>
               <a:ext uri="{FF2B5EF4-FFF2-40B4-BE49-F238E27FC236}">
-                <a16:creationId xmlns="" xmlns:a16="http://schemas.microsoft.com/office/drawing/2014/main" id="{540972A1-4BB3-4D04-B4DF-C76BA9B5CAD8}"/>
+                <a16:creationId xmlns:a16="http://schemas.microsoft.com/office/drawing/2014/main" xmlns="" id="{540972A1-4BB3-4D04-B4DF-C76BA9B5CAD8}"/>
               </a:ext>
             </a:extLst>
           </p:cNvPr>
@@ -29178,7 +29147,7 @@
           <p:cNvPr id="5" name="Slide Number Placeholder 4">
             <a:extLst>
               <a:ext uri="{FF2B5EF4-FFF2-40B4-BE49-F238E27FC236}">
-                <a16:creationId xmlns="" xmlns:a16="http://schemas.microsoft.com/office/drawing/2014/main" id="{23B5C741-F1AB-463E-B229-974B2924B065}"/>
+                <a16:creationId xmlns:a16="http://schemas.microsoft.com/office/drawing/2014/main" xmlns="" id="{23B5C741-F1AB-463E-B229-974B2924B065}"/>
               </a:ext>
             </a:extLst>
           </p:cNvPr>
@@ -29244,7 +29213,7 @@
           <p:cNvPr id="2" name="Title 1">
             <a:extLst>
               <a:ext uri="{FF2B5EF4-FFF2-40B4-BE49-F238E27FC236}">
-                <a16:creationId xmlns="" xmlns:a16="http://schemas.microsoft.com/office/drawing/2014/main" id="{9F53C0E6-5CA5-48E1-B370-E678425399F4}"/>
+                <a16:creationId xmlns:a16="http://schemas.microsoft.com/office/drawing/2014/main" xmlns="" id="{9F53C0E6-5CA5-48E1-B370-E678425399F4}"/>
               </a:ext>
             </a:extLst>
           </p:cNvPr>
@@ -29278,7 +29247,7 @@
           <p:cNvPr id="3" name="Content Placeholder 2">
             <a:extLst>
               <a:ext uri="{FF2B5EF4-FFF2-40B4-BE49-F238E27FC236}">
-                <a16:creationId xmlns="" xmlns:a16="http://schemas.microsoft.com/office/drawing/2014/main" id="{F0A4581A-26B3-40E7-A945-90C4D9B58292}"/>
+                <a16:creationId xmlns:a16="http://schemas.microsoft.com/office/drawing/2014/main" xmlns="" id="{F0A4581A-26B3-40E7-A945-90C4D9B58292}"/>
               </a:ext>
             </a:extLst>
           </p:cNvPr>
@@ -29433,7 +29402,7 @@
           <p:cNvPr id="4" name="Footer Placeholder 3">
             <a:extLst>
               <a:ext uri="{FF2B5EF4-FFF2-40B4-BE49-F238E27FC236}">
-                <a16:creationId xmlns="" xmlns:a16="http://schemas.microsoft.com/office/drawing/2014/main" id="{540972A1-4BB3-4D04-B4DF-C76BA9B5CAD8}"/>
+                <a16:creationId xmlns:a16="http://schemas.microsoft.com/office/drawing/2014/main" xmlns="" id="{540972A1-4BB3-4D04-B4DF-C76BA9B5CAD8}"/>
               </a:ext>
             </a:extLst>
           </p:cNvPr>
@@ -29462,7 +29431,7 @@
           <p:cNvPr id="5" name="Slide Number Placeholder 4">
             <a:extLst>
               <a:ext uri="{FF2B5EF4-FFF2-40B4-BE49-F238E27FC236}">
-                <a16:creationId xmlns="" xmlns:a16="http://schemas.microsoft.com/office/drawing/2014/main" id="{23B5C741-F1AB-463E-B229-974B2924B065}"/>
+                <a16:creationId xmlns:a16="http://schemas.microsoft.com/office/drawing/2014/main" xmlns="" id="{23B5C741-F1AB-463E-B229-974B2924B065}"/>
               </a:ext>
             </a:extLst>
           </p:cNvPr>
@@ -30186,7 +30155,7 @@
   <a:extraClrSchemeLst/>
   <a:extLst>
     <a:ext uri="{05A4C25C-085E-4340-85A3-A5531E510DB2}">
-      <thm15:themeFamily xmlns="" xmlns:thm15="http://schemas.microsoft.com/office/thememl/2012/main" name="Office Theme" id="{62F939B6-93AF-4DB8-9C6B-D6C7DFDC589F}" vid="{4A3C46E8-61CC-4603-A589-7422A47A8E4A}"/>
+      <thm15:themeFamily xmlns:thm15="http://schemas.microsoft.com/office/thememl/2012/main" xmlns="" name="Office Theme" id="{62F939B6-93AF-4DB8-9C6B-D6C7DFDC589F}" vid="{4A3C46E8-61CC-4603-A589-7422A47A8E4A}"/>
     </a:ext>
   </a:extLst>
 </a:theme>
@@ -30481,7 +30450,7 @@
   <a:extraClrSchemeLst/>
   <a:extLst>
     <a:ext uri="{05A4C25C-085E-4340-85A3-A5531E510DB2}">
-      <thm15:themeFamily xmlns="" xmlns:thm15="http://schemas.microsoft.com/office/thememl/2012/main" name="Office Theme" id="{62F939B6-93AF-4DB8-9C6B-D6C7DFDC589F}" vid="{4A3C46E8-61CC-4603-A589-7422A47A8E4A}"/>
+      <thm15:themeFamily xmlns:thm15="http://schemas.microsoft.com/office/thememl/2012/main" xmlns="" name="Office Theme" id="{62F939B6-93AF-4DB8-9C6B-D6C7DFDC589F}" vid="{4A3C46E8-61CC-4603-A589-7422A47A8E4A}"/>
     </a:ext>
   </a:extLst>
 </a:theme>
